--- a/Lecture slides/AMOS B01 - Team and Tools.pptx
+++ b/Lecture slides/AMOS B01 - Team and Tools.pptx
@@ -6602,7 +6602,7 @@
             <a:avLst/>
           </a:prstGeom>
           <a:solidFill>
-            <a:schemeClr val="accent1"/>
+            <a:schemeClr val="accent3"/>
           </a:solidFill>
           <a:ln>
             <a:noFill/>
@@ -6626,7 +6626,11 @@
             <a:r>
               <a:t/>
             </a:r>
-            <a:endParaRPr/>
+            <a:endParaRPr>
+              <a:solidFill>
+                <a:schemeClr val="dk1"/>
+              </a:solidFill>
+            </a:endParaRPr>
           </a:p>
         </p:txBody>
       </p:sp>
@@ -6795,7 +6799,7 @@
             <a:avLst/>
           </a:prstGeom>
           <a:solidFill>
-            <a:schemeClr val="accent1"/>
+            <a:schemeClr val="accent3"/>
           </a:solidFill>
           <a:ln>
             <a:noFill/>
@@ -6819,7 +6823,11 @@
             <a:r>
               <a:t/>
             </a:r>
-            <a:endParaRPr/>
+            <a:endParaRPr>
+              <a:solidFill>
+                <a:schemeClr val="dk1"/>
+              </a:solidFill>
+            </a:endParaRPr>
           </a:p>
         </p:txBody>
       </p:sp>
@@ -7255,7 +7263,7 @@
             <a:avLst/>
           </a:prstGeom>
           <a:solidFill>
-            <a:schemeClr val="accent1"/>
+            <a:schemeClr val="accent3"/>
           </a:solidFill>
           <a:ln>
             <a:noFill/>
@@ -7279,7 +7287,11 @@
             <a:r>
               <a:t/>
             </a:r>
-            <a:endParaRPr/>
+            <a:endParaRPr>
+              <a:solidFill>
+                <a:schemeClr val="dk1"/>
+              </a:solidFill>
+            </a:endParaRPr>
           </a:p>
         </p:txBody>
       </p:sp>
@@ -7843,7 +7855,7 @@
             <a:avLst/>
           </a:prstGeom>
           <a:solidFill>
-            <a:schemeClr val="accent1"/>
+            <a:schemeClr val="accent3"/>
           </a:solidFill>
           <a:ln>
             <a:noFill/>
@@ -7867,7 +7879,11 @@
             <a:r>
               <a:t/>
             </a:r>
-            <a:endParaRPr/>
+            <a:endParaRPr>
+              <a:solidFill>
+                <a:schemeClr val="dk1"/>
+              </a:solidFill>
+            </a:endParaRPr>
           </a:p>
         </p:txBody>
       </p:sp>
@@ -8178,7 +8194,7 @@
             <a:avLst/>
           </a:prstGeom>
           <a:solidFill>
-            <a:schemeClr val="accent1"/>
+            <a:schemeClr val="accent3"/>
           </a:solidFill>
           <a:ln>
             <a:noFill/>
@@ -10392,7 +10408,7 @@
             </a:pPr>
             <a:r>
               <a:rPr lang="en"/>
-              <a:t>One-Time AMOS Deliverable: Team Contract</a:t>
+              <a:t>One-Time Deliverable: Team Contract</a:t>
             </a:r>
             <a:endParaRPr/>
           </a:p>
@@ -10432,7 +10448,7 @@
             </a:pPr>
             <a:r>
               <a:rPr lang="en"/>
-              <a:t>Please discuss and agree on team contract (in planning document)</a:t>
+              <a:t>Please discuss and agree on a team contract (in planning document)</a:t>
             </a:r>
             <a:endParaRPr/>
           </a:p>
@@ -11022,7 +11038,7 @@
             </a:pPr>
             <a:r>
               <a:rPr lang="en"/>
-              <a:t>Final execution (graphis) may be delegated to one person</a:t>
+              <a:t>Final execution (graphics) may be delegated to one person</a:t>
             </a:r>
             <a:endParaRPr/>
           </a:p>
@@ -11412,7 +11428,7 @@
             </a:pPr>
             <a:r>
               <a:rPr lang="en"/>
-              <a:t>One-Time AMOS Deliverable: Team Logo / Team T-Shirt</a:t>
+              <a:t>One-Time Deliverable: Team Logo / Team T-Shirt</a:t>
             </a:r>
             <a:endParaRPr/>
           </a:p>
@@ -12046,7 +12062,7 @@
             </a:pPr>
             <a:r>
               <a:rPr lang="en"/>
-              <a:t>Impediments backlog</a:t>
+              <a:t>Imp-squared backlog</a:t>
             </a:r>
             <a:endParaRPr/>
           </a:p>
@@ -12361,7 +12377,7 @@
             <a:tbl>
               <a:tblPr>
                 <a:noFill/>
-                <a:tableStyleId>{10B4F48F-C7C0-4C12-9473-2F7C0AEBE45E}</a:tableStyleId>
+                <a:tableStyleId>{18036A0A-9692-4A8C-94A9-1534A3C51E8F}</a:tableStyleId>
               </a:tblPr>
               <a:tblGrid>
                 <a:gridCol w="524750"/>
@@ -12439,7 +12455,7 @@
                       <a:tailEnd len="sm" w="sm" type="none"/>
                     </a:lnB>
                     <a:solidFill>
-                      <a:schemeClr val="accent4"/>
+                      <a:schemeClr val="dk2"/>
                     </a:solidFill>
                   </a:tcPr>
                 </a:tc>
@@ -12513,7 +12529,7 @@
                       <a:tailEnd len="sm" w="sm" type="none"/>
                     </a:lnB>
                     <a:solidFill>
-                      <a:schemeClr val="accent4"/>
+                      <a:schemeClr val="dk2"/>
                     </a:solidFill>
                   </a:tcPr>
                 </a:tc>
@@ -12587,7 +12603,7 @@
                       <a:tailEnd len="sm" w="sm" type="none"/>
                     </a:lnB>
                     <a:solidFill>
-                      <a:schemeClr val="accent4"/>
+                      <a:schemeClr val="dk2"/>
                     </a:solidFill>
                   </a:tcPr>
                 </a:tc>
@@ -12846,7 +12862,7 @@
                       <a:tailEnd len="sm" w="sm" type="none"/>
                     </a:lnB>
                     <a:solidFill>
-                      <a:schemeClr val="lt2"/>
+                      <a:schemeClr val="accent1"/>
                     </a:solidFill>
                   </a:tcPr>
                 </a:tc>
@@ -12912,7 +12928,7 @@
                       <a:tailEnd len="sm" w="sm" type="none"/>
                     </a:lnB>
                     <a:solidFill>
-                      <a:schemeClr val="lt2"/>
+                      <a:schemeClr val="accent1"/>
                     </a:solidFill>
                   </a:tcPr>
                 </a:tc>
@@ -12978,7 +12994,7 @@
                       <a:tailEnd len="sm" w="sm" type="none"/>
                     </a:lnB>
                     <a:solidFill>
-                      <a:schemeClr val="lt2"/>
+                      <a:schemeClr val="accent1"/>
                     </a:solidFill>
                   </a:tcPr>
                 </a:tc>
@@ -13246,7 +13262,7 @@
                       <a:tailEnd len="sm" w="sm" type="none"/>
                     </a:lnB>
                     <a:solidFill>
-                      <a:schemeClr val="lt2"/>
+                      <a:schemeClr val="accent1"/>
                     </a:solidFill>
                   </a:tcPr>
                 </a:tc>
@@ -13312,7 +13328,7 @@
                       <a:tailEnd len="sm" w="sm" type="none"/>
                     </a:lnB>
                     <a:solidFill>
-                      <a:schemeClr val="lt2"/>
+                      <a:schemeClr val="accent1"/>
                     </a:solidFill>
                   </a:tcPr>
                 </a:tc>
@@ -13378,7 +13394,7 @@
                       <a:tailEnd len="sm" w="sm" type="none"/>
                     </a:lnB>
                     <a:solidFill>
-                      <a:schemeClr val="lt2"/>
+                      <a:schemeClr val="accent1"/>
                     </a:solidFill>
                   </a:tcPr>
                 </a:tc>
@@ -13646,7 +13662,7 @@
                       <a:tailEnd len="sm" w="sm" type="none"/>
                     </a:lnB>
                     <a:solidFill>
-                      <a:schemeClr val="lt2"/>
+                      <a:schemeClr val="accent1"/>
                     </a:solidFill>
                   </a:tcPr>
                 </a:tc>
@@ -13712,7 +13728,7 @@
                       <a:tailEnd len="sm" w="sm" type="none"/>
                     </a:lnB>
                     <a:solidFill>
-                      <a:schemeClr val="lt2"/>
+                      <a:schemeClr val="accent1"/>
                     </a:solidFill>
                   </a:tcPr>
                 </a:tc>
@@ -13778,7 +13794,7 @@
                       <a:tailEnd len="sm" w="sm" type="none"/>
                     </a:lnB>
                     <a:solidFill>
-                      <a:schemeClr val="lt2"/>
+                      <a:schemeClr val="accent1"/>
                     </a:solidFill>
                   </a:tcPr>
                 </a:tc>
@@ -14046,7 +14062,7 @@
                       <a:tailEnd len="sm" w="sm" type="none"/>
                     </a:lnB>
                     <a:solidFill>
-                      <a:schemeClr val="lt2"/>
+                      <a:schemeClr val="accent1"/>
                     </a:solidFill>
                   </a:tcPr>
                 </a:tc>
@@ -14112,7 +14128,7 @@
                       <a:tailEnd len="sm" w="sm" type="none"/>
                     </a:lnB>
                     <a:solidFill>
-                      <a:schemeClr val="lt2"/>
+                      <a:schemeClr val="accent1"/>
                     </a:solidFill>
                   </a:tcPr>
                 </a:tc>
@@ -14178,7 +14194,7 @@
                       <a:tailEnd len="sm" w="sm" type="none"/>
                     </a:lnB>
                     <a:solidFill>
-                      <a:schemeClr val="lt2"/>
+                      <a:schemeClr val="accent1"/>
                     </a:solidFill>
                   </a:tcPr>
                 </a:tc>
@@ -14446,7 +14462,7 @@
                       <a:tailEnd len="sm" w="sm" type="none"/>
                     </a:lnB>
                     <a:solidFill>
-                      <a:schemeClr val="lt2"/>
+                      <a:schemeClr val="accent1"/>
                     </a:solidFill>
                   </a:tcPr>
                 </a:tc>
@@ -14512,7 +14528,7 @@
                       <a:tailEnd len="sm" w="sm" type="none"/>
                     </a:lnB>
                     <a:solidFill>
-                      <a:schemeClr val="lt2"/>
+                      <a:schemeClr val="accent1"/>
                     </a:solidFill>
                   </a:tcPr>
                 </a:tc>
@@ -14578,7 +14594,7 @@
                       <a:tailEnd len="sm" w="sm" type="none"/>
                     </a:lnB>
                     <a:solidFill>
-                      <a:schemeClr val="lt2"/>
+                      <a:schemeClr val="accent1"/>
                     </a:solidFill>
                   </a:tcPr>
                 </a:tc>
@@ -14846,7 +14862,7 @@
                       <a:tailEnd len="sm" w="sm" type="none"/>
                     </a:lnB>
                     <a:solidFill>
-                      <a:schemeClr val="lt2"/>
+                      <a:schemeClr val="accent1"/>
                     </a:solidFill>
                   </a:tcPr>
                 </a:tc>
@@ -14912,7 +14928,7 @@
                       <a:tailEnd len="sm" w="sm" type="none"/>
                     </a:lnB>
                     <a:solidFill>
-                      <a:schemeClr val="lt2"/>
+                      <a:schemeClr val="accent1"/>
                     </a:solidFill>
                   </a:tcPr>
                 </a:tc>
@@ -14978,7 +14994,7 @@
                       <a:tailEnd len="sm" w="sm" type="none"/>
                     </a:lnB>
                     <a:solidFill>
-                      <a:schemeClr val="lt2"/>
+                      <a:schemeClr val="accent1"/>
                     </a:solidFill>
                   </a:tcPr>
                 </a:tc>
@@ -16037,7 +16053,7 @@
             </a:pPr>
             <a:r>
               <a:rPr lang="en"/>
-              <a:t>Regular AMOS Deliverable: Planning Documents</a:t>
+              <a:t>Regular Deliverable: Planning Documents</a:t>
             </a:r>
             <a:endParaRPr/>
           </a:p>
@@ -16301,7 +16317,7 @@
             <a:tbl>
               <a:tblPr>
                 <a:noFill/>
-                <a:tableStyleId>{53624628-7439-42B2-ACED-88FDE5953C1E}</a:tableStyleId>
+                <a:tableStyleId>{A21EB229-6DB9-45D2-9950-0E57EE97B271}</a:tableStyleId>
               </a:tblPr>
               <a:tblGrid>
                 <a:gridCol w="2148850"/>
@@ -16377,7 +16393,7 @@
                       <a:tailEnd len="sm" w="sm" type="none"/>
                     </a:lnB>
                     <a:solidFill>
-                      <a:schemeClr val="accent4"/>
+                      <a:schemeClr val="dk2"/>
                     </a:solidFill>
                   </a:tcPr>
                 </a:tc>
@@ -16448,7 +16464,7 @@
                       <a:tailEnd len="sm" w="sm" type="none"/>
                     </a:lnB>
                     <a:solidFill>
-                      <a:schemeClr val="accent4"/>
+                      <a:schemeClr val="dk2"/>
                     </a:solidFill>
                   </a:tcPr>
                 </a:tc>
@@ -16519,7 +16535,7 @@
                       <a:tailEnd len="sm" w="sm" type="none"/>
                     </a:lnB>
                     <a:solidFill>
-                      <a:schemeClr val="accent4"/>
+                      <a:schemeClr val="dk2"/>
                     </a:solidFill>
                   </a:tcPr>
                 </a:tc>
@@ -16590,7 +16606,7 @@
                       <a:tailEnd len="sm" w="sm" type="none"/>
                     </a:lnB>
                     <a:solidFill>
-                      <a:schemeClr val="accent4"/>
+                      <a:schemeClr val="dk2"/>
                     </a:solidFill>
                   </a:tcPr>
                 </a:tc>
@@ -16897,7 +16913,7 @@
                       <a:tailEnd len="sm" w="sm" type="none"/>
                     </a:lnB>
                     <a:solidFill>
-                      <a:schemeClr val="lt2"/>
+                      <a:schemeClr val="accent1"/>
                     </a:solidFill>
                   </a:tcPr>
                 </a:tc>
@@ -16960,7 +16976,7 @@
                       <a:tailEnd len="sm" w="sm" type="none"/>
                     </a:lnB>
                     <a:solidFill>
-                      <a:schemeClr val="lt2"/>
+                      <a:schemeClr val="accent1"/>
                     </a:solidFill>
                   </a:tcPr>
                 </a:tc>
@@ -17023,7 +17039,7 @@
                       <a:tailEnd len="sm" w="sm" type="none"/>
                     </a:lnB>
                     <a:solidFill>
-                      <a:schemeClr val="lt2"/>
+                      <a:schemeClr val="accent1"/>
                     </a:solidFill>
                   </a:tcPr>
                 </a:tc>
@@ -17086,7 +17102,7 @@
                       <a:tailEnd len="sm" w="sm" type="none"/>
                     </a:lnB>
                     <a:solidFill>
-                      <a:schemeClr val="lt2"/>
+                      <a:schemeClr val="accent1"/>
                     </a:solidFill>
                   </a:tcPr>
                 </a:tc>
@@ -17405,7 +17421,7 @@
                       <a:tailEnd len="sm" w="sm" type="none"/>
                     </a:lnB>
                     <a:solidFill>
-                      <a:schemeClr val="lt2"/>
+                      <a:schemeClr val="accent1"/>
                     </a:solidFill>
                   </a:tcPr>
                 </a:tc>
@@ -17468,7 +17484,7 @@
                       <a:tailEnd len="sm" w="sm" type="none"/>
                     </a:lnB>
                     <a:solidFill>
-                      <a:schemeClr val="lt2"/>
+                      <a:schemeClr val="accent1"/>
                     </a:solidFill>
                   </a:tcPr>
                 </a:tc>
@@ -17531,7 +17547,7 @@
                       <a:tailEnd len="sm" w="sm" type="none"/>
                     </a:lnB>
                     <a:solidFill>
-                      <a:schemeClr val="lt2"/>
+                      <a:schemeClr val="accent1"/>
                     </a:solidFill>
                   </a:tcPr>
                 </a:tc>
@@ -17594,7 +17610,7 @@
                       <a:tailEnd len="sm" w="sm" type="none"/>
                     </a:lnB>
                     <a:solidFill>
-                      <a:schemeClr val="lt2"/>
+                      <a:schemeClr val="accent1"/>
                     </a:solidFill>
                   </a:tcPr>
                 </a:tc>
@@ -19621,7 +19637,7 @@
             </a:pPr>
             <a:r>
               <a:rPr lang="en"/>
-              <a:t>Regular AMOS Deliverable: Feature Board</a:t>
+              <a:t>Regular Deliverable: Feature Board</a:t>
             </a:r>
             <a:endParaRPr/>
           </a:p>
@@ -20059,7 +20075,7 @@
             <a:avLst/>
           </a:prstGeom>
           <a:solidFill>
-            <a:schemeClr val="lt2"/>
+            <a:schemeClr val="accent1"/>
           </a:solidFill>
           <a:ln>
             <a:noFill/>
@@ -20335,7 +20351,7 @@
             <a:avLst/>
           </a:prstGeom>
           <a:solidFill>
-            <a:schemeClr val="lt2"/>
+            <a:schemeClr val="accent1"/>
           </a:solidFill>
           <a:ln>
             <a:noFill/>
@@ -20696,7 +20712,7 @@
             <a:avLst/>
           </a:prstGeom>
           <a:solidFill>
-            <a:schemeClr val="lt2"/>
+            <a:schemeClr val="accent1"/>
           </a:solidFill>
           <a:ln>
             <a:noFill/>
@@ -21511,7 +21527,7 @@
             <a:avLst/>
           </a:prstGeom>
           <a:solidFill>
-            <a:schemeClr val="lt2"/>
+            <a:schemeClr val="accent1"/>
           </a:solidFill>
           <a:ln>
             <a:noFill/>
@@ -21953,7 +21969,7 @@
             <a:avLst/>
           </a:prstGeom>
           <a:noFill/>
-          <a:ln cap="flat" cmpd="sng" w="76200">
+          <a:ln cap="flat" cmpd="sng" w="38100">
             <a:solidFill>
               <a:schemeClr val="accent3"/>
             </a:solidFill>
@@ -22044,7 +22060,7 @@
             </a:pPr>
             <a:r>
               <a:rPr lang="en"/>
-              <a:t>7. Impediments Backlog</a:t>
+              <a:t>7. Imp-Squared Backlog</a:t>
             </a:r>
             <a:endParaRPr/>
           </a:p>
@@ -22109,7 +22125,7 @@
             </a:pPr>
             <a:r>
               <a:rPr lang="en"/>
-              <a:t>Impediments Backlog (GitHub Project)</a:t>
+              <a:t>Imp-Squared (Impediments x Improvements) Backlog</a:t>
             </a:r>
             <a:endParaRPr/>
           </a:p>
@@ -22149,7 +22165,7 @@
             </a:pPr>
             <a:r>
               <a:rPr lang="en"/>
-              <a:t>The impediment backlog is a slotting system used to</a:t>
+              <a:t>The imp-squared backlog is a slotting system used to</a:t>
             </a:r>
             <a:endParaRPr/>
           </a:p>
@@ -22166,7 +22182,7 @@
             </a:pPr>
             <a:r>
               <a:rPr lang="en"/>
-              <a:t>Manage the processing state of project impediments</a:t>
+              <a:t>Manage the processing state of project impediments and improvements</a:t>
             </a:r>
             <a:endParaRPr/>
           </a:p>
@@ -22200,6 +22216,39 @@
             <a:r>
               <a:rPr lang="en"/>
               <a:t>Holding the team and project back</a:t>
+            </a:r>
+            <a:endParaRPr/>
+          </a:p>
+          <a:p>
+            <a:pPr indent="0" lvl="0" marL="0" rtl="0" algn="l">
+              <a:spcBef>
+                <a:spcPts val="1200"/>
+              </a:spcBef>
+              <a:spcAft>
+                <a:spcPts val="0"/>
+              </a:spcAft>
+              <a:buNone/>
+            </a:pPr>
+            <a:r>
+              <a:rPr lang="en"/>
+              <a:t>Improvements are non-technical desires to</a:t>
+            </a:r>
+            <a:endParaRPr/>
+          </a:p>
+          <a:p>
+            <a:pPr indent="-342900" lvl="0" marL="457200" rtl="0" algn="l">
+              <a:spcBef>
+                <a:spcPts val="1200"/>
+              </a:spcBef>
+              <a:spcAft>
+                <a:spcPts val="0"/>
+              </a:spcAft>
+              <a:buSzPts val="1800"/>
+              <a:buChar char="●"/>
+            </a:pPr>
+            <a:r>
+              <a:rPr lang="en"/>
+              <a:t>Improve team performance</a:t>
             </a:r>
             <a:endParaRPr/>
           </a:p>
@@ -22401,7 +22450,7 @@
             </a:pPr>
             <a:r>
               <a:rPr lang="en"/>
-              <a:t>Regular AMOS Deliverable: Impediments Backlog</a:t>
+              <a:t>Regular Deliverable: Imp-Squared Backlog</a:t>
             </a:r>
             <a:endParaRPr/>
           </a:p>
@@ -22441,7 +22490,7 @@
             </a:pPr>
             <a:r>
               <a:rPr lang="en"/>
-              <a:t>Please initialize your impediments backlog and keep it up-to-date</a:t>
+              <a:t>Please initialize your imp-squared backlog and keep it up-to-date</a:t>
             </a:r>
             <a:endParaRPr/>
           </a:p>
@@ -22457,7 +22506,7 @@
             </a:pPr>
             <a:r>
               <a:rPr lang="en"/>
-              <a:t>Commit a screenshot of your impediments backlog</a:t>
+              <a:t>Commit a screenshot of your imp-squared backlog</a:t>
             </a:r>
             <a:endParaRPr/>
           </a:p>
@@ -22973,10 +23022,10 @@
               <a:buNone/>
             </a:pPr>
             <a:r>
-              <a:rPr lang="en"/>
+              <a:rPr b="1" lang="en"/>
               <a:t>Product owner</a:t>
             </a:r>
-            <a:endParaRPr/>
+            <a:endParaRPr b="1"/>
           </a:p>
           <a:p>
             <a:pPr indent="-342900" lvl="0" marL="457200" rtl="0" algn="l">
@@ -23006,10 +23055,10 @@
               <a:buNone/>
             </a:pPr>
             <a:r>
-              <a:rPr lang="en"/>
+              <a:rPr b="1" lang="en"/>
               <a:t>Software developer</a:t>
             </a:r>
-            <a:endParaRPr/>
+            <a:endParaRPr b="1"/>
           </a:p>
           <a:p>
             <a:pPr indent="-342900" lvl="0" marL="457200" rtl="0" algn="l">
@@ -23039,10 +23088,10 @@
               <a:buNone/>
             </a:pPr>
             <a:r>
-              <a:rPr lang="en"/>
+              <a:rPr b="1" lang="en"/>
               <a:t>Scrum Master</a:t>
             </a:r>
-            <a:endParaRPr/>
+            <a:endParaRPr b="1"/>
           </a:p>
           <a:p>
             <a:pPr indent="-342900" lvl="0" marL="457200" rtl="0" algn="l">
@@ -23246,7 +23295,7 @@
             </a:pPr>
             <a:r>
               <a:rPr lang="en"/>
-              <a:t>Regular AMOS Deliverable: </a:t>
+              <a:t>Regular Deliverable: </a:t>
             </a:r>
             <a:r>
               <a:rPr lang="en"/>
@@ -23777,7 +23826,7 @@
             </a:pPr>
             <a:r>
               <a:rPr lang="en"/>
-              <a:t>Regular AMOS Deliverable: Happiness Index</a:t>
+              <a:t>Regular Deliverable: Happiness Index</a:t>
             </a:r>
             <a:endParaRPr/>
           </a:p>
@@ -24623,10 +24672,14 @@
               <a:t>https://profriehle.com</a:t>
             </a:r>
             <a:r>
-              <a:rPr b="0" lang="en" sz="900"/>
+              <a:rPr b="0" lang="en" sz="900">
+                <a:solidFill>
+                  <a:schemeClr val="dk2"/>
+                </a:solidFill>
+              </a:rPr>
               <a:t> </a:t>
             </a:r>
-            <a:endParaRPr b="0" sz="900"/>
+            <a:endParaRPr/>
           </a:p>
         </p:txBody>
       </p:sp>
@@ -24846,10 +24899,10 @@
               <a:buNone/>
             </a:pPr>
             <a:r>
-              <a:rPr lang="en"/>
+              <a:rPr b="1" lang="en"/>
               <a:t>Release manager</a:t>
             </a:r>
-            <a:endParaRPr/>
+            <a:endParaRPr b="1"/>
           </a:p>
           <a:p>
             <a:pPr indent="-342900" lvl="0" marL="457200" rtl="0" algn="l">
@@ -25747,28 +25800,28 @@
         <a:srgbClr val="FFFFFF"/>
       </a:lt1>
       <a:dk2>
-        <a:srgbClr val="808080"/>
+        <a:srgbClr val="404040"/>
       </a:dk2>
       <a:lt2>
-        <a:srgbClr val="DCDCDC"/>
+        <a:srgbClr val="808080"/>
       </a:lt2>
       <a:accent1>
-        <a:srgbClr val="D50D01"/>
+        <a:srgbClr val="D0D0D0"/>
       </a:accent1>
       <a:accent2>
-        <a:srgbClr val="448AFF"/>
+        <a:srgbClr val="4169E1"/>
       </a:accent2>
       <a:accent3>
         <a:srgbClr val="D50D01"/>
       </a:accent3>
       <a:accent4>
-        <a:srgbClr val="424242"/>
+        <a:srgbClr val="FEB612"/>
       </a:accent4>
       <a:accent5>
-        <a:srgbClr val="3F51B5"/>
+        <a:srgbClr val="4CAF50"/>
       </a:accent5>
       <a:accent6>
-        <a:srgbClr val="4CAF50"/>
+        <a:srgbClr val="8E44AD"/>
       </a:accent6>
       <a:hlink>
         <a:srgbClr val="34A3C5"/>

--- a/Lecture slides/AMOS B01 - Team and Tools.pptx
+++ b/Lecture slides/AMOS B01 - Team and Tools.pptx
@@ -12377,7 +12377,7 @@
             <a:tbl>
               <a:tblPr>
                 <a:noFill/>
-                <a:tableStyleId>{18036A0A-9692-4A8C-94A9-1534A3C51E8F}</a:tableStyleId>
+                <a:tableStyleId>{B830A3FE-7512-4A05-9C4A-8386B5D1065B}</a:tableStyleId>
               </a:tblPr>
               <a:tblGrid>
                 <a:gridCol w="524750"/>
@@ -16317,7 +16317,7 @@
             <a:tbl>
               <a:tblPr>
                 <a:noFill/>
-                <a:tableStyleId>{A21EB229-6DB9-45D2-9950-0E57EE97B271}</a:tableStyleId>
+                <a:tableStyleId>{AFB89668-DCEB-4894-BEAE-017F82E0E11B}</a:tableStyleId>
               </a:tblPr>
               <a:tblGrid>
                 <a:gridCol w="2148850"/>
@@ -21971,7 +21971,7 @@
           <a:noFill/>
           <a:ln cap="flat" cmpd="sng" w="38100">
             <a:solidFill>
-              <a:schemeClr val="accent3"/>
+              <a:schemeClr val="accent2"/>
             </a:solidFill>
             <a:prstDash val="solid"/>
             <a:round/>

--- a/Lecture slides/AMOS B01 - Team and Tools.pptx
+++ b/Lecture slides/AMOS B01 - Team and Tools.pptx
@@ -5710,7 +5710,7 @@
       </p:grpSpPr>
       <p:sp>
         <p:nvSpPr>
-          <p:cNvPr id="398" name="Google Shape;398;g1a111abd510_0_65:notes"/>
+          <p:cNvPr id="398" name="Google Shape;398;g239869f5abc_0_38:notes"/>
           <p:cNvSpPr/>
           <p:nvPr>
             <p:ph idx="2" type="sldImg"/>
@@ -5745,7 +5745,7 @@
       </p:sp>
       <p:sp>
         <p:nvSpPr>
-          <p:cNvPr id="399" name="Google Shape;399;g1a111abd510_0_65:notes"/>
+          <p:cNvPr id="399" name="Google Shape;399;g239869f5abc_0_38:notes"/>
           <p:cNvSpPr txBox="1"/>
           <p:nvPr>
             <p:ph idx="1" type="body"/>
@@ -5809,7 +5809,7 @@
       </p:grpSpPr>
       <p:sp>
         <p:nvSpPr>
-          <p:cNvPr id="404" name="Google Shape;404;g1a111abd510_0_70:notes"/>
+          <p:cNvPr id="404" name="Google Shape;404;g239869f5abc_0_43:notes"/>
           <p:cNvSpPr/>
           <p:nvPr>
             <p:ph idx="2" type="sldImg"/>
@@ -5844,7 +5844,7 @@
       </p:sp>
       <p:sp>
         <p:nvSpPr>
-          <p:cNvPr id="405" name="Google Shape;405;g1a111abd510_0_70:notes"/>
+          <p:cNvPr id="405" name="Google Shape;405;g239869f5abc_0_43:notes"/>
           <p:cNvSpPr txBox="1"/>
           <p:nvPr>
             <p:ph idx="1" type="body"/>
@@ -12377,7 +12377,7 @@
             <a:tbl>
               <a:tblPr>
                 <a:noFill/>
-                <a:tableStyleId>{B830A3FE-7512-4A05-9C4A-8386B5D1065B}</a:tableStyleId>
+                <a:tableStyleId>{F4DB4BDD-1B00-4C76-B332-268B2CBC23B0}</a:tableStyleId>
               </a:tblPr>
               <a:tblGrid>
                 <a:gridCol w="524750"/>
@@ -16317,7 +16317,7 @@
             <a:tbl>
               <a:tblPr>
                 <a:noFill/>
-                <a:tableStyleId>{AFB89668-DCEB-4894-BEAE-017F82E0E11B}</a:tableStyleId>
+                <a:tableStyleId>{77C29DCF-A5C5-420E-AF7C-8BBEC0F890FA}</a:tableStyleId>
               </a:tblPr>
               <a:tblGrid>
                 <a:gridCol w="2148850"/>
@@ -21971,7 +21971,7 @@
           <a:noFill/>
           <a:ln cap="flat" cmpd="sng" w="38100">
             <a:solidFill>
-              <a:schemeClr val="accent2"/>
+              <a:schemeClr val="accent3"/>
             </a:solidFill>
             <a:prstDash val="solid"/>
             <a:round/>
@@ -22125,7 +22125,7 @@
             </a:pPr>
             <a:r>
               <a:rPr lang="en"/>
-              <a:t>Imp-Squared (Impediments x Improvements) Backlog</a:t>
+              <a:t>Imp-Squared (Impediments and Improvements) Backlog</a:t>
             </a:r>
             <a:endParaRPr/>
           </a:p>
@@ -24672,14 +24672,10 @@
               <a:t>https://profriehle.com</a:t>
             </a:r>
             <a:r>
-              <a:rPr b="0" lang="en" sz="900">
-                <a:solidFill>
-                  <a:schemeClr val="dk2"/>
-                </a:solidFill>
-              </a:rPr>
+              <a:rPr b="0" lang="en" sz="900"/>
               <a:t> </a:t>
             </a:r>
-            <a:endParaRPr/>
+            <a:endParaRPr b="0" sz="900"/>
           </a:p>
         </p:txBody>
       </p:sp>
@@ -25511,6 +25507,285 @@
 </file>
 
 <file path=ppt/theme/theme1.xml><?xml version="1.0" encoding="utf-8"?>
+<a:theme xmlns:a="http://schemas.openxmlformats.org/drawingml/2006/main" xmlns:r="http://schemas.openxmlformats.org/officeDocument/2006/relationships" name="AMOS Slides Template">
+  <a:themeElements>
+    <a:clrScheme name="Simple Light">
+      <a:dk1>
+        <a:srgbClr val="000000"/>
+      </a:dk1>
+      <a:lt1>
+        <a:srgbClr val="FFFFFF"/>
+      </a:lt1>
+      <a:dk2>
+        <a:srgbClr val="404040"/>
+      </a:dk2>
+      <a:lt2>
+        <a:srgbClr val="808080"/>
+      </a:lt2>
+      <a:accent1>
+        <a:srgbClr val="D0D0D0"/>
+      </a:accent1>
+      <a:accent2>
+        <a:srgbClr val="4169E1"/>
+      </a:accent2>
+      <a:accent3>
+        <a:srgbClr val="D50D01"/>
+      </a:accent3>
+      <a:accent4>
+        <a:srgbClr val="FEB612"/>
+      </a:accent4>
+      <a:accent5>
+        <a:srgbClr val="4CAF50"/>
+      </a:accent5>
+      <a:accent6>
+        <a:srgbClr val="8E44AD"/>
+      </a:accent6>
+      <a:hlink>
+        <a:srgbClr val="34A3C5"/>
+      </a:hlink>
+      <a:folHlink>
+        <a:srgbClr val="0097A7"/>
+      </a:folHlink>
+    </a:clrScheme>
+    <a:fontScheme name="Office">
+      <a:majorFont>
+        <a:latin typeface="Arial"/>
+        <a:ea typeface=""/>
+        <a:cs typeface=""/>
+        <a:font script="Jpan" typeface="ＭＳ Ｐゴシック"/>
+        <a:font script="Hang" typeface="맑은 고딕"/>
+        <a:font script="Hans" typeface="宋体"/>
+        <a:font script="Hant" typeface="新細明體"/>
+        <a:font script="Arab" typeface="Times New Roman"/>
+        <a:font script="Hebr" typeface="Times New Roman"/>
+        <a:font script="Thai" typeface="Angsana New"/>
+        <a:font script="Ethi" typeface="Nyala"/>
+        <a:font script="Beng" typeface="Vrinda"/>
+        <a:font script="Gujr" typeface="Shruti"/>
+        <a:font script="Khmr" typeface="MoolBoran"/>
+        <a:font script="Knda" typeface="Tunga"/>
+        <a:font script="Guru" typeface="Raavi"/>
+        <a:font script="Cans" typeface="Euphemia"/>
+        <a:font script="Cher" typeface="Plantagenet Cherokee"/>
+        <a:font script="Yiii" typeface="Microsoft Yi Baiti"/>
+        <a:font script="Tibt" typeface="Microsoft Himalaya"/>
+        <a:font script="Thaa" typeface="MV Boli"/>
+        <a:font script="Deva" typeface="Mangal"/>
+        <a:font script="Telu" typeface="Gautami"/>
+        <a:font script="Taml" typeface="Latha"/>
+        <a:font script="Syrc" typeface="Estrangelo Edessa"/>
+        <a:font script="Orya" typeface="Kalinga"/>
+        <a:font script="Mlym" typeface="Kartika"/>
+        <a:font script="Laoo" typeface="DokChampa"/>
+        <a:font script="Sinh" typeface="Iskoola Pota"/>
+        <a:font script="Mong" typeface="Mongolian Baiti"/>
+        <a:font script="Viet" typeface="Times New Roman"/>
+        <a:font script="Uigh" typeface="Microsoft Uighur"/>
+        <a:font script="Geor" typeface="Sylfaen"/>
+      </a:majorFont>
+      <a:minorFont>
+        <a:latin typeface="Arial"/>
+        <a:ea typeface=""/>
+        <a:cs typeface=""/>
+        <a:font script="Jpan" typeface="ＭＳ Ｐゴシック"/>
+        <a:font script="Hang" typeface="맑은 고딕"/>
+        <a:font script="Hans" typeface="宋体"/>
+        <a:font script="Hant" typeface="新細明體"/>
+        <a:font script="Arab" typeface="Arial"/>
+        <a:font script="Hebr" typeface="Arial"/>
+        <a:font script="Thai" typeface="Cordia New"/>
+        <a:font script="Ethi" typeface="Nyala"/>
+        <a:font script="Beng" typeface="Vrinda"/>
+        <a:font script="Gujr" typeface="Shruti"/>
+        <a:font script="Khmr" typeface="DaunPenh"/>
+        <a:font script="Knda" typeface="Tunga"/>
+        <a:font script="Guru" typeface="Raavi"/>
+        <a:font script="Cans" typeface="Euphemia"/>
+        <a:font script="Cher" typeface="Plantagenet Cherokee"/>
+        <a:font script="Yiii" typeface="Microsoft Yi Baiti"/>
+        <a:font script="Tibt" typeface="Microsoft Himalaya"/>
+        <a:font script="Thaa" typeface="MV Boli"/>
+        <a:font script="Deva" typeface="Mangal"/>
+        <a:font script="Telu" typeface="Gautami"/>
+        <a:font script="Taml" typeface="Latha"/>
+        <a:font script="Syrc" typeface="Estrangelo Edessa"/>
+        <a:font script="Orya" typeface="Kalinga"/>
+        <a:font script="Mlym" typeface="Kartika"/>
+        <a:font script="Laoo" typeface="DokChampa"/>
+        <a:font script="Sinh" typeface="Iskoola Pota"/>
+        <a:font script="Mong" typeface="Mongolian Baiti"/>
+        <a:font script="Viet" typeface="Arial"/>
+        <a:font script="Uigh" typeface="Microsoft Uighur"/>
+        <a:font script="Geor" typeface="Sylfaen"/>
+      </a:minorFont>
+    </a:fontScheme>
+    <a:fmtScheme name="Office">
+      <a:fillStyleLst>
+        <a:solidFill>
+          <a:schemeClr val="phClr"/>
+        </a:solidFill>
+        <a:gradFill rotWithShape="1">
+          <a:gsLst>
+            <a:gs pos="0">
+              <a:schemeClr val="phClr">
+                <a:tint val="50000"/>
+                <a:satMod val="300000"/>
+              </a:schemeClr>
+            </a:gs>
+            <a:gs pos="35000">
+              <a:schemeClr val="phClr">
+                <a:tint val="37000"/>
+                <a:satMod val="300000"/>
+              </a:schemeClr>
+            </a:gs>
+            <a:gs pos="100000">
+              <a:schemeClr val="phClr">
+                <a:tint val="15000"/>
+                <a:satMod val="350000"/>
+              </a:schemeClr>
+            </a:gs>
+          </a:gsLst>
+          <a:lin ang="16200000" scaled="1"/>
+        </a:gradFill>
+        <a:gradFill rotWithShape="1">
+          <a:gsLst>
+            <a:gs pos="0">
+              <a:schemeClr val="phClr">
+                <a:tint val="100000"/>
+                <a:shade val="100000"/>
+                <a:satMod val="130000"/>
+              </a:schemeClr>
+            </a:gs>
+            <a:gs pos="100000">
+              <a:schemeClr val="phClr">
+                <a:tint val="50000"/>
+                <a:shade val="100000"/>
+                <a:satMod val="350000"/>
+              </a:schemeClr>
+            </a:gs>
+          </a:gsLst>
+          <a:lin ang="16200000" scaled="0"/>
+        </a:gradFill>
+      </a:fillStyleLst>
+      <a:lnStyleLst>
+        <a:ln w="9525" cap="flat" cmpd="sng" algn="ctr">
+          <a:solidFill>
+            <a:schemeClr val="phClr">
+              <a:shade val="95000"/>
+              <a:satMod val="105000"/>
+            </a:schemeClr>
+          </a:solidFill>
+          <a:prstDash val="solid"/>
+        </a:ln>
+        <a:ln w="25400" cap="flat" cmpd="sng" algn="ctr">
+          <a:solidFill>
+            <a:schemeClr val="phClr"/>
+          </a:solidFill>
+          <a:prstDash val="solid"/>
+        </a:ln>
+        <a:ln w="38100" cap="flat" cmpd="sng" algn="ctr">
+          <a:solidFill>
+            <a:schemeClr val="phClr"/>
+          </a:solidFill>
+          <a:prstDash val="solid"/>
+        </a:ln>
+      </a:lnStyleLst>
+      <a:effectStyleLst>
+        <a:effectStyle>
+          <a:effectLst>
+            <a:outerShdw blurRad="40000" dist="20000" dir="5400000" rotWithShape="0">
+              <a:srgbClr val="000000">
+                <a:alpha val="38000"/>
+              </a:srgbClr>
+            </a:outerShdw>
+          </a:effectLst>
+        </a:effectStyle>
+        <a:effectStyle>
+          <a:effectLst>
+            <a:outerShdw blurRad="40000" dist="23000" dir="5400000" rotWithShape="0">
+              <a:srgbClr val="000000">
+                <a:alpha val="35000"/>
+              </a:srgbClr>
+            </a:outerShdw>
+          </a:effectLst>
+        </a:effectStyle>
+        <a:effectStyle>
+          <a:effectLst>
+            <a:outerShdw blurRad="40000" dist="23000" dir="5400000" rotWithShape="0">
+              <a:srgbClr val="000000">
+                <a:alpha val="35000"/>
+              </a:srgbClr>
+            </a:outerShdw>
+          </a:effectLst>
+          <a:scene3d>
+            <a:camera prst="orthographicFront">
+              <a:rot lat="0" lon="0" rev="0"/>
+            </a:camera>
+            <a:lightRig rig="threePt" dir="t">
+              <a:rot lat="0" lon="0" rev="1200000"/>
+            </a:lightRig>
+          </a:scene3d>
+          <a:sp3d>
+            <a:bevelT w="63500" h="25400"/>
+          </a:sp3d>
+        </a:effectStyle>
+      </a:effectStyleLst>
+      <a:bgFillStyleLst>
+        <a:solidFill>
+          <a:schemeClr val="phClr"/>
+        </a:solidFill>
+        <a:gradFill rotWithShape="1">
+          <a:gsLst>
+            <a:gs pos="0">
+              <a:schemeClr val="phClr">
+                <a:tint val="40000"/>
+                <a:satMod val="350000"/>
+              </a:schemeClr>
+            </a:gs>
+            <a:gs pos="40000">
+              <a:schemeClr val="phClr">
+                <a:tint val="45000"/>
+                <a:shade val="99000"/>
+                <a:satMod val="350000"/>
+              </a:schemeClr>
+            </a:gs>
+            <a:gs pos="100000">
+              <a:schemeClr val="phClr">
+                <a:shade val="20000"/>
+                <a:satMod val="255000"/>
+              </a:schemeClr>
+            </a:gs>
+          </a:gsLst>
+          <a:path path="circle">
+            <a:fillToRect l="50000" t="-80000" r="50000" b="180000"/>
+          </a:path>
+        </a:gradFill>
+        <a:gradFill rotWithShape="1">
+          <a:gsLst>
+            <a:gs pos="0">
+              <a:schemeClr val="phClr">
+                <a:tint val="80000"/>
+                <a:satMod val="300000"/>
+              </a:schemeClr>
+            </a:gs>
+            <a:gs pos="100000">
+              <a:schemeClr val="phClr">
+                <a:shade val="30000"/>
+                <a:satMod val="200000"/>
+              </a:schemeClr>
+            </a:gs>
+          </a:gsLst>
+          <a:path path="circle">
+            <a:fillToRect l="50000" t="50000" r="50000" b="50000"/>
+          </a:path>
+        </a:gradFill>
+      </a:bgFillStyleLst>
+    </a:fmtScheme>
+  </a:themeElements>
+</a:theme>
+</file>
+
+<file path=ppt/theme/theme2.xml><?xml version="1.0" encoding="utf-8"?>
 <a:theme xmlns:a="http://schemas.openxmlformats.org/drawingml/2006/main" xmlns:r="http://schemas.openxmlformats.org/officeDocument/2006/relationships">
   <a:themeElements>
     <a:clrScheme name="Default">
@@ -25787,283 +26062,4 @@
     </a:fmtScheme>
   </a:themeElements>
 </a:theme>
-</file>
-
-<file path=ppt/theme/theme2.xml><?xml version="1.0" encoding="utf-8"?>
-<a:theme xmlns:a="http://schemas.openxmlformats.org/drawingml/2006/main" xmlns:r="http://schemas.openxmlformats.org/officeDocument/2006/relationships" name="AMOS Slides Template">
-  <a:themeElements>
-    <a:clrScheme name="Simple Light">
-      <a:dk1>
-        <a:srgbClr val="000000"/>
-      </a:dk1>
-      <a:lt1>
-        <a:srgbClr val="FFFFFF"/>
-      </a:lt1>
-      <a:dk2>
-        <a:srgbClr val="404040"/>
-      </a:dk2>
-      <a:lt2>
-        <a:srgbClr val="808080"/>
-      </a:lt2>
-      <a:accent1>
-        <a:srgbClr val="D0D0D0"/>
-      </a:accent1>
-      <a:accent2>
-        <a:srgbClr val="4169E1"/>
-      </a:accent2>
-      <a:accent3>
-        <a:srgbClr val="D50D01"/>
-      </a:accent3>
-      <a:accent4>
-        <a:srgbClr val="FEB612"/>
-      </a:accent4>
-      <a:accent5>
-        <a:srgbClr val="4CAF50"/>
-      </a:accent5>
-      <a:accent6>
-        <a:srgbClr val="8E44AD"/>
-      </a:accent6>
-      <a:hlink>
-        <a:srgbClr val="34A3C5"/>
-      </a:hlink>
-      <a:folHlink>
-        <a:srgbClr val="0097A7"/>
-      </a:folHlink>
-    </a:clrScheme>
-    <a:fontScheme name="Office">
-      <a:majorFont>
-        <a:latin typeface="Arial"/>
-        <a:ea typeface=""/>
-        <a:cs typeface=""/>
-        <a:font script="Jpan" typeface="ＭＳ Ｐゴシック"/>
-        <a:font script="Hang" typeface="맑은 고딕"/>
-        <a:font script="Hans" typeface="宋体"/>
-        <a:font script="Hant" typeface="新細明體"/>
-        <a:font script="Arab" typeface="Times New Roman"/>
-        <a:font script="Hebr" typeface="Times New Roman"/>
-        <a:font script="Thai" typeface="Angsana New"/>
-        <a:font script="Ethi" typeface="Nyala"/>
-        <a:font script="Beng" typeface="Vrinda"/>
-        <a:font script="Gujr" typeface="Shruti"/>
-        <a:font script="Khmr" typeface="MoolBoran"/>
-        <a:font script="Knda" typeface="Tunga"/>
-        <a:font script="Guru" typeface="Raavi"/>
-        <a:font script="Cans" typeface="Euphemia"/>
-        <a:font script="Cher" typeface="Plantagenet Cherokee"/>
-        <a:font script="Yiii" typeface="Microsoft Yi Baiti"/>
-        <a:font script="Tibt" typeface="Microsoft Himalaya"/>
-        <a:font script="Thaa" typeface="MV Boli"/>
-        <a:font script="Deva" typeface="Mangal"/>
-        <a:font script="Telu" typeface="Gautami"/>
-        <a:font script="Taml" typeface="Latha"/>
-        <a:font script="Syrc" typeface="Estrangelo Edessa"/>
-        <a:font script="Orya" typeface="Kalinga"/>
-        <a:font script="Mlym" typeface="Kartika"/>
-        <a:font script="Laoo" typeface="DokChampa"/>
-        <a:font script="Sinh" typeface="Iskoola Pota"/>
-        <a:font script="Mong" typeface="Mongolian Baiti"/>
-        <a:font script="Viet" typeface="Times New Roman"/>
-        <a:font script="Uigh" typeface="Microsoft Uighur"/>
-        <a:font script="Geor" typeface="Sylfaen"/>
-      </a:majorFont>
-      <a:minorFont>
-        <a:latin typeface="Arial"/>
-        <a:ea typeface=""/>
-        <a:cs typeface=""/>
-        <a:font script="Jpan" typeface="ＭＳ Ｐゴシック"/>
-        <a:font script="Hang" typeface="맑은 고딕"/>
-        <a:font script="Hans" typeface="宋体"/>
-        <a:font script="Hant" typeface="新細明體"/>
-        <a:font script="Arab" typeface="Arial"/>
-        <a:font script="Hebr" typeface="Arial"/>
-        <a:font script="Thai" typeface="Cordia New"/>
-        <a:font script="Ethi" typeface="Nyala"/>
-        <a:font script="Beng" typeface="Vrinda"/>
-        <a:font script="Gujr" typeface="Shruti"/>
-        <a:font script="Khmr" typeface="DaunPenh"/>
-        <a:font script="Knda" typeface="Tunga"/>
-        <a:font script="Guru" typeface="Raavi"/>
-        <a:font script="Cans" typeface="Euphemia"/>
-        <a:font script="Cher" typeface="Plantagenet Cherokee"/>
-        <a:font script="Yiii" typeface="Microsoft Yi Baiti"/>
-        <a:font script="Tibt" typeface="Microsoft Himalaya"/>
-        <a:font script="Thaa" typeface="MV Boli"/>
-        <a:font script="Deva" typeface="Mangal"/>
-        <a:font script="Telu" typeface="Gautami"/>
-        <a:font script="Taml" typeface="Latha"/>
-        <a:font script="Syrc" typeface="Estrangelo Edessa"/>
-        <a:font script="Orya" typeface="Kalinga"/>
-        <a:font script="Mlym" typeface="Kartika"/>
-        <a:font script="Laoo" typeface="DokChampa"/>
-        <a:font script="Sinh" typeface="Iskoola Pota"/>
-        <a:font script="Mong" typeface="Mongolian Baiti"/>
-        <a:font script="Viet" typeface="Arial"/>
-        <a:font script="Uigh" typeface="Microsoft Uighur"/>
-        <a:font script="Geor" typeface="Sylfaen"/>
-      </a:minorFont>
-    </a:fontScheme>
-    <a:fmtScheme name="Office">
-      <a:fillStyleLst>
-        <a:solidFill>
-          <a:schemeClr val="phClr"/>
-        </a:solidFill>
-        <a:gradFill rotWithShape="1">
-          <a:gsLst>
-            <a:gs pos="0">
-              <a:schemeClr val="phClr">
-                <a:tint val="50000"/>
-                <a:satMod val="300000"/>
-              </a:schemeClr>
-            </a:gs>
-            <a:gs pos="35000">
-              <a:schemeClr val="phClr">
-                <a:tint val="37000"/>
-                <a:satMod val="300000"/>
-              </a:schemeClr>
-            </a:gs>
-            <a:gs pos="100000">
-              <a:schemeClr val="phClr">
-                <a:tint val="15000"/>
-                <a:satMod val="350000"/>
-              </a:schemeClr>
-            </a:gs>
-          </a:gsLst>
-          <a:lin ang="16200000" scaled="1"/>
-        </a:gradFill>
-        <a:gradFill rotWithShape="1">
-          <a:gsLst>
-            <a:gs pos="0">
-              <a:schemeClr val="phClr">
-                <a:tint val="100000"/>
-                <a:shade val="100000"/>
-                <a:satMod val="130000"/>
-              </a:schemeClr>
-            </a:gs>
-            <a:gs pos="100000">
-              <a:schemeClr val="phClr">
-                <a:tint val="50000"/>
-                <a:shade val="100000"/>
-                <a:satMod val="350000"/>
-              </a:schemeClr>
-            </a:gs>
-          </a:gsLst>
-          <a:lin ang="16200000" scaled="0"/>
-        </a:gradFill>
-      </a:fillStyleLst>
-      <a:lnStyleLst>
-        <a:ln w="9525" cap="flat" cmpd="sng" algn="ctr">
-          <a:solidFill>
-            <a:schemeClr val="phClr">
-              <a:shade val="95000"/>
-              <a:satMod val="105000"/>
-            </a:schemeClr>
-          </a:solidFill>
-          <a:prstDash val="solid"/>
-        </a:ln>
-        <a:ln w="25400" cap="flat" cmpd="sng" algn="ctr">
-          <a:solidFill>
-            <a:schemeClr val="phClr"/>
-          </a:solidFill>
-          <a:prstDash val="solid"/>
-        </a:ln>
-        <a:ln w="38100" cap="flat" cmpd="sng" algn="ctr">
-          <a:solidFill>
-            <a:schemeClr val="phClr"/>
-          </a:solidFill>
-          <a:prstDash val="solid"/>
-        </a:ln>
-      </a:lnStyleLst>
-      <a:effectStyleLst>
-        <a:effectStyle>
-          <a:effectLst>
-            <a:outerShdw blurRad="40000" dist="20000" dir="5400000" rotWithShape="0">
-              <a:srgbClr val="000000">
-                <a:alpha val="38000"/>
-              </a:srgbClr>
-            </a:outerShdw>
-          </a:effectLst>
-        </a:effectStyle>
-        <a:effectStyle>
-          <a:effectLst>
-            <a:outerShdw blurRad="40000" dist="23000" dir="5400000" rotWithShape="0">
-              <a:srgbClr val="000000">
-                <a:alpha val="35000"/>
-              </a:srgbClr>
-            </a:outerShdw>
-          </a:effectLst>
-        </a:effectStyle>
-        <a:effectStyle>
-          <a:effectLst>
-            <a:outerShdw blurRad="40000" dist="23000" dir="5400000" rotWithShape="0">
-              <a:srgbClr val="000000">
-                <a:alpha val="35000"/>
-              </a:srgbClr>
-            </a:outerShdw>
-          </a:effectLst>
-          <a:scene3d>
-            <a:camera prst="orthographicFront">
-              <a:rot lat="0" lon="0" rev="0"/>
-            </a:camera>
-            <a:lightRig rig="threePt" dir="t">
-              <a:rot lat="0" lon="0" rev="1200000"/>
-            </a:lightRig>
-          </a:scene3d>
-          <a:sp3d>
-            <a:bevelT w="63500" h="25400"/>
-          </a:sp3d>
-        </a:effectStyle>
-      </a:effectStyleLst>
-      <a:bgFillStyleLst>
-        <a:solidFill>
-          <a:schemeClr val="phClr"/>
-        </a:solidFill>
-        <a:gradFill rotWithShape="1">
-          <a:gsLst>
-            <a:gs pos="0">
-              <a:schemeClr val="phClr">
-                <a:tint val="40000"/>
-                <a:satMod val="350000"/>
-              </a:schemeClr>
-            </a:gs>
-            <a:gs pos="40000">
-              <a:schemeClr val="phClr">
-                <a:tint val="45000"/>
-                <a:shade val="99000"/>
-                <a:satMod val="350000"/>
-              </a:schemeClr>
-            </a:gs>
-            <a:gs pos="100000">
-              <a:schemeClr val="phClr">
-                <a:shade val="20000"/>
-                <a:satMod val="255000"/>
-              </a:schemeClr>
-            </a:gs>
-          </a:gsLst>
-          <a:path path="circle">
-            <a:fillToRect l="50000" t="-80000" r="50000" b="180000"/>
-          </a:path>
-        </a:gradFill>
-        <a:gradFill rotWithShape="1">
-          <a:gsLst>
-            <a:gs pos="0">
-              <a:schemeClr val="phClr">
-                <a:tint val="80000"/>
-                <a:satMod val="300000"/>
-              </a:schemeClr>
-            </a:gs>
-            <a:gs pos="100000">
-              <a:schemeClr val="phClr">
-                <a:shade val="30000"/>
-                <a:satMod val="200000"/>
-              </a:schemeClr>
-            </a:gs>
-          </a:gsLst>
-          <a:path path="circle">
-            <a:fillToRect l="50000" t="50000" r="50000" b="50000"/>
-          </a:path>
-        </a:gradFill>
-      </a:bgFillStyleLst>
-    </a:fmtScheme>
-  </a:themeElements>
-</a:theme>
 </file>
--- a/Lecture slides/AMOS B01 - Team and Tools.pptx
+++ b/Lecture slides/AMOS B01 - Team and Tools.pptx
@@ -845,7 +845,7 @@
   <p:cSld>
     <p:spTree>
       <p:nvGrpSpPr>
-        <p:cNvPr id="90" name="Shape 90"/>
+        <p:cNvPr id="91" name="Shape 91"/>
         <p:cNvGrpSpPr/>
         <p:nvPr/>
       </p:nvGrpSpPr>
@@ -859,7 +859,7 @@
       </p:grpSpPr>
       <p:sp>
         <p:nvSpPr>
-          <p:cNvPr id="91" name="Google Shape;91;g22c3a52a549_0_271:notes"/>
+          <p:cNvPr id="92" name="Google Shape;92;g22c3a52a549_0_271:notes"/>
           <p:cNvSpPr/>
           <p:nvPr>
             <p:ph idx="2" type="sldImg"/>
@@ -894,7 +894,7 @@
       </p:sp>
       <p:sp>
         <p:nvSpPr>
-          <p:cNvPr id="92" name="Google Shape;92;g22c3a52a549_0_271:notes"/>
+          <p:cNvPr id="93" name="Google Shape;93;g22c3a52a549_0_271:notes"/>
           <p:cNvSpPr txBox="1"/>
           <p:nvPr>
             <p:ph idx="1" type="body"/>
@@ -944,7 +944,7 @@
   <p:cSld>
     <p:spTree>
       <p:nvGrpSpPr>
-        <p:cNvPr id="97" name="Shape 97"/>
+        <p:cNvPr id="98" name="Shape 98"/>
         <p:cNvGrpSpPr/>
         <p:nvPr/>
       </p:nvGrpSpPr>
@@ -958,7 +958,7 @@
       </p:grpSpPr>
       <p:sp>
         <p:nvSpPr>
-          <p:cNvPr id="98" name="Google Shape;98;g22c3a52a549_0_278:notes"/>
+          <p:cNvPr id="99" name="Google Shape;99;g22c3a52a549_0_278:notes"/>
           <p:cNvSpPr/>
           <p:nvPr>
             <p:ph idx="2" type="sldImg"/>
@@ -993,7 +993,7 @@
       </p:sp>
       <p:sp>
         <p:nvSpPr>
-          <p:cNvPr id="99" name="Google Shape;99;g22c3a52a549_0_278:notes"/>
+          <p:cNvPr id="100" name="Google Shape;100;g22c3a52a549_0_278:notes"/>
           <p:cNvSpPr txBox="1"/>
           <p:nvPr>
             <p:ph idx="1" type="body"/>
@@ -1043,7 +1043,7 @@
   <p:cSld>
     <p:spTree>
       <p:nvGrpSpPr>
-        <p:cNvPr id="104" name="Shape 104"/>
+        <p:cNvPr id="105" name="Shape 105"/>
         <p:cNvGrpSpPr/>
         <p:nvPr/>
       </p:nvGrpSpPr>
@@ -1057,7 +1057,7 @@
       </p:grpSpPr>
       <p:sp>
         <p:nvSpPr>
-          <p:cNvPr id="105" name="Google Shape;105;g152a3f74d0d_0_63:notes"/>
+          <p:cNvPr id="106" name="Google Shape;106;g152a3f74d0d_0_63:notes"/>
           <p:cNvSpPr/>
           <p:nvPr>
             <p:ph idx="2" type="sldImg"/>
@@ -1092,7 +1092,7 @@
       </p:sp>
       <p:sp>
         <p:nvSpPr>
-          <p:cNvPr id="106" name="Google Shape;106;g152a3f74d0d_0_63:notes"/>
+          <p:cNvPr id="107" name="Google Shape;107;g152a3f74d0d_0_63:notes"/>
           <p:cNvSpPr txBox="1"/>
           <p:nvPr>
             <p:ph idx="1" type="body"/>
@@ -1142,7 +1142,7 @@
   <p:cSld>
     <p:spTree>
       <p:nvGrpSpPr>
-        <p:cNvPr id="111" name="Shape 111"/>
+        <p:cNvPr id="112" name="Shape 112"/>
         <p:cNvGrpSpPr/>
         <p:nvPr/>
       </p:nvGrpSpPr>
@@ -1156,7 +1156,7 @@
       </p:grpSpPr>
       <p:sp>
         <p:nvSpPr>
-          <p:cNvPr id="112" name="Google Shape;112;g22c3a52a549_0_0:notes"/>
+          <p:cNvPr id="113" name="Google Shape;113;g22c3a52a549_0_0:notes"/>
           <p:cNvSpPr/>
           <p:nvPr>
             <p:ph idx="2" type="sldImg"/>
@@ -1191,7 +1191,7 @@
       </p:sp>
       <p:sp>
         <p:nvSpPr>
-          <p:cNvPr id="113" name="Google Shape;113;g22c3a52a549_0_0:notes"/>
+          <p:cNvPr id="114" name="Google Shape;114;g22c3a52a549_0_0:notes"/>
           <p:cNvSpPr txBox="1"/>
           <p:nvPr>
             <p:ph idx="1" type="body"/>
@@ -1241,7 +1241,7 @@
   <p:cSld>
     <p:spTree>
       <p:nvGrpSpPr>
-        <p:cNvPr id="116" name="Shape 116"/>
+        <p:cNvPr id="117" name="Shape 117"/>
         <p:cNvGrpSpPr/>
         <p:nvPr/>
       </p:nvGrpSpPr>
@@ -1255,7 +1255,7 @@
       </p:grpSpPr>
       <p:sp>
         <p:nvSpPr>
-          <p:cNvPr id="117" name="Google Shape;117;g152a3f74d0d_0_69:notes"/>
+          <p:cNvPr id="118" name="Google Shape;118;g152a3f74d0d_0_69:notes"/>
           <p:cNvSpPr/>
           <p:nvPr>
             <p:ph idx="2" type="sldImg"/>
@@ -1290,7 +1290,7 @@
       </p:sp>
       <p:sp>
         <p:nvSpPr>
-          <p:cNvPr id="118" name="Google Shape;118;g152a3f74d0d_0_69:notes"/>
+          <p:cNvPr id="119" name="Google Shape;119;g152a3f74d0d_0_69:notes"/>
           <p:cNvSpPr txBox="1"/>
           <p:nvPr>
             <p:ph idx="1" type="body"/>
@@ -1340,7 +1340,7 @@
   <p:cSld>
     <p:spTree>
       <p:nvGrpSpPr>
-        <p:cNvPr id="124" name="Shape 124"/>
+        <p:cNvPr id="125" name="Shape 125"/>
         <p:cNvGrpSpPr/>
         <p:nvPr/>
       </p:nvGrpSpPr>
@@ -1354,7 +1354,7 @@
       </p:grpSpPr>
       <p:sp>
         <p:nvSpPr>
-          <p:cNvPr id="125" name="Google Shape;125;g22c3a52a549_0_285:notes"/>
+          <p:cNvPr id="126" name="Google Shape;126;g22c3a52a549_0_285:notes"/>
           <p:cNvSpPr/>
           <p:nvPr>
             <p:ph idx="2" type="sldImg"/>
@@ -1389,7 +1389,7 @@
       </p:sp>
       <p:sp>
         <p:nvSpPr>
-          <p:cNvPr id="126" name="Google Shape;126;g22c3a52a549_0_285:notes"/>
+          <p:cNvPr id="127" name="Google Shape;127;g22c3a52a549_0_285:notes"/>
           <p:cNvSpPr txBox="1"/>
           <p:nvPr>
             <p:ph idx="1" type="body"/>
@@ -1439,7 +1439,7 @@
   <p:cSld>
     <p:spTree>
       <p:nvGrpSpPr>
-        <p:cNvPr id="131" name="Shape 131"/>
+        <p:cNvPr id="132" name="Shape 132"/>
         <p:cNvGrpSpPr/>
         <p:nvPr/>
       </p:nvGrpSpPr>
@@ -1453,7 +1453,7 @@
       </p:grpSpPr>
       <p:sp>
         <p:nvSpPr>
-          <p:cNvPr id="132" name="Google Shape;132;g152a3f74d0d_0_75:notes"/>
+          <p:cNvPr id="133" name="Google Shape;133;g152a3f74d0d_0_75:notes"/>
           <p:cNvSpPr/>
           <p:nvPr>
             <p:ph idx="2" type="sldImg"/>
@@ -1488,7 +1488,7 @@
       </p:sp>
       <p:sp>
         <p:nvSpPr>
-          <p:cNvPr id="133" name="Google Shape;133;g152a3f74d0d_0_75:notes"/>
+          <p:cNvPr id="134" name="Google Shape;134;g152a3f74d0d_0_75:notes"/>
           <p:cNvSpPr txBox="1"/>
           <p:nvPr>
             <p:ph idx="1" type="body"/>
@@ -1538,7 +1538,7 @@
   <p:cSld>
     <p:spTree>
       <p:nvGrpSpPr>
-        <p:cNvPr id="139" name="Shape 139"/>
+        <p:cNvPr id="140" name="Shape 140"/>
         <p:cNvGrpSpPr/>
         <p:nvPr/>
       </p:nvGrpSpPr>
@@ -1552,7 +1552,7 @@
       </p:grpSpPr>
       <p:sp>
         <p:nvSpPr>
-          <p:cNvPr id="140" name="Google Shape;140;g22c56dd9f66_0_10:notes"/>
+          <p:cNvPr id="141" name="Google Shape;141;g22c56dd9f66_0_10:notes"/>
           <p:cNvSpPr/>
           <p:nvPr>
             <p:ph idx="2" type="sldImg"/>
@@ -1587,7 +1587,7 @@
       </p:sp>
       <p:sp>
         <p:nvSpPr>
-          <p:cNvPr id="141" name="Google Shape;141;g22c56dd9f66_0_10:notes"/>
+          <p:cNvPr id="142" name="Google Shape;142;g22c56dd9f66_0_10:notes"/>
           <p:cNvSpPr txBox="1"/>
           <p:nvPr>
             <p:ph idx="1" type="body"/>
@@ -1637,7 +1637,7 @@
   <p:cSld>
     <p:spTree>
       <p:nvGrpSpPr>
-        <p:cNvPr id="146" name="Shape 146"/>
+        <p:cNvPr id="147" name="Shape 147"/>
         <p:cNvGrpSpPr/>
         <p:nvPr/>
       </p:nvGrpSpPr>
@@ -1651,7 +1651,7 @@
       </p:grpSpPr>
       <p:sp>
         <p:nvSpPr>
-          <p:cNvPr id="147" name="Google Shape;147;g22c3a52a549_0_8:notes"/>
+          <p:cNvPr id="148" name="Google Shape;148;g22c3a52a549_0_8:notes"/>
           <p:cNvSpPr/>
           <p:nvPr>
             <p:ph idx="2" type="sldImg"/>
@@ -1686,7 +1686,7 @@
       </p:sp>
       <p:sp>
         <p:nvSpPr>
-          <p:cNvPr id="148" name="Google Shape;148;g22c3a52a549_0_8:notes"/>
+          <p:cNvPr id="149" name="Google Shape;149;g22c3a52a549_0_8:notes"/>
           <p:cNvSpPr txBox="1"/>
           <p:nvPr>
             <p:ph idx="1" type="body"/>
@@ -1736,7 +1736,7 @@
   <p:cSld>
     <p:spTree>
       <p:nvGrpSpPr>
-        <p:cNvPr id="151" name="Shape 151"/>
+        <p:cNvPr id="152" name="Shape 152"/>
         <p:cNvGrpSpPr/>
         <p:nvPr/>
       </p:nvGrpSpPr>
@@ -1750,7 +1750,7 @@
       </p:grpSpPr>
       <p:sp>
         <p:nvSpPr>
-          <p:cNvPr id="152" name="Google Shape;152;g22c3a52a549_0_60:notes"/>
+          <p:cNvPr id="153" name="Google Shape;153;g22c3a52a549_0_60:notes"/>
           <p:cNvSpPr/>
           <p:nvPr>
             <p:ph idx="2" type="sldImg"/>
@@ -1785,7 +1785,7 @@
       </p:sp>
       <p:sp>
         <p:nvSpPr>
-          <p:cNvPr id="153" name="Google Shape;153;g22c3a52a549_0_60:notes"/>
+          <p:cNvPr id="154" name="Google Shape;154;g22c3a52a549_0_60:notes"/>
           <p:cNvSpPr txBox="1"/>
           <p:nvPr>
             <p:ph idx="1" type="body"/>
@@ -1934,7 +1934,7 @@
   <p:cSld>
     <p:spTree>
       <p:nvGrpSpPr>
-        <p:cNvPr id="158" name="Shape 158"/>
+        <p:cNvPr id="159" name="Shape 159"/>
         <p:cNvGrpSpPr/>
         <p:nvPr/>
       </p:nvGrpSpPr>
@@ -1948,7 +1948,7 @@
       </p:grpSpPr>
       <p:sp>
         <p:nvSpPr>
-          <p:cNvPr id="159" name="Google Shape;159;g22c3a52a549_0_66:notes"/>
+          <p:cNvPr id="160" name="Google Shape;160;g22c3a52a549_0_66:notes"/>
           <p:cNvSpPr/>
           <p:nvPr>
             <p:ph idx="2" type="sldImg"/>
@@ -1983,7 +1983,7 @@
       </p:sp>
       <p:sp>
         <p:nvSpPr>
-          <p:cNvPr id="160" name="Google Shape;160;g22c3a52a549_0_66:notes"/>
+          <p:cNvPr id="161" name="Google Shape;161;g22c3a52a549_0_66:notes"/>
           <p:cNvSpPr txBox="1"/>
           <p:nvPr>
             <p:ph idx="1" type="body"/>
@@ -2033,7 +2033,7 @@
   <p:cSld>
     <p:spTree>
       <p:nvGrpSpPr>
-        <p:cNvPr id="165" name="Shape 165"/>
+        <p:cNvPr id="166" name="Shape 166"/>
         <p:cNvGrpSpPr/>
         <p:nvPr/>
       </p:nvGrpSpPr>
@@ -2047,7 +2047,7 @@
       </p:grpSpPr>
       <p:sp>
         <p:nvSpPr>
-          <p:cNvPr id="166" name="Google Shape;166;g22c3a52a549_0_72:notes"/>
+          <p:cNvPr id="167" name="Google Shape;167;g22c3a52a549_0_72:notes"/>
           <p:cNvSpPr/>
           <p:nvPr>
             <p:ph idx="2" type="sldImg"/>
@@ -2082,7 +2082,7 @@
       </p:sp>
       <p:sp>
         <p:nvSpPr>
-          <p:cNvPr id="167" name="Google Shape;167;g22c3a52a549_0_72:notes"/>
+          <p:cNvPr id="168" name="Google Shape;168;g22c3a52a549_0_72:notes"/>
           <p:cNvSpPr txBox="1"/>
           <p:nvPr>
             <p:ph idx="1" type="body"/>
@@ -2132,7 +2132,7 @@
   <p:cSld>
     <p:spTree>
       <p:nvGrpSpPr>
-        <p:cNvPr id="172" name="Shape 172"/>
+        <p:cNvPr id="173" name="Shape 173"/>
         <p:cNvGrpSpPr/>
         <p:nvPr/>
       </p:nvGrpSpPr>
@@ -2146,7 +2146,7 @@
       </p:grpSpPr>
       <p:sp>
         <p:nvSpPr>
-          <p:cNvPr id="173" name="Google Shape;173;g22c3a52a549_0_78:notes"/>
+          <p:cNvPr id="174" name="Google Shape;174;g22c3a52a549_0_78:notes"/>
           <p:cNvSpPr/>
           <p:nvPr>
             <p:ph idx="2" type="sldImg"/>
@@ -2181,7 +2181,7 @@
       </p:sp>
       <p:sp>
         <p:nvSpPr>
-          <p:cNvPr id="174" name="Google Shape;174;g22c3a52a549_0_78:notes"/>
+          <p:cNvPr id="175" name="Google Shape;175;g22c3a52a549_0_78:notes"/>
           <p:cNvSpPr txBox="1"/>
           <p:nvPr>
             <p:ph idx="1" type="body"/>
@@ -2231,7 +2231,7 @@
   <p:cSld>
     <p:spTree>
       <p:nvGrpSpPr>
-        <p:cNvPr id="179" name="Shape 179"/>
+        <p:cNvPr id="180" name="Shape 180"/>
         <p:cNvGrpSpPr/>
         <p:nvPr/>
       </p:nvGrpSpPr>
@@ -2245,7 +2245,7 @@
       </p:grpSpPr>
       <p:sp>
         <p:nvSpPr>
-          <p:cNvPr id="180" name="Google Shape;180;g22c3a52a549_0_84:notes"/>
+          <p:cNvPr id="181" name="Google Shape;181;g22c3a52a549_0_84:notes"/>
           <p:cNvSpPr/>
           <p:nvPr>
             <p:ph idx="2" type="sldImg"/>
@@ -2280,7 +2280,7 @@
       </p:sp>
       <p:sp>
         <p:nvSpPr>
-          <p:cNvPr id="181" name="Google Shape;181;g22c3a52a549_0_84:notes"/>
+          <p:cNvPr id="182" name="Google Shape;182;g22c3a52a549_0_84:notes"/>
           <p:cNvSpPr txBox="1"/>
           <p:nvPr>
             <p:ph idx="1" type="body"/>
@@ -2330,7 +2330,7 @@
   <p:cSld>
     <p:spTree>
       <p:nvGrpSpPr>
-        <p:cNvPr id="186" name="Shape 186"/>
+        <p:cNvPr id="187" name="Shape 187"/>
         <p:cNvGrpSpPr/>
         <p:nvPr/>
       </p:nvGrpSpPr>
@@ -2344,7 +2344,7 @@
       </p:grpSpPr>
       <p:sp>
         <p:nvSpPr>
-          <p:cNvPr id="187" name="Google Shape;187;g22c3a52a549_0_90:notes"/>
+          <p:cNvPr id="188" name="Google Shape;188;g22c3a52a549_0_90:notes"/>
           <p:cNvSpPr/>
           <p:nvPr>
             <p:ph idx="2" type="sldImg"/>
@@ -2379,7 +2379,7 @@
       </p:sp>
       <p:sp>
         <p:nvSpPr>
-          <p:cNvPr id="188" name="Google Shape;188;g22c3a52a549_0_90:notes"/>
+          <p:cNvPr id="189" name="Google Shape;189;g22c3a52a549_0_90:notes"/>
           <p:cNvSpPr txBox="1"/>
           <p:nvPr>
             <p:ph idx="1" type="body"/>
@@ -2429,7 +2429,7 @@
   <p:cSld>
     <p:spTree>
       <p:nvGrpSpPr>
-        <p:cNvPr id="193" name="Shape 193"/>
+        <p:cNvPr id="194" name="Shape 194"/>
         <p:cNvGrpSpPr/>
         <p:nvPr/>
       </p:nvGrpSpPr>
@@ -2443,7 +2443,7 @@
       </p:grpSpPr>
       <p:sp>
         <p:nvSpPr>
-          <p:cNvPr id="194" name="Google Shape;194;g22c3a52a549_0_96:notes"/>
+          <p:cNvPr id="195" name="Google Shape;195;g22c3a52a549_0_96:notes"/>
           <p:cNvSpPr/>
           <p:nvPr>
             <p:ph idx="2" type="sldImg"/>
@@ -2478,7 +2478,7 @@
       </p:sp>
       <p:sp>
         <p:nvSpPr>
-          <p:cNvPr id="195" name="Google Shape;195;g22c3a52a549_0_96:notes"/>
+          <p:cNvPr id="196" name="Google Shape;196;g22c3a52a549_0_96:notes"/>
           <p:cNvSpPr txBox="1"/>
           <p:nvPr>
             <p:ph idx="1" type="body"/>
@@ -2528,7 +2528,7 @@
   <p:cSld>
     <p:spTree>
       <p:nvGrpSpPr>
-        <p:cNvPr id="200" name="Shape 200"/>
+        <p:cNvPr id="201" name="Shape 201"/>
         <p:cNvGrpSpPr/>
         <p:nvPr/>
       </p:nvGrpSpPr>
@@ -2542,7 +2542,7 @@
       </p:grpSpPr>
       <p:sp>
         <p:nvSpPr>
-          <p:cNvPr id="201" name="Google Shape;201;g22c56dd9f66_0_16:notes"/>
+          <p:cNvPr id="202" name="Google Shape;202;g22c56dd9f66_0_16:notes"/>
           <p:cNvSpPr/>
           <p:nvPr>
             <p:ph idx="2" type="sldImg"/>
@@ -2577,7 +2577,7 @@
       </p:sp>
       <p:sp>
         <p:nvSpPr>
-          <p:cNvPr id="202" name="Google Shape;202;g22c56dd9f66_0_16:notes"/>
+          <p:cNvPr id="203" name="Google Shape;203;g22c56dd9f66_0_16:notes"/>
           <p:cNvSpPr txBox="1"/>
           <p:nvPr>
             <p:ph idx="1" type="body"/>
@@ -2627,7 +2627,7 @@
   <p:cSld>
     <p:spTree>
       <p:nvGrpSpPr>
-        <p:cNvPr id="207" name="Shape 207"/>
+        <p:cNvPr id="208" name="Shape 208"/>
         <p:cNvGrpSpPr/>
         <p:nvPr/>
       </p:nvGrpSpPr>
@@ -2641,7 +2641,7 @@
       </p:grpSpPr>
       <p:sp>
         <p:nvSpPr>
-          <p:cNvPr id="208" name="Google Shape;208;g22c3a52a549_0_102:notes"/>
+          <p:cNvPr id="209" name="Google Shape;209;g22c3a52a549_0_102:notes"/>
           <p:cNvSpPr/>
           <p:nvPr>
             <p:ph idx="2" type="sldImg"/>
@@ -2676,7 +2676,7 @@
       </p:sp>
       <p:sp>
         <p:nvSpPr>
-          <p:cNvPr id="209" name="Google Shape;209;g22c3a52a549_0_102:notes"/>
+          <p:cNvPr id="210" name="Google Shape;210;g22c3a52a549_0_102:notes"/>
           <p:cNvSpPr txBox="1"/>
           <p:nvPr>
             <p:ph idx="1" type="body"/>
@@ -2726,7 +2726,7 @@
   <p:cSld>
     <p:spTree>
       <p:nvGrpSpPr>
-        <p:cNvPr id="215" name="Shape 215"/>
+        <p:cNvPr id="216" name="Shape 216"/>
         <p:cNvGrpSpPr/>
         <p:nvPr/>
       </p:nvGrpSpPr>
@@ -2740,7 +2740,7 @@
       </p:grpSpPr>
       <p:sp>
         <p:nvSpPr>
-          <p:cNvPr id="216" name="Google Shape;216;g22c3a52a549_0_16:notes"/>
+          <p:cNvPr id="217" name="Google Shape;217;g22c3a52a549_0_16:notes"/>
           <p:cNvSpPr/>
           <p:nvPr>
             <p:ph idx="2" type="sldImg"/>
@@ -2775,7 +2775,7 @@
       </p:sp>
       <p:sp>
         <p:nvSpPr>
-          <p:cNvPr id="217" name="Google Shape;217;g22c3a52a549_0_16:notes"/>
+          <p:cNvPr id="218" name="Google Shape;218;g22c3a52a549_0_16:notes"/>
           <p:cNvSpPr txBox="1"/>
           <p:nvPr>
             <p:ph idx="1" type="body"/>
@@ -2825,7 +2825,7 @@
   <p:cSld>
     <p:spTree>
       <p:nvGrpSpPr>
-        <p:cNvPr id="220" name="Shape 220"/>
+        <p:cNvPr id="221" name="Shape 221"/>
         <p:cNvGrpSpPr/>
         <p:nvPr/>
       </p:nvGrpSpPr>
@@ -2839,7 +2839,7 @@
       </p:grpSpPr>
       <p:sp>
         <p:nvSpPr>
-          <p:cNvPr id="221" name="Google Shape;221;g22c3a52a549_0_132:notes"/>
+          <p:cNvPr id="222" name="Google Shape;222;g22c3a52a549_0_132:notes"/>
           <p:cNvSpPr/>
           <p:nvPr>
             <p:ph idx="2" type="sldImg"/>
@@ -2874,7 +2874,7 @@
       </p:sp>
       <p:sp>
         <p:nvSpPr>
-          <p:cNvPr id="222" name="Google Shape;222;g22c3a52a549_0_132:notes"/>
+          <p:cNvPr id="223" name="Google Shape;223;g22c3a52a549_0_132:notes"/>
           <p:cNvSpPr txBox="1"/>
           <p:nvPr>
             <p:ph idx="1" type="body"/>
@@ -3023,7 +3023,7 @@
   <p:cSld>
     <p:spTree>
       <p:nvGrpSpPr>
-        <p:cNvPr id="227" name="Shape 227"/>
+        <p:cNvPr id="228" name="Shape 228"/>
         <p:cNvGrpSpPr/>
         <p:nvPr/>
       </p:nvGrpSpPr>
@@ -3037,7 +3037,7 @@
       </p:grpSpPr>
       <p:sp>
         <p:nvSpPr>
-          <p:cNvPr id="228" name="Google Shape;228;g22c3a52a549_0_138:notes"/>
+          <p:cNvPr id="229" name="Google Shape;229;g22c3a52a549_0_138:notes"/>
           <p:cNvSpPr/>
           <p:nvPr>
             <p:ph idx="2" type="sldImg"/>
@@ -3072,7 +3072,7 @@
       </p:sp>
       <p:sp>
         <p:nvSpPr>
-          <p:cNvPr id="229" name="Google Shape;229;g22c3a52a549_0_138:notes"/>
+          <p:cNvPr id="230" name="Google Shape;230;g22c3a52a549_0_138:notes"/>
           <p:cNvSpPr txBox="1"/>
           <p:nvPr>
             <p:ph idx="1" type="body"/>
@@ -3122,7 +3122,7 @@
   <p:cSld>
     <p:spTree>
       <p:nvGrpSpPr>
-        <p:cNvPr id="234" name="Shape 234"/>
+        <p:cNvPr id="235" name="Shape 235"/>
         <p:cNvGrpSpPr/>
         <p:nvPr/>
       </p:nvGrpSpPr>
@@ -3136,7 +3136,7 @@
       </p:grpSpPr>
       <p:sp>
         <p:nvSpPr>
-          <p:cNvPr id="235" name="Google Shape;235;g22c3a52a549_0_144:notes"/>
+          <p:cNvPr id="236" name="Google Shape;236;g22c3a52a549_0_144:notes"/>
           <p:cNvSpPr/>
           <p:nvPr>
             <p:ph idx="2" type="sldImg"/>
@@ -3171,7 +3171,7 @@
       </p:sp>
       <p:sp>
         <p:nvSpPr>
-          <p:cNvPr id="236" name="Google Shape;236;g22c3a52a549_0_144:notes"/>
+          <p:cNvPr id="237" name="Google Shape;237;g22c3a52a549_0_144:notes"/>
           <p:cNvSpPr txBox="1"/>
           <p:nvPr>
             <p:ph idx="1" type="body"/>
@@ -3221,7 +3221,7 @@
   <p:cSld>
     <p:spTree>
       <p:nvGrpSpPr>
-        <p:cNvPr id="239" name="Shape 239"/>
+        <p:cNvPr id="240" name="Shape 240"/>
         <p:cNvGrpSpPr/>
         <p:nvPr/>
       </p:nvGrpSpPr>
@@ -3235,7 +3235,7 @@
       </p:grpSpPr>
       <p:sp>
         <p:nvSpPr>
-          <p:cNvPr id="240" name="Google Shape;240;g22c3a52a549_0_113:notes"/>
+          <p:cNvPr id="241" name="Google Shape;241;g22c3a52a549_0_113:notes"/>
           <p:cNvSpPr/>
           <p:nvPr>
             <p:ph idx="2" type="sldImg"/>
@@ -3270,7 +3270,7 @@
       </p:sp>
       <p:sp>
         <p:nvSpPr>
-          <p:cNvPr id="241" name="Google Shape;241;g22c3a52a549_0_113:notes"/>
+          <p:cNvPr id="242" name="Google Shape;242;g22c3a52a549_0_113:notes"/>
           <p:cNvSpPr txBox="1"/>
           <p:nvPr>
             <p:ph idx="1" type="body"/>
@@ -3320,7 +3320,7 @@
   <p:cSld>
     <p:spTree>
       <p:nvGrpSpPr>
-        <p:cNvPr id="246" name="Shape 246"/>
+        <p:cNvPr id="247" name="Shape 247"/>
         <p:cNvGrpSpPr/>
         <p:nvPr/>
       </p:nvGrpSpPr>
@@ -3334,7 +3334,7 @@
       </p:grpSpPr>
       <p:sp>
         <p:nvSpPr>
-          <p:cNvPr id="247" name="Google Shape;247;g22c3a52a549_0_119:notes"/>
+          <p:cNvPr id="248" name="Google Shape;248;g22c3a52a549_0_119:notes"/>
           <p:cNvSpPr/>
           <p:nvPr>
             <p:ph idx="2" type="sldImg"/>
@@ -3369,7 +3369,7 @@
       </p:sp>
       <p:sp>
         <p:nvSpPr>
-          <p:cNvPr id="248" name="Google Shape;248;g22c3a52a549_0_119:notes"/>
+          <p:cNvPr id="249" name="Google Shape;249;g22c3a52a549_0_119:notes"/>
           <p:cNvSpPr txBox="1"/>
           <p:nvPr>
             <p:ph idx="1" type="body"/>
@@ -3419,7 +3419,7 @@
   <p:cSld>
     <p:spTree>
       <p:nvGrpSpPr>
-        <p:cNvPr id="253" name="Shape 253"/>
+        <p:cNvPr id="254" name="Shape 254"/>
         <p:cNvGrpSpPr/>
         <p:nvPr/>
       </p:nvGrpSpPr>
@@ -3433,7 +3433,7 @@
       </p:grpSpPr>
       <p:sp>
         <p:nvSpPr>
-          <p:cNvPr id="254" name="Google Shape;254;g22c3a52a549_0_125:notes"/>
+          <p:cNvPr id="255" name="Google Shape;255;g22c3a52a549_0_125:notes"/>
           <p:cNvSpPr/>
           <p:nvPr>
             <p:ph idx="2" type="sldImg"/>
@@ -3468,7 +3468,7 @@
       </p:sp>
       <p:sp>
         <p:nvSpPr>
-          <p:cNvPr id="255" name="Google Shape;255;g22c3a52a549_0_125:notes"/>
+          <p:cNvPr id="256" name="Google Shape;256;g22c3a52a549_0_125:notes"/>
           <p:cNvSpPr txBox="1"/>
           <p:nvPr>
             <p:ph idx="1" type="body"/>
@@ -3518,7 +3518,7 @@
   <p:cSld>
     <p:spTree>
       <p:nvGrpSpPr>
-        <p:cNvPr id="261" name="Shape 261"/>
+        <p:cNvPr id="262" name="Shape 262"/>
         <p:cNvGrpSpPr/>
         <p:nvPr/>
       </p:nvGrpSpPr>
@@ -3532,7 +3532,7 @@
       </p:grpSpPr>
       <p:sp>
         <p:nvSpPr>
-          <p:cNvPr id="262" name="Google Shape;262;g152a3f74d0d_0_38:notes"/>
+          <p:cNvPr id="263" name="Google Shape;263;g152a3f74d0d_0_38:notes"/>
           <p:cNvSpPr/>
           <p:nvPr>
             <p:ph idx="2" type="sldImg"/>
@@ -3567,7 +3567,7 @@
       </p:sp>
       <p:sp>
         <p:nvSpPr>
-          <p:cNvPr id="263" name="Google Shape;263;g152a3f74d0d_0_38:notes"/>
+          <p:cNvPr id="264" name="Google Shape;264;g152a3f74d0d_0_38:notes"/>
           <p:cNvSpPr txBox="1"/>
           <p:nvPr>
             <p:ph idx="1" type="body"/>
@@ -3617,7 +3617,7 @@
   <p:cSld>
     <p:spTree>
       <p:nvGrpSpPr>
-        <p:cNvPr id="268" name="Shape 268"/>
+        <p:cNvPr id="269" name="Shape 269"/>
         <p:cNvGrpSpPr/>
         <p:nvPr/>
       </p:nvGrpSpPr>
@@ -3631,7 +3631,7 @@
       </p:grpSpPr>
       <p:sp>
         <p:nvSpPr>
-          <p:cNvPr id="269" name="Google Shape;269;g22c3a52a549_0_20:notes"/>
+          <p:cNvPr id="270" name="Google Shape;270;g22c3a52a549_0_20:notes"/>
           <p:cNvSpPr/>
           <p:nvPr>
             <p:ph idx="2" type="sldImg"/>
@@ -3666,7 +3666,7 @@
       </p:sp>
       <p:sp>
         <p:nvSpPr>
-          <p:cNvPr id="270" name="Google Shape;270;g22c3a52a549_0_20:notes"/>
+          <p:cNvPr id="271" name="Google Shape;271;g22c3a52a549_0_20:notes"/>
           <p:cNvSpPr txBox="1"/>
           <p:nvPr>
             <p:ph idx="1" type="body"/>
@@ -3716,7 +3716,7 @@
   <p:cSld>
     <p:spTree>
       <p:nvGrpSpPr>
-        <p:cNvPr id="273" name="Shape 273"/>
+        <p:cNvPr id="274" name="Shape 274"/>
         <p:cNvGrpSpPr/>
         <p:nvPr/>
       </p:nvGrpSpPr>
@@ -3730,7 +3730,7 @@
       </p:grpSpPr>
       <p:sp>
         <p:nvSpPr>
-          <p:cNvPr id="274" name="Google Shape;274;g22c3a52a549_0_152:notes"/>
+          <p:cNvPr id="275" name="Google Shape;275;g22c3a52a549_0_152:notes"/>
           <p:cNvSpPr/>
           <p:nvPr>
             <p:ph idx="2" type="sldImg"/>
@@ -3765,7 +3765,7 @@
       </p:sp>
       <p:sp>
         <p:nvSpPr>
-          <p:cNvPr id="275" name="Google Shape;275;g22c3a52a549_0_152:notes"/>
+          <p:cNvPr id="276" name="Google Shape;276;g22c3a52a549_0_152:notes"/>
           <p:cNvSpPr txBox="1"/>
           <p:nvPr>
             <p:ph idx="1" type="body"/>
@@ -3815,7 +3815,7 @@
   <p:cSld>
     <p:spTree>
       <p:nvGrpSpPr>
-        <p:cNvPr id="281" name="Shape 281"/>
+        <p:cNvPr id="282" name="Shape 282"/>
         <p:cNvGrpSpPr/>
         <p:nvPr/>
       </p:nvGrpSpPr>
@@ -3829,7 +3829,7 @@
       </p:grpSpPr>
       <p:sp>
         <p:nvSpPr>
-          <p:cNvPr id="282" name="Google Shape;282;g22c3a52a549_0_159:notes"/>
+          <p:cNvPr id="283" name="Google Shape;283;g22c3a52a549_0_159:notes"/>
           <p:cNvSpPr/>
           <p:nvPr>
             <p:ph idx="2" type="sldImg"/>
@@ -3864,7 +3864,7 @@
       </p:sp>
       <p:sp>
         <p:nvSpPr>
-          <p:cNvPr id="283" name="Google Shape;283;g22c3a52a549_0_159:notes"/>
+          <p:cNvPr id="284" name="Google Shape;284;g22c3a52a549_0_159:notes"/>
           <p:cNvSpPr txBox="1"/>
           <p:nvPr>
             <p:ph idx="1" type="body"/>
@@ -3914,7 +3914,7 @@
   <p:cSld>
     <p:spTree>
       <p:nvGrpSpPr>
-        <p:cNvPr id="289" name="Shape 289"/>
+        <p:cNvPr id="290" name="Shape 290"/>
         <p:cNvGrpSpPr/>
         <p:nvPr/>
       </p:nvGrpSpPr>
@@ -3928,7 +3928,7 @@
       </p:grpSpPr>
       <p:sp>
         <p:nvSpPr>
-          <p:cNvPr id="290" name="Google Shape;290;g22c3a52a549_0_166:notes"/>
+          <p:cNvPr id="291" name="Google Shape;291;g22c3a52a549_0_166:notes"/>
           <p:cNvSpPr/>
           <p:nvPr>
             <p:ph idx="2" type="sldImg"/>
@@ -3963,7 +3963,7 @@
       </p:sp>
       <p:sp>
         <p:nvSpPr>
-          <p:cNvPr id="291" name="Google Shape;291;g22c3a52a549_0_166:notes"/>
+          <p:cNvPr id="292" name="Google Shape;292;g22c3a52a549_0_166:notes"/>
           <p:cNvSpPr txBox="1"/>
           <p:nvPr>
             <p:ph idx="1" type="body"/>
@@ -4112,7 +4112,7 @@
   <p:cSld>
     <p:spTree>
       <p:nvGrpSpPr>
-        <p:cNvPr id="297" name="Shape 297"/>
+        <p:cNvPr id="298" name="Shape 298"/>
         <p:cNvGrpSpPr/>
         <p:nvPr/>
       </p:nvGrpSpPr>
@@ -4126,7 +4126,7 @@
       </p:grpSpPr>
       <p:sp>
         <p:nvSpPr>
-          <p:cNvPr id="298" name="Google Shape;298;g22c3a52a549_0_173:notes"/>
+          <p:cNvPr id="299" name="Google Shape;299;g22c3a52a549_0_173:notes"/>
           <p:cNvSpPr/>
           <p:nvPr>
             <p:ph idx="2" type="sldImg"/>
@@ -4161,7 +4161,7 @@
       </p:sp>
       <p:sp>
         <p:nvSpPr>
-          <p:cNvPr id="299" name="Google Shape;299;g22c3a52a549_0_173:notes"/>
+          <p:cNvPr id="300" name="Google Shape;300;g22c3a52a549_0_173:notes"/>
           <p:cNvSpPr txBox="1"/>
           <p:nvPr>
             <p:ph idx="1" type="body"/>
@@ -4211,7 +4211,7 @@
   <p:cSld>
     <p:spTree>
       <p:nvGrpSpPr>
-        <p:cNvPr id="304" name="Shape 304"/>
+        <p:cNvPr id="305" name="Shape 305"/>
         <p:cNvGrpSpPr/>
         <p:nvPr/>
       </p:nvGrpSpPr>
@@ -4225,7 +4225,7 @@
       </p:grpSpPr>
       <p:sp>
         <p:nvSpPr>
-          <p:cNvPr id="305" name="Google Shape;305;g22c3a52a549_0_179:notes"/>
+          <p:cNvPr id="306" name="Google Shape;306;g22c3a52a549_0_179:notes"/>
           <p:cNvSpPr/>
           <p:nvPr>
             <p:ph idx="2" type="sldImg"/>
@@ -4260,7 +4260,7 @@
       </p:sp>
       <p:sp>
         <p:nvSpPr>
-          <p:cNvPr id="306" name="Google Shape;306;g22c3a52a549_0_179:notes"/>
+          <p:cNvPr id="307" name="Google Shape;307;g22c3a52a549_0_179:notes"/>
           <p:cNvSpPr txBox="1"/>
           <p:nvPr>
             <p:ph idx="1" type="body"/>
@@ -4310,7 +4310,7 @@
   <p:cSld>
     <p:spTree>
       <p:nvGrpSpPr>
-        <p:cNvPr id="313" name="Shape 313"/>
+        <p:cNvPr id="314" name="Shape 314"/>
         <p:cNvGrpSpPr/>
         <p:nvPr/>
       </p:nvGrpSpPr>
@@ -4324,7 +4324,7 @@
       </p:grpSpPr>
       <p:sp>
         <p:nvSpPr>
-          <p:cNvPr id="314" name="Google Shape;314;g22c3a52a549_0_187:notes"/>
+          <p:cNvPr id="315" name="Google Shape;315;g22c3a52a549_0_187:notes"/>
           <p:cNvSpPr/>
           <p:nvPr>
             <p:ph idx="2" type="sldImg"/>
@@ -4359,7 +4359,7 @@
       </p:sp>
       <p:sp>
         <p:nvSpPr>
-          <p:cNvPr id="315" name="Google Shape;315;g22c3a52a549_0_187:notes"/>
+          <p:cNvPr id="316" name="Google Shape;316;g22c3a52a549_0_187:notes"/>
           <p:cNvSpPr txBox="1"/>
           <p:nvPr>
             <p:ph idx="1" type="body"/>
@@ -4409,7 +4409,7 @@
   <p:cSld>
     <p:spTree>
       <p:nvGrpSpPr>
-        <p:cNvPr id="320" name="Shape 320"/>
+        <p:cNvPr id="321" name="Shape 321"/>
         <p:cNvGrpSpPr/>
         <p:nvPr/>
       </p:nvGrpSpPr>
@@ -4423,7 +4423,7 @@
       </p:grpSpPr>
       <p:sp>
         <p:nvSpPr>
-          <p:cNvPr id="321" name="Google Shape;321;g22c3a52a549_0_193:notes"/>
+          <p:cNvPr id="322" name="Google Shape;322;g22c3a52a549_0_193:notes"/>
           <p:cNvSpPr/>
           <p:nvPr>
             <p:ph idx="2" type="sldImg"/>
@@ -4458,7 +4458,7 @@
       </p:sp>
       <p:sp>
         <p:nvSpPr>
-          <p:cNvPr id="322" name="Google Shape;322;g22c3a52a549_0_193:notes"/>
+          <p:cNvPr id="323" name="Google Shape;323;g22c3a52a549_0_193:notes"/>
           <p:cNvSpPr txBox="1"/>
           <p:nvPr>
             <p:ph idx="1" type="body"/>
@@ -4508,7 +4508,7 @@
   <p:cSld>
     <p:spTree>
       <p:nvGrpSpPr>
-        <p:cNvPr id="326" name="Shape 326"/>
+        <p:cNvPr id="327" name="Shape 327"/>
         <p:cNvGrpSpPr/>
         <p:nvPr/>
       </p:nvGrpSpPr>
@@ -4522,7 +4522,7 @@
       </p:grpSpPr>
       <p:sp>
         <p:nvSpPr>
-          <p:cNvPr id="327" name="Google Shape;327;g22c3a52a549_0_24:notes"/>
+          <p:cNvPr id="328" name="Google Shape;328;g22c3a52a549_0_24:notes"/>
           <p:cNvSpPr/>
           <p:nvPr>
             <p:ph idx="2" type="sldImg"/>
@@ -4557,7 +4557,7 @@
       </p:sp>
       <p:sp>
         <p:nvSpPr>
-          <p:cNvPr id="328" name="Google Shape;328;g22c3a52a549_0_24:notes"/>
+          <p:cNvPr id="329" name="Google Shape;329;g22c3a52a549_0_24:notes"/>
           <p:cNvSpPr txBox="1"/>
           <p:nvPr>
             <p:ph idx="1" type="body"/>
@@ -4607,7 +4607,7 @@
   <p:cSld>
     <p:spTree>
       <p:nvGrpSpPr>
-        <p:cNvPr id="331" name="Shape 331"/>
+        <p:cNvPr id="332" name="Shape 332"/>
         <p:cNvGrpSpPr/>
         <p:nvPr/>
       </p:nvGrpSpPr>
@@ -4621,7 +4621,7 @@
       </p:grpSpPr>
       <p:sp>
         <p:nvSpPr>
-          <p:cNvPr id="332" name="Google Shape;332;g22c3a52a549_0_239:notes"/>
+          <p:cNvPr id="333" name="Google Shape;333;g22c3a52a549_0_239:notes"/>
           <p:cNvSpPr/>
           <p:nvPr>
             <p:ph idx="2" type="sldImg"/>
@@ -4656,7 +4656,7 @@
       </p:sp>
       <p:sp>
         <p:nvSpPr>
-          <p:cNvPr id="333" name="Google Shape;333;g22c3a52a549_0_239:notes"/>
+          <p:cNvPr id="334" name="Google Shape;334;g22c3a52a549_0_239:notes"/>
           <p:cNvSpPr txBox="1"/>
           <p:nvPr>
             <p:ph idx="1" type="body"/>
@@ -4706,7 +4706,7 @@
   <p:cSld>
     <p:spTree>
       <p:nvGrpSpPr>
-        <p:cNvPr id="338" name="Shape 338"/>
+        <p:cNvPr id="339" name="Shape 339"/>
         <p:cNvGrpSpPr/>
         <p:nvPr/>
       </p:nvGrpSpPr>
@@ -4720,7 +4720,7 @@
       </p:grpSpPr>
       <p:sp>
         <p:nvSpPr>
-          <p:cNvPr id="339" name="Google Shape;339;g22c3a52a549_0_245:notes"/>
+          <p:cNvPr id="340" name="Google Shape;340;g22c3a52a549_0_245:notes"/>
           <p:cNvSpPr/>
           <p:nvPr>
             <p:ph idx="2" type="sldImg"/>
@@ -4755,7 +4755,7 @@
       </p:sp>
       <p:sp>
         <p:nvSpPr>
-          <p:cNvPr id="340" name="Google Shape;340;g22c3a52a549_0_245:notes"/>
+          <p:cNvPr id="341" name="Google Shape;341;g22c3a52a549_0_245:notes"/>
           <p:cNvSpPr txBox="1"/>
           <p:nvPr>
             <p:ph idx="1" type="body"/>
@@ -4805,7 +4805,7 @@
   <p:cSld>
     <p:spTree>
       <p:nvGrpSpPr>
-        <p:cNvPr id="343" name="Shape 343"/>
+        <p:cNvPr id="344" name="Shape 344"/>
         <p:cNvGrpSpPr/>
         <p:nvPr/>
       </p:nvGrpSpPr>
@@ -4819,7 +4819,7 @@
       </p:grpSpPr>
       <p:sp>
         <p:nvSpPr>
-          <p:cNvPr id="344" name="Google Shape;344;g22c56dd9f66_0_22:notes"/>
+          <p:cNvPr id="345" name="Google Shape;345;g22c56dd9f66_0_22:notes"/>
           <p:cNvSpPr/>
           <p:nvPr>
             <p:ph idx="2" type="sldImg"/>
@@ -4854,7 +4854,7 @@
       </p:sp>
       <p:sp>
         <p:nvSpPr>
-          <p:cNvPr id="345" name="Google Shape;345;g22c56dd9f66_0_22:notes"/>
+          <p:cNvPr id="346" name="Google Shape;346;g22c56dd9f66_0_22:notes"/>
           <p:cNvSpPr txBox="1"/>
           <p:nvPr>
             <p:ph idx="1" type="body"/>
@@ -4904,7 +4904,7 @@
   <p:cSld>
     <p:spTree>
       <p:nvGrpSpPr>
-        <p:cNvPr id="350" name="Shape 350"/>
+        <p:cNvPr id="351" name="Shape 351"/>
         <p:cNvGrpSpPr/>
         <p:nvPr/>
       </p:nvGrpSpPr>
@@ -4918,7 +4918,7 @@
       </p:grpSpPr>
       <p:sp>
         <p:nvSpPr>
-          <p:cNvPr id="351" name="Google Shape;351;g22c3a52a549_0_249:notes"/>
+          <p:cNvPr id="352" name="Google Shape;352;g22c3a52a549_0_249:notes"/>
           <p:cNvSpPr/>
           <p:nvPr>
             <p:ph idx="2" type="sldImg"/>
@@ -4953,7 +4953,7 @@
       </p:sp>
       <p:sp>
         <p:nvSpPr>
-          <p:cNvPr id="352" name="Google Shape;352;g22c3a52a549_0_249:notes"/>
+          <p:cNvPr id="353" name="Google Shape;353;g22c3a52a549_0_249:notes"/>
           <p:cNvSpPr txBox="1"/>
           <p:nvPr>
             <p:ph idx="1" type="body"/>
@@ -5003,7 +5003,7 @@
   <p:cSld>
     <p:spTree>
       <p:nvGrpSpPr>
-        <p:cNvPr id="355" name="Shape 355"/>
+        <p:cNvPr id="356" name="Shape 356"/>
         <p:cNvGrpSpPr/>
         <p:nvPr/>
       </p:nvGrpSpPr>
@@ -5017,7 +5017,7 @@
       </p:grpSpPr>
       <p:sp>
         <p:nvSpPr>
-          <p:cNvPr id="356" name="Google Shape;356;g152a3f74d0d_0_22:notes"/>
+          <p:cNvPr id="357" name="Google Shape;357;g152a3f74d0d_0_22:notes"/>
           <p:cNvSpPr/>
           <p:nvPr>
             <p:ph idx="2" type="sldImg"/>
@@ -5052,7 +5052,7 @@
       </p:sp>
       <p:sp>
         <p:nvSpPr>
-          <p:cNvPr id="357" name="Google Shape;357;g152a3f74d0d_0_22:notes"/>
+          <p:cNvPr id="358" name="Google Shape;358;g152a3f74d0d_0_22:notes"/>
           <p:cNvSpPr txBox="1"/>
           <p:nvPr>
             <p:ph idx="1" type="body"/>
@@ -5102,7 +5102,7 @@
   <p:cSld>
     <p:spTree>
       <p:nvGrpSpPr>
-        <p:cNvPr id="57" name="Shape 57"/>
+        <p:cNvPr id="58" name="Shape 58"/>
         <p:cNvGrpSpPr/>
         <p:nvPr/>
       </p:nvGrpSpPr>
@@ -5116,7 +5116,7 @@
       </p:grpSpPr>
       <p:sp>
         <p:nvSpPr>
-          <p:cNvPr id="58" name="Google Shape;58;g22c3a52a549_0_32:notes"/>
+          <p:cNvPr id="59" name="Google Shape;59;g22c3a52a549_0_32:notes"/>
           <p:cNvSpPr/>
           <p:nvPr>
             <p:ph idx="2" type="sldImg"/>
@@ -5151,7 +5151,7 @@
       </p:sp>
       <p:sp>
         <p:nvSpPr>
-          <p:cNvPr id="59" name="Google Shape;59;g22c3a52a549_0_32:notes"/>
+          <p:cNvPr id="60" name="Google Shape;60;g22c3a52a549_0_32:notes"/>
           <p:cNvSpPr txBox="1"/>
           <p:nvPr>
             <p:ph idx="1" type="body"/>
@@ -5201,7 +5201,7 @@
   <p:cSld>
     <p:spTree>
       <p:nvGrpSpPr>
-        <p:cNvPr id="362" name="Shape 362"/>
+        <p:cNvPr id="363" name="Shape 363"/>
         <p:cNvGrpSpPr/>
         <p:nvPr/>
       </p:nvGrpSpPr>
@@ -5215,7 +5215,7 @@
       </p:grpSpPr>
       <p:sp>
         <p:nvSpPr>
-          <p:cNvPr id="363" name="Google Shape;363;g22c56dd9f66_0_3:notes"/>
+          <p:cNvPr id="364" name="Google Shape;364;g22c56dd9f66_0_3:notes"/>
           <p:cNvSpPr/>
           <p:nvPr>
             <p:ph idx="2" type="sldImg"/>
@@ -5250,7 +5250,7 @@
       </p:sp>
       <p:sp>
         <p:nvSpPr>
-          <p:cNvPr id="364" name="Google Shape;364;g22c56dd9f66_0_3:notes"/>
+          <p:cNvPr id="365" name="Google Shape;365;g22c56dd9f66_0_3:notes"/>
           <p:cNvSpPr txBox="1"/>
           <p:nvPr>
             <p:ph idx="1" type="body"/>
@@ -5300,7 +5300,7 @@
   <p:cSld>
     <p:spTree>
       <p:nvGrpSpPr>
-        <p:cNvPr id="370" name="Shape 370"/>
+        <p:cNvPr id="371" name="Shape 371"/>
         <p:cNvGrpSpPr/>
         <p:nvPr/>
       </p:nvGrpSpPr>
@@ -5314,7 +5314,7 @@
       </p:grpSpPr>
       <p:sp>
         <p:nvSpPr>
-          <p:cNvPr id="371" name="Google Shape;371;g22c3a52a549_0_28:notes"/>
+          <p:cNvPr id="372" name="Google Shape;372;g22c3a52a549_0_28:notes"/>
           <p:cNvSpPr/>
           <p:nvPr>
             <p:ph idx="2" type="sldImg"/>
@@ -5349,7 +5349,7 @@
       </p:sp>
       <p:sp>
         <p:nvSpPr>
-          <p:cNvPr id="372" name="Google Shape;372;g22c3a52a549_0_28:notes"/>
+          <p:cNvPr id="373" name="Google Shape;373;g22c3a52a549_0_28:notes"/>
           <p:cNvSpPr txBox="1"/>
           <p:nvPr>
             <p:ph idx="1" type="body"/>
@@ -5399,7 +5399,7 @@
   <p:cSld>
     <p:spTree>
       <p:nvGrpSpPr>
-        <p:cNvPr id="375" name="Shape 375"/>
+        <p:cNvPr id="376" name="Shape 376"/>
         <p:cNvGrpSpPr/>
         <p:nvPr/>
       </p:nvGrpSpPr>
@@ -5413,7 +5413,7 @@
       </p:grpSpPr>
       <p:sp>
         <p:nvSpPr>
-          <p:cNvPr id="376" name="Google Shape;376;g152a3f74d0d_0_44:notes"/>
+          <p:cNvPr id="377" name="Google Shape;377;g152a3f74d0d_0_44:notes"/>
           <p:cNvSpPr/>
           <p:nvPr>
             <p:ph idx="2" type="sldImg"/>
@@ -5448,7 +5448,7 @@
       </p:sp>
       <p:sp>
         <p:nvSpPr>
-          <p:cNvPr id="377" name="Google Shape;377;g152a3f74d0d_0_44:notes"/>
+          <p:cNvPr id="378" name="Google Shape;378;g152a3f74d0d_0_44:notes"/>
           <p:cNvSpPr txBox="1"/>
           <p:nvPr>
             <p:ph idx="1" type="body"/>
@@ -5498,7 +5498,7 @@
   <p:cSld>
     <p:spTree>
       <p:nvGrpSpPr>
-        <p:cNvPr id="383" name="Shape 383"/>
+        <p:cNvPr id="384" name="Shape 384"/>
         <p:cNvGrpSpPr/>
         <p:nvPr/>
       </p:nvGrpSpPr>
@@ -5512,7 +5512,7 @@
       </p:grpSpPr>
       <p:sp>
         <p:nvSpPr>
-          <p:cNvPr id="384" name="Google Shape;384;g22c56dd9f66_0_29:notes"/>
+          <p:cNvPr id="385" name="Google Shape;385;g22c56dd9f66_0_29:notes"/>
           <p:cNvSpPr/>
           <p:nvPr>
             <p:ph idx="2" type="sldImg"/>
@@ -5547,7 +5547,7 @@
       </p:sp>
       <p:sp>
         <p:nvSpPr>
-          <p:cNvPr id="385" name="Google Shape;385;g22c56dd9f66_0_29:notes"/>
+          <p:cNvPr id="386" name="Google Shape;386;g22c56dd9f66_0_29:notes"/>
           <p:cNvSpPr txBox="1"/>
           <p:nvPr>
             <p:ph idx="1" type="body"/>
@@ -5597,7 +5597,7 @@
   <p:cSld>
     <p:spTree>
       <p:nvGrpSpPr>
-        <p:cNvPr id="390" name="Shape 390"/>
+        <p:cNvPr id="391" name="Shape 391"/>
         <p:cNvGrpSpPr/>
         <p:nvPr/>
       </p:nvGrpSpPr>
@@ -5611,7 +5611,7 @@
       </p:grpSpPr>
       <p:sp>
         <p:nvSpPr>
-          <p:cNvPr id="391" name="Google Shape;391;g22c56dd9f66_0_37:notes"/>
+          <p:cNvPr id="392" name="Google Shape;392;g22c56dd9f66_0_37:notes"/>
           <p:cNvSpPr/>
           <p:nvPr>
             <p:ph idx="2" type="sldImg"/>
@@ -5646,7 +5646,7 @@
       </p:sp>
       <p:sp>
         <p:nvSpPr>
-          <p:cNvPr id="392" name="Google Shape;392;g22c56dd9f66_0_37:notes"/>
+          <p:cNvPr id="393" name="Google Shape;393;g22c56dd9f66_0_37:notes"/>
           <p:cNvSpPr txBox="1"/>
           <p:nvPr>
             <p:ph idx="1" type="body"/>
@@ -5696,7 +5696,7 @@
   <p:cSld>
     <p:spTree>
       <p:nvGrpSpPr>
-        <p:cNvPr id="397" name="Shape 397"/>
+        <p:cNvPr id="398" name="Shape 398"/>
         <p:cNvGrpSpPr/>
         <p:nvPr/>
       </p:nvGrpSpPr>
@@ -5710,7 +5710,7 @@
       </p:grpSpPr>
       <p:sp>
         <p:nvSpPr>
-          <p:cNvPr id="398" name="Google Shape;398;g239869f5abc_0_38:notes"/>
+          <p:cNvPr id="399" name="Google Shape;399;g239869f5abc_0_38:notes"/>
           <p:cNvSpPr/>
           <p:nvPr>
             <p:ph idx="2" type="sldImg"/>
@@ -5745,7 +5745,7 @@
       </p:sp>
       <p:sp>
         <p:nvSpPr>
-          <p:cNvPr id="399" name="Google Shape;399;g239869f5abc_0_38:notes"/>
+          <p:cNvPr id="400" name="Google Shape;400;g239869f5abc_0_38:notes"/>
           <p:cNvSpPr txBox="1"/>
           <p:nvPr>
             <p:ph idx="1" type="body"/>
@@ -5795,7 +5795,7 @@
   <p:cSld>
     <p:spTree>
       <p:nvGrpSpPr>
-        <p:cNvPr id="403" name="Shape 403"/>
+        <p:cNvPr id="404" name="Shape 404"/>
         <p:cNvGrpSpPr/>
         <p:nvPr/>
       </p:nvGrpSpPr>
@@ -5809,7 +5809,7 @@
       </p:grpSpPr>
       <p:sp>
         <p:nvSpPr>
-          <p:cNvPr id="404" name="Google Shape;404;g239869f5abc_0_43:notes"/>
+          <p:cNvPr id="405" name="Google Shape;405;g239869f5abc_0_43:notes"/>
           <p:cNvSpPr/>
           <p:nvPr>
             <p:ph idx="2" type="sldImg"/>
@@ -5844,7 +5844,7 @@
       </p:sp>
       <p:sp>
         <p:nvSpPr>
-          <p:cNvPr id="405" name="Google Shape;405;g239869f5abc_0_43:notes"/>
+          <p:cNvPr id="406" name="Google Shape;406;g239869f5abc_0_43:notes"/>
           <p:cNvSpPr txBox="1"/>
           <p:nvPr>
             <p:ph idx="1" type="body"/>
@@ -5894,7 +5894,7 @@
   <p:cSld>
     <p:spTree>
       <p:nvGrpSpPr>
-        <p:cNvPr id="64" name="Shape 64"/>
+        <p:cNvPr id="65" name="Shape 65"/>
         <p:cNvGrpSpPr/>
         <p:nvPr/>
       </p:nvGrpSpPr>
@@ -5908,7 +5908,7 @@
       </p:grpSpPr>
       <p:sp>
         <p:nvSpPr>
-          <p:cNvPr id="65" name="Google Shape;65;g22c3a52a549_0_253:notes"/>
+          <p:cNvPr id="66" name="Google Shape;66;g22c3a52a549_0_253:notes"/>
           <p:cNvSpPr/>
           <p:nvPr>
             <p:ph idx="2" type="sldImg"/>
@@ -5943,7 +5943,7 @@
       </p:sp>
       <p:sp>
         <p:nvSpPr>
-          <p:cNvPr id="66" name="Google Shape;66;g22c3a52a549_0_253:notes"/>
+          <p:cNvPr id="67" name="Google Shape;67;g22c3a52a549_0_253:notes"/>
           <p:cNvSpPr txBox="1"/>
           <p:nvPr>
             <p:ph idx="1" type="body"/>
@@ -5993,7 +5993,7 @@
   <p:cSld>
     <p:spTree>
       <p:nvGrpSpPr>
-        <p:cNvPr id="71" name="Shape 71"/>
+        <p:cNvPr id="72" name="Shape 72"/>
         <p:cNvGrpSpPr/>
         <p:nvPr/>
       </p:nvGrpSpPr>
@@ -6007,7 +6007,7 @@
       </p:grpSpPr>
       <p:sp>
         <p:nvSpPr>
-          <p:cNvPr id="72" name="Google Shape;72;g22c3a52a549_0_54:notes"/>
+          <p:cNvPr id="73" name="Google Shape;73;g22c3a52a549_0_54:notes"/>
           <p:cNvSpPr/>
           <p:nvPr>
             <p:ph idx="2" type="sldImg"/>
@@ -6042,7 +6042,7 @@
       </p:sp>
       <p:sp>
         <p:nvSpPr>
-          <p:cNvPr id="73" name="Google Shape;73;g22c3a52a549_0_54:notes"/>
+          <p:cNvPr id="74" name="Google Shape;74;g22c3a52a549_0_54:notes"/>
           <p:cNvSpPr txBox="1"/>
           <p:nvPr>
             <p:ph idx="1" type="body"/>
@@ -6092,7 +6092,7 @@
   <p:cSld>
     <p:spTree>
       <p:nvGrpSpPr>
-        <p:cNvPr id="78" name="Shape 78"/>
+        <p:cNvPr id="79" name="Shape 79"/>
         <p:cNvGrpSpPr/>
         <p:nvPr/>
       </p:nvGrpSpPr>
@@ -6106,7 +6106,7 @@
       </p:grpSpPr>
       <p:sp>
         <p:nvSpPr>
-          <p:cNvPr id="79" name="Google Shape;79;g152a3f74d0d_0_28:notes"/>
+          <p:cNvPr id="80" name="Google Shape;80;g152a3f74d0d_0_28:notes"/>
           <p:cNvSpPr/>
           <p:nvPr>
             <p:ph idx="2" type="sldImg"/>
@@ -6141,7 +6141,7 @@
       </p:sp>
       <p:sp>
         <p:nvSpPr>
-          <p:cNvPr id="80" name="Google Shape;80;g152a3f74d0d_0_28:notes"/>
+          <p:cNvPr id="81" name="Google Shape;81;g152a3f74d0d_0_28:notes"/>
           <p:cNvSpPr txBox="1"/>
           <p:nvPr>
             <p:ph idx="1" type="body"/>
@@ -6191,7 +6191,7 @@
   <p:cSld>
     <p:spTree>
       <p:nvGrpSpPr>
-        <p:cNvPr id="83" name="Shape 83"/>
+        <p:cNvPr id="84" name="Shape 84"/>
         <p:cNvGrpSpPr/>
         <p:nvPr/>
       </p:nvGrpSpPr>
@@ -6205,7 +6205,7 @@
       </p:grpSpPr>
       <p:sp>
         <p:nvSpPr>
-          <p:cNvPr id="84" name="Google Shape;84;g22c3a52a549_0_259:notes"/>
+          <p:cNvPr id="85" name="Google Shape;85;g22c3a52a549_0_259:notes"/>
           <p:cNvSpPr/>
           <p:nvPr>
             <p:ph idx="2" type="sldImg"/>
@@ -6240,7 +6240,7 @@
       </p:sp>
       <p:sp>
         <p:nvSpPr>
-          <p:cNvPr id="85" name="Google Shape;85;g22c3a52a549_0_259:notes"/>
+          <p:cNvPr id="86" name="Google Shape;86;g22c3a52a549_0_259:notes"/>
           <p:cNvSpPr txBox="1"/>
           <p:nvPr>
             <p:ph idx="1" type="body"/>
@@ -9702,7 +9702,7 @@
   <p:cSld>
     <p:spTree>
       <p:nvGrpSpPr>
-        <p:cNvPr id="93" name="Shape 93"/>
+        <p:cNvPr id="94" name="Shape 94"/>
         <p:cNvGrpSpPr/>
         <p:nvPr/>
       </p:nvGrpSpPr>
@@ -9716,7 +9716,7 @@
       </p:grpSpPr>
       <p:sp>
         <p:nvSpPr>
-          <p:cNvPr id="94" name="Google Shape;94;p17"/>
+          <p:cNvPr id="95" name="Google Shape;95;p17"/>
           <p:cNvSpPr txBox="1"/>
           <p:nvPr>
             <p:ph type="title"/>
@@ -9756,7 +9756,7 @@
       </p:sp>
       <p:sp>
         <p:nvSpPr>
-          <p:cNvPr id="95" name="Google Shape;95;p17"/>
+          <p:cNvPr id="96" name="Google Shape;96;p17"/>
           <p:cNvSpPr txBox="1"/>
           <p:nvPr>
             <p:ph idx="1" type="body"/>
@@ -9939,7 +9939,7 @@
       </p:sp>
       <p:sp>
         <p:nvSpPr>
-          <p:cNvPr id="96" name="Google Shape;96;p17"/>
+          <p:cNvPr id="97" name="Google Shape;97;p17"/>
           <p:cNvSpPr txBox="1"/>
           <p:nvPr>
             <p:ph idx="12" type="sldNum"/>
@@ -10019,7 +10019,7 @@
   <p:cSld>
     <p:spTree>
       <p:nvGrpSpPr>
-        <p:cNvPr id="100" name="Shape 100"/>
+        <p:cNvPr id="101" name="Shape 101"/>
         <p:cNvGrpSpPr/>
         <p:nvPr/>
       </p:nvGrpSpPr>
@@ -10033,7 +10033,7 @@
       </p:grpSpPr>
       <p:sp>
         <p:nvSpPr>
-          <p:cNvPr id="101" name="Google Shape;101;p18"/>
+          <p:cNvPr id="102" name="Google Shape;102;p18"/>
           <p:cNvSpPr txBox="1"/>
           <p:nvPr>
             <p:ph type="title"/>
@@ -10073,7 +10073,7 @@
       </p:sp>
       <p:sp>
         <p:nvSpPr>
-          <p:cNvPr id="102" name="Google Shape;102;p18"/>
+          <p:cNvPr id="103" name="Google Shape;103;p18"/>
           <p:cNvSpPr txBox="1"/>
           <p:nvPr>
             <p:ph idx="1" type="body"/>
@@ -10282,7 +10282,7 @@
       </p:sp>
       <p:sp>
         <p:nvSpPr>
-          <p:cNvPr id="103" name="Google Shape;103;p18"/>
+          <p:cNvPr id="104" name="Google Shape;104;p18"/>
           <p:cNvSpPr txBox="1"/>
           <p:nvPr>
             <p:ph idx="12" type="sldNum"/>
@@ -10362,7 +10362,7 @@
   <p:cSld>
     <p:spTree>
       <p:nvGrpSpPr>
-        <p:cNvPr id="107" name="Shape 107"/>
+        <p:cNvPr id="108" name="Shape 108"/>
         <p:cNvGrpSpPr/>
         <p:nvPr/>
       </p:nvGrpSpPr>
@@ -10376,7 +10376,7 @@
       </p:grpSpPr>
       <p:sp>
         <p:nvSpPr>
-          <p:cNvPr id="108" name="Google Shape;108;p19"/>
+          <p:cNvPr id="109" name="Google Shape;109;p19"/>
           <p:cNvSpPr txBox="1"/>
           <p:nvPr>
             <p:ph type="title"/>
@@ -10416,7 +10416,7 @@
       </p:sp>
       <p:sp>
         <p:nvSpPr>
-          <p:cNvPr id="109" name="Google Shape;109;p19"/>
+          <p:cNvPr id="110" name="Google Shape;110;p19"/>
           <p:cNvSpPr txBox="1"/>
           <p:nvPr>
             <p:ph idx="1" type="body"/>
@@ -10472,7 +10472,7 @@
       </p:sp>
       <p:sp>
         <p:nvSpPr>
-          <p:cNvPr id="110" name="Google Shape;110;p19"/>
+          <p:cNvPr id="111" name="Google Shape;111;p19"/>
           <p:cNvSpPr txBox="1"/>
           <p:nvPr>
             <p:ph idx="12" type="sldNum"/>
@@ -10552,7 +10552,7 @@
   <p:cSld>
     <p:spTree>
       <p:nvGrpSpPr>
-        <p:cNvPr id="114" name="Shape 114"/>
+        <p:cNvPr id="115" name="Shape 115"/>
         <p:cNvGrpSpPr/>
         <p:nvPr/>
       </p:nvGrpSpPr>
@@ -10566,7 +10566,7 @@
       </p:grpSpPr>
       <p:sp>
         <p:nvSpPr>
-          <p:cNvPr id="115" name="Google Shape;115;p20"/>
+          <p:cNvPr id="116" name="Google Shape;116;p20"/>
           <p:cNvSpPr txBox="1"/>
           <p:nvPr>
             <p:ph type="title"/>
@@ -10617,7 +10617,7 @@
   <p:cSld>
     <p:spTree>
       <p:nvGrpSpPr>
-        <p:cNvPr id="119" name="Shape 119"/>
+        <p:cNvPr id="120" name="Shape 120"/>
         <p:cNvGrpSpPr/>
         <p:nvPr/>
       </p:nvGrpSpPr>
@@ -10631,7 +10631,7 @@
       </p:grpSpPr>
       <p:sp>
         <p:nvSpPr>
-          <p:cNvPr id="120" name="Google Shape;120;p21"/>
+          <p:cNvPr id="121" name="Google Shape;121;p21"/>
           <p:cNvSpPr txBox="1"/>
           <p:nvPr>
             <p:ph type="title"/>
@@ -10671,7 +10671,7 @@
       </p:sp>
       <p:sp>
         <p:nvSpPr>
-          <p:cNvPr id="121" name="Google Shape;121;p21"/>
+          <p:cNvPr id="122" name="Google Shape;122;p21"/>
           <p:cNvSpPr txBox="1"/>
           <p:nvPr>
             <p:ph idx="1" type="body"/>
@@ -10812,7 +10812,7 @@
       </p:sp>
       <p:sp>
         <p:nvSpPr>
-          <p:cNvPr id="122" name="Google Shape;122;p21"/>
+          <p:cNvPr id="123" name="Google Shape;123;p21"/>
           <p:cNvSpPr txBox="1"/>
           <p:nvPr>
             <p:ph idx="12" type="sldNum"/>
@@ -10881,7 +10881,7 @@
       </p:sp>
       <p:pic>
         <p:nvPicPr>
-          <p:cNvPr id="123" name="Google Shape;123;p21"/>
+          <p:cNvPr id="124" name="Google Shape;124;p21"/>
           <p:cNvPicPr preferRelativeResize="0"/>
           <p:nvPr/>
         </p:nvPicPr>
@@ -10920,7 +10920,7 @@
   <p:cSld>
     <p:spTree>
       <p:nvGrpSpPr>
-        <p:cNvPr id="127" name="Shape 127"/>
+        <p:cNvPr id="128" name="Shape 128"/>
         <p:cNvGrpSpPr/>
         <p:nvPr/>
       </p:nvGrpSpPr>
@@ -10934,7 +10934,7 @@
       </p:grpSpPr>
       <p:sp>
         <p:nvSpPr>
-          <p:cNvPr id="128" name="Google Shape;128;p22"/>
+          <p:cNvPr id="129" name="Google Shape;129;p22"/>
           <p:cNvSpPr txBox="1"/>
           <p:nvPr>
             <p:ph type="title"/>
@@ -10974,7 +10974,7 @@
       </p:sp>
       <p:sp>
         <p:nvSpPr>
-          <p:cNvPr id="129" name="Google Shape;129;p22"/>
+          <p:cNvPr id="130" name="Google Shape;130;p22"/>
           <p:cNvSpPr txBox="1"/>
           <p:nvPr>
             <p:ph idx="1" type="body"/>
@@ -11046,7 +11046,7 @@
       </p:sp>
       <p:sp>
         <p:nvSpPr>
-          <p:cNvPr id="130" name="Google Shape;130;p22"/>
+          <p:cNvPr id="131" name="Google Shape;131;p22"/>
           <p:cNvSpPr txBox="1"/>
           <p:nvPr>
             <p:ph idx="12" type="sldNum"/>
@@ -11126,7 +11126,7 @@
   <p:cSld>
     <p:spTree>
       <p:nvGrpSpPr>
-        <p:cNvPr id="134" name="Shape 134"/>
+        <p:cNvPr id="135" name="Shape 135"/>
         <p:cNvGrpSpPr/>
         <p:nvPr/>
       </p:nvGrpSpPr>
@@ -11140,7 +11140,7 @@
       </p:grpSpPr>
       <p:sp>
         <p:nvSpPr>
-          <p:cNvPr id="135" name="Google Shape;135;p23"/>
+          <p:cNvPr id="136" name="Google Shape;136;p23"/>
           <p:cNvSpPr txBox="1"/>
           <p:nvPr>
             <p:ph type="title"/>
@@ -11180,7 +11180,7 @@
       </p:sp>
       <p:sp>
         <p:nvSpPr>
-          <p:cNvPr id="136" name="Google Shape;136;p23"/>
+          <p:cNvPr id="137" name="Google Shape;137;p23"/>
           <p:cNvSpPr txBox="1"/>
           <p:nvPr>
             <p:ph idx="1" type="body"/>
@@ -11274,7 +11274,7 @@
       </p:sp>
       <p:sp>
         <p:nvSpPr>
-          <p:cNvPr id="137" name="Google Shape;137;p23"/>
+          <p:cNvPr id="138" name="Google Shape;138;p23"/>
           <p:cNvSpPr txBox="1"/>
           <p:nvPr>
             <p:ph idx="12" type="sldNum"/>
@@ -11343,7 +11343,7 @@
       </p:sp>
       <p:pic>
         <p:nvPicPr>
-          <p:cNvPr id="138" name="Google Shape;138;p23"/>
+          <p:cNvPr id="139" name="Google Shape;139;p23"/>
           <p:cNvPicPr preferRelativeResize="0"/>
           <p:nvPr/>
         </p:nvPicPr>
@@ -11382,7 +11382,7 @@
   <p:cSld>
     <p:spTree>
       <p:nvGrpSpPr>
-        <p:cNvPr id="142" name="Shape 142"/>
+        <p:cNvPr id="143" name="Shape 143"/>
         <p:cNvGrpSpPr/>
         <p:nvPr/>
       </p:nvGrpSpPr>
@@ -11396,7 +11396,7 @@
       </p:grpSpPr>
       <p:sp>
         <p:nvSpPr>
-          <p:cNvPr id="143" name="Google Shape;143;p24"/>
+          <p:cNvPr id="144" name="Google Shape;144;p24"/>
           <p:cNvSpPr txBox="1"/>
           <p:nvPr>
             <p:ph type="title"/>
@@ -11436,7 +11436,7 @@
       </p:sp>
       <p:sp>
         <p:nvSpPr>
-          <p:cNvPr id="144" name="Google Shape;144;p24"/>
+          <p:cNvPr id="145" name="Google Shape;145;p24"/>
           <p:cNvSpPr txBox="1"/>
           <p:nvPr>
             <p:ph idx="1" type="body"/>
@@ -11476,7 +11476,7 @@
       </p:sp>
       <p:sp>
         <p:nvSpPr>
-          <p:cNvPr id="145" name="Google Shape;145;p24"/>
+          <p:cNvPr id="146" name="Google Shape;146;p24"/>
           <p:cNvSpPr txBox="1"/>
           <p:nvPr>
             <p:ph idx="12" type="sldNum"/>
@@ -11556,7 +11556,7 @@
   <p:cSld>
     <p:spTree>
       <p:nvGrpSpPr>
-        <p:cNvPr id="149" name="Shape 149"/>
+        <p:cNvPr id="150" name="Shape 150"/>
         <p:cNvGrpSpPr/>
         <p:nvPr/>
       </p:nvGrpSpPr>
@@ -11570,7 +11570,7 @@
       </p:grpSpPr>
       <p:sp>
         <p:nvSpPr>
-          <p:cNvPr id="150" name="Google Shape;150;p25"/>
+          <p:cNvPr id="151" name="Google Shape;151;p25"/>
           <p:cNvSpPr txBox="1"/>
           <p:nvPr>
             <p:ph type="title"/>
@@ -11621,7 +11621,7 @@
   <p:cSld>
     <p:spTree>
       <p:nvGrpSpPr>
-        <p:cNvPr id="154" name="Shape 154"/>
+        <p:cNvPr id="155" name="Shape 155"/>
         <p:cNvGrpSpPr/>
         <p:nvPr/>
       </p:nvGrpSpPr>
@@ -11635,7 +11635,7 @@
       </p:grpSpPr>
       <p:sp>
         <p:nvSpPr>
-          <p:cNvPr id="155" name="Google Shape;155;p26"/>
+          <p:cNvPr id="156" name="Google Shape;156;p26"/>
           <p:cNvSpPr txBox="1"/>
           <p:nvPr>
             <p:ph type="title"/>
@@ -11675,7 +11675,7 @@
       </p:sp>
       <p:sp>
         <p:nvSpPr>
-          <p:cNvPr id="156" name="Google Shape;156;p26"/>
+          <p:cNvPr id="157" name="Google Shape;157;p26"/>
           <p:cNvSpPr txBox="1"/>
           <p:nvPr>
             <p:ph idx="1" type="body"/>
@@ -11791,7 +11791,7 @@
       </p:sp>
       <p:sp>
         <p:nvSpPr>
-          <p:cNvPr id="157" name="Google Shape;157;p26"/>
+          <p:cNvPr id="158" name="Google Shape;158;p26"/>
           <p:cNvSpPr txBox="1"/>
           <p:nvPr>
             <p:ph idx="12" type="sldNum"/>
@@ -12241,7 +12241,7 @@
   <p:cSld>
     <p:spTree>
       <p:nvGrpSpPr>
-        <p:cNvPr id="161" name="Shape 161"/>
+        <p:cNvPr id="162" name="Shape 162"/>
         <p:cNvGrpSpPr/>
         <p:nvPr/>
       </p:nvGrpSpPr>
@@ -12255,7 +12255,7 @@
       </p:grpSpPr>
       <p:sp>
         <p:nvSpPr>
-          <p:cNvPr id="162" name="Google Shape;162;p27"/>
+          <p:cNvPr id="163" name="Google Shape;163;p27"/>
           <p:cNvSpPr txBox="1"/>
           <p:nvPr>
             <p:ph type="title"/>
@@ -12295,7 +12295,7 @@
       </p:sp>
       <p:sp>
         <p:nvSpPr>
-          <p:cNvPr id="163" name="Google Shape;163;p27"/>
+          <p:cNvPr id="164" name="Google Shape;164;p27"/>
           <p:cNvSpPr txBox="1"/>
           <p:nvPr>
             <p:ph idx="12" type="sldNum"/>
@@ -12364,7 +12364,7 @@
       </p:sp>
       <p:graphicFrame>
         <p:nvGraphicFramePr>
-          <p:cNvPr id="164" name="Google Shape;164;p27"/>
+          <p:cNvPr id="165" name="Google Shape;165;p27"/>
           <p:cNvGraphicFramePr/>
           <p:nvPr/>
         </p:nvGraphicFramePr>
@@ -12377,7 +12377,7 @@
             <a:tbl>
               <a:tblPr>
                 <a:noFill/>
-                <a:tableStyleId>{F4DB4BDD-1B00-4C76-B332-268B2CBC23B0}</a:tableStyleId>
+                <a:tableStyleId>{2EFE5AEA-2066-4FF0-BB1E-64905A0AB760}</a:tableStyleId>
               </a:tblPr>
               <a:tblGrid>
                 <a:gridCol w="524750"/>
@@ -15016,7 +15016,7 @@
   <p:cSld>
     <p:spTree>
       <p:nvGrpSpPr>
-        <p:cNvPr id="168" name="Shape 168"/>
+        <p:cNvPr id="169" name="Shape 169"/>
         <p:cNvGrpSpPr/>
         <p:nvPr/>
       </p:nvGrpSpPr>
@@ -15030,7 +15030,7 @@
       </p:grpSpPr>
       <p:sp>
         <p:nvSpPr>
-          <p:cNvPr id="169" name="Google Shape;169;p28"/>
+          <p:cNvPr id="170" name="Google Shape;170;p28"/>
           <p:cNvSpPr txBox="1"/>
           <p:nvPr>
             <p:ph type="title"/>
@@ -15074,7 +15074,7 @@
       </p:sp>
       <p:sp>
         <p:nvSpPr>
-          <p:cNvPr id="170" name="Google Shape;170;p28"/>
+          <p:cNvPr id="171" name="Google Shape;171;p28"/>
           <p:cNvSpPr txBox="1"/>
           <p:nvPr>
             <p:ph idx="1" type="body"/>
@@ -15130,7 +15130,7 @@
       </p:sp>
       <p:sp>
         <p:nvSpPr>
-          <p:cNvPr id="171" name="Google Shape;171;p28"/>
+          <p:cNvPr id="172" name="Google Shape;172;p28"/>
           <p:cNvSpPr txBox="1"/>
           <p:nvPr>
             <p:ph idx="12" type="sldNum"/>
@@ -15210,7 +15210,7 @@
   <p:cSld>
     <p:spTree>
       <p:nvGrpSpPr>
-        <p:cNvPr id="175" name="Shape 175"/>
+        <p:cNvPr id="176" name="Shape 176"/>
         <p:cNvGrpSpPr/>
         <p:nvPr/>
       </p:nvGrpSpPr>
@@ -15224,7 +15224,7 @@
       </p:grpSpPr>
       <p:sp>
         <p:nvSpPr>
-          <p:cNvPr id="176" name="Google Shape;176;p29"/>
+          <p:cNvPr id="177" name="Google Shape;177;p29"/>
           <p:cNvSpPr txBox="1"/>
           <p:nvPr>
             <p:ph type="title"/>
@@ -15268,7 +15268,7 @@
       </p:sp>
       <p:sp>
         <p:nvSpPr>
-          <p:cNvPr id="177" name="Google Shape;177;p29"/>
+          <p:cNvPr id="178" name="Google Shape;178;p29"/>
           <p:cNvSpPr txBox="1"/>
           <p:nvPr>
             <p:ph idx="1" type="body"/>
@@ -15332,7 +15332,7 @@
       </p:sp>
       <p:sp>
         <p:nvSpPr>
-          <p:cNvPr id="178" name="Google Shape;178;p29"/>
+          <p:cNvPr id="179" name="Google Shape;179;p29"/>
           <p:cNvSpPr txBox="1"/>
           <p:nvPr>
             <p:ph idx="12" type="sldNum"/>
@@ -15412,7 +15412,7 @@
   <p:cSld>
     <p:spTree>
       <p:nvGrpSpPr>
-        <p:cNvPr id="182" name="Shape 182"/>
+        <p:cNvPr id="183" name="Shape 183"/>
         <p:cNvGrpSpPr/>
         <p:nvPr/>
       </p:nvGrpSpPr>
@@ -15426,7 +15426,7 @@
       </p:grpSpPr>
       <p:sp>
         <p:nvSpPr>
-          <p:cNvPr id="183" name="Google Shape;183;p30"/>
+          <p:cNvPr id="184" name="Google Shape;184;p30"/>
           <p:cNvSpPr txBox="1"/>
           <p:nvPr>
             <p:ph type="title"/>
@@ -15470,7 +15470,7 @@
       </p:sp>
       <p:sp>
         <p:nvSpPr>
-          <p:cNvPr id="184" name="Google Shape;184;p30"/>
+          <p:cNvPr id="185" name="Google Shape;185;p30"/>
           <p:cNvSpPr txBox="1"/>
           <p:nvPr>
             <p:ph idx="1" type="body"/>
@@ -15526,7 +15526,7 @@
       </p:sp>
       <p:sp>
         <p:nvSpPr>
-          <p:cNvPr id="185" name="Google Shape;185;p30"/>
+          <p:cNvPr id="186" name="Google Shape;186;p30"/>
           <p:cNvSpPr txBox="1"/>
           <p:nvPr>
             <p:ph idx="12" type="sldNum"/>
@@ -15606,7 +15606,7 @@
   <p:cSld>
     <p:spTree>
       <p:nvGrpSpPr>
-        <p:cNvPr id="189" name="Shape 189"/>
+        <p:cNvPr id="190" name="Shape 190"/>
         <p:cNvGrpSpPr/>
         <p:nvPr/>
       </p:nvGrpSpPr>
@@ -15620,7 +15620,7 @@
       </p:grpSpPr>
       <p:sp>
         <p:nvSpPr>
-          <p:cNvPr id="190" name="Google Shape;190;p31"/>
+          <p:cNvPr id="191" name="Google Shape;191;p31"/>
           <p:cNvSpPr txBox="1"/>
           <p:nvPr>
             <p:ph type="title"/>
@@ -15660,7 +15660,7 @@
       </p:sp>
       <p:sp>
         <p:nvSpPr>
-          <p:cNvPr id="191" name="Google Shape;191;p31"/>
+          <p:cNvPr id="192" name="Google Shape;192;p31"/>
           <p:cNvSpPr txBox="1"/>
           <p:nvPr>
             <p:ph idx="1" type="body"/>
@@ -15716,7 +15716,7 @@
       </p:sp>
       <p:sp>
         <p:nvSpPr>
-          <p:cNvPr id="192" name="Google Shape;192;p31"/>
+          <p:cNvPr id="193" name="Google Shape;193;p31"/>
           <p:cNvSpPr txBox="1"/>
           <p:nvPr>
             <p:ph idx="12" type="sldNum"/>
@@ -15796,7 +15796,7 @@
   <p:cSld>
     <p:spTree>
       <p:nvGrpSpPr>
-        <p:cNvPr id="196" name="Shape 196"/>
+        <p:cNvPr id="197" name="Shape 197"/>
         <p:cNvGrpSpPr/>
         <p:nvPr/>
       </p:nvGrpSpPr>
@@ -15810,7 +15810,7 @@
       </p:grpSpPr>
       <p:sp>
         <p:nvSpPr>
-          <p:cNvPr id="197" name="Google Shape;197;p32"/>
+          <p:cNvPr id="198" name="Google Shape;198;p32"/>
           <p:cNvSpPr txBox="1"/>
           <p:nvPr>
             <p:ph type="title"/>
@@ -15850,7 +15850,7 @@
       </p:sp>
       <p:sp>
         <p:nvSpPr>
-          <p:cNvPr id="198" name="Google Shape;198;p32"/>
+          <p:cNvPr id="199" name="Google Shape;199;p32"/>
           <p:cNvSpPr txBox="1"/>
           <p:nvPr>
             <p:ph idx="1" type="body"/>
@@ -15927,7 +15927,7 @@
       </p:sp>
       <p:sp>
         <p:nvSpPr>
-          <p:cNvPr id="199" name="Google Shape;199;p32"/>
+          <p:cNvPr id="200" name="Google Shape;200;p32"/>
           <p:cNvSpPr txBox="1"/>
           <p:nvPr>
             <p:ph idx="12" type="sldNum"/>
@@ -16007,7 +16007,7 @@
   <p:cSld>
     <p:spTree>
       <p:nvGrpSpPr>
-        <p:cNvPr id="203" name="Shape 203"/>
+        <p:cNvPr id="204" name="Shape 204"/>
         <p:cNvGrpSpPr/>
         <p:nvPr/>
       </p:nvGrpSpPr>
@@ -16021,7 +16021,7 @@
       </p:grpSpPr>
       <p:sp>
         <p:nvSpPr>
-          <p:cNvPr id="204" name="Google Shape;204;p33"/>
+          <p:cNvPr id="205" name="Google Shape;205;p33"/>
           <p:cNvSpPr txBox="1"/>
           <p:nvPr>
             <p:ph type="title"/>
@@ -16053,7 +16053,7 @@
             </a:pPr>
             <a:r>
               <a:rPr lang="en"/>
-              <a:t>Regular Deliverable: Planning Documents</a:t>
+              <a:t>Regular Deliverable: Planning Document</a:t>
             </a:r>
             <a:endParaRPr/>
           </a:p>
@@ -16061,7 +16061,7 @@
       </p:sp>
       <p:sp>
         <p:nvSpPr>
-          <p:cNvPr id="205" name="Google Shape;205;p33"/>
+          <p:cNvPr id="206" name="Google Shape;206;p33"/>
           <p:cNvSpPr txBox="1"/>
           <p:nvPr>
             <p:ph idx="1" type="body"/>
@@ -16101,7 +16101,7 @@
       </p:sp>
       <p:sp>
         <p:nvSpPr>
-          <p:cNvPr id="206" name="Google Shape;206;p33"/>
+          <p:cNvPr id="207" name="Google Shape;207;p33"/>
           <p:cNvSpPr txBox="1"/>
           <p:nvPr>
             <p:ph idx="12" type="sldNum"/>
@@ -16181,7 +16181,7 @@
   <p:cSld>
     <p:spTree>
       <p:nvGrpSpPr>
-        <p:cNvPr id="210" name="Shape 210"/>
+        <p:cNvPr id="211" name="Shape 211"/>
         <p:cNvGrpSpPr/>
         <p:nvPr/>
       </p:nvGrpSpPr>
@@ -16195,7 +16195,7 @@
       </p:grpSpPr>
       <p:sp>
         <p:nvSpPr>
-          <p:cNvPr id="211" name="Google Shape;211;p34"/>
+          <p:cNvPr id="212" name="Google Shape;212;p34"/>
           <p:cNvSpPr txBox="1"/>
           <p:nvPr>
             <p:ph type="title"/>
@@ -16235,7 +16235,7 @@
       </p:sp>
       <p:sp>
         <p:nvSpPr>
-          <p:cNvPr id="212" name="Google Shape;212;p34"/>
+          <p:cNvPr id="213" name="Google Shape;213;p34"/>
           <p:cNvSpPr txBox="1"/>
           <p:nvPr>
             <p:ph idx="12" type="sldNum"/>
@@ -16304,7 +16304,7 @@
       </p:sp>
       <p:graphicFrame>
         <p:nvGraphicFramePr>
-          <p:cNvPr id="213" name="Google Shape;213;p34"/>
+          <p:cNvPr id="214" name="Google Shape;214;p34"/>
           <p:cNvGraphicFramePr/>
           <p:nvPr/>
         </p:nvGraphicFramePr>
@@ -16317,7 +16317,7 @@
             <a:tbl>
               <a:tblPr>
                 <a:noFill/>
-                <a:tableStyleId>{77C29DCF-A5C5-420E-AF7C-8BBEC0F890FA}</a:tableStyleId>
+                <a:tableStyleId>{9D03B2F2-B422-4E74-A476-F9474FCC0926}</a:tableStyleId>
               </a:tblPr>
               <a:tblGrid>
                 <a:gridCol w="2148850"/>
@@ -17875,7 +17875,7 @@
       </p:graphicFrame>
       <p:sp>
         <p:nvSpPr>
-          <p:cNvPr id="214" name="Google Shape;214;p34"/>
+          <p:cNvPr id="215" name="Google Shape;215;p34"/>
           <p:cNvSpPr txBox="1"/>
           <p:nvPr/>
         </p:nvSpPr>
@@ -18008,7 +18008,7 @@
   <p:cSld>
     <p:spTree>
       <p:nvGrpSpPr>
-        <p:cNvPr id="218" name="Shape 218"/>
+        <p:cNvPr id="219" name="Shape 219"/>
         <p:cNvGrpSpPr/>
         <p:nvPr/>
       </p:nvGrpSpPr>
@@ -18022,7 +18022,7 @@
       </p:grpSpPr>
       <p:sp>
         <p:nvSpPr>
-          <p:cNvPr id="219" name="Google Shape;219;p35"/>
+          <p:cNvPr id="220" name="Google Shape;220;p35"/>
           <p:cNvSpPr txBox="1"/>
           <p:nvPr>
             <p:ph type="title"/>
@@ -18073,7 +18073,7 @@
   <p:cSld>
     <p:spTree>
       <p:nvGrpSpPr>
-        <p:cNvPr id="223" name="Shape 223"/>
+        <p:cNvPr id="224" name="Shape 224"/>
         <p:cNvGrpSpPr/>
         <p:nvPr/>
       </p:nvGrpSpPr>
@@ -18087,7 +18087,7 @@
       </p:grpSpPr>
       <p:sp>
         <p:nvSpPr>
-          <p:cNvPr id="224" name="Google Shape;224;p36"/>
+          <p:cNvPr id="225" name="Google Shape;225;p36"/>
           <p:cNvSpPr txBox="1"/>
           <p:nvPr>
             <p:ph type="title"/>
@@ -18127,7 +18127,7 @@
       </p:sp>
       <p:sp>
         <p:nvSpPr>
-          <p:cNvPr id="225" name="Google Shape;225;p36"/>
+          <p:cNvPr id="226" name="Google Shape;226;p36"/>
           <p:cNvSpPr txBox="1"/>
           <p:nvPr>
             <p:ph idx="1" type="body"/>
@@ -18317,7 +18317,7 @@
       </p:sp>
       <p:sp>
         <p:nvSpPr>
-          <p:cNvPr id="226" name="Google Shape;226;p36"/>
+          <p:cNvPr id="227" name="Google Shape;227;p36"/>
           <p:cNvSpPr txBox="1"/>
           <p:nvPr>
             <p:ph idx="12" type="sldNum"/>
@@ -18462,7 +18462,7 @@
   <p:cSld>
     <p:spTree>
       <p:nvGrpSpPr>
-        <p:cNvPr id="230" name="Shape 230"/>
+        <p:cNvPr id="231" name="Shape 231"/>
         <p:cNvGrpSpPr/>
         <p:nvPr/>
       </p:nvGrpSpPr>
@@ -18476,7 +18476,7 @@
       </p:grpSpPr>
       <p:sp>
         <p:nvSpPr>
-          <p:cNvPr id="231" name="Google Shape;231;p37"/>
+          <p:cNvPr id="232" name="Google Shape;232;p37"/>
           <p:cNvSpPr txBox="1"/>
           <p:nvPr>
             <p:ph type="title"/>
@@ -18516,7 +18516,7 @@
       </p:sp>
       <p:sp>
         <p:nvSpPr>
-          <p:cNvPr id="232" name="Google Shape;232;p37"/>
+          <p:cNvPr id="233" name="Google Shape;233;p37"/>
           <p:cNvSpPr txBox="1"/>
           <p:nvPr>
             <p:ph idx="12" type="sldNum"/>
@@ -18585,7 +18585,7 @@
       </p:sp>
       <p:pic>
         <p:nvPicPr>
-          <p:cNvPr id="233" name="Google Shape;233;p37"/>
+          <p:cNvPr id="234" name="Google Shape;234;p37"/>
           <p:cNvPicPr preferRelativeResize="0"/>
           <p:nvPr/>
         </p:nvPicPr>
@@ -18624,7 +18624,7 @@
   <p:cSld>
     <p:spTree>
       <p:nvGrpSpPr>
-        <p:cNvPr id="237" name="Shape 237"/>
+        <p:cNvPr id="238" name="Shape 238"/>
         <p:cNvGrpSpPr/>
         <p:nvPr/>
       </p:nvGrpSpPr>
@@ -18638,7 +18638,7 @@
       </p:grpSpPr>
       <p:pic>
         <p:nvPicPr>
-          <p:cNvPr id="238" name="Google Shape;238;p38"/>
+          <p:cNvPr id="239" name="Google Shape;239;p38"/>
           <p:cNvPicPr preferRelativeResize="0"/>
           <p:nvPr/>
         </p:nvPicPr>
@@ -18677,7 +18677,7 @@
   <p:cSld>
     <p:spTree>
       <p:nvGrpSpPr>
-        <p:cNvPr id="242" name="Shape 242"/>
+        <p:cNvPr id="243" name="Shape 243"/>
         <p:cNvGrpSpPr/>
         <p:nvPr/>
       </p:nvGrpSpPr>
@@ -18691,7 +18691,7 @@
       </p:grpSpPr>
       <p:sp>
         <p:nvSpPr>
-          <p:cNvPr id="243" name="Google Shape;243;p39"/>
+          <p:cNvPr id="244" name="Google Shape;244;p39"/>
           <p:cNvSpPr txBox="1"/>
           <p:nvPr>
             <p:ph idx="1" type="body"/>
@@ -18881,7 +18881,7 @@
       </p:sp>
       <p:sp>
         <p:nvSpPr>
-          <p:cNvPr id="244" name="Google Shape;244;p39"/>
+          <p:cNvPr id="245" name="Google Shape;245;p39"/>
           <p:cNvSpPr txBox="1"/>
           <p:nvPr>
             <p:ph type="title"/>
@@ -18921,7 +18921,7 @@
       </p:sp>
       <p:sp>
         <p:nvSpPr>
-          <p:cNvPr id="245" name="Google Shape;245;p39"/>
+          <p:cNvPr id="246" name="Google Shape;246;p39"/>
           <p:cNvSpPr txBox="1"/>
           <p:nvPr>
             <p:ph idx="12" type="sldNum"/>
@@ -19001,7 +19001,7 @@
   <p:cSld>
     <p:spTree>
       <p:nvGrpSpPr>
-        <p:cNvPr id="249" name="Shape 249"/>
+        <p:cNvPr id="250" name="Shape 250"/>
         <p:cNvGrpSpPr/>
         <p:nvPr/>
       </p:nvGrpSpPr>
@@ -19015,7 +19015,7 @@
       </p:grpSpPr>
       <p:sp>
         <p:nvSpPr>
-          <p:cNvPr id="250" name="Google Shape;250;p40"/>
+          <p:cNvPr id="251" name="Google Shape;251;p40"/>
           <p:cNvSpPr txBox="1"/>
           <p:nvPr>
             <p:ph type="title"/>
@@ -19055,7 +19055,7 @@
       </p:sp>
       <p:sp>
         <p:nvSpPr>
-          <p:cNvPr id="251" name="Google Shape;251;p40"/>
+          <p:cNvPr id="252" name="Google Shape;252;p40"/>
           <p:cNvSpPr txBox="1"/>
           <p:nvPr>
             <p:ph idx="12" type="sldNum"/>
@@ -19124,7 +19124,7 @@
       </p:sp>
       <p:pic>
         <p:nvPicPr>
-          <p:cNvPr id="252" name="Google Shape;252;p40"/>
+          <p:cNvPr id="253" name="Google Shape;253;p40"/>
           <p:cNvPicPr preferRelativeResize="0"/>
           <p:nvPr/>
         </p:nvPicPr>
@@ -19163,7 +19163,7 @@
   <p:cSld>
     <p:spTree>
       <p:nvGrpSpPr>
-        <p:cNvPr id="256" name="Shape 256"/>
+        <p:cNvPr id="257" name="Shape 257"/>
         <p:cNvGrpSpPr/>
         <p:nvPr/>
       </p:nvGrpSpPr>
@@ -19177,7 +19177,7 @@
       </p:grpSpPr>
       <p:sp>
         <p:nvSpPr>
-          <p:cNvPr id="257" name="Google Shape;257;p41"/>
+          <p:cNvPr id="258" name="Google Shape;258;p41"/>
           <p:cNvSpPr txBox="1"/>
           <p:nvPr>
             <p:ph type="title"/>
@@ -19217,7 +19217,7 @@
       </p:sp>
       <p:sp>
         <p:nvSpPr>
-          <p:cNvPr id="258" name="Google Shape;258;p41"/>
+          <p:cNvPr id="259" name="Google Shape;259;p41"/>
           <p:cNvSpPr txBox="1"/>
           <p:nvPr>
             <p:ph idx="1" type="body"/>
@@ -19483,7 +19483,7 @@
       </p:sp>
       <p:sp>
         <p:nvSpPr>
-          <p:cNvPr id="259" name="Google Shape;259;p41"/>
+          <p:cNvPr id="260" name="Google Shape;260;p41"/>
           <p:cNvSpPr txBox="1"/>
           <p:nvPr>
             <p:ph idx="12" type="sldNum"/>
@@ -19552,7 +19552,7 @@
       </p:sp>
       <p:pic>
         <p:nvPicPr>
-          <p:cNvPr id="260" name="Google Shape;260;p41"/>
+          <p:cNvPr id="261" name="Google Shape;261;p41"/>
           <p:cNvPicPr preferRelativeResize="0"/>
           <p:nvPr/>
         </p:nvPicPr>
@@ -19591,7 +19591,7 @@
   <p:cSld>
     <p:spTree>
       <p:nvGrpSpPr>
-        <p:cNvPr id="264" name="Shape 264"/>
+        <p:cNvPr id="265" name="Shape 265"/>
         <p:cNvGrpSpPr/>
         <p:nvPr/>
       </p:nvGrpSpPr>
@@ -19605,7 +19605,7 @@
       </p:grpSpPr>
       <p:sp>
         <p:nvSpPr>
-          <p:cNvPr id="265" name="Google Shape;265;p42"/>
+          <p:cNvPr id="266" name="Google Shape;266;p42"/>
           <p:cNvSpPr txBox="1"/>
           <p:nvPr>
             <p:ph type="title"/>
@@ -19645,7 +19645,7 @@
       </p:sp>
       <p:sp>
         <p:nvSpPr>
-          <p:cNvPr id="266" name="Google Shape;266;p42"/>
+          <p:cNvPr id="267" name="Google Shape;267;p42"/>
           <p:cNvSpPr txBox="1"/>
           <p:nvPr>
             <p:ph idx="1" type="body"/>
@@ -19718,7 +19718,7 @@
       </p:sp>
       <p:sp>
         <p:nvSpPr>
-          <p:cNvPr id="267" name="Google Shape;267;p42"/>
+          <p:cNvPr id="268" name="Google Shape;268;p42"/>
           <p:cNvSpPr txBox="1"/>
           <p:nvPr>
             <p:ph idx="12" type="sldNum"/>
@@ -19798,7 +19798,7 @@
   <p:cSld>
     <p:spTree>
       <p:nvGrpSpPr>
-        <p:cNvPr id="271" name="Shape 271"/>
+        <p:cNvPr id="272" name="Shape 272"/>
         <p:cNvGrpSpPr/>
         <p:nvPr/>
       </p:nvGrpSpPr>
@@ -19812,7 +19812,7 @@
       </p:grpSpPr>
       <p:sp>
         <p:nvSpPr>
-          <p:cNvPr id="272" name="Google Shape;272;p43"/>
+          <p:cNvPr id="273" name="Google Shape;273;p43"/>
           <p:cNvSpPr txBox="1"/>
           <p:nvPr>
             <p:ph type="title"/>
@@ -19863,7 +19863,7 @@
   <p:cSld>
     <p:spTree>
       <p:nvGrpSpPr>
-        <p:cNvPr id="276" name="Shape 276"/>
+        <p:cNvPr id="277" name="Shape 277"/>
         <p:cNvGrpSpPr/>
         <p:nvPr/>
       </p:nvGrpSpPr>
@@ -19877,7 +19877,7 @@
       </p:grpSpPr>
       <p:sp>
         <p:nvSpPr>
-          <p:cNvPr id="277" name="Google Shape;277;p44"/>
+          <p:cNvPr id="278" name="Google Shape;278;p44"/>
           <p:cNvSpPr txBox="1"/>
           <p:nvPr>
             <p:ph type="title"/>
@@ -19917,7 +19917,7 @@
       </p:sp>
       <p:sp>
         <p:nvSpPr>
-          <p:cNvPr id="278" name="Google Shape;278;p44"/>
+          <p:cNvPr id="279" name="Google Shape;279;p44"/>
           <p:cNvSpPr txBox="1"/>
           <p:nvPr>
             <p:ph idx="1" type="body"/>
@@ -19993,7 +19993,7 @@
       </p:sp>
       <p:sp>
         <p:nvSpPr>
-          <p:cNvPr id="279" name="Google Shape;279;p44"/>
+          <p:cNvPr id="280" name="Google Shape;280;p44"/>
           <p:cNvSpPr txBox="1"/>
           <p:nvPr>
             <p:ph idx="12" type="sldNum"/>
@@ -20062,7 +20062,7 @@
       </p:sp>
       <p:sp>
         <p:nvSpPr>
-          <p:cNvPr id="280" name="Google Shape;280;p44"/>
+          <p:cNvPr id="281" name="Google Shape;281;p44"/>
           <p:cNvSpPr txBox="1"/>
           <p:nvPr/>
         </p:nvSpPr>
@@ -20159,7 +20159,7 @@
   <p:cSld>
     <p:spTree>
       <p:nvGrpSpPr>
-        <p:cNvPr id="284" name="Shape 284"/>
+        <p:cNvPr id="285" name="Shape 285"/>
         <p:cNvGrpSpPr/>
         <p:nvPr/>
       </p:nvGrpSpPr>
@@ -20173,7 +20173,7 @@
       </p:grpSpPr>
       <p:sp>
         <p:nvSpPr>
-          <p:cNvPr id="285" name="Google Shape;285;p45"/>
+          <p:cNvPr id="286" name="Google Shape;286;p45"/>
           <p:cNvSpPr txBox="1"/>
           <p:nvPr>
             <p:ph type="title"/>
@@ -20213,7 +20213,7 @@
       </p:sp>
       <p:sp>
         <p:nvSpPr>
-          <p:cNvPr id="286" name="Google Shape;286;p45"/>
+          <p:cNvPr id="287" name="Google Shape;287;p45"/>
           <p:cNvSpPr txBox="1"/>
           <p:nvPr>
             <p:ph idx="1" type="body"/>
@@ -20269,7 +20269,7 @@
       </p:sp>
       <p:sp>
         <p:nvSpPr>
-          <p:cNvPr id="287" name="Google Shape;287;p45"/>
+          <p:cNvPr id="288" name="Google Shape;288;p45"/>
           <p:cNvSpPr txBox="1"/>
           <p:nvPr>
             <p:ph idx="12" type="sldNum"/>
@@ -20338,7 +20338,7 @@
       </p:sp>
       <p:sp>
         <p:nvSpPr>
-          <p:cNvPr id="288" name="Google Shape;288;p45"/>
+          <p:cNvPr id="289" name="Google Shape;289;p45"/>
           <p:cNvSpPr txBox="1"/>
           <p:nvPr/>
         </p:nvSpPr>
@@ -20406,7 +20406,7 @@
   <p:cSld>
     <p:spTree>
       <p:nvGrpSpPr>
-        <p:cNvPr id="292" name="Shape 292"/>
+        <p:cNvPr id="293" name="Shape 293"/>
         <p:cNvGrpSpPr/>
         <p:nvPr/>
       </p:nvGrpSpPr>
@@ -20420,7 +20420,7 @@
       </p:grpSpPr>
       <p:sp>
         <p:nvSpPr>
-          <p:cNvPr id="293" name="Google Shape;293;p46"/>
+          <p:cNvPr id="294" name="Google Shape;294;p46"/>
           <p:cNvSpPr txBox="1"/>
           <p:nvPr>
             <p:ph type="title"/>
@@ -20460,7 +20460,7 @@
       </p:sp>
       <p:sp>
         <p:nvSpPr>
-          <p:cNvPr id="294" name="Google Shape;294;p46"/>
+          <p:cNvPr id="295" name="Google Shape;295;p46"/>
           <p:cNvSpPr txBox="1"/>
           <p:nvPr>
             <p:ph idx="1" type="body"/>
@@ -20630,7 +20630,7 @@
       </p:sp>
       <p:sp>
         <p:nvSpPr>
-          <p:cNvPr id="295" name="Google Shape;295;p46"/>
+          <p:cNvPr id="296" name="Google Shape;296;p46"/>
           <p:cNvSpPr txBox="1"/>
           <p:nvPr>
             <p:ph idx="12" type="sldNum"/>
@@ -20699,7 +20699,7 @@
       </p:sp>
       <p:sp>
         <p:nvSpPr>
-          <p:cNvPr id="296" name="Google Shape;296;p46"/>
+          <p:cNvPr id="297" name="Google Shape;297;p46"/>
           <p:cNvSpPr txBox="1"/>
           <p:nvPr/>
         </p:nvSpPr>
@@ -20915,7 +20915,7 @@
             </a:pPr>
             <a:r>
               <a:rPr lang="en"/>
-              <a:t>The AMOS Scrum Team</a:t>
+              <a:t>The AMOS Scrum Team [1]</a:t>
             </a:r>
             <a:endParaRPr/>
           </a:p>
@@ -21018,6 +21018,52 @@
           </a:ln>
         </p:spPr>
       </p:pic>
+      <p:sp>
+        <p:nvSpPr>
+          <p:cNvPr id="57" name="Google Shape;57;p11"/>
+          <p:cNvSpPr txBox="1"/>
+          <p:nvPr/>
+        </p:nvSpPr>
+        <p:spPr>
+          <a:xfrm>
+            <a:off x="0" y="4233672"/>
+            <a:ext cx="7315200" cy="914400"/>
+          </a:xfrm>
+          <a:prstGeom prst="rect">
+            <a:avLst/>
+          </a:prstGeom>
+          <a:noFill/>
+          <a:ln>
+            <a:noFill/>
+          </a:ln>
+        </p:spPr>
+        <p:txBody>
+          <a:bodyPr anchorCtr="0" anchor="b" bIns="91425" lIns="91425" spcFirstLastPara="1" rIns="91425" wrap="square" tIns="91425">
+            <a:noAutofit/>
+          </a:bodyPr>
+          <a:lstStyle/>
+          <a:p>
+            <a:pPr indent="0" lvl="0" marL="0" rtl="0" algn="l">
+              <a:spcBef>
+                <a:spcPts val="0"/>
+              </a:spcBef>
+              <a:spcAft>
+                <a:spcPts val="0"/>
+              </a:spcAft>
+              <a:buNone/>
+            </a:pPr>
+            <a:r>
+              <a:rPr lang="en"/>
+              <a:t>[1</a:t>
+            </a:r>
+            <a:r>
+              <a:rPr lang="en"/>
+              <a:t>] Scrum guide: One Scrum Master, one product owner, software developers</a:t>
+            </a:r>
+            <a:endParaRPr/>
+          </a:p>
+        </p:txBody>
+      </p:sp>
     </p:spTree>
   </p:cSld>
   <p:clrMapOvr>
@@ -21031,7 +21077,7 @@
   <p:cSld>
     <p:spTree>
       <p:nvGrpSpPr>
-        <p:cNvPr id="300" name="Shape 300"/>
+        <p:cNvPr id="301" name="Shape 301"/>
         <p:cNvGrpSpPr/>
         <p:nvPr/>
       </p:nvGrpSpPr>
@@ -21045,7 +21091,7 @@
       </p:grpSpPr>
       <p:sp>
         <p:nvSpPr>
-          <p:cNvPr id="301" name="Google Shape;301;p47"/>
+          <p:cNvPr id="302" name="Google Shape;302;p47"/>
           <p:cNvSpPr txBox="1"/>
           <p:nvPr>
             <p:ph type="title"/>
@@ -21085,7 +21131,7 @@
       </p:sp>
       <p:sp>
         <p:nvSpPr>
-          <p:cNvPr id="302" name="Google Shape;302;p47"/>
+          <p:cNvPr id="303" name="Google Shape;303;p47"/>
           <p:cNvSpPr txBox="1"/>
           <p:nvPr>
             <p:ph idx="1" type="body"/>
@@ -21216,7 +21262,7 @@
       </p:sp>
       <p:sp>
         <p:nvSpPr>
-          <p:cNvPr id="303" name="Google Shape;303;p47"/>
+          <p:cNvPr id="304" name="Google Shape;304;p47"/>
           <p:cNvSpPr txBox="1"/>
           <p:nvPr>
             <p:ph idx="12" type="sldNum"/>
@@ -21296,7 +21342,7 @@
   <p:cSld>
     <p:spTree>
       <p:nvGrpSpPr>
-        <p:cNvPr id="307" name="Shape 307"/>
+        <p:cNvPr id="308" name="Shape 308"/>
         <p:cNvGrpSpPr/>
         <p:nvPr/>
       </p:nvGrpSpPr>
@@ -21310,7 +21356,7 @@
       </p:grpSpPr>
       <p:sp>
         <p:nvSpPr>
-          <p:cNvPr id="308" name="Google Shape;308;p48"/>
+          <p:cNvPr id="309" name="Google Shape;309;p48"/>
           <p:cNvSpPr txBox="1"/>
           <p:nvPr>
             <p:ph type="title"/>
@@ -21350,7 +21396,7 @@
       </p:sp>
       <p:sp>
         <p:nvSpPr>
-          <p:cNvPr id="309" name="Google Shape;309;p48"/>
+          <p:cNvPr id="310" name="Google Shape;310;p48"/>
           <p:cNvSpPr txBox="1"/>
           <p:nvPr>
             <p:ph idx="1" type="body"/>
@@ -21390,7 +21436,7 @@
       </p:sp>
       <p:sp>
         <p:nvSpPr>
-          <p:cNvPr id="310" name="Google Shape;310;p48"/>
+          <p:cNvPr id="311" name="Google Shape;311;p48"/>
           <p:cNvSpPr txBox="1"/>
           <p:nvPr>
             <p:ph idx="12" type="sldNum"/>
@@ -21459,7 +21505,7 @@
       </p:sp>
       <p:sp>
         <p:nvSpPr>
-          <p:cNvPr id="311" name="Google Shape;311;p48"/>
+          <p:cNvPr id="312" name="Google Shape;312;p48"/>
           <p:cNvSpPr txBox="1"/>
           <p:nvPr/>
         </p:nvSpPr>
@@ -21514,7 +21560,7 @@
       </p:sp>
       <p:sp>
         <p:nvSpPr>
-          <p:cNvPr id="312" name="Google Shape;312;p48"/>
+          <p:cNvPr id="313" name="Google Shape;313;p48"/>
           <p:cNvSpPr txBox="1"/>
           <p:nvPr/>
         </p:nvSpPr>
@@ -21640,7 +21686,7 @@
   <p:cSld>
     <p:spTree>
       <p:nvGrpSpPr>
-        <p:cNvPr id="316" name="Shape 316"/>
+        <p:cNvPr id="317" name="Shape 317"/>
         <p:cNvGrpSpPr/>
         <p:nvPr/>
       </p:nvGrpSpPr>
@@ -21654,7 +21700,7 @@
       </p:grpSpPr>
       <p:sp>
         <p:nvSpPr>
-          <p:cNvPr id="317" name="Google Shape;317;p49"/>
+          <p:cNvPr id="318" name="Google Shape;318;p49"/>
           <p:cNvSpPr txBox="1"/>
           <p:nvPr>
             <p:ph type="title"/>
@@ -21694,7 +21740,7 @@
       </p:sp>
       <p:sp>
         <p:nvSpPr>
-          <p:cNvPr id="318" name="Google Shape;318;p49"/>
+          <p:cNvPr id="319" name="Google Shape;319;p49"/>
           <p:cNvSpPr txBox="1"/>
           <p:nvPr>
             <p:ph idx="1" type="body"/>
@@ -21834,7 +21880,7 @@
       </p:sp>
       <p:sp>
         <p:nvSpPr>
-          <p:cNvPr id="319" name="Google Shape;319;p49"/>
+          <p:cNvPr id="320" name="Google Shape;320;p49"/>
           <p:cNvSpPr txBox="1"/>
           <p:nvPr>
             <p:ph idx="12" type="sldNum"/>
@@ -21914,7 +21960,7 @@
   <p:cSld>
     <p:spTree>
       <p:nvGrpSpPr>
-        <p:cNvPr id="323" name="Shape 323"/>
+        <p:cNvPr id="324" name="Shape 324"/>
         <p:cNvGrpSpPr/>
         <p:nvPr/>
       </p:nvGrpSpPr>
@@ -21928,7 +21974,7 @@
       </p:grpSpPr>
       <p:pic>
         <p:nvPicPr>
-          <p:cNvPr id="324" name="Google Shape;324;p50"/>
+          <p:cNvPr id="325" name="Google Shape;325;p50"/>
           <p:cNvPicPr preferRelativeResize="0"/>
           <p:nvPr/>
         </p:nvPicPr>
@@ -21956,7 +22002,7 @@
       </p:pic>
       <p:sp>
         <p:nvSpPr>
-          <p:cNvPr id="325" name="Google Shape;325;p50"/>
+          <p:cNvPr id="326" name="Google Shape;326;p50"/>
           <p:cNvSpPr/>
           <p:nvPr/>
         </p:nvSpPr>
@@ -22014,7 +22060,7 @@
   <p:cSld>
     <p:spTree>
       <p:nvGrpSpPr>
-        <p:cNvPr id="329" name="Shape 329"/>
+        <p:cNvPr id="330" name="Shape 330"/>
         <p:cNvGrpSpPr/>
         <p:nvPr/>
       </p:nvGrpSpPr>
@@ -22028,7 +22074,7 @@
       </p:grpSpPr>
       <p:sp>
         <p:nvSpPr>
-          <p:cNvPr id="330" name="Google Shape;330;p51"/>
+          <p:cNvPr id="331" name="Google Shape;331;p51"/>
           <p:cNvSpPr txBox="1"/>
           <p:nvPr>
             <p:ph type="title"/>
@@ -22079,7 +22125,7 @@
   <p:cSld>
     <p:spTree>
       <p:nvGrpSpPr>
-        <p:cNvPr id="334" name="Shape 334"/>
+        <p:cNvPr id="335" name="Shape 335"/>
         <p:cNvGrpSpPr/>
         <p:nvPr/>
       </p:nvGrpSpPr>
@@ -22093,7 +22139,7 @@
       </p:grpSpPr>
       <p:sp>
         <p:nvSpPr>
-          <p:cNvPr id="335" name="Google Shape;335;p52"/>
+          <p:cNvPr id="336" name="Google Shape;336;p52"/>
           <p:cNvSpPr txBox="1"/>
           <p:nvPr>
             <p:ph type="title"/>
@@ -22133,7 +22179,7 @@
       </p:sp>
       <p:sp>
         <p:nvSpPr>
-          <p:cNvPr id="336" name="Google Shape;336;p52"/>
+          <p:cNvPr id="337" name="Google Shape;337;p52"/>
           <p:cNvSpPr txBox="1"/>
           <p:nvPr>
             <p:ph idx="1" type="body"/>
@@ -22271,7 +22317,7 @@
       </p:sp>
       <p:sp>
         <p:nvSpPr>
-          <p:cNvPr id="337" name="Google Shape;337;p52"/>
+          <p:cNvPr id="338" name="Google Shape;338;p52"/>
           <p:cNvSpPr txBox="1"/>
           <p:nvPr>
             <p:ph idx="12" type="sldNum"/>
@@ -22351,7 +22397,7 @@
   <p:cSld>
     <p:spTree>
       <p:nvGrpSpPr>
-        <p:cNvPr id="341" name="Shape 341"/>
+        <p:cNvPr id="342" name="Shape 342"/>
         <p:cNvGrpSpPr/>
         <p:nvPr/>
       </p:nvGrpSpPr>
@@ -22365,7 +22411,7 @@
       </p:grpSpPr>
       <p:pic>
         <p:nvPicPr>
-          <p:cNvPr id="342" name="Google Shape;342;p53"/>
+          <p:cNvPr id="343" name="Google Shape;343;p53"/>
           <p:cNvPicPr preferRelativeResize="0"/>
           <p:nvPr/>
         </p:nvPicPr>
@@ -22404,7 +22450,7 @@
   <p:cSld>
     <p:spTree>
       <p:nvGrpSpPr>
-        <p:cNvPr id="346" name="Shape 346"/>
+        <p:cNvPr id="347" name="Shape 347"/>
         <p:cNvGrpSpPr/>
         <p:nvPr/>
       </p:nvGrpSpPr>
@@ -22418,7 +22464,7 @@
       </p:grpSpPr>
       <p:sp>
         <p:nvSpPr>
-          <p:cNvPr id="347" name="Google Shape;347;p54"/>
+          <p:cNvPr id="348" name="Google Shape;348;p54"/>
           <p:cNvSpPr txBox="1"/>
           <p:nvPr>
             <p:ph type="title"/>
@@ -22458,7 +22504,7 @@
       </p:sp>
       <p:sp>
         <p:nvSpPr>
-          <p:cNvPr id="348" name="Google Shape;348;p54"/>
+          <p:cNvPr id="349" name="Google Shape;349;p54"/>
           <p:cNvSpPr txBox="1"/>
           <p:nvPr>
             <p:ph idx="1" type="body"/>
@@ -22514,7 +22560,7 @@
       </p:sp>
       <p:sp>
         <p:nvSpPr>
-          <p:cNvPr id="349" name="Google Shape;349;p54"/>
+          <p:cNvPr id="350" name="Google Shape;350;p54"/>
           <p:cNvSpPr txBox="1"/>
           <p:nvPr>
             <p:ph idx="12" type="sldNum"/>
@@ -22594,7 +22640,7 @@
   <p:cSld>
     <p:spTree>
       <p:nvGrpSpPr>
-        <p:cNvPr id="353" name="Shape 353"/>
+        <p:cNvPr id="354" name="Shape 354"/>
         <p:cNvGrpSpPr/>
         <p:nvPr/>
       </p:nvGrpSpPr>
@@ -22608,7 +22654,7 @@
       </p:grpSpPr>
       <p:sp>
         <p:nvSpPr>
-          <p:cNvPr id="354" name="Google Shape;354;p55"/>
+          <p:cNvPr id="355" name="Google Shape;355;p55"/>
           <p:cNvSpPr txBox="1"/>
           <p:nvPr>
             <p:ph type="title"/>
@@ -22663,7 +22709,7 @@
   <p:cSld>
     <p:spTree>
       <p:nvGrpSpPr>
-        <p:cNvPr id="358" name="Shape 358"/>
+        <p:cNvPr id="359" name="Shape 359"/>
         <p:cNvGrpSpPr/>
         <p:nvPr/>
       </p:nvGrpSpPr>
@@ -22677,7 +22723,7 @@
       </p:grpSpPr>
       <p:sp>
         <p:nvSpPr>
-          <p:cNvPr id="359" name="Google Shape;359;p56"/>
+          <p:cNvPr id="360" name="Google Shape;360;p56"/>
           <p:cNvSpPr txBox="1"/>
           <p:nvPr>
             <p:ph type="title"/>
@@ -22717,7 +22763,7 @@
       </p:sp>
       <p:sp>
         <p:nvSpPr>
-          <p:cNvPr id="360" name="Google Shape;360;p56"/>
+          <p:cNvPr id="361" name="Google Shape;361;p56"/>
           <p:cNvSpPr txBox="1"/>
           <p:nvPr>
             <p:ph idx="1" type="body"/>
@@ -22897,7 +22943,7 @@
       </p:sp>
       <p:sp>
         <p:nvSpPr>
-          <p:cNvPr id="361" name="Google Shape;361;p56"/>
+          <p:cNvPr id="362" name="Google Shape;362;p56"/>
           <p:cNvSpPr txBox="1"/>
           <p:nvPr>
             <p:ph idx="12" type="sldNum"/>
@@ -22977,7 +23023,7 @@
   <p:cSld>
     <p:spTree>
       <p:nvGrpSpPr>
-        <p:cNvPr id="60" name="Shape 60"/>
+        <p:cNvPr id="61" name="Shape 61"/>
         <p:cNvGrpSpPr/>
         <p:nvPr/>
       </p:nvGrpSpPr>
@@ -22991,7 +23037,7 @@
       </p:grpSpPr>
       <p:sp>
         <p:nvSpPr>
-          <p:cNvPr id="61" name="Google Shape;61;p12"/>
+          <p:cNvPr id="62" name="Google Shape;62;p12"/>
           <p:cNvSpPr txBox="1"/>
           <p:nvPr>
             <p:ph idx="1" type="body"/>
@@ -23040,7 +23086,7 @@
             </a:pPr>
             <a:r>
               <a:rPr lang="en"/>
-              <a:t>Holds overall responsibility for the product being developed</a:t>
+              <a:t>Holds overall responsibility that the software is valuable (to customers)</a:t>
             </a:r>
             <a:endParaRPr/>
           </a:p>
@@ -23073,7 +23119,7 @@
             </a:pPr>
             <a:r>
               <a:rPr lang="en"/>
-              <a:t>Holds overall responsibility for design and implementation of product</a:t>
+              <a:t>Holds overall responsibility for design and implementation of the software</a:t>
             </a:r>
             <a:endParaRPr/>
           </a:p>
@@ -23106,7 +23152,7 @@
             </a:pPr>
             <a:r>
               <a:rPr lang="en"/>
-              <a:t>Holds overall responsibility for process improvement</a:t>
+              <a:t>Holds overall responsibility for continuous process improvement</a:t>
             </a:r>
             <a:endParaRPr/>
           </a:p>
@@ -23129,7 +23175,7 @@
       </p:sp>
       <p:sp>
         <p:nvSpPr>
-          <p:cNvPr id="62" name="Google Shape;62;p12"/>
+          <p:cNvPr id="63" name="Google Shape;63;p12"/>
           <p:cNvSpPr txBox="1"/>
           <p:nvPr>
             <p:ph type="title"/>
@@ -23169,7 +23215,7 @@
       </p:sp>
       <p:sp>
         <p:nvSpPr>
-          <p:cNvPr id="63" name="Google Shape;63;p12"/>
+          <p:cNvPr id="64" name="Google Shape;64;p12"/>
           <p:cNvSpPr txBox="1"/>
           <p:nvPr>
             <p:ph idx="12" type="sldNum"/>
@@ -23249,7 +23295,7 @@
   <p:cSld>
     <p:spTree>
       <p:nvGrpSpPr>
-        <p:cNvPr id="365" name="Shape 365"/>
+        <p:cNvPr id="366" name="Shape 366"/>
         <p:cNvGrpSpPr/>
         <p:nvPr/>
       </p:nvGrpSpPr>
@@ -23263,7 +23309,7 @@
       </p:grpSpPr>
       <p:sp>
         <p:nvSpPr>
-          <p:cNvPr id="366" name="Google Shape;366;p57"/>
+          <p:cNvPr id="367" name="Google Shape;367;p57"/>
           <p:cNvSpPr txBox="1"/>
           <p:nvPr>
             <p:ph type="title"/>
@@ -23307,7 +23353,7 @@
       </p:sp>
       <p:sp>
         <p:nvSpPr>
-          <p:cNvPr id="367" name="Google Shape;367;p57"/>
+          <p:cNvPr id="368" name="Google Shape;368;p57"/>
           <p:cNvSpPr txBox="1"/>
           <p:nvPr>
             <p:ph idx="1" type="body"/>
@@ -23377,7 +23423,7 @@
       </p:sp>
       <p:sp>
         <p:nvSpPr>
-          <p:cNvPr id="368" name="Google Shape;368;p57"/>
+          <p:cNvPr id="369" name="Google Shape;369;p57"/>
           <p:cNvSpPr txBox="1"/>
           <p:nvPr>
             <p:ph idx="12" type="sldNum"/>
@@ -23446,7 +23492,7 @@
       </p:sp>
       <p:pic>
         <p:nvPicPr>
-          <p:cNvPr id="369" name="Google Shape;369;p57"/>
+          <p:cNvPr id="370" name="Google Shape;370;p57"/>
           <p:cNvPicPr preferRelativeResize="0"/>
           <p:nvPr/>
         </p:nvPicPr>
@@ -23491,7 +23537,7 @@
   <p:cSld>
     <p:spTree>
       <p:nvGrpSpPr>
-        <p:cNvPr id="373" name="Shape 373"/>
+        <p:cNvPr id="374" name="Shape 374"/>
         <p:cNvGrpSpPr/>
         <p:nvPr/>
       </p:nvGrpSpPr>
@@ -23505,7 +23551,7 @@
       </p:grpSpPr>
       <p:sp>
         <p:nvSpPr>
-          <p:cNvPr id="374" name="Google Shape;374;p58"/>
+          <p:cNvPr id="375" name="Google Shape;375;p58"/>
           <p:cNvSpPr txBox="1"/>
           <p:nvPr>
             <p:ph type="title"/>
@@ -23556,7 +23602,7 @@
   <p:cSld>
     <p:spTree>
       <p:nvGrpSpPr>
-        <p:cNvPr id="378" name="Shape 378"/>
+        <p:cNvPr id="379" name="Shape 379"/>
         <p:cNvGrpSpPr/>
         <p:nvPr/>
       </p:nvGrpSpPr>
@@ -23570,7 +23616,7 @@
       </p:grpSpPr>
       <p:sp>
         <p:nvSpPr>
-          <p:cNvPr id="379" name="Google Shape;379;p59"/>
+          <p:cNvPr id="380" name="Google Shape;380;p59"/>
           <p:cNvSpPr txBox="1"/>
           <p:nvPr>
             <p:ph type="title"/>
@@ -23610,7 +23656,7 @@
       </p:sp>
       <p:sp>
         <p:nvSpPr>
-          <p:cNvPr id="380" name="Google Shape;380;p59"/>
+          <p:cNvPr id="381" name="Google Shape;381;p59"/>
           <p:cNvSpPr txBox="1"/>
           <p:nvPr>
             <p:ph idx="1" type="body"/>
@@ -23666,7 +23712,7 @@
       </p:sp>
       <p:sp>
         <p:nvSpPr>
-          <p:cNvPr id="381" name="Google Shape;381;p59"/>
+          <p:cNvPr id="382" name="Google Shape;382;p59"/>
           <p:cNvSpPr txBox="1"/>
           <p:nvPr>
             <p:ph idx="12" type="sldNum"/>
@@ -23735,7 +23781,7 @@
       </p:sp>
       <p:pic>
         <p:nvPicPr>
-          <p:cNvPr id="382" name="Google Shape;382;p59"/>
+          <p:cNvPr id="383" name="Google Shape;383;p59"/>
           <p:cNvPicPr preferRelativeResize="0"/>
           <p:nvPr/>
         </p:nvPicPr>
@@ -23780,7 +23826,7 @@
   <p:cSld>
     <p:spTree>
       <p:nvGrpSpPr>
-        <p:cNvPr id="386" name="Shape 386"/>
+        <p:cNvPr id="387" name="Shape 387"/>
         <p:cNvGrpSpPr/>
         <p:nvPr/>
       </p:nvGrpSpPr>
@@ -23794,7 +23840,7 @@
       </p:grpSpPr>
       <p:sp>
         <p:nvSpPr>
-          <p:cNvPr id="387" name="Google Shape;387;p60"/>
+          <p:cNvPr id="388" name="Google Shape;388;p60"/>
           <p:cNvSpPr txBox="1"/>
           <p:nvPr>
             <p:ph type="title"/>
@@ -23834,7 +23880,7 @@
       </p:sp>
       <p:sp>
         <p:nvSpPr>
-          <p:cNvPr id="388" name="Google Shape;388;p60"/>
+          <p:cNvPr id="389" name="Google Shape;389;p60"/>
           <p:cNvSpPr txBox="1"/>
           <p:nvPr>
             <p:ph idx="1" type="body"/>
@@ -23936,7 +23982,7 @@
       </p:sp>
       <p:sp>
         <p:nvSpPr>
-          <p:cNvPr id="389" name="Google Shape;389;p60"/>
+          <p:cNvPr id="390" name="Google Shape;390;p60"/>
           <p:cNvSpPr txBox="1"/>
           <p:nvPr>
             <p:ph idx="12" type="sldNum"/>
@@ -24016,7 +24062,7 @@
   <p:cSld>
     <p:spTree>
       <p:nvGrpSpPr>
-        <p:cNvPr id="393" name="Shape 393"/>
+        <p:cNvPr id="394" name="Shape 394"/>
         <p:cNvGrpSpPr/>
         <p:nvPr/>
       </p:nvGrpSpPr>
@@ -24030,7 +24076,7 @@
       </p:grpSpPr>
       <p:sp>
         <p:nvSpPr>
-          <p:cNvPr id="394" name="Google Shape;394;p61"/>
+          <p:cNvPr id="395" name="Google Shape;395;p61"/>
           <p:cNvSpPr txBox="1"/>
           <p:nvPr>
             <p:ph idx="1" type="body"/>
@@ -24258,7 +24304,7 @@
       </p:sp>
       <p:sp>
         <p:nvSpPr>
-          <p:cNvPr id="395" name="Google Shape;395;p61"/>
+          <p:cNvPr id="396" name="Google Shape;396;p61"/>
           <p:cNvSpPr txBox="1"/>
           <p:nvPr>
             <p:ph type="title"/>
@@ -24298,7 +24344,7 @@
       </p:sp>
       <p:sp>
         <p:nvSpPr>
-          <p:cNvPr id="396" name="Google Shape;396;p61"/>
+          <p:cNvPr id="397" name="Google Shape;397;p61"/>
           <p:cNvSpPr txBox="1"/>
           <p:nvPr>
             <p:ph idx="12" type="sldNum"/>
@@ -24378,7 +24424,7 @@
   <p:cSld>
     <p:spTree>
       <p:nvGrpSpPr>
-        <p:cNvPr id="400" name="Shape 400"/>
+        <p:cNvPr id="401" name="Shape 401"/>
         <p:cNvGrpSpPr/>
         <p:nvPr/>
       </p:nvGrpSpPr>
@@ -24392,7 +24438,7 @@
       </p:grpSpPr>
       <p:sp>
         <p:nvSpPr>
-          <p:cNvPr id="401" name="Google Shape;401;p62"/>
+          <p:cNvPr id="402" name="Google Shape;402;p62"/>
           <p:cNvSpPr txBox="1"/>
           <p:nvPr>
             <p:ph type="ctrTitle"/>
@@ -24432,7 +24478,7 @@
       </p:sp>
       <p:sp>
         <p:nvSpPr>
-          <p:cNvPr id="402" name="Google Shape;402;p62"/>
+          <p:cNvPr id="403" name="Google Shape;403;p62"/>
           <p:cNvSpPr txBox="1"/>
           <p:nvPr>
             <p:ph idx="1" type="subTitle"/>
@@ -24562,7 +24608,7 @@
   <p:cSld>
     <p:spTree>
       <p:nvGrpSpPr>
-        <p:cNvPr id="406" name="Shape 406"/>
+        <p:cNvPr id="407" name="Shape 407"/>
         <p:cNvGrpSpPr/>
         <p:nvPr/>
       </p:nvGrpSpPr>
@@ -24576,7 +24622,7 @@
       </p:grpSpPr>
       <p:sp>
         <p:nvSpPr>
-          <p:cNvPr id="407" name="Google Shape;407;p63"/>
+          <p:cNvPr id="408" name="Google Shape;408;p63"/>
           <p:cNvSpPr txBox="1"/>
           <p:nvPr>
             <p:ph type="title"/>
@@ -24616,7 +24662,7 @@
       </p:sp>
       <p:sp>
         <p:nvSpPr>
-          <p:cNvPr id="408" name="Google Shape;408;p63"/>
+          <p:cNvPr id="409" name="Google Shape;409;p63"/>
           <p:cNvSpPr txBox="1"/>
           <p:nvPr>
             <p:ph idx="12" type="sldNum"/>
@@ -24681,7 +24727,7 @@
       </p:sp>
       <p:sp>
         <p:nvSpPr>
-          <p:cNvPr id="409" name="Google Shape;409;p63"/>
+          <p:cNvPr id="410" name="Google Shape;410;p63"/>
           <p:cNvSpPr txBox="1"/>
           <p:nvPr>
             <p:ph idx="1" type="body"/>
@@ -24810,7 +24856,7 @@
   <p:cSld>
     <p:spTree>
       <p:nvGrpSpPr>
-        <p:cNvPr id="67" name="Shape 67"/>
+        <p:cNvPr id="68" name="Shape 68"/>
         <p:cNvGrpSpPr/>
         <p:nvPr/>
       </p:nvGrpSpPr>
@@ -24824,7 +24870,7 @@
       </p:grpSpPr>
       <p:sp>
         <p:nvSpPr>
-          <p:cNvPr id="68" name="Google Shape;68;p13"/>
+          <p:cNvPr id="69" name="Google Shape;69;p13"/>
           <p:cNvSpPr txBox="1"/>
           <p:nvPr>
             <p:ph type="title"/>
@@ -24864,7 +24910,7 @@
       </p:sp>
       <p:sp>
         <p:nvSpPr>
-          <p:cNvPr id="69" name="Google Shape;69;p13"/>
+          <p:cNvPr id="70" name="Google Shape;70;p13"/>
           <p:cNvSpPr txBox="1"/>
           <p:nvPr>
             <p:ph idx="1" type="body"/>
@@ -24921,7 +24967,7 @@
       </p:sp>
       <p:sp>
         <p:nvSpPr>
-          <p:cNvPr id="70" name="Google Shape;70;p13"/>
+          <p:cNvPr id="71" name="Google Shape;71;p13"/>
           <p:cNvSpPr txBox="1"/>
           <p:nvPr>
             <p:ph idx="12" type="sldNum"/>
@@ -25001,7 +25047,7 @@
   <p:cSld>
     <p:spTree>
       <p:nvGrpSpPr>
-        <p:cNvPr id="74" name="Shape 74"/>
+        <p:cNvPr id="75" name="Shape 75"/>
         <p:cNvGrpSpPr/>
         <p:nvPr/>
       </p:nvGrpSpPr>
@@ -25015,7 +25061,7 @@
       </p:grpSpPr>
       <p:sp>
         <p:nvSpPr>
-          <p:cNvPr id="75" name="Google Shape;75;p14"/>
+          <p:cNvPr id="76" name="Google Shape;76;p14"/>
           <p:cNvSpPr txBox="1"/>
           <p:nvPr>
             <p:ph type="title"/>
@@ -25055,7 +25101,7 @@
       </p:sp>
       <p:sp>
         <p:nvSpPr>
-          <p:cNvPr id="76" name="Google Shape;76;p14"/>
+          <p:cNvPr id="77" name="Google Shape;77;p14"/>
           <p:cNvSpPr txBox="1"/>
           <p:nvPr>
             <p:ph idx="1" type="body"/>
@@ -25110,7 +25156,7 @@
       </p:sp>
       <p:sp>
         <p:nvSpPr>
-          <p:cNvPr id="77" name="Google Shape;77;p14"/>
+          <p:cNvPr id="78" name="Google Shape;78;p14"/>
           <p:cNvSpPr txBox="1"/>
           <p:nvPr>
             <p:ph idx="12" type="sldNum"/>
@@ -25190,7 +25236,7 @@
   <p:cSld>
     <p:spTree>
       <p:nvGrpSpPr>
-        <p:cNvPr id="81" name="Shape 81"/>
+        <p:cNvPr id="82" name="Shape 82"/>
         <p:cNvGrpSpPr/>
         <p:nvPr/>
       </p:nvGrpSpPr>
@@ -25204,7 +25250,7 @@
       </p:grpSpPr>
       <p:sp>
         <p:nvSpPr>
-          <p:cNvPr id="82" name="Google Shape;82;p15"/>
+          <p:cNvPr id="83" name="Google Shape;83;p15"/>
           <p:cNvSpPr txBox="1"/>
           <p:nvPr>
             <p:ph type="title"/>
@@ -25255,7 +25301,7 @@
   <p:cSld>
     <p:spTree>
       <p:nvGrpSpPr>
-        <p:cNvPr id="86" name="Shape 86"/>
+        <p:cNvPr id="87" name="Shape 87"/>
         <p:cNvGrpSpPr/>
         <p:nvPr/>
       </p:nvGrpSpPr>
@@ -25269,7 +25315,7 @@
       </p:grpSpPr>
       <p:sp>
         <p:nvSpPr>
-          <p:cNvPr id="87" name="Google Shape;87;p16"/>
+          <p:cNvPr id="88" name="Google Shape;88;p16"/>
           <p:cNvSpPr txBox="1"/>
           <p:nvPr>
             <p:ph idx="1" type="body"/>
@@ -25391,7 +25437,7 @@
       </p:sp>
       <p:sp>
         <p:nvSpPr>
-          <p:cNvPr id="88" name="Google Shape;88;p16"/>
+          <p:cNvPr id="89" name="Google Shape;89;p16"/>
           <p:cNvSpPr txBox="1"/>
           <p:nvPr>
             <p:ph type="title"/>
@@ -25431,7 +25477,7 @@
       </p:sp>
       <p:sp>
         <p:nvSpPr>
-          <p:cNvPr id="89" name="Google Shape;89;p16"/>
+          <p:cNvPr id="90" name="Google Shape;90;p16"/>
           <p:cNvSpPr txBox="1"/>
           <p:nvPr>
             <p:ph idx="12" type="sldNum"/>
@@ -25507,6 +25553,285 @@
 </file>
 
 <file path=ppt/theme/theme1.xml><?xml version="1.0" encoding="utf-8"?>
+<a:theme xmlns:a="http://schemas.openxmlformats.org/drawingml/2006/main" xmlns:r="http://schemas.openxmlformats.org/officeDocument/2006/relationships">
+  <a:themeElements>
+    <a:clrScheme name="Default">
+      <a:dk1>
+        <a:srgbClr val="000000"/>
+      </a:dk1>
+      <a:lt1>
+        <a:srgbClr val="FFFFFF"/>
+      </a:lt1>
+      <a:dk2>
+        <a:srgbClr val="158158"/>
+      </a:dk2>
+      <a:lt2>
+        <a:srgbClr val="F3F3F3"/>
+      </a:lt2>
+      <a:accent1>
+        <a:srgbClr val="058DC7"/>
+      </a:accent1>
+      <a:accent2>
+        <a:srgbClr val="50B432"/>
+      </a:accent2>
+      <a:accent3>
+        <a:srgbClr val="ED561B"/>
+      </a:accent3>
+      <a:accent4>
+        <a:srgbClr val="EDEF00"/>
+      </a:accent4>
+      <a:accent5>
+        <a:srgbClr val="24CBE5"/>
+      </a:accent5>
+      <a:accent6>
+        <a:srgbClr val="64E572"/>
+      </a:accent6>
+      <a:hlink>
+        <a:srgbClr val="2200CC"/>
+      </a:hlink>
+      <a:folHlink>
+        <a:srgbClr val="551A8B"/>
+      </a:folHlink>
+    </a:clrScheme>
+    <a:fontScheme name="Office">
+      <a:majorFont>
+        <a:latin typeface="Arial"/>
+        <a:ea typeface=""/>
+        <a:cs typeface=""/>
+        <a:font script="Jpan" typeface="ＭＳ Ｐゴシック"/>
+        <a:font script="Hang" typeface="맑은 고딕"/>
+        <a:font script="Hans" typeface="宋体"/>
+        <a:font script="Hant" typeface="新細明體"/>
+        <a:font script="Arab" typeface="Times New Roman"/>
+        <a:font script="Hebr" typeface="Times New Roman"/>
+        <a:font script="Thai" typeface="Angsana New"/>
+        <a:font script="Ethi" typeface="Nyala"/>
+        <a:font script="Beng" typeface="Vrinda"/>
+        <a:font script="Gujr" typeface="Shruti"/>
+        <a:font script="Khmr" typeface="MoolBoran"/>
+        <a:font script="Knda" typeface="Tunga"/>
+        <a:font script="Guru" typeface="Raavi"/>
+        <a:font script="Cans" typeface="Euphemia"/>
+        <a:font script="Cher" typeface="Plantagenet Cherokee"/>
+        <a:font script="Yiii" typeface="Microsoft Yi Baiti"/>
+        <a:font script="Tibt" typeface="Microsoft Himalaya"/>
+        <a:font script="Thaa" typeface="MV Boli"/>
+        <a:font script="Deva" typeface="Mangal"/>
+        <a:font script="Telu" typeface="Gautami"/>
+        <a:font script="Taml" typeface="Latha"/>
+        <a:font script="Syrc" typeface="Estrangelo Edessa"/>
+        <a:font script="Orya" typeface="Kalinga"/>
+        <a:font script="Mlym" typeface="Kartika"/>
+        <a:font script="Laoo" typeface="DokChampa"/>
+        <a:font script="Sinh" typeface="Iskoola Pota"/>
+        <a:font script="Mong" typeface="Mongolian Baiti"/>
+        <a:font script="Viet" typeface="Times New Roman"/>
+        <a:font script="Uigh" typeface="Microsoft Uighur"/>
+        <a:font script="Geor" typeface="Sylfaen"/>
+      </a:majorFont>
+      <a:minorFont>
+        <a:latin typeface="Arial"/>
+        <a:ea typeface=""/>
+        <a:cs typeface=""/>
+        <a:font script="Jpan" typeface="ＭＳ Ｐゴシック"/>
+        <a:font script="Hang" typeface="맑은 고딕"/>
+        <a:font script="Hans" typeface="宋体"/>
+        <a:font script="Hant" typeface="新細明體"/>
+        <a:font script="Arab" typeface="Arial"/>
+        <a:font script="Hebr" typeface="Arial"/>
+        <a:font script="Thai" typeface="Cordia New"/>
+        <a:font script="Ethi" typeface="Nyala"/>
+        <a:font script="Beng" typeface="Vrinda"/>
+        <a:font script="Gujr" typeface="Shruti"/>
+        <a:font script="Khmr" typeface="DaunPenh"/>
+        <a:font script="Knda" typeface="Tunga"/>
+        <a:font script="Guru" typeface="Raavi"/>
+        <a:font script="Cans" typeface="Euphemia"/>
+        <a:font script="Cher" typeface="Plantagenet Cherokee"/>
+        <a:font script="Yiii" typeface="Microsoft Yi Baiti"/>
+        <a:font script="Tibt" typeface="Microsoft Himalaya"/>
+        <a:font script="Thaa" typeface="MV Boli"/>
+        <a:font script="Deva" typeface="Mangal"/>
+        <a:font script="Telu" typeface="Gautami"/>
+        <a:font script="Taml" typeface="Latha"/>
+        <a:font script="Syrc" typeface="Estrangelo Edessa"/>
+        <a:font script="Orya" typeface="Kalinga"/>
+        <a:font script="Mlym" typeface="Kartika"/>
+        <a:font script="Laoo" typeface="DokChampa"/>
+        <a:font script="Sinh" typeface="Iskoola Pota"/>
+        <a:font script="Mong" typeface="Mongolian Baiti"/>
+        <a:font script="Viet" typeface="Arial"/>
+        <a:font script="Uigh" typeface="Microsoft Uighur"/>
+        <a:font script="Geor" typeface="Sylfaen"/>
+      </a:minorFont>
+    </a:fontScheme>
+    <a:fmtScheme name="Office">
+      <a:fillStyleLst>
+        <a:solidFill>
+          <a:schemeClr val="phClr"/>
+        </a:solidFill>
+        <a:gradFill rotWithShape="1">
+          <a:gsLst>
+            <a:gs pos="0">
+              <a:schemeClr val="phClr">
+                <a:tint val="50000"/>
+                <a:satMod val="300000"/>
+              </a:schemeClr>
+            </a:gs>
+            <a:gs pos="35000">
+              <a:schemeClr val="phClr">
+                <a:tint val="37000"/>
+                <a:satMod val="300000"/>
+              </a:schemeClr>
+            </a:gs>
+            <a:gs pos="100000">
+              <a:schemeClr val="phClr">
+                <a:tint val="15000"/>
+                <a:satMod val="350000"/>
+              </a:schemeClr>
+            </a:gs>
+          </a:gsLst>
+          <a:lin ang="16200000" scaled="1"/>
+        </a:gradFill>
+        <a:gradFill rotWithShape="1">
+          <a:gsLst>
+            <a:gs pos="0">
+              <a:schemeClr val="phClr">
+                <a:tint val="100000"/>
+                <a:shade val="100000"/>
+                <a:satMod val="130000"/>
+              </a:schemeClr>
+            </a:gs>
+            <a:gs pos="100000">
+              <a:schemeClr val="phClr">
+                <a:tint val="50000"/>
+                <a:shade val="100000"/>
+                <a:satMod val="350000"/>
+              </a:schemeClr>
+            </a:gs>
+          </a:gsLst>
+          <a:lin ang="16200000" scaled="0"/>
+        </a:gradFill>
+      </a:fillStyleLst>
+      <a:lnStyleLst>
+        <a:ln w="9525" cap="flat" cmpd="sng" algn="ctr">
+          <a:solidFill>
+            <a:schemeClr val="phClr">
+              <a:shade val="95000"/>
+              <a:satMod val="105000"/>
+            </a:schemeClr>
+          </a:solidFill>
+          <a:prstDash val="solid"/>
+        </a:ln>
+        <a:ln w="25400" cap="flat" cmpd="sng" algn="ctr">
+          <a:solidFill>
+            <a:schemeClr val="phClr"/>
+          </a:solidFill>
+          <a:prstDash val="solid"/>
+        </a:ln>
+        <a:ln w="38100" cap="flat" cmpd="sng" algn="ctr">
+          <a:solidFill>
+            <a:schemeClr val="phClr"/>
+          </a:solidFill>
+          <a:prstDash val="solid"/>
+        </a:ln>
+      </a:lnStyleLst>
+      <a:effectStyleLst>
+        <a:effectStyle>
+          <a:effectLst>
+            <a:outerShdw blurRad="40000" dist="20000" dir="5400000" rotWithShape="0">
+              <a:srgbClr val="000000">
+                <a:alpha val="38000"/>
+              </a:srgbClr>
+            </a:outerShdw>
+          </a:effectLst>
+        </a:effectStyle>
+        <a:effectStyle>
+          <a:effectLst>
+            <a:outerShdw blurRad="40000" dist="23000" dir="5400000" rotWithShape="0">
+              <a:srgbClr val="000000">
+                <a:alpha val="35000"/>
+              </a:srgbClr>
+            </a:outerShdw>
+          </a:effectLst>
+        </a:effectStyle>
+        <a:effectStyle>
+          <a:effectLst>
+            <a:outerShdw blurRad="40000" dist="23000" dir="5400000" rotWithShape="0">
+              <a:srgbClr val="000000">
+                <a:alpha val="35000"/>
+              </a:srgbClr>
+            </a:outerShdw>
+          </a:effectLst>
+          <a:scene3d>
+            <a:camera prst="orthographicFront">
+              <a:rot lat="0" lon="0" rev="0"/>
+            </a:camera>
+            <a:lightRig rig="threePt" dir="t">
+              <a:rot lat="0" lon="0" rev="1200000"/>
+            </a:lightRig>
+          </a:scene3d>
+          <a:sp3d>
+            <a:bevelT w="63500" h="25400"/>
+          </a:sp3d>
+        </a:effectStyle>
+      </a:effectStyleLst>
+      <a:bgFillStyleLst>
+        <a:solidFill>
+          <a:schemeClr val="phClr"/>
+        </a:solidFill>
+        <a:gradFill rotWithShape="1">
+          <a:gsLst>
+            <a:gs pos="0">
+              <a:schemeClr val="phClr">
+                <a:tint val="40000"/>
+                <a:satMod val="350000"/>
+              </a:schemeClr>
+            </a:gs>
+            <a:gs pos="40000">
+              <a:schemeClr val="phClr">
+                <a:tint val="45000"/>
+                <a:shade val="99000"/>
+                <a:satMod val="350000"/>
+              </a:schemeClr>
+            </a:gs>
+            <a:gs pos="100000">
+              <a:schemeClr val="phClr">
+                <a:shade val="20000"/>
+                <a:satMod val="255000"/>
+              </a:schemeClr>
+            </a:gs>
+          </a:gsLst>
+          <a:path path="circle">
+            <a:fillToRect l="50000" t="-80000" r="50000" b="180000"/>
+          </a:path>
+        </a:gradFill>
+        <a:gradFill rotWithShape="1">
+          <a:gsLst>
+            <a:gs pos="0">
+              <a:schemeClr val="phClr">
+                <a:tint val="80000"/>
+                <a:satMod val="300000"/>
+              </a:schemeClr>
+            </a:gs>
+            <a:gs pos="100000">
+              <a:schemeClr val="phClr">
+                <a:shade val="30000"/>
+                <a:satMod val="200000"/>
+              </a:schemeClr>
+            </a:gs>
+          </a:gsLst>
+          <a:path path="circle">
+            <a:fillToRect l="50000" t="50000" r="50000" b="50000"/>
+          </a:path>
+        </a:gradFill>
+      </a:bgFillStyleLst>
+    </a:fmtScheme>
+  </a:themeElements>
+</a:theme>
+</file>
+
+<file path=ppt/theme/theme2.xml><?xml version="1.0" encoding="utf-8"?>
 <a:theme xmlns:a="http://schemas.openxmlformats.org/drawingml/2006/main" xmlns:r="http://schemas.openxmlformats.org/officeDocument/2006/relationships" name="AMOS Slides Template">
   <a:themeElements>
     <a:clrScheme name="Simple Light">
@@ -25783,283 +26108,4 @@
     </a:fmtScheme>
   </a:themeElements>
 </a:theme>
-</file>
-
-<file path=ppt/theme/theme2.xml><?xml version="1.0" encoding="utf-8"?>
-<a:theme xmlns:a="http://schemas.openxmlformats.org/drawingml/2006/main" xmlns:r="http://schemas.openxmlformats.org/officeDocument/2006/relationships">
-  <a:themeElements>
-    <a:clrScheme name="Default">
-      <a:dk1>
-        <a:srgbClr val="000000"/>
-      </a:dk1>
-      <a:lt1>
-        <a:srgbClr val="FFFFFF"/>
-      </a:lt1>
-      <a:dk2>
-        <a:srgbClr val="158158"/>
-      </a:dk2>
-      <a:lt2>
-        <a:srgbClr val="F3F3F3"/>
-      </a:lt2>
-      <a:accent1>
-        <a:srgbClr val="058DC7"/>
-      </a:accent1>
-      <a:accent2>
-        <a:srgbClr val="50B432"/>
-      </a:accent2>
-      <a:accent3>
-        <a:srgbClr val="ED561B"/>
-      </a:accent3>
-      <a:accent4>
-        <a:srgbClr val="EDEF00"/>
-      </a:accent4>
-      <a:accent5>
-        <a:srgbClr val="24CBE5"/>
-      </a:accent5>
-      <a:accent6>
-        <a:srgbClr val="64E572"/>
-      </a:accent6>
-      <a:hlink>
-        <a:srgbClr val="2200CC"/>
-      </a:hlink>
-      <a:folHlink>
-        <a:srgbClr val="551A8B"/>
-      </a:folHlink>
-    </a:clrScheme>
-    <a:fontScheme name="Office">
-      <a:majorFont>
-        <a:latin typeface="Arial"/>
-        <a:ea typeface=""/>
-        <a:cs typeface=""/>
-        <a:font script="Jpan" typeface="ＭＳ Ｐゴシック"/>
-        <a:font script="Hang" typeface="맑은 고딕"/>
-        <a:font script="Hans" typeface="宋体"/>
-        <a:font script="Hant" typeface="新細明體"/>
-        <a:font script="Arab" typeface="Times New Roman"/>
-        <a:font script="Hebr" typeface="Times New Roman"/>
-        <a:font script="Thai" typeface="Angsana New"/>
-        <a:font script="Ethi" typeface="Nyala"/>
-        <a:font script="Beng" typeface="Vrinda"/>
-        <a:font script="Gujr" typeface="Shruti"/>
-        <a:font script="Khmr" typeface="MoolBoran"/>
-        <a:font script="Knda" typeface="Tunga"/>
-        <a:font script="Guru" typeface="Raavi"/>
-        <a:font script="Cans" typeface="Euphemia"/>
-        <a:font script="Cher" typeface="Plantagenet Cherokee"/>
-        <a:font script="Yiii" typeface="Microsoft Yi Baiti"/>
-        <a:font script="Tibt" typeface="Microsoft Himalaya"/>
-        <a:font script="Thaa" typeface="MV Boli"/>
-        <a:font script="Deva" typeface="Mangal"/>
-        <a:font script="Telu" typeface="Gautami"/>
-        <a:font script="Taml" typeface="Latha"/>
-        <a:font script="Syrc" typeface="Estrangelo Edessa"/>
-        <a:font script="Orya" typeface="Kalinga"/>
-        <a:font script="Mlym" typeface="Kartika"/>
-        <a:font script="Laoo" typeface="DokChampa"/>
-        <a:font script="Sinh" typeface="Iskoola Pota"/>
-        <a:font script="Mong" typeface="Mongolian Baiti"/>
-        <a:font script="Viet" typeface="Times New Roman"/>
-        <a:font script="Uigh" typeface="Microsoft Uighur"/>
-        <a:font script="Geor" typeface="Sylfaen"/>
-      </a:majorFont>
-      <a:minorFont>
-        <a:latin typeface="Arial"/>
-        <a:ea typeface=""/>
-        <a:cs typeface=""/>
-        <a:font script="Jpan" typeface="ＭＳ Ｐゴシック"/>
-        <a:font script="Hang" typeface="맑은 고딕"/>
-        <a:font script="Hans" typeface="宋体"/>
-        <a:font script="Hant" typeface="新細明體"/>
-        <a:font script="Arab" typeface="Arial"/>
-        <a:font script="Hebr" typeface="Arial"/>
-        <a:font script="Thai" typeface="Cordia New"/>
-        <a:font script="Ethi" typeface="Nyala"/>
-        <a:font script="Beng" typeface="Vrinda"/>
-        <a:font script="Gujr" typeface="Shruti"/>
-        <a:font script="Khmr" typeface="DaunPenh"/>
-        <a:font script="Knda" typeface="Tunga"/>
-        <a:font script="Guru" typeface="Raavi"/>
-        <a:font script="Cans" typeface="Euphemia"/>
-        <a:font script="Cher" typeface="Plantagenet Cherokee"/>
-        <a:font script="Yiii" typeface="Microsoft Yi Baiti"/>
-        <a:font script="Tibt" typeface="Microsoft Himalaya"/>
-        <a:font script="Thaa" typeface="MV Boli"/>
-        <a:font script="Deva" typeface="Mangal"/>
-        <a:font script="Telu" typeface="Gautami"/>
-        <a:font script="Taml" typeface="Latha"/>
-        <a:font script="Syrc" typeface="Estrangelo Edessa"/>
-        <a:font script="Orya" typeface="Kalinga"/>
-        <a:font script="Mlym" typeface="Kartika"/>
-        <a:font script="Laoo" typeface="DokChampa"/>
-        <a:font script="Sinh" typeface="Iskoola Pota"/>
-        <a:font script="Mong" typeface="Mongolian Baiti"/>
-        <a:font script="Viet" typeface="Arial"/>
-        <a:font script="Uigh" typeface="Microsoft Uighur"/>
-        <a:font script="Geor" typeface="Sylfaen"/>
-      </a:minorFont>
-    </a:fontScheme>
-    <a:fmtScheme name="Office">
-      <a:fillStyleLst>
-        <a:solidFill>
-          <a:schemeClr val="phClr"/>
-        </a:solidFill>
-        <a:gradFill rotWithShape="1">
-          <a:gsLst>
-            <a:gs pos="0">
-              <a:schemeClr val="phClr">
-                <a:tint val="50000"/>
-                <a:satMod val="300000"/>
-              </a:schemeClr>
-            </a:gs>
-            <a:gs pos="35000">
-              <a:schemeClr val="phClr">
-                <a:tint val="37000"/>
-                <a:satMod val="300000"/>
-              </a:schemeClr>
-            </a:gs>
-            <a:gs pos="100000">
-              <a:schemeClr val="phClr">
-                <a:tint val="15000"/>
-                <a:satMod val="350000"/>
-              </a:schemeClr>
-            </a:gs>
-          </a:gsLst>
-          <a:lin ang="16200000" scaled="1"/>
-        </a:gradFill>
-        <a:gradFill rotWithShape="1">
-          <a:gsLst>
-            <a:gs pos="0">
-              <a:schemeClr val="phClr">
-                <a:tint val="100000"/>
-                <a:shade val="100000"/>
-                <a:satMod val="130000"/>
-              </a:schemeClr>
-            </a:gs>
-            <a:gs pos="100000">
-              <a:schemeClr val="phClr">
-                <a:tint val="50000"/>
-                <a:shade val="100000"/>
-                <a:satMod val="350000"/>
-              </a:schemeClr>
-            </a:gs>
-          </a:gsLst>
-          <a:lin ang="16200000" scaled="0"/>
-        </a:gradFill>
-      </a:fillStyleLst>
-      <a:lnStyleLst>
-        <a:ln w="9525" cap="flat" cmpd="sng" algn="ctr">
-          <a:solidFill>
-            <a:schemeClr val="phClr">
-              <a:shade val="95000"/>
-              <a:satMod val="105000"/>
-            </a:schemeClr>
-          </a:solidFill>
-          <a:prstDash val="solid"/>
-        </a:ln>
-        <a:ln w="25400" cap="flat" cmpd="sng" algn="ctr">
-          <a:solidFill>
-            <a:schemeClr val="phClr"/>
-          </a:solidFill>
-          <a:prstDash val="solid"/>
-        </a:ln>
-        <a:ln w="38100" cap="flat" cmpd="sng" algn="ctr">
-          <a:solidFill>
-            <a:schemeClr val="phClr"/>
-          </a:solidFill>
-          <a:prstDash val="solid"/>
-        </a:ln>
-      </a:lnStyleLst>
-      <a:effectStyleLst>
-        <a:effectStyle>
-          <a:effectLst>
-            <a:outerShdw blurRad="40000" dist="20000" dir="5400000" rotWithShape="0">
-              <a:srgbClr val="000000">
-                <a:alpha val="38000"/>
-              </a:srgbClr>
-            </a:outerShdw>
-          </a:effectLst>
-        </a:effectStyle>
-        <a:effectStyle>
-          <a:effectLst>
-            <a:outerShdw blurRad="40000" dist="23000" dir="5400000" rotWithShape="0">
-              <a:srgbClr val="000000">
-                <a:alpha val="35000"/>
-              </a:srgbClr>
-            </a:outerShdw>
-          </a:effectLst>
-        </a:effectStyle>
-        <a:effectStyle>
-          <a:effectLst>
-            <a:outerShdw blurRad="40000" dist="23000" dir="5400000" rotWithShape="0">
-              <a:srgbClr val="000000">
-                <a:alpha val="35000"/>
-              </a:srgbClr>
-            </a:outerShdw>
-          </a:effectLst>
-          <a:scene3d>
-            <a:camera prst="orthographicFront">
-              <a:rot lat="0" lon="0" rev="0"/>
-            </a:camera>
-            <a:lightRig rig="threePt" dir="t">
-              <a:rot lat="0" lon="0" rev="1200000"/>
-            </a:lightRig>
-          </a:scene3d>
-          <a:sp3d>
-            <a:bevelT w="63500" h="25400"/>
-          </a:sp3d>
-        </a:effectStyle>
-      </a:effectStyleLst>
-      <a:bgFillStyleLst>
-        <a:solidFill>
-          <a:schemeClr val="phClr"/>
-        </a:solidFill>
-        <a:gradFill rotWithShape="1">
-          <a:gsLst>
-            <a:gs pos="0">
-              <a:schemeClr val="phClr">
-                <a:tint val="40000"/>
-                <a:satMod val="350000"/>
-              </a:schemeClr>
-            </a:gs>
-            <a:gs pos="40000">
-              <a:schemeClr val="phClr">
-                <a:tint val="45000"/>
-                <a:shade val="99000"/>
-                <a:satMod val="350000"/>
-              </a:schemeClr>
-            </a:gs>
-            <a:gs pos="100000">
-              <a:schemeClr val="phClr">
-                <a:shade val="20000"/>
-                <a:satMod val="255000"/>
-              </a:schemeClr>
-            </a:gs>
-          </a:gsLst>
-          <a:path path="circle">
-            <a:fillToRect l="50000" t="-80000" r="50000" b="180000"/>
-          </a:path>
-        </a:gradFill>
-        <a:gradFill rotWithShape="1">
-          <a:gsLst>
-            <a:gs pos="0">
-              <a:schemeClr val="phClr">
-                <a:tint val="80000"/>
-                <a:satMod val="300000"/>
-              </a:schemeClr>
-            </a:gs>
-            <a:gs pos="100000">
-              <a:schemeClr val="phClr">
-                <a:shade val="30000"/>
-                <a:satMod val="200000"/>
-              </a:schemeClr>
-            </a:gs>
-          </a:gsLst>
-          <a:path path="circle">
-            <a:fillToRect l="50000" t="50000" r="50000" b="50000"/>
-          </a:path>
-        </a:gradFill>
-      </a:bgFillStyleLst>
-    </a:fmtScheme>
-  </a:themeElements>
-</a:theme>
 </file>
--- a/Lecture slides/AMOS B01 - Team and Tools.pptx
+++ b/Lecture slides/AMOS B01 - Team and Tools.pptx
@@ -5598,7 +5598,7 @@
   <p:cSld>
     <p:spTree>
       <p:nvGrpSpPr>
-        <p:cNvPr id="391" name="Shape 391"/>
+        <p:cNvPr id="392" name="Shape 392"/>
         <p:cNvGrpSpPr/>
         <p:nvPr/>
       </p:nvGrpSpPr>
@@ -5612,7 +5612,7 @@
       </p:grpSpPr>
       <p:sp>
         <p:nvSpPr>
-          <p:cNvPr id="392" name="Google Shape;392;g22c56dd9f66_0_29:notes"/>
+          <p:cNvPr id="393" name="Google Shape;393;g22c56dd9f66_0_29:notes"/>
           <p:cNvSpPr/>
           <p:nvPr>
             <p:ph idx="2" type="sldImg"/>
@@ -5647,7 +5647,7 @@
       </p:sp>
       <p:sp>
         <p:nvSpPr>
-          <p:cNvPr id="393" name="Google Shape;393;g22c56dd9f66_0_29:notes"/>
+          <p:cNvPr id="394" name="Google Shape;394;g22c56dd9f66_0_29:notes"/>
           <p:cNvSpPr txBox="1"/>
           <p:nvPr>
             <p:ph idx="1" type="body"/>
@@ -5697,7 +5697,7 @@
   <p:cSld>
     <p:spTree>
       <p:nvGrpSpPr>
-        <p:cNvPr id="398" name="Shape 398"/>
+        <p:cNvPr id="399" name="Shape 399"/>
         <p:cNvGrpSpPr/>
         <p:nvPr/>
       </p:nvGrpSpPr>
@@ -5711,7 +5711,7 @@
       </p:grpSpPr>
       <p:sp>
         <p:nvSpPr>
-          <p:cNvPr id="399" name="Google Shape;399;g22c56dd9f66_0_37:notes"/>
+          <p:cNvPr id="400" name="Google Shape;400;g22c56dd9f66_0_37:notes"/>
           <p:cNvSpPr/>
           <p:nvPr>
             <p:ph idx="2" type="sldImg"/>
@@ -5746,7 +5746,7 @@
       </p:sp>
       <p:sp>
         <p:nvSpPr>
-          <p:cNvPr id="400" name="Google Shape;400;g22c56dd9f66_0_37:notes"/>
+          <p:cNvPr id="401" name="Google Shape;401;g22c56dd9f66_0_37:notes"/>
           <p:cNvSpPr txBox="1"/>
           <p:nvPr>
             <p:ph idx="1" type="body"/>
@@ -5796,7 +5796,7 @@
   <p:cSld>
     <p:spTree>
       <p:nvGrpSpPr>
-        <p:cNvPr id="405" name="Shape 405"/>
+        <p:cNvPr id="406" name="Shape 406"/>
         <p:cNvGrpSpPr/>
         <p:nvPr/>
       </p:nvGrpSpPr>
@@ -5810,7 +5810,7 @@
       </p:grpSpPr>
       <p:sp>
         <p:nvSpPr>
-          <p:cNvPr id="406" name="Google Shape;406;g239869f5abc_0_38:notes"/>
+          <p:cNvPr id="407" name="Google Shape;407;g239869f5abc_0_38:notes"/>
           <p:cNvSpPr/>
           <p:nvPr>
             <p:ph idx="2" type="sldImg"/>
@@ -5845,7 +5845,7 @@
       </p:sp>
       <p:sp>
         <p:nvSpPr>
-          <p:cNvPr id="407" name="Google Shape;407;g239869f5abc_0_38:notes"/>
+          <p:cNvPr id="408" name="Google Shape;408;g239869f5abc_0_38:notes"/>
           <p:cNvSpPr txBox="1"/>
           <p:nvPr>
             <p:ph idx="1" type="body"/>
@@ -5895,7 +5895,7 @@
   <p:cSld>
     <p:spTree>
       <p:nvGrpSpPr>
-        <p:cNvPr id="411" name="Shape 411"/>
+        <p:cNvPr id="412" name="Shape 412"/>
         <p:cNvGrpSpPr/>
         <p:nvPr/>
       </p:nvGrpSpPr>
@@ -5909,7 +5909,7 @@
       </p:grpSpPr>
       <p:sp>
         <p:nvSpPr>
-          <p:cNvPr id="412" name="Google Shape;412;g239869f5abc_0_43:notes"/>
+          <p:cNvPr id="413" name="Google Shape;413;g239869f5abc_0_43:notes"/>
           <p:cNvSpPr/>
           <p:nvPr>
             <p:ph idx="2" type="sldImg"/>
@@ -5944,7 +5944,7 @@
       </p:sp>
       <p:sp>
         <p:nvSpPr>
-          <p:cNvPr id="413" name="Google Shape;413;g239869f5abc_0_43:notes"/>
+          <p:cNvPr id="414" name="Google Shape;414;g239869f5abc_0_43:notes"/>
           <p:cNvSpPr txBox="1"/>
           <p:nvPr>
             <p:ph idx="1" type="body"/>
@@ -11362,7 +11362,7 @@
             </a:pPr>
             <a:r>
               <a:rPr lang="en"/>
-              <a:t>Get started with collaboratively design the team logo during the team meeting</a:t>
+              <a:t>Get started with collaboratively designing the team logo during the team meeting</a:t>
             </a:r>
             <a:endParaRPr/>
           </a:p>
@@ -12733,7 +12733,7 @@
             <a:tbl>
               <a:tblPr>
                 <a:noFill/>
-                <a:tableStyleId>{AD2E4F9B-822D-4749-8DEB-06F7AD765D1E}</a:tableStyleId>
+                <a:tableStyleId>{B243B4C6-6465-4BF6-90F5-916F428EBA63}</a:tableStyleId>
               </a:tblPr>
               <a:tblGrid>
                 <a:gridCol w="524750"/>
@@ -16673,7 +16673,7 @@
             <a:tbl>
               <a:tblPr>
                 <a:noFill/>
-                <a:tableStyleId>{519BACCC-EFDC-4D56-9887-E97DB68FF8D9}</a:tableStyleId>
+                <a:tableStyleId>{234B570F-CAD5-4A35-8B7A-663B4E7DE52C}</a:tableStyleId>
               </a:tblPr>
               <a:tblGrid>
                 <a:gridCol w="2148850"/>
@@ -21381,35 +21381,7 @@
               <a:buNone/>
             </a:pPr>
             <a:r>
-              <a:rPr lang="en" sz="1500">
-                <a:latin typeface="Courier New"/>
-                <a:ea typeface="Courier New"/>
-                <a:cs typeface="Courier New"/>
-                <a:sym typeface="Courier New"/>
-              </a:rPr>
-              <a:t>&gt; Co-authored-by: Dirk Riehle &lt;</a:t>
-            </a:r>
-            <a:r>
-              <a:rPr lang="en" sz="1500" u="sng">
-                <a:solidFill>
-                  <a:schemeClr val="hlink"/>
-                </a:solidFill>
-                <a:latin typeface="Courier New"/>
-                <a:ea typeface="Courier New"/>
-                <a:cs typeface="Courier New"/>
-                <a:sym typeface="Courier New"/>
-                <a:hlinkClick r:id="rId6"/>
-              </a:rPr>
-              <a:t>dirk@riehle.org</a:t>
-            </a:r>
-            <a:r>
-              <a:rPr lang="en" sz="1500">
-                <a:latin typeface="Courier New"/>
-                <a:ea typeface="Courier New"/>
-                <a:cs typeface="Courier New"/>
-                <a:sym typeface="Courier New"/>
-              </a:rPr>
-              <a:t>&gt;"</a:t>
+              <a:t/>
             </a:r>
             <a:endParaRPr sz="1500">
               <a:latin typeface="Courier New"/>
@@ -24004,7 +23976,7 @@
             </a:pPr>
             <a:r>
               <a:rPr lang="en"/>
-              <a:t>Happiness Index (Originally: Emotions Seismograph)</a:t>
+              <a:t>Happiness Index [1]</a:t>
             </a:r>
             <a:endParaRPr/>
           </a:p>
@@ -24038,29 +24010,13 @@
                 <a:spcPts val="0"/>
               </a:spcBef>
               <a:spcAft>
-                <a:spcPts val="0"/>
-              </a:spcAft>
-              <a:buNone/>
-            </a:pPr>
-            <a:r>
-              <a:rPr lang="en"/>
-              <a:t>The happiness index shows your team’s happiness over time</a:t>
-            </a:r>
-            <a:endParaRPr/>
-          </a:p>
-          <a:p>
-            <a:pPr indent="0" lvl="0" marL="0" rtl="0" algn="l">
-              <a:spcBef>
                 <a:spcPts val="1200"/>
-              </a:spcBef>
-              <a:spcAft>
-                <a:spcPts val="1200"/>
-              </a:spcAft>
-              <a:buNone/>
-            </a:pPr>
-            <a:r>
-              <a:rPr lang="en"/>
-              <a:t>The resulting picture indicates potential problems early on</a:t>
+              </a:spcAft>
+              <a:buNone/>
+            </a:pPr>
+            <a:r>
+              <a:rPr lang="en"/>
+              <a:t>The happiness index tracks general satisfaction to indicate potential problems </a:t>
             </a:r>
             <a:endParaRPr/>
           </a:p>
@@ -24151,7 +24107,7 @@
         </p:blipFill>
         <p:spPr>
           <a:xfrm>
-            <a:off x="274325" y="2058318"/>
+            <a:off x="274325" y="1372518"/>
             <a:ext cx="8229602" cy="2970886"/>
           </a:xfrm>
           <a:prstGeom prst="rect">
@@ -24169,6 +24125,52 @@
           </a:ln>
         </p:spPr>
       </p:pic>
+      <p:sp>
+        <p:nvSpPr>
+          <p:cNvPr id="391" name="Google Shape;391;p60"/>
+          <p:cNvSpPr txBox="1"/>
+          <p:nvPr/>
+        </p:nvSpPr>
+        <p:spPr>
+          <a:xfrm>
+            <a:off x="0" y="4233672"/>
+            <a:ext cx="7315200" cy="914400"/>
+          </a:xfrm>
+          <a:prstGeom prst="rect">
+            <a:avLst/>
+          </a:prstGeom>
+          <a:noFill/>
+          <a:ln>
+            <a:noFill/>
+          </a:ln>
+        </p:spPr>
+        <p:txBody>
+          <a:bodyPr anchorCtr="0" anchor="b" bIns="91425" lIns="91425" spcFirstLastPara="1" rIns="91425" wrap="square" tIns="91425">
+            <a:noAutofit/>
+          </a:bodyPr>
+          <a:lstStyle/>
+          <a:p>
+            <a:pPr indent="0" lvl="0" marL="0" rtl="0" algn="l">
+              <a:spcBef>
+                <a:spcPts val="0"/>
+              </a:spcBef>
+              <a:spcAft>
+                <a:spcPts val="0"/>
+              </a:spcAft>
+              <a:buNone/>
+            </a:pPr>
+            <a:r>
+              <a:rPr lang="en"/>
+              <a:t>[1] </a:t>
+            </a:r>
+            <a:r>
+              <a:rPr lang="en"/>
+              <a:t>Originally: Emotions Seismograph</a:t>
+            </a:r>
+            <a:endParaRPr/>
+          </a:p>
+        </p:txBody>
+      </p:sp>
     </p:spTree>
   </p:cSld>
   <p:clrMapOvr>
@@ -24182,7 +24184,7 @@
   <p:cSld>
     <p:spTree>
       <p:nvGrpSpPr>
-        <p:cNvPr id="394" name="Shape 394"/>
+        <p:cNvPr id="395" name="Shape 395"/>
         <p:cNvGrpSpPr/>
         <p:nvPr/>
       </p:nvGrpSpPr>
@@ -24196,7 +24198,7 @@
       </p:grpSpPr>
       <p:sp>
         <p:nvSpPr>
-          <p:cNvPr id="395" name="Google Shape;395;p61"/>
+          <p:cNvPr id="396" name="Google Shape;396;p61"/>
           <p:cNvSpPr txBox="1"/>
           <p:nvPr>
             <p:ph type="title"/>
@@ -24236,7 +24238,7 @@
       </p:sp>
       <p:sp>
         <p:nvSpPr>
-          <p:cNvPr id="396" name="Google Shape;396;p61"/>
+          <p:cNvPr id="397" name="Google Shape;397;p61"/>
           <p:cNvSpPr txBox="1"/>
           <p:nvPr>
             <p:ph idx="1" type="body"/>
@@ -24338,7 +24340,7 @@
       </p:sp>
       <p:sp>
         <p:nvSpPr>
-          <p:cNvPr id="397" name="Google Shape;397;p61"/>
+          <p:cNvPr id="398" name="Google Shape;398;p61"/>
           <p:cNvSpPr txBox="1"/>
           <p:nvPr>
             <p:ph idx="12" type="sldNum"/>
@@ -24418,7 +24420,7 @@
   <p:cSld>
     <p:spTree>
       <p:nvGrpSpPr>
-        <p:cNvPr id="401" name="Shape 401"/>
+        <p:cNvPr id="402" name="Shape 402"/>
         <p:cNvGrpSpPr/>
         <p:nvPr/>
       </p:nvGrpSpPr>
@@ -24432,7 +24434,7 @@
       </p:grpSpPr>
       <p:sp>
         <p:nvSpPr>
-          <p:cNvPr id="402" name="Google Shape;402;p62"/>
+          <p:cNvPr id="403" name="Google Shape;403;p62"/>
           <p:cNvSpPr txBox="1"/>
           <p:nvPr>
             <p:ph idx="1" type="body"/>
@@ -24660,7 +24662,7 @@
       </p:sp>
       <p:sp>
         <p:nvSpPr>
-          <p:cNvPr id="403" name="Google Shape;403;p62"/>
+          <p:cNvPr id="404" name="Google Shape;404;p62"/>
           <p:cNvSpPr txBox="1"/>
           <p:nvPr>
             <p:ph type="title"/>
@@ -24700,7 +24702,7 @@
       </p:sp>
       <p:sp>
         <p:nvSpPr>
-          <p:cNvPr id="404" name="Google Shape;404;p62"/>
+          <p:cNvPr id="405" name="Google Shape;405;p62"/>
           <p:cNvSpPr txBox="1"/>
           <p:nvPr>
             <p:ph idx="12" type="sldNum"/>
@@ -24780,7 +24782,7 @@
   <p:cSld>
     <p:spTree>
       <p:nvGrpSpPr>
-        <p:cNvPr id="408" name="Shape 408"/>
+        <p:cNvPr id="409" name="Shape 409"/>
         <p:cNvGrpSpPr/>
         <p:nvPr/>
       </p:nvGrpSpPr>
@@ -24794,7 +24796,7 @@
       </p:grpSpPr>
       <p:sp>
         <p:nvSpPr>
-          <p:cNvPr id="409" name="Google Shape;409;p63"/>
+          <p:cNvPr id="410" name="Google Shape;410;p63"/>
           <p:cNvSpPr txBox="1"/>
           <p:nvPr>
             <p:ph type="ctrTitle"/>
@@ -24834,7 +24836,7 @@
       </p:sp>
       <p:sp>
         <p:nvSpPr>
-          <p:cNvPr id="410" name="Google Shape;410;p63"/>
+          <p:cNvPr id="411" name="Google Shape;411;p63"/>
           <p:cNvSpPr txBox="1"/>
           <p:nvPr>
             <p:ph idx="1" type="subTitle"/>
@@ -24964,7 +24966,7 @@
   <p:cSld>
     <p:spTree>
       <p:nvGrpSpPr>
-        <p:cNvPr id="414" name="Shape 414"/>
+        <p:cNvPr id="415" name="Shape 415"/>
         <p:cNvGrpSpPr/>
         <p:nvPr/>
       </p:nvGrpSpPr>
@@ -24978,7 +24980,7 @@
       </p:grpSpPr>
       <p:sp>
         <p:nvSpPr>
-          <p:cNvPr id="415" name="Google Shape;415;p64"/>
+          <p:cNvPr id="416" name="Google Shape;416;p64"/>
           <p:cNvSpPr txBox="1"/>
           <p:nvPr>
             <p:ph type="title"/>
@@ -25018,7 +25020,7 @@
       </p:sp>
       <p:sp>
         <p:nvSpPr>
-          <p:cNvPr id="416" name="Google Shape;416;p64"/>
+          <p:cNvPr id="417" name="Google Shape;417;p64"/>
           <p:cNvSpPr txBox="1"/>
           <p:nvPr>
             <p:ph idx="12" type="sldNum"/>
@@ -25083,7 +25085,7 @@
       </p:sp>
       <p:sp>
         <p:nvSpPr>
-          <p:cNvPr id="417" name="Google Shape;417;p64"/>
+          <p:cNvPr id="418" name="Google Shape;418;p64"/>
           <p:cNvSpPr txBox="1"/>
           <p:nvPr>
             <p:ph idx="1" type="body"/>
@@ -25911,6 +25913,285 @@
 </file>
 
 <file path=ppt/theme/theme1.xml><?xml version="1.0" encoding="utf-8"?>
+<a:theme xmlns:a="http://schemas.openxmlformats.org/drawingml/2006/main" xmlns:r="http://schemas.openxmlformats.org/officeDocument/2006/relationships">
+  <a:themeElements>
+    <a:clrScheme name="Default">
+      <a:dk1>
+        <a:srgbClr val="000000"/>
+      </a:dk1>
+      <a:lt1>
+        <a:srgbClr val="FFFFFF"/>
+      </a:lt1>
+      <a:dk2>
+        <a:srgbClr val="158158"/>
+      </a:dk2>
+      <a:lt2>
+        <a:srgbClr val="F3F3F3"/>
+      </a:lt2>
+      <a:accent1>
+        <a:srgbClr val="058DC7"/>
+      </a:accent1>
+      <a:accent2>
+        <a:srgbClr val="50B432"/>
+      </a:accent2>
+      <a:accent3>
+        <a:srgbClr val="ED561B"/>
+      </a:accent3>
+      <a:accent4>
+        <a:srgbClr val="EDEF00"/>
+      </a:accent4>
+      <a:accent5>
+        <a:srgbClr val="24CBE5"/>
+      </a:accent5>
+      <a:accent6>
+        <a:srgbClr val="64E572"/>
+      </a:accent6>
+      <a:hlink>
+        <a:srgbClr val="2200CC"/>
+      </a:hlink>
+      <a:folHlink>
+        <a:srgbClr val="551A8B"/>
+      </a:folHlink>
+    </a:clrScheme>
+    <a:fontScheme name="Office">
+      <a:majorFont>
+        <a:latin typeface="Arial"/>
+        <a:ea typeface=""/>
+        <a:cs typeface=""/>
+        <a:font script="Jpan" typeface="ＭＳ Ｐゴシック"/>
+        <a:font script="Hang" typeface="맑은 고딕"/>
+        <a:font script="Hans" typeface="宋体"/>
+        <a:font script="Hant" typeface="新細明體"/>
+        <a:font script="Arab" typeface="Times New Roman"/>
+        <a:font script="Hebr" typeface="Times New Roman"/>
+        <a:font script="Thai" typeface="Angsana New"/>
+        <a:font script="Ethi" typeface="Nyala"/>
+        <a:font script="Beng" typeface="Vrinda"/>
+        <a:font script="Gujr" typeface="Shruti"/>
+        <a:font script="Khmr" typeface="MoolBoran"/>
+        <a:font script="Knda" typeface="Tunga"/>
+        <a:font script="Guru" typeface="Raavi"/>
+        <a:font script="Cans" typeface="Euphemia"/>
+        <a:font script="Cher" typeface="Plantagenet Cherokee"/>
+        <a:font script="Yiii" typeface="Microsoft Yi Baiti"/>
+        <a:font script="Tibt" typeface="Microsoft Himalaya"/>
+        <a:font script="Thaa" typeface="MV Boli"/>
+        <a:font script="Deva" typeface="Mangal"/>
+        <a:font script="Telu" typeface="Gautami"/>
+        <a:font script="Taml" typeface="Latha"/>
+        <a:font script="Syrc" typeface="Estrangelo Edessa"/>
+        <a:font script="Orya" typeface="Kalinga"/>
+        <a:font script="Mlym" typeface="Kartika"/>
+        <a:font script="Laoo" typeface="DokChampa"/>
+        <a:font script="Sinh" typeface="Iskoola Pota"/>
+        <a:font script="Mong" typeface="Mongolian Baiti"/>
+        <a:font script="Viet" typeface="Times New Roman"/>
+        <a:font script="Uigh" typeface="Microsoft Uighur"/>
+        <a:font script="Geor" typeface="Sylfaen"/>
+      </a:majorFont>
+      <a:minorFont>
+        <a:latin typeface="Arial"/>
+        <a:ea typeface=""/>
+        <a:cs typeface=""/>
+        <a:font script="Jpan" typeface="ＭＳ Ｐゴシック"/>
+        <a:font script="Hang" typeface="맑은 고딕"/>
+        <a:font script="Hans" typeface="宋体"/>
+        <a:font script="Hant" typeface="新細明體"/>
+        <a:font script="Arab" typeface="Arial"/>
+        <a:font script="Hebr" typeface="Arial"/>
+        <a:font script="Thai" typeface="Cordia New"/>
+        <a:font script="Ethi" typeface="Nyala"/>
+        <a:font script="Beng" typeface="Vrinda"/>
+        <a:font script="Gujr" typeface="Shruti"/>
+        <a:font script="Khmr" typeface="DaunPenh"/>
+        <a:font script="Knda" typeface="Tunga"/>
+        <a:font script="Guru" typeface="Raavi"/>
+        <a:font script="Cans" typeface="Euphemia"/>
+        <a:font script="Cher" typeface="Plantagenet Cherokee"/>
+        <a:font script="Yiii" typeface="Microsoft Yi Baiti"/>
+        <a:font script="Tibt" typeface="Microsoft Himalaya"/>
+        <a:font script="Thaa" typeface="MV Boli"/>
+        <a:font script="Deva" typeface="Mangal"/>
+        <a:font script="Telu" typeface="Gautami"/>
+        <a:font script="Taml" typeface="Latha"/>
+        <a:font script="Syrc" typeface="Estrangelo Edessa"/>
+        <a:font script="Orya" typeface="Kalinga"/>
+        <a:font script="Mlym" typeface="Kartika"/>
+        <a:font script="Laoo" typeface="DokChampa"/>
+        <a:font script="Sinh" typeface="Iskoola Pota"/>
+        <a:font script="Mong" typeface="Mongolian Baiti"/>
+        <a:font script="Viet" typeface="Arial"/>
+        <a:font script="Uigh" typeface="Microsoft Uighur"/>
+        <a:font script="Geor" typeface="Sylfaen"/>
+      </a:minorFont>
+    </a:fontScheme>
+    <a:fmtScheme name="Office">
+      <a:fillStyleLst>
+        <a:solidFill>
+          <a:schemeClr val="phClr"/>
+        </a:solidFill>
+        <a:gradFill rotWithShape="1">
+          <a:gsLst>
+            <a:gs pos="0">
+              <a:schemeClr val="phClr">
+                <a:tint val="50000"/>
+                <a:satMod val="300000"/>
+              </a:schemeClr>
+            </a:gs>
+            <a:gs pos="35000">
+              <a:schemeClr val="phClr">
+                <a:tint val="37000"/>
+                <a:satMod val="300000"/>
+              </a:schemeClr>
+            </a:gs>
+            <a:gs pos="100000">
+              <a:schemeClr val="phClr">
+                <a:tint val="15000"/>
+                <a:satMod val="350000"/>
+              </a:schemeClr>
+            </a:gs>
+          </a:gsLst>
+          <a:lin ang="16200000" scaled="1"/>
+        </a:gradFill>
+        <a:gradFill rotWithShape="1">
+          <a:gsLst>
+            <a:gs pos="0">
+              <a:schemeClr val="phClr">
+                <a:tint val="100000"/>
+                <a:shade val="100000"/>
+                <a:satMod val="130000"/>
+              </a:schemeClr>
+            </a:gs>
+            <a:gs pos="100000">
+              <a:schemeClr val="phClr">
+                <a:tint val="50000"/>
+                <a:shade val="100000"/>
+                <a:satMod val="350000"/>
+              </a:schemeClr>
+            </a:gs>
+          </a:gsLst>
+          <a:lin ang="16200000" scaled="0"/>
+        </a:gradFill>
+      </a:fillStyleLst>
+      <a:lnStyleLst>
+        <a:ln w="9525" cap="flat" cmpd="sng" algn="ctr">
+          <a:solidFill>
+            <a:schemeClr val="phClr">
+              <a:shade val="95000"/>
+              <a:satMod val="105000"/>
+            </a:schemeClr>
+          </a:solidFill>
+          <a:prstDash val="solid"/>
+        </a:ln>
+        <a:ln w="25400" cap="flat" cmpd="sng" algn="ctr">
+          <a:solidFill>
+            <a:schemeClr val="phClr"/>
+          </a:solidFill>
+          <a:prstDash val="solid"/>
+        </a:ln>
+        <a:ln w="38100" cap="flat" cmpd="sng" algn="ctr">
+          <a:solidFill>
+            <a:schemeClr val="phClr"/>
+          </a:solidFill>
+          <a:prstDash val="solid"/>
+        </a:ln>
+      </a:lnStyleLst>
+      <a:effectStyleLst>
+        <a:effectStyle>
+          <a:effectLst>
+            <a:outerShdw blurRad="40000" dist="20000" dir="5400000" rotWithShape="0">
+              <a:srgbClr val="000000">
+                <a:alpha val="38000"/>
+              </a:srgbClr>
+            </a:outerShdw>
+          </a:effectLst>
+        </a:effectStyle>
+        <a:effectStyle>
+          <a:effectLst>
+            <a:outerShdw blurRad="40000" dist="23000" dir="5400000" rotWithShape="0">
+              <a:srgbClr val="000000">
+                <a:alpha val="35000"/>
+              </a:srgbClr>
+            </a:outerShdw>
+          </a:effectLst>
+        </a:effectStyle>
+        <a:effectStyle>
+          <a:effectLst>
+            <a:outerShdw blurRad="40000" dist="23000" dir="5400000" rotWithShape="0">
+              <a:srgbClr val="000000">
+                <a:alpha val="35000"/>
+              </a:srgbClr>
+            </a:outerShdw>
+          </a:effectLst>
+          <a:scene3d>
+            <a:camera prst="orthographicFront">
+              <a:rot lat="0" lon="0" rev="0"/>
+            </a:camera>
+            <a:lightRig rig="threePt" dir="t">
+              <a:rot lat="0" lon="0" rev="1200000"/>
+            </a:lightRig>
+          </a:scene3d>
+          <a:sp3d>
+            <a:bevelT w="63500" h="25400"/>
+          </a:sp3d>
+        </a:effectStyle>
+      </a:effectStyleLst>
+      <a:bgFillStyleLst>
+        <a:solidFill>
+          <a:schemeClr val="phClr"/>
+        </a:solidFill>
+        <a:gradFill rotWithShape="1">
+          <a:gsLst>
+            <a:gs pos="0">
+              <a:schemeClr val="phClr">
+                <a:tint val="40000"/>
+                <a:satMod val="350000"/>
+              </a:schemeClr>
+            </a:gs>
+            <a:gs pos="40000">
+              <a:schemeClr val="phClr">
+                <a:tint val="45000"/>
+                <a:shade val="99000"/>
+                <a:satMod val="350000"/>
+              </a:schemeClr>
+            </a:gs>
+            <a:gs pos="100000">
+              <a:schemeClr val="phClr">
+                <a:shade val="20000"/>
+                <a:satMod val="255000"/>
+              </a:schemeClr>
+            </a:gs>
+          </a:gsLst>
+          <a:path path="circle">
+            <a:fillToRect l="50000" t="-80000" r="50000" b="180000"/>
+          </a:path>
+        </a:gradFill>
+        <a:gradFill rotWithShape="1">
+          <a:gsLst>
+            <a:gs pos="0">
+              <a:schemeClr val="phClr">
+                <a:tint val="80000"/>
+                <a:satMod val="300000"/>
+              </a:schemeClr>
+            </a:gs>
+            <a:gs pos="100000">
+              <a:schemeClr val="phClr">
+                <a:shade val="30000"/>
+                <a:satMod val="200000"/>
+              </a:schemeClr>
+            </a:gs>
+          </a:gsLst>
+          <a:path path="circle">
+            <a:fillToRect l="50000" t="50000" r="50000" b="50000"/>
+          </a:path>
+        </a:gradFill>
+      </a:bgFillStyleLst>
+    </a:fmtScheme>
+  </a:themeElements>
+</a:theme>
+</file>
+
+<file path=ppt/theme/theme2.xml><?xml version="1.0" encoding="utf-8"?>
 <a:theme xmlns:a="http://schemas.openxmlformats.org/drawingml/2006/main" xmlns:r="http://schemas.openxmlformats.org/officeDocument/2006/relationships" name="AMOS Slides Template">
   <a:themeElements>
     <a:clrScheme name="Simple Light">
@@ -26187,283 +26468,4 @@
     </a:fmtScheme>
   </a:themeElements>
 </a:theme>
-</file>
-
-<file path=ppt/theme/theme2.xml><?xml version="1.0" encoding="utf-8"?>
-<a:theme xmlns:a="http://schemas.openxmlformats.org/drawingml/2006/main" xmlns:r="http://schemas.openxmlformats.org/officeDocument/2006/relationships">
-  <a:themeElements>
-    <a:clrScheme name="Default">
-      <a:dk1>
-        <a:srgbClr val="000000"/>
-      </a:dk1>
-      <a:lt1>
-        <a:srgbClr val="FFFFFF"/>
-      </a:lt1>
-      <a:dk2>
-        <a:srgbClr val="158158"/>
-      </a:dk2>
-      <a:lt2>
-        <a:srgbClr val="F3F3F3"/>
-      </a:lt2>
-      <a:accent1>
-        <a:srgbClr val="058DC7"/>
-      </a:accent1>
-      <a:accent2>
-        <a:srgbClr val="50B432"/>
-      </a:accent2>
-      <a:accent3>
-        <a:srgbClr val="ED561B"/>
-      </a:accent3>
-      <a:accent4>
-        <a:srgbClr val="EDEF00"/>
-      </a:accent4>
-      <a:accent5>
-        <a:srgbClr val="24CBE5"/>
-      </a:accent5>
-      <a:accent6>
-        <a:srgbClr val="64E572"/>
-      </a:accent6>
-      <a:hlink>
-        <a:srgbClr val="2200CC"/>
-      </a:hlink>
-      <a:folHlink>
-        <a:srgbClr val="551A8B"/>
-      </a:folHlink>
-    </a:clrScheme>
-    <a:fontScheme name="Office">
-      <a:majorFont>
-        <a:latin typeface="Arial"/>
-        <a:ea typeface=""/>
-        <a:cs typeface=""/>
-        <a:font script="Jpan" typeface="ＭＳ Ｐゴシック"/>
-        <a:font script="Hang" typeface="맑은 고딕"/>
-        <a:font script="Hans" typeface="宋体"/>
-        <a:font script="Hant" typeface="新細明體"/>
-        <a:font script="Arab" typeface="Times New Roman"/>
-        <a:font script="Hebr" typeface="Times New Roman"/>
-        <a:font script="Thai" typeface="Angsana New"/>
-        <a:font script="Ethi" typeface="Nyala"/>
-        <a:font script="Beng" typeface="Vrinda"/>
-        <a:font script="Gujr" typeface="Shruti"/>
-        <a:font script="Khmr" typeface="MoolBoran"/>
-        <a:font script="Knda" typeface="Tunga"/>
-        <a:font script="Guru" typeface="Raavi"/>
-        <a:font script="Cans" typeface="Euphemia"/>
-        <a:font script="Cher" typeface="Plantagenet Cherokee"/>
-        <a:font script="Yiii" typeface="Microsoft Yi Baiti"/>
-        <a:font script="Tibt" typeface="Microsoft Himalaya"/>
-        <a:font script="Thaa" typeface="MV Boli"/>
-        <a:font script="Deva" typeface="Mangal"/>
-        <a:font script="Telu" typeface="Gautami"/>
-        <a:font script="Taml" typeface="Latha"/>
-        <a:font script="Syrc" typeface="Estrangelo Edessa"/>
-        <a:font script="Orya" typeface="Kalinga"/>
-        <a:font script="Mlym" typeface="Kartika"/>
-        <a:font script="Laoo" typeface="DokChampa"/>
-        <a:font script="Sinh" typeface="Iskoola Pota"/>
-        <a:font script="Mong" typeface="Mongolian Baiti"/>
-        <a:font script="Viet" typeface="Times New Roman"/>
-        <a:font script="Uigh" typeface="Microsoft Uighur"/>
-        <a:font script="Geor" typeface="Sylfaen"/>
-      </a:majorFont>
-      <a:minorFont>
-        <a:latin typeface="Arial"/>
-        <a:ea typeface=""/>
-        <a:cs typeface=""/>
-        <a:font script="Jpan" typeface="ＭＳ Ｐゴシック"/>
-        <a:font script="Hang" typeface="맑은 고딕"/>
-        <a:font script="Hans" typeface="宋体"/>
-        <a:font script="Hant" typeface="新細明體"/>
-        <a:font script="Arab" typeface="Arial"/>
-        <a:font script="Hebr" typeface="Arial"/>
-        <a:font script="Thai" typeface="Cordia New"/>
-        <a:font script="Ethi" typeface="Nyala"/>
-        <a:font script="Beng" typeface="Vrinda"/>
-        <a:font script="Gujr" typeface="Shruti"/>
-        <a:font script="Khmr" typeface="DaunPenh"/>
-        <a:font script="Knda" typeface="Tunga"/>
-        <a:font script="Guru" typeface="Raavi"/>
-        <a:font script="Cans" typeface="Euphemia"/>
-        <a:font script="Cher" typeface="Plantagenet Cherokee"/>
-        <a:font script="Yiii" typeface="Microsoft Yi Baiti"/>
-        <a:font script="Tibt" typeface="Microsoft Himalaya"/>
-        <a:font script="Thaa" typeface="MV Boli"/>
-        <a:font script="Deva" typeface="Mangal"/>
-        <a:font script="Telu" typeface="Gautami"/>
-        <a:font script="Taml" typeface="Latha"/>
-        <a:font script="Syrc" typeface="Estrangelo Edessa"/>
-        <a:font script="Orya" typeface="Kalinga"/>
-        <a:font script="Mlym" typeface="Kartika"/>
-        <a:font script="Laoo" typeface="DokChampa"/>
-        <a:font script="Sinh" typeface="Iskoola Pota"/>
-        <a:font script="Mong" typeface="Mongolian Baiti"/>
-        <a:font script="Viet" typeface="Arial"/>
-        <a:font script="Uigh" typeface="Microsoft Uighur"/>
-        <a:font script="Geor" typeface="Sylfaen"/>
-      </a:minorFont>
-    </a:fontScheme>
-    <a:fmtScheme name="Office">
-      <a:fillStyleLst>
-        <a:solidFill>
-          <a:schemeClr val="phClr"/>
-        </a:solidFill>
-        <a:gradFill rotWithShape="1">
-          <a:gsLst>
-            <a:gs pos="0">
-              <a:schemeClr val="phClr">
-                <a:tint val="50000"/>
-                <a:satMod val="300000"/>
-              </a:schemeClr>
-            </a:gs>
-            <a:gs pos="35000">
-              <a:schemeClr val="phClr">
-                <a:tint val="37000"/>
-                <a:satMod val="300000"/>
-              </a:schemeClr>
-            </a:gs>
-            <a:gs pos="100000">
-              <a:schemeClr val="phClr">
-                <a:tint val="15000"/>
-                <a:satMod val="350000"/>
-              </a:schemeClr>
-            </a:gs>
-          </a:gsLst>
-          <a:lin ang="16200000" scaled="1"/>
-        </a:gradFill>
-        <a:gradFill rotWithShape="1">
-          <a:gsLst>
-            <a:gs pos="0">
-              <a:schemeClr val="phClr">
-                <a:tint val="100000"/>
-                <a:shade val="100000"/>
-                <a:satMod val="130000"/>
-              </a:schemeClr>
-            </a:gs>
-            <a:gs pos="100000">
-              <a:schemeClr val="phClr">
-                <a:tint val="50000"/>
-                <a:shade val="100000"/>
-                <a:satMod val="350000"/>
-              </a:schemeClr>
-            </a:gs>
-          </a:gsLst>
-          <a:lin ang="16200000" scaled="0"/>
-        </a:gradFill>
-      </a:fillStyleLst>
-      <a:lnStyleLst>
-        <a:ln w="9525" cap="flat" cmpd="sng" algn="ctr">
-          <a:solidFill>
-            <a:schemeClr val="phClr">
-              <a:shade val="95000"/>
-              <a:satMod val="105000"/>
-            </a:schemeClr>
-          </a:solidFill>
-          <a:prstDash val="solid"/>
-        </a:ln>
-        <a:ln w="25400" cap="flat" cmpd="sng" algn="ctr">
-          <a:solidFill>
-            <a:schemeClr val="phClr"/>
-          </a:solidFill>
-          <a:prstDash val="solid"/>
-        </a:ln>
-        <a:ln w="38100" cap="flat" cmpd="sng" algn="ctr">
-          <a:solidFill>
-            <a:schemeClr val="phClr"/>
-          </a:solidFill>
-          <a:prstDash val="solid"/>
-        </a:ln>
-      </a:lnStyleLst>
-      <a:effectStyleLst>
-        <a:effectStyle>
-          <a:effectLst>
-            <a:outerShdw blurRad="40000" dist="20000" dir="5400000" rotWithShape="0">
-              <a:srgbClr val="000000">
-                <a:alpha val="38000"/>
-              </a:srgbClr>
-            </a:outerShdw>
-          </a:effectLst>
-        </a:effectStyle>
-        <a:effectStyle>
-          <a:effectLst>
-            <a:outerShdw blurRad="40000" dist="23000" dir="5400000" rotWithShape="0">
-              <a:srgbClr val="000000">
-                <a:alpha val="35000"/>
-              </a:srgbClr>
-            </a:outerShdw>
-          </a:effectLst>
-        </a:effectStyle>
-        <a:effectStyle>
-          <a:effectLst>
-            <a:outerShdw blurRad="40000" dist="23000" dir="5400000" rotWithShape="0">
-              <a:srgbClr val="000000">
-                <a:alpha val="35000"/>
-              </a:srgbClr>
-            </a:outerShdw>
-          </a:effectLst>
-          <a:scene3d>
-            <a:camera prst="orthographicFront">
-              <a:rot lat="0" lon="0" rev="0"/>
-            </a:camera>
-            <a:lightRig rig="threePt" dir="t">
-              <a:rot lat="0" lon="0" rev="1200000"/>
-            </a:lightRig>
-          </a:scene3d>
-          <a:sp3d>
-            <a:bevelT w="63500" h="25400"/>
-          </a:sp3d>
-        </a:effectStyle>
-      </a:effectStyleLst>
-      <a:bgFillStyleLst>
-        <a:solidFill>
-          <a:schemeClr val="phClr"/>
-        </a:solidFill>
-        <a:gradFill rotWithShape="1">
-          <a:gsLst>
-            <a:gs pos="0">
-              <a:schemeClr val="phClr">
-                <a:tint val="40000"/>
-                <a:satMod val="350000"/>
-              </a:schemeClr>
-            </a:gs>
-            <a:gs pos="40000">
-              <a:schemeClr val="phClr">
-                <a:tint val="45000"/>
-                <a:shade val="99000"/>
-                <a:satMod val="350000"/>
-              </a:schemeClr>
-            </a:gs>
-            <a:gs pos="100000">
-              <a:schemeClr val="phClr">
-                <a:shade val="20000"/>
-                <a:satMod val="255000"/>
-              </a:schemeClr>
-            </a:gs>
-          </a:gsLst>
-          <a:path path="circle">
-            <a:fillToRect l="50000" t="-80000" r="50000" b="180000"/>
-          </a:path>
-        </a:gradFill>
-        <a:gradFill rotWithShape="1">
-          <a:gsLst>
-            <a:gs pos="0">
-              <a:schemeClr val="phClr">
-                <a:tint val="80000"/>
-                <a:satMod val="300000"/>
-              </a:schemeClr>
-            </a:gs>
-            <a:gs pos="100000">
-              <a:schemeClr val="phClr">
-                <a:shade val="30000"/>
-                <a:satMod val="200000"/>
-              </a:schemeClr>
-            </a:gs>
-          </a:gsLst>
-          <a:path path="circle">
-            <a:fillToRect l="50000" t="50000" r="50000" b="50000"/>
-          </a:path>
-        </a:gradFill>
-      </a:bgFillStyleLst>
-    </a:fmtScheme>
-  </a:themeElements>
-</a:theme>
 </file>
--- a/Lecture slides/AMOS B01 - Team and Tools.pptx
+++ b/Lecture slides/AMOS B01 - Team and Tools.pptx
@@ -3632,7 +3632,7 @@
       </p:grpSpPr>
       <p:sp>
         <p:nvSpPr>
-          <p:cNvPr id="270" name="Google Shape;270;g152a3f74d0d_0_38:notes"/>
+          <p:cNvPr id="270" name="Google Shape;270;g22c3a52a549_0_193:notes"/>
           <p:cNvSpPr/>
           <p:nvPr>
             <p:ph idx="2" type="sldImg"/>
@@ -3667,7 +3667,7 @@
       </p:sp>
       <p:sp>
         <p:nvSpPr>
-          <p:cNvPr id="271" name="Google Shape;271;g152a3f74d0d_0_38:notes"/>
+          <p:cNvPr id="271" name="Google Shape;271;g22c3a52a549_0_193:notes"/>
           <p:cNvSpPr txBox="1"/>
           <p:nvPr>
             <p:ph idx="1" type="body"/>
@@ -3717,7 +3717,7 @@
   <p:cSld>
     <p:spTree>
       <p:nvGrpSpPr>
-        <p:cNvPr id="276" name="Shape 276"/>
+        <p:cNvPr id="275" name="Shape 275"/>
         <p:cNvGrpSpPr/>
         <p:nvPr/>
       </p:nvGrpSpPr>
@@ -3731,7 +3731,7 @@
       </p:grpSpPr>
       <p:sp>
         <p:nvSpPr>
-          <p:cNvPr id="277" name="Google Shape;277;g22c3a52a549_0_20:notes"/>
+          <p:cNvPr id="276" name="Google Shape;276;g152a3f74d0d_0_38:notes"/>
           <p:cNvSpPr/>
           <p:nvPr>
             <p:ph idx="2" type="sldImg"/>
@@ -3766,7 +3766,7 @@
       </p:sp>
       <p:sp>
         <p:nvSpPr>
-          <p:cNvPr id="278" name="Google Shape;278;g22c3a52a549_0_20:notes"/>
+          <p:cNvPr id="277" name="Google Shape;277;g152a3f74d0d_0_38:notes"/>
           <p:cNvSpPr txBox="1"/>
           <p:nvPr>
             <p:ph idx="1" type="body"/>
@@ -3816,7 +3816,7 @@
   <p:cSld>
     <p:spTree>
       <p:nvGrpSpPr>
-        <p:cNvPr id="281" name="Shape 281"/>
+        <p:cNvPr id="282" name="Shape 282"/>
         <p:cNvGrpSpPr/>
         <p:nvPr/>
       </p:nvGrpSpPr>
@@ -3830,7 +3830,7 @@
       </p:grpSpPr>
       <p:sp>
         <p:nvSpPr>
-          <p:cNvPr id="282" name="Google Shape;282;g22c3a52a549_0_152:notes"/>
+          <p:cNvPr id="283" name="Google Shape;283;g22c3a52a549_0_20:notes"/>
           <p:cNvSpPr/>
           <p:nvPr>
             <p:ph idx="2" type="sldImg"/>
@@ -3865,7 +3865,7 @@
       </p:sp>
       <p:sp>
         <p:nvSpPr>
-          <p:cNvPr id="283" name="Google Shape;283;g22c3a52a549_0_152:notes"/>
+          <p:cNvPr id="284" name="Google Shape;284;g22c3a52a549_0_20:notes"/>
           <p:cNvSpPr txBox="1"/>
           <p:nvPr>
             <p:ph idx="1" type="body"/>
@@ -3915,7 +3915,7 @@
   <p:cSld>
     <p:spTree>
       <p:nvGrpSpPr>
-        <p:cNvPr id="289" name="Shape 289"/>
+        <p:cNvPr id="287" name="Shape 287"/>
         <p:cNvGrpSpPr/>
         <p:nvPr/>
       </p:nvGrpSpPr>
@@ -3929,7 +3929,7 @@
       </p:grpSpPr>
       <p:sp>
         <p:nvSpPr>
-          <p:cNvPr id="290" name="Google Shape;290;g22c3a52a549_0_159:notes"/>
+          <p:cNvPr id="288" name="Google Shape;288;g22c3a52a549_0_152:notes"/>
           <p:cNvSpPr/>
           <p:nvPr>
             <p:ph idx="2" type="sldImg"/>
@@ -3964,7 +3964,7 @@
       </p:sp>
       <p:sp>
         <p:nvSpPr>
-          <p:cNvPr id="291" name="Google Shape;291;g22c3a52a549_0_159:notes"/>
+          <p:cNvPr id="289" name="Google Shape;289;g22c3a52a549_0_152:notes"/>
           <p:cNvSpPr txBox="1"/>
           <p:nvPr>
             <p:ph idx="1" type="body"/>
@@ -4113,7 +4113,7 @@
   <p:cSld>
     <p:spTree>
       <p:nvGrpSpPr>
-        <p:cNvPr id="297" name="Shape 297"/>
+        <p:cNvPr id="295" name="Shape 295"/>
         <p:cNvGrpSpPr/>
         <p:nvPr/>
       </p:nvGrpSpPr>
@@ -4127,7 +4127,7 @@
       </p:grpSpPr>
       <p:sp>
         <p:nvSpPr>
-          <p:cNvPr id="298" name="Google Shape;298;g22c3a52a549_0_166:notes"/>
+          <p:cNvPr id="296" name="Google Shape;296;g22c3a52a549_0_159:notes"/>
           <p:cNvSpPr/>
           <p:nvPr>
             <p:ph idx="2" type="sldImg"/>
@@ -4162,7 +4162,7 @@
       </p:sp>
       <p:sp>
         <p:nvSpPr>
-          <p:cNvPr id="299" name="Google Shape;299;g22c3a52a549_0_166:notes"/>
+          <p:cNvPr id="297" name="Google Shape;297;g22c3a52a549_0_159:notes"/>
           <p:cNvSpPr txBox="1"/>
           <p:nvPr>
             <p:ph idx="1" type="body"/>
@@ -4212,7 +4212,7 @@
   <p:cSld>
     <p:spTree>
       <p:nvGrpSpPr>
-        <p:cNvPr id="305" name="Shape 305"/>
+        <p:cNvPr id="303" name="Shape 303"/>
         <p:cNvGrpSpPr/>
         <p:nvPr/>
       </p:nvGrpSpPr>
@@ -4226,7 +4226,7 @@
       </p:grpSpPr>
       <p:sp>
         <p:nvSpPr>
-          <p:cNvPr id="306" name="Google Shape;306;g22c3a52a549_0_173:notes"/>
+          <p:cNvPr id="304" name="Google Shape;304;g22c3a52a549_0_166:notes"/>
           <p:cNvSpPr/>
           <p:nvPr>
             <p:ph idx="2" type="sldImg"/>
@@ -4261,7 +4261,7 @@
       </p:sp>
       <p:sp>
         <p:nvSpPr>
-          <p:cNvPr id="307" name="Google Shape;307;g22c3a52a549_0_173:notes"/>
+          <p:cNvPr id="305" name="Google Shape;305;g22c3a52a549_0_166:notes"/>
           <p:cNvSpPr txBox="1"/>
           <p:nvPr>
             <p:ph idx="1" type="body"/>
@@ -4311,7 +4311,7 @@
   <p:cSld>
     <p:spTree>
       <p:nvGrpSpPr>
-        <p:cNvPr id="312" name="Shape 312"/>
+        <p:cNvPr id="311" name="Shape 311"/>
         <p:cNvGrpSpPr/>
         <p:nvPr/>
       </p:nvGrpSpPr>
@@ -4325,7 +4325,7 @@
       </p:grpSpPr>
       <p:sp>
         <p:nvSpPr>
-          <p:cNvPr id="313" name="Google Shape;313;g22c3a52a549_0_179:notes"/>
+          <p:cNvPr id="312" name="Google Shape;312;g22c3a52a549_0_173:notes"/>
           <p:cNvSpPr/>
           <p:nvPr>
             <p:ph idx="2" type="sldImg"/>
@@ -4360,7 +4360,7 @@
       </p:sp>
       <p:sp>
         <p:nvSpPr>
-          <p:cNvPr id="314" name="Google Shape;314;g22c3a52a549_0_179:notes"/>
+          <p:cNvPr id="313" name="Google Shape;313;g22c3a52a549_0_173:notes"/>
           <p:cNvSpPr txBox="1"/>
           <p:nvPr>
             <p:ph idx="1" type="body"/>
@@ -4410,7 +4410,7 @@
   <p:cSld>
     <p:spTree>
       <p:nvGrpSpPr>
-        <p:cNvPr id="321" name="Shape 321"/>
+        <p:cNvPr id="318" name="Shape 318"/>
         <p:cNvGrpSpPr/>
         <p:nvPr/>
       </p:nvGrpSpPr>
@@ -4424,7 +4424,7 @@
       </p:grpSpPr>
       <p:sp>
         <p:nvSpPr>
-          <p:cNvPr id="322" name="Google Shape;322;g22c3a52a549_0_187:notes"/>
+          <p:cNvPr id="319" name="Google Shape;319;g22c3a52a549_0_179:notes"/>
           <p:cNvSpPr/>
           <p:nvPr>
             <p:ph idx="2" type="sldImg"/>
@@ -4459,7 +4459,7 @@
       </p:sp>
       <p:sp>
         <p:nvSpPr>
-          <p:cNvPr id="323" name="Google Shape;323;g22c3a52a549_0_187:notes"/>
+          <p:cNvPr id="320" name="Google Shape;320;g22c3a52a549_0_179:notes"/>
           <p:cNvSpPr txBox="1"/>
           <p:nvPr>
             <p:ph idx="1" type="body"/>
@@ -4509,7 +4509,7 @@
   <p:cSld>
     <p:spTree>
       <p:nvGrpSpPr>
-        <p:cNvPr id="328" name="Shape 328"/>
+        <p:cNvPr id="327" name="Shape 327"/>
         <p:cNvGrpSpPr/>
         <p:nvPr/>
       </p:nvGrpSpPr>
@@ -4523,7 +4523,7 @@
       </p:grpSpPr>
       <p:sp>
         <p:nvSpPr>
-          <p:cNvPr id="329" name="Google Shape;329;g22c3a52a549_0_193:notes"/>
+          <p:cNvPr id="328" name="Google Shape;328;g22c3a52a549_0_187:notes"/>
           <p:cNvSpPr/>
           <p:nvPr>
             <p:ph idx="2" type="sldImg"/>
@@ -4558,7 +4558,7 @@
       </p:sp>
       <p:sp>
         <p:nvSpPr>
-          <p:cNvPr id="330" name="Google Shape;330;g22c3a52a549_0_193:notes"/>
+          <p:cNvPr id="329" name="Google Shape;329;g22c3a52a549_0_187:notes"/>
           <p:cNvSpPr txBox="1"/>
           <p:nvPr>
             <p:ph idx="1" type="body"/>
@@ -12733,14 +12733,14 @@
             <a:tbl>
               <a:tblPr>
                 <a:noFill/>
-                <a:tableStyleId>{B243B4C6-6465-4BF6-90F5-916F428EBA63}</a:tableStyleId>
+                <a:tableStyleId>{DC2A7BA8-3405-42DC-932D-2B618D416BEF}</a:tableStyleId>
               </a:tblPr>
               <a:tblGrid>
                 <a:gridCol w="524750"/>
                 <a:gridCol w="2979050"/>
                 <a:gridCol w="5091575"/>
               </a:tblGrid>
-              <a:tr h="316525">
+              <a:tr h="293925">
                 <a:tc>
                   <a:txBody>
                     <a:bodyPr/>
@@ -12964,7 +12964,7 @@
                   </a:tcPr>
                 </a:tc>
               </a:tr>
-              <a:tr h="316525">
+              <a:tr h="293925">
                 <a:tc>
                   <a:txBody>
                     <a:bodyPr/>
@@ -13155,7 +13155,7 @@
                   </a:tcPr>
                 </a:tc>
               </a:tr>
-              <a:tr h="316525">
+              <a:tr h="293925">
                 <a:tc>
                   <a:txBody>
                     <a:bodyPr/>
@@ -13355,7 +13355,7 @@
                   </a:tcPr>
                 </a:tc>
               </a:tr>
-              <a:tr h="316525">
+              <a:tr h="293925">
                 <a:tc>
                   <a:txBody>
                     <a:bodyPr/>
@@ -13555,7 +13555,7 @@
                   </a:tcPr>
                 </a:tc>
               </a:tr>
-              <a:tr h="316525">
+              <a:tr h="293925">
                 <a:tc>
                   <a:txBody>
                     <a:bodyPr/>
@@ -13755,7 +13755,7 @@
                   </a:tcPr>
                 </a:tc>
               </a:tr>
-              <a:tr h="316525">
+              <a:tr h="293925">
                 <a:tc>
                   <a:txBody>
                     <a:bodyPr/>
@@ -13955,7 +13955,7 @@
                   </a:tcPr>
                 </a:tc>
               </a:tr>
-              <a:tr h="316525">
+              <a:tr h="293925">
                 <a:tc>
                   <a:txBody>
                     <a:bodyPr/>
@@ -14155,7 +14155,7 @@
                   </a:tcPr>
                 </a:tc>
               </a:tr>
-              <a:tr h="316525">
+              <a:tr h="293925">
                 <a:tc>
                   <a:txBody>
                     <a:bodyPr/>
@@ -14241,7 +14241,7 @@
                       </a:pPr>
                       <a:r>
                         <a:rPr lang="en" sz="1000"/>
-                        <a:t>Mid-project release tracking</a:t>
+                        <a:t>Sprint goals</a:t>
                       </a:r>
                       <a:endParaRPr sz="1000"/>
                     </a:p>
@@ -14307,7 +14307,7 @@
                       </a:pPr>
                       <a:r>
                         <a:rPr lang="en" sz="1000"/>
-                        <a:t>Tracks mid-project release sprints</a:t>
+                        <a:t>Lists goals of respective sprints</a:t>
                       </a:r>
                       <a:endParaRPr sz="1000"/>
                     </a:p>
@@ -14355,7 +14355,7 @@
                   </a:tcPr>
                 </a:tc>
               </a:tr>
-              <a:tr h="316525">
+              <a:tr h="293925">
                 <a:tc>
                   <a:txBody>
                     <a:bodyPr/>
@@ -14441,7 +14441,7 @@
                       </a:pPr>
                       <a:r>
                         <a:rPr lang="en" sz="1000"/>
-                        <a:t>Final project release tracking</a:t>
+                        <a:t>Mid-project release tracking</a:t>
                       </a:r>
                       <a:endParaRPr sz="1000"/>
                     </a:p>
@@ -14507,7 +14507,7 @@
                       </a:pPr>
                       <a:r>
                         <a:rPr lang="en" sz="1000"/>
-                        <a:t>Plans and tracks final project release sprints</a:t>
+                        <a:t>Tracks mid-project release sprints</a:t>
                       </a:r>
                       <a:endParaRPr sz="1000"/>
                     </a:p>
@@ -14555,7 +14555,7 @@
                   </a:tcPr>
                 </a:tc>
               </a:tr>
-              <a:tr h="316525">
+              <a:tr h="293925">
                 <a:tc>
                   <a:txBody>
                     <a:bodyPr/>
@@ -14641,7 +14641,7 @@
                       </a:pPr>
                       <a:r>
                         <a:rPr lang="en" sz="1000"/>
-                        <a:t>Definition of done</a:t>
+                        <a:t>Final project release tracking</a:t>
                       </a:r>
                       <a:endParaRPr sz="1000"/>
                     </a:p>
@@ -14707,7 +14707,7 @@
                       </a:pPr>
                       <a:r>
                         <a:rPr lang="en" sz="1000"/>
-                        <a:t>Provides decision criteria for “done”</a:t>
+                        <a:t>Plans and tracks final project release sprints</a:t>
                       </a:r>
                       <a:endParaRPr sz="1000"/>
                     </a:p>
@@ -14755,7 +14755,7 @@
                   </a:tcPr>
                 </a:tc>
               </a:tr>
-              <a:tr h="316525">
+              <a:tr h="293925">
                 <a:tc>
                   <a:txBody>
                     <a:bodyPr/>
@@ -14841,7 +14841,7 @@
                       </a:pPr>
                       <a:r>
                         <a:rPr lang="en" sz="1000"/>
-                        <a:t>Documentation</a:t>
+                        <a:t>Definition of done</a:t>
                       </a:r>
                       <a:endParaRPr sz="1000"/>
                     </a:p>
@@ -14907,7 +14907,7 @@
                       </a:pPr>
                       <a:r>
                         <a:rPr lang="en" sz="1000"/>
-                        <a:t>Provide links to documentation of product</a:t>
+                        <a:t>Provides decision criteria for “done”</a:t>
                       </a:r>
                       <a:endParaRPr sz="1000"/>
                     </a:p>
@@ -14955,7 +14955,7 @@
                   </a:tcPr>
                 </a:tc>
               </a:tr>
-              <a:tr h="316525">
+              <a:tr h="293925">
                 <a:tc>
                   <a:txBody>
                     <a:bodyPr/>
@@ -15041,7 +15041,7 @@
                       </a:pPr>
                       <a:r>
                         <a:rPr lang="en" sz="1000"/>
-                        <a:t>Bill of materials</a:t>
+                        <a:t>Documentation</a:t>
                       </a:r>
                       <a:endParaRPr sz="1000"/>
                     </a:p>
@@ -15107,7 +15107,7 @@
                       </a:pPr>
                       <a:r>
                         <a:rPr lang="en" sz="1000"/>
-                        <a:t>Lists all third-party components</a:t>
+                        <a:t>Provide links to documentation of product</a:t>
                       </a:r>
                       <a:endParaRPr sz="1000"/>
                     </a:p>
@@ -15155,7 +15155,7 @@
                   </a:tcPr>
                 </a:tc>
               </a:tr>
-              <a:tr h="316525">
+              <a:tr h="293925">
                 <a:tc>
                   <a:txBody>
                     <a:bodyPr/>
@@ -15241,7 +15241,7 @@
                       </a:pPr>
                       <a:r>
                         <a:rPr lang="en" sz="1000"/>
-                        <a:t>Planning poker</a:t>
+                        <a:t>Bill of materials</a:t>
                       </a:r>
                       <a:endParaRPr sz="1000"/>
                     </a:p>
@@ -15307,7 +15307,7 @@
                       </a:pPr>
                       <a:r>
                         <a:rPr lang="en" sz="1000"/>
-                        <a:t>Provides simple tool for planning poker</a:t>
+                        <a:t>Lists all third-party components</a:t>
                       </a:r>
                       <a:endParaRPr sz="1000"/>
                     </a:p>
@@ -15355,6 +15355,203 @@
                   </a:tcPr>
                 </a:tc>
               </a:tr>
+              <a:tr h="293925">
+                <a:tc>
+                  <a:txBody>
+                    <a:bodyPr/>
+                    <a:lstStyle/>
+                    <a:p>
+                      <a:pPr indent="0" lvl="0" marL="0" rtl="0" algn="l">
+                        <a:spcBef>
+                          <a:spcPts val="0"/>
+                        </a:spcBef>
+                        <a:spcAft>
+                          <a:spcPts val="0"/>
+                        </a:spcAft>
+                        <a:buNone/>
+                      </a:pPr>
+                      <a:r>
+                        <a:rPr lang="en" sz="1000"/>
+                        <a:t>13</a:t>
+                      </a:r>
+                      <a:endParaRPr sz="1000"/>
+                    </a:p>
+                  </a:txBody>
+                  <a:tcPr marT="0" marB="0" marR="91425" marL="91425" anchor="ctr">
+                    <a:lnL cap="flat" cmpd="sng" w="38100">
+                      <a:solidFill>
+                        <a:schemeClr val="lt1"/>
+                      </a:solidFill>
+                      <a:prstDash val="solid"/>
+                      <a:round/>
+                      <a:headEnd len="sm" w="sm" type="none"/>
+                      <a:tailEnd len="sm" w="sm" type="none"/>
+                    </a:lnL>
+                    <a:lnR cap="flat" cmpd="sng" w="38100">
+                      <a:solidFill>
+                        <a:schemeClr val="lt1"/>
+                      </a:solidFill>
+                      <a:prstDash val="solid"/>
+                      <a:round/>
+                      <a:headEnd len="sm" w="sm" type="none"/>
+                      <a:tailEnd len="sm" w="sm" type="none"/>
+                    </a:lnR>
+                    <a:lnT cap="flat" cmpd="sng" w="38100">
+                      <a:solidFill>
+                        <a:schemeClr val="lt1"/>
+                      </a:solidFill>
+                      <a:prstDash val="solid"/>
+                      <a:round/>
+                      <a:headEnd len="sm" w="sm" type="none"/>
+                      <a:tailEnd len="sm" w="sm" type="none"/>
+                    </a:lnT>
+                    <a:lnB cap="flat" cmpd="sng" w="38100">
+                      <a:solidFill>
+                        <a:schemeClr val="lt1"/>
+                      </a:solidFill>
+                      <a:prstDash val="solid"/>
+                      <a:round/>
+                      <a:headEnd len="sm" w="sm" type="none"/>
+                      <a:tailEnd len="sm" w="sm" type="none"/>
+                    </a:lnB>
+                    <a:solidFill>
+                      <a:schemeClr val="lt1"/>
+                    </a:solidFill>
+                  </a:tcPr>
+                </a:tc>
+                <a:tc>
+                  <a:txBody>
+                    <a:bodyPr/>
+                    <a:lstStyle/>
+                    <a:p>
+                      <a:pPr indent="0" lvl="0" marL="0" rtl="0" algn="l">
+                        <a:lnSpc>
+                          <a:spcPct val="115000"/>
+                        </a:lnSpc>
+                        <a:spcBef>
+                          <a:spcPts val="0"/>
+                        </a:spcBef>
+                        <a:spcAft>
+                          <a:spcPts val="0"/>
+                        </a:spcAft>
+                        <a:buNone/>
+                      </a:pPr>
+                      <a:r>
+                        <a:rPr lang="en" sz="1000"/>
+                        <a:t>Planning poker</a:t>
+                      </a:r>
+                      <a:endParaRPr sz="1000"/>
+                    </a:p>
+                  </a:txBody>
+                  <a:tcPr marT="0" marB="0" marR="91425" marL="91425" anchor="ctr">
+                    <a:lnL cap="flat" cmpd="sng" w="38100">
+                      <a:solidFill>
+                        <a:schemeClr val="lt1"/>
+                      </a:solidFill>
+                      <a:prstDash val="solid"/>
+                      <a:round/>
+                      <a:headEnd len="sm" w="sm" type="none"/>
+                      <a:tailEnd len="sm" w="sm" type="none"/>
+                    </a:lnL>
+                    <a:lnR cap="flat" cmpd="sng" w="38100">
+                      <a:solidFill>
+                        <a:schemeClr val="lt1"/>
+                      </a:solidFill>
+                      <a:prstDash val="solid"/>
+                      <a:round/>
+                      <a:headEnd len="sm" w="sm" type="none"/>
+                      <a:tailEnd len="sm" w="sm" type="none"/>
+                    </a:lnR>
+                    <a:lnT cap="flat" cmpd="sng" w="38100">
+                      <a:solidFill>
+                        <a:schemeClr val="lt1"/>
+                      </a:solidFill>
+                      <a:prstDash val="solid"/>
+                      <a:round/>
+                      <a:headEnd len="sm" w="sm" type="none"/>
+                      <a:tailEnd len="sm" w="sm" type="none"/>
+                    </a:lnT>
+                    <a:lnB cap="flat" cmpd="sng" w="38100">
+                      <a:solidFill>
+                        <a:schemeClr val="lt1"/>
+                      </a:solidFill>
+                      <a:prstDash val="solid"/>
+                      <a:round/>
+                      <a:headEnd len="sm" w="sm" type="none"/>
+                      <a:tailEnd len="sm" w="sm" type="none"/>
+                    </a:lnB>
+                    <a:solidFill>
+                      <a:schemeClr val="lt1"/>
+                    </a:solidFill>
+                  </a:tcPr>
+                </a:tc>
+                <a:tc>
+                  <a:txBody>
+                    <a:bodyPr/>
+                    <a:lstStyle/>
+                    <a:p>
+                      <a:pPr indent="0" lvl="0" marL="0" rtl="0" algn="l">
+                        <a:lnSpc>
+                          <a:spcPct val="115000"/>
+                        </a:lnSpc>
+                        <a:spcBef>
+                          <a:spcPts val="0"/>
+                        </a:spcBef>
+                        <a:spcAft>
+                          <a:spcPts val="0"/>
+                        </a:spcAft>
+                        <a:buNone/>
+                      </a:pPr>
+                      <a:r>
+                        <a:rPr lang="en" sz="1000"/>
+                        <a:t>Provides simple tool for planning poker</a:t>
+                      </a:r>
+                      <a:endParaRPr sz="1000"/>
+                    </a:p>
+                  </a:txBody>
+                  <a:tcPr marT="0" marB="0" marR="91425" marL="91425" anchor="ctr">
+                    <a:lnL cap="flat" cmpd="sng" w="38100">
+                      <a:solidFill>
+                        <a:schemeClr val="lt1"/>
+                      </a:solidFill>
+                      <a:prstDash val="solid"/>
+                      <a:round/>
+                      <a:headEnd len="sm" w="sm" type="none"/>
+                      <a:tailEnd len="sm" w="sm" type="none"/>
+                    </a:lnL>
+                    <a:lnR cap="flat" cmpd="sng" w="38100">
+                      <a:solidFill>
+                        <a:schemeClr val="lt1"/>
+                      </a:solidFill>
+                      <a:prstDash val="solid"/>
+                      <a:round/>
+                      <a:headEnd len="sm" w="sm" type="none"/>
+                      <a:tailEnd len="sm" w="sm" type="none"/>
+                    </a:lnR>
+                    <a:lnT cap="flat" cmpd="sng" w="38100">
+                      <a:solidFill>
+                        <a:schemeClr val="lt1"/>
+                      </a:solidFill>
+                      <a:prstDash val="solid"/>
+                      <a:round/>
+                      <a:headEnd len="sm" w="sm" type="none"/>
+                      <a:tailEnd len="sm" w="sm" type="none"/>
+                    </a:lnT>
+                    <a:lnB cap="flat" cmpd="sng" w="38100">
+                      <a:solidFill>
+                        <a:schemeClr val="lt1"/>
+                      </a:solidFill>
+                      <a:prstDash val="solid"/>
+                      <a:round/>
+                      <a:headEnd len="sm" w="sm" type="none"/>
+                      <a:tailEnd len="sm" w="sm" type="none"/>
+                    </a:lnB>
+                    <a:solidFill>
+                      <a:schemeClr val="lt1"/>
+                    </a:solidFill>
+                  </a:tcPr>
+                </a:tc>
+              </a:tr>
             </a:tbl>
           </a:graphicData>
         </a:graphic>
@@ -16673,7 +16870,7 @@
             <a:tbl>
               <a:tblPr>
                 <a:noFill/>
-                <a:tableStyleId>{234B570F-CAD5-4A35-8B7A-663B4E7DE52C}</a:tableStyleId>
+                <a:tableStyleId>{3F88DE25-3DC3-4FF3-833D-5EA704C9ECF4}</a:tableStyleId>
               </a:tblPr>
               <a:tblGrid>
                 <a:gridCol w="2148850"/>
@@ -16696,6 +16893,14 @@
                         </a:spcAft>
                         <a:buNone/>
                       </a:pPr>
+                      <a:r>
+                        <a:rPr b="1" lang="en" sz="1500">
+                          <a:solidFill>
+                            <a:schemeClr val="lt1"/>
+                          </a:solidFill>
+                        </a:rPr>
+                        <a:t>Agile / </a:t>
+                      </a:r>
                       <a:r>
                         <a:rPr b="1" lang="en" sz="1500">
                           <a:solidFill>
@@ -17352,7 +17557,11 @@
                       </a:pPr>
                       <a:r>
                         <a:rPr lang="en" sz="1500"/>
-                        <a:t>Project [2]</a:t>
+                        <a:t>Columns in p</a:t>
+                      </a:r>
+                      <a:r>
+                        <a:rPr lang="en" sz="1500"/>
+                        <a:t>roject [2]</a:t>
                       </a:r>
                       <a:endParaRPr sz="1500"/>
                     </a:p>
@@ -19724,7 +19933,7 @@
             </a:pPr>
             <a:r>
               <a:rPr b="1" lang="en"/>
-              <a:t> Est. size = X </a:t>
+              <a:t>Est. size = X </a:t>
             </a:r>
             <a:r>
               <a:rPr lang="en"/>
@@ -19762,7 +19971,7 @@
             </a:pPr>
             <a:r>
               <a:rPr b="1" lang="en"/>
-              <a:t> Real size = Y </a:t>
+              <a:t>Real size = Y </a:t>
             </a:r>
             <a:r>
               <a:rPr lang="en"/>
@@ -19959,25 +20168,61 @@
           <a:chExt cx="0" cy="0"/>
         </a:xfrm>
       </p:grpSpPr>
-      <p:sp>
-        <p:nvSpPr>
+      <p:pic>
+        <p:nvPicPr>
           <p:cNvPr id="273" name="Google Shape;273;p43"/>
-          <p:cNvSpPr txBox="1"/>
-          <p:nvPr>
-            <p:ph type="title"/>
-          </p:nvPr>
-        </p:nvSpPr>
-        <p:spPr>
-          <a:xfrm>
-            <a:off x="0" y="0"/>
-            <a:ext cx="9144000" cy="685800"/>
+          <p:cNvPicPr preferRelativeResize="0"/>
+          <p:nvPr/>
+        </p:nvPicPr>
+        <p:blipFill>
+          <a:blip r:embed="rId3">
+            <a:alphaModFix/>
+          </a:blip>
+          <a:stretch>
+            <a:fillRect/>
+          </a:stretch>
+        </p:blipFill>
+        <p:spPr>
+          <a:xfrm>
+            <a:off x="0" y="2601"/>
+            <a:ext cx="9144000" cy="5138284"/>
           </a:xfrm>
           <a:prstGeom prst="rect">
             <a:avLst/>
           </a:prstGeom>
+          <a:noFill/>
+          <a:ln>
+            <a:noFill/>
+          </a:ln>
+        </p:spPr>
+      </p:pic>
+      <p:sp>
+        <p:nvSpPr>
+          <p:cNvPr id="274" name="Google Shape;274;p43"/>
+          <p:cNvSpPr/>
+          <p:nvPr/>
+        </p:nvSpPr>
+        <p:spPr>
+          <a:xfrm>
+            <a:off x="6477900" y="3394200"/>
+            <a:ext cx="1188600" cy="813900"/>
+          </a:xfrm>
+          <a:prstGeom prst="rect">
+            <a:avLst/>
+          </a:prstGeom>
+          <a:noFill/>
+          <a:ln cap="flat" cmpd="sng" w="38100">
+            <a:solidFill>
+              <a:schemeClr val="accent3"/>
+            </a:solidFill>
+            <a:prstDash val="solid"/>
+            <a:round/>
+            <a:headEnd len="sm" w="sm" type="none"/>
+            <a:tailEnd len="sm" w="sm" type="none"/>
+          </a:ln>
         </p:spPr>
         <p:txBody>
-          <a:bodyPr anchorCtr="0" anchor="ctr" bIns="91425" lIns="274300" spcFirstLastPara="1" rIns="91425" wrap="square" tIns="91425">
+          <a:bodyPr anchorCtr="0" anchor="ctr" bIns="91425" lIns="91425" spcFirstLastPara="1" rIns="91425" wrap="square" tIns="91425">
             <a:noAutofit/>
           </a:bodyPr>
           <a:lstStyle/>
@@ -19992,150 +20237,7 @@
               <a:buNone/>
             </a:pPr>
             <a:r>
-              <a:rPr lang="en"/>
-              <a:t>Regular Deliverable: Feature Board</a:t>
-            </a:r>
-            <a:endParaRPr/>
-          </a:p>
-        </p:txBody>
-      </p:sp>
-      <p:sp>
-        <p:nvSpPr>
-          <p:cNvPr id="274" name="Google Shape;274;p43"/>
-          <p:cNvSpPr txBox="1"/>
-          <p:nvPr>
-            <p:ph idx="1" type="body"/>
-          </p:nvPr>
-        </p:nvSpPr>
-        <p:spPr>
-          <a:xfrm>
-            <a:off x="274320" y="914400"/>
-            <a:ext cx="8595300" cy="4114800"/>
-          </a:xfrm>
-          <a:prstGeom prst="rect">
-            <a:avLst/>
-          </a:prstGeom>
-        </p:spPr>
-        <p:txBody>
-          <a:bodyPr anchorCtr="0" anchor="t" bIns="0" lIns="0" spcFirstLastPara="1" rIns="0" wrap="square" tIns="0">
-            <a:noAutofit/>
-          </a:bodyPr>
-          <a:lstStyle/>
-          <a:p>
-            <a:pPr indent="0" lvl="0" marL="0" rtl="0" algn="l">
-              <a:spcBef>
-                <a:spcPts val="0"/>
-              </a:spcBef>
-              <a:spcAft>
-                <a:spcPts val="0"/>
-              </a:spcAft>
-              <a:buNone/>
-            </a:pPr>
-            <a:r>
-              <a:rPr lang="en"/>
-              <a:t>Please initialize your feature board and keep it up-to-date</a:t>
-            </a:r>
-            <a:endParaRPr/>
-          </a:p>
-          <a:p>
-            <a:pPr indent="-342900" lvl="0" marL="457200" rtl="0" algn="l">
-              <a:spcBef>
-                <a:spcPts val="1200"/>
-              </a:spcBef>
-              <a:spcAft>
-                <a:spcPts val="0"/>
-              </a:spcAft>
-              <a:buSzPts val="1800"/>
-              <a:buChar char="●"/>
-            </a:pPr>
-            <a:r>
-              <a:rPr lang="en"/>
-              <a:t>For the initial content, meet with your industry partner asap</a:t>
-            </a:r>
-            <a:endParaRPr/>
-          </a:p>
-          <a:p>
-            <a:pPr indent="0" lvl="0" marL="0" rtl="0" algn="l">
-              <a:spcBef>
-                <a:spcPts val="1200"/>
-              </a:spcBef>
-              <a:spcAft>
-                <a:spcPts val="1200"/>
-              </a:spcAft>
-              <a:buNone/>
-            </a:pPr>
-            <a:r>
-              <a:rPr lang="en"/>
-              <a:t>Commit a screenshot of your feature board</a:t>
-            </a:r>
-            <a:endParaRPr/>
-          </a:p>
-        </p:txBody>
-      </p:sp>
-      <p:sp>
-        <p:nvSpPr>
-          <p:cNvPr id="275" name="Google Shape;275;p43"/>
-          <p:cNvSpPr txBox="1"/>
-          <p:nvPr>
-            <p:ph idx="12" type="sldNum"/>
-          </p:nvPr>
-        </p:nvSpPr>
-        <p:spPr>
-          <a:xfrm>
-            <a:off x="7315202" y="4416550"/>
-            <a:ext cx="1828800" cy="731400"/>
-          </a:xfrm>
-          <a:prstGeom prst="rect">
-            <a:avLst/>
-          </a:prstGeom>
-        </p:spPr>
-        <p:txBody>
-          <a:bodyPr anchorCtr="0" anchor="b" bIns="91425" lIns="91425" spcFirstLastPara="1" rIns="91425" wrap="square" tIns="91425">
-            <a:noAutofit/>
-          </a:bodyPr>
-          <a:lstStyle/>
-          <a:p>
-            <a:pPr indent="0" lvl="0" marL="0" rtl="0" algn="r">
-              <a:spcBef>
-                <a:spcPts val="0"/>
-              </a:spcBef>
-              <a:spcAft>
-                <a:spcPts val="0"/>
-              </a:spcAft>
-              <a:buNone/>
-            </a:pPr>
-            <a:fld id="{00000000-1234-1234-1234-123412341234}" type="slidenum">
-              <a:rPr lang="en"/>
-              <a:t>‹#›</a:t>
-            </a:fld>
-            <a:endParaRPr/>
-          </a:p>
-          <a:p>
-            <a:pPr indent="0" lvl="0" marL="0" rtl="0" algn="r">
-              <a:spcBef>
-                <a:spcPts val="0"/>
-              </a:spcBef>
-              <a:spcAft>
-                <a:spcPts val="0"/>
-              </a:spcAft>
-              <a:buNone/>
-            </a:pPr>
-            <a:r>
-              <a:rPr b="0" lang="en" sz="900" u="sng">
-                <a:solidFill>
-                  <a:schemeClr val="hlink"/>
-                </a:solidFill>
-                <a:hlinkClick r:id="rId3"/>
-              </a:rPr>
-              <a:t>https://profriehle.com</a:t>
-            </a:r>
-            <a:r>
-              <a:rPr b="0" lang="en" sz="900">
-                <a:solidFill>
-                  <a:schemeClr val="dk2"/>
-                </a:solidFill>
-              </a:rPr>
-              <a:t> </a:t>
+              <a:t/>
             </a:r>
             <a:endParaRPr/>
           </a:p>
@@ -20154,7 +20256,7 @@
   <p:cSld>
     <p:spTree>
       <p:nvGrpSpPr>
-        <p:cNvPr id="279" name="Shape 279"/>
+        <p:cNvPr id="278" name="Shape 278"/>
         <p:cNvGrpSpPr/>
         <p:nvPr/>
       </p:nvGrpSpPr>
@@ -20168,7 +20270,7 @@
       </p:grpSpPr>
       <p:sp>
         <p:nvSpPr>
-          <p:cNvPr id="280" name="Google Shape;280;p44"/>
+          <p:cNvPr id="279" name="Google Shape;279;p44"/>
           <p:cNvSpPr txBox="1"/>
           <p:nvPr>
             <p:ph type="title"/>
@@ -20176,31 +20278,173 @@
         </p:nvSpPr>
         <p:spPr>
           <a:xfrm>
-            <a:off x="0" y="-7"/>
-            <a:ext cx="9144000" cy="2386500"/>
+            <a:off x="0" y="0"/>
+            <a:ext cx="9144000" cy="685800"/>
           </a:xfrm>
           <a:prstGeom prst="rect">
             <a:avLst/>
           </a:prstGeom>
         </p:spPr>
         <p:txBody>
-          <a:bodyPr anchorCtr="0" anchor="b" bIns="274300" lIns="91425" spcFirstLastPara="1" rIns="91425" wrap="square" tIns="91425">
+          <a:bodyPr anchorCtr="0" anchor="ctr" bIns="91425" lIns="274300" spcFirstLastPara="1" rIns="91425" wrap="square" tIns="91425">
             <a:noAutofit/>
           </a:bodyPr>
           <a:lstStyle/>
           <a:p>
-            <a:pPr indent="0" lvl="0" marL="0" rtl="0" algn="ctr">
-              <a:spcBef>
-                <a:spcPts val="0"/>
-              </a:spcBef>
-              <a:spcAft>
-                <a:spcPts val="0"/>
-              </a:spcAft>
-              <a:buNone/>
-            </a:pPr>
-            <a:r>
-              <a:rPr lang="en"/>
-              <a:t>6. Code Repository</a:t>
+            <a:pPr indent="0" lvl="0" marL="0" rtl="0" algn="l">
+              <a:spcBef>
+                <a:spcPts val="0"/>
+              </a:spcBef>
+              <a:spcAft>
+                <a:spcPts val="0"/>
+              </a:spcAft>
+              <a:buNone/>
+            </a:pPr>
+            <a:r>
+              <a:rPr lang="en"/>
+              <a:t>Regular Deliverable: Feature Board</a:t>
+            </a:r>
+            <a:endParaRPr/>
+          </a:p>
+        </p:txBody>
+      </p:sp>
+      <p:sp>
+        <p:nvSpPr>
+          <p:cNvPr id="280" name="Google Shape;280;p44"/>
+          <p:cNvSpPr txBox="1"/>
+          <p:nvPr>
+            <p:ph idx="1" type="body"/>
+          </p:nvPr>
+        </p:nvSpPr>
+        <p:spPr>
+          <a:xfrm>
+            <a:off x="274320" y="914400"/>
+            <a:ext cx="8595300" cy="4114800"/>
+          </a:xfrm>
+          <a:prstGeom prst="rect">
+            <a:avLst/>
+          </a:prstGeom>
+        </p:spPr>
+        <p:txBody>
+          <a:bodyPr anchorCtr="0" anchor="t" bIns="0" lIns="0" spcFirstLastPara="1" rIns="0" wrap="square" tIns="0">
+            <a:noAutofit/>
+          </a:bodyPr>
+          <a:lstStyle/>
+          <a:p>
+            <a:pPr indent="0" lvl="0" marL="0" rtl="0" algn="l">
+              <a:spcBef>
+                <a:spcPts val="0"/>
+              </a:spcBef>
+              <a:spcAft>
+                <a:spcPts val="0"/>
+              </a:spcAft>
+              <a:buNone/>
+            </a:pPr>
+            <a:r>
+              <a:rPr lang="en"/>
+              <a:t>Please initialize your feature board and keep it up-to-date</a:t>
+            </a:r>
+            <a:endParaRPr/>
+          </a:p>
+          <a:p>
+            <a:pPr indent="-342900" lvl="0" marL="457200" rtl="0" algn="l">
+              <a:spcBef>
+                <a:spcPts val="1200"/>
+              </a:spcBef>
+              <a:spcAft>
+                <a:spcPts val="0"/>
+              </a:spcAft>
+              <a:buSzPts val="1800"/>
+              <a:buChar char="●"/>
+            </a:pPr>
+            <a:r>
+              <a:rPr lang="en"/>
+              <a:t>For the initial content, meet with your industry partner asap</a:t>
+            </a:r>
+            <a:endParaRPr/>
+          </a:p>
+          <a:p>
+            <a:pPr indent="0" lvl="0" marL="0" rtl="0" algn="l">
+              <a:spcBef>
+                <a:spcPts val="1200"/>
+              </a:spcBef>
+              <a:spcAft>
+                <a:spcPts val="1200"/>
+              </a:spcAft>
+              <a:buNone/>
+            </a:pPr>
+            <a:r>
+              <a:rPr lang="en"/>
+              <a:t>Commit a screenshot of your feature board</a:t>
+            </a:r>
+            <a:endParaRPr/>
+          </a:p>
+        </p:txBody>
+      </p:sp>
+      <p:sp>
+        <p:nvSpPr>
+          <p:cNvPr id="281" name="Google Shape;281;p44"/>
+          <p:cNvSpPr txBox="1"/>
+          <p:nvPr>
+            <p:ph idx="12" type="sldNum"/>
+          </p:nvPr>
+        </p:nvSpPr>
+        <p:spPr>
+          <a:xfrm>
+            <a:off x="7315202" y="4416550"/>
+            <a:ext cx="1828800" cy="731400"/>
+          </a:xfrm>
+          <a:prstGeom prst="rect">
+            <a:avLst/>
+          </a:prstGeom>
+        </p:spPr>
+        <p:txBody>
+          <a:bodyPr anchorCtr="0" anchor="b" bIns="91425" lIns="91425" spcFirstLastPara="1" rIns="91425" wrap="square" tIns="91425">
+            <a:noAutofit/>
+          </a:bodyPr>
+          <a:lstStyle/>
+          <a:p>
+            <a:pPr indent="0" lvl="0" marL="0" rtl="0" algn="r">
+              <a:spcBef>
+                <a:spcPts val="0"/>
+              </a:spcBef>
+              <a:spcAft>
+                <a:spcPts val="0"/>
+              </a:spcAft>
+              <a:buNone/>
+            </a:pPr>
+            <a:fld id="{00000000-1234-1234-1234-123412341234}" type="slidenum">
+              <a:rPr lang="en"/>
+              <a:t>‹#›</a:t>
+            </a:fld>
+            <a:endParaRPr/>
+          </a:p>
+          <a:p>
+            <a:pPr indent="0" lvl="0" marL="0" rtl="0" algn="r">
+              <a:spcBef>
+                <a:spcPts val="0"/>
+              </a:spcBef>
+              <a:spcAft>
+                <a:spcPts val="0"/>
+              </a:spcAft>
+              <a:buNone/>
+            </a:pPr>
+            <a:r>
+              <a:rPr b="0" lang="en" sz="900" u="sng">
+                <a:solidFill>
+                  <a:schemeClr val="hlink"/>
+                </a:solidFill>
+                <a:hlinkClick r:id="rId3"/>
+              </a:rPr>
+              <a:t>https://profriehle.com</a:t>
+            </a:r>
+            <a:r>
+              <a:rPr b="0" lang="en" sz="900">
+                <a:solidFill>
+                  <a:schemeClr val="dk2"/>
+                </a:solidFill>
+              </a:rPr>
+              <a:t> </a:t>
             </a:r>
             <a:endParaRPr/>
           </a:p>
@@ -20219,7 +20463,7 @@
   <p:cSld>
     <p:spTree>
       <p:nvGrpSpPr>
-        <p:cNvPr id="284" name="Shape 284"/>
+        <p:cNvPr id="285" name="Shape 285"/>
         <p:cNvGrpSpPr/>
         <p:nvPr/>
       </p:nvGrpSpPr>
@@ -20233,7 +20477,7 @@
       </p:grpSpPr>
       <p:sp>
         <p:nvSpPr>
-          <p:cNvPr id="285" name="Google Shape;285;p45"/>
+          <p:cNvPr id="286" name="Google Shape;286;p45"/>
           <p:cNvSpPr txBox="1"/>
           <p:nvPr>
             <p:ph type="title"/>
@@ -20241,264 +20485,33 @@
         </p:nvSpPr>
         <p:spPr>
           <a:xfrm>
-            <a:off x="0" y="0"/>
-            <a:ext cx="9144000" cy="685800"/>
+            <a:off x="0" y="-7"/>
+            <a:ext cx="9144000" cy="2386500"/>
           </a:xfrm>
           <a:prstGeom prst="rect">
             <a:avLst/>
           </a:prstGeom>
         </p:spPr>
         <p:txBody>
-          <a:bodyPr anchorCtr="0" anchor="ctr" bIns="91425" lIns="274300" spcFirstLastPara="1" rIns="91425" wrap="square" tIns="91425">
+          <a:bodyPr anchorCtr="0" anchor="b" bIns="274300" lIns="91425" spcFirstLastPara="1" rIns="91425" wrap="square" tIns="91425">
             <a:noAutofit/>
           </a:bodyPr>
           <a:lstStyle/>
           <a:p>
-            <a:pPr indent="0" lvl="0" marL="0" rtl="0" algn="l">
-              <a:spcBef>
-                <a:spcPts val="0"/>
-              </a:spcBef>
-              <a:spcAft>
-                <a:spcPts val="0"/>
-              </a:spcAft>
-              <a:buNone/>
-            </a:pPr>
-            <a:r>
-              <a:rPr lang="en"/>
-              <a:t>Git User Setup</a:t>
-            </a:r>
-            <a:endParaRPr/>
-          </a:p>
-        </p:txBody>
-      </p:sp>
-      <p:sp>
-        <p:nvSpPr>
-          <p:cNvPr id="286" name="Google Shape;286;p45"/>
-          <p:cNvSpPr txBox="1"/>
-          <p:nvPr>
-            <p:ph idx="1" type="body"/>
-          </p:nvPr>
-        </p:nvSpPr>
-        <p:spPr>
-          <a:xfrm>
-            <a:off x="274320" y="914400"/>
-            <a:ext cx="8595300" cy="4114800"/>
-          </a:xfrm>
-          <a:prstGeom prst="rect">
-            <a:avLst/>
-          </a:prstGeom>
-        </p:spPr>
-        <p:txBody>
-          <a:bodyPr anchorCtr="0" anchor="t" bIns="0" lIns="0" spcFirstLastPara="1" rIns="0" wrap="square" tIns="0">
-            <a:noAutofit/>
-          </a:bodyPr>
-          <a:lstStyle/>
-          <a:p>
-            <a:pPr indent="0" lvl="0" marL="0" rtl="0" algn="l">
-              <a:spcBef>
-                <a:spcPts val="0"/>
-              </a:spcBef>
-              <a:spcAft>
-                <a:spcPts val="0"/>
-              </a:spcAft>
-              <a:buNone/>
-            </a:pPr>
-            <a:r>
-              <a:rPr lang="en"/>
-              <a:t>Please use only one account and </a:t>
-            </a:r>
-            <a:r>
-              <a:rPr b="1" lang="en"/>
-              <a:t>one email address and stick to it</a:t>
-            </a:r>
-            <a:endParaRPr b="1"/>
-          </a:p>
-          <a:p>
-            <a:pPr indent="0" lvl="0" marL="0" rtl="0" algn="l">
-              <a:spcBef>
-                <a:spcPts val="1200"/>
-              </a:spcBef>
-              <a:spcAft>
-                <a:spcPts val="0"/>
-              </a:spcAft>
-              <a:buNone/>
-            </a:pPr>
-            <a:r>
-              <a:rPr lang="en"/>
-              <a:t>Please configure your name and email address for your local repository</a:t>
-            </a:r>
-            <a:endParaRPr/>
-          </a:p>
-          <a:p>
-            <a:pPr indent="0" lvl="0" marL="0" rtl="0" algn="l">
-              <a:spcBef>
-                <a:spcPts val="1200"/>
-              </a:spcBef>
-              <a:spcAft>
-                <a:spcPts val="1200"/>
-              </a:spcAft>
-              <a:buNone/>
-            </a:pPr>
-            <a:r>
-              <a:rPr lang="en"/>
-              <a:t>Please make sure this is the same information as on github.com</a:t>
-            </a:r>
-            <a:endParaRPr/>
-          </a:p>
-        </p:txBody>
-      </p:sp>
-      <p:sp>
-        <p:nvSpPr>
-          <p:cNvPr id="287" name="Google Shape;287;p45"/>
-          <p:cNvSpPr txBox="1"/>
-          <p:nvPr>
-            <p:ph idx="12" type="sldNum"/>
-          </p:nvPr>
-        </p:nvSpPr>
-        <p:spPr>
-          <a:xfrm>
-            <a:off x="7315202" y="4416550"/>
-            <a:ext cx="1828800" cy="731400"/>
-          </a:xfrm>
-          <a:prstGeom prst="rect">
-            <a:avLst/>
-          </a:prstGeom>
-        </p:spPr>
-        <p:txBody>
-          <a:bodyPr anchorCtr="0" anchor="b" bIns="91425" lIns="91425" spcFirstLastPara="1" rIns="91425" wrap="square" tIns="91425">
-            <a:noAutofit/>
-          </a:bodyPr>
-          <a:lstStyle/>
-          <a:p>
-            <a:pPr indent="0" lvl="0" marL="0" rtl="0" algn="r">
-              <a:spcBef>
-                <a:spcPts val="0"/>
-              </a:spcBef>
-              <a:spcAft>
-                <a:spcPts val="0"/>
-              </a:spcAft>
-              <a:buNone/>
-            </a:pPr>
-            <a:fld id="{00000000-1234-1234-1234-123412341234}" type="slidenum">
-              <a:rPr lang="en"/>
-              <a:t>‹#›</a:t>
-            </a:fld>
-            <a:endParaRPr/>
-          </a:p>
-          <a:p>
-            <a:pPr indent="0" lvl="0" marL="0" rtl="0" algn="r">
-              <a:spcBef>
-                <a:spcPts val="0"/>
-              </a:spcBef>
-              <a:spcAft>
-                <a:spcPts val="0"/>
-              </a:spcAft>
-              <a:buNone/>
-            </a:pPr>
-            <a:r>
-              <a:rPr b="0" lang="en" sz="900" u="sng">
-                <a:solidFill>
-                  <a:schemeClr val="hlink"/>
-                </a:solidFill>
-                <a:hlinkClick r:id="rId3"/>
-              </a:rPr>
-              <a:t>https://profriehle.com</a:t>
-            </a:r>
-            <a:r>
-              <a:rPr b="0" lang="en" sz="900">
-                <a:solidFill>
-                  <a:schemeClr val="dk2"/>
-                </a:solidFill>
-              </a:rPr>
-              <a:t> </a:t>
-            </a:r>
-            <a:endParaRPr/>
-          </a:p>
-        </p:txBody>
-      </p:sp>
-      <p:sp>
-        <p:nvSpPr>
-          <p:cNvPr id="288" name="Google Shape;288;p45"/>
-          <p:cNvSpPr txBox="1"/>
-          <p:nvPr/>
-        </p:nvSpPr>
-        <p:spPr>
-          <a:xfrm>
-            <a:off x="274320" y="2286000"/>
-            <a:ext cx="8595300" cy="1371600"/>
-          </a:xfrm>
-          <a:prstGeom prst="rect">
-            <a:avLst/>
-          </a:prstGeom>
-          <a:solidFill>
-            <a:schemeClr val="accent1"/>
-          </a:solidFill>
-          <a:ln>
-            <a:noFill/>
-          </a:ln>
-        </p:spPr>
-        <p:txBody>
-          <a:bodyPr anchorCtr="0" anchor="t" bIns="91425" lIns="91425" spcFirstLastPara="1" rIns="91425" wrap="square" tIns="91425">
-            <a:noAutofit/>
-          </a:bodyPr>
-          <a:lstStyle/>
-          <a:p>
-            <a:pPr indent="0" lvl="0" marL="0" rtl="0" algn="l">
-              <a:lnSpc>
-                <a:spcPct val="115000"/>
-              </a:lnSpc>
-              <a:spcBef>
-                <a:spcPts val="0"/>
-              </a:spcBef>
-              <a:spcAft>
-                <a:spcPts val="0"/>
-              </a:spcAft>
-              <a:buNone/>
-            </a:pPr>
-            <a:r>
-              <a:rPr lang="en" sz="1500">
-                <a:latin typeface="Courier New"/>
-                <a:ea typeface="Courier New"/>
-                <a:cs typeface="Courier New"/>
-                <a:sym typeface="Courier New"/>
-              </a:rPr>
-              <a:t>dirk@host$ git config -local user.name "Dirk Riehle"</a:t>
-            </a:r>
-            <a:endParaRPr sz="1500">
-              <a:latin typeface="Courier New"/>
-              <a:ea typeface="Courier New"/>
-              <a:cs typeface="Courier New"/>
-              <a:sym typeface="Courier New"/>
-            </a:endParaRPr>
-          </a:p>
-          <a:p>
-            <a:pPr indent="0" lvl="0" marL="0" rtl="0" algn="l">
-              <a:lnSpc>
-                <a:spcPct val="115000"/>
-              </a:lnSpc>
-              <a:spcBef>
-                <a:spcPts val="0"/>
-              </a:spcBef>
-              <a:spcAft>
-                <a:spcPts val="0"/>
-              </a:spcAft>
-              <a:buNone/>
-            </a:pPr>
-            <a:r>
-              <a:rPr lang="en" sz="1500">
-                <a:latin typeface="Courier New"/>
-                <a:ea typeface="Courier New"/>
-                <a:cs typeface="Courier New"/>
-                <a:sym typeface="Courier New"/>
-              </a:rPr>
-              <a:t>dirk@host$ git config -local user.email "dirk@riehle.org"</a:t>
-            </a:r>
-            <a:endParaRPr sz="1500">
-              <a:latin typeface="Courier New"/>
-              <a:ea typeface="Courier New"/>
-              <a:cs typeface="Courier New"/>
-              <a:sym typeface="Courier New"/>
-            </a:endParaRPr>
+            <a:pPr indent="0" lvl="0" marL="0" rtl="0" algn="ctr">
+              <a:spcBef>
+                <a:spcPts val="0"/>
+              </a:spcBef>
+              <a:spcAft>
+                <a:spcPts val="0"/>
+              </a:spcAft>
+              <a:buNone/>
+            </a:pPr>
+            <a:r>
+              <a:rPr lang="en"/>
+              <a:t>6. Code Repository</a:t>
+            </a:r>
+            <a:endParaRPr/>
           </a:p>
         </p:txBody>
       </p:sp>
@@ -20515,7 +20528,7 @@
   <p:cSld>
     <p:spTree>
       <p:nvGrpSpPr>
-        <p:cNvPr id="292" name="Shape 292"/>
+        <p:cNvPr id="290" name="Shape 290"/>
         <p:cNvGrpSpPr/>
         <p:nvPr/>
       </p:nvGrpSpPr>
@@ -20529,7 +20542,7 @@
       </p:grpSpPr>
       <p:sp>
         <p:nvSpPr>
-          <p:cNvPr id="293" name="Google Shape;293;p46"/>
+          <p:cNvPr id="291" name="Google Shape;291;p46"/>
           <p:cNvSpPr txBox="1"/>
           <p:nvPr>
             <p:ph type="title"/>
@@ -20561,7 +20574,7 @@
             </a:pPr>
             <a:r>
               <a:rPr lang="en"/>
-              <a:t>Git Commit Sign-off</a:t>
+              <a:t>Git User Setup</a:t>
             </a:r>
             <a:endParaRPr/>
           </a:p>
@@ -20569,7 +20582,7 @@
       </p:sp>
       <p:sp>
         <p:nvSpPr>
-          <p:cNvPr id="294" name="Google Shape;294;p46"/>
+          <p:cNvPr id="292" name="Google Shape;292;p46"/>
           <p:cNvSpPr txBox="1"/>
           <p:nvPr>
             <p:ph idx="1" type="body"/>
@@ -20601,9 +20614,13 @@
             </a:pPr>
             <a:r>
               <a:rPr lang="en"/>
-              <a:t>Please sign-off on your commits as your work using –signoff</a:t>
-            </a:r>
-            <a:endParaRPr/>
+              <a:t>Please use only one account and </a:t>
+            </a:r>
+            <a:r>
+              <a:rPr b="1" lang="en"/>
+              <a:t>one email address and stick to it</a:t>
+            </a:r>
+            <a:endParaRPr b="1"/>
           </a:p>
           <a:p>
             <a:pPr indent="0" lvl="0" marL="0" rtl="0" algn="l">
@@ -20611,13 +20628,29 @@
                 <a:spcPts val="1200"/>
               </a:spcBef>
               <a:spcAft>
+                <a:spcPts val="0"/>
+              </a:spcAft>
+              <a:buNone/>
+            </a:pPr>
+            <a:r>
+              <a:rPr lang="en"/>
+              <a:t>Please configure your name and email address for your local repository</a:t>
+            </a:r>
+            <a:endParaRPr/>
+          </a:p>
+          <a:p>
+            <a:pPr indent="0" lvl="0" marL="0" rtl="0" algn="l">
+              <a:spcBef>
                 <a:spcPts val="1200"/>
-              </a:spcAft>
-              <a:buNone/>
-            </a:pPr>
-            <a:r>
-              <a:rPr lang="en"/>
-              <a:t>This will add your name and email address to the commit message</a:t>
+              </a:spcBef>
+              <a:spcAft>
+                <a:spcPts val="1200"/>
+              </a:spcAft>
+              <a:buNone/>
+            </a:pPr>
+            <a:r>
+              <a:rPr lang="en"/>
+              <a:t>Please make sure this is the same information as on github.com</a:t>
             </a:r>
             <a:endParaRPr/>
           </a:p>
@@ -20625,7 +20658,7 @@
       </p:sp>
       <p:sp>
         <p:nvSpPr>
-          <p:cNvPr id="295" name="Google Shape;295;p46"/>
+          <p:cNvPr id="293" name="Google Shape;293;p46"/>
           <p:cNvSpPr txBox="1"/>
           <p:nvPr>
             <p:ph idx="12" type="sldNum"/>
@@ -20694,13 +20727,13 @@
       </p:sp>
       <p:sp>
         <p:nvSpPr>
-          <p:cNvPr id="296" name="Google Shape;296;p46"/>
+          <p:cNvPr id="294" name="Google Shape;294;p46"/>
           <p:cNvSpPr txBox="1"/>
           <p:nvPr/>
         </p:nvSpPr>
         <p:spPr>
           <a:xfrm>
-            <a:off x="274320" y="1828800"/>
+            <a:off x="274320" y="2286000"/>
             <a:ext cx="8595300" cy="1371600"/>
           </a:xfrm>
           <a:prstGeom prst="rect">
@@ -20738,7 +20771,36 @@
                 <a:cs typeface="Courier New"/>
                 <a:sym typeface="Courier New"/>
               </a:rPr>
-              <a:t>dirk@host$ git commit -m "Fixed issue #123" --signoff</a:t>
+              <a:t>dirk@host$ git config -local user.name "Dirk Riehle"</a:t>
+            </a:r>
+            <a:endParaRPr sz="1500">
+              <a:latin typeface="Courier New"/>
+              <a:ea typeface="Courier New"/>
+              <a:cs typeface="Courier New"/>
+              <a:sym typeface="Courier New"/>
+            </a:endParaRPr>
+          </a:p>
+          <a:p>
+            <a:pPr indent="0" lvl="0" marL="0" rtl="0" algn="l">
+              <a:lnSpc>
+                <a:spcPct val="115000"/>
+              </a:lnSpc>
+              <a:spcBef>
+                <a:spcPts val="0"/>
+              </a:spcBef>
+              <a:spcAft>
+                <a:spcPts val="0"/>
+              </a:spcAft>
+              <a:buNone/>
+            </a:pPr>
+            <a:r>
+              <a:rPr lang="en" sz="1500">
+                <a:latin typeface="Courier New"/>
+                <a:ea typeface="Courier New"/>
+                <a:cs typeface="Courier New"/>
+                <a:sym typeface="Courier New"/>
+              </a:rPr>
+              <a:t>dirk@host$ git config -local user.email "dirk@riehle.org"</a:t>
             </a:r>
             <a:endParaRPr sz="1500">
               <a:latin typeface="Courier New"/>
@@ -20970,7 +21032,7 @@
   <p:cSld>
     <p:spTree>
       <p:nvGrpSpPr>
-        <p:cNvPr id="300" name="Shape 300"/>
+        <p:cNvPr id="298" name="Shape 298"/>
         <p:cNvGrpSpPr/>
         <p:nvPr/>
       </p:nvGrpSpPr>
@@ -20984,7 +21046,7 @@
       </p:grpSpPr>
       <p:sp>
         <p:nvSpPr>
-          <p:cNvPr id="301" name="Google Shape;301;p47"/>
+          <p:cNvPr id="299" name="Google Shape;299;p47"/>
           <p:cNvSpPr txBox="1"/>
           <p:nvPr>
             <p:ph type="title"/>
@@ -21016,7 +21078,7 @@
             </a:pPr>
             <a:r>
               <a:rPr lang="en"/>
-              <a:t>Pair Programming</a:t>
+              <a:t>Git Commit Sign-off</a:t>
             </a:r>
             <a:endParaRPr/>
           </a:p>
@@ -21024,7 +21086,7 @@
       </p:sp>
       <p:sp>
         <p:nvSpPr>
-          <p:cNvPr id="302" name="Google Shape;302;p47"/>
+          <p:cNvPr id="300" name="Google Shape;300;p47"/>
           <p:cNvSpPr txBox="1"/>
           <p:nvPr>
             <p:ph idx="1" type="body"/>
@@ -21056,7 +21118,7 @@
             </a:pPr>
             <a:r>
               <a:rPr lang="en"/>
-              <a:t>If you are pair programming, please make sure you document this in your commits</a:t>
+              <a:t>Please sign-off on your commits as your work using –signoff</a:t>
             </a:r>
             <a:endParaRPr/>
           </a:p>
@@ -21066,127 +21128,13 @@
                 <a:spcPts val="1200"/>
               </a:spcBef>
               <a:spcAft>
-                <a:spcPts val="0"/>
-              </a:spcAft>
-              <a:buNone/>
-            </a:pPr>
-            <a:r>
-              <a:rPr lang="en"/>
-              <a:t>Add “Co-authored-by:” to commit message and using </a:t>
-            </a:r>
-            <a:r>
-              <a:rPr b="1" lang="en"/>
-              <a:t>the correct email address</a:t>
-            </a:r>
-            <a:endParaRPr b="1"/>
-          </a:p>
-          <a:p>
-            <a:pPr indent="0" lvl="0" marL="0" rtl="0" algn="l">
-              <a:spcBef>
                 <a:spcPts val="1200"/>
-              </a:spcBef>
-              <a:spcAft>
-                <a:spcPts val="0"/>
-              </a:spcAft>
-              <a:buNone/>
-            </a:pPr>
-            <a:r>
-              <a:rPr lang="en"/>
-              <a:t>Please d</a:t>
-            </a:r>
-            <a:r>
-              <a:rPr lang="en"/>
-              <a:t>ouble-check the syntax (otherwise co-authorship will not be recognized)</a:t>
-            </a:r>
-            <a:endParaRPr/>
-          </a:p>
-          <a:p>
-            <a:pPr indent="0" lvl="0" marL="0" rtl="0" algn="l">
-              <a:spcBef>
-                <a:spcPts val="1200"/>
-              </a:spcBef>
-              <a:spcAft>
-                <a:spcPts val="0"/>
-              </a:spcAft>
-              <a:buNone/>
-            </a:pPr>
-            <a:r>
-              <a:t/>
-            </a:r>
-            <a:endParaRPr/>
-          </a:p>
-          <a:p>
-            <a:pPr indent="0" lvl="0" marL="0" rtl="0" algn="l">
-              <a:spcBef>
-                <a:spcPts val="1200"/>
-              </a:spcBef>
-              <a:spcAft>
-                <a:spcPts val="0"/>
-              </a:spcAft>
-              <a:buNone/>
-            </a:pPr>
-            <a:r>
-              <a:t/>
-            </a:r>
-            <a:endParaRPr/>
-          </a:p>
-          <a:p>
-            <a:pPr indent="0" lvl="0" marL="0" rtl="0" algn="l">
-              <a:spcBef>
-                <a:spcPts val="1200"/>
-              </a:spcBef>
-              <a:spcAft>
-                <a:spcPts val="0"/>
-              </a:spcAft>
-              <a:buNone/>
-            </a:pPr>
-            <a:r>
-              <a:t/>
-            </a:r>
-            <a:endParaRPr/>
-          </a:p>
-          <a:p>
-            <a:pPr indent="0" lvl="0" marL="0" rtl="0" algn="l">
-              <a:spcBef>
-                <a:spcPts val="1200"/>
-              </a:spcBef>
-              <a:spcAft>
-                <a:spcPts val="0"/>
-              </a:spcAft>
-              <a:buNone/>
-            </a:pPr>
-            <a:r>
-              <a:rPr b="1" lang="en"/>
-              <a:t>Each co-authored-by needs to be on its own line to be recognized</a:t>
-            </a:r>
-            <a:endParaRPr b="1"/>
-          </a:p>
-          <a:p>
-            <a:pPr indent="0" lvl="0" marL="0" rtl="0" algn="l">
-              <a:spcBef>
-                <a:spcPts val="1200"/>
-              </a:spcBef>
-              <a:spcAft>
-                <a:spcPts val="1200"/>
-              </a:spcAft>
-              <a:buNone/>
-            </a:pPr>
-            <a:r>
-              <a:rPr lang="en"/>
-              <a:t>Please find </a:t>
-            </a:r>
-            <a:r>
-              <a:rPr lang="en" u="sng">
-                <a:solidFill>
-                  <a:schemeClr val="hlink"/>
-                </a:solidFill>
-                <a:hlinkClick r:id="rId3"/>
-              </a:rPr>
-              <a:t>more information on GitHub</a:t>
-            </a:r>
-            <a:r>
-              <a:rPr lang="en"/>
-              <a:t> </a:t>
+              </a:spcAft>
+              <a:buNone/>
+            </a:pPr>
+            <a:r>
+              <a:rPr lang="en"/>
+              <a:t>This will add your name and email address to the commit message</a:t>
             </a:r>
             <a:endParaRPr/>
           </a:p>
@@ -21194,7 +21142,7 @@
       </p:sp>
       <p:sp>
         <p:nvSpPr>
-          <p:cNvPr id="303" name="Google Shape;303;p47"/>
+          <p:cNvPr id="301" name="Google Shape;301;p47"/>
           <p:cNvSpPr txBox="1"/>
           <p:nvPr>
             <p:ph idx="12" type="sldNum"/>
@@ -21245,7 +21193,7 @@
                 <a:solidFill>
                   <a:schemeClr val="hlink"/>
                 </a:solidFill>
-                <a:hlinkClick r:id="rId4"/>
+                <a:hlinkClick r:id="rId3"/>
               </a:rPr>
               <a:t>https://profriehle.com</a:t>
             </a:r>
@@ -21263,13 +21211,13 @@
       </p:sp>
       <p:sp>
         <p:nvSpPr>
-          <p:cNvPr id="304" name="Google Shape;304;p47"/>
+          <p:cNvPr id="302" name="Google Shape;302;p47"/>
           <p:cNvSpPr txBox="1"/>
           <p:nvPr/>
         </p:nvSpPr>
         <p:spPr>
           <a:xfrm>
-            <a:off x="274320" y="2286000"/>
+            <a:off x="274320" y="1828800"/>
             <a:ext cx="8595300" cy="1371600"/>
           </a:xfrm>
           <a:prstGeom prst="rect">
@@ -21307,81 +21255,7 @@
                 <a:cs typeface="Courier New"/>
                 <a:sym typeface="Courier New"/>
               </a:rPr>
-              <a:t>dirk@host$ git commit -a -m "Fixed problem</a:t>
-            </a:r>
-            <a:endParaRPr sz="1500">
-              <a:latin typeface="Courier New"/>
-              <a:ea typeface="Courier New"/>
-              <a:cs typeface="Courier New"/>
-              <a:sym typeface="Courier New"/>
-            </a:endParaRPr>
-          </a:p>
-          <a:p>
-            <a:pPr indent="0" lvl="0" marL="0" rtl="0" algn="l">
-              <a:lnSpc>
-                <a:spcPct val="115000"/>
-              </a:lnSpc>
-              <a:spcBef>
-                <a:spcPts val="0"/>
-              </a:spcBef>
-              <a:spcAft>
-                <a:spcPts val="0"/>
-              </a:spcAft>
-              <a:buNone/>
-            </a:pPr>
-            <a:r>
-              <a:rPr lang="en" sz="1500">
-                <a:latin typeface="Courier New"/>
-                <a:ea typeface="Courier New"/>
-                <a:cs typeface="Courier New"/>
-                <a:sym typeface="Courier New"/>
-              </a:rPr>
-              <a:t>&gt; Co-authored-by: Stefan Buchner &lt;</a:t>
-            </a:r>
-            <a:r>
-              <a:rPr lang="en" sz="1500" u="sng">
-                <a:solidFill>
-                  <a:schemeClr val="hlink"/>
-                </a:solidFill>
-                <a:latin typeface="Courier New"/>
-                <a:ea typeface="Courier New"/>
-                <a:cs typeface="Courier New"/>
-                <a:sym typeface="Courier New"/>
-                <a:hlinkClick r:id="rId5"/>
-              </a:rPr>
-              <a:t>stefan.buchner@fau.de</a:t>
-            </a:r>
-            <a:r>
-              <a:rPr lang="en" sz="1500">
-                <a:latin typeface="Courier New"/>
-                <a:ea typeface="Courier New"/>
-                <a:cs typeface="Courier New"/>
-                <a:sym typeface="Courier New"/>
-              </a:rPr>
-              <a:t>&gt;</a:t>
-            </a:r>
-            <a:endParaRPr sz="1500">
-              <a:latin typeface="Courier New"/>
-              <a:ea typeface="Courier New"/>
-              <a:cs typeface="Courier New"/>
-              <a:sym typeface="Courier New"/>
-            </a:endParaRPr>
-          </a:p>
-          <a:p>
-            <a:pPr indent="0" lvl="0" marL="0" rtl="0" algn="l">
-              <a:lnSpc>
-                <a:spcPct val="115000"/>
-              </a:lnSpc>
-              <a:spcBef>
-                <a:spcPts val="0"/>
-              </a:spcBef>
-              <a:spcAft>
-                <a:spcPts val="0"/>
-              </a:spcAft>
-              <a:buNone/>
-            </a:pPr>
-            <a:r>
-              <a:t/>
+              <a:t>dirk@host$ git commit -m "Fixed issue #123" --signoff</a:t>
             </a:r>
             <a:endParaRPr sz="1500">
               <a:latin typeface="Courier New"/>
@@ -21405,7 +21279,7 @@
   <p:cSld>
     <p:spTree>
       <p:nvGrpSpPr>
-        <p:cNvPr id="308" name="Shape 308"/>
+        <p:cNvPr id="306" name="Shape 306"/>
         <p:cNvGrpSpPr/>
         <p:nvPr/>
       </p:nvGrpSpPr>
@@ -21419,7 +21293,7 @@
       </p:grpSpPr>
       <p:sp>
         <p:nvSpPr>
-          <p:cNvPr id="309" name="Google Shape;309;p48"/>
+          <p:cNvPr id="307" name="Google Shape;307;p48"/>
           <p:cNvSpPr txBox="1"/>
           <p:nvPr>
             <p:ph type="title"/>
@@ -21451,7 +21325,7 @@
             </a:pPr>
             <a:r>
               <a:rPr lang="en"/>
-              <a:t>The AMOS Project Licenses</a:t>
+              <a:t>Pair Programming</a:t>
             </a:r>
             <a:endParaRPr/>
           </a:p>
@@ -21459,7 +21333,7 @@
       </p:sp>
       <p:sp>
         <p:nvSpPr>
-          <p:cNvPr id="310" name="Google Shape;310;p48"/>
+          <p:cNvPr id="308" name="Google Shape;308;p48"/>
           <p:cNvSpPr txBox="1"/>
           <p:nvPr>
             <p:ph idx="1" type="body"/>
@@ -21491,24 +21365,140 @@
             </a:pPr>
             <a:r>
               <a:rPr lang="en"/>
-              <a:t>For source code, we use the MIT license</a:t>
-            </a:r>
-            <a:endParaRPr/>
-          </a:p>
-          <a:p>
-            <a:pPr indent="-342900" lvl="0" marL="457200" rtl="0" algn="l">
+              <a:t>If you are pair programming, please make sure you document this in your commits</a:t>
+            </a:r>
+            <a:endParaRPr/>
+          </a:p>
+          <a:p>
+            <a:pPr indent="0" lvl="0" marL="0" rtl="0" algn="l">
               <a:spcBef>
                 <a:spcPts val="1200"/>
               </a:spcBef>
               <a:spcAft>
                 <a:spcPts val="0"/>
               </a:spcAft>
-              <a:buSzPts val="1800"/>
-              <a:buChar char="●"/>
-            </a:pPr>
-            <a:r>
-              <a:rPr lang="en"/>
-              <a:t>See </a:t>
+              <a:buNone/>
+            </a:pPr>
+            <a:r>
+              <a:rPr lang="en"/>
+              <a:t>Add “Co-authored-by:” to commit message using </a:t>
+            </a:r>
+            <a:r>
+              <a:rPr b="1" lang="en"/>
+              <a:t>the correct email address</a:t>
+            </a:r>
+            <a:endParaRPr b="1"/>
+          </a:p>
+          <a:p>
+            <a:pPr indent="0" lvl="0" marL="0" rtl="0" algn="l">
+              <a:spcBef>
+                <a:spcPts val="1200"/>
+              </a:spcBef>
+              <a:spcAft>
+                <a:spcPts val="0"/>
+              </a:spcAft>
+              <a:buNone/>
+            </a:pPr>
+            <a:r>
+              <a:rPr lang="en"/>
+              <a:t>Please d</a:t>
+            </a:r>
+            <a:r>
+              <a:rPr lang="en"/>
+              <a:t>ouble-check the syntax (otherwise co-authorship will not be recognized)</a:t>
+            </a:r>
+            <a:endParaRPr/>
+          </a:p>
+          <a:p>
+            <a:pPr indent="0" lvl="0" marL="0" rtl="0" algn="l">
+              <a:spcBef>
+                <a:spcPts val="1200"/>
+              </a:spcBef>
+              <a:spcAft>
+                <a:spcPts val="0"/>
+              </a:spcAft>
+              <a:buNone/>
+            </a:pPr>
+            <a:r>
+              <a:t/>
+            </a:r>
+            <a:endParaRPr/>
+          </a:p>
+          <a:p>
+            <a:pPr indent="0" lvl="0" marL="0" rtl="0" algn="l">
+              <a:spcBef>
+                <a:spcPts val="1200"/>
+              </a:spcBef>
+              <a:spcAft>
+                <a:spcPts val="0"/>
+              </a:spcAft>
+              <a:buNone/>
+            </a:pPr>
+            <a:r>
+              <a:t/>
+            </a:r>
+            <a:endParaRPr/>
+          </a:p>
+          <a:p>
+            <a:pPr indent="0" lvl="0" marL="0" rtl="0" algn="l">
+              <a:spcBef>
+                <a:spcPts val="1200"/>
+              </a:spcBef>
+              <a:spcAft>
+                <a:spcPts val="0"/>
+              </a:spcAft>
+              <a:buNone/>
+            </a:pPr>
+            <a:r>
+              <a:t/>
+            </a:r>
+            <a:endParaRPr/>
+          </a:p>
+          <a:p>
+            <a:pPr indent="0" lvl="0" marL="0" rtl="0" algn="l">
+              <a:spcBef>
+                <a:spcPts val="1200"/>
+              </a:spcBef>
+              <a:spcAft>
+                <a:spcPts val="0"/>
+              </a:spcAft>
+              <a:buNone/>
+            </a:pPr>
+            <a:r>
+              <a:rPr b="1" lang="en"/>
+              <a:t>Each co-authored-by needs to be on its own line to be recognized</a:t>
+            </a:r>
+            <a:endParaRPr b="1"/>
+          </a:p>
+          <a:p>
+            <a:pPr indent="0" lvl="0" marL="0" rtl="0" algn="l">
+              <a:spcBef>
+                <a:spcPts val="1200"/>
+              </a:spcBef>
+              <a:spcAft>
+                <a:spcPts val="0"/>
+              </a:spcAft>
+              <a:buNone/>
+            </a:pPr>
+            <a:r>
+              <a:rPr lang="en"/>
+              <a:t>Declaring collaboration in the feature board is not enough</a:t>
+            </a:r>
+            <a:endParaRPr/>
+          </a:p>
+          <a:p>
+            <a:pPr indent="0" lvl="0" marL="0" rtl="0" algn="l">
+              <a:spcBef>
+                <a:spcPts val="1200"/>
+              </a:spcBef>
+              <a:spcAft>
+                <a:spcPts val="1200"/>
+              </a:spcAft>
+              <a:buNone/>
+            </a:pPr>
+            <a:r>
+              <a:rPr lang="en"/>
+              <a:t>Please find </a:t>
             </a:r>
             <a:r>
               <a:rPr lang="en" u="sng">
@@ -21517,7 +21507,7 @@
                 </a:solidFill>
                 <a:hlinkClick r:id="rId3"/>
               </a:rPr>
-              <a:t>https://opensource.org/licenses/MIT</a:t>
+              <a:t>more information on GitHub</a:t>
             </a:r>
             <a:r>
               <a:rPr lang="en"/>
@@ -21525,72 +21515,11 @@
             </a:r>
             <a:endParaRPr/>
           </a:p>
-          <a:p>
-            <a:pPr indent="0" lvl="0" marL="0" rtl="0" algn="l">
-              <a:spcBef>
-                <a:spcPts val="1200"/>
-              </a:spcBef>
-              <a:spcAft>
-                <a:spcPts val="0"/>
-              </a:spcAft>
-              <a:buNone/>
-            </a:pPr>
-            <a:r>
-              <a:rPr lang="en"/>
-              <a:t>For other data, we use the CC BY 4.0 license</a:t>
-            </a:r>
-            <a:endParaRPr/>
-          </a:p>
-          <a:p>
-            <a:pPr indent="-342900" lvl="0" marL="457200" rtl="0" algn="l">
-              <a:spcBef>
-                <a:spcPts val="1200"/>
-              </a:spcBef>
-              <a:spcAft>
-                <a:spcPts val="0"/>
-              </a:spcAft>
-              <a:buSzPts val="1800"/>
-              <a:buChar char="●"/>
-            </a:pPr>
-            <a:r>
-              <a:rPr lang="en"/>
-              <a:t>See </a:t>
-            </a:r>
-            <a:r>
-              <a:rPr lang="en" u="sng">
-                <a:solidFill>
-                  <a:schemeClr val="hlink"/>
-                </a:solidFill>
-                <a:hlinkClick r:id="rId4"/>
-              </a:rPr>
-              <a:t>https://creativecommons.org/licenses/by/4.0/</a:t>
-            </a:r>
-            <a:r>
-              <a:rPr lang="en"/>
-              <a:t> </a:t>
-            </a:r>
-            <a:endParaRPr/>
-          </a:p>
-          <a:p>
-            <a:pPr indent="0" lvl="0" marL="0" rtl="0" algn="l">
-              <a:spcBef>
-                <a:spcPts val="1200"/>
-              </a:spcBef>
-              <a:spcAft>
-                <a:spcPts val="1200"/>
-              </a:spcAft>
-              <a:buNone/>
-            </a:pPr>
-            <a:r>
-              <a:t/>
-            </a:r>
-            <a:endParaRPr/>
-          </a:p>
         </p:txBody>
       </p:sp>
       <p:sp>
         <p:nvSpPr>
-          <p:cNvPr id="311" name="Google Shape;311;p48"/>
+          <p:cNvPr id="309" name="Google Shape;309;p48"/>
           <p:cNvSpPr txBox="1"/>
           <p:nvPr>
             <p:ph idx="12" type="sldNum"/>
@@ -21641,7 +21570,7 @@
                 <a:solidFill>
                   <a:schemeClr val="hlink"/>
                 </a:solidFill>
-                <a:hlinkClick r:id="rId5"/>
+                <a:hlinkClick r:id="rId4"/>
               </a:rPr>
               <a:t>https://profriehle.com</a:t>
             </a:r>
@@ -21654,6 +21583,137 @@
               <a:t> </a:t>
             </a:r>
             <a:endParaRPr/>
+          </a:p>
+        </p:txBody>
+      </p:sp>
+      <p:sp>
+        <p:nvSpPr>
+          <p:cNvPr id="310" name="Google Shape;310;p48"/>
+          <p:cNvSpPr txBox="1"/>
+          <p:nvPr/>
+        </p:nvSpPr>
+        <p:spPr>
+          <a:xfrm>
+            <a:off x="274320" y="2286000"/>
+            <a:ext cx="8595300" cy="1371600"/>
+          </a:xfrm>
+          <a:prstGeom prst="rect">
+            <a:avLst/>
+          </a:prstGeom>
+          <a:solidFill>
+            <a:schemeClr val="accent1"/>
+          </a:solidFill>
+          <a:ln>
+            <a:noFill/>
+          </a:ln>
+        </p:spPr>
+        <p:txBody>
+          <a:bodyPr anchorCtr="0" anchor="t" bIns="91425" lIns="91425" spcFirstLastPara="1" rIns="91425" wrap="square" tIns="91425">
+            <a:noAutofit/>
+          </a:bodyPr>
+          <a:lstStyle/>
+          <a:p>
+            <a:pPr indent="0" lvl="0" marL="0" rtl="0" algn="l">
+              <a:lnSpc>
+                <a:spcPct val="115000"/>
+              </a:lnSpc>
+              <a:spcBef>
+                <a:spcPts val="0"/>
+              </a:spcBef>
+              <a:spcAft>
+                <a:spcPts val="0"/>
+              </a:spcAft>
+              <a:buNone/>
+            </a:pPr>
+            <a:r>
+              <a:rPr lang="en" sz="1500">
+                <a:latin typeface="Courier New"/>
+                <a:ea typeface="Courier New"/>
+                <a:cs typeface="Courier New"/>
+                <a:sym typeface="Courier New"/>
+              </a:rPr>
+              <a:t>dirk@host$ git commit -a -m "Fixed problem</a:t>
+            </a:r>
+            <a:endParaRPr sz="1500">
+              <a:latin typeface="Courier New"/>
+              <a:ea typeface="Courier New"/>
+              <a:cs typeface="Courier New"/>
+              <a:sym typeface="Courier New"/>
+            </a:endParaRPr>
+          </a:p>
+          <a:p>
+            <a:pPr indent="0" lvl="0" marL="0" rtl="0" algn="l">
+              <a:lnSpc>
+                <a:spcPct val="115000"/>
+              </a:lnSpc>
+              <a:spcBef>
+                <a:spcPts val="0"/>
+              </a:spcBef>
+              <a:spcAft>
+                <a:spcPts val="0"/>
+              </a:spcAft>
+              <a:buNone/>
+            </a:pPr>
+            <a:r>
+              <a:rPr lang="en" sz="1500">
+                <a:latin typeface="Courier New"/>
+                <a:ea typeface="Courier New"/>
+                <a:cs typeface="Courier New"/>
+                <a:sym typeface="Courier New"/>
+              </a:rPr>
+              <a:t>&gt; Co-authored-by: Stefan Buchner &lt;</a:t>
+            </a:r>
+            <a:r>
+              <a:rPr lang="en" sz="1500" u="sng">
+                <a:solidFill>
+                  <a:schemeClr val="hlink"/>
+                </a:solidFill>
+                <a:latin typeface="Courier New"/>
+                <a:ea typeface="Courier New"/>
+                <a:cs typeface="Courier New"/>
+                <a:sym typeface="Courier New"/>
+                <a:hlinkClick r:id="rId5"/>
+              </a:rPr>
+              <a:t>stefan.buchner@fau.de</a:t>
+            </a:r>
+            <a:r>
+              <a:rPr lang="en" sz="1500">
+                <a:latin typeface="Courier New"/>
+                <a:ea typeface="Courier New"/>
+                <a:cs typeface="Courier New"/>
+                <a:sym typeface="Courier New"/>
+              </a:rPr>
+              <a:t>&gt;</a:t>
+            </a:r>
+            <a:endParaRPr sz="1500">
+              <a:latin typeface="Courier New"/>
+              <a:ea typeface="Courier New"/>
+              <a:cs typeface="Courier New"/>
+              <a:sym typeface="Courier New"/>
+            </a:endParaRPr>
+          </a:p>
+          <a:p>
+            <a:pPr indent="0" lvl="0" marL="0" rtl="0" algn="l">
+              <a:lnSpc>
+                <a:spcPct val="115000"/>
+              </a:lnSpc>
+              <a:spcBef>
+                <a:spcPts val="0"/>
+              </a:spcBef>
+              <a:spcAft>
+                <a:spcPts val="0"/>
+              </a:spcAft>
+              <a:buNone/>
+            </a:pPr>
+            <a:r>
+              <a:t/>
+            </a:r>
+            <a:endParaRPr sz="1500">
+              <a:latin typeface="Courier New"/>
+              <a:ea typeface="Courier New"/>
+              <a:cs typeface="Courier New"/>
+              <a:sym typeface="Courier New"/>
+            </a:endParaRPr>
           </a:p>
         </p:txBody>
       </p:sp>
@@ -21670,7 +21730,7 @@
   <p:cSld>
     <p:spTree>
       <p:nvGrpSpPr>
-        <p:cNvPr id="315" name="Shape 315"/>
+        <p:cNvPr id="314" name="Shape 314"/>
         <p:cNvGrpSpPr/>
         <p:nvPr/>
       </p:nvGrpSpPr>
@@ -21684,7 +21744,7 @@
       </p:grpSpPr>
       <p:sp>
         <p:nvSpPr>
-          <p:cNvPr id="316" name="Google Shape;316;p49"/>
+          <p:cNvPr id="315" name="Google Shape;315;p49"/>
           <p:cNvSpPr txBox="1"/>
           <p:nvPr>
             <p:ph type="title"/>
@@ -21716,7 +21776,7 @@
             </a:pPr>
             <a:r>
               <a:rPr lang="en"/>
-              <a:t>License and Copyright Declaration in Files</a:t>
+              <a:t>The AMOS Project Licenses</a:t>
             </a:r>
             <a:endParaRPr/>
           </a:p>
@@ -21724,7 +21784,7 @@
       </p:sp>
       <p:sp>
         <p:nvSpPr>
-          <p:cNvPr id="317" name="Google Shape;317;p49"/>
+          <p:cNvPr id="316" name="Google Shape;316;p49"/>
           <p:cNvSpPr txBox="1"/>
           <p:nvPr>
             <p:ph idx="1" type="body"/>
@@ -21750,13 +21810,104 @@
                 <a:spcPts val="0"/>
               </a:spcBef>
               <a:spcAft>
+                <a:spcPts val="0"/>
+              </a:spcAft>
+              <a:buNone/>
+            </a:pPr>
+            <a:r>
+              <a:rPr lang="en"/>
+              <a:t>For source code, we use the MIT license</a:t>
+            </a:r>
+            <a:endParaRPr/>
+          </a:p>
+          <a:p>
+            <a:pPr indent="-342900" lvl="0" marL="457200" rtl="0" algn="l">
+              <a:spcBef>
                 <a:spcPts val="1200"/>
-              </a:spcAft>
-              <a:buNone/>
-            </a:pPr>
-            <a:r>
-              <a:rPr lang="en"/>
-              <a:t>Please use the REUSE SOFTWARE [1] format to declare license and copyright</a:t>
+              </a:spcBef>
+              <a:spcAft>
+                <a:spcPts val="0"/>
+              </a:spcAft>
+              <a:buSzPts val="1800"/>
+              <a:buChar char="●"/>
+            </a:pPr>
+            <a:r>
+              <a:rPr lang="en"/>
+              <a:t>See </a:t>
+            </a:r>
+            <a:r>
+              <a:rPr lang="en" u="sng">
+                <a:solidFill>
+                  <a:schemeClr val="hlink"/>
+                </a:solidFill>
+                <a:hlinkClick r:id="rId3"/>
+              </a:rPr>
+              <a:t>https://opensource.org/licenses/MIT</a:t>
+            </a:r>
+            <a:r>
+              <a:rPr lang="en"/>
+              <a:t> </a:t>
+            </a:r>
+            <a:endParaRPr/>
+          </a:p>
+          <a:p>
+            <a:pPr indent="0" lvl="0" marL="0" rtl="0" algn="l">
+              <a:spcBef>
+                <a:spcPts val="1200"/>
+              </a:spcBef>
+              <a:spcAft>
+                <a:spcPts val="0"/>
+              </a:spcAft>
+              <a:buNone/>
+            </a:pPr>
+            <a:r>
+              <a:rPr lang="en"/>
+              <a:t>For other data, we use the CC BY 4.0 license</a:t>
+            </a:r>
+            <a:endParaRPr/>
+          </a:p>
+          <a:p>
+            <a:pPr indent="-342900" lvl="0" marL="457200" rtl="0" algn="l">
+              <a:spcBef>
+                <a:spcPts val="1200"/>
+              </a:spcBef>
+              <a:spcAft>
+                <a:spcPts val="0"/>
+              </a:spcAft>
+              <a:buSzPts val="1800"/>
+              <a:buChar char="●"/>
+            </a:pPr>
+            <a:r>
+              <a:rPr lang="en"/>
+              <a:t>See </a:t>
+            </a:r>
+            <a:r>
+              <a:rPr lang="en" u="sng">
+                <a:solidFill>
+                  <a:schemeClr val="hlink"/>
+                </a:solidFill>
+                <a:hlinkClick r:id="rId4"/>
+              </a:rPr>
+              <a:t>https://creativecommons.org/licenses/by/4.0/</a:t>
+            </a:r>
+            <a:r>
+              <a:rPr lang="en"/>
+              <a:t> </a:t>
+            </a:r>
+            <a:endParaRPr/>
+          </a:p>
+          <a:p>
+            <a:pPr indent="0" lvl="0" marL="0" rtl="0" algn="l">
+              <a:spcBef>
+                <a:spcPts val="1200"/>
+              </a:spcBef>
+              <a:spcAft>
+                <a:spcPts val="1200"/>
+              </a:spcAft>
+              <a:buNone/>
+            </a:pPr>
+            <a:r>
+              <a:t/>
             </a:r>
             <a:endParaRPr/>
           </a:p>
@@ -21764,7 +21915,7 @@
       </p:sp>
       <p:sp>
         <p:nvSpPr>
-          <p:cNvPr id="318" name="Google Shape;318;p49"/>
+          <p:cNvPr id="317" name="Google Shape;317;p49"/>
           <p:cNvSpPr txBox="1"/>
           <p:nvPr>
             <p:ph idx="12" type="sldNum"/>
@@ -21815,7 +21966,7 @@
                 <a:solidFill>
                   <a:schemeClr val="hlink"/>
                 </a:solidFill>
-                <a:hlinkClick r:id="rId3"/>
+                <a:hlinkClick r:id="rId5"/>
               </a:rPr>
               <a:t>https://profriehle.com</a:t>
             </a:r>
@@ -21828,176 +21979,6 @@
               <a:t> </a:t>
             </a:r>
             <a:endParaRPr/>
-          </a:p>
-        </p:txBody>
-      </p:sp>
-      <p:sp>
-        <p:nvSpPr>
-          <p:cNvPr id="319" name="Google Shape;319;p49"/>
-          <p:cNvSpPr txBox="1"/>
-          <p:nvPr/>
-        </p:nvSpPr>
-        <p:spPr>
-          <a:xfrm>
-            <a:off x="0" y="4416552"/>
-            <a:ext cx="7315200" cy="731400"/>
-          </a:xfrm>
-          <a:prstGeom prst="rect">
-            <a:avLst/>
-          </a:prstGeom>
-          <a:noFill/>
-          <a:ln>
-            <a:noFill/>
-          </a:ln>
-        </p:spPr>
-        <p:txBody>
-          <a:bodyPr anchorCtr="0" anchor="b" bIns="91425" lIns="91425" spcFirstLastPara="1" rIns="91425" wrap="square" tIns="91425">
-            <a:noAutofit/>
-          </a:bodyPr>
-          <a:lstStyle/>
-          <a:p>
-            <a:pPr indent="0" lvl="0" marL="0" rtl="0" algn="l">
-              <a:spcBef>
-                <a:spcPts val="0"/>
-              </a:spcBef>
-              <a:spcAft>
-                <a:spcPts val="0"/>
-              </a:spcAft>
-              <a:buNone/>
-            </a:pPr>
-            <a:r>
-              <a:rPr lang="en"/>
-              <a:t>[1] See </a:t>
-            </a:r>
-            <a:r>
-              <a:rPr lang="en" u="sng">
-                <a:solidFill>
-                  <a:schemeClr val="hlink"/>
-                </a:solidFill>
-                <a:hlinkClick r:id="rId4"/>
-              </a:rPr>
-              <a:t>https://reuse.software/</a:t>
-            </a:r>
-            <a:r>
-              <a:rPr lang="en"/>
-              <a:t> </a:t>
-            </a:r>
-            <a:endParaRPr/>
-          </a:p>
-        </p:txBody>
-      </p:sp>
-      <p:sp>
-        <p:nvSpPr>
-          <p:cNvPr id="320" name="Google Shape;320;p49"/>
-          <p:cNvSpPr txBox="1"/>
-          <p:nvPr/>
-        </p:nvSpPr>
-        <p:spPr>
-          <a:xfrm>
-            <a:off x="274320" y="1371600"/>
-            <a:ext cx="8595300" cy="1371600"/>
-          </a:xfrm>
-          <a:prstGeom prst="rect">
-            <a:avLst/>
-          </a:prstGeom>
-          <a:solidFill>
-            <a:schemeClr val="accent1"/>
-          </a:solidFill>
-          <a:ln>
-            <a:noFill/>
-          </a:ln>
-        </p:spPr>
-        <p:txBody>
-          <a:bodyPr anchorCtr="0" anchor="t" bIns="91425" lIns="91425" spcFirstLastPara="1" rIns="91425" wrap="square" tIns="91425">
-            <a:noAutofit/>
-          </a:bodyPr>
-          <a:lstStyle/>
-          <a:p>
-            <a:pPr indent="0" lvl="0" marL="0" rtl="0" algn="l">
-              <a:lnSpc>
-                <a:spcPct val="115000"/>
-              </a:lnSpc>
-              <a:spcBef>
-                <a:spcPts val="0"/>
-              </a:spcBef>
-              <a:spcAft>
-                <a:spcPts val="0"/>
-              </a:spcAft>
-              <a:buNone/>
-            </a:pPr>
-            <a:r>
-              <a:rPr lang="en" sz="1500">
-                <a:latin typeface="Courier New"/>
-                <a:ea typeface="Courier New"/>
-                <a:cs typeface="Courier New"/>
-                <a:sym typeface="Courier New"/>
-              </a:rPr>
-              <a:t>// SPDX-License-Identifier: MIT</a:t>
-            </a:r>
-            <a:endParaRPr sz="1500">
-              <a:latin typeface="Courier New"/>
-              <a:ea typeface="Courier New"/>
-              <a:cs typeface="Courier New"/>
-              <a:sym typeface="Courier New"/>
-            </a:endParaRPr>
-          </a:p>
-          <a:p>
-            <a:pPr indent="0" lvl="0" marL="0" rtl="0" algn="l">
-              <a:lnSpc>
-                <a:spcPct val="115000"/>
-              </a:lnSpc>
-              <a:spcBef>
-                <a:spcPts val="0"/>
-              </a:spcBef>
-              <a:spcAft>
-                <a:spcPts val="0"/>
-              </a:spcAft>
-              <a:buNone/>
-            </a:pPr>
-            <a:r>
-              <a:rPr lang="en" sz="1500">
-                <a:latin typeface="Courier New"/>
-                <a:ea typeface="Courier New"/>
-                <a:cs typeface="Courier New"/>
-                <a:sym typeface="Courier New"/>
-              </a:rPr>
-              <a:t>// SPDX-FileCopyrightText: 2010-2021 Dirk Riehle &lt;dirk@riehle.org&gt;</a:t>
-            </a:r>
-            <a:endParaRPr sz="1500">
-              <a:latin typeface="Courier New"/>
-              <a:ea typeface="Courier New"/>
-              <a:cs typeface="Courier New"/>
-              <a:sym typeface="Courier New"/>
-            </a:endParaRPr>
-          </a:p>
-          <a:p>
-            <a:pPr indent="0" lvl="0" marL="0" rtl="0" algn="l">
-              <a:lnSpc>
-                <a:spcPct val="115000"/>
-              </a:lnSpc>
-              <a:spcBef>
-                <a:spcPts val="0"/>
-              </a:spcBef>
-              <a:spcAft>
-                <a:spcPts val="0"/>
-              </a:spcAft>
-              <a:buNone/>
-            </a:pPr>
-            <a:r>
-              <a:rPr lang="en" sz="1500">
-                <a:latin typeface="Courier New"/>
-                <a:ea typeface="Courier New"/>
-                <a:cs typeface="Courier New"/>
-                <a:sym typeface="Courier New"/>
-              </a:rPr>
-              <a:t>// SPDX-FileCopyrightText: 2019 Georg Schwarz &lt;georg.schwarz@fau.de&gt;</a:t>
-            </a:r>
-            <a:endParaRPr sz="1500">
-              <a:latin typeface="Courier New"/>
-              <a:ea typeface="Courier New"/>
-              <a:cs typeface="Courier New"/>
-              <a:sym typeface="Courier New"/>
-            </a:endParaRPr>
           </a:p>
         </p:txBody>
       </p:sp>
@@ -22014,7 +21995,7 @@
   <p:cSld>
     <p:spTree>
       <p:nvGrpSpPr>
-        <p:cNvPr id="324" name="Shape 324"/>
+        <p:cNvPr id="321" name="Shape 321"/>
         <p:cNvGrpSpPr/>
         <p:nvPr/>
       </p:nvGrpSpPr>
@@ -22028,7 +22009,7 @@
       </p:grpSpPr>
       <p:sp>
         <p:nvSpPr>
-          <p:cNvPr id="325" name="Google Shape;325;p50"/>
+          <p:cNvPr id="322" name="Google Shape;322;p50"/>
           <p:cNvSpPr txBox="1"/>
           <p:nvPr>
             <p:ph type="title"/>
@@ -22060,7 +22041,7 @@
             </a:pPr>
             <a:r>
               <a:rPr lang="en"/>
-              <a:t>Open Source Governance</a:t>
+              <a:t>License and Copyright Declaration in Files</a:t>
             </a:r>
             <a:endParaRPr/>
           </a:p>
@@ -22068,7 +22049,7 @@
       </p:sp>
       <p:sp>
         <p:nvSpPr>
-          <p:cNvPr id="326" name="Google Shape;326;p50"/>
+          <p:cNvPr id="323" name="Google Shape;323;p50"/>
           <p:cNvSpPr txBox="1"/>
           <p:nvPr>
             <p:ph idx="1" type="body"/>
@@ -22094,113 +22075,13 @@
                 <a:spcPts val="0"/>
               </a:spcBef>
               <a:spcAft>
-                <a:spcPts val="0"/>
-              </a:spcAft>
-              <a:buNone/>
-            </a:pPr>
-            <a:r>
-              <a:rPr lang="en"/>
-              <a:t>Do not add copyleft-licensed libraries to your project</a:t>
-            </a:r>
-            <a:endParaRPr/>
-          </a:p>
-          <a:p>
-            <a:pPr indent="0" lvl="0" marL="0" rtl="0" algn="l">
-              <a:spcBef>
                 <a:spcPts val="1200"/>
-              </a:spcBef>
-              <a:spcAft>
-                <a:spcPts val="0"/>
-              </a:spcAft>
-              <a:buNone/>
-            </a:pPr>
-            <a:r>
-              <a:rPr lang="en"/>
-              <a:t>Follow these rules of thumb on license choice</a:t>
-            </a:r>
-            <a:endParaRPr/>
-          </a:p>
-          <a:p>
-            <a:pPr indent="-342900" lvl="0" marL="457200" rtl="0" algn="l">
-              <a:spcBef>
-                <a:spcPts val="1200"/>
-              </a:spcBef>
-              <a:spcAft>
-                <a:spcPts val="0"/>
-              </a:spcAft>
-              <a:buSzPts val="1800"/>
-              <a:buChar char="●"/>
-            </a:pPr>
-            <a:r>
-              <a:rPr lang="en"/>
-              <a:t>OK: Permissive licenses (MIT, BSD, Apache)</a:t>
-            </a:r>
-            <a:endParaRPr/>
-          </a:p>
-          <a:p>
-            <a:pPr indent="-342900" lvl="0" marL="457200" rtl="0" algn="l">
-              <a:spcBef>
-                <a:spcPts val="0"/>
-              </a:spcBef>
-              <a:spcAft>
-                <a:spcPts val="0"/>
-              </a:spcAft>
-              <a:buSzPts val="1800"/>
-              <a:buChar char="●"/>
-            </a:pPr>
-            <a:r>
-              <a:rPr lang="en"/>
-              <a:t>May be OK: Weakly protective (a.k.a. “weak copyleft”)</a:t>
-            </a:r>
-            <a:endParaRPr/>
-          </a:p>
-          <a:p>
-            <a:pPr indent="-342900" lvl="0" marL="457200" rtl="0" algn="l">
-              <a:spcBef>
-                <a:spcPts val="0"/>
-              </a:spcBef>
-              <a:spcAft>
-                <a:spcPts val="0"/>
-              </a:spcAft>
-              <a:buSzPts val="1800"/>
-              <a:buChar char="●"/>
-            </a:pPr>
-            <a:r>
-              <a:rPr lang="en"/>
-              <a:t>Usually not OK: Strongly protective (a.k.a. “reciprocal” or “copyleft”)</a:t>
-            </a:r>
-            <a:endParaRPr/>
-          </a:p>
-          <a:p>
-            <a:pPr indent="-342900" lvl="0" marL="457200" rtl="0" algn="l">
-              <a:spcBef>
-                <a:spcPts val="0"/>
-              </a:spcBef>
-              <a:spcAft>
-                <a:spcPts val="0"/>
-              </a:spcAft>
-              <a:buSzPts val="1800"/>
-              <a:buChar char="●"/>
-            </a:pPr>
-            <a:r>
-              <a:rPr lang="en"/>
-              <a:t>Never OK: Non-software licenses, no license</a:t>
-            </a:r>
-            <a:endParaRPr/>
-          </a:p>
-          <a:p>
-            <a:pPr indent="0" lvl="0" marL="0" rtl="0" algn="l">
-              <a:spcBef>
-                <a:spcPts val="1200"/>
-              </a:spcBef>
-              <a:spcAft>
-                <a:spcPts val="1200"/>
-              </a:spcAft>
-              <a:buNone/>
-            </a:pPr>
-            <a:r>
-              <a:rPr lang="en"/>
-              <a:t>Professionals (i.e. companies) use code scanners to check</a:t>
+              </a:spcAft>
+              <a:buNone/>
+            </a:pPr>
+            <a:r>
+              <a:rPr lang="en"/>
+              <a:t>Please use the REUSE SOFTWARE [1] format to declare license and copyright</a:t>
             </a:r>
             <a:endParaRPr/>
           </a:p>
@@ -22208,7 +22089,7 @@
       </p:sp>
       <p:sp>
         <p:nvSpPr>
-          <p:cNvPr id="327" name="Google Shape;327;p50"/>
+          <p:cNvPr id="324" name="Google Shape;324;p50"/>
           <p:cNvSpPr txBox="1"/>
           <p:nvPr>
             <p:ph idx="12" type="sldNum"/>
@@ -22272,6 +22153,176 @@
               <a:t> </a:t>
             </a:r>
             <a:endParaRPr/>
+          </a:p>
+        </p:txBody>
+      </p:sp>
+      <p:sp>
+        <p:nvSpPr>
+          <p:cNvPr id="325" name="Google Shape;325;p50"/>
+          <p:cNvSpPr txBox="1"/>
+          <p:nvPr/>
+        </p:nvSpPr>
+        <p:spPr>
+          <a:xfrm>
+            <a:off x="0" y="4416552"/>
+            <a:ext cx="7315200" cy="731400"/>
+          </a:xfrm>
+          <a:prstGeom prst="rect">
+            <a:avLst/>
+          </a:prstGeom>
+          <a:noFill/>
+          <a:ln>
+            <a:noFill/>
+          </a:ln>
+        </p:spPr>
+        <p:txBody>
+          <a:bodyPr anchorCtr="0" anchor="b" bIns="91425" lIns="91425" spcFirstLastPara="1" rIns="91425" wrap="square" tIns="91425">
+            <a:noAutofit/>
+          </a:bodyPr>
+          <a:lstStyle/>
+          <a:p>
+            <a:pPr indent="0" lvl="0" marL="0" rtl="0" algn="l">
+              <a:spcBef>
+                <a:spcPts val="0"/>
+              </a:spcBef>
+              <a:spcAft>
+                <a:spcPts val="0"/>
+              </a:spcAft>
+              <a:buNone/>
+            </a:pPr>
+            <a:r>
+              <a:rPr lang="en"/>
+              <a:t>[1] See </a:t>
+            </a:r>
+            <a:r>
+              <a:rPr lang="en" u="sng">
+                <a:solidFill>
+                  <a:schemeClr val="hlink"/>
+                </a:solidFill>
+                <a:hlinkClick r:id="rId4"/>
+              </a:rPr>
+              <a:t>https://reuse.software/</a:t>
+            </a:r>
+            <a:r>
+              <a:rPr lang="en"/>
+              <a:t> </a:t>
+            </a:r>
+            <a:endParaRPr/>
+          </a:p>
+        </p:txBody>
+      </p:sp>
+      <p:sp>
+        <p:nvSpPr>
+          <p:cNvPr id="326" name="Google Shape;326;p50"/>
+          <p:cNvSpPr txBox="1"/>
+          <p:nvPr/>
+        </p:nvSpPr>
+        <p:spPr>
+          <a:xfrm>
+            <a:off x="274320" y="1371600"/>
+            <a:ext cx="8595300" cy="1371600"/>
+          </a:xfrm>
+          <a:prstGeom prst="rect">
+            <a:avLst/>
+          </a:prstGeom>
+          <a:solidFill>
+            <a:schemeClr val="accent1"/>
+          </a:solidFill>
+          <a:ln>
+            <a:noFill/>
+          </a:ln>
+        </p:spPr>
+        <p:txBody>
+          <a:bodyPr anchorCtr="0" anchor="t" bIns="91425" lIns="91425" spcFirstLastPara="1" rIns="91425" wrap="square" tIns="91425">
+            <a:noAutofit/>
+          </a:bodyPr>
+          <a:lstStyle/>
+          <a:p>
+            <a:pPr indent="0" lvl="0" marL="0" rtl="0" algn="l">
+              <a:lnSpc>
+                <a:spcPct val="115000"/>
+              </a:lnSpc>
+              <a:spcBef>
+                <a:spcPts val="0"/>
+              </a:spcBef>
+              <a:spcAft>
+                <a:spcPts val="0"/>
+              </a:spcAft>
+              <a:buNone/>
+            </a:pPr>
+            <a:r>
+              <a:rPr lang="en" sz="1500">
+                <a:latin typeface="Courier New"/>
+                <a:ea typeface="Courier New"/>
+                <a:cs typeface="Courier New"/>
+                <a:sym typeface="Courier New"/>
+              </a:rPr>
+              <a:t>// SPDX-License-Identifier: MIT</a:t>
+            </a:r>
+            <a:endParaRPr sz="1500">
+              <a:latin typeface="Courier New"/>
+              <a:ea typeface="Courier New"/>
+              <a:cs typeface="Courier New"/>
+              <a:sym typeface="Courier New"/>
+            </a:endParaRPr>
+          </a:p>
+          <a:p>
+            <a:pPr indent="0" lvl="0" marL="0" rtl="0" algn="l">
+              <a:lnSpc>
+                <a:spcPct val="115000"/>
+              </a:lnSpc>
+              <a:spcBef>
+                <a:spcPts val="0"/>
+              </a:spcBef>
+              <a:spcAft>
+                <a:spcPts val="0"/>
+              </a:spcAft>
+              <a:buNone/>
+            </a:pPr>
+            <a:r>
+              <a:rPr lang="en" sz="1500">
+                <a:latin typeface="Courier New"/>
+                <a:ea typeface="Courier New"/>
+                <a:cs typeface="Courier New"/>
+                <a:sym typeface="Courier New"/>
+              </a:rPr>
+              <a:t>// SPDX-FileCopyrightText: 2010-2021 Dirk Riehle &lt;dirk@riehle.org&gt;</a:t>
+            </a:r>
+            <a:endParaRPr sz="1500">
+              <a:latin typeface="Courier New"/>
+              <a:ea typeface="Courier New"/>
+              <a:cs typeface="Courier New"/>
+              <a:sym typeface="Courier New"/>
+            </a:endParaRPr>
+          </a:p>
+          <a:p>
+            <a:pPr indent="0" lvl="0" marL="0" rtl="0" algn="l">
+              <a:lnSpc>
+                <a:spcPct val="115000"/>
+              </a:lnSpc>
+              <a:spcBef>
+                <a:spcPts val="0"/>
+              </a:spcBef>
+              <a:spcAft>
+                <a:spcPts val="0"/>
+              </a:spcAft>
+              <a:buNone/>
+            </a:pPr>
+            <a:r>
+              <a:rPr lang="en" sz="1500">
+                <a:latin typeface="Courier New"/>
+                <a:ea typeface="Courier New"/>
+                <a:cs typeface="Courier New"/>
+                <a:sym typeface="Courier New"/>
+              </a:rPr>
+              <a:t>// SPDX-FileCopyrightText: 2019 Georg Schwarz &lt;georg.schwarz@fau.de&gt;</a:t>
+            </a:r>
+            <a:endParaRPr sz="1500">
+              <a:latin typeface="Courier New"/>
+              <a:ea typeface="Courier New"/>
+              <a:cs typeface="Courier New"/>
+              <a:sym typeface="Courier New"/>
+            </a:endParaRPr>
           </a:p>
         </p:txBody>
       </p:sp>
@@ -22288,7 +22339,7 @@
   <p:cSld>
     <p:spTree>
       <p:nvGrpSpPr>
-        <p:cNvPr id="331" name="Shape 331"/>
+        <p:cNvPr id="330" name="Shape 330"/>
         <p:cNvGrpSpPr/>
         <p:nvPr/>
       </p:nvGrpSpPr>
@@ -22300,61 +22351,65 @@
           <a:chExt cx="0" cy="0"/>
         </a:xfrm>
       </p:grpSpPr>
-      <p:pic>
-        <p:nvPicPr>
-          <p:cNvPr id="332" name="Google Shape;332;p51"/>
-          <p:cNvPicPr preferRelativeResize="0"/>
-          <p:nvPr/>
-        </p:nvPicPr>
-        <p:blipFill>
-          <a:blip r:embed="rId3">
-            <a:alphaModFix/>
-          </a:blip>
-          <a:stretch>
-            <a:fillRect/>
-          </a:stretch>
-        </p:blipFill>
-        <p:spPr>
-          <a:xfrm>
-            <a:off x="0" y="2601"/>
-            <a:ext cx="9144000" cy="5138284"/>
+      <p:sp>
+        <p:nvSpPr>
+          <p:cNvPr id="331" name="Google Shape;331;p51"/>
+          <p:cNvSpPr txBox="1"/>
+          <p:nvPr>
+            <p:ph type="title"/>
+          </p:nvPr>
+        </p:nvSpPr>
+        <p:spPr>
+          <a:xfrm>
+            <a:off x="0" y="0"/>
+            <a:ext cx="9144000" cy="685800"/>
           </a:xfrm>
           <a:prstGeom prst="rect">
             <a:avLst/>
           </a:prstGeom>
-          <a:noFill/>
-          <a:ln>
-            <a:noFill/>
-          </a:ln>
-        </p:spPr>
-      </p:pic>
-      <p:sp>
-        <p:nvSpPr>
-          <p:cNvPr id="333" name="Google Shape;333;p51"/>
-          <p:cNvSpPr/>
-          <p:nvPr/>
-        </p:nvSpPr>
-        <p:spPr>
-          <a:xfrm>
-            <a:off x="6477900" y="3394200"/>
-            <a:ext cx="1188600" cy="813900"/>
+        </p:spPr>
+        <p:txBody>
+          <a:bodyPr anchorCtr="0" anchor="ctr" bIns="91425" lIns="274300" spcFirstLastPara="1" rIns="91425" wrap="square" tIns="91425">
+            <a:noAutofit/>
+          </a:bodyPr>
+          <a:lstStyle/>
+          <a:p>
+            <a:pPr indent="0" lvl="0" marL="0" rtl="0" algn="l">
+              <a:spcBef>
+                <a:spcPts val="0"/>
+              </a:spcBef>
+              <a:spcAft>
+                <a:spcPts val="0"/>
+              </a:spcAft>
+              <a:buNone/>
+            </a:pPr>
+            <a:r>
+              <a:rPr lang="en"/>
+              <a:t>Open Source Governance</a:t>
+            </a:r>
+            <a:endParaRPr/>
+          </a:p>
+        </p:txBody>
+      </p:sp>
+      <p:sp>
+        <p:nvSpPr>
+          <p:cNvPr id="332" name="Google Shape;332;p51"/>
+          <p:cNvSpPr txBox="1"/>
+          <p:nvPr>
+            <p:ph idx="1" type="body"/>
+          </p:nvPr>
+        </p:nvSpPr>
+        <p:spPr>
+          <a:xfrm>
+            <a:off x="274320" y="914400"/>
+            <a:ext cx="8595300" cy="4114800"/>
           </a:xfrm>
           <a:prstGeom prst="rect">
             <a:avLst/>
           </a:prstGeom>
-          <a:noFill/>
-          <a:ln cap="flat" cmpd="sng" w="38100">
-            <a:solidFill>
-              <a:schemeClr val="accent3"/>
-            </a:solidFill>
-            <a:prstDash val="solid"/>
-            <a:round/>
-            <a:headEnd len="sm" w="sm" type="none"/>
-            <a:tailEnd len="sm" w="sm" type="none"/>
-          </a:ln>
         </p:spPr>
         <p:txBody>
-          <a:bodyPr anchorCtr="0" anchor="ctr" bIns="91425" lIns="91425" spcFirstLastPara="1" rIns="91425" wrap="square" tIns="91425">
+          <a:bodyPr anchorCtr="0" anchor="t" bIns="0" lIns="0" spcFirstLastPara="1" rIns="0" wrap="square" tIns="0">
             <a:noAutofit/>
           </a:bodyPr>
           <a:lstStyle/>
@@ -22369,7 +22424,177 @@
               <a:buNone/>
             </a:pPr>
             <a:r>
-              <a:t/>
+              <a:rPr lang="en"/>
+              <a:t>Do not add copyleft-licensed libraries to your project</a:t>
+            </a:r>
+            <a:endParaRPr/>
+          </a:p>
+          <a:p>
+            <a:pPr indent="0" lvl="0" marL="0" rtl="0" algn="l">
+              <a:spcBef>
+                <a:spcPts val="1200"/>
+              </a:spcBef>
+              <a:spcAft>
+                <a:spcPts val="0"/>
+              </a:spcAft>
+              <a:buNone/>
+            </a:pPr>
+            <a:r>
+              <a:rPr lang="en"/>
+              <a:t>Follow these rules of thumb on license choice</a:t>
+            </a:r>
+            <a:endParaRPr/>
+          </a:p>
+          <a:p>
+            <a:pPr indent="-342900" lvl="0" marL="457200" rtl="0" algn="l">
+              <a:spcBef>
+                <a:spcPts val="1200"/>
+              </a:spcBef>
+              <a:spcAft>
+                <a:spcPts val="0"/>
+              </a:spcAft>
+              <a:buSzPts val="1800"/>
+              <a:buChar char="●"/>
+            </a:pPr>
+            <a:r>
+              <a:rPr lang="en"/>
+              <a:t>OK: Permissive licenses (MIT, BSD, Apache)</a:t>
+            </a:r>
+            <a:endParaRPr/>
+          </a:p>
+          <a:p>
+            <a:pPr indent="-342900" lvl="0" marL="457200" rtl="0" algn="l">
+              <a:spcBef>
+                <a:spcPts val="0"/>
+              </a:spcBef>
+              <a:spcAft>
+                <a:spcPts val="0"/>
+              </a:spcAft>
+              <a:buSzPts val="1800"/>
+              <a:buChar char="●"/>
+            </a:pPr>
+            <a:r>
+              <a:rPr lang="en"/>
+              <a:t>May be OK: Weakly protective (a.k.a. “weak copyleft”)</a:t>
+            </a:r>
+            <a:endParaRPr/>
+          </a:p>
+          <a:p>
+            <a:pPr indent="-342900" lvl="0" marL="457200" rtl="0" algn="l">
+              <a:spcBef>
+                <a:spcPts val="0"/>
+              </a:spcBef>
+              <a:spcAft>
+                <a:spcPts val="0"/>
+              </a:spcAft>
+              <a:buSzPts val="1800"/>
+              <a:buChar char="●"/>
+            </a:pPr>
+            <a:r>
+              <a:rPr lang="en"/>
+              <a:t>Usually not OK: Strongly protective (a.k.a. “reciprocal” or “copyleft”)</a:t>
+            </a:r>
+            <a:endParaRPr/>
+          </a:p>
+          <a:p>
+            <a:pPr indent="-342900" lvl="0" marL="457200" rtl="0" algn="l">
+              <a:spcBef>
+                <a:spcPts val="0"/>
+              </a:spcBef>
+              <a:spcAft>
+                <a:spcPts val="0"/>
+              </a:spcAft>
+              <a:buSzPts val="1800"/>
+              <a:buChar char="●"/>
+            </a:pPr>
+            <a:r>
+              <a:rPr lang="en"/>
+              <a:t>Never OK: Non-software licenses, no license</a:t>
+            </a:r>
+            <a:endParaRPr/>
+          </a:p>
+          <a:p>
+            <a:pPr indent="0" lvl="0" marL="0" rtl="0" algn="l">
+              <a:spcBef>
+                <a:spcPts val="1200"/>
+              </a:spcBef>
+              <a:spcAft>
+                <a:spcPts val="1200"/>
+              </a:spcAft>
+              <a:buNone/>
+            </a:pPr>
+            <a:r>
+              <a:rPr lang="en"/>
+              <a:t>Professionals (i.e. companies) use code scanners to check</a:t>
+            </a:r>
+            <a:endParaRPr/>
+          </a:p>
+        </p:txBody>
+      </p:sp>
+      <p:sp>
+        <p:nvSpPr>
+          <p:cNvPr id="333" name="Google Shape;333;p51"/>
+          <p:cNvSpPr txBox="1"/>
+          <p:nvPr>
+            <p:ph idx="12" type="sldNum"/>
+          </p:nvPr>
+        </p:nvSpPr>
+        <p:spPr>
+          <a:xfrm>
+            <a:off x="7315202" y="4416550"/>
+            <a:ext cx="1828800" cy="731400"/>
+          </a:xfrm>
+          <a:prstGeom prst="rect">
+            <a:avLst/>
+          </a:prstGeom>
+        </p:spPr>
+        <p:txBody>
+          <a:bodyPr anchorCtr="0" anchor="b" bIns="91425" lIns="91425" spcFirstLastPara="1" rIns="91425" wrap="square" tIns="91425">
+            <a:noAutofit/>
+          </a:bodyPr>
+          <a:lstStyle/>
+          <a:p>
+            <a:pPr indent="0" lvl="0" marL="0" rtl="0" algn="r">
+              <a:spcBef>
+                <a:spcPts val="0"/>
+              </a:spcBef>
+              <a:spcAft>
+                <a:spcPts val="0"/>
+              </a:spcAft>
+              <a:buNone/>
+            </a:pPr>
+            <a:fld id="{00000000-1234-1234-1234-123412341234}" type="slidenum">
+              <a:rPr lang="en"/>
+              <a:t>‹#›</a:t>
+            </a:fld>
+            <a:endParaRPr/>
+          </a:p>
+          <a:p>
+            <a:pPr indent="0" lvl="0" marL="0" rtl="0" algn="r">
+              <a:spcBef>
+                <a:spcPts val="0"/>
+              </a:spcBef>
+              <a:spcAft>
+                <a:spcPts val="0"/>
+              </a:spcAft>
+              <a:buNone/>
+            </a:pPr>
+            <a:r>
+              <a:rPr b="0" lang="en" sz="900" u="sng">
+                <a:solidFill>
+                  <a:schemeClr val="hlink"/>
+                </a:solidFill>
+                <a:hlinkClick r:id="rId3"/>
+              </a:rPr>
+              <a:t>https://profriehle.com</a:t>
+            </a:r>
+            <a:r>
+              <a:rPr b="0" lang="en" sz="900">
+                <a:solidFill>
+                  <a:schemeClr val="dk2"/>
+                </a:solidFill>
+              </a:rPr>
+              <a:t> </a:t>
             </a:r>
             <a:endParaRPr/>
           </a:p>
@@ -22499,7 +22724,15 @@
             </a:pPr>
             <a:r>
               <a:rPr lang="en"/>
-              <a:t>Imp-Squared (Impediments and Improvements) Backlog</a:t>
+              <a:t>Impediments and Improvements (</a:t>
+            </a:r>
+            <a:r>
+              <a:rPr lang="en"/>
+              <a:t>Imp-Squared</a:t>
+            </a:r>
+            <a:r>
+              <a:rPr lang="en"/>
+              <a:t>) Backlog</a:t>
             </a:r>
             <a:endParaRPr/>
           </a:p>
@@ -23014,7 +23247,7 @@
             </a:pPr>
             <a:r>
               <a:rPr lang="en"/>
-              <a:t>7</a:t>
+              <a:t>8</a:t>
             </a:r>
             <a:r>
               <a:rPr lang="en"/>
@@ -23911,7 +24144,7 @@
             </a:pPr>
             <a:r>
               <a:rPr lang="en"/>
-              <a:t>8. Happiness Index</a:t>
+              <a:t>9. Happiness Index</a:t>
             </a:r>
             <a:endParaRPr/>
           </a:p>
@@ -24603,7 +24836,7 @@
             </a:pPr>
             <a:r>
               <a:rPr lang="en"/>
-              <a:t>Impediments backlog</a:t>
+              <a:t>Imp-squared backlog</a:t>
             </a:r>
             <a:endParaRPr/>
           </a:p>

--- a/Lecture slides/AMOS B01 - Team and Tools.pptx
+++ b/Lecture slides/AMOS B01 - Team and Tools.pptx
@@ -12733,7 +12733,7 @@
             <a:tbl>
               <a:tblPr>
                 <a:noFill/>
-                <a:tableStyleId>{DC2A7BA8-3405-42DC-932D-2B618D416BEF}</a:tableStyleId>
+                <a:tableStyleId>{1C876E2D-85E4-4DFA-831F-7B707F6FABD3}</a:tableStyleId>
               </a:tblPr>
               <a:tblGrid>
                 <a:gridCol w="524750"/>
@@ -16870,7 +16870,7 @@
             <a:tbl>
               <a:tblPr>
                 <a:noFill/>
-                <a:tableStyleId>{3F88DE25-3DC3-4FF3-833D-5EA704C9ECF4}</a:tableStyleId>
+                <a:tableStyleId>{6A93F605-E449-408C-A896-84E7B130BEF8}</a:tableStyleId>
               </a:tblPr>
               <a:tblGrid>
                 <a:gridCol w="2148850"/>
@@ -20771,7 +20771,34 @@
                 <a:cs typeface="Courier New"/>
                 <a:sym typeface="Courier New"/>
               </a:rPr>
-              <a:t>dirk@host$ git config -local user.name "Dirk Riehle"</a:t>
+              <a:t>dirk@host$ git config </a:t>
+            </a:r>
+            <a:r>
+              <a:rPr lang="en" sz="1500">
+                <a:latin typeface="Courier New"/>
+                <a:ea typeface="Courier New"/>
+                <a:cs typeface="Courier New"/>
+                <a:sym typeface="Courier New"/>
+              </a:rPr>
+              <a:t>--</a:t>
+            </a:r>
+            <a:r>
+              <a:rPr lang="en" sz="1500">
+                <a:latin typeface="Courier New"/>
+                <a:ea typeface="Courier New"/>
+                <a:cs typeface="Courier New"/>
+                <a:sym typeface="Courier New"/>
+              </a:rPr>
+              <a:t>local</a:t>
+            </a:r>
+            <a:r>
+              <a:rPr lang="en" sz="1500">
+                <a:latin typeface="Courier New"/>
+                <a:ea typeface="Courier New"/>
+                <a:cs typeface="Courier New"/>
+                <a:sym typeface="Courier New"/>
+              </a:rPr>
+              <a:t> user.name "Dirk Riehle"</a:t>
             </a:r>
             <a:endParaRPr sz="1500">
               <a:latin typeface="Courier New"/>
@@ -20800,7 +20827,25 @@
                 <a:cs typeface="Courier New"/>
                 <a:sym typeface="Courier New"/>
               </a:rPr>
-              <a:t>dirk@host$ git config -local user.email "dirk@riehle.org"</a:t>
+              <a:t>dirk@host$ git config </a:t>
+            </a:r>
+            <a:r>
+              <a:rPr lang="en" sz="1500">
+                <a:latin typeface="Courier New"/>
+                <a:ea typeface="Courier New"/>
+                <a:cs typeface="Courier New"/>
+                <a:sym typeface="Courier New"/>
+              </a:rPr>
+              <a:t>--</a:t>
+            </a:r>
+            <a:r>
+              <a:rPr lang="en" sz="1500">
+                <a:latin typeface="Courier New"/>
+                <a:ea typeface="Courier New"/>
+                <a:cs typeface="Courier New"/>
+                <a:sym typeface="Courier New"/>
+              </a:rPr>
+              <a:t>local user.email "dirk@riehle.org"</a:t>
             </a:r>
             <a:endParaRPr sz="1500">
               <a:latin typeface="Courier New"/>
@@ -26146,6 +26191,285 @@
 </file>
 
 <file path=ppt/theme/theme1.xml><?xml version="1.0" encoding="utf-8"?>
+<a:theme xmlns:a="http://schemas.openxmlformats.org/drawingml/2006/main" xmlns:r="http://schemas.openxmlformats.org/officeDocument/2006/relationships" name="AMOS Slides Template">
+  <a:themeElements>
+    <a:clrScheme name="Simple Light">
+      <a:dk1>
+        <a:srgbClr val="000000"/>
+      </a:dk1>
+      <a:lt1>
+        <a:srgbClr val="FFFFFF"/>
+      </a:lt1>
+      <a:dk2>
+        <a:srgbClr val="404040"/>
+      </a:dk2>
+      <a:lt2>
+        <a:srgbClr val="808080"/>
+      </a:lt2>
+      <a:accent1>
+        <a:srgbClr val="D0D0D0"/>
+      </a:accent1>
+      <a:accent2>
+        <a:srgbClr val="4169E1"/>
+      </a:accent2>
+      <a:accent3>
+        <a:srgbClr val="D50D01"/>
+      </a:accent3>
+      <a:accent4>
+        <a:srgbClr val="FEB612"/>
+      </a:accent4>
+      <a:accent5>
+        <a:srgbClr val="4CAF50"/>
+      </a:accent5>
+      <a:accent6>
+        <a:srgbClr val="8E44AD"/>
+      </a:accent6>
+      <a:hlink>
+        <a:srgbClr val="34A3C5"/>
+      </a:hlink>
+      <a:folHlink>
+        <a:srgbClr val="0097A7"/>
+      </a:folHlink>
+    </a:clrScheme>
+    <a:fontScheme name="Office">
+      <a:majorFont>
+        <a:latin typeface="Arial"/>
+        <a:ea typeface=""/>
+        <a:cs typeface=""/>
+        <a:font script="Jpan" typeface="ＭＳ Ｐゴシック"/>
+        <a:font script="Hang" typeface="맑은 고딕"/>
+        <a:font script="Hans" typeface="宋体"/>
+        <a:font script="Hant" typeface="新細明體"/>
+        <a:font script="Arab" typeface="Times New Roman"/>
+        <a:font script="Hebr" typeface="Times New Roman"/>
+        <a:font script="Thai" typeface="Angsana New"/>
+        <a:font script="Ethi" typeface="Nyala"/>
+        <a:font script="Beng" typeface="Vrinda"/>
+        <a:font script="Gujr" typeface="Shruti"/>
+        <a:font script="Khmr" typeface="MoolBoran"/>
+        <a:font script="Knda" typeface="Tunga"/>
+        <a:font script="Guru" typeface="Raavi"/>
+        <a:font script="Cans" typeface="Euphemia"/>
+        <a:font script="Cher" typeface="Plantagenet Cherokee"/>
+        <a:font script="Yiii" typeface="Microsoft Yi Baiti"/>
+        <a:font script="Tibt" typeface="Microsoft Himalaya"/>
+        <a:font script="Thaa" typeface="MV Boli"/>
+        <a:font script="Deva" typeface="Mangal"/>
+        <a:font script="Telu" typeface="Gautami"/>
+        <a:font script="Taml" typeface="Latha"/>
+        <a:font script="Syrc" typeface="Estrangelo Edessa"/>
+        <a:font script="Orya" typeface="Kalinga"/>
+        <a:font script="Mlym" typeface="Kartika"/>
+        <a:font script="Laoo" typeface="DokChampa"/>
+        <a:font script="Sinh" typeface="Iskoola Pota"/>
+        <a:font script="Mong" typeface="Mongolian Baiti"/>
+        <a:font script="Viet" typeface="Times New Roman"/>
+        <a:font script="Uigh" typeface="Microsoft Uighur"/>
+        <a:font script="Geor" typeface="Sylfaen"/>
+      </a:majorFont>
+      <a:minorFont>
+        <a:latin typeface="Arial"/>
+        <a:ea typeface=""/>
+        <a:cs typeface=""/>
+        <a:font script="Jpan" typeface="ＭＳ Ｐゴシック"/>
+        <a:font script="Hang" typeface="맑은 고딕"/>
+        <a:font script="Hans" typeface="宋体"/>
+        <a:font script="Hant" typeface="新細明體"/>
+        <a:font script="Arab" typeface="Arial"/>
+        <a:font script="Hebr" typeface="Arial"/>
+        <a:font script="Thai" typeface="Cordia New"/>
+        <a:font script="Ethi" typeface="Nyala"/>
+        <a:font script="Beng" typeface="Vrinda"/>
+        <a:font script="Gujr" typeface="Shruti"/>
+        <a:font script="Khmr" typeface="DaunPenh"/>
+        <a:font script="Knda" typeface="Tunga"/>
+        <a:font script="Guru" typeface="Raavi"/>
+        <a:font script="Cans" typeface="Euphemia"/>
+        <a:font script="Cher" typeface="Plantagenet Cherokee"/>
+        <a:font script="Yiii" typeface="Microsoft Yi Baiti"/>
+        <a:font script="Tibt" typeface="Microsoft Himalaya"/>
+        <a:font script="Thaa" typeface="MV Boli"/>
+        <a:font script="Deva" typeface="Mangal"/>
+        <a:font script="Telu" typeface="Gautami"/>
+        <a:font script="Taml" typeface="Latha"/>
+        <a:font script="Syrc" typeface="Estrangelo Edessa"/>
+        <a:font script="Orya" typeface="Kalinga"/>
+        <a:font script="Mlym" typeface="Kartika"/>
+        <a:font script="Laoo" typeface="DokChampa"/>
+        <a:font script="Sinh" typeface="Iskoola Pota"/>
+        <a:font script="Mong" typeface="Mongolian Baiti"/>
+        <a:font script="Viet" typeface="Arial"/>
+        <a:font script="Uigh" typeface="Microsoft Uighur"/>
+        <a:font script="Geor" typeface="Sylfaen"/>
+      </a:minorFont>
+    </a:fontScheme>
+    <a:fmtScheme name="Office">
+      <a:fillStyleLst>
+        <a:solidFill>
+          <a:schemeClr val="phClr"/>
+        </a:solidFill>
+        <a:gradFill rotWithShape="1">
+          <a:gsLst>
+            <a:gs pos="0">
+              <a:schemeClr val="phClr">
+                <a:tint val="50000"/>
+                <a:satMod val="300000"/>
+              </a:schemeClr>
+            </a:gs>
+            <a:gs pos="35000">
+              <a:schemeClr val="phClr">
+                <a:tint val="37000"/>
+                <a:satMod val="300000"/>
+              </a:schemeClr>
+            </a:gs>
+            <a:gs pos="100000">
+              <a:schemeClr val="phClr">
+                <a:tint val="15000"/>
+                <a:satMod val="350000"/>
+              </a:schemeClr>
+            </a:gs>
+          </a:gsLst>
+          <a:lin ang="16200000" scaled="1"/>
+        </a:gradFill>
+        <a:gradFill rotWithShape="1">
+          <a:gsLst>
+            <a:gs pos="0">
+              <a:schemeClr val="phClr">
+                <a:tint val="100000"/>
+                <a:shade val="100000"/>
+                <a:satMod val="130000"/>
+              </a:schemeClr>
+            </a:gs>
+            <a:gs pos="100000">
+              <a:schemeClr val="phClr">
+                <a:tint val="50000"/>
+                <a:shade val="100000"/>
+                <a:satMod val="350000"/>
+              </a:schemeClr>
+            </a:gs>
+          </a:gsLst>
+          <a:lin ang="16200000" scaled="0"/>
+        </a:gradFill>
+      </a:fillStyleLst>
+      <a:lnStyleLst>
+        <a:ln w="9525" cap="flat" cmpd="sng" algn="ctr">
+          <a:solidFill>
+            <a:schemeClr val="phClr">
+              <a:shade val="95000"/>
+              <a:satMod val="105000"/>
+            </a:schemeClr>
+          </a:solidFill>
+          <a:prstDash val="solid"/>
+        </a:ln>
+        <a:ln w="25400" cap="flat" cmpd="sng" algn="ctr">
+          <a:solidFill>
+            <a:schemeClr val="phClr"/>
+          </a:solidFill>
+          <a:prstDash val="solid"/>
+        </a:ln>
+        <a:ln w="38100" cap="flat" cmpd="sng" algn="ctr">
+          <a:solidFill>
+            <a:schemeClr val="phClr"/>
+          </a:solidFill>
+          <a:prstDash val="solid"/>
+        </a:ln>
+      </a:lnStyleLst>
+      <a:effectStyleLst>
+        <a:effectStyle>
+          <a:effectLst>
+            <a:outerShdw blurRad="40000" dist="20000" dir="5400000" rotWithShape="0">
+              <a:srgbClr val="000000">
+                <a:alpha val="38000"/>
+              </a:srgbClr>
+            </a:outerShdw>
+          </a:effectLst>
+        </a:effectStyle>
+        <a:effectStyle>
+          <a:effectLst>
+            <a:outerShdw blurRad="40000" dist="23000" dir="5400000" rotWithShape="0">
+              <a:srgbClr val="000000">
+                <a:alpha val="35000"/>
+              </a:srgbClr>
+            </a:outerShdw>
+          </a:effectLst>
+        </a:effectStyle>
+        <a:effectStyle>
+          <a:effectLst>
+            <a:outerShdw blurRad="40000" dist="23000" dir="5400000" rotWithShape="0">
+              <a:srgbClr val="000000">
+                <a:alpha val="35000"/>
+              </a:srgbClr>
+            </a:outerShdw>
+          </a:effectLst>
+          <a:scene3d>
+            <a:camera prst="orthographicFront">
+              <a:rot lat="0" lon="0" rev="0"/>
+            </a:camera>
+            <a:lightRig rig="threePt" dir="t">
+              <a:rot lat="0" lon="0" rev="1200000"/>
+            </a:lightRig>
+          </a:scene3d>
+          <a:sp3d>
+            <a:bevelT w="63500" h="25400"/>
+          </a:sp3d>
+        </a:effectStyle>
+      </a:effectStyleLst>
+      <a:bgFillStyleLst>
+        <a:solidFill>
+          <a:schemeClr val="phClr"/>
+        </a:solidFill>
+        <a:gradFill rotWithShape="1">
+          <a:gsLst>
+            <a:gs pos="0">
+              <a:schemeClr val="phClr">
+                <a:tint val="40000"/>
+                <a:satMod val="350000"/>
+              </a:schemeClr>
+            </a:gs>
+            <a:gs pos="40000">
+              <a:schemeClr val="phClr">
+                <a:tint val="45000"/>
+                <a:shade val="99000"/>
+                <a:satMod val="350000"/>
+              </a:schemeClr>
+            </a:gs>
+            <a:gs pos="100000">
+              <a:schemeClr val="phClr">
+                <a:shade val="20000"/>
+                <a:satMod val="255000"/>
+              </a:schemeClr>
+            </a:gs>
+          </a:gsLst>
+          <a:path path="circle">
+            <a:fillToRect l="50000" t="-80000" r="50000" b="180000"/>
+          </a:path>
+        </a:gradFill>
+        <a:gradFill rotWithShape="1">
+          <a:gsLst>
+            <a:gs pos="0">
+              <a:schemeClr val="phClr">
+                <a:tint val="80000"/>
+                <a:satMod val="300000"/>
+              </a:schemeClr>
+            </a:gs>
+            <a:gs pos="100000">
+              <a:schemeClr val="phClr">
+                <a:shade val="30000"/>
+                <a:satMod val="200000"/>
+              </a:schemeClr>
+            </a:gs>
+          </a:gsLst>
+          <a:path path="circle">
+            <a:fillToRect l="50000" t="50000" r="50000" b="50000"/>
+          </a:path>
+        </a:gradFill>
+      </a:bgFillStyleLst>
+    </a:fmtScheme>
+  </a:themeElements>
+</a:theme>
+</file>
+
+<file path=ppt/theme/theme2.xml><?xml version="1.0" encoding="utf-8"?>
 <a:theme xmlns:a="http://schemas.openxmlformats.org/drawingml/2006/main" xmlns:r="http://schemas.openxmlformats.org/officeDocument/2006/relationships">
   <a:themeElements>
     <a:clrScheme name="Default">
@@ -26422,283 +26746,4 @@
     </a:fmtScheme>
   </a:themeElements>
 </a:theme>
-</file>
-
-<file path=ppt/theme/theme2.xml><?xml version="1.0" encoding="utf-8"?>
-<a:theme xmlns:a="http://schemas.openxmlformats.org/drawingml/2006/main" xmlns:r="http://schemas.openxmlformats.org/officeDocument/2006/relationships" name="AMOS Slides Template">
-  <a:themeElements>
-    <a:clrScheme name="Simple Light">
-      <a:dk1>
-        <a:srgbClr val="000000"/>
-      </a:dk1>
-      <a:lt1>
-        <a:srgbClr val="FFFFFF"/>
-      </a:lt1>
-      <a:dk2>
-        <a:srgbClr val="404040"/>
-      </a:dk2>
-      <a:lt2>
-        <a:srgbClr val="808080"/>
-      </a:lt2>
-      <a:accent1>
-        <a:srgbClr val="D0D0D0"/>
-      </a:accent1>
-      <a:accent2>
-        <a:srgbClr val="4169E1"/>
-      </a:accent2>
-      <a:accent3>
-        <a:srgbClr val="D50D01"/>
-      </a:accent3>
-      <a:accent4>
-        <a:srgbClr val="FEB612"/>
-      </a:accent4>
-      <a:accent5>
-        <a:srgbClr val="4CAF50"/>
-      </a:accent5>
-      <a:accent6>
-        <a:srgbClr val="8E44AD"/>
-      </a:accent6>
-      <a:hlink>
-        <a:srgbClr val="34A3C5"/>
-      </a:hlink>
-      <a:folHlink>
-        <a:srgbClr val="0097A7"/>
-      </a:folHlink>
-    </a:clrScheme>
-    <a:fontScheme name="Office">
-      <a:majorFont>
-        <a:latin typeface="Arial"/>
-        <a:ea typeface=""/>
-        <a:cs typeface=""/>
-        <a:font script="Jpan" typeface="ＭＳ Ｐゴシック"/>
-        <a:font script="Hang" typeface="맑은 고딕"/>
-        <a:font script="Hans" typeface="宋体"/>
-        <a:font script="Hant" typeface="新細明體"/>
-        <a:font script="Arab" typeface="Times New Roman"/>
-        <a:font script="Hebr" typeface="Times New Roman"/>
-        <a:font script="Thai" typeface="Angsana New"/>
-        <a:font script="Ethi" typeface="Nyala"/>
-        <a:font script="Beng" typeface="Vrinda"/>
-        <a:font script="Gujr" typeface="Shruti"/>
-        <a:font script="Khmr" typeface="MoolBoran"/>
-        <a:font script="Knda" typeface="Tunga"/>
-        <a:font script="Guru" typeface="Raavi"/>
-        <a:font script="Cans" typeface="Euphemia"/>
-        <a:font script="Cher" typeface="Plantagenet Cherokee"/>
-        <a:font script="Yiii" typeface="Microsoft Yi Baiti"/>
-        <a:font script="Tibt" typeface="Microsoft Himalaya"/>
-        <a:font script="Thaa" typeface="MV Boli"/>
-        <a:font script="Deva" typeface="Mangal"/>
-        <a:font script="Telu" typeface="Gautami"/>
-        <a:font script="Taml" typeface="Latha"/>
-        <a:font script="Syrc" typeface="Estrangelo Edessa"/>
-        <a:font script="Orya" typeface="Kalinga"/>
-        <a:font script="Mlym" typeface="Kartika"/>
-        <a:font script="Laoo" typeface="DokChampa"/>
-        <a:font script="Sinh" typeface="Iskoola Pota"/>
-        <a:font script="Mong" typeface="Mongolian Baiti"/>
-        <a:font script="Viet" typeface="Times New Roman"/>
-        <a:font script="Uigh" typeface="Microsoft Uighur"/>
-        <a:font script="Geor" typeface="Sylfaen"/>
-      </a:majorFont>
-      <a:minorFont>
-        <a:latin typeface="Arial"/>
-        <a:ea typeface=""/>
-        <a:cs typeface=""/>
-        <a:font script="Jpan" typeface="ＭＳ Ｐゴシック"/>
-        <a:font script="Hang" typeface="맑은 고딕"/>
-        <a:font script="Hans" typeface="宋体"/>
-        <a:font script="Hant" typeface="新細明體"/>
-        <a:font script="Arab" typeface="Arial"/>
-        <a:font script="Hebr" typeface="Arial"/>
-        <a:font script="Thai" typeface="Cordia New"/>
-        <a:font script="Ethi" typeface="Nyala"/>
-        <a:font script="Beng" typeface="Vrinda"/>
-        <a:font script="Gujr" typeface="Shruti"/>
-        <a:font script="Khmr" typeface="DaunPenh"/>
-        <a:font script="Knda" typeface="Tunga"/>
-        <a:font script="Guru" typeface="Raavi"/>
-        <a:font script="Cans" typeface="Euphemia"/>
-        <a:font script="Cher" typeface="Plantagenet Cherokee"/>
-        <a:font script="Yiii" typeface="Microsoft Yi Baiti"/>
-        <a:font script="Tibt" typeface="Microsoft Himalaya"/>
-        <a:font script="Thaa" typeface="MV Boli"/>
-        <a:font script="Deva" typeface="Mangal"/>
-        <a:font script="Telu" typeface="Gautami"/>
-        <a:font script="Taml" typeface="Latha"/>
-        <a:font script="Syrc" typeface="Estrangelo Edessa"/>
-        <a:font script="Orya" typeface="Kalinga"/>
-        <a:font script="Mlym" typeface="Kartika"/>
-        <a:font script="Laoo" typeface="DokChampa"/>
-        <a:font script="Sinh" typeface="Iskoola Pota"/>
-        <a:font script="Mong" typeface="Mongolian Baiti"/>
-        <a:font script="Viet" typeface="Arial"/>
-        <a:font script="Uigh" typeface="Microsoft Uighur"/>
-        <a:font script="Geor" typeface="Sylfaen"/>
-      </a:minorFont>
-    </a:fontScheme>
-    <a:fmtScheme name="Office">
-      <a:fillStyleLst>
-        <a:solidFill>
-          <a:schemeClr val="phClr"/>
-        </a:solidFill>
-        <a:gradFill rotWithShape="1">
-          <a:gsLst>
-            <a:gs pos="0">
-              <a:schemeClr val="phClr">
-                <a:tint val="50000"/>
-                <a:satMod val="300000"/>
-              </a:schemeClr>
-            </a:gs>
-            <a:gs pos="35000">
-              <a:schemeClr val="phClr">
-                <a:tint val="37000"/>
-                <a:satMod val="300000"/>
-              </a:schemeClr>
-            </a:gs>
-            <a:gs pos="100000">
-              <a:schemeClr val="phClr">
-                <a:tint val="15000"/>
-                <a:satMod val="350000"/>
-              </a:schemeClr>
-            </a:gs>
-          </a:gsLst>
-          <a:lin ang="16200000" scaled="1"/>
-        </a:gradFill>
-        <a:gradFill rotWithShape="1">
-          <a:gsLst>
-            <a:gs pos="0">
-              <a:schemeClr val="phClr">
-                <a:tint val="100000"/>
-                <a:shade val="100000"/>
-                <a:satMod val="130000"/>
-              </a:schemeClr>
-            </a:gs>
-            <a:gs pos="100000">
-              <a:schemeClr val="phClr">
-                <a:tint val="50000"/>
-                <a:shade val="100000"/>
-                <a:satMod val="350000"/>
-              </a:schemeClr>
-            </a:gs>
-          </a:gsLst>
-          <a:lin ang="16200000" scaled="0"/>
-        </a:gradFill>
-      </a:fillStyleLst>
-      <a:lnStyleLst>
-        <a:ln w="9525" cap="flat" cmpd="sng" algn="ctr">
-          <a:solidFill>
-            <a:schemeClr val="phClr">
-              <a:shade val="95000"/>
-              <a:satMod val="105000"/>
-            </a:schemeClr>
-          </a:solidFill>
-          <a:prstDash val="solid"/>
-        </a:ln>
-        <a:ln w="25400" cap="flat" cmpd="sng" algn="ctr">
-          <a:solidFill>
-            <a:schemeClr val="phClr"/>
-          </a:solidFill>
-          <a:prstDash val="solid"/>
-        </a:ln>
-        <a:ln w="38100" cap="flat" cmpd="sng" algn="ctr">
-          <a:solidFill>
-            <a:schemeClr val="phClr"/>
-          </a:solidFill>
-          <a:prstDash val="solid"/>
-        </a:ln>
-      </a:lnStyleLst>
-      <a:effectStyleLst>
-        <a:effectStyle>
-          <a:effectLst>
-            <a:outerShdw blurRad="40000" dist="20000" dir="5400000" rotWithShape="0">
-              <a:srgbClr val="000000">
-                <a:alpha val="38000"/>
-              </a:srgbClr>
-            </a:outerShdw>
-          </a:effectLst>
-        </a:effectStyle>
-        <a:effectStyle>
-          <a:effectLst>
-            <a:outerShdw blurRad="40000" dist="23000" dir="5400000" rotWithShape="0">
-              <a:srgbClr val="000000">
-                <a:alpha val="35000"/>
-              </a:srgbClr>
-            </a:outerShdw>
-          </a:effectLst>
-        </a:effectStyle>
-        <a:effectStyle>
-          <a:effectLst>
-            <a:outerShdw blurRad="40000" dist="23000" dir="5400000" rotWithShape="0">
-              <a:srgbClr val="000000">
-                <a:alpha val="35000"/>
-              </a:srgbClr>
-            </a:outerShdw>
-          </a:effectLst>
-          <a:scene3d>
-            <a:camera prst="orthographicFront">
-              <a:rot lat="0" lon="0" rev="0"/>
-            </a:camera>
-            <a:lightRig rig="threePt" dir="t">
-              <a:rot lat="0" lon="0" rev="1200000"/>
-            </a:lightRig>
-          </a:scene3d>
-          <a:sp3d>
-            <a:bevelT w="63500" h="25400"/>
-          </a:sp3d>
-        </a:effectStyle>
-      </a:effectStyleLst>
-      <a:bgFillStyleLst>
-        <a:solidFill>
-          <a:schemeClr val="phClr"/>
-        </a:solidFill>
-        <a:gradFill rotWithShape="1">
-          <a:gsLst>
-            <a:gs pos="0">
-              <a:schemeClr val="phClr">
-                <a:tint val="40000"/>
-                <a:satMod val="350000"/>
-              </a:schemeClr>
-            </a:gs>
-            <a:gs pos="40000">
-              <a:schemeClr val="phClr">
-                <a:tint val="45000"/>
-                <a:shade val="99000"/>
-                <a:satMod val="350000"/>
-              </a:schemeClr>
-            </a:gs>
-            <a:gs pos="100000">
-              <a:schemeClr val="phClr">
-                <a:shade val="20000"/>
-                <a:satMod val="255000"/>
-              </a:schemeClr>
-            </a:gs>
-          </a:gsLst>
-          <a:path path="circle">
-            <a:fillToRect l="50000" t="-80000" r="50000" b="180000"/>
-          </a:path>
-        </a:gradFill>
-        <a:gradFill rotWithShape="1">
-          <a:gsLst>
-            <a:gs pos="0">
-              <a:schemeClr val="phClr">
-                <a:tint val="80000"/>
-                <a:satMod val="300000"/>
-              </a:schemeClr>
-            </a:gs>
-            <a:gs pos="100000">
-              <a:schemeClr val="phClr">
-                <a:shade val="30000"/>
-                <a:satMod val="200000"/>
-              </a:schemeClr>
-            </a:gs>
-          </a:gsLst>
-          <a:path path="circle">
-            <a:fillToRect l="50000" t="50000" r="50000" b="50000"/>
-          </a:path>
-        </a:gradFill>
-      </a:bgFillStyleLst>
-    </a:fmtScheme>
-  </a:themeElements>
-</a:theme>
 </file>
--- a/Lecture slides/AMOS B01 - Team and Tools.pptx
+++ b/Lecture slides/AMOS B01 - Team and Tools.pptx
@@ -65,6 +65,7 @@
     <p:sldId id="310" r:id="rId61"/>
     <p:sldId id="311" r:id="rId62"/>
     <p:sldId id="312" r:id="rId63"/>
+    <p:sldId id="313" r:id="rId64"/>
   </p:sldIdLst>
   <p:sldSz cy="5143500" cx="9144000"/>
   <p:notesSz cx="6858000" cy="9144000"/>
@@ -4325,7 +4326,7 @@
       </p:grpSpPr>
       <p:sp>
         <p:nvSpPr>
-          <p:cNvPr id="312" name="Google Shape;312;g22c3a52a549_0_173:notes"/>
+          <p:cNvPr id="312" name="Google Shape;312;g2ad5dfb57f5_0_0:notes"/>
           <p:cNvSpPr/>
           <p:nvPr>
             <p:ph idx="2" type="sldImg"/>
@@ -4360,7 +4361,7 @@
       </p:sp>
       <p:sp>
         <p:nvSpPr>
-          <p:cNvPr id="313" name="Google Shape;313;g22c3a52a549_0_173:notes"/>
+          <p:cNvPr id="313" name="Google Shape;313;g2ad5dfb57f5_0_0:notes"/>
           <p:cNvSpPr txBox="1"/>
           <p:nvPr>
             <p:ph idx="1" type="body"/>
@@ -4410,7 +4411,7 @@
   <p:cSld>
     <p:spTree>
       <p:nvGrpSpPr>
-        <p:cNvPr id="318" name="Shape 318"/>
+        <p:cNvPr id="319" name="Shape 319"/>
         <p:cNvGrpSpPr/>
         <p:nvPr/>
       </p:nvGrpSpPr>
@@ -4424,7 +4425,7 @@
       </p:grpSpPr>
       <p:sp>
         <p:nvSpPr>
-          <p:cNvPr id="319" name="Google Shape;319;g22c3a52a549_0_179:notes"/>
+          <p:cNvPr id="320" name="Google Shape;320;g22c3a52a549_0_173:notes"/>
           <p:cNvSpPr/>
           <p:nvPr>
             <p:ph idx="2" type="sldImg"/>
@@ -4459,7 +4460,7 @@
       </p:sp>
       <p:sp>
         <p:nvSpPr>
-          <p:cNvPr id="320" name="Google Shape;320;g22c3a52a549_0_179:notes"/>
+          <p:cNvPr id="321" name="Google Shape;321;g22c3a52a549_0_173:notes"/>
           <p:cNvSpPr txBox="1"/>
           <p:nvPr>
             <p:ph idx="1" type="body"/>
@@ -4509,7 +4510,7 @@
   <p:cSld>
     <p:spTree>
       <p:nvGrpSpPr>
-        <p:cNvPr id="327" name="Shape 327"/>
+        <p:cNvPr id="326" name="Shape 326"/>
         <p:cNvGrpSpPr/>
         <p:nvPr/>
       </p:nvGrpSpPr>
@@ -4523,7 +4524,7 @@
       </p:grpSpPr>
       <p:sp>
         <p:nvSpPr>
-          <p:cNvPr id="328" name="Google Shape;328;g22c3a52a549_0_187:notes"/>
+          <p:cNvPr id="327" name="Google Shape;327;g22c3a52a549_0_179:notes"/>
           <p:cNvSpPr/>
           <p:nvPr>
             <p:ph idx="2" type="sldImg"/>
@@ -4558,7 +4559,7 @@
       </p:sp>
       <p:sp>
         <p:nvSpPr>
-          <p:cNvPr id="329" name="Google Shape;329;g22c3a52a549_0_187:notes"/>
+          <p:cNvPr id="328" name="Google Shape;328;g22c3a52a549_0_179:notes"/>
           <p:cNvSpPr txBox="1"/>
           <p:nvPr>
             <p:ph idx="1" type="body"/>
@@ -4608,7 +4609,7 @@
   <p:cSld>
     <p:spTree>
       <p:nvGrpSpPr>
-        <p:cNvPr id="334" name="Shape 334"/>
+        <p:cNvPr id="335" name="Shape 335"/>
         <p:cNvGrpSpPr/>
         <p:nvPr/>
       </p:nvGrpSpPr>
@@ -4622,7 +4623,7 @@
       </p:grpSpPr>
       <p:sp>
         <p:nvSpPr>
-          <p:cNvPr id="335" name="Google Shape;335;g22c3a52a549_0_24:notes"/>
+          <p:cNvPr id="336" name="Google Shape;336;g22c3a52a549_0_187:notes"/>
           <p:cNvSpPr/>
           <p:nvPr>
             <p:ph idx="2" type="sldImg"/>
@@ -4657,7 +4658,7 @@
       </p:sp>
       <p:sp>
         <p:nvSpPr>
-          <p:cNvPr id="336" name="Google Shape;336;g22c3a52a549_0_24:notes"/>
+          <p:cNvPr id="337" name="Google Shape;337;g22c3a52a549_0_187:notes"/>
           <p:cNvSpPr txBox="1"/>
           <p:nvPr>
             <p:ph idx="1" type="body"/>
@@ -4707,7 +4708,7 @@
   <p:cSld>
     <p:spTree>
       <p:nvGrpSpPr>
-        <p:cNvPr id="339" name="Shape 339"/>
+        <p:cNvPr id="342" name="Shape 342"/>
         <p:cNvGrpSpPr/>
         <p:nvPr/>
       </p:nvGrpSpPr>
@@ -4721,7 +4722,7 @@
       </p:grpSpPr>
       <p:sp>
         <p:nvSpPr>
-          <p:cNvPr id="340" name="Google Shape;340;g22c3a52a549_0_239:notes"/>
+          <p:cNvPr id="343" name="Google Shape;343;g22c3a52a549_0_24:notes"/>
           <p:cNvSpPr/>
           <p:nvPr>
             <p:ph idx="2" type="sldImg"/>
@@ -4756,7 +4757,7 @@
       </p:sp>
       <p:sp>
         <p:nvSpPr>
-          <p:cNvPr id="341" name="Google Shape;341;g22c3a52a549_0_239:notes"/>
+          <p:cNvPr id="344" name="Google Shape;344;g22c3a52a549_0_24:notes"/>
           <p:cNvSpPr txBox="1"/>
           <p:nvPr>
             <p:ph idx="1" type="body"/>
@@ -4806,7 +4807,7 @@
   <p:cSld>
     <p:spTree>
       <p:nvGrpSpPr>
-        <p:cNvPr id="346" name="Shape 346"/>
+        <p:cNvPr id="347" name="Shape 347"/>
         <p:cNvGrpSpPr/>
         <p:nvPr/>
       </p:nvGrpSpPr>
@@ -4820,7 +4821,7 @@
       </p:grpSpPr>
       <p:sp>
         <p:nvSpPr>
-          <p:cNvPr id="347" name="Google Shape;347;g22c3a52a549_0_245:notes"/>
+          <p:cNvPr id="348" name="Google Shape;348;g22c3a52a549_0_239:notes"/>
           <p:cNvSpPr/>
           <p:nvPr>
             <p:ph idx="2" type="sldImg"/>
@@ -4855,7 +4856,7 @@
       </p:sp>
       <p:sp>
         <p:nvSpPr>
-          <p:cNvPr id="348" name="Google Shape;348;g22c3a52a549_0_245:notes"/>
+          <p:cNvPr id="349" name="Google Shape;349;g22c3a52a549_0_239:notes"/>
           <p:cNvSpPr txBox="1"/>
           <p:nvPr>
             <p:ph idx="1" type="body"/>
@@ -4905,7 +4906,7 @@
   <p:cSld>
     <p:spTree>
       <p:nvGrpSpPr>
-        <p:cNvPr id="351" name="Shape 351"/>
+        <p:cNvPr id="354" name="Shape 354"/>
         <p:cNvGrpSpPr/>
         <p:nvPr/>
       </p:nvGrpSpPr>
@@ -4919,7 +4920,7 @@
       </p:grpSpPr>
       <p:sp>
         <p:nvSpPr>
-          <p:cNvPr id="352" name="Google Shape;352;g22c56dd9f66_0_22:notes"/>
+          <p:cNvPr id="355" name="Google Shape;355;g22c3a52a549_0_245:notes"/>
           <p:cNvSpPr/>
           <p:nvPr>
             <p:ph idx="2" type="sldImg"/>
@@ -4954,7 +4955,7 @@
       </p:sp>
       <p:sp>
         <p:nvSpPr>
-          <p:cNvPr id="353" name="Google Shape;353;g22c56dd9f66_0_22:notes"/>
+          <p:cNvPr id="356" name="Google Shape;356;g22c3a52a549_0_245:notes"/>
           <p:cNvSpPr txBox="1"/>
           <p:nvPr>
             <p:ph idx="1" type="body"/>
@@ -5004,7 +5005,7 @@
   <p:cSld>
     <p:spTree>
       <p:nvGrpSpPr>
-        <p:cNvPr id="358" name="Shape 358"/>
+        <p:cNvPr id="359" name="Shape 359"/>
         <p:cNvGrpSpPr/>
         <p:nvPr/>
       </p:nvGrpSpPr>
@@ -5018,7 +5019,7 @@
       </p:grpSpPr>
       <p:sp>
         <p:nvSpPr>
-          <p:cNvPr id="359" name="Google Shape;359;g22c3a52a549_0_249:notes"/>
+          <p:cNvPr id="360" name="Google Shape;360;g22c56dd9f66_0_22:notes"/>
           <p:cNvSpPr/>
           <p:nvPr>
             <p:ph idx="2" type="sldImg"/>
@@ -5053,7 +5054,7 @@
       </p:sp>
       <p:sp>
         <p:nvSpPr>
-          <p:cNvPr id="360" name="Google Shape;360;g22c3a52a549_0_249:notes"/>
+          <p:cNvPr id="361" name="Google Shape;361;g22c56dd9f66_0_22:notes"/>
           <p:cNvSpPr txBox="1"/>
           <p:nvPr>
             <p:ph idx="1" type="body"/>
@@ -5202,7 +5203,7 @@
   <p:cSld>
     <p:spTree>
       <p:nvGrpSpPr>
-        <p:cNvPr id="363" name="Shape 363"/>
+        <p:cNvPr id="366" name="Shape 366"/>
         <p:cNvGrpSpPr/>
         <p:nvPr/>
       </p:nvGrpSpPr>
@@ -5216,7 +5217,7 @@
       </p:grpSpPr>
       <p:sp>
         <p:nvSpPr>
-          <p:cNvPr id="364" name="Google Shape;364;g152a3f74d0d_0_22:notes"/>
+          <p:cNvPr id="367" name="Google Shape;367;g22c3a52a549_0_249:notes"/>
           <p:cNvSpPr/>
           <p:nvPr>
             <p:ph idx="2" type="sldImg"/>
@@ -5251,7 +5252,7 @@
       </p:sp>
       <p:sp>
         <p:nvSpPr>
-          <p:cNvPr id="365" name="Google Shape;365;g152a3f74d0d_0_22:notes"/>
+          <p:cNvPr id="368" name="Google Shape;368;g22c3a52a549_0_249:notes"/>
           <p:cNvSpPr txBox="1"/>
           <p:nvPr>
             <p:ph idx="1" type="body"/>
@@ -5301,7 +5302,7 @@
   <p:cSld>
     <p:spTree>
       <p:nvGrpSpPr>
-        <p:cNvPr id="370" name="Shape 370"/>
+        <p:cNvPr id="371" name="Shape 371"/>
         <p:cNvGrpSpPr/>
         <p:nvPr/>
       </p:nvGrpSpPr>
@@ -5315,7 +5316,7 @@
       </p:grpSpPr>
       <p:sp>
         <p:nvSpPr>
-          <p:cNvPr id="371" name="Google Shape;371;g22c56dd9f66_0_3:notes"/>
+          <p:cNvPr id="372" name="Google Shape;372;g152a3f74d0d_0_22:notes"/>
           <p:cNvSpPr/>
           <p:nvPr>
             <p:ph idx="2" type="sldImg"/>
@@ -5350,7 +5351,7 @@
       </p:sp>
       <p:sp>
         <p:nvSpPr>
-          <p:cNvPr id="372" name="Google Shape;372;g22c56dd9f66_0_3:notes"/>
+          <p:cNvPr id="373" name="Google Shape;373;g152a3f74d0d_0_22:notes"/>
           <p:cNvSpPr txBox="1"/>
           <p:nvPr>
             <p:ph idx="1" type="body"/>
@@ -5414,7 +5415,7 @@
       </p:grpSpPr>
       <p:sp>
         <p:nvSpPr>
-          <p:cNvPr id="379" name="Google Shape;379;g22c3a52a549_0_28:notes"/>
+          <p:cNvPr id="379" name="Google Shape;379;g22c56dd9f66_0_3:notes"/>
           <p:cNvSpPr/>
           <p:nvPr>
             <p:ph idx="2" type="sldImg"/>
@@ -5449,7 +5450,7 @@
       </p:sp>
       <p:sp>
         <p:nvSpPr>
-          <p:cNvPr id="380" name="Google Shape;380;g22c3a52a549_0_28:notes"/>
+          <p:cNvPr id="380" name="Google Shape;380;g22c56dd9f66_0_3:notes"/>
           <p:cNvSpPr txBox="1"/>
           <p:nvPr>
             <p:ph idx="1" type="body"/>
@@ -5499,7 +5500,7 @@
   <p:cSld>
     <p:spTree>
       <p:nvGrpSpPr>
-        <p:cNvPr id="383" name="Shape 383"/>
+        <p:cNvPr id="386" name="Shape 386"/>
         <p:cNvGrpSpPr/>
         <p:nvPr/>
       </p:nvGrpSpPr>
@@ -5513,7 +5514,7 @@
       </p:grpSpPr>
       <p:sp>
         <p:nvSpPr>
-          <p:cNvPr id="384" name="Google Shape;384;g152a3f74d0d_0_44:notes"/>
+          <p:cNvPr id="387" name="Google Shape;387;g22c3a52a549_0_28:notes"/>
           <p:cNvSpPr/>
           <p:nvPr>
             <p:ph idx="2" type="sldImg"/>
@@ -5548,7 +5549,7 @@
       </p:sp>
       <p:sp>
         <p:nvSpPr>
-          <p:cNvPr id="385" name="Google Shape;385;g152a3f74d0d_0_44:notes"/>
+          <p:cNvPr id="388" name="Google Shape;388;g22c3a52a549_0_28:notes"/>
           <p:cNvSpPr txBox="1"/>
           <p:nvPr>
             <p:ph idx="1" type="body"/>
@@ -5598,7 +5599,7 @@
   <p:cSld>
     <p:spTree>
       <p:nvGrpSpPr>
-        <p:cNvPr id="392" name="Shape 392"/>
+        <p:cNvPr id="391" name="Shape 391"/>
         <p:cNvGrpSpPr/>
         <p:nvPr/>
       </p:nvGrpSpPr>
@@ -5612,7 +5613,7 @@
       </p:grpSpPr>
       <p:sp>
         <p:nvSpPr>
-          <p:cNvPr id="393" name="Google Shape;393;g22c56dd9f66_0_29:notes"/>
+          <p:cNvPr id="392" name="Google Shape;392;g152a3f74d0d_0_44:notes"/>
           <p:cNvSpPr/>
           <p:nvPr>
             <p:ph idx="2" type="sldImg"/>
@@ -5647,7 +5648,7 @@
       </p:sp>
       <p:sp>
         <p:nvSpPr>
-          <p:cNvPr id="394" name="Google Shape;394;g22c56dd9f66_0_29:notes"/>
+          <p:cNvPr id="393" name="Google Shape;393;g152a3f74d0d_0_44:notes"/>
           <p:cNvSpPr txBox="1"/>
           <p:nvPr>
             <p:ph idx="1" type="body"/>
@@ -5697,7 +5698,7 @@
   <p:cSld>
     <p:spTree>
       <p:nvGrpSpPr>
-        <p:cNvPr id="399" name="Shape 399"/>
+        <p:cNvPr id="400" name="Shape 400"/>
         <p:cNvGrpSpPr/>
         <p:nvPr/>
       </p:nvGrpSpPr>
@@ -5711,7 +5712,7 @@
       </p:grpSpPr>
       <p:sp>
         <p:nvSpPr>
-          <p:cNvPr id="400" name="Google Shape;400;g22c56dd9f66_0_37:notes"/>
+          <p:cNvPr id="401" name="Google Shape;401;g22c56dd9f66_0_29:notes"/>
           <p:cNvSpPr/>
           <p:nvPr>
             <p:ph idx="2" type="sldImg"/>
@@ -5746,7 +5747,7 @@
       </p:sp>
       <p:sp>
         <p:nvSpPr>
-          <p:cNvPr id="401" name="Google Shape;401;g22c56dd9f66_0_37:notes"/>
+          <p:cNvPr id="402" name="Google Shape;402;g22c56dd9f66_0_29:notes"/>
           <p:cNvSpPr txBox="1"/>
           <p:nvPr>
             <p:ph idx="1" type="body"/>
@@ -5796,7 +5797,7 @@
   <p:cSld>
     <p:spTree>
       <p:nvGrpSpPr>
-        <p:cNvPr id="406" name="Shape 406"/>
+        <p:cNvPr id="407" name="Shape 407"/>
         <p:cNvGrpSpPr/>
         <p:nvPr/>
       </p:nvGrpSpPr>
@@ -5810,7 +5811,7 @@
       </p:grpSpPr>
       <p:sp>
         <p:nvSpPr>
-          <p:cNvPr id="407" name="Google Shape;407;g239869f5abc_0_38:notes"/>
+          <p:cNvPr id="408" name="Google Shape;408;g22c56dd9f66_0_37:notes"/>
           <p:cNvSpPr/>
           <p:nvPr>
             <p:ph idx="2" type="sldImg"/>
@@ -5845,7 +5846,7 @@
       </p:sp>
       <p:sp>
         <p:nvSpPr>
-          <p:cNvPr id="408" name="Google Shape;408;g239869f5abc_0_38:notes"/>
+          <p:cNvPr id="409" name="Google Shape;409;g22c56dd9f66_0_37:notes"/>
           <p:cNvSpPr txBox="1"/>
           <p:nvPr>
             <p:ph idx="1" type="body"/>
@@ -5895,7 +5896,7 @@
   <p:cSld>
     <p:spTree>
       <p:nvGrpSpPr>
-        <p:cNvPr id="412" name="Shape 412"/>
+        <p:cNvPr id="414" name="Shape 414"/>
         <p:cNvGrpSpPr/>
         <p:nvPr/>
       </p:nvGrpSpPr>
@@ -5909,7 +5910,7 @@
       </p:grpSpPr>
       <p:sp>
         <p:nvSpPr>
-          <p:cNvPr id="413" name="Google Shape;413;g239869f5abc_0_43:notes"/>
+          <p:cNvPr id="415" name="Google Shape;415;g239869f5abc_0_38:notes"/>
           <p:cNvSpPr/>
           <p:nvPr>
             <p:ph idx="2" type="sldImg"/>
@@ -5944,7 +5945,106 @@
       </p:sp>
       <p:sp>
         <p:nvSpPr>
-          <p:cNvPr id="414" name="Google Shape;414;g239869f5abc_0_43:notes"/>
+          <p:cNvPr id="416" name="Google Shape;416;g239869f5abc_0_38:notes"/>
+          <p:cNvSpPr txBox="1"/>
+          <p:nvPr>
+            <p:ph idx="1" type="body"/>
+          </p:nvPr>
+        </p:nvSpPr>
+        <p:spPr>
+          <a:xfrm>
+            <a:off x="685800" y="4343400"/>
+            <a:ext cx="5486400" cy="4114800"/>
+          </a:xfrm>
+          <a:prstGeom prst="rect">
+            <a:avLst/>
+          </a:prstGeom>
+        </p:spPr>
+        <p:txBody>
+          <a:bodyPr anchorCtr="0" anchor="t" bIns="91425" lIns="91425" spcFirstLastPara="1" rIns="91425" wrap="square" tIns="91425">
+            <a:noAutofit/>
+          </a:bodyPr>
+          <a:lstStyle/>
+          <a:p>
+            <a:pPr indent="0" lvl="0" marL="0" rtl="0" algn="l">
+              <a:spcBef>
+                <a:spcPts val="0"/>
+              </a:spcBef>
+              <a:spcAft>
+                <a:spcPts val="0"/>
+              </a:spcAft>
+              <a:buNone/>
+            </a:pPr>
+            <a:r>
+              <a:t/>
+            </a:r>
+            <a:endParaRPr/>
+          </a:p>
+        </p:txBody>
+      </p:sp>
+    </p:spTree>
+  </p:cSld>
+  <p:clrMapOvr>
+    <a:masterClrMapping/>
+  </p:clrMapOvr>
+</p:notes>
+</file>
+
+<file path=ppt/notesSlides/notesSlide58.xml><?xml version="1.0" encoding="utf-8"?>
+<p:notes xmlns:a="http://schemas.openxmlformats.org/drawingml/2006/main" xmlns:r="http://schemas.openxmlformats.org/officeDocument/2006/relationships" xmlns:mc="http://schemas.openxmlformats.org/markup-compatibility/2006" xmlns:mv="urn:schemas-microsoft-com:mac:vml" xmlns:p="http://schemas.openxmlformats.org/presentationml/2006/main" xmlns:c="http://schemas.openxmlformats.org/drawingml/2006/chart" xmlns:dgm="http://schemas.openxmlformats.org/drawingml/2006/diagram" xmlns:o="urn:schemas-microsoft-com:office:office" xmlns:v="urn:schemas-microsoft-com:vml" xmlns:pvml="urn:schemas-microsoft-com:office:powerpoint" xmlns:com="http://schemas.openxmlformats.org/drawingml/2006/compatibility" xmlns:p14="http://schemas.microsoft.com/office/powerpoint/2010/main" xmlns:p15="http://schemas.microsoft.com/office/powerpoint/2012/main" xmlns:ahyp="http://schemas.microsoft.com/office/drawing/2018/hyperlinkcolor" showMasterPhAnim="0" showMasterSp="0">
+  <p:cSld>
+    <p:spTree>
+      <p:nvGrpSpPr>
+        <p:cNvPr id="420" name="Shape 420"/>
+        <p:cNvGrpSpPr/>
+        <p:nvPr/>
+      </p:nvGrpSpPr>
+      <p:grpSpPr>
+        <a:xfrm>
+          <a:off x="0" y="0"/>
+          <a:ext cx="0" cy="0"/>
+          <a:chOff x="0" y="0"/>
+          <a:chExt cx="0" cy="0"/>
+        </a:xfrm>
+      </p:grpSpPr>
+      <p:sp>
+        <p:nvSpPr>
+          <p:cNvPr id="421" name="Google Shape;421;g239869f5abc_0_43:notes"/>
+          <p:cNvSpPr/>
+          <p:nvPr>
+            <p:ph idx="2" type="sldImg"/>
+          </p:nvPr>
+        </p:nvSpPr>
+        <p:spPr>
+          <a:xfrm>
+            <a:off x="381300" y="685800"/>
+            <a:ext cx="6096000" cy="3429000"/>
+          </a:xfrm>
+          <a:custGeom>
+            <a:rect b="b" l="l" r="r" t="t"/>
+            <a:pathLst>
+              <a:path extrusionOk="0" h="120000" w="120000">
+                <a:moveTo>
+                  <a:pt x="0" y="0"/>
+                </a:moveTo>
+                <a:lnTo>
+                  <a:pt x="120000" y="0"/>
+                </a:lnTo>
+                <a:lnTo>
+                  <a:pt x="120000" y="120000"/>
+                </a:lnTo>
+                <a:lnTo>
+                  <a:pt x="0" y="120000"/>
+                </a:lnTo>
+                <a:close/>
+              </a:path>
+            </a:pathLst>
+          </a:custGeom>
+        </p:spPr>
+      </p:sp>
+      <p:sp>
+        <p:nvSpPr>
+          <p:cNvPr id="422" name="Google Shape;422;g239869f5abc_0_43:notes"/>
           <p:cNvSpPr txBox="1"/>
           <p:nvPr>
             <p:ph idx="1" type="body"/>
@@ -12031,7 +12131,7 @@
           <a:p>
             <a:pPr indent="-317500" lvl="1" marL="914400" rtl="0" algn="l">
               <a:spcBef>
-                <a:spcPts val="1000"/>
+                <a:spcPts val="0"/>
               </a:spcBef>
               <a:spcAft>
                 <a:spcPts val="0"/>
@@ -12103,7 +12203,7 @@
           <a:p>
             <a:pPr indent="-317500" lvl="1" marL="914400" rtl="0" algn="l">
               <a:spcBef>
-                <a:spcPts val="1000"/>
+                <a:spcPts val="0"/>
               </a:spcBef>
               <a:spcAft>
                 <a:spcPts val="0"/>
@@ -12192,7 +12292,7 @@
           <a:p>
             <a:pPr indent="-317500" lvl="1" marL="914400" rtl="0" algn="l">
               <a:spcBef>
-                <a:spcPts val="1000"/>
+                <a:spcPts val="0"/>
               </a:spcBef>
               <a:spcAft>
                 <a:spcPts val="0"/>
@@ -12733,7 +12833,7 @@
             <a:tbl>
               <a:tblPr>
                 <a:noFill/>
-                <a:tableStyleId>{1C876E2D-85E4-4DFA-831F-7B707F6FABD3}</a:tableStyleId>
+                <a:tableStyleId>{AD9BC3B8-D6C1-4DDE-8EB1-3171676A2189}</a:tableStyleId>
               </a:tblPr>
               <a:tblGrid>
                 <a:gridCol w="524750"/>
@@ -16870,7 +16970,7 @@
             <a:tbl>
               <a:tblPr>
                 <a:noFill/>
-                <a:tableStyleId>{6A93F605-E449-408C-A896-84E7B130BEF8}</a:tableStyleId>
+                <a:tableStyleId>{F79B4C94-9A7A-4FCE-B336-FF0C4D40C903}</a:tableStyleId>
               </a:tblPr>
               <a:tblGrid>
                 <a:gridCol w="2148850"/>
@@ -16894,7 +16994,7 @@
                         <a:buNone/>
                       </a:pPr>
                       <a:r>
-                        <a:rPr b="1" lang="en" sz="1500">
+                        <a:rPr b="1" lang="en">
                           <a:solidFill>
                             <a:schemeClr val="lt1"/>
                           </a:solidFill>
@@ -16902,14 +17002,14 @@
                         <a:t>Agile / </a:t>
                       </a:r>
                       <a:r>
-                        <a:rPr b="1" lang="en" sz="1500">
+                        <a:rPr b="1" lang="en">
                           <a:solidFill>
                             <a:schemeClr val="lt1"/>
                           </a:solidFill>
                         </a:rPr>
                         <a:t>Scrum</a:t>
                       </a:r>
-                      <a:endParaRPr b="1" sz="1500">
+                      <a:endParaRPr b="1">
                         <a:solidFill>
                           <a:schemeClr val="lt1"/>
                         </a:solidFill>
@@ -16973,14 +17073,14 @@
                         <a:buNone/>
                       </a:pPr>
                       <a:r>
-                        <a:rPr b="1" lang="en" sz="1500">
+                        <a:rPr b="1" lang="en">
                           <a:solidFill>
                             <a:schemeClr val="lt1"/>
                           </a:solidFill>
                         </a:rPr>
                         <a:t>AMOS</a:t>
                       </a:r>
-                      <a:endParaRPr b="1" sz="1500">
+                      <a:endParaRPr b="1">
                         <a:solidFill>
                           <a:schemeClr val="lt1"/>
                         </a:solidFill>
@@ -17044,14 +17144,14 @@
                         <a:buNone/>
                       </a:pPr>
                       <a:r>
-                        <a:rPr b="1" lang="en" sz="1500">
+                        <a:rPr b="1" lang="en">
                           <a:solidFill>
                             <a:schemeClr val="lt1"/>
                           </a:solidFill>
                         </a:rPr>
                         <a:t>GitHub</a:t>
                       </a:r>
-                      <a:endParaRPr b="1" sz="1500">
+                      <a:endParaRPr b="1">
                         <a:solidFill>
                           <a:schemeClr val="lt1"/>
                         </a:solidFill>
@@ -17115,14 +17215,14 @@
                         <a:buNone/>
                       </a:pPr>
                       <a:r>
-                        <a:rPr b="1" lang="en" sz="1500">
+                        <a:rPr b="1" lang="en">
                           <a:solidFill>
                             <a:schemeClr val="lt1"/>
                           </a:solidFill>
                         </a:rPr>
                         <a:t>Other</a:t>
                       </a:r>
-                      <a:endParaRPr b="1" sz="1500">
+                      <a:endParaRPr b="1">
                         <a:solidFill>
                           <a:schemeClr val="lt1"/>
                         </a:solidFill>
@@ -17188,10 +17288,10 @@
                         <a:buNone/>
                       </a:pPr>
                       <a:r>
-                        <a:rPr lang="en" sz="1500"/>
+                        <a:rPr lang="en"/>
                         <a:t>Project</a:t>
                       </a:r>
-                      <a:endParaRPr sz="1500"/>
+                      <a:endParaRPr/>
                     </a:p>
                   </a:txBody>
                   <a:tcPr marT="91425" marB="91425" marR="91425" marL="91425" anchor="ctr">
@@ -17248,10 +17348,10 @@
                         <a:buNone/>
                       </a:pPr>
                       <a:r>
-                        <a:rPr b="1" lang="en" sz="1500"/>
+                        <a:rPr b="1" lang="en"/>
                         <a:t>Project</a:t>
                       </a:r>
-                      <a:endParaRPr b="1" sz="1500"/>
+                      <a:endParaRPr b="1"/>
                     </a:p>
                   </a:txBody>
                   <a:tcPr marT="91425" marB="91425" marR="91425" marL="91425" anchor="ctr">
@@ -17308,10 +17408,10 @@
                         <a:buNone/>
                       </a:pPr>
                       <a:r>
-                        <a:rPr lang="en" sz="1500"/>
+                        <a:rPr lang="en"/>
                         <a:t>Repository</a:t>
                       </a:r>
-                      <a:endParaRPr sz="1500"/>
+                      <a:endParaRPr/>
                     </a:p>
                   </a:txBody>
                   <a:tcPr marT="91425" marB="91425" marR="91425" marL="91425" anchor="ctr">
@@ -17368,10 +17468,10 @@
                         <a:buNone/>
                       </a:pPr>
                       <a:r>
-                        <a:rPr lang="en" sz="1500"/>
+                        <a:rPr lang="en"/>
                         <a:t>–</a:t>
                       </a:r>
-                      <a:endParaRPr sz="1500"/>
+                      <a:endParaRPr/>
                     </a:p>
                   </a:txBody>
                   <a:tcPr marT="91425" marB="91425" marR="91425" marL="91425" anchor="ctr">
@@ -17430,10 +17530,10 @@
                         <a:buNone/>
                       </a:pPr>
                       <a:r>
-                        <a:rPr lang="en" sz="1500"/>
+                        <a:rPr lang="en"/>
                         <a:t>Backlogs [1]</a:t>
                       </a:r>
-                      <a:endParaRPr sz="1500"/>
+                      <a:endParaRPr/>
                     </a:p>
                   </a:txBody>
                   <a:tcPr marT="91425" marB="91425" marR="91425" marL="91425" anchor="ctr">
@@ -17493,10 +17593,10 @@
                         <a:buNone/>
                       </a:pPr>
                       <a:r>
-                        <a:rPr b="1" lang="en" sz="1500"/>
+                        <a:rPr b="1" lang="en"/>
                         <a:t>Backlogs</a:t>
                       </a:r>
-                      <a:endParaRPr b="1" sz="1500"/>
+                      <a:endParaRPr b="1"/>
                     </a:p>
                   </a:txBody>
                   <a:tcPr marT="91425" marB="91425" marR="91425" marL="91425" anchor="ctr">
@@ -17556,14 +17656,14 @@
                         <a:buNone/>
                       </a:pPr>
                       <a:r>
-                        <a:rPr lang="en" sz="1500"/>
+                        <a:rPr lang="en"/>
                         <a:t>Columns in p</a:t>
                       </a:r>
                       <a:r>
-                        <a:rPr lang="en" sz="1500"/>
+                        <a:rPr lang="en"/>
                         <a:t>roject [2]</a:t>
                       </a:r>
-                      <a:endParaRPr sz="1500"/>
+                      <a:endParaRPr/>
                     </a:p>
                   </a:txBody>
                   <a:tcPr marT="91425" marB="91425" marR="91425" marL="91425" anchor="ctr">
@@ -17623,10 +17723,10 @@
                         <a:buNone/>
                       </a:pPr>
                       <a:r>
-                        <a:rPr lang="en" sz="1500"/>
+                        <a:rPr lang="en"/>
                         <a:t>–</a:t>
                       </a:r>
-                      <a:endParaRPr sz="1500"/>
+                      <a:endParaRPr/>
                     </a:p>
                   </a:txBody>
                   <a:tcPr marT="91425" marB="91425" marR="91425" marL="91425" anchor="ctr">
@@ -17688,10 +17788,10 @@
                         <a:buNone/>
                       </a:pPr>
                       <a:r>
-                        <a:rPr lang="en" sz="1500"/>
+                        <a:rPr lang="en"/>
                         <a:t>Kanban board [3]</a:t>
                       </a:r>
-                      <a:endParaRPr sz="1500"/>
+                      <a:endParaRPr/>
                     </a:p>
                   </a:txBody>
                   <a:tcPr marT="91425" marB="91425" marR="91425" marL="91425" anchor="ctr">
@@ -17751,10 +17851,10 @@
                         <a:buNone/>
                       </a:pPr>
                       <a:r>
-                        <a:rPr b="1" lang="en" sz="1500"/>
+                        <a:rPr b="1" lang="en"/>
                         <a:t>Feature board</a:t>
                       </a:r>
-                      <a:endParaRPr b="1" sz="1500"/>
+                      <a:endParaRPr b="1"/>
                     </a:p>
                   </a:txBody>
                   <a:tcPr marT="91425" marB="91425" marR="91425" marL="91425" anchor="ctr">
@@ -17814,10 +17914,10 @@
                         <a:buNone/>
                       </a:pPr>
                       <a:r>
-                        <a:rPr lang="en" sz="1500"/>
+                        <a:rPr lang="en"/>
                         <a:t>Project</a:t>
                       </a:r>
-                      <a:endParaRPr sz="1500"/>
+                      <a:endParaRPr/>
                     </a:p>
                   </a:txBody>
                   <a:tcPr marT="91425" marB="91425" marR="91425" marL="91425" anchor="ctr">
@@ -17877,10 +17977,10 @@
                         <a:buNone/>
                       </a:pPr>
                       <a:r>
-                        <a:rPr lang="en" sz="1500"/>
+                        <a:rPr lang="en"/>
                         <a:t>–</a:t>
                       </a:r>
-                      <a:endParaRPr sz="1500"/>
+                      <a:endParaRPr/>
                     </a:p>
                   </a:txBody>
                   <a:tcPr marT="91425" marB="91425" marR="91425" marL="91425" anchor="ctr">
@@ -17942,10 +18042,10 @@
                         <a:buNone/>
                       </a:pPr>
                       <a:r>
-                        <a:rPr lang="en" sz="1500"/>
+                        <a:rPr lang="en"/>
                         <a:t>Backlog item [4]</a:t>
                       </a:r>
-                      <a:endParaRPr sz="1500"/>
+                      <a:endParaRPr/>
                     </a:p>
                   </a:txBody>
                   <a:tcPr marT="91425" marB="91425" marR="91425" marL="91425" anchor="ctr">
@@ -18005,10 +18105,10 @@
                         <a:buNone/>
                       </a:pPr>
                       <a:r>
-                        <a:rPr b="1" lang="en" sz="1500"/>
+                        <a:rPr b="1" lang="en"/>
                         <a:t>Backlog item</a:t>
                       </a:r>
-                      <a:endParaRPr b="1" sz="1500"/>
+                      <a:endParaRPr b="1"/>
                     </a:p>
                   </a:txBody>
                   <a:tcPr marT="91425" marB="91425" marR="91425" marL="91425" anchor="ctr">
@@ -18068,10 +18168,10 @@
                         <a:buNone/>
                       </a:pPr>
                       <a:r>
-                        <a:rPr lang="en" sz="1500"/>
+                        <a:rPr lang="en"/>
                         <a:t>Item, also issue [5]</a:t>
                       </a:r>
-                      <a:endParaRPr sz="1500"/>
+                      <a:endParaRPr/>
                     </a:p>
                   </a:txBody>
                   <a:tcPr marT="91425" marB="91425" marR="91425" marL="91425" anchor="ctr">
@@ -18131,10 +18231,10 @@
                         <a:buNone/>
                       </a:pPr>
                       <a:r>
-                        <a:rPr lang="en" sz="1500"/>
+                        <a:rPr lang="en"/>
                         <a:t>Work item, ticket</a:t>
                       </a:r>
-                      <a:endParaRPr sz="1500"/>
+                      <a:endParaRPr/>
                     </a:p>
                   </a:txBody>
                   <a:tcPr marT="91425" marB="91425" marR="91425" marL="91425" anchor="ctr">
@@ -18196,10 +18296,10 @@
                         <a:buNone/>
                       </a:pPr>
                       <a:r>
-                        <a:rPr lang="en" sz="1500"/>
+                        <a:rPr lang="en"/>
                         <a:t>– </a:t>
                       </a:r>
-                      <a:endParaRPr sz="1500"/>
+                      <a:endParaRPr/>
                     </a:p>
                   </a:txBody>
                   <a:tcPr marT="91425" marB="91425" marR="91425" marL="91425" anchor="ctr">
@@ -18259,10 +18359,10 @@
                         <a:buNone/>
                       </a:pPr>
                       <a:r>
-                        <a:rPr b="1" lang="en" sz="1500"/>
+                        <a:rPr b="1" lang="en"/>
                         <a:t>Code repository</a:t>
                       </a:r>
-                      <a:endParaRPr b="1" sz="1500"/>
+                      <a:endParaRPr b="1"/>
                     </a:p>
                   </a:txBody>
                   <a:tcPr marT="91425" marB="91425" marR="91425" marL="91425" anchor="ctr">
@@ -18322,10 +18422,10 @@
                         <a:buNone/>
                       </a:pPr>
                       <a:r>
-                        <a:rPr lang="en" sz="1500"/>
+                        <a:rPr lang="en"/>
                         <a:t>Code</a:t>
                       </a:r>
-                      <a:endParaRPr sz="1500"/>
+                      <a:endParaRPr/>
                     </a:p>
                   </a:txBody>
                   <a:tcPr marT="91425" marB="91425" marR="91425" marL="91425" anchor="ctr">
@@ -18385,10 +18485,10 @@
                         <a:buNone/>
                       </a:pPr>
                       <a:r>
-                        <a:rPr lang="en" sz="1500"/>
+                        <a:rPr lang="en"/>
                         <a:t>–</a:t>
                       </a:r>
-                      <a:endParaRPr sz="1500"/>
+                      <a:endParaRPr/>
                     </a:p>
                   </a:txBody>
                   <a:tcPr marT="91425" marB="91425" marR="91425" marL="91425" anchor="ctr">
@@ -21370,7 +21470,7 @@
             </a:pPr>
             <a:r>
               <a:rPr lang="en"/>
-              <a:t>Pair Programming</a:t>
+              <a:t>Pair Programming / Co-Authoring</a:t>
             </a:r>
             <a:endParaRPr/>
           </a:p>
@@ -21415,14 +21515,15 @@
             <a:endParaRPr/>
           </a:p>
           <a:p>
-            <a:pPr indent="0" lvl="0" marL="0" rtl="0" algn="l">
+            <a:pPr indent="-342900" lvl="0" marL="457200" rtl="0" algn="l">
               <a:spcBef>
                 <a:spcPts val="1200"/>
               </a:spcBef>
               <a:spcAft>
                 <a:spcPts val="0"/>
               </a:spcAft>
-              <a:buNone/>
+              <a:buSzPts val="1800"/>
+              <a:buChar char="●"/>
             </a:pPr>
             <a:r>
               <a:rPr lang="en"/>
@@ -21435,6 +21536,27 @@
             <a:endParaRPr b="1"/>
           </a:p>
           <a:p>
+            <a:pPr indent="-342900" lvl="0" marL="457200" rtl="0" algn="l">
+              <a:spcBef>
+                <a:spcPts val="0"/>
+              </a:spcBef>
+              <a:spcAft>
+                <a:spcPts val="0"/>
+              </a:spcAft>
+              <a:buSzPts val="1800"/>
+              <a:buChar char="●"/>
+            </a:pPr>
+            <a:r>
+              <a:rPr lang="en"/>
+              <a:t>D</a:t>
+            </a:r>
+            <a:r>
+              <a:rPr lang="en"/>
+              <a:t>ouble-check the syntax (otherwise co-authorship will not be recognized)</a:t>
+            </a:r>
+            <a:endParaRPr/>
+          </a:p>
+          <a:p>
             <a:pPr indent="0" lvl="0" marL="0" rtl="0" algn="l">
               <a:spcBef>
                 <a:spcPts val="1200"/>
@@ -21445,12 +21567,7 @@
               <a:buNone/>
             </a:pPr>
             <a:r>
-              <a:rPr lang="en"/>
-              <a:t>Please d</a:t>
-            </a:r>
-            <a:r>
-              <a:rPr lang="en"/>
-              <a:t>ouble-check the syntax (otherwise co-authorship will not be recognized)</a:t>
+              <a:t/>
             </a:r>
             <a:endParaRPr/>
           </a:p>
@@ -21482,22 +21599,7 @@
             <a:r>
               <a:t/>
             </a:r>
-            <a:endParaRPr/>
-          </a:p>
-          <a:p>
-            <a:pPr indent="0" lvl="0" marL="0" rtl="0" algn="l">
-              <a:spcBef>
-                <a:spcPts val="1200"/>
-              </a:spcBef>
-              <a:spcAft>
-                <a:spcPts val="0"/>
-              </a:spcAft>
-              <a:buNone/>
-            </a:pPr>
-            <a:r>
-              <a:t/>
-            </a:r>
-            <a:endParaRPr/>
+            <a:endParaRPr b="1"/>
           </a:p>
           <a:p>
             <a:pPr indent="0" lvl="0" marL="0" rtl="0" algn="l">
@@ -21552,11 +21654,7 @@
                 </a:solidFill>
                 <a:hlinkClick r:id="rId3"/>
               </a:rPr>
-              <a:t>more information on GitHub</a:t>
-            </a:r>
-            <a:r>
-              <a:rPr lang="en"/>
-              <a:t> </a:t>
+              <a:t>more detailed information on GitHub</a:t>
             </a:r>
             <a:endParaRPr/>
           </a:p>
@@ -21639,8 +21737,8 @@
         </p:nvSpPr>
         <p:spPr>
           <a:xfrm>
-            <a:off x="274320" y="2286000"/>
-            <a:ext cx="8595300" cy="1371600"/>
+            <a:off x="274325" y="2148840"/>
+            <a:ext cx="8595300" cy="1245000"/>
           </a:xfrm>
           <a:prstGeom prst="rect">
             <a:avLst/>
@@ -21706,7 +21804,65 @@
                 <a:cs typeface="Courier New"/>
                 <a:sym typeface="Courier New"/>
               </a:rPr>
-              <a:t>&gt; Co-authored-by: Stefan Buchner &lt;</a:t>
+              <a:t>&gt; </a:t>
+            </a:r>
+            <a:endParaRPr sz="1500">
+              <a:latin typeface="Courier New"/>
+              <a:ea typeface="Courier New"/>
+              <a:cs typeface="Courier New"/>
+              <a:sym typeface="Courier New"/>
+            </a:endParaRPr>
+          </a:p>
+          <a:p>
+            <a:pPr indent="0" lvl="0" marL="0" rtl="0" algn="l">
+              <a:lnSpc>
+                <a:spcPct val="115000"/>
+              </a:lnSpc>
+              <a:spcBef>
+                <a:spcPts val="0"/>
+              </a:spcBef>
+              <a:spcAft>
+                <a:spcPts val="0"/>
+              </a:spcAft>
+              <a:buNone/>
+            </a:pPr>
+            <a:r>
+              <a:rPr lang="en" sz="1500">
+                <a:latin typeface="Courier New"/>
+                <a:ea typeface="Courier New"/>
+                <a:cs typeface="Courier New"/>
+                <a:sym typeface="Courier New"/>
+              </a:rPr>
+              <a:t>&gt;</a:t>
+            </a:r>
+            <a:endParaRPr sz="1500">
+              <a:latin typeface="Courier New"/>
+              <a:ea typeface="Courier New"/>
+              <a:cs typeface="Courier New"/>
+              <a:sym typeface="Courier New"/>
+            </a:endParaRPr>
+          </a:p>
+          <a:p>
+            <a:pPr indent="0" lvl="0" marL="0" rtl="0" algn="l">
+              <a:lnSpc>
+                <a:spcPct val="115000"/>
+              </a:lnSpc>
+              <a:spcBef>
+                <a:spcPts val="0"/>
+              </a:spcBef>
+              <a:spcAft>
+                <a:spcPts val="0"/>
+              </a:spcAft>
+              <a:buNone/>
+            </a:pPr>
+            <a:r>
+              <a:rPr lang="en" sz="1500">
+                <a:latin typeface="Courier New"/>
+                <a:ea typeface="Courier New"/>
+                <a:cs typeface="Courier New"/>
+                <a:sym typeface="Courier New"/>
+              </a:rPr>
+              <a:t>Co-authored-by: Stefan Buchner &lt;</a:t>
             </a:r>
             <a:r>
               <a:rPr lang="en" sz="1500" u="sng">
@@ -21729,6 +21885,18 @@
                 <a:sym typeface="Courier New"/>
               </a:rPr>
               <a:t>&gt;</a:t>
+            </a:r>
+            <a:r>
+              <a:rPr lang="en" sz="1500">
+                <a:solidFill>
+                  <a:schemeClr val="dk1"/>
+                </a:solidFill>
+                <a:latin typeface="Courier New"/>
+                <a:ea typeface="Courier New"/>
+                <a:cs typeface="Courier New"/>
+                <a:sym typeface="Courier New"/>
+              </a:rPr>
+              <a:t>"</a:t>
             </a:r>
             <a:endParaRPr sz="1500">
               <a:latin typeface="Courier New"/>
@@ -21821,7 +21989,7 @@
             </a:pPr>
             <a:r>
               <a:rPr lang="en"/>
-              <a:t>The AMOS Project Licenses</a:t>
+              <a:t>Making Your Work Count</a:t>
             </a:r>
             <a:endParaRPr/>
           </a:p>
@@ -21861,7 +22029,23 @@
             </a:pPr>
             <a:r>
               <a:rPr lang="en"/>
-              <a:t>For source code, we use the MIT license</a:t>
+              <a:t>We use git, not GitHub [1], to look at your work</a:t>
+            </a:r>
+            <a:endParaRPr/>
+          </a:p>
+          <a:p>
+            <a:pPr indent="0" lvl="0" marL="0" rtl="0" algn="l">
+              <a:spcBef>
+                <a:spcPts val="1200"/>
+              </a:spcBef>
+              <a:spcAft>
+                <a:spcPts val="0"/>
+              </a:spcAft>
+              <a:buNone/>
+            </a:pPr>
+            <a:r>
+              <a:rPr lang="en"/>
+              <a:t>If you want your work to count,</a:t>
             </a:r>
             <a:endParaRPr/>
           </a:p>
@@ -21878,43 +22062,14 @@
             </a:pPr>
             <a:r>
               <a:rPr lang="en"/>
-              <a:t>See </a:t>
-            </a:r>
-            <a:r>
-              <a:rPr lang="en" u="sng">
-                <a:solidFill>
-                  <a:schemeClr val="hlink"/>
-                </a:solidFill>
-                <a:hlinkClick r:id="rId3"/>
-              </a:rPr>
-              <a:t>https://opensource.org/licenses/MIT</a:t>
-            </a:r>
-            <a:r>
-              <a:rPr lang="en"/>
-              <a:t> </a:t>
-            </a:r>
-            <a:endParaRPr/>
-          </a:p>
-          <a:p>
-            <a:pPr indent="0" lvl="0" marL="0" rtl="0" algn="l">
-              <a:spcBef>
-                <a:spcPts val="1200"/>
-              </a:spcBef>
-              <a:spcAft>
-                <a:spcPts val="0"/>
-              </a:spcAft>
-              <a:buNone/>
-            </a:pPr>
-            <a:r>
-              <a:rPr lang="en"/>
-              <a:t>For other data, we use the CC BY 4.0 license</a:t>
+              <a:t>Do not squash your commits</a:t>
             </a:r>
             <a:endParaRPr/>
           </a:p>
           <a:p>
             <a:pPr indent="-342900" lvl="0" marL="457200" rtl="0" algn="l">
               <a:spcBef>
-                <a:spcPts val="1200"/>
+                <a:spcPts val="0"/>
               </a:spcBef>
               <a:spcAft>
                 <a:spcPts val="0"/>
@@ -21924,35 +22079,7 @@
             </a:pPr>
             <a:r>
               <a:rPr lang="en"/>
-              <a:t>See </a:t>
-            </a:r>
-            <a:r>
-              <a:rPr lang="en" u="sng">
-                <a:solidFill>
-                  <a:schemeClr val="hlink"/>
-                </a:solidFill>
-                <a:hlinkClick r:id="rId4"/>
-              </a:rPr>
-              <a:t>https://creativecommons.org/licenses/by/4.0/</a:t>
-            </a:r>
-            <a:r>
-              <a:rPr lang="en"/>
-              <a:t> </a:t>
-            </a:r>
-            <a:endParaRPr/>
-          </a:p>
-          <a:p>
-            <a:pPr indent="0" lvl="0" marL="0" rtl="0" algn="l">
-              <a:spcBef>
-                <a:spcPts val="1200"/>
-              </a:spcBef>
-              <a:spcAft>
-                <a:spcPts val="1200"/>
-              </a:spcAft>
-              <a:buNone/>
-            </a:pPr>
-            <a:r>
-              <a:t/>
+              <a:t>Do not delete branches with relevant work</a:t>
             </a:r>
             <a:endParaRPr/>
           </a:p>
@@ -22011,7 +22138,7 @@
                 <a:solidFill>
                   <a:schemeClr val="hlink"/>
                 </a:solidFill>
-                <a:hlinkClick r:id="rId5"/>
+                <a:hlinkClick r:id="rId3"/>
               </a:rPr>
               <a:t>https://profriehle.com</a:t>
             </a:r>
@@ -22022,6 +22149,48 @@
                 </a:solidFill>
               </a:rPr>
               <a:t> </a:t>
+            </a:r>
+            <a:endParaRPr/>
+          </a:p>
+        </p:txBody>
+      </p:sp>
+      <p:sp>
+        <p:nvSpPr>
+          <p:cNvPr id="318" name="Google Shape;318;p49"/>
+          <p:cNvSpPr txBox="1"/>
+          <p:nvPr/>
+        </p:nvSpPr>
+        <p:spPr>
+          <a:xfrm>
+            <a:off x="0" y="4206240"/>
+            <a:ext cx="7315200" cy="914400"/>
+          </a:xfrm>
+          <a:prstGeom prst="rect">
+            <a:avLst/>
+          </a:prstGeom>
+          <a:noFill/>
+          <a:ln>
+            <a:noFill/>
+          </a:ln>
+        </p:spPr>
+        <p:txBody>
+          <a:bodyPr anchorCtr="0" anchor="b" bIns="91425" lIns="91425" spcFirstLastPara="1" rIns="91425" wrap="square" tIns="91425">
+            <a:noAutofit/>
+          </a:bodyPr>
+          <a:lstStyle/>
+          <a:p>
+            <a:pPr indent="0" lvl="0" marL="0" rtl="0" algn="l">
+              <a:spcBef>
+                <a:spcPts val="0"/>
+              </a:spcBef>
+              <a:spcAft>
+                <a:spcPts val="0"/>
+              </a:spcAft>
+              <a:buNone/>
+            </a:pPr>
+            <a:r>
+              <a:rPr lang="en"/>
+              <a:t>[1] The GitHub interface / GitHub insights does not display your data correctly</a:t>
             </a:r>
             <a:endParaRPr/>
           </a:p>
@@ -22040,7 +22209,7 @@
   <p:cSld>
     <p:spTree>
       <p:nvGrpSpPr>
-        <p:cNvPr id="321" name="Shape 321"/>
+        <p:cNvPr id="322" name="Shape 322"/>
         <p:cNvGrpSpPr/>
         <p:nvPr/>
       </p:nvGrpSpPr>
@@ -22054,7 +22223,7 @@
       </p:grpSpPr>
       <p:sp>
         <p:nvSpPr>
-          <p:cNvPr id="322" name="Google Shape;322;p50"/>
+          <p:cNvPr id="323" name="Google Shape;323;p50"/>
           <p:cNvSpPr txBox="1"/>
           <p:nvPr>
             <p:ph type="title"/>
@@ -22086,7 +22255,7 @@
             </a:pPr>
             <a:r>
               <a:rPr lang="en"/>
-              <a:t>License and Copyright Declaration in Files</a:t>
+              <a:t>The AMOS Project Licenses</a:t>
             </a:r>
             <a:endParaRPr/>
           </a:p>
@@ -22094,7 +22263,7 @@
       </p:sp>
       <p:sp>
         <p:nvSpPr>
-          <p:cNvPr id="323" name="Google Shape;323;p50"/>
+          <p:cNvPr id="324" name="Google Shape;324;p50"/>
           <p:cNvSpPr txBox="1"/>
           <p:nvPr>
             <p:ph idx="1" type="body"/>
@@ -22120,13 +22289,104 @@
                 <a:spcPts val="0"/>
               </a:spcBef>
               <a:spcAft>
+                <a:spcPts val="0"/>
+              </a:spcAft>
+              <a:buNone/>
+            </a:pPr>
+            <a:r>
+              <a:rPr lang="en"/>
+              <a:t>For source code, we use the MIT license</a:t>
+            </a:r>
+            <a:endParaRPr/>
+          </a:p>
+          <a:p>
+            <a:pPr indent="-342900" lvl="0" marL="457200" rtl="0" algn="l">
+              <a:spcBef>
                 <a:spcPts val="1200"/>
-              </a:spcAft>
-              <a:buNone/>
-            </a:pPr>
-            <a:r>
-              <a:rPr lang="en"/>
-              <a:t>Please use the REUSE SOFTWARE [1] format to declare license and copyright</a:t>
+              </a:spcBef>
+              <a:spcAft>
+                <a:spcPts val="0"/>
+              </a:spcAft>
+              <a:buSzPts val="1800"/>
+              <a:buChar char="●"/>
+            </a:pPr>
+            <a:r>
+              <a:rPr lang="en"/>
+              <a:t>See </a:t>
+            </a:r>
+            <a:r>
+              <a:rPr lang="en" u="sng">
+                <a:solidFill>
+                  <a:schemeClr val="hlink"/>
+                </a:solidFill>
+                <a:hlinkClick r:id="rId3"/>
+              </a:rPr>
+              <a:t>https://opensource.org/licenses/MIT</a:t>
+            </a:r>
+            <a:r>
+              <a:rPr lang="en"/>
+              <a:t> </a:t>
+            </a:r>
+            <a:endParaRPr/>
+          </a:p>
+          <a:p>
+            <a:pPr indent="0" lvl="0" marL="0" rtl="0" algn="l">
+              <a:spcBef>
+                <a:spcPts val="1200"/>
+              </a:spcBef>
+              <a:spcAft>
+                <a:spcPts val="0"/>
+              </a:spcAft>
+              <a:buNone/>
+            </a:pPr>
+            <a:r>
+              <a:rPr lang="en"/>
+              <a:t>For other data, we use the CC BY 4.0 license</a:t>
+            </a:r>
+            <a:endParaRPr/>
+          </a:p>
+          <a:p>
+            <a:pPr indent="-342900" lvl="0" marL="457200" rtl="0" algn="l">
+              <a:spcBef>
+                <a:spcPts val="1200"/>
+              </a:spcBef>
+              <a:spcAft>
+                <a:spcPts val="0"/>
+              </a:spcAft>
+              <a:buSzPts val="1800"/>
+              <a:buChar char="●"/>
+            </a:pPr>
+            <a:r>
+              <a:rPr lang="en"/>
+              <a:t>See </a:t>
+            </a:r>
+            <a:r>
+              <a:rPr lang="en" u="sng">
+                <a:solidFill>
+                  <a:schemeClr val="hlink"/>
+                </a:solidFill>
+                <a:hlinkClick r:id="rId4"/>
+              </a:rPr>
+              <a:t>https://creativecommons.org/licenses/by/4.0/</a:t>
+            </a:r>
+            <a:r>
+              <a:rPr lang="en"/>
+              <a:t> </a:t>
+            </a:r>
+            <a:endParaRPr/>
+          </a:p>
+          <a:p>
+            <a:pPr indent="0" lvl="0" marL="0" rtl="0" algn="l">
+              <a:spcBef>
+                <a:spcPts val="1200"/>
+              </a:spcBef>
+              <a:spcAft>
+                <a:spcPts val="1200"/>
+              </a:spcAft>
+              <a:buNone/>
+            </a:pPr>
+            <a:r>
+              <a:t/>
             </a:r>
             <a:endParaRPr/>
           </a:p>
@@ -22134,7 +22394,7 @@
       </p:sp>
       <p:sp>
         <p:nvSpPr>
-          <p:cNvPr id="324" name="Google Shape;324;p50"/>
+          <p:cNvPr id="325" name="Google Shape;325;p50"/>
           <p:cNvSpPr txBox="1"/>
           <p:nvPr>
             <p:ph idx="12" type="sldNum"/>
@@ -22185,7 +22445,7 @@
                 <a:solidFill>
                   <a:schemeClr val="hlink"/>
                 </a:solidFill>
-                <a:hlinkClick r:id="rId3"/>
+                <a:hlinkClick r:id="rId5"/>
               </a:rPr>
               <a:t>https://profriehle.com</a:t>
             </a:r>
@@ -22198,176 +22458,6 @@
               <a:t> </a:t>
             </a:r>
             <a:endParaRPr/>
-          </a:p>
-        </p:txBody>
-      </p:sp>
-      <p:sp>
-        <p:nvSpPr>
-          <p:cNvPr id="325" name="Google Shape;325;p50"/>
-          <p:cNvSpPr txBox="1"/>
-          <p:nvPr/>
-        </p:nvSpPr>
-        <p:spPr>
-          <a:xfrm>
-            <a:off x="0" y="4416552"/>
-            <a:ext cx="7315200" cy="731400"/>
-          </a:xfrm>
-          <a:prstGeom prst="rect">
-            <a:avLst/>
-          </a:prstGeom>
-          <a:noFill/>
-          <a:ln>
-            <a:noFill/>
-          </a:ln>
-        </p:spPr>
-        <p:txBody>
-          <a:bodyPr anchorCtr="0" anchor="b" bIns="91425" lIns="91425" spcFirstLastPara="1" rIns="91425" wrap="square" tIns="91425">
-            <a:noAutofit/>
-          </a:bodyPr>
-          <a:lstStyle/>
-          <a:p>
-            <a:pPr indent="0" lvl="0" marL="0" rtl="0" algn="l">
-              <a:spcBef>
-                <a:spcPts val="0"/>
-              </a:spcBef>
-              <a:spcAft>
-                <a:spcPts val="0"/>
-              </a:spcAft>
-              <a:buNone/>
-            </a:pPr>
-            <a:r>
-              <a:rPr lang="en"/>
-              <a:t>[1] See </a:t>
-            </a:r>
-            <a:r>
-              <a:rPr lang="en" u="sng">
-                <a:solidFill>
-                  <a:schemeClr val="hlink"/>
-                </a:solidFill>
-                <a:hlinkClick r:id="rId4"/>
-              </a:rPr>
-              <a:t>https://reuse.software/</a:t>
-            </a:r>
-            <a:r>
-              <a:rPr lang="en"/>
-              <a:t> </a:t>
-            </a:r>
-            <a:endParaRPr/>
-          </a:p>
-        </p:txBody>
-      </p:sp>
-      <p:sp>
-        <p:nvSpPr>
-          <p:cNvPr id="326" name="Google Shape;326;p50"/>
-          <p:cNvSpPr txBox="1"/>
-          <p:nvPr/>
-        </p:nvSpPr>
-        <p:spPr>
-          <a:xfrm>
-            <a:off x="274320" y="1371600"/>
-            <a:ext cx="8595300" cy="1371600"/>
-          </a:xfrm>
-          <a:prstGeom prst="rect">
-            <a:avLst/>
-          </a:prstGeom>
-          <a:solidFill>
-            <a:schemeClr val="accent1"/>
-          </a:solidFill>
-          <a:ln>
-            <a:noFill/>
-          </a:ln>
-        </p:spPr>
-        <p:txBody>
-          <a:bodyPr anchorCtr="0" anchor="t" bIns="91425" lIns="91425" spcFirstLastPara="1" rIns="91425" wrap="square" tIns="91425">
-            <a:noAutofit/>
-          </a:bodyPr>
-          <a:lstStyle/>
-          <a:p>
-            <a:pPr indent="0" lvl="0" marL="0" rtl="0" algn="l">
-              <a:lnSpc>
-                <a:spcPct val="115000"/>
-              </a:lnSpc>
-              <a:spcBef>
-                <a:spcPts val="0"/>
-              </a:spcBef>
-              <a:spcAft>
-                <a:spcPts val="0"/>
-              </a:spcAft>
-              <a:buNone/>
-            </a:pPr>
-            <a:r>
-              <a:rPr lang="en" sz="1500">
-                <a:latin typeface="Courier New"/>
-                <a:ea typeface="Courier New"/>
-                <a:cs typeface="Courier New"/>
-                <a:sym typeface="Courier New"/>
-              </a:rPr>
-              <a:t>// SPDX-License-Identifier: MIT</a:t>
-            </a:r>
-            <a:endParaRPr sz="1500">
-              <a:latin typeface="Courier New"/>
-              <a:ea typeface="Courier New"/>
-              <a:cs typeface="Courier New"/>
-              <a:sym typeface="Courier New"/>
-            </a:endParaRPr>
-          </a:p>
-          <a:p>
-            <a:pPr indent="0" lvl="0" marL="0" rtl="0" algn="l">
-              <a:lnSpc>
-                <a:spcPct val="115000"/>
-              </a:lnSpc>
-              <a:spcBef>
-                <a:spcPts val="0"/>
-              </a:spcBef>
-              <a:spcAft>
-                <a:spcPts val="0"/>
-              </a:spcAft>
-              <a:buNone/>
-            </a:pPr>
-            <a:r>
-              <a:rPr lang="en" sz="1500">
-                <a:latin typeface="Courier New"/>
-                <a:ea typeface="Courier New"/>
-                <a:cs typeface="Courier New"/>
-                <a:sym typeface="Courier New"/>
-              </a:rPr>
-              <a:t>// SPDX-FileCopyrightText: 2010-2021 Dirk Riehle &lt;dirk@riehle.org&gt;</a:t>
-            </a:r>
-            <a:endParaRPr sz="1500">
-              <a:latin typeface="Courier New"/>
-              <a:ea typeface="Courier New"/>
-              <a:cs typeface="Courier New"/>
-              <a:sym typeface="Courier New"/>
-            </a:endParaRPr>
-          </a:p>
-          <a:p>
-            <a:pPr indent="0" lvl="0" marL="0" rtl="0" algn="l">
-              <a:lnSpc>
-                <a:spcPct val="115000"/>
-              </a:lnSpc>
-              <a:spcBef>
-                <a:spcPts val="0"/>
-              </a:spcBef>
-              <a:spcAft>
-                <a:spcPts val="0"/>
-              </a:spcAft>
-              <a:buNone/>
-            </a:pPr>
-            <a:r>
-              <a:rPr lang="en" sz="1500">
-                <a:latin typeface="Courier New"/>
-                <a:ea typeface="Courier New"/>
-                <a:cs typeface="Courier New"/>
-                <a:sym typeface="Courier New"/>
-              </a:rPr>
-              <a:t>// SPDX-FileCopyrightText: 2019 Georg Schwarz &lt;georg.schwarz@fau.de&gt;</a:t>
-            </a:r>
-            <a:endParaRPr sz="1500">
-              <a:latin typeface="Courier New"/>
-              <a:ea typeface="Courier New"/>
-              <a:cs typeface="Courier New"/>
-              <a:sym typeface="Courier New"/>
-            </a:endParaRPr>
           </a:p>
         </p:txBody>
       </p:sp>
@@ -22384,7 +22474,7 @@
   <p:cSld>
     <p:spTree>
       <p:nvGrpSpPr>
-        <p:cNvPr id="330" name="Shape 330"/>
+        <p:cNvPr id="329" name="Shape 329"/>
         <p:cNvGrpSpPr/>
         <p:nvPr/>
       </p:nvGrpSpPr>
@@ -22398,7 +22488,7 @@
       </p:grpSpPr>
       <p:sp>
         <p:nvSpPr>
-          <p:cNvPr id="331" name="Google Shape;331;p51"/>
+          <p:cNvPr id="330" name="Google Shape;330;p51"/>
           <p:cNvSpPr txBox="1"/>
           <p:nvPr>
             <p:ph type="title"/>
@@ -22430,7 +22520,7 @@
             </a:pPr>
             <a:r>
               <a:rPr lang="en"/>
-              <a:t>Open Source Governance</a:t>
+              <a:t>License and Copyright Declaration in Files</a:t>
             </a:r>
             <a:endParaRPr/>
           </a:p>
@@ -22438,7 +22528,7 @@
       </p:sp>
       <p:sp>
         <p:nvSpPr>
-          <p:cNvPr id="332" name="Google Shape;332;p51"/>
+          <p:cNvPr id="331" name="Google Shape;331;p51"/>
           <p:cNvSpPr txBox="1"/>
           <p:nvPr>
             <p:ph idx="1" type="body"/>
@@ -22464,113 +22554,13 @@
                 <a:spcPts val="0"/>
               </a:spcBef>
               <a:spcAft>
-                <a:spcPts val="0"/>
-              </a:spcAft>
-              <a:buNone/>
-            </a:pPr>
-            <a:r>
-              <a:rPr lang="en"/>
-              <a:t>Do not add copyleft-licensed libraries to your project</a:t>
-            </a:r>
-            <a:endParaRPr/>
-          </a:p>
-          <a:p>
-            <a:pPr indent="0" lvl="0" marL="0" rtl="0" algn="l">
-              <a:spcBef>
                 <a:spcPts val="1200"/>
-              </a:spcBef>
-              <a:spcAft>
-                <a:spcPts val="0"/>
-              </a:spcAft>
-              <a:buNone/>
-            </a:pPr>
-            <a:r>
-              <a:rPr lang="en"/>
-              <a:t>Follow these rules of thumb on license choice</a:t>
-            </a:r>
-            <a:endParaRPr/>
-          </a:p>
-          <a:p>
-            <a:pPr indent="-342900" lvl="0" marL="457200" rtl="0" algn="l">
-              <a:spcBef>
-                <a:spcPts val="1200"/>
-              </a:spcBef>
-              <a:spcAft>
-                <a:spcPts val="0"/>
-              </a:spcAft>
-              <a:buSzPts val="1800"/>
-              <a:buChar char="●"/>
-            </a:pPr>
-            <a:r>
-              <a:rPr lang="en"/>
-              <a:t>OK: Permissive licenses (MIT, BSD, Apache)</a:t>
-            </a:r>
-            <a:endParaRPr/>
-          </a:p>
-          <a:p>
-            <a:pPr indent="-342900" lvl="0" marL="457200" rtl="0" algn="l">
-              <a:spcBef>
-                <a:spcPts val="0"/>
-              </a:spcBef>
-              <a:spcAft>
-                <a:spcPts val="0"/>
-              </a:spcAft>
-              <a:buSzPts val="1800"/>
-              <a:buChar char="●"/>
-            </a:pPr>
-            <a:r>
-              <a:rPr lang="en"/>
-              <a:t>May be OK: Weakly protective (a.k.a. “weak copyleft”)</a:t>
-            </a:r>
-            <a:endParaRPr/>
-          </a:p>
-          <a:p>
-            <a:pPr indent="-342900" lvl="0" marL="457200" rtl="0" algn="l">
-              <a:spcBef>
-                <a:spcPts val="0"/>
-              </a:spcBef>
-              <a:spcAft>
-                <a:spcPts val="0"/>
-              </a:spcAft>
-              <a:buSzPts val="1800"/>
-              <a:buChar char="●"/>
-            </a:pPr>
-            <a:r>
-              <a:rPr lang="en"/>
-              <a:t>Usually not OK: Strongly protective (a.k.a. “reciprocal” or “copyleft”)</a:t>
-            </a:r>
-            <a:endParaRPr/>
-          </a:p>
-          <a:p>
-            <a:pPr indent="-342900" lvl="0" marL="457200" rtl="0" algn="l">
-              <a:spcBef>
-                <a:spcPts val="0"/>
-              </a:spcBef>
-              <a:spcAft>
-                <a:spcPts val="0"/>
-              </a:spcAft>
-              <a:buSzPts val="1800"/>
-              <a:buChar char="●"/>
-            </a:pPr>
-            <a:r>
-              <a:rPr lang="en"/>
-              <a:t>Never OK: Non-software licenses, no license</a:t>
-            </a:r>
-            <a:endParaRPr/>
-          </a:p>
-          <a:p>
-            <a:pPr indent="0" lvl="0" marL="0" rtl="0" algn="l">
-              <a:spcBef>
-                <a:spcPts val="1200"/>
-              </a:spcBef>
-              <a:spcAft>
-                <a:spcPts val="1200"/>
-              </a:spcAft>
-              <a:buNone/>
-            </a:pPr>
-            <a:r>
-              <a:rPr lang="en"/>
-              <a:t>Professionals (i.e. companies) use code scanners to check</a:t>
+              </a:spcAft>
+              <a:buNone/>
+            </a:pPr>
+            <a:r>
+              <a:rPr lang="en"/>
+              <a:t>Please use the REUSE SOFTWARE [1] format to declare license and copyright</a:t>
             </a:r>
             <a:endParaRPr/>
           </a:p>
@@ -22578,7 +22568,7 @@
       </p:sp>
       <p:sp>
         <p:nvSpPr>
-          <p:cNvPr id="333" name="Google Shape;333;p51"/>
+          <p:cNvPr id="332" name="Google Shape;332;p51"/>
           <p:cNvSpPr txBox="1"/>
           <p:nvPr>
             <p:ph idx="12" type="sldNum"/>
@@ -22642,6 +22632,176 @@
               <a:t> </a:t>
             </a:r>
             <a:endParaRPr/>
+          </a:p>
+        </p:txBody>
+      </p:sp>
+      <p:sp>
+        <p:nvSpPr>
+          <p:cNvPr id="333" name="Google Shape;333;p51"/>
+          <p:cNvSpPr txBox="1"/>
+          <p:nvPr/>
+        </p:nvSpPr>
+        <p:spPr>
+          <a:xfrm>
+            <a:off x="0" y="4416552"/>
+            <a:ext cx="7315200" cy="731400"/>
+          </a:xfrm>
+          <a:prstGeom prst="rect">
+            <a:avLst/>
+          </a:prstGeom>
+          <a:noFill/>
+          <a:ln>
+            <a:noFill/>
+          </a:ln>
+        </p:spPr>
+        <p:txBody>
+          <a:bodyPr anchorCtr="0" anchor="b" bIns="91425" lIns="91425" spcFirstLastPara="1" rIns="91425" wrap="square" tIns="91425">
+            <a:noAutofit/>
+          </a:bodyPr>
+          <a:lstStyle/>
+          <a:p>
+            <a:pPr indent="0" lvl="0" marL="0" rtl="0" algn="l">
+              <a:spcBef>
+                <a:spcPts val="0"/>
+              </a:spcBef>
+              <a:spcAft>
+                <a:spcPts val="0"/>
+              </a:spcAft>
+              <a:buNone/>
+            </a:pPr>
+            <a:r>
+              <a:rPr lang="en"/>
+              <a:t>[1] See </a:t>
+            </a:r>
+            <a:r>
+              <a:rPr lang="en" u="sng">
+                <a:solidFill>
+                  <a:schemeClr val="hlink"/>
+                </a:solidFill>
+                <a:hlinkClick r:id="rId4"/>
+              </a:rPr>
+              <a:t>https://reuse.software/</a:t>
+            </a:r>
+            <a:r>
+              <a:rPr lang="en"/>
+              <a:t> </a:t>
+            </a:r>
+            <a:endParaRPr/>
+          </a:p>
+        </p:txBody>
+      </p:sp>
+      <p:sp>
+        <p:nvSpPr>
+          <p:cNvPr id="334" name="Google Shape;334;p51"/>
+          <p:cNvSpPr txBox="1"/>
+          <p:nvPr/>
+        </p:nvSpPr>
+        <p:spPr>
+          <a:xfrm>
+            <a:off x="274320" y="1371600"/>
+            <a:ext cx="8595300" cy="1371600"/>
+          </a:xfrm>
+          <a:prstGeom prst="rect">
+            <a:avLst/>
+          </a:prstGeom>
+          <a:solidFill>
+            <a:schemeClr val="accent1"/>
+          </a:solidFill>
+          <a:ln>
+            <a:noFill/>
+          </a:ln>
+        </p:spPr>
+        <p:txBody>
+          <a:bodyPr anchorCtr="0" anchor="t" bIns="91425" lIns="91425" spcFirstLastPara="1" rIns="91425" wrap="square" tIns="91425">
+            <a:noAutofit/>
+          </a:bodyPr>
+          <a:lstStyle/>
+          <a:p>
+            <a:pPr indent="0" lvl="0" marL="0" rtl="0" algn="l">
+              <a:lnSpc>
+                <a:spcPct val="115000"/>
+              </a:lnSpc>
+              <a:spcBef>
+                <a:spcPts val="0"/>
+              </a:spcBef>
+              <a:spcAft>
+                <a:spcPts val="0"/>
+              </a:spcAft>
+              <a:buNone/>
+            </a:pPr>
+            <a:r>
+              <a:rPr lang="en" sz="1500">
+                <a:latin typeface="Courier New"/>
+                <a:ea typeface="Courier New"/>
+                <a:cs typeface="Courier New"/>
+                <a:sym typeface="Courier New"/>
+              </a:rPr>
+              <a:t>// SPDX-License-Identifier: MIT</a:t>
+            </a:r>
+            <a:endParaRPr sz="1500">
+              <a:latin typeface="Courier New"/>
+              <a:ea typeface="Courier New"/>
+              <a:cs typeface="Courier New"/>
+              <a:sym typeface="Courier New"/>
+            </a:endParaRPr>
+          </a:p>
+          <a:p>
+            <a:pPr indent="0" lvl="0" marL="0" rtl="0" algn="l">
+              <a:lnSpc>
+                <a:spcPct val="115000"/>
+              </a:lnSpc>
+              <a:spcBef>
+                <a:spcPts val="0"/>
+              </a:spcBef>
+              <a:spcAft>
+                <a:spcPts val="0"/>
+              </a:spcAft>
+              <a:buNone/>
+            </a:pPr>
+            <a:r>
+              <a:rPr lang="en" sz="1500">
+                <a:latin typeface="Courier New"/>
+                <a:ea typeface="Courier New"/>
+                <a:cs typeface="Courier New"/>
+                <a:sym typeface="Courier New"/>
+              </a:rPr>
+              <a:t>// SPDX-FileCopyrightText: 2010-2021 Dirk Riehle &lt;dirk@riehle.org&gt;</a:t>
+            </a:r>
+            <a:endParaRPr sz="1500">
+              <a:latin typeface="Courier New"/>
+              <a:ea typeface="Courier New"/>
+              <a:cs typeface="Courier New"/>
+              <a:sym typeface="Courier New"/>
+            </a:endParaRPr>
+          </a:p>
+          <a:p>
+            <a:pPr indent="0" lvl="0" marL="0" rtl="0" algn="l">
+              <a:lnSpc>
+                <a:spcPct val="115000"/>
+              </a:lnSpc>
+              <a:spcBef>
+                <a:spcPts val="0"/>
+              </a:spcBef>
+              <a:spcAft>
+                <a:spcPts val="0"/>
+              </a:spcAft>
+              <a:buNone/>
+            </a:pPr>
+            <a:r>
+              <a:rPr lang="en" sz="1500">
+                <a:latin typeface="Courier New"/>
+                <a:ea typeface="Courier New"/>
+                <a:cs typeface="Courier New"/>
+                <a:sym typeface="Courier New"/>
+              </a:rPr>
+              <a:t>// SPDX-FileCopyrightText: 2019 Georg Schwarz &lt;georg.schwarz@fau.de&gt;</a:t>
+            </a:r>
+            <a:endParaRPr sz="1500">
+              <a:latin typeface="Courier New"/>
+              <a:ea typeface="Courier New"/>
+              <a:cs typeface="Courier New"/>
+              <a:sym typeface="Courier New"/>
+            </a:endParaRPr>
           </a:p>
         </p:txBody>
       </p:sp>
@@ -22658,7 +22818,7 @@
   <p:cSld>
     <p:spTree>
       <p:nvGrpSpPr>
-        <p:cNvPr id="337" name="Shape 337"/>
+        <p:cNvPr id="338" name="Shape 338"/>
         <p:cNvGrpSpPr/>
         <p:nvPr/>
       </p:nvGrpSpPr>
@@ -22672,7 +22832,7 @@
       </p:grpSpPr>
       <p:sp>
         <p:nvSpPr>
-          <p:cNvPr id="338" name="Google Shape;338;p52"/>
+          <p:cNvPr id="339" name="Google Shape;339;p52"/>
           <p:cNvSpPr txBox="1"/>
           <p:nvPr>
             <p:ph type="title"/>
@@ -22680,31 +22840,240 @@
         </p:nvSpPr>
         <p:spPr>
           <a:xfrm>
-            <a:off x="0" y="-7"/>
-            <a:ext cx="9144000" cy="2386500"/>
+            <a:off x="0" y="0"/>
+            <a:ext cx="9144000" cy="685800"/>
           </a:xfrm>
           <a:prstGeom prst="rect">
             <a:avLst/>
           </a:prstGeom>
         </p:spPr>
         <p:txBody>
-          <a:bodyPr anchorCtr="0" anchor="b" bIns="274300" lIns="91425" spcFirstLastPara="1" rIns="91425" wrap="square" tIns="91425">
+          <a:bodyPr anchorCtr="0" anchor="ctr" bIns="91425" lIns="274300" spcFirstLastPara="1" rIns="91425" wrap="square" tIns="91425">
             <a:noAutofit/>
           </a:bodyPr>
           <a:lstStyle/>
           <a:p>
-            <a:pPr indent="0" lvl="0" marL="0" rtl="0" algn="ctr">
-              <a:spcBef>
-                <a:spcPts val="0"/>
-              </a:spcBef>
-              <a:spcAft>
-                <a:spcPts val="0"/>
-              </a:spcAft>
-              <a:buNone/>
-            </a:pPr>
-            <a:r>
-              <a:rPr lang="en"/>
-              <a:t>7. Imp-Squared Backlog</a:t>
+            <a:pPr indent="0" lvl="0" marL="0" rtl="0" algn="l">
+              <a:spcBef>
+                <a:spcPts val="0"/>
+              </a:spcBef>
+              <a:spcAft>
+                <a:spcPts val="0"/>
+              </a:spcAft>
+              <a:buNone/>
+            </a:pPr>
+            <a:r>
+              <a:rPr lang="en"/>
+              <a:t>Open Source Governance</a:t>
+            </a:r>
+            <a:endParaRPr/>
+          </a:p>
+        </p:txBody>
+      </p:sp>
+      <p:sp>
+        <p:nvSpPr>
+          <p:cNvPr id="340" name="Google Shape;340;p52"/>
+          <p:cNvSpPr txBox="1"/>
+          <p:nvPr>
+            <p:ph idx="1" type="body"/>
+          </p:nvPr>
+        </p:nvSpPr>
+        <p:spPr>
+          <a:xfrm>
+            <a:off x="274320" y="914400"/>
+            <a:ext cx="8595300" cy="4114800"/>
+          </a:xfrm>
+          <a:prstGeom prst="rect">
+            <a:avLst/>
+          </a:prstGeom>
+        </p:spPr>
+        <p:txBody>
+          <a:bodyPr anchorCtr="0" anchor="t" bIns="0" lIns="0" spcFirstLastPara="1" rIns="0" wrap="square" tIns="0">
+            <a:noAutofit/>
+          </a:bodyPr>
+          <a:lstStyle/>
+          <a:p>
+            <a:pPr indent="0" lvl="0" marL="0" rtl="0" algn="l">
+              <a:spcBef>
+                <a:spcPts val="0"/>
+              </a:spcBef>
+              <a:spcAft>
+                <a:spcPts val="0"/>
+              </a:spcAft>
+              <a:buNone/>
+            </a:pPr>
+            <a:r>
+              <a:rPr lang="en"/>
+              <a:t>Do not add copyleft-licensed libraries to your project</a:t>
+            </a:r>
+            <a:endParaRPr/>
+          </a:p>
+          <a:p>
+            <a:pPr indent="0" lvl="0" marL="0" rtl="0" algn="l">
+              <a:spcBef>
+                <a:spcPts val="1200"/>
+              </a:spcBef>
+              <a:spcAft>
+                <a:spcPts val="0"/>
+              </a:spcAft>
+              <a:buNone/>
+            </a:pPr>
+            <a:r>
+              <a:rPr lang="en"/>
+              <a:t>Follow these rules of thumb on license choice</a:t>
+            </a:r>
+            <a:endParaRPr/>
+          </a:p>
+          <a:p>
+            <a:pPr indent="-342900" lvl="0" marL="457200" rtl="0" algn="l">
+              <a:spcBef>
+                <a:spcPts val="1200"/>
+              </a:spcBef>
+              <a:spcAft>
+                <a:spcPts val="0"/>
+              </a:spcAft>
+              <a:buSzPts val="1800"/>
+              <a:buChar char="●"/>
+            </a:pPr>
+            <a:r>
+              <a:rPr lang="en"/>
+              <a:t>OK: Permissive licenses (MIT, BSD, Apache)</a:t>
+            </a:r>
+            <a:endParaRPr/>
+          </a:p>
+          <a:p>
+            <a:pPr indent="-342900" lvl="0" marL="457200" rtl="0" algn="l">
+              <a:spcBef>
+                <a:spcPts val="0"/>
+              </a:spcBef>
+              <a:spcAft>
+                <a:spcPts val="0"/>
+              </a:spcAft>
+              <a:buSzPts val="1800"/>
+              <a:buChar char="●"/>
+            </a:pPr>
+            <a:r>
+              <a:rPr lang="en"/>
+              <a:t>May be OK: Weakly protective (a.k.a. “weak copyleft”)</a:t>
+            </a:r>
+            <a:endParaRPr/>
+          </a:p>
+          <a:p>
+            <a:pPr indent="-342900" lvl="0" marL="457200" rtl="0" algn="l">
+              <a:spcBef>
+                <a:spcPts val="0"/>
+              </a:spcBef>
+              <a:spcAft>
+                <a:spcPts val="0"/>
+              </a:spcAft>
+              <a:buSzPts val="1800"/>
+              <a:buChar char="●"/>
+            </a:pPr>
+            <a:r>
+              <a:rPr lang="en"/>
+              <a:t>Usually not OK: Strongly protective (a.k.a. “reciprocal” or “copyleft”)</a:t>
+            </a:r>
+            <a:endParaRPr/>
+          </a:p>
+          <a:p>
+            <a:pPr indent="-342900" lvl="0" marL="457200" rtl="0" algn="l">
+              <a:spcBef>
+                <a:spcPts val="0"/>
+              </a:spcBef>
+              <a:spcAft>
+                <a:spcPts val="0"/>
+              </a:spcAft>
+              <a:buSzPts val="1800"/>
+              <a:buChar char="●"/>
+            </a:pPr>
+            <a:r>
+              <a:rPr lang="en"/>
+              <a:t>Never OK: Non-software licenses, no license</a:t>
+            </a:r>
+            <a:endParaRPr/>
+          </a:p>
+          <a:p>
+            <a:pPr indent="0" lvl="0" marL="0" rtl="0" algn="l">
+              <a:spcBef>
+                <a:spcPts val="1200"/>
+              </a:spcBef>
+              <a:spcAft>
+                <a:spcPts val="1200"/>
+              </a:spcAft>
+              <a:buNone/>
+            </a:pPr>
+            <a:r>
+              <a:rPr lang="en"/>
+              <a:t>Professionals (i.e. companies) use code scanners to check</a:t>
+            </a:r>
+            <a:endParaRPr/>
+          </a:p>
+        </p:txBody>
+      </p:sp>
+      <p:sp>
+        <p:nvSpPr>
+          <p:cNvPr id="341" name="Google Shape;341;p52"/>
+          <p:cNvSpPr txBox="1"/>
+          <p:nvPr>
+            <p:ph idx="12" type="sldNum"/>
+          </p:nvPr>
+        </p:nvSpPr>
+        <p:spPr>
+          <a:xfrm>
+            <a:off x="7315202" y="4416550"/>
+            <a:ext cx="1828800" cy="731400"/>
+          </a:xfrm>
+          <a:prstGeom prst="rect">
+            <a:avLst/>
+          </a:prstGeom>
+        </p:spPr>
+        <p:txBody>
+          <a:bodyPr anchorCtr="0" anchor="b" bIns="91425" lIns="91425" spcFirstLastPara="1" rIns="91425" wrap="square" tIns="91425">
+            <a:noAutofit/>
+          </a:bodyPr>
+          <a:lstStyle/>
+          <a:p>
+            <a:pPr indent="0" lvl="0" marL="0" rtl="0" algn="r">
+              <a:spcBef>
+                <a:spcPts val="0"/>
+              </a:spcBef>
+              <a:spcAft>
+                <a:spcPts val="0"/>
+              </a:spcAft>
+              <a:buNone/>
+            </a:pPr>
+            <a:fld id="{00000000-1234-1234-1234-123412341234}" type="slidenum">
+              <a:rPr lang="en"/>
+              <a:t>‹#›</a:t>
+            </a:fld>
+            <a:endParaRPr/>
+          </a:p>
+          <a:p>
+            <a:pPr indent="0" lvl="0" marL="0" rtl="0" algn="r">
+              <a:spcBef>
+                <a:spcPts val="0"/>
+              </a:spcBef>
+              <a:spcAft>
+                <a:spcPts val="0"/>
+              </a:spcAft>
+              <a:buNone/>
+            </a:pPr>
+            <a:r>
+              <a:rPr b="0" lang="en" sz="900" u="sng">
+                <a:solidFill>
+                  <a:schemeClr val="hlink"/>
+                </a:solidFill>
+                <a:hlinkClick r:id="rId3"/>
+              </a:rPr>
+              <a:t>https://profriehle.com</a:t>
+            </a:r>
+            <a:r>
+              <a:rPr b="0" lang="en" sz="900">
+                <a:solidFill>
+                  <a:schemeClr val="dk2"/>
+                </a:solidFill>
+              </a:rPr>
+              <a:t> </a:t>
             </a:r>
             <a:endParaRPr/>
           </a:p>
@@ -22723,7 +23092,7 @@
   <p:cSld>
     <p:spTree>
       <p:nvGrpSpPr>
-        <p:cNvPr id="342" name="Shape 342"/>
+        <p:cNvPr id="345" name="Shape 345"/>
         <p:cNvGrpSpPr/>
         <p:nvPr/>
       </p:nvGrpSpPr>
@@ -22737,7 +23106,7 @@
       </p:grpSpPr>
       <p:sp>
         <p:nvSpPr>
-          <p:cNvPr id="343" name="Google Shape;343;p53"/>
+          <p:cNvPr id="346" name="Google Shape;346;p53"/>
           <p:cNvSpPr txBox="1"/>
           <p:nvPr>
             <p:ph type="title"/>
@@ -22745,246 +23114,31 @@
         </p:nvSpPr>
         <p:spPr>
           <a:xfrm>
-            <a:off x="0" y="0"/>
-            <a:ext cx="9144000" cy="685800"/>
+            <a:off x="0" y="-7"/>
+            <a:ext cx="9144000" cy="2386500"/>
           </a:xfrm>
           <a:prstGeom prst="rect">
             <a:avLst/>
           </a:prstGeom>
         </p:spPr>
         <p:txBody>
-          <a:bodyPr anchorCtr="0" anchor="ctr" bIns="91425" lIns="274300" spcFirstLastPara="1" rIns="91425" wrap="square" tIns="91425">
+          <a:bodyPr anchorCtr="0" anchor="b" bIns="274300" lIns="91425" spcFirstLastPara="1" rIns="91425" wrap="square" tIns="91425">
             <a:noAutofit/>
           </a:bodyPr>
           <a:lstStyle/>
           <a:p>
-            <a:pPr indent="0" lvl="0" marL="0" rtl="0" algn="l">
-              <a:spcBef>
-                <a:spcPts val="0"/>
-              </a:spcBef>
-              <a:spcAft>
-                <a:spcPts val="0"/>
-              </a:spcAft>
-              <a:buNone/>
-            </a:pPr>
-            <a:r>
-              <a:rPr lang="en"/>
-              <a:t>Impediments and Improvements (</a:t>
-            </a:r>
-            <a:r>
-              <a:rPr lang="en"/>
-              <a:t>Imp-Squared</a:t>
-            </a:r>
-            <a:r>
-              <a:rPr lang="en"/>
-              <a:t>) Backlog</a:t>
-            </a:r>
-            <a:endParaRPr/>
-          </a:p>
-        </p:txBody>
-      </p:sp>
-      <p:sp>
-        <p:nvSpPr>
-          <p:cNvPr id="344" name="Google Shape;344;p53"/>
-          <p:cNvSpPr txBox="1"/>
-          <p:nvPr>
-            <p:ph idx="1" type="body"/>
-          </p:nvPr>
-        </p:nvSpPr>
-        <p:spPr>
-          <a:xfrm>
-            <a:off x="274320" y="914400"/>
-            <a:ext cx="8595300" cy="4114800"/>
-          </a:xfrm>
-          <a:prstGeom prst="rect">
-            <a:avLst/>
-          </a:prstGeom>
-        </p:spPr>
-        <p:txBody>
-          <a:bodyPr anchorCtr="0" anchor="t" bIns="0" lIns="0" spcFirstLastPara="1" rIns="0" wrap="square" tIns="0">
-            <a:noAutofit/>
-          </a:bodyPr>
-          <a:lstStyle/>
-          <a:p>
-            <a:pPr indent="0" lvl="0" marL="0" rtl="0" algn="l">
-              <a:spcBef>
-                <a:spcPts val="0"/>
-              </a:spcBef>
-              <a:spcAft>
-                <a:spcPts val="0"/>
-              </a:spcAft>
-              <a:buNone/>
-            </a:pPr>
-            <a:r>
-              <a:rPr lang="en"/>
-              <a:t>The imp-squared backlog is a slotting system used to</a:t>
-            </a:r>
-            <a:endParaRPr/>
-          </a:p>
-          <a:p>
-            <a:pPr indent="-342900" lvl="0" marL="457200" rtl="0" algn="l">
-              <a:spcBef>
-                <a:spcPts val="1200"/>
-              </a:spcBef>
-              <a:spcAft>
-                <a:spcPts val="0"/>
-              </a:spcAft>
-              <a:buSzPts val="1800"/>
-              <a:buChar char="●"/>
-            </a:pPr>
-            <a:r>
-              <a:rPr lang="en"/>
-              <a:t>Manage the processing state of project impediments and improvements</a:t>
-            </a:r>
-            <a:endParaRPr/>
-          </a:p>
-          <a:p>
-            <a:pPr indent="0" lvl="0" marL="0" rtl="0" algn="l">
-              <a:spcBef>
-                <a:spcPts val="1200"/>
-              </a:spcBef>
-              <a:spcAft>
-                <a:spcPts val="0"/>
-              </a:spcAft>
-              <a:buNone/>
-            </a:pPr>
-            <a:r>
-              <a:rPr lang="en"/>
-              <a:t>Impediments are non-technical problems that are</a:t>
-            </a:r>
-            <a:endParaRPr/>
-          </a:p>
-          <a:p>
-            <a:pPr indent="-342900" lvl="0" marL="457200" rtl="0" algn="l">
-              <a:spcBef>
-                <a:spcPts val="1200"/>
-              </a:spcBef>
-              <a:spcAft>
-                <a:spcPts val="0"/>
-              </a:spcAft>
-              <a:buSzPts val="1800"/>
-              <a:buChar char="●"/>
-            </a:pPr>
-            <a:r>
-              <a:rPr lang="en"/>
-              <a:t>Holding the team and project back</a:t>
-            </a:r>
-            <a:endParaRPr/>
-          </a:p>
-          <a:p>
-            <a:pPr indent="0" lvl="0" marL="0" rtl="0" algn="l">
-              <a:spcBef>
-                <a:spcPts val="1200"/>
-              </a:spcBef>
-              <a:spcAft>
-                <a:spcPts val="0"/>
-              </a:spcAft>
-              <a:buNone/>
-            </a:pPr>
-            <a:r>
-              <a:rPr lang="en"/>
-              <a:t>Improvements are non-technical desires to</a:t>
-            </a:r>
-            <a:endParaRPr/>
-          </a:p>
-          <a:p>
-            <a:pPr indent="-342900" lvl="0" marL="457200" rtl="0" algn="l">
-              <a:spcBef>
-                <a:spcPts val="1200"/>
-              </a:spcBef>
-              <a:spcAft>
-                <a:spcPts val="0"/>
-              </a:spcAft>
-              <a:buSzPts val="1800"/>
-              <a:buChar char="●"/>
-            </a:pPr>
-            <a:r>
-              <a:rPr lang="en"/>
-              <a:t>Improve team performance</a:t>
-            </a:r>
-            <a:endParaRPr/>
-          </a:p>
-          <a:p>
-            <a:pPr indent="0" lvl="0" marL="0" rtl="0" algn="l">
-              <a:spcBef>
-                <a:spcPts val="1200"/>
-              </a:spcBef>
-              <a:spcAft>
-                <a:spcPts val="1200"/>
-              </a:spcAft>
-              <a:buNone/>
-            </a:pPr>
-            <a:r>
-              <a:t/>
-            </a:r>
-            <a:endParaRPr/>
-          </a:p>
-        </p:txBody>
-      </p:sp>
-      <p:sp>
-        <p:nvSpPr>
-          <p:cNvPr id="345" name="Google Shape;345;p53"/>
-          <p:cNvSpPr txBox="1"/>
-          <p:nvPr>
-            <p:ph idx="12" type="sldNum"/>
-          </p:nvPr>
-        </p:nvSpPr>
-        <p:spPr>
-          <a:xfrm>
-            <a:off x="7315202" y="4416550"/>
-            <a:ext cx="1828800" cy="731400"/>
-          </a:xfrm>
-          <a:prstGeom prst="rect">
-            <a:avLst/>
-          </a:prstGeom>
-        </p:spPr>
-        <p:txBody>
-          <a:bodyPr anchorCtr="0" anchor="b" bIns="91425" lIns="91425" spcFirstLastPara="1" rIns="91425" wrap="square" tIns="91425">
-            <a:noAutofit/>
-          </a:bodyPr>
-          <a:lstStyle/>
-          <a:p>
-            <a:pPr indent="0" lvl="0" marL="0" rtl="0" algn="r">
-              <a:spcBef>
-                <a:spcPts val="0"/>
-              </a:spcBef>
-              <a:spcAft>
-                <a:spcPts val="0"/>
-              </a:spcAft>
-              <a:buNone/>
-            </a:pPr>
-            <a:fld id="{00000000-1234-1234-1234-123412341234}" type="slidenum">
-              <a:rPr lang="en"/>
-              <a:t>‹#›</a:t>
-            </a:fld>
-            <a:endParaRPr/>
-          </a:p>
-          <a:p>
-            <a:pPr indent="0" lvl="0" marL="0" rtl="0" algn="r">
-              <a:spcBef>
-                <a:spcPts val="0"/>
-              </a:spcBef>
-              <a:spcAft>
-                <a:spcPts val="0"/>
-              </a:spcAft>
-              <a:buNone/>
-            </a:pPr>
-            <a:r>
-              <a:rPr b="0" lang="en" sz="900" u="sng">
-                <a:solidFill>
-                  <a:schemeClr val="hlink"/>
-                </a:solidFill>
-                <a:hlinkClick r:id="rId3"/>
-              </a:rPr>
-              <a:t>https://profriehle.com</a:t>
-            </a:r>
-            <a:r>
-              <a:rPr b="0" lang="en" sz="900">
-                <a:solidFill>
-                  <a:schemeClr val="dk2"/>
-                </a:solidFill>
-              </a:rPr>
-              <a:t> </a:t>
+            <a:pPr indent="0" lvl="0" marL="0" rtl="0" algn="ctr">
+              <a:spcBef>
+                <a:spcPts val="0"/>
+              </a:spcBef>
+              <a:spcAft>
+                <a:spcPts val="0"/>
+              </a:spcAft>
+              <a:buNone/>
+            </a:pPr>
+            <a:r>
+              <a:rPr lang="en"/>
+              <a:t>7. Imp-Squared Backlog</a:t>
             </a:r>
             <a:endParaRPr/>
           </a:p>
@@ -23003,7 +23157,287 @@
   <p:cSld>
     <p:spTree>
       <p:nvGrpSpPr>
-        <p:cNvPr id="349" name="Shape 349"/>
+        <p:cNvPr id="350" name="Shape 350"/>
+        <p:cNvGrpSpPr/>
+        <p:nvPr/>
+      </p:nvGrpSpPr>
+      <p:grpSpPr>
+        <a:xfrm>
+          <a:off x="0" y="0"/>
+          <a:ext cx="0" cy="0"/>
+          <a:chOff x="0" y="0"/>
+          <a:chExt cx="0" cy="0"/>
+        </a:xfrm>
+      </p:grpSpPr>
+      <p:sp>
+        <p:nvSpPr>
+          <p:cNvPr id="351" name="Google Shape;351;p54"/>
+          <p:cNvSpPr txBox="1"/>
+          <p:nvPr>
+            <p:ph type="title"/>
+          </p:nvPr>
+        </p:nvSpPr>
+        <p:spPr>
+          <a:xfrm>
+            <a:off x="0" y="0"/>
+            <a:ext cx="9144000" cy="685800"/>
+          </a:xfrm>
+          <a:prstGeom prst="rect">
+            <a:avLst/>
+          </a:prstGeom>
+        </p:spPr>
+        <p:txBody>
+          <a:bodyPr anchorCtr="0" anchor="ctr" bIns="91425" lIns="274300" spcFirstLastPara="1" rIns="91425" wrap="square" tIns="91425">
+            <a:noAutofit/>
+          </a:bodyPr>
+          <a:lstStyle/>
+          <a:p>
+            <a:pPr indent="0" lvl="0" marL="0" rtl="0" algn="l">
+              <a:spcBef>
+                <a:spcPts val="0"/>
+              </a:spcBef>
+              <a:spcAft>
+                <a:spcPts val="0"/>
+              </a:spcAft>
+              <a:buNone/>
+            </a:pPr>
+            <a:r>
+              <a:rPr lang="en"/>
+              <a:t>Impediments and Improvements (</a:t>
+            </a:r>
+            <a:r>
+              <a:rPr lang="en"/>
+              <a:t>Imp-Squared</a:t>
+            </a:r>
+            <a:r>
+              <a:rPr lang="en"/>
+              <a:t>) Backlog</a:t>
+            </a:r>
+            <a:endParaRPr/>
+          </a:p>
+        </p:txBody>
+      </p:sp>
+      <p:sp>
+        <p:nvSpPr>
+          <p:cNvPr id="352" name="Google Shape;352;p54"/>
+          <p:cNvSpPr txBox="1"/>
+          <p:nvPr>
+            <p:ph idx="1" type="body"/>
+          </p:nvPr>
+        </p:nvSpPr>
+        <p:spPr>
+          <a:xfrm>
+            <a:off x="274320" y="914400"/>
+            <a:ext cx="8595300" cy="4114800"/>
+          </a:xfrm>
+          <a:prstGeom prst="rect">
+            <a:avLst/>
+          </a:prstGeom>
+        </p:spPr>
+        <p:txBody>
+          <a:bodyPr anchorCtr="0" anchor="t" bIns="0" lIns="0" spcFirstLastPara="1" rIns="0" wrap="square" tIns="0">
+            <a:noAutofit/>
+          </a:bodyPr>
+          <a:lstStyle/>
+          <a:p>
+            <a:pPr indent="0" lvl="0" marL="0" rtl="0" algn="l">
+              <a:spcBef>
+                <a:spcPts val="0"/>
+              </a:spcBef>
+              <a:spcAft>
+                <a:spcPts val="0"/>
+              </a:spcAft>
+              <a:buNone/>
+            </a:pPr>
+            <a:r>
+              <a:rPr lang="en"/>
+              <a:t>The imp-squared backlog is a slotting system used to</a:t>
+            </a:r>
+            <a:endParaRPr/>
+          </a:p>
+          <a:p>
+            <a:pPr indent="-342900" lvl="0" marL="457200" rtl="0" algn="l">
+              <a:spcBef>
+                <a:spcPts val="1200"/>
+              </a:spcBef>
+              <a:spcAft>
+                <a:spcPts val="0"/>
+              </a:spcAft>
+              <a:buSzPts val="1800"/>
+              <a:buChar char="●"/>
+            </a:pPr>
+            <a:r>
+              <a:rPr lang="en"/>
+              <a:t>Manage the processing state of project impediments and improvements</a:t>
+            </a:r>
+            <a:endParaRPr/>
+          </a:p>
+          <a:p>
+            <a:pPr indent="0" lvl="0" marL="0" rtl="0" algn="l">
+              <a:spcBef>
+                <a:spcPts val="1200"/>
+              </a:spcBef>
+              <a:spcAft>
+                <a:spcPts val="0"/>
+              </a:spcAft>
+              <a:buNone/>
+            </a:pPr>
+            <a:r>
+              <a:rPr lang="en"/>
+              <a:t>Impediments are non-technical problems that are</a:t>
+            </a:r>
+            <a:endParaRPr/>
+          </a:p>
+          <a:p>
+            <a:pPr indent="-342900" lvl="0" marL="457200" rtl="0" algn="l">
+              <a:spcBef>
+                <a:spcPts val="1200"/>
+              </a:spcBef>
+              <a:spcAft>
+                <a:spcPts val="0"/>
+              </a:spcAft>
+              <a:buSzPts val="1800"/>
+              <a:buChar char="●"/>
+            </a:pPr>
+            <a:r>
+              <a:rPr lang="en"/>
+              <a:t>Holding the team and project back</a:t>
+            </a:r>
+            <a:endParaRPr/>
+          </a:p>
+          <a:p>
+            <a:pPr indent="0" lvl="0" marL="0" rtl="0" algn="l">
+              <a:spcBef>
+                <a:spcPts val="1200"/>
+              </a:spcBef>
+              <a:spcAft>
+                <a:spcPts val="0"/>
+              </a:spcAft>
+              <a:buNone/>
+            </a:pPr>
+            <a:r>
+              <a:rPr lang="en"/>
+              <a:t>Improvements are non-technical desires to</a:t>
+            </a:r>
+            <a:endParaRPr/>
+          </a:p>
+          <a:p>
+            <a:pPr indent="-342900" lvl="0" marL="457200" rtl="0" algn="l">
+              <a:spcBef>
+                <a:spcPts val="1200"/>
+              </a:spcBef>
+              <a:spcAft>
+                <a:spcPts val="0"/>
+              </a:spcAft>
+              <a:buSzPts val="1800"/>
+              <a:buChar char="●"/>
+            </a:pPr>
+            <a:r>
+              <a:rPr lang="en"/>
+              <a:t>Improve team performance</a:t>
+            </a:r>
+            <a:endParaRPr/>
+          </a:p>
+          <a:p>
+            <a:pPr indent="0" lvl="0" marL="0" rtl="0" algn="l">
+              <a:spcBef>
+                <a:spcPts val="1200"/>
+              </a:spcBef>
+              <a:spcAft>
+                <a:spcPts val="1200"/>
+              </a:spcAft>
+              <a:buNone/>
+            </a:pPr>
+            <a:r>
+              <a:t/>
+            </a:r>
+            <a:endParaRPr/>
+          </a:p>
+        </p:txBody>
+      </p:sp>
+      <p:sp>
+        <p:nvSpPr>
+          <p:cNvPr id="353" name="Google Shape;353;p54"/>
+          <p:cNvSpPr txBox="1"/>
+          <p:nvPr>
+            <p:ph idx="12" type="sldNum"/>
+          </p:nvPr>
+        </p:nvSpPr>
+        <p:spPr>
+          <a:xfrm>
+            <a:off x="7315202" y="4416550"/>
+            <a:ext cx="1828800" cy="731400"/>
+          </a:xfrm>
+          <a:prstGeom prst="rect">
+            <a:avLst/>
+          </a:prstGeom>
+        </p:spPr>
+        <p:txBody>
+          <a:bodyPr anchorCtr="0" anchor="b" bIns="91425" lIns="91425" spcFirstLastPara="1" rIns="91425" wrap="square" tIns="91425">
+            <a:noAutofit/>
+          </a:bodyPr>
+          <a:lstStyle/>
+          <a:p>
+            <a:pPr indent="0" lvl="0" marL="0" rtl="0" algn="r">
+              <a:spcBef>
+                <a:spcPts val="0"/>
+              </a:spcBef>
+              <a:spcAft>
+                <a:spcPts val="0"/>
+              </a:spcAft>
+              <a:buNone/>
+            </a:pPr>
+            <a:fld id="{00000000-1234-1234-1234-123412341234}" type="slidenum">
+              <a:rPr lang="en"/>
+              <a:t>‹#›</a:t>
+            </a:fld>
+            <a:endParaRPr/>
+          </a:p>
+          <a:p>
+            <a:pPr indent="0" lvl="0" marL="0" rtl="0" algn="r">
+              <a:spcBef>
+                <a:spcPts val="0"/>
+              </a:spcBef>
+              <a:spcAft>
+                <a:spcPts val="0"/>
+              </a:spcAft>
+              <a:buNone/>
+            </a:pPr>
+            <a:r>
+              <a:rPr b="0" lang="en" sz="900" u="sng">
+                <a:solidFill>
+                  <a:schemeClr val="hlink"/>
+                </a:solidFill>
+                <a:hlinkClick r:id="rId3"/>
+              </a:rPr>
+              <a:t>https://profriehle.com</a:t>
+            </a:r>
+            <a:r>
+              <a:rPr b="0" lang="en" sz="900">
+                <a:solidFill>
+                  <a:schemeClr val="dk2"/>
+                </a:solidFill>
+              </a:rPr>
+              <a:t> </a:t>
+            </a:r>
+            <a:endParaRPr/>
+          </a:p>
+        </p:txBody>
+      </p:sp>
+    </p:spTree>
+  </p:cSld>
+  <p:clrMapOvr>
+    <a:masterClrMapping/>
+  </p:clrMapOvr>
+</p:sld>
+</file>
+
+<file path=ppt/slides/slide48.xml><?xml version="1.0" encoding="utf-8"?>
+<p:sld xmlns:a="http://schemas.openxmlformats.org/drawingml/2006/main" xmlns:r="http://schemas.openxmlformats.org/officeDocument/2006/relationships" xmlns:mc="http://schemas.openxmlformats.org/markup-compatibility/2006" xmlns:mv="urn:schemas-microsoft-com:mac:vml" xmlns:p="http://schemas.openxmlformats.org/presentationml/2006/main" xmlns:c="http://schemas.openxmlformats.org/drawingml/2006/chart" xmlns:dgm="http://schemas.openxmlformats.org/drawingml/2006/diagram" xmlns:o="urn:schemas-microsoft-com:office:office" xmlns:v="urn:schemas-microsoft-com:vml" xmlns:pvml="urn:schemas-microsoft-com:office:powerpoint" xmlns:com="http://schemas.openxmlformats.org/drawingml/2006/compatibility" xmlns:p14="http://schemas.microsoft.com/office/powerpoint/2010/main" xmlns:p15="http://schemas.microsoft.com/office/powerpoint/2012/main" xmlns:ahyp="http://schemas.microsoft.com/office/drawing/2018/hyperlinkcolor">
+  <p:cSld>
+    <p:spTree>
+      <p:nvGrpSpPr>
+        <p:cNvPr id="357" name="Shape 357"/>
         <p:cNvGrpSpPr/>
         <p:nvPr/>
       </p:nvGrpSpPr>
@@ -23017,7 +23451,7 @@
       </p:grpSpPr>
       <p:pic>
         <p:nvPicPr>
-          <p:cNvPr id="350" name="Google Shape;350;p54"/>
+          <p:cNvPr id="358" name="Google Shape;358;p55"/>
           <p:cNvPicPr preferRelativeResize="0"/>
           <p:nvPr/>
         </p:nvPicPr>
@@ -23043,196 +23477,6 @@
           </a:ln>
         </p:spPr>
       </p:pic>
-    </p:spTree>
-  </p:cSld>
-  <p:clrMapOvr>
-    <a:masterClrMapping/>
-  </p:clrMapOvr>
-</p:sld>
-</file>
-
-<file path=ppt/slides/slide48.xml><?xml version="1.0" encoding="utf-8"?>
-<p:sld xmlns:a="http://schemas.openxmlformats.org/drawingml/2006/main" xmlns:r="http://schemas.openxmlformats.org/officeDocument/2006/relationships" xmlns:mc="http://schemas.openxmlformats.org/markup-compatibility/2006" xmlns:mv="urn:schemas-microsoft-com:mac:vml" xmlns:p="http://schemas.openxmlformats.org/presentationml/2006/main" xmlns:c="http://schemas.openxmlformats.org/drawingml/2006/chart" xmlns:dgm="http://schemas.openxmlformats.org/drawingml/2006/diagram" xmlns:o="urn:schemas-microsoft-com:office:office" xmlns:v="urn:schemas-microsoft-com:vml" xmlns:pvml="urn:schemas-microsoft-com:office:powerpoint" xmlns:com="http://schemas.openxmlformats.org/drawingml/2006/compatibility" xmlns:p14="http://schemas.microsoft.com/office/powerpoint/2010/main" xmlns:p15="http://schemas.microsoft.com/office/powerpoint/2012/main" xmlns:ahyp="http://schemas.microsoft.com/office/drawing/2018/hyperlinkcolor">
-  <p:cSld>
-    <p:spTree>
-      <p:nvGrpSpPr>
-        <p:cNvPr id="354" name="Shape 354"/>
-        <p:cNvGrpSpPr/>
-        <p:nvPr/>
-      </p:nvGrpSpPr>
-      <p:grpSpPr>
-        <a:xfrm>
-          <a:off x="0" y="0"/>
-          <a:ext cx="0" cy="0"/>
-          <a:chOff x="0" y="0"/>
-          <a:chExt cx="0" cy="0"/>
-        </a:xfrm>
-      </p:grpSpPr>
-      <p:sp>
-        <p:nvSpPr>
-          <p:cNvPr id="355" name="Google Shape;355;p55"/>
-          <p:cNvSpPr txBox="1"/>
-          <p:nvPr>
-            <p:ph type="title"/>
-          </p:nvPr>
-        </p:nvSpPr>
-        <p:spPr>
-          <a:xfrm>
-            <a:off x="0" y="0"/>
-            <a:ext cx="9144000" cy="685800"/>
-          </a:xfrm>
-          <a:prstGeom prst="rect">
-            <a:avLst/>
-          </a:prstGeom>
-        </p:spPr>
-        <p:txBody>
-          <a:bodyPr anchorCtr="0" anchor="ctr" bIns="91425" lIns="274300" spcFirstLastPara="1" rIns="91425" wrap="square" tIns="91425">
-            <a:noAutofit/>
-          </a:bodyPr>
-          <a:lstStyle/>
-          <a:p>
-            <a:pPr indent="0" lvl="0" marL="0" rtl="0" algn="l">
-              <a:spcBef>
-                <a:spcPts val="0"/>
-              </a:spcBef>
-              <a:spcAft>
-                <a:spcPts val="0"/>
-              </a:spcAft>
-              <a:buNone/>
-            </a:pPr>
-            <a:r>
-              <a:rPr lang="en"/>
-              <a:t>Regular Deliverable: Imp-Squared Backlog</a:t>
-            </a:r>
-            <a:endParaRPr/>
-          </a:p>
-        </p:txBody>
-      </p:sp>
-      <p:sp>
-        <p:nvSpPr>
-          <p:cNvPr id="356" name="Google Shape;356;p55"/>
-          <p:cNvSpPr txBox="1"/>
-          <p:nvPr>
-            <p:ph idx="1" type="body"/>
-          </p:nvPr>
-        </p:nvSpPr>
-        <p:spPr>
-          <a:xfrm>
-            <a:off x="274320" y="914400"/>
-            <a:ext cx="8595300" cy="4114800"/>
-          </a:xfrm>
-          <a:prstGeom prst="rect">
-            <a:avLst/>
-          </a:prstGeom>
-        </p:spPr>
-        <p:txBody>
-          <a:bodyPr anchorCtr="0" anchor="t" bIns="0" lIns="0" spcFirstLastPara="1" rIns="0" wrap="square" tIns="0">
-            <a:noAutofit/>
-          </a:bodyPr>
-          <a:lstStyle/>
-          <a:p>
-            <a:pPr indent="0" lvl="0" marL="0" rtl="0" algn="l">
-              <a:spcBef>
-                <a:spcPts val="0"/>
-              </a:spcBef>
-              <a:spcAft>
-                <a:spcPts val="0"/>
-              </a:spcAft>
-              <a:buNone/>
-            </a:pPr>
-            <a:r>
-              <a:rPr lang="en"/>
-              <a:t>Please initialize your imp-squared backlog and keep it up-to-date</a:t>
-            </a:r>
-            <a:endParaRPr/>
-          </a:p>
-          <a:p>
-            <a:pPr indent="0" lvl="0" marL="0" rtl="0" algn="l">
-              <a:spcBef>
-                <a:spcPts val="1200"/>
-              </a:spcBef>
-              <a:spcAft>
-                <a:spcPts val="1200"/>
-              </a:spcAft>
-              <a:buNone/>
-            </a:pPr>
-            <a:r>
-              <a:rPr lang="en"/>
-              <a:t>Commit a screenshot of your imp-squared backlog</a:t>
-            </a:r>
-            <a:endParaRPr/>
-          </a:p>
-        </p:txBody>
-      </p:sp>
-      <p:sp>
-        <p:nvSpPr>
-          <p:cNvPr id="357" name="Google Shape;357;p55"/>
-          <p:cNvSpPr txBox="1"/>
-          <p:nvPr>
-            <p:ph idx="12" type="sldNum"/>
-          </p:nvPr>
-        </p:nvSpPr>
-        <p:spPr>
-          <a:xfrm>
-            <a:off x="7315202" y="4416550"/>
-            <a:ext cx="1828800" cy="731400"/>
-          </a:xfrm>
-          <a:prstGeom prst="rect">
-            <a:avLst/>
-          </a:prstGeom>
-        </p:spPr>
-        <p:txBody>
-          <a:bodyPr anchorCtr="0" anchor="b" bIns="91425" lIns="91425" spcFirstLastPara="1" rIns="91425" wrap="square" tIns="91425">
-            <a:noAutofit/>
-          </a:bodyPr>
-          <a:lstStyle/>
-          <a:p>
-            <a:pPr indent="0" lvl="0" marL="0" rtl="0" algn="r">
-              <a:spcBef>
-                <a:spcPts val="0"/>
-              </a:spcBef>
-              <a:spcAft>
-                <a:spcPts val="0"/>
-              </a:spcAft>
-              <a:buNone/>
-            </a:pPr>
-            <a:fld id="{00000000-1234-1234-1234-123412341234}" type="slidenum">
-              <a:rPr lang="en"/>
-              <a:t>‹#›</a:t>
-            </a:fld>
-            <a:endParaRPr/>
-          </a:p>
-          <a:p>
-            <a:pPr indent="0" lvl="0" marL="0" rtl="0" algn="r">
-              <a:spcBef>
-                <a:spcPts val="0"/>
-              </a:spcBef>
-              <a:spcAft>
-                <a:spcPts val="0"/>
-              </a:spcAft>
-              <a:buNone/>
-            </a:pPr>
-            <a:r>
-              <a:rPr b="0" lang="en" sz="900" u="sng">
-                <a:solidFill>
-                  <a:schemeClr val="hlink"/>
-                </a:solidFill>
-                <a:hlinkClick r:id="rId3"/>
-              </a:rPr>
-              <a:t>https://profriehle.com</a:t>
-            </a:r>
-            <a:r>
-              <a:rPr b="0" lang="en" sz="900">
-                <a:solidFill>
-                  <a:schemeClr val="dk2"/>
-                </a:solidFill>
-              </a:rPr>
-              <a:t> </a:t>
-            </a:r>
-            <a:endParaRPr/>
-          </a:p>
-        </p:txBody>
-      </p:sp>
     </p:spTree>
   </p:cSld>
   <p:clrMapOvr>
@@ -23246,7 +23490,7 @@
   <p:cSld>
     <p:spTree>
       <p:nvGrpSpPr>
-        <p:cNvPr id="361" name="Shape 361"/>
+        <p:cNvPr id="362" name="Shape 362"/>
         <p:cNvGrpSpPr/>
         <p:nvPr/>
       </p:nvGrpSpPr>
@@ -23260,7 +23504,7 @@
       </p:grpSpPr>
       <p:sp>
         <p:nvSpPr>
-          <p:cNvPr id="362" name="Google Shape;362;p56"/>
+          <p:cNvPr id="363" name="Google Shape;363;p56"/>
           <p:cNvSpPr txBox="1"/>
           <p:nvPr>
             <p:ph type="title"/>
@@ -23268,35 +23512,156 @@
         </p:nvSpPr>
         <p:spPr>
           <a:xfrm>
-            <a:off x="0" y="-7"/>
-            <a:ext cx="9144000" cy="2386500"/>
+            <a:off x="0" y="0"/>
+            <a:ext cx="9144000" cy="685800"/>
           </a:xfrm>
           <a:prstGeom prst="rect">
             <a:avLst/>
           </a:prstGeom>
         </p:spPr>
         <p:txBody>
-          <a:bodyPr anchorCtr="0" anchor="b" bIns="274300" lIns="91425" spcFirstLastPara="1" rIns="91425" wrap="square" tIns="91425">
+          <a:bodyPr anchorCtr="0" anchor="ctr" bIns="91425" lIns="274300" spcFirstLastPara="1" rIns="91425" wrap="square" tIns="91425">
             <a:noAutofit/>
           </a:bodyPr>
           <a:lstStyle/>
           <a:p>
-            <a:pPr indent="0" lvl="0" marL="0" rtl="0" algn="ctr">
-              <a:spcBef>
-                <a:spcPts val="0"/>
-              </a:spcBef>
-              <a:spcAft>
-                <a:spcPts val="0"/>
-              </a:spcAft>
-              <a:buNone/>
-            </a:pPr>
-            <a:r>
-              <a:rPr lang="en"/>
-              <a:t>8</a:t>
-            </a:r>
-            <a:r>
-              <a:rPr lang="en"/>
-              <a:t>. Stand-up Emails</a:t>
+            <a:pPr indent="0" lvl="0" marL="0" rtl="0" algn="l">
+              <a:spcBef>
+                <a:spcPts val="0"/>
+              </a:spcBef>
+              <a:spcAft>
+                <a:spcPts val="0"/>
+              </a:spcAft>
+              <a:buNone/>
+            </a:pPr>
+            <a:r>
+              <a:rPr lang="en"/>
+              <a:t>Regular Deliverable: Imp-Squared Backlog</a:t>
+            </a:r>
+            <a:endParaRPr/>
+          </a:p>
+        </p:txBody>
+      </p:sp>
+      <p:sp>
+        <p:nvSpPr>
+          <p:cNvPr id="364" name="Google Shape;364;p56"/>
+          <p:cNvSpPr txBox="1"/>
+          <p:nvPr>
+            <p:ph idx="1" type="body"/>
+          </p:nvPr>
+        </p:nvSpPr>
+        <p:spPr>
+          <a:xfrm>
+            <a:off x="274320" y="914400"/>
+            <a:ext cx="8595300" cy="4114800"/>
+          </a:xfrm>
+          <a:prstGeom prst="rect">
+            <a:avLst/>
+          </a:prstGeom>
+        </p:spPr>
+        <p:txBody>
+          <a:bodyPr anchorCtr="0" anchor="t" bIns="0" lIns="0" spcFirstLastPara="1" rIns="0" wrap="square" tIns="0">
+            <a:noAutofit/>
+          </a:bodyPr>
+          <a:lstStyle/>
+          <a:p>
+            <a:pPr indent="0" lvl="0" marL="0" rtl="0" algn="l">
+              <a:spcBef>
+                <a:spcPts val="0"/>
+              </a:spcBef>
+              <a:spcAft>
+                <a:spcPts val="0"/>
+              </a:spcAft>
+              <a:buNone/>
+            </a:pPr>
+            <a:r>
+              <a:rPr lang="en"/>
+              <a:t>Please initialize your imp-squared backlog and keep it up-to-date</a:t>
+            </a:r>
+            <a:endParaRPr/>
+          </a:p>
+          <a:p>
+            <a:pPr indent="0" lvl="0" marL="0" rtl="0" algn="l">
+              <a:spcBef>
+                <a:spcPts val="1200"/>
+              </a:spcBef>
+              <a:spcAft>
+                <a:spcPts val="1200"/>
+              </a:spcAft>
+              <a:buNone/>
+            </a:pPr>
+            <a:r>
+              <a:rPr lang="en"/>
+              <a:t>Commit a screenshot of your imp-squared backlog</a:t>
+            </a:r>
+            <a:endParaRPr/>
+          </a:p>
+        </p:txBody>
+      </p:sp>
+      <p:sp>
+        <p:nvSpPr>
+          <p:cNvPr id="365" name="Google Shape;365;p56"/>
+          <p:cNvSpPr txBox="1"/>
+          <p:nvPr>
+            <p:ph idx="12" type="sldNum"/>
+          </p:nvPr>
+        </p:nvSpPr>
+        <p:spPr>
+          <a:xfrm>
+            <a:off x="7315202" y="4416550"/>
+            <a:ext cx="1828800" cy="731400"/>
+          </a:xfrm>
+          <a:prstGeom prst="rect">
+            <a:avLst/>
+          </a:prstGeom>
+        </p:spPr>
+        <p:txBody>
+          <a:bodyPr anchorCtr="0" anchor="b" bIns="91425" lIns="91425" spcFirstLastPara="1" rIns="91425" wrap="square" tIns="91425">
+            <a:noAutofit/>
+          </a:bodyPr>
+          <a:lstStyle/>
+          <a:p>
+            <a:pPr indent="0" lvl="0" marL="0" rtl="0" algn="r">
+              <a:spcBef>
+                <a:spcPts val="0"/>
+              </a:spcBef>
+              <a:spcAft>
+                <a:spcPts val="0"/>
+              </a:spcAft>
+              <a:buNone/>
+            </a:pPr>
+            <a:fld id="{00000000-1234-1234-1234-123412341234}" type="slidenum">
+              <a:rPr lang="en"/>
+              <a:t>‹#›</a:t>
+            </a:fld>
+            <a:endParaRPr/>
+          </a:p>
+          <a:p>
+            <a:pPr indent="0" lvl="0" marL="0" rtl="0" algn="r">
+              <a:spcBef>
+                <a:spcPts val="0"/>
+              </a:spcBef>
+              <a:spcAft>
+                <a:spcPts val="0"/>
+              </a:spcAft>
+              <a:buNone/>
+            </a:pPr>
+            <a:r>
+              <a:rPr b="0" lang="en" sz="900" u="sng">
+                <a:solidFill>
+                  <a:schemeClr val="hlink"/>
+                </a:solidFill>
+                <a:hlinkClick r:id="rId3"/>
+              </a:rPr>
+              <a:t>https://profriehle.com</a:t>
+            </a:r>
+            <a:r>
+              <a:rPr b="0" lang="en" sz="900">
+                <a:solidFill>
+                  <a:schemeClr val="dk2"/>
+                </a:solidFill>
+              </a:rPr>
+              <a:t> </a:t>
             </a:r>
             <a:endParaRPr/>
           </a:p>
@@ -23587,7 +23952,7 @@
   <p:cSld>
     <p:spTree>
       <p:nvGrpSpPr>
-        <p:cNvPr id="366" name="Shape 366"/>
+        <p:cNvPr id="369" name="Shape 369"/>
         <p:cNvGrpSpPr/>
         <p:nvPr/>
       </p:nvGrpSpPr>
@@ -23601,7 +23966,7 @@
       </p:grpSpPr>
       <p:sp>
         <p:nvSpPr>
-          <p:cNvPr id="367" name="Google Shape;367;p57"/>
+          <p:cNvPr id="370" name="Google Shape;370;p57"/>
           <p:cNvSpPr txBox="1"/>
           <p:nvPr>
             <p:ph type="title"/>
@@ -23609,280 +23974,35 @@
         </p:nvSpPr>
         <p:spPr>
           <a:xfrm>
-            <a:off x="0" y="0"/>
-            <a:ext cx="9144000" cy="685800"/>
+            <a:off x="0" y="-7"/>
+            <a:ext cx="9144000" cy="2386500"/>
           </a:xfrm>
           <a:prstGeom prst="rect">
             <a:avLst/>
           </a:prstGeom>
         </p:spPr>
         <p:txBody>
-          <a:bodyPr anchorCtr="0" anchor="ctr" bIns="91425" lIns="274300" spcFirstLastPara="1" rIns="91425" wrap="square" tIns="91425">
+          <a:bodyPr anchorCtr="0" anchor="b" bIns="274300" lIns="91425" spcFirstLastPara="1" rIns="91425" wrap="square" tIns="91425">
             <a:noAutofit/>
           </a:bodyPr>
           <a:lstStyle/>
           <a:p>
-            <a:pPr indent="0" lvl="0" marL="0" rtl="0" algn="l">
-              <a:spcBef>
-                <a:spcPts val="0"/>
-              </a:spcBef>
-              <a:spcAft>
-                <a:spcPts val="0"/>
-              </a:spcAft>
-              <a:buNone/>
-            </a:pPr>
-            <a:r>
-              <a:rPr lang="en"/>
-              <a:t>Stand-up Emails</a:t>
-            </a:r>
-            <a:endParaRPr/>
-          </a:p>
-        </p:txBody>
-      </p:sp>
-      <p:sp>
-        <p:nvSpPr>
-          <p:cNvPr id="368" name="Google Shape;368;p57"/>
-          <p:cNvSpPr txBox="1"/>
-          <p:nvPr>
-            <p:ph idx="1" type="body"/>
-          </p:nvPr>
-        </p:nvSpPr>
-        <p:spPr>
-          <a:xfrm>
-            <a:off x="274320" y="914400"/>
-            <a:ext cx="8595300" cy="4114800"/>
-          </a:xfrm>
-          <a:prstGeom prst="rect">
-            <a:avLst/>
-          </a:prstGeom>
-        </p:spPr>
-        <p:txBody>
-          <a:bodyPr anchorCtr="0" anchor="t" bIns="0" lIns="0" spcFirstLastPara="1" rIns="0" wrap="square" tIns="0">
-            <a:noAutofit/>
-          </a:bodyPr>
-          <a:lstStyle/>
-          <a:p>
-            <a:pPr indent="0" lvl="0" marL="0" rtl="0" algn="l">
-              <a:spcBef>
-                <a:spcPts val="0"/>
-              </a:spcBef>
-              <a:spcAft>
-                <a:spcPts val="0"/>
-              </a:spcAft>
-              <a:buNone/>
-            </a:pPr>
-            <a:r>
-              <a:rPr lang="en"/>
-              <a:t>Stand-up emails are a communication mechanism that serves to</a:t>
-            </a:r>
-            <a:endParaRPr/>
-          </a:p>
-          <a:p>
-            <a:pPr indent="-342900" lvl="0" marL="457200" rtl="0" algn="l">
-              <a:spcBef>
-                <a:spcPts val="1200"/>
-              </a:spcBef>
-              <a:spcAft>
-                <a:spcPts val="0"/>
-              </a:spcAft>
-              <a:buSzPts val="1800"/>
-              <a:buChar char="●"/>
-            </a:pPr>
-            <a:r>
-              <a:rPr lang="en"/>
-              <a:t>Ensure regular updates about each other’s work state / progress</a:t>
-            </a:r>
-            <a:endParaRPr/>
-          </a:p>
-          <a:p>
-            <a:pPr indent="0" lvl="0" marL="0" rtl="0" algn="l">
-              <a:spcBef>
-                <a:spcPts val="1200"/>
-              </a:spcBef>
-              <a:spcAft>
-                <a:spcPts val="0"/>
-              </a:spcAft>
-              <a:buNone/>
-            </a:pPr>
-            <a:r>
-              <a:rPr lang="en"/>
-              <a:t>When writing a stand-up email, please consider these three topics</a:t>
-            </a:r>
-            <a:endParaRPr/>
-          </a:p>
-          <a:p>
-            <a:pPr indent="-342900" lvl="0" marL="457200" rtl="0" algn="l">
-              <a:spcBef>
-                <a:spcPts val="1200"/>
-              </a:spcBef>
-              <a:spcAft>
-                <a:spcPts val="0"/>
-              </a:spcAft>
-              <a:buSzPts val="1800"/>
-              <a:buAutoNum type="arabicPeriod"/>
-            </a:pPr>
-            <a:r>
-              <a:rPr lang="en"/>
-              <a:t>What did </a:t>
-            </a:r>
-            <a:r>
-              <a:rPr lang="en"/>
-              <a:t>you</a:t>
-            </a:r>
-            <a:r>
-              <a:rPr lang="en"/>
-              <a:t> get done since you last sent a stand-up email?</a:t>
-            </a:r>
-            <a:endParaRPr/>
-          </a:p>
-          <a:p>
-            <a:pPr indent="-342900" lvl="0" marL="457200" rtl="0" algn="l">
-              <a:spcBef>
-                <a:spcPts val="0"/>
-              </a:spcBef>
-              <a:spcAft>
-                <a:spcPts val="0"/>
-              </a:spcAft>
-              <a:buSzPts val="1800"/>
-              <a:buAutoNum type="arabicPeriod"/>
-            </a:pPr>
-            <a:r>
-              <a:rPr lang="en"/>
-              <a:t>What are your next steps / plans of work to do?</a:t>
-            </a:r>
-            <a:endParaRPr/>
-          </a:p>
-          <a:p>
-            <a:pPr indent="-342900" lvl="0" marL="457200" rtl="0" algn="l">
-              <a:spcBef>
-                <a:spcPts val="0"/>
-              </a:spcBef>
-              <a:spcAft>
-                <a:spcPts val="0"/>
-              </a:spcAft>
-              <a:buSzPts val="1800"/>
-              <a:buAutoNum type="arabicPeriod"/>
-            </a:pPr>
-            <a:r>
-              <a:rPr lang="en"/>
-              <a:t>What challenges are you facing?</a:t>
-            </a:r>
-            <a:endParaRPr/>
-          </a:p>
-          <a:p>
-            <a:pPr indent="0" lvl="0" marL="0" rtl="0" algn="l">
-              <a:spcBef>
-                <a:spcPts val="1200"/>
-              </a:spcBef>
-              <a:spcAft>
-                <a:spcPts val="0"/>
-              </a:spcAft>
-              <a:buNone/>
-            </a:pPr>
-            <a:r>
-              <a:rPr lang="en"/>
-              <a:t>Separate from the stand-up emails, feel free to</a:t>
-            </a:r>
-            <a:endParaRPr/>
-          </a:p>
-          <a:p>
-            <a:pPr indent="-342900" lvl="0" marL="457200" rtl="0" algn="l">
-              <a:spcBef>
-                <a:spcPts val="1200"/>
-              </a:spcBef>
-              <a:spcAft>
-                <a:spcPts val="0"/>
-              </a:spcAft>
-              <a:buSzPts val="1800"/>
-              <a:buChar char="●"/>
-            </a:pPr>
-            <a:r>
-              <a:rPr lang="en"/>
-              <a:t>Have your own communication channels</a:t>
-            </a:r>
-            <a:endParaRPr/>
-          </a:p>
-          <a:p>
-            <a:pPr indent="0" lvl="0" marL="0" rtl="0" algn="l">
-              <a:spcBef>
-                <a:spcPts val="1200"/>
-              </a:spcBef>
-              <a:spcAft>
-                <a:spcPts val="1200"/>
-              </a:spcAft>
-              <a:buNone/>
-            </a:pPr>
-            <a:r>
-              <a:t/>
-            </a:r>
-            <a:endParaRPr/>
-          </a:p>
-        </p:txBody>
-      </p:sp>
-      <p:sp>
-        <p:nvSpPr>
-          <p:cNvPr id="369" name="Google Shape;369;p57"/>
-          <p:cNvSpPr txBox="1"/>
-          <p:nvPr>
-            <p:ph idx="12" type="sldNum"/>
-          </p:nvPr>
-        </p:nvSpPr>
-        <p:spPr>
-          <a:xfrm>
-            <a:off x="7315202" y="4416550"/>
-            <a:ext cx="1828800" cy="731400"/>
-          </a:xfrm>
-          <a:prstGeom prst="rect">
-            <a:avLst/>
-          </a:prstGeom>
-        </p:spPr>
-        <p:txBody>
-          <a:bodyPr anchorCtr="0" anchor="b" bIns="91425" lIns="91425" spcFirstLastPara="1" rIns="91425" wrap="square" tIns="91425">
-            <a:noAutofit/>
-          </a:bodyPr>
-          <a:lstStyle/>
-          <a:p>
-            <a:pPr indent="0" lvl="0" marL="0" rtl="0" algn="r">
-              <a:spcBef>
-                <a:spcPts val="0"/>
-              </a:spcBef>
-              <a:spcAft>
-                <a:spcPts val="0"/>
-              </a:spcAft>
-              <a:buNone/>
-            </a:pPr>
-            <a:fld id="{00000000-1234-1234-1234-123412341234}" type="slidenum">
-              <a:rPr lang="en"/>
-              <a:t>‹#›</a:t>
-            </a:fld>
-            <a:endParaRPr/>
-          </a:p>
-          <a:p>
-            <a:pPr indent="0" lvl="0" marL="0" rtl="0" algn="r">
-              <a:spcBef>
-                <a:spcPts val="0"/>
-              </a:spcBef>
-              <a:spcAft>
-                <a:spcPts val="0"/>
-              </a:spcAft>
-              <a:buNone/>
-            </a:pPr>
-            <a:r>
-              <a:rPr b="0" lang="en" sz="900" u="sng">
-                <a:solidFill>
-                  <a:schemeClr val="hlink"/>
-                </a:solidFill>
-                <a:hlinkClick r:id="rId3"/>
-              </a:rPr>
-              <a:t>https://profriehle.com</a:t>
-            </a:r>
-            <a:r>
-              <a:rPr b="0" lang="en" sz="900">
-                <a:solidFill>
-                  <a:schemeClr val="dk2"/>
-                </a:solidFill>
-              </a:rPr>
-              <a:t> </a:t>
+            <a:pPr indent="0" lvl="0" marL="0" rtl="0" algn="ctr">
+              <a:spcBef>
+                <a:spcPts val="0"/>
+              </a:spcBef>
+              <a:spcAft>
+                <a:spcPts val="0"/>
+              </a:spcAft>
+              <a:buNone/>
+            </a:pPr>
+            <a:r>
+              <a:rPr lang="en"/>
+              <a:t>8</a:t>
+            </a:r>
+            <a:r>
+              <a:rPr lang="en"/>
+              <a:t>. Stand-up Emails</a:t>
             </a:r>
             <a:endParaRPr/>
           </a:p>
@@ -23901,7 +24021,7 @@
   <p:cSld>
     <p:spTree>
       <p:nvGrpSpPr>
-        <p:cNvPr id="373" name="Shape 373"/>
+        <p:cNvPr id="374" name="Shape 374"/>
         <p:cNvGrpSpPr/>
         <p:nvPr/>
       </p:nvGrpSpPr>
@@ -23915,7 +24035,7 @@
       </p:grpSpPr>
       <p:sp>
         <p:nvSpPr>
-          <p:cNvPr id="374" name="Google Shape;374;p58"/>
+          <p:cNvPr id="375" name="Google Shape;375;p58"/>
           <p:cNvSpPr txBox="1"/>
           <p:nvPr>
             <p:ph type="title"/>
@@ -23947,10 +24067,6 @@
             </a:pPr>
             <a:r>
               <a:rPr lang="en"/>
-              <a:t>Regular Deliverable: </a:t>
-            </a:r>
-            <a:r>
-              <a:rPr lang="en"/>
               <a:t>Stand-up Emails</a:t>
             </a:r>
             <a:endParaRPr/>
@@ -23959,7 +24075,7 @@
       </p:sp>
       <p:sp>
         <p:nvSpPr>
-          <p:cNvPr id="375" name="Google Shape;375;p58"/>
+          <p:cNvPr id="376" name="Google Shape;376;p58"/>
           <p:cNvSpPr txBox="1"/>
           <p:nvPr>
             <p:ph idx="1" type="body"/>
@@ -23991,20 +24107,7 @@
             </a:pPr>
             <a:r>
               <a:rPr lang="en"/>
-              <a:t>Please s</a:t>
-            </a:r>
-            <a:r>
-              <a:rPr lang="en"/>
-              <a:t>end stand-up emails using the tool </a:t>
-            </a:r>
-            <a:r>
-              <a:rPr lang="en" u="sng">
-                <a:solidFill>
-                  <a:schemeClr val="hlink"/>
-                </a:solidFill>
-                <a:hlinkClick r:id="rId3"/>
-              </a:rPr>
-              <a:t>https://happy-amos.appspot.com/</a:t>
+              <a:t>Stand-up emails are a communication mechanism that serves to</a:t>
             </a:r>
             <a:endParaRPr/>
           </a:p>
@@ -24021,7 +24124,130 @@
             </a:pPr>
             <a:r>
               <a:rPr lang="en"/>
-              <a:t>At least twice in total, on different days of the week</a:t>
+              <a:t>Ensure regular updates about each other’s work state / progress</a:t>
+            </a:r>
+            <a:endParaRPr/>
+          </a:p>
+          <a:p>
+            <a:pPr indent="0" lvl="0" marL="0" rtl="0" algn="l">
+              <a:spcBef>
+                <a:spcPts val="1200"/>
+              </a:spcBef>
+              <a:spcAft>
+                <a:spcPts val="0"/>
+              </a:spcAft>
+              <a:buNone/>
+            </a:pPr>
+            <a:r>
+              <a:rPr lang="en"/>
+              <a:t>When writing a stand-up email, please consider these three topics</a:t>
+            </a:r>
+            <a:endParaRPr/>
+          </a:p>
+          <a:p>
+            <a:pPr indent="-342900" lvl="0" marL="457200" rtl="0" algn="l">
+              <a:spcBef>
+                <a:spcPts val="1200"/>
+              </a:spcBef>
+              <a:spcAft>
+                <a:spcPts val="0"/>
+              </a:spcAft>
+              <a:buSzPts val="1800"/>
+              <a:buAutoNum type="arabicPeriod"/>
+            </a:pPr>
+            <a:r>
+              <a:rPr lang="en"/>
+              <a:t>What did </a:t>
+            </a:r>
+            <a:r>
+              <a:rPr lang="en"/>
+              <a:t>you</a:t>
+            </a:r>
+            <a:r>
+              <a:rPr lang="en"/>
+              <a:t> get done since you last sent a stand-up email?</a:t>
+            </a:r>
+            <a:endParaRPr/>
+          </a:p>
+          <a:p>
+            <a:pPr indent="-342900" lvl="0" marL="457200" rtl="0" algn="l">
+              <a:spcBef>
+                <a:spcPts val="0"/>
+              </a:spcBef>
+              <a:spcAft>
+                <a:spcPts val="0"/>
+              </a:spcAft>
+              <a:buSzPts val="1800"/>
+              <a:buAutoNum type="arabicPeriod"/>
+            </a:pPr>
+            <a:r>
+              <a:rPr lang="en"/>
+              <a:t>What are your next steps / plans of work to do?</a:t>
+            </a:r>
+            <a:endParaRPr/>
+          </a:p>
+          <a:p>
+            <a:pPr indent="-342900" lvl="0" marL="457200" rtl="0" algn="l">
+              <a:spcBef>
+                <a:spcPts val="0"/>
+              </a:spcBef>
+              <a:spcAft>
+                <a:spcPts val="0"/>
+              </a:spcAft>
+              <a:buSzPts val="1800"/>
+              <a:buAutoNum type="arabicPeriod"/>
+            </a:pPr>
+            <a:r>
+              <a:rPr lang="en"/>
+              <a:t>What challenges are you facing?</a:t>
+            </a:r>
+            <a:endParaRPr/>
+          </a:p>
+          <a:p>
+            <a:pPr indent="0" lvl="0" marL="0" rtl="0" algn="l">
+              <a:spcBef>
+                <a:spcPts val="1200"/>
+              </a:spcBef>
+              <a:spcAft>
+                <a:spcPts val="0"/>
+              </a:spcAft>
+              <a:buNone/>
+            </a:pPr>
+            <a:r>
+              <a:rPr lang="en"/>
+              <a:t>Separate from the stand-up emails, feel free to</a:t>
+            </a:r>
+            <a:endParaRPr/>
+          </a:p>
+          <a:p>
+            <a:pPr indent="-342900" lvl="0" marL="457200" rtl="0" algn="l">
+              <a:spcBef>
+                <a:spcPts val="1200"/>
+              </a:spcBef>
+              <a:spcAft>
+                <a:spcPts val="0"/>
+              </a:spcAft>
+              <a:buSzPts val="1800"/>
+              <a:buChar char="●"/>
+            </a:pPr>
+            <a:r>
+              <a:rPr lang="en"/>
+              <a:t>Have your own communication channels</a:t>
+            </a:r>
+            <a:endParaRPr/>
+          </a:p>
+          <a:p>
+            <a:pPr indent="0" lvl="0" marL="0" rtl="0" algn="l">
+              <a:spcBef>
+                <a:spcPts val="1200"/>
+              </a:spcBef>
+              <a:spcAft>
+                <a:spcPts val="1200"/>
+              </a:spcAft>
+              <a:buNone/>
+            </a:pPr>
+            <a:r>
+              <a:t/>
             </a:r>
             <a:endParaRPr/>
           </a:p>
@@ -24029,7 +24255,7 @@
       </p:sp>
       <p:sp>
         <p:nvSpPr>
-          <p:cNvPr id="376" name="Google Shape;376;p58"/>
+          <p:cNvPr id="377" name="Google Shape;377;p58"/>
           <p:cNvSpPr txBox="1"/>
           <p:nvPr>
             <p:ph idx="12" type="sldNum"/>
@@ -24080,7 +24306,7 @@
                 <a:solidFill>
                   <a:schemeClr val="hlink"/>
                 </a:solidFill>
-                <a:hlinkClick r:id="rId4"/>
+                <a:hlinkClick r:id="rId3"/>
               </a:rPr>
               <a:t>https://profriehle.com</a:t>
             </a:r>
@@ -24096,40 +24322,6 @@
           </a:p>
         </p:txBody>
       </p:sp>
-      <p:pic>
-        <p:nvPicPr>
-          <p:cNvPr id="377" name="Google Shape;377;p58"/>
-          <p:cNvPicPr preferRelativeResize="0"/>
-          <p:nvPr/>
-        </p:nvPicPr>
-        <p:blipFill>
-          <a:blip r:embed="rId5">
-            <a:alphaModFix/>
-          </a:blip>
-          <a:stretch>
-            <a:fillRect/>
-          </a:stretch>
-        </p:blipFill>
-        <p:spPr>
-          <a:xfrm>
-            <a:off x="274325" y="1871100"/>
-            <a:ext cx="8229599" cy="3158108"/>
-          </a:xfrm>
-          <a:prstGeom prst="rect">
-            <a:avLst/>
-          </a:prstGeom>
-          <a:noFill/>
-          <a:ln cap="flat" cmpd="sng" w="9525">
-            <a:solidFill>
-              <a:schemeClr val="dk2"/>
-            </a:solidFill>
-            <a:prstDash val="solid"/>
-            <a:round/>
-            <a:headEnd len="sm" w="sm" type="none"/>
-            <a:tailEnd len="sm" w="sm" type="none"/>
-          </a:ln>
-        </p:spPr>
-      </p:pic>
     </p:spTree>
   </p:cSld>
   <p:clrMapOvr>
@@ -24165,36 +24357,213 @@
         </p:nvSpPr>
         <p:spPr>
           <a:xfrm>
-            <a:off x="0" y="-7"/>
-            <a:ext cx="9144000" cy="2386500"/>
+            <a:off x="0" y="0"/>
+            <a:ext cx="9144000" cy="685800"/>
           </a:xfrm>
           <a:prstGeom prst="rect">
             <a:avLst/>
           </a:prstGeom>
         </p:spPr>
         <p:txBody>
-          <a:bodyPr anchorCtr="0" anchor="b" bIns="274300" lIns="91425" spcFirstLastPara="1" rIns="91425" wrap="square" tIns="91425">
+          <a:bodyPr anchorCtr="0" anchor="ctr" bIns="91425" lIns="274300" spcFirstLastPara="1" rIns="91425" wrap="square" tIns="91425">
             <a:noAutofit/>
           </a:bodyPr>
           <a:lstStyle/>
           <a:p>
-            <a:pPr indent="0" lvl="0" marL="0" rtl="0" algn="ctr">
-              <a:spcBef>
-                <a:spcPts val="0"/>
-              </a:spcBef>
-              <a:spcAft>
-                <a:spcPts val="0"/>
-              </a:spcAft>
-              <a:buNone/>
-            </a:pPr>
-            <a:r>
-              <a:rPr lang="en"/>
-              <a:t>9. Happiness Index</a:t>
+            <a:pPr indent="0" lvl="0" marL="0" rtl="0" algn="l">
+              <a:spcBef>
+                <a:spcPts val="0"/>
+              </a:spcBef>
+              <a:spcAft>
+                <a:spcPts val="0"/>
+              </a:spcAft>
+              <a:buNone/>
+            </a:pPr>
+            <a:r>
+              <a:rPr lang="en"/>
+              <a:t>Regular Deliverable: </a:t>
+            </a:r>
+            <a:r>
+              <a:rPr lang="en"/>
+              <a:t>Stand-up Emails</a:t>
             </a:r>
             <a:endParaRPr/>
           </a:p>
         </p:txBody>
       </p:sp>
+      <p:sp>
+        <p:nvSpPr>
+          <p:cNvPr id="383" name="Google Shape;383;p59"/>
+          <p:cNvSpPr txBox="1"/>
+          <p:nvPr>
+            <p:ph idx="1" type="body"/>
+          </p:nvPr>
+        </p:nvSpPr>
+        <p:spPr>
+          <a:xfrm>
+            <a:off x="274320" y="914400"/>
+            <a:ext cx="8595300" cy="4114800"/>
+          </a:xfrm>
+          <a:prstGeom prst="rect">
+            <a:avLst/>
+          </a:prstGeom>
+        </p:spPr>
+        <p:txBody>
+          <a:bodyPr anchorCtr="0" anchor="t" bIns="0" lIns="0" spcFirstLastPara="1" rIns="0" wrap="square" tIns="0">
+            <a:noAutofit/>
+          </a:bodyPr>
+          <a:lstStyle/>
+          <a:p>
+            <a:pPr indent="0" lvl="0" marL="0" rtl="0" algn="l">
+              <a:spcBef>
+                <a:spcPts val="0"/>
+              </a:spcBef>
+              <a:spcAft>
+                <a:spcPts val="0"/>
+              </a:spcAft>
+              <a:buNone/>
+            </a:pPr>
+            <a:r>
+              <a:rPr lang="en"/>
+              <a:t>Please s</a:t>
+            </a:r>
+            <a:r>
+              <a:rPr lang="en"/>
+              <a:t>end stand-up emails using the tool </a:t>
+            </a:r>
+            <a:r>
+              <a:rPr lang="en" u="sng">
+                <a:solidFill>
+                  <a:schemeClr val="hlink"/>
+                </a:solidFill>
+                <a:hlinkClick r:id="rId3"/>
+              </a:rPr>
+              <a:t>https://happy-amos.appspot.com/</a:t>
+            </a:r>
+            <a:endParaRPr/>
+          </a:p>
+          <a:p>
+            <a:pPr indent="-342900" lvl="0" marL="457200" rtl="0" algn="l">
+              <a:spcBef>
+                <a:spcPts val="1200"/>
+              </a:spcBef>
+              <a:spcAft>
+                <a:spcPts val="0"/>
+              </a:spcAft>
+              <a:buSzPts val="1800"/>
+              <a:buChar char="●"/>
+            </a:pPr>
+            <a:r>
+              <a:rPr lang="en"/>
+              <a:t>At least twice in total, on different days of the week</a:t>
+            </a:r>
+            <a:endParaRPr/>
+          </a:p>
+        </p:txBody>
+      </p:sp>
+      <p:sp>
+        <p:nvSpPr>
+          <p:cNvPr id="384" name="Google Shape;384;p59"/>
+          <p:cNvSpPr txBox="1"/>
+          <p:nvPr>
+            <p:ph idx="12" type="sldNum"/>
+          </p:nvPr>
+        </p:nvSpPr>
+        <p:spPr>
+          <a:xfrm>
+            <a:off x="7315202" y="4416550"/>
+            <a:ext cx="1828800" cy="731400"/>
+          </a:xfrm>
+          <a:prstGeom prst="rect">
+            <a:avLst/>
+          </a:prstGeom>
+        </p:spPr>
+        <p:txBody>
+          <a:bodyPr anchorCtr="0" anchor="b" bIns="91425" lIns="91425" spcFirstLastPara="1" rIns="91425" wrap="square" tIns="91425">
+            <a:noAutofit/>
+          </a:bodyPr>
+          <a:lstStyle/>
+          <a:p>
+            <a:pPr indent="0" lvl="0" marL="0" rtl="0" algn="r">
+              <a:spcBef>
+                <a:spcPts val="0"/>
+              </a:spcBef>
+              <a:spcAft>
+                <a:spcPts val="0"/>
+              </a:spcAft>
+              <a:buNone/>
+            </a:pPr>
+            <a:fld id="{00000000-1234-1234-1234-123412341234}" type="slidenum">
+              <a:rPr lang="en"/>
+              <a:t>‹#›</a:t>
+            </a:fld>
+            <a:endParaRPr/>
+          </a:p>
+          <a:p>
+            <a:pPr indent="0" lvl="0" marL="0" rtl="0" algn="r">
+              <a:spcBef>
+                <a:spcPts val="0"/>
+              </a:spcBef>
+              <a:spcAft>
+                <a:spcPts val="0"/>
+              </a:spcAft>
+              <a:buNone/>
+            </a:pPr>
+            <a:r>
+              <a:rPr b="0" lang="en" sz="900" u="sng">
+                <a:solidFill>
+                  <a:schemeClr val="hlink"/>
+                </a:solidFill>
+                <a:hlinkClick r:id="rId4"/>
+              </a:rPr>
+              <a:t>https://profriehle.com</a:t>
+            </a:r>
+            <a:r>
+              <a:rPr b="0" lang="en" sz="900">
+                <a:solidFill>
+                  <a:schemeClr val="dk2"/>
+                </a:solidFill>
+              </a:rPr>
+              <a:t> </a:t>
+            </a:r>
+            <a:endParaRPr/>
+          </a:p>
+        </p:txBody>
+      </p:sp>
+      <p:pic>
+        <p:nvPicPr>
+          <p:cNvPr id="385" name="Google Shape;385;p59"/>
+          <p:cNvPicPr preferRelativeResize="0"/>
+          <p:nvPr/>
+        </p:nvPicPr>
+        <p:blipFill>
+          <a:blip r:embed="rId5">
+            <a:alphaModFix/>
+          </a:blip>
+          <a:stretch>
+            <a:fillRect/>
+          </a:stretch>
+        </p:blipFill>
+        <p:spPr>
+          <a:xfrm>
+            <a:off x="274325" y="1871100"/>
+            <a:ext cx="8229599" cy="3158108"/>
+          </a:xfrm>
+          <a:prstGeom prst="rect">
+            <a:avLst/>
+          </a:prstGeom>
+          <a:noFill/>
+          <a:ln cap="flat" cmpd="sng" w="9525">
+            <a:solidFill>
+              <a:schemeClr val="dk2"/>
+            </a:solidFill>
+            <a:prstDash val="solid"/>
+            <a:round/>
+            <a:headEnd len="sm" w="sm" type="none"/>
+            <a:tailEnd len="sm" w="sm" type="none"/>
+          </a:ln>
+        </p:spPr>
+      </p:pic>
     </p:spTree>
   </p:cSld>
   <p:clrMapOvr>
@@ -24208,7 +24577,7 @@
   <p:cSld>
     <p:spTree>
       <p:nvGrpSpPr>
-        <p:cNvPr id="386" name="Shape 386"/>
+        <p:cNvPr id="389" name="Shape 389"/>
         <p:cNvGrpSpPr/>
         <p:nvPr/>
       </p:nvGrpSpPr>
@@ -24222,7 +24591,72 @@
       </p:grpSpPr>
       <p:sp>
         <p:nvSpPr>
-          <p:cNvPr id="387" name="Google Shape;387;p60"/>
+          <p:cNvPr id="390" name="Google Shape;390;p60"/>
+          <p:cNvSpPr txBox="1"/>
+          <p:nvPr>
+            <p:ph type="title"/>
+          </p:nvPr>
+        </p:nvSpPr>
+        <p:spPr>
+          <a:xfrm>
+            <a:off x="0" y="-7"/>
+            <a:ext cx="9144000" cy="2386500"/>
+          </a:xfrm>
+          <a:prstGeom prst="rect">
+            <a:avLst/>
+          </a:prstGeom>
+        </p:spPr>
+        <p:txBody>
+          <a:bodyPr anchorCtr="0" anchor="b" bIns="274300" lIns="91425" spcFirstLastPara="1" rIns="91425" wrap="square" tIns="91425">
+            <a:noAutofit/>
+          </a:bodyPr>
+          <a:lstStyle/>
+          <a:p>
+            <a:pPr indent="0" lvl="0" marL="0" rtl="0" algn="ctr">
+              <a:spcBef>
+                <a:spcPts val="0"/>
+              </a:spcBef>
+              <a:spcAft>
+                <a:spcPts val="0"/>
+              </a:spcAft>
+              <a:buNone/>
+            </a:pPr>
+            <a:r>
+              <a:rPr lang="en"/>
+              <a:t>9. Happiness Index</a:t>
+            </a:r>
+            <a:endParaRPr/>
+          </a:p>
+        </p:txBody>
+      </p:sp>
+    </p:spTree>
+  </p:cSld>
+  <p:clrMapOvr>
+    <a:masterClrMapping/>
+  </p:clrMapOvr>
+</p:sld>
+</file>
+
+<file path=ppt/slides/slide54.xml><?xml version="1.0" encoding="utf-8"?>
+<p:sld xmlns:a="http://schemas.openxmlformats.org/drawingml/2006/main" xmlns:r="http://schemas.openxmlformats.org/officeDocument/2006/relationships" xmlns:mc="http://schemas.openxmlformats.org/markup-compatibility/2006" xmlns:mv="urn:schemas-microsoft-com:mac:vml" xmlns:p="http://schemas.openxmlformats.org/presentationml/2006/main" xmlns:c="http://schemas.openxmlformats.org/drawingml/2006/chart" xmlns:dgm="http://schemas.openxmlformats.org/drawingml/2006/diagram" xmlns:o="urn:schemas-microsoft-com:office:office" xmlns:v="urn:schemas-microsoft-com:vml" xmlns:pvml="urn:schemas-microsoft-com:office:powerpoint" xmlns:com="http://schemas.openxmlformats.org/drawingml/2006/compatibility" xmlns:p14="http://schemas.microsoft.com/office/powerpoint/2010/main" xmlns:p15="http://schemas.microsoft.com/office/powerpoint/2012/main" xmlns:ahyp="http://schemas.microsoft.com/office/drawing/2018/hyperlinkcolor">
+  <p:cSld>
+    <p:spTree>
+      <p:nvGrpSpPr>
+        <p:cNvPr id="394" name="Shape 394"/>
+        <p:cNvGrpSpPr/>
+        <p:nvPr/>
+      </p:nvGrpSpPr>
+      <p:grpSpPr>
+        <a:xfrm>
+          <a:off x="0" y="0"/>
+          <a:ext cx="0" cy="0"/>
+          <a:chOff x="0" y="0"/>
+          <a:chExt cx="0" cy="0"/>
+        </a:xfrm>
+      </p:grpSpPr>
+      <p:sp>
+        <p:nvSpPr>
+          <p:cNvPr id="395" name="Google Shape;395;p61"/>
           <p:cNvSpPr txBox="1"/>
           <p:nvPr>
             <p:ph type="title"/>
@@ -24262,7 +24696,7 @@
       </p:sp>
       <p:sp>
         <p:nvSpPr>
-          <p:cNvPr id="388" name="Google Shape;388;p60"/>
+          <p:cNvPr id="396" name="Google Shape;396;p61"/>
           <p:cNvSpPr txBox="1"/>
           <p:nvPr>
             <p:ph idx="1" type="body"/>
@@ -24302,7 +24736,7 @@
       </p:sp>
       <p:sp>
         <p:nvSpPr>
-          <p:cNvPr id="389" name="Google Shape;389;p60"/>
+          <p:cNvPr id="397" name="Google Shape;397;p61"/>
           <p:cNvSpPr txBox="1"/>
           <p:nvPr>
             <p:ph idx="12" type="sldNum"/>
@@ -24371,7 +24805,7 @@
       </p:sp>
       <p:pic>
         <p:nvPicPr>
-          <p:cNvPr id="390" name="Google Shape;390;p60"/>
+          <p:cNvPr id="398" name="Google Shape;398;p61"/>
           <p:cNvPicPr preferRelativeResize="0"/>
           <p:nvPr/>
         </p:nvPicPr>
@@ -24405,7 +24839,7 @@
       </p:pic>
       <p:sp>
         <p:nvSpPr>
-          <p:cNvPr id="391" name="Google Shape;391;p60"/>
+          <p:cNvPr id="399" name="Google Shape;399;p61"/>
           <p:cNvSpPr txBox="1"/>
           <p:nvPr/>
         </p:nvSpPr>
@@ -24444,242 +24878,6 @@
             <a:r>
               <a:rPr lang="en"/>
               <a:t>Originally: Emotions Seismograph</a:t>
-            </a:r>
-            <a:endParaRPr/>
-          </a:p>
-        </p:txBody>
-      </p:sp>
-    </p:spTree>
-  </p:cSld>
-  <p:clrMapOvr>
-    <a:masterClrMapping/>
-  </p:clrMapOvr>
-</p:sld>
-</file>
-
-<file path=ppt/slides/slide54.xml><?xml version="1.0" encoding="utf-8"?>
-<p:sld xmlns:a="http://schemas.openxmlformats.org/drawingml/2006/main" xmlns:r="http://schemas.openxmlformats.org/officeDocument/2006/relationships" xmlns:mc="http://schemas.openxmlformats.org/markup-compatibility/2006" xmlns:mv="urn:schemas-microsoft-com:mac:vml" xmlns:p="http://schemas.openxmlformats.org/presentationml/2006/main" xmlns:c="http://schemas.openxmlformats.org/drawingml/2006/chart" xmlns:dgm="http://schemas.openxmlformats.org/drawingml/2006/diagram" xmlns:o="urn:schemas-microsoft-com:office:office" xmlns:v="urn:schemas-microsoft-com:vml" xmlns:pvml="urn:schemas-microsoft-com:office:powerpoint" xmlns:com="http://schemas.openxmlformats.org/drawingml/2006/compatibility" xmlns:p14="http://schemas.microsoft.com/office/powerpoint/2010/main" xmlns:p15="http://schemas.microsoft.com/office/powerpoint/2012/main" xmlns:ahyp="http://schemas.microsoft.com/office/drawing/2018/hyperlinkcolor">
-  <p:cSld>
-    <p:spTree>
-      <p:nvGrpSpPr>
-        <p:cNvPr id="395" name="Shape 395"/>
-        <p:cNvGrpSpPr/>
-        <p:nvPr/>
-      </p:nvGrpSpPr>
-      <p:grpSpPr>
-        <a:xfrm>
-          <a:off x="0" y="0"/>
-          <a:ext cx="0" cy="0"/>
-          <a:chOff x="0" y="0"/>
-          <a:chExt cx="0" cy="0"/>
-        </a:xfrm>
-      </p:grpSpPr>
-      <p:sp>
-        <p:nvSpPr>
-          <p:cNvPr id="396" name="Google Shape;396;p61"/>
-          <p:cNvSpPr txBox="1"/>
-          <p:nvPr>
-            <p:ph type="title"/>
-          </p:nvPr>
-        </p:nvSpPr>
-        <p:spPr>
-          <a:xfrm>
-            <a:off x="0" y="0"/>
-            <a:ext cx="9144000" cy="685800"/>
-          </a:xfrm>
-          <a:prstGeom prst="rect">
-            <a:avLst/>
-          </a:prstGeom>
-        </p:spPr>
-        <p:txBody>
-          <a:bodyPr anchorCtr="0" anchor="ctr" bIns="91425" lIns="274300" spcFirstLastPara="1" rIns="91425" wrap="square" tIns="91425">
-            <a:noAutofit/>
-          </a:bodyPr>
-          <a:lstStyle/>
-          <a:p>
-            <a:pPr indent="0" lvl="0" marL="0" rtl="0" algn="l">
-              <a:spcBef>
-                <a:spcPts val="0"/>
-              </a:spcBef>
-              <a:spcAft>
-                <a:spcPts val="0"/>
-              </a:spcAft>
-              <a:buNone/>
-            </a:pPr>
-            <a:r>
-              <a:rPr lang="en"/>
-              <a:t>Regular Deliverable: Happiness Index</a:t>
-            </a:r>
-            <a:endParaRPr/>
-          </a:p>
-        </p:txBody>
-      </p:sp>
-      <p:sp>
-        <p:nvSpPr>
-          <p:cNvPr id="397" name="Google Shape;397;p61"/>
-          <p:cNvSpPr txBox="1"/>
-          <p:nvPr>
-            <p:ph idx="1" type="body"/>
-          </p:nvPr>
-        </p:nvSpPr>
-        <p:spPr>
-          <a:xfrm>
-            <a:off x="274320" y="914400"/>
-            <a:ext cx="8595300" cy="4114800"/>
-          </a:xfrm>
-          <a:prstGeom prst="rect">
-            <a:avLst/>
-          </a:prstGeom>
-        </p:spPr>
-        <p:txBody>
-          <a:bodyPr anchorCtr="0" anchor="t" bIns="0" lIns="0" spcFirstLastPara="1" rIns="0" wrap="square" tIns="0">
-            <a:noAutofit/>
-          </a:bodyPr>
-          <a:lstStyle/>
-          <a:p>
-            <a:pPr indent="0" lvl="0" marL="0" rtl="0" algn="l">
-              <a:spcBef>
-                <a:spcPts val="0"/>
-              </a:spcBef>
-              <a:spcAft>
-                <a:spcPts val="0"/>
-              </a:spcAft>
-              <a:buClr>
-                <a:schemeClr val="dk1"/>
-              </a:buClr>
-              <a:buSzPts val="1100"/>
-              <a:buFont typeface="Arial"/>
-              <a:buNone/>
-            </a:pPr>
-            <a:r>
-              <a:rPr lang="en"/>
-              <a:t>Please indicate your happiness using the tool </a:t>
-            </a:r>
-            <a:r>
-              <a:rPr lang="en" u="sng">
-                <a:solidFill>
-                  <a:schemeClr val="hlink"/>
-                </a:solidFill>
-                <a:hlinkClick r:id="rId3"/>
-              </a:rPr>
-              <a:t>https://happy-amos.appspot.com/</a:t>
-            </a:r>
-            <a:endParaRPr/>
-          </a:p>
-          <a:p>
-            <a:pPr indent="-342900" lvl="0" marL="457200" rtl="0" algn="l">
-              <a:spcBef>
-                <a:spcPts val="1200"/>
-              </a:spcBef>
-              <a:spcAft>
-                <a:spcPts val="0"/>
-              </a:spcAft>
-              <a:buSzPts val="1800"/>
-              <a:buChar char="●"/>
-            </a:pPr>
-            <a:r>
-              <a:rPr lang="en"/>
-              <a:t>Every team meeting, including the first and last one, until end of day</a:t>
-            </a:r>
-            <a:endParaRPr/>
-          </a:p>
-          <a:p>
-            <a:pPr indent="0" lvl="0" marL="0" rtl="0" algn="l">
-              <a:spcBef>
-                <a:spcPts val="1200"/>
-              </a:spcBef>
-              <a:spcAft>
-                <a:spcPts val="0"/>
-              </a:spcAft>
-              <a:buNone/>
-            </a:pPr>
-            <a:r>
-              <a:rPr lang="en"/>
-              <a:t>Your contributions (your happiness) remains anonymous</a:t>
-            </a:r>
-            <a:endParaRPr/>
-          </a:p>
-          <a:p>
-            <a:pPr indent="0" lvl="0" marL="0" rtl="0" algn="l">
-              <a:spcBef>
-                <a:spcPts val="1200"/>
-              </a:spcBef>
-              <a:spcAft>
-                <a:spcPts val="1200"/>
-              </a:spcAft>
-              <a:buNone/>
-            </a:pPr>
-            <a:r>
-              <a:t/>
-            </a:r>
-            <a:endParaRPr/>
-          </a:p>
-        </p:txBody>
-      </p:sp>
-      <p:sp>
-        <p:nvSpPr>
-          <p:cNvPr id="398" name="Google Shape;398;p61"/>
-          <p:cNvSpPr txBox="1"/>
-          <p:nvPr>
-            <p:ph idx="12" type="sldNum"/>
-          </p:nvPr>
-        </p:nvSpPr>
-        <p:spPr>
-          <a:xfrm>
-            <a:off x="7315202" y="4416550"/>
-            <a:ext cx="1828800" cy="731400"/>
-          </a:xfrm>
-          <a:prstGeom prst="rect">
-            <a:avLst/>
-          </a:prstGeom>
-        </p:spPr>
-        <p:txBody>
-          <a:bodyPr anchorCtr="0" anchor="b" bIns="91425" lIns="91425" spcFirstLastPara="1" rIns="91425" wrap="square" tIns="91425">
-            <a:noAutofit/>
-          </a:bodyPr>
-          <a:lstStyle/>
-          <a:p>
-            <a:pPr indent="0" lvl="0" marL="0" rtl="0" algn="r">
-              <a:spcBef>
-                <a:spcPts val="0"/>
-              </a:spcBef>
-              <a:spcAft>
-                <a:spcPts val="0"/>
-              </a:spcAft>
-              <a:buNone/>
-            </a:pPr>
-            <a:fld id="{00000000-1234-1234-1234-123412341234}" type="slidenum">
-              <a:rPr lang="en"/>
-              <a:t>‹#›</a:t>
-            </a:fld>
-            <a:endParaRPr/>
-          </a:p>
-          <a:p>
-            <a:pPr indent="0" lvl="0" marL="0" rtl="0" algn="r">
-              <a:spcBef>
-                <a:spcPts val="0"/>
-              </a:spcBef>
-              <a:spcAft>
-                <a:spcPts val="0"/>
-              </a:spcAft>
-              <a:buNone/>
-            </a:pPr>
-            <a:r>
-              <a:rPr b="0" lang="en" sz="900" u="sng">
-                <a:solidFill>
-                  <a:schemeClr val="hlink"/>
-                </a:solidFill>
-                <a:hlinkClick r:id="rId4"/>
-              </a:rPr>
-              <a:t>https://profriehle.com</a:t>
-            </a:r>
-            <a:r>
-              <a:rPr b="0" lang="en" sz="900">
-                <a:solidFill>
-                  <a:schemeClr val="dk2"/>
-                </a:solidFill>
-              </a:rPr>
-              <a:t> </a:t>
             </a:r>
             <a:endParaRPr/>
           </a:p>
@@ -24698,7 +24896,7 @@
   <p:cSld>
     <p:spTree>
       <p:nvGrpSpPr>
-        <p:cNvPr id="402" name="Shape 402"/>
+        <p:cNvPr id="403" name="Shape 403"/>
         <p:cNvGrpSpPr/>
         <p:nvPr/>
       </p:nvGrpSpPr>
@@ -24712,7 +24910,47 @@
       </p:grpSpPr>
       <p:sp>
         <p:nvSpPr>
-          <p:cNvPr id="403" name="Google Shape;403;p62"/>
+          <p:cNvPr id="404" name="Google Shape;404;p62"/>
+          <p:cNvSpPr txBox="1"/>
+          <p:nvPr>
+            <p:ph type="title"/>
+          </p:nvPr>
+        </p:nvSpPr>
+        <p:spPr>
+          <a:xfrm>
+            <a:off x="0" y="0"/>
+            <a:ext cx="9144000" cy="685800"/>
+          </a:xfrm>
+          <a:prstGeom prst="rect">
+            <a:avLst/>
+          </a:prstGeom>
+        </p:spPr>
+        <p:txBody>
+          <a:bodyPr anchorCtr="0" anchor="ctr" bIns="91425" lIns="274300" spcFirstLastPara="1" rIns="91425" wrap="square" tIns="91425">
+            <a:noAutofit/>
+          </a:bodyPr>
+          <a:lstStyle/>
+          <a:p>
+            <a:pPr indent="0" lvl="0" marL="0" rtl="0" algn="l">
+              <a:spcBef>
+                <a:spcPts val="0"/>
+              </a:spcBef>
+              <a:spcAft>
+                <a:spcPts val="0"/>
+              </a:spcAft>
+              <a:buNone/>
+            </a:pPr>
+            <a:r>
+              <a:rPr lang="en"/>
+              <a:t>Regular Deliverable: Happiness Index</a:t>
+            </a:r>
+            <a:endParaRPr/>
+          </a:p>
+        </p:txBody>
+      </p:sp>
+      <p:sp>
+        <p:nvSpPr>
+          <p:cNvPr id="405" name="Google Shape;405;p62"/>
           <p:cNvSpPr txBox="1"/>
           <p:nvPr>
             <p:ph idx="1" type="body"/>
@@ -24733,206 +24971,80 @@
           </a:bodyPr>
           <a:lstStyle/>
           <a:p>
+            <a:pPr indent="0" lvl="0" marL="0" rtl="0" algn="l">
+              <a:spcBef>
+                <a:spcPts val="0"/>
+              </a:spcBef>
+              <a:spcAft>
+                <a:spcPts val="0"/>
+              </a:spcAft>
+              <a:buClr>
+                <a:schemeClr val="dk1"/>
+              </a:buClr>
+              <a:buSzPts val="1100"/>
+              <a:buFont typeface="Arial"/>
+              <a:buNone/>
+            </a:pPr>
+            <a:r>
+              <a:rPr lang="en"/>
+              <a:t>Please indicate your happiness using the tool </a:t>
+            </a:r>
+            <a:r>
+              <a:rPr lang="en" u="sng">
+                <a:solidFill>
+                  <a:schemeClr val="hlink"/>
+                </a:solidFill>
+                <a:hlinkClick r:id="rId3"/>
+              </a:rPr>
+              <a:t>https://happy-amos.appspot.com/</a:t>
+            </a:r>
+            <a:endParaRPr/>
+          </a:p>
+          <a:p>
             <a:pPr indent="-342900" lvl="0" marL="457200" rtl="0" algn="l">
               <a:spcBef>
-                <a:spcPts val="0"/>
+                <a:spcPts val="1200"/>
               </a:spcBef>
               <a:spcAft>
                 <a:spcPts val="0"/>
               </a:spcAft>
               <a:buSzPts val="1800"/>
-              <a:buAutoNum type="arabicPeriod"/>
-            </a:pPr>
-            <a:r>
-              <a:rPr lang="en"/>
-              <a:t>Team formation</a:t>
-            </a:r>
-            <a:endParaRPr/>
-          </a:p>
-          <a:p>
-            <a:pPr indent="-317500" lvl="1" marL="914400" rtl="0" algn="l">
-              <a:spcBef>
-                <a:spcPts val="1000"/>
-              </a:spcBef>
-              <a:spcAft>
-                <a:spcPts val="0"/>
-              </a:spcAft>
-              <a:buSzPts val="1400"/>
-              <a:buAutoNum type="alphaLcPeriod"/>
-            </a:pPr>
-            <a:r>
-              <a:rPr lang="en"/>
-              <a:t>Student roles</a:t>
-            </a:r>
-            <a:endParaRPr/>
-          </a:p>
-          <a:p>
-            <a:pPr indent="-317500" lvl="1" marL="914400" rtl="0" algn="l">
-              <a:spcBef>
-                <a:spcPts val="0"/>
-              </a:spcBef>
-              <a:spcAft>
-                <a:spcPts val="0"/>
-              </a:spcAft>
-              <a:buSzPts val="1400"/>
-              <a:buAutoNum type="alphaLcPeriod"/>
-            </a:pPr>
-            <a:r>
-              <a:rPr lang="en"/>
-              <a:t>Team contract</a:t>
-            </a:r>
-            <a:endParaRPr/>
-          </a:p>
-          <a:p>
-            <a:pPr indent="-317500" lvl="1" marL="914400" rtl="0" algn="l">
-              <a:spcBef>
-                <a:spcPts val="0"/>
-              </a:spcBef>
-              <a:spcAft>
-                <a:spcPts val="0"/>
-              </a:spcAft>
-              <a:buSzPts val="1400"/>
-              <a:buAutoNum type="alphaLcPeriod"/>
-            </a:pPr>
-            <a:r>
-              <a:rPr lang="en"/>
-              <a:t>Team logo and T-shirt</a:t>
-            </a:r>
-            <a:endParaRPr/>
-          </a:p>
-          <a:p>
-            <a:pPr indent="-342900" lvl="0" marL="457200" rtl="0" algn="l">
-              <a:spcBef>
-                <a:spcPts val="1000"/>
-              </a:spcBef>
-              <a:spcAft>
-                <a:spcPts val="0"/>
-              </a:spcAft>
-              <a:buSzPts val="1800"/>
-              <a:buAutoNum type="arabicPeriod"/>
-            </a:pPr>
-            <a:r>
-              <a:rPr lang="en"/>
-              <a:t>Project tools</a:t>
-            </a:r>
-            <a:endParaRPr/>
-          </a:p>
-          <a:p>
-            <a:pPr indent="-317500" lvl="1" marL="914400" rtl="0" algn="l">
-              <a:spcBef>
-                <a:spcPts val="1000"/>
-              </a:spcBef>
-              <a:spcAft>
-                <a:spcPts val="0"/>
-              </a:spcAft>
-              <a:buSzPts val="1400"/>
-              <a:buAutoNum type="alphaLcPeriod"/>
-            </a:pPr>
-            <a:r>
-              <a:rPr lang="en"/>
-              <a:t>Planning document</a:t>
-            </a:r>
-            <a:endParaRPr/>
-          </a:p>
-          <a:p>
-            <a:pPr indent="-317500" lvl="1" marL="914400" rtl="0" algn="l">
-              <a:spcBef>
-                <a:spcPts val="0"/>
-              </a:spcBef>
-              <a:spcAft>
-                <a:spcPts val="0"/>
-              </a:spcAft>
-              <a:buSzPts val="1400"/>
-              <a:buAutoNum type="alphaLcPeriod"/>
-            </a:pPr>
-            <a:r>
-              <a:rPr lang="en"/>
-              <a:t>Feature board</a:t>
-            </a:r>
-            <a:endParaRPr/>
-          </a:p>
-          <a:p>
-            <a:pPr indent="-317500" lvl="1" marL="914400" rtl="0" algn="l">
-              <a:spcBef>
-                <a:spcPts val="0"/>
-              </a:spcBef>
-              <a:spcAft>
-                <a:spcPts val="0"/>
-              </a:spcAft>
-              <a:buSzPts val="1400"/>
-              <a:buAutoNum type="alphaLcPeriod"/>
-            </a:pPr>
-            <a:r>
-              <a:rPr lang="en"/>
-              <a:t>Code repository</a:t>
-            </a:r>
-            <a:endParaRPr/>
-          </a:p>
-          <a:p>
-            <a:pPr indent="-317500" lvl="1" marL="914400" rtl="0" algn="l">
-              <a:spcBef>
-                <a:spcPts val="0"/>
-              </a:spcBef>
-              <a:spcAft>
-                <a:spcPts val="0"/>
-              </a:spcAft>
-              <a:buSzPts val="1400"/>
-              <a:buAutoNum type="alphaLcPeriod"/>
-            </a:pPr>
-            <a:r>
-              <a:rPr lang="en"/>
-              <a:t>Imp-squared backlog</a:t>
-            </a:r>
-            <a:endParaRPr/>
-          </a:p>
-          <a:p>
-            <a:pPr indent="-342900" lvl="0" marL="457200" rtl="0" algn="l">
-              <a:spcBef>
-                <a:spcPts val="1000"/>
-              </a:spcBef>
-              <a:spcAft>
-                <a:spcPts val="0"/>
-              </a:spcAft>
-              <a:buSzPts val="1800"/>
-              <a:buAutoNum type="arabicPeriod"/>
-            </a:pPr>
-            <a:r>
-              <a:rPr lang="en"/>
-              <a:t>Team coordination</a:t>
-            </a:r>
-            <a:endParaRPr/>
-          </a:p>
-          <a:p>
-            <a:pPr indent="-317500" lvl="1" marL="914400" rtl="0" algn="l">
-              <a:spcBef>
-                <a:spcPts val="1000"/>
-              </a:spcBef>
-              <a:spcAft>
-                <a:spcPts val="0"/>
-              </a:spcAft>
-              <a:buSzPts val="1400"/>
-              <a:buAutoNum type="alphaLcPeriod"/>
-            </a:pPr>
-            <a:r>
-              <a:rPr lang="en"/>
-              <a:t>Stand-up emails</a:t>
-            </a:r>
-            <a:endParaRPr/>
-          </a:p>
-          <a:p>
-            <a:pPr indent="-317500" lvl="1" marL="914400" rtl="0" algn="l">
-              <a:spcBef>
-                <a:spcPts val="0"/>
-              </a:spcBef>
-              <a:spcAft>
-                <a:spcPts val="0"/>
-              </a:spcAft>
-              <a:buSzPts val="1400"/>
-              <a:buAutoNum type="alphaLcPeriod"/>
-            </a:pPr>
-            <a:r>
-              <a:rPr lang="en"/>
-              <a:t>Happiness index</a:t>
+              <a:buChar char="●"/>
+            </a:pPr>
+            <a:r>
+              <a:rPr lang="en"/>
+              <a:t>Every team meeting, including the first and last one, until end of day</a:t>
+            </a:r>
+            <a:endParaRPr/>
+          </a:p>
+          <a:p>
+            <a:pPr indent="0" lvl="0" marL="0" rtl="0" algn="l">
+              <a:spcBef>
+                <a:spcPts val="1200"/>
+              </a:spcBef>
+              <a:spcAft>
+                <a:spcPts val="0"/>
+              </a:spcAft>
+              <a:buNone/>
+            </a:pPr>
+            <a:r>
+              <a:rPr lang="en"/>
+              <a:t>Your contributions (your happiness) remains anonymous</a:t>
+            </a:r>
+            <a:endParaRPr/>
+          </a:p>
+          <a:p>
+            <a:pPr indent="0" lvl="0" marL="0" rtl="0" algn="l">
+              <a:spcBef>
+                <a:spcPts val="1200"/>
+              </a:spcBef>
+              <a:spcAft>
+                <a:spcPts val="1200"/>
+              </a:spcAft>
+              <a:buNone/>
+            </a:pPr>
+            <a:r>
+              <a:t/>
             </a:r>
             <a:endParaRPr/>
           </a:p>
@@ -24940,47 +25052,7 @@
       </p:sp>
       <p:sp>
         <p:nvSpPr>
-          <p:cNvPr id="404" name="Google Shape;404;p62"/>
-          <p:cNvSpPr txBox="1"/>
-          <p:nvPr>
-            <p:ph type="title"/>
-          </p:nvPr>
-        </p:nvSpPr>
-        <p:spPr>
-          <a:xfrm>
-            <a:off x="0" y="0"/>
-            <a:ext cx="9144000" cy="685800"/>
-          </a:xfrm>
-          <a:prstGeom prst="rect">
-            <a:avLst/>
-          </a:prstGeom>
-        </p:spPr>
-        <p:txBody>
-          <a:bodyPr anchorCtr="0" anchor="ctr" bIns="91425" lIns="274300" spcFirstLastPara="1" rIns="91425" wrap="square" tIns="91425">
-            <a:noAutofit/>
-          </a:bodyPr>
-          <a:lstStyle/>
-          <a:p>
-            <a:pPr indent="0" lvl="0" marL="0" rtl="0" algn="l">
-              <a:spcBef>
-                <a:spcPts val="0"/>
-              </a:spcBef>
-              <a:spcAft>
-                <a:spcPts val="0"/>
-              </a:spcAft>
-              <a:buNone/>
-            </a:pPr>
-            <a:r>
-              <a:rPr lang="en"/>
-              <a:t>Summary</a:t>
-            </a:r>
-            <a:endParaRPr/>
-          </a:p>
-        </p:txBody>
-      </p:sp>
-      <p:sp>
-        <p:nvSpPr>
-          <p:cNvPr id="405" name="Google Shape;405;p62"/>
+          <p:cNvPr id="406" name="Google Shape;406;p62"/>
           <p:cNvSpPr txBox="1"/>
           <p:nvPr>
             <p:ph idx="12" type="sldNum"/>
@@ -25031,7 +25103,7 @@
                 <a:solidFill>
                   <a:schemeClr val="hlink"/>
                 </a:solidFill>
-                <a:hlinkClick r:id="rId3"/>
+                <a:hlinkClick r:id="rId4"/>
               </a:rPr>
               <a:t>https://profriehle.com</a:t>
             </a:r>
@@ -25060,7 +25132,7 @@
   <p:cSld>
     <p:spTree>
       <p:nvGrpSpPr>
-        <p:cNvPr id="409" name="Shape 409"/>
+        <p:cNvPr id="410" name="Shape 410"/>
         <p:cNvGrpSpPr/>
         <p:nvPr/>
       </p:nvGrpSpPr>
@@ -25074,39 +25146,227 @@
       </p:grpSpPr>
       <p:sp>
         <p:nvSpPr>
-          <p:cNvPr id="410" name="Google Shape;410;p63"/>
+          <p:cNvPr id="411" name="Google Shape;411;p63"/>
           <p:cNvSpPr txBox="1"/>
           <p:nvPr>
-            <p:ph type="ctrTitle"/>
-          </p:nvPr>
-        </p:nvSpPr>
-        <p:spPr>
-          <a:xfrm>
-            <a:off x="0" y="0"/>
-            <a:ext cx="9144000" cy="2388900"/>
+            <p:ph idx="1" type="body"/>
+          </p:nvPr>
+        </p:nvSpPr>
+        <p:spPr>
+          <a:xfrm>
+            <a:off x="274320" y="914400"/>
+            <a:ext cx="8595300" cy="4114800"/>
           </a:xfrm>
           <a:prstGeom prst="rect">
             <a:avLst/>
           </a:prstGeom>
         </p:spPr>
         <p:txBody>
-          <a:bodyPr anchorCtr="0" anchor="b" bIns="274300" lIns="91425" spcFirstLastPara="1" rIns="91425" wrap="square" tIns="91425">
+          <a:bodyPr anchorCtr="0" anchor="t" bIns="0" lIns="0" spcFirstLastPara="1" rIns="0" wrap="square" tIns="0">
             <a:noAutofit/>
           </a:bodyPr>
           <a:lstStyle/>
           <a:p>
-            <a:pPr indent="0" lvl="0" marL="0" rtl="0" algn="ctr">
-              <a:spcBef>
-                <a:spcPts val="0"/>
-              </a:spcBef>
-              <a:spcAft>
-                <a:spcPts val="0"/>
-              </a:spcAft>
-              <a:buNone/>
-            </a:pPr>
-            <a:r>
-              <a:rPr lang="en"/>
-              <a:t>Thank you! Any questions?</a:t>
+            <a:pPr indent="-342900" lvl="0" marL="457200" rtl="0" algn="l">
+              <a:spcBef>
+                <a:spcPts val="0"/>
+              </a:spcBef>
+              <a:spcAft>
+                <a:spcPts val="0"/>
+              </a:spcAft>
+              <a:buSzPts val="1800"/>
+              <a:buAutoNum type="arabicPeriod"/>
+            </a:pPr>
+            <a:r>
+              <a:rPr lang="en"/>
+              <a:t>Team formation</a:t>
+            </a:r>
+            <a:endParaRPr/>
+          </a:p>
+          <a:p>
+            <a:pPr indent="-317500" lvl="1" marL="914400" rtl="0" algn="l">
+              <a:spcBef>
+                <a:spcPts val="0"/>
+              </a:spcBef>
+              <a:spcAft>
+                <a:spcPts val="0"/>
+              </a:spcAft>
+              <a:buSzPts val="1400"/>
+              <a:buAutoNum type="alphaLcPeriod"/>
+            </a:pPr>
+            <a:r>
+              <a:rPr lang="en"/>
+              <a:t>Student roles</a:t>
+            </a:r>
+            <a:endParaRPr/>
+          </a:p>
+          <a:p>
+            <a:pPr indent="-317500" lvl="1" marL="914400" rtl="0" algn="l">
+              <a:spcBef>
+                <a:spcPts val="0"/>
+              </a:spcBef>
+              <a:spcAft>
+                <a:spcPts val="0"/>
+              </a:spcAft>
+              <a:buSzPts val="1400"/>
+              <a:buAutoNum type="alphaLcPeriod"/>
+            </a:pPr>
+            <a:r>
+              <a:rPr lang="en"/>
+              <a:t>Team contract</a:t>
+            </a:r>
+            <a:endParaRPr/>
+          </a:p>
+          <a:p>
+            <a:pPr indent="-317500" lvl="1" marL="914400" rtl="0" algn="l">
+              <a:spcBef>
+                <a:spcPts val="0"/>
+              </a:spcBef>
+              <a:spcAft>
+                <a:spcPts val="0"/>
+              </a:spcAft>
+              <a:buSzPts val="1400"/>
+              <a:buAutoNum type="alphaLcPeriod"/>
+            </a:pPr>
+            <a:r>
+              <a:rPr lang="en"/>
+              <a:t>Team logo and T-shirt</a:t>
+            </a:r>
+            <a:endParaRPr/>
+          </a:p>
+          <a:p>
+            <a:pPr indent="-342900" lvl="0" marL="457200" rtl="0" algn="l">
+              <a:spcBef>
+                <a:spcPts val="1000"/>
+              </a:spcBef>
+              <a:spcAft>
+                <a:spcPts val="0"/>
+              </a:spcAft>
+              <a:buSzPts val="1800"/>
+              <a:buAutoNum type="arabicPeriod"/>
+            </a:pPr>
+            <a:r>
+              <a:rPr lang="en"/>
+              <a:t>Project tools</a:t>
+            </a:r>
+            <a:endParaRPr/>
+          </a:p>
+          <a:p>
+            <a:pPr indent="-317500" lvl="1" marL="914400" rtl="0" algn="l">
+              <a:spcBef>
+                <a:spcPts val="0"/>
+              </a:spcBef>
+              <a:spcAft>
+                <a:spcPts val="0"/>
+              </a:spcAft>
+              <a:buSzPts val="1400"/>
+              <a:buAutoNum type="alphaLcPeriod"/>
+            </a:pPr>
+            <a:r>
+              <a:rPr lang="en"/>
+              <a:t>Planning document</a:t>
+            </a:r>
+            <a:endParaRPr/>
+          </a:p>
+          <a:p>
+            <a:pPr indent="-317500" lvl="1" marL="914400" rtl="0" algn="l">
+              <a:spcBef>
+                <a:spcPts val="0"/>
+              </a:spcBef>
+              <a:spcAft>
+                <a:spcPts val="0"/>
+              </a:spcAft>
+              <a:buSzPts val="1400"/>
+              <a:buAutoNum type="alphaLcPeriod"/>
+            </a:pPr>
+            <a:r>
+              <a:rPr lang="en"/>
+              <a:t>Feature board</a:t>
+            </a:r>
+            <a:endParaRPr/>
+          </a:p>
+          <a:p>
+            <a:pPr indent="-317500" lvl="1" marL="914400" rtl="0" algn="l">
+              <a:spcBef>
+                <a:spcPts val="0"/>
+              </a:spcBef>
+              <a:spcAft>
+                <a:spcPts val="0"/>
+              </a:spcAft>
+              <a:buSzPts val="1400"/>
+              <a:buAutoNum type="alphaLcPeriod"/>
+            </a:pPr>
+            <a:r>
+              <a:rPr lang="en"/>
+              <a:t>Code repository</a:t>
+            </a:r>
+            <a:endParaRPr/>
+          </a:p>
+          <a:p>
+            <a:pPr indent="-317500" lvl="1" marL="914400" rtl="0" algn="l">
+              <a:spcBef>
+                <a:spcPts val="0"/>
+              </a:spcBef>
+              <a:spcAft>
+                <a:spcPts val="0"/>
+              </a:spcAft>
+              <a:buSzPts val="1400"/>
+              <a:buAutoNum type="alphaLcPeriod"/>
+            </a:pPr>
+            <a:r>
+              <a:rPr lang="en"/>
+              <a:t>Imp-squared backlog</a:t>
+            </a:r>
+            <a:endParaRPr/>
+          </a:p>
+          <a:p>
+            <a:pPr indent="-342900" lvl="0" marL="457200" rtl="0" algn="l">
+              <a:spcBef>
+                <a:spcPts val="1000"/>
+              </a:spcBef>
+              <a:spcAft>
+                <a:spcPts val="0"/>
+              </a:spcAft>
+              <a:buSzPts val="1800"/>
+              <a:buAutoNum type="arabicPeriod"/>
+            </a:pPr>
+            <a:r>
+              <a:rPr lang="en"/>
+              <a:t>Team coordination</a:t>
+            </a:r>
+            <a:endParaRPr/>
+          </a:p>
+          <a:p>
+            <a:pPr indent="-317500" lvl="1" marL="914400" rtl="0" algn="l">
+              <a:spcBef>
+                <a:spcPts val="0"/>
+              </a:spcBef>
+              <a:spcAft>
+                <a:spcPts val="0"/>
+              </a:spcAft>
+              <a:buSzPts val="1400"/>
+              <a:buAutoNum type="alphaLcPeriod"/>
+            </a:pPr>
+            <a:r>
+              <a:rPr lang="en"/>
+              <a:t>Stand-up emails</a:t>
+            </a:r>
+            <a:endParaRPr/>
+          </a:p>
+          <a:p>
+            <a:pPr indent="-317500" lvl="1" marL="914400" rtl="0" algn="l">
+              <a:spcBef>
+                <a:spcPts val="0"/>
+              </a:spcBef>
+              <a:spcAft>
+                <a:spcPts val="0"/>
+              </a:spcAft>
+              <a:buSzPts val="1400"/>
+              <a:buAutoNum type="alphaLcPeriod"/>
+            </a:pPr>
+            <a:r>
+              <a:rPr lang="en"/>
+              <a:t>Happiness index</a:t>
             </a:r>
             <a:endParaRPr/>
           </a:p>
@@ -25114,120 +25374,110 @@
       </p:sp>
       <p:sp>
         <p:nvSpPr>
-          <p:cNvPr id="411" name="Google Shape;411;p63"/>
+          <p:cNvPr id="412" name="Google Shape;412;p63"/>
           <p:cNvSpPr txBox="1"/>
           <p:nvPr>
-            <p:ph idx="1" type="subTitle"/>
-          </p:nvPr>
-        </p:nvSpPr>
-        <p:spPr>
-          <a:xfrm>
-            <a:off x="0" y="2569475"/>
-            <a:ext cx="9144000" cy="2574000"/>
+            <p:ph type="title"/>
+          </p:nvPr>
+        </p:nvSpPr>
+        <p:spPr>
+          <a:xfrm>
+            <a:off x="0" y="0"/>
+            <a:ext cx="9144000" cy="685800"/>
           </a:xfrm>
           <a:prstGeom prst="rect">
             <a:avLst/>
           </a:prstGeom>
         </p:spPr>
         <p:txBody>
-          <a:bodyPr anchorCtr="0" anchor="t" bIns="91425" lIns="91425" spcFirstLastPara="1" rIns="91425" wrap="square" tIns="274300">
+          <a:bodyPr anchorCtr="0" anchor="ctr" bIns="91425" lIns="274300" spcFirstLastPara="1" rIns="91425" wrap="square" tIns="91425">
             <a:noAutofit/>
           </a:bodyPr>
           <a:lstStyle/>
           <a:p>
-            <a:pPr indent="0" lvl="0" marL="0" rtl="0" algn="ctr">
-              <a:lnSpc>
-                <a:spcPct val="150000"/>
-              </a:lnSpc>
-              <a:spcBef>
-                <a:spcPts val="0"/>
-              </a:spcBef>
-              <a:spcAft>
-                <a:spcPts val="0"/>
-              </a:spcAft>
-              <a:buNone/>
-            </a:pPr>
-            <a:r>
-              <a:rPr lang="en" u="sng">
+            <a:pPr indent="0" lvl="0" marL="0" rtl="0" algn="l">
+              <a:spcBef>
+                <a:spcPts val="0"/>
+              </a:spcBef>
+              <a:spcAft>
+                <a:spcPts val="0"/>
+              </a:spcAft>
+              <a:buNone/>
+            </a:pPr>
+            <a:r>
+              <a:rPr lang="en"/>
+              <a:t>Summary</a:t>
+            </a:r>
+            <a:endParaRPr/>
+          </a:p>
+        </p:txBody>
+      </p:sp>
+      <p:sp>
+        <p:nvSpPr>
+          <p:cNvPr id="413" name="Google Shape;413;p63"/>
+          <p:cNvSpPr txBox="1"/>
+          <p:nvPr>
+            <p:ph idx="12" type="sldNum"/>
+          </p:nvPr>
+        </p:nvSpPr>
+        <p:spPr>
+          <a:xfrm>
+            <a:off x="7315202" y="4416550"/>
+            <a:ext cx="1828800" cy="731400"/>
+          </a:xfrm>
+          <a:prstGeom prst="rect">
+            <a:avLst/>
+          </a:prstGeom>
+        </p:spPr>
+        <p:txBody>
+          <a:bodyPr anchorCtr="0" anchor="b" bIns="91425" lIns="91425" spcFirstLastPara="1" rIns="91425" wrap="square" tIns="91425">
+            <a:noAutofit/>
+          </a:bodyPr>
+          <a:lstStyle/>
+          <a:p>
+            <a:pPr indent="0" lvl="0" marL="0" rtl="0" algn="r">
+              <a:spcBef>
+                <a:spcPts val="0"/>
+              </a:spcBef>
+              <a:spcAft>
+                <a:spcPts val="0"/>
+              </a:spcAft>
+              <a:buNone/>
+            </a:pPr>
+            <a:fld id="{00000000-1234-1234-1234-123412341234}" type="slidenum">
+              <a:rPr lang="en"/>
+              <a:t>‹#›</a:t>
+            </a:fld>
+            <a:endParaRPr/>
+          </a:p>
+          <a:p>
+            <a:pPr indent="0" lvl="0" marL="0" rtl="0" algn="r">
+              <a:spcBef>
+                <a:spcPts val="0"/>
+              </a:spcBef>
+              <a:spcAft>
+                <a:spcPts val="0"/>
+              </a:spcAft>
+              <a:buNone/>
+            </a:pPr>
+            <a:r>
+              <a:rPr b="0" lang="en" sz="900" u="sng">
                 <a:solidFill>
                   <a:schemeClr val="hlink"/>
                 </a:solidFill>
                 <a:hlinkClick r:id="rId3"/>
               </a:rPr>
-              <a:t>dirk.riehle@fau.de</a:t>
-            </a:r>
-            <a:r>
-              <a:rPr lang="en"/>
+              <a:t>https://profriehle.com</a:t>
+            </a:r>
+            <a:r>
+              <a:rPr b="0" lang="en" sz="900">
+                <a:solidFill>
+                  <a:schemeClr val="dk2"/>
+                </a:solidFill>
+              </a:rPr>
               <a:t> </a:t>
             </a:r>
-            <a:r>
-              <a:rPr lang="en" sz="2400"/>
-              <a:t>–</a:t>
-            </a:r>
-            <a:r>
-              <a:rPr lang="en"/>
-              <a:t> </a:t>
-            </a:r>
-            <a:r>
-              <a:rPr lang="en" u="sng">
-                <a:solidFill>
-                  <a:schemeClr val="hlink"/>
-                </a:solidFill>
-                <a:hlinkClick r:id="rId4"/>
-              </a:rPr>
-              <a:t>https://oss.cs.fau.de</a:t>
-            </a:r>
-            <a:endParaRPr/>
-          </a:p>
-          <a:p>
-            <a:pPr indent="0" lvl="0" marL="0" rtl="0" algn="ctr">
-              <a:lnSpc>
-                <a:spcPct val="150000"/>
-              </a:lnSpc>
-              <a:spcBef>
-                <a:spcPts val="0"/>
-              </a:spcBef>
-              <a:spcAft>
-                <a:spcPts val="0"/>
-              </a:spcAft>
-              <a:buNone/>
-            </a:pPr>
-            <a:r>
-              <a:rPr lang="en" sz="2400" u="sng">
-                <a:solidFill>
-                  <a:schemeClr val="hlink"/>
-                </a:solidFill>
-                <a:hlinkClick r:id="rId5"/>
-              </a:rPr>
-              <a:t>dirk@riehle.org</a:t>
-            </a:r>
-            <a:r>
-              <a:rPr lang="en" sz="2400"/>
-              <a:t> – </a:t>
-            </a:r>
-            <a:r>
-              <a:rPr lang="en" sz="2400" u="sng">
-                <a:solidFill>
-                  <a:schemeClr val="hlink"/>
-                </a:solidFill>
-                <a:hlinkClick r:id="rId6"/>
-              </a:rPr>
-              <a:t>https://dirkriehle.com</a:t>
-            </a:r>
-            <a:r>
-              <a:rPr lang="en" sz="2400"/>
-              <a:t> – </a:t>
-            </a:r>
-            <a:r>
-              <a:rPr lang="en" sz="2400" u="sng">
-                <a:solidFill>
-                  <a:schemeClr val="hlink"/>
-                </a:solidFill>
-                <a:hlinkClick r:id="rId7"/>
-              </a:rPr>
-              <a:t>@dirkriehle</a:t>
-            </a:r>
-            <a:endParaRPr sz="2400"/>
+            <a:endParaRPr/>
           </a:p>
         </p:txBody>
       </p:sp>
@@ -25244,7 +25494,7 @@
   <p:cSld>
     <p:spTree>
       <p:nvGrpSpPr>
-        <p:cNvPr id="415" name="Shape 415"/>
+        <p:cNvPr id="417" name="Shape 417"/>
         <p:cNvGrpSpPr/>
         <p:nvPr/>
       </p:nvGrpSpPr>
@@ -25258,7 +25508,191 @@
       </p:grpSpPr>
       <p:sp>
         <p:nvSpPr>
-          <p:cNvPr id="416" name="Google Shape;416;p64"/>
+          <p:cNvPr id="418" name="Google Shape;418;p64"/>
+          <p:cNvSpPr txBox="1"/>
+          <p:nvPr>
+            <p:ph type="ctrTitle"/>
+          </p:nvPr>
+        </p:nvSpPr>
+        <p:spPr>
+          <a:xfrm>
+            <a:off x="0" y="0"/>
+            <a:ext cx="9144000" cy="2388900"/>
+          </a:xfrm>
+          <a:prstGeom prst="rect">
+            <a:avLst/>
+          </a:prstGeom>
+        </p:spPr>
+        <p:txBody>
+          <a:bodyPr anchorCtr="0" anchor="b" bIns="274300" lIns="91425" spcFirstLastPara="1" rIns="91425" wrap="square" tIns="91425">
+            <a:noAutofit/>
+          </a:bodyPr>
+          <a:lstStyle/>
+          <a:p>
+            <a:pPr indent="0" lvl="0" marL="0" rtl="0" algn="ctr">
+              <a:spcBef>
+                <a:spcPts val="0"/>
+              </a:spcBef>
+              <a:spcAft>
+                <a:spcPts val="0"/>
+              </a:spcAft>
+              <a:buNone/>
+            </a:pPr>
+            <a:r>
+              <a:rPr lang="en"/>
+              <a:t>Thank you! Any questions?</a:t>
+            </a:r>
+            <a:endParaRPr/>
+          </a:p>
+        </p:txBody>
+      </p:sp>
+      <p:sp>
+        <p:nvSpPr>
+          <p:cNvPr id="419" name="Google Shape;419;p64"/>
+          <p:cNvSpPr txBox="1"/>
+          <p:nvPr>
+            <p:ph idx="1" type="subTitle"/>
+          </p:nvPr>
+        </p:nvSpPr>
+        <p:spPr>
+          <a:xfrm>
+            <a:off x="0" y="2569475"/>
+            <a:ext cx="9144000" cy="2574000"/>
+          </a:xfrm>
+          <a:prstGeom prst="rect">
+            <a:avLst/>
+          </a:prstGeom>
+        </p:spPr>
+        <p:txBody>
+          <a:bodyPr anchorCtr="0" anchor="t" bIns="91425" lIns="91425" spcFirstLastPara="1" rIns="91425" wrap="square" tIns="274300">
+            <a:noAutofit/>
+          </a:bodyPr>
+          <a:lstStyle/>
+          <a:p>
+            <a:pPr indent="0" lvl="0" marL="0" rtl="0" algn="ctr">
+              <a:lnSpc>
+                <a:spcPct val="150000"/>
+              </a:lnSpc>
+              <a:spcBef>
+                <a:spcPts val="0"/>
+              </a:spcBef>
+              <a:spcAft>
+                <a:spcPts val="0"/>
+              </a:spcAft>
+              <a:buNone/>
+            </a:pPr>
+            <a:r>
+              <a:rPr lang="en" u="sng">
+                <a:solidFill>
+                  <a:schemeClr val="hlink"/>
+                </a:solidFill>
+                <a:hlinkClick r:id="rId3"/>
+              </a:rPr>
+              <a:t>dirk.riehle@fau.de</a:t>
+            </a:r>
+            <a:r>
+              <a:rPr lang="en"/>
+              <a:t> </a:t>
+            </a:r>
+            <a:r>
+              <a:rPr lang="en" sz="2400"/>
+              <a:t>–</a:t>
+            </a:r>
+            <a:r>
+              <a:rPr lang="en"/>
+              <a:t> </a:t>
+            </a:r>
+            <a:r>
+              <a:rPr lang="en" u="sng">
+                <a:solidFill>
+                  <a:schemeClr val="hlink"/>
+                </a:solidFill>
+                <a:hlinkClick r:id="rId4"/>
+              </a:rPr>
+              <a:t>https://oss.cs.fau.de</a:t>
+            </a:r>
+            <a:endParaRPr/>
+          </a:p>
+          <a:p>
+            <a:pPr indent="0" lvl="0" marL="0" rtl="0" algn="ctr">
+              <a:lnSpc>
+                <a:spcPct val="150000"/>
+              </a:lnSpc>
+              <a:spcBef>
+                <a:spcPts val="0"/>
+              </a:spcBef>
+              <a:spcAft>
+                <a:spcPts val="0"/>
+              </a:spcAft>
+              <a:buNone/>
+            </a:pPr>
+            <a:r>
+              <a:rPr lang="en" sz="2400" u="sng">
+                <a:solidFill>
+                  <a:schemeClr val="hlink"/>
+                </a:solidFill>
+                <a:hlinkClick r:id="rId5"/>
+              </a:rPr>
+              <a:t>dirk@riehle.org</a:t>
+            </a:r>
+            <a:r>
+              <a:rPr lang="en" sz="2400"/>
+              <a:t> – </a:t>
+            </a:r>
+            <a:r>
+              <a:rPr lang="en" sz="2400" u="sng">
+                <a:solidFill>
+                  <a:schemeClr val="hlink"/>
+                </a:solidFill>
+                <a:hlinkClick r:id="rId6"/>
+              </a:rPr>
+              <a:t>https://dirkriehle.com</a:t>
+            </a:r>
+            <a:r>
+              <a:rPr lang="en" sz="2400"/>
+              <a:t> – </a:t>
+            </a:r>
+            <a:r>
+              <a:rPr lang="en" sz="2400" u="sng">
+                <a:solidFill>
+                  <a:schemeClr val="hlink"/>
+                </a:solidFill>
+                <a:hlinkClick r:id="rId7"/>
+              </a:rPr>
+              <a:t>@dirkriehle</a:t>
+            </a:r>
+            <a:endParaRPr sz="2400"/>
+          </a:p>
+        </p:txBody>
+      </p:sp>
+    </p:spTree>
+  </p:cSld>
+  <p:clrMapOvr>
+    <a:masterClrMapping/>
+  </p:clrMapOvr>
+</p:sld>
+</file>
+
+<file path=ppt/slides/slide58.xml><?xml version="1.0" encoding="utf-8"?>
+<p:sld xmlns:a="http://schemas.openxmlformats.org/drawingml/2006/main" xmlns:r="http://schemas.openxmlformats.org/officeDocument/2006/relationships" xmlns:mc="http://schemas.openxmlformats.org/markup-compatibility/2006" xmlns:mv="urn:schemas-microsoft-com:mac:vml" xmlns:p="http://schemas.openxmlformats.org/presentationml/2006/main" xmlns:c="http://schemas.openxmlformats.org/drawingml/2006/chart" xmlns:dgm="http://schemas.openxmlformats.org/drawingml/2006/diagram" xmlns:o="urn:schemas-microsoft-com:office:office" xmlns:v="urn:schemas-microsoft-com:vml" xmlns:pvml="urn:schemas-microsoft-com:office:powerpoint" xmlns:com="http://schemas.openxmlformats.org/drawingml/2006/compatibility" xmlns:p14="http://schemas.microsoft.com/office/powerpoint/2010/main" xmlns:p15="http://schemas.microsoft.com/office/powerpoint/2012/main" xmlns:ahyp="http://schemas.microsoft.com/office/drawing/2018/hyperlinkcolor">
+  <p:cSld>
+    <p:spTree>
+      <p:nvGrpSpPr>
+        <p:cNvPr id="423" name="Shape 423"/>
+        <p:cNvGrpSpPr/>
+        <p:nvPr/>
+      </p:nvGrpSpPr>
+      <p:grpSpPr>
+        <a:xfrm>
+          <a:off x="0" y="0"/>
+          <a:ext cx="0" cy="0"/>
+          <a:chOff x="0" y="0"/>
+          <a:chExt cx="0" cy="0"/>
+        </a:xfrm>
+      </p:grpSpPr>
+      <p:sp>
+        <p:nvSpPr>
+          <p:cNvPr id="424" name="Google Shape;424;p65"/>
           <p:cNvSpPr txBox="1"/>
           <p:nvPr>
             <p:ph type="title"/>
@@ -25298,7 +25732,7 @@
       </p:sp>
       <p:sp>
         <p:nvSpPr>
-          <p:cNvPr id="417" name="Google Shape;417;p64"/>
+          <p:cNvPr id="425" name="Google Shape;425;p65"/>
           <p:cNvSpPr txBox="1"/>
           <p:nvPr>
             <p:ph idx="12" type="sldNum"/>
@@ -25363,7 +25797,7 @@
       </p:sp>
       <p:sp>
         <p:nvSpPr>
-          <p:cNvPr id="418" name="Google Shape;418;p64"/>
+          <p:cNvPr id="426" name="Google Shape;426;p65"/>
           <p:cNvSpPr txBox="1"/>
           <p:nvPr>
             <p:ph idx="1" type="body"/>
@@ -25458,7 +25892,7 @@
             </a:pPr>
             <a:r>
               <a:rPr lang="en"/>
-              <a:t>© Copyright 2023 Dirk Riehle, some rights reserved</a:t>
+              <a:t>© Copyright 2024 Dirk Riehle, some rights reserved</a:t>
             </a:r>
             <a:endParaRPr/>
           </a:p>
@@ -26191,6 +26625,285 @@
 </file>
 
 <file path=ppt/theme/theme1.xml><?xml version="1.0" encoding="utf-8"?>
+<a:theme xmlns:a="http://schemas.openxmlformats.org/drawingml/2006/main" xmlns:r="http://schemas.openxmlformats.org/officeDocument/2006/relationships">
+  <a:themeElements>
+    <a:clrScheme name="Default">
+      <a:dk1>
+        <a:srgbClr val="000000"/>
+      </a:dk1>
+      <a:lt1>
+        <a:srgbClr val="FFFFFF"/>
+      </a:lt1>
+      <a:dk2>
+        <a:srgbClr val="158158"/>
+      </a:dk2>
+      <a:lt2>
+        <a:srgbClr val="F3F3F3"/>
+      </a:lt2>
+      <a:accent1>
+        <a:srgbClr val="058DC7"/>
+      </a:accent1>
+      <a:accent2>
+        <a:srgbClr val="50B432"/>
+      </a:accent2>
+      <a:accent3>
+        <a:srgbClr val="ED561B"/>
+      </a:accent3>
+      <a:accent4>
+        <a:srgbClr val="EDEF00"/>
+      </a:accent4>
+      <a:accent5>
+        <a:srgbClr val="24CBE5"/>
+      </a:accent5>
+      <a:accent6>
+        <a:srgbClr val="64E572"/>
+      </a:accent6>
+      <a:hlink>
+        <a:srgbClr val="2200CC"/>
+      </a:hlink>
+      <a:folHlink>
+        <a:srgbClr val="551A8B"/>
+      </a:folHlink>
+    </a:clrScheme>
+    <a:fontScheme name="Office">
+      <a:majorFont>
+        <a:latin typeface="Arial"/>
+        <a:ea typeface=""/>
+        <a:cs typeface=""/>
+        <a:font script="Jpan" typeface="ＭＳ Ｐゴシック"/>
+        <a:font script="Hang" typeface="맑은 고딕"/>
+        <a:font script="Hans" typeface="宋体"/>
+        <a:font script="Hant" typeface="新細明體"/>
+        <a:font script="Arab" typeface="Times New Roman"/>
+        <a:font script="Hebr" typeface="Times New Roman"/>
+        <a:font script="Thai" typeface="Angsana New"/>
+        <a:font script="Ethi" typeface="Nyala"/>
+        <a:font script="Beng" typeface="Vrinda"/>
+        <a:font script="Gujr" typeface="Shruti"/>
+        <a:font script="Khmr" typeface="MoolBoran"/>
+        <a:font script="Knda" typeface="Tunga"/>
+        <a:font script="Guru" typeface="Raavi"/>
+        <a:font script="Cans" typeface="Euphemia"/>
+        <a:font script="Cher" typeface="Plantagenet Cherokee"/>
+        <a:font script="Yiii" typeface="Microsoft Yi Baiti"/>
+        <a:font script="Tibt" typeface="Microsoft Himalaya"/>
+        <a:font script="Thaa" typeface="MV Boli"/>
+        <a:font script="Deva" typeface="Mangal"/>
+        <a:font script="Telu" typeface="Gautami"/>
+        <a:font script="Taml" typeface="Latha"/>
+        <a:font script="Syrc" typeface="Estrangelo Edessa"/>
+        <a:font script="Orya" typeface="Kalinga"/>
+        <a:font script="Mlym" typeface="Kartika"/>
+        <a:font script="Laoo" typeface="DokChampa"/>
+        <a:font script="Sinh" typeface="Iskoola Pota"/>
+        <a:font script="Mong" typeface="Mongolian Baiti"/>
+        <a:font script="Viet" typeface="Times New Roman"/>
+        <a:font script="Uigh" typeface="Microsoft Uighur"/>
+        <a:font script="Geor" typeface="Sylfaen"/>
+      </a:majorFont>
+      <a:minorFont>
+        <a:latin typeface="Arial"/>
+        <a:ea typeface=""/>
+        <a:cs typeface=""/>
+        <a:font script="Jpan" typeface="ＭＳ Ｐゴシック"/>
+        <a:font script="Hang" typeface="맑은 고딕"/>
+        <a:font script="Hans" typeface="宋体"/>
+        <a:font script="Hant" typeface="新細明體"/>
+        <a:font script="Arab" typeface="Arial"/>
+        <a:font script="Hebr" typeface="Arial"/>
+        <a:font script="Thai" typeface="Cordia New"/>
+        <a:font script="Ethi" typeface="Nyala"/>
+        <a:font script="Beng" typeface="Vrinda"/>
+        <a:font script="Gujr" typeface="Shruti"/>
+        <a:font script="Khmr" typeface="DaunPenh"/>
+        <a:font script="Knda" typeface="Tunga"/>
+        <a:font script="Guru" typeface="Raavi"/>
+        <a:font script="Cans" typeface="Euphemia"/>
+        <a:font script="Cher" typeface="Plantagenet Cherokee"/>
+        <a:font script="Yiii" typeface="Microsoft Yi Baiti"/>
+        <a:font script="Tibt" typeface="Microsoft Himalaya"/>
+        <a:font script="Thaa" typeface="MV Boli"/>
+        <a:font script="Deva" typeface="Mangal"/>
+        <a:font script="Telu" typeface="Gautami"/>
+        <a:font script="Taml" typeface="Latha"/>
+        <a:font script="Syrc" typeface="Estrangelo Edessa"/>
+        <a:font script="Orya" typeface="Kalinga"/>
+        <a:font script="Mlym" typeface="Kartika"/>
+        <a:font script="Laoo" typeface="DokChampa"/>
+        <a:font script="Sinh" typeface="Iskoola Pota"/>
+        <a:font script="Mong" typeface="Mongolian Baiti"/>
+        <a:font script="Viet" typeface="Arial"/>
+        <a:font script="Uigh" typeface="Microsoft Uighur"/>
+        <a:font script="Geor" typeface="Sylfaen"/>
+      </a:minorFont>
+    </a:fontScheme>
+    <a:fmtScheme name="Office">
+      <a:fillStyleLst>
+        <a:solidFill>
+          <a:schemeClr val="phClr"/>
+        </a:solidFill>
+        <a:gradFill rotWithShape="1">
+          <a:gsLst>
+            <a:gs pos="0">
+              <a:schemeClr val="phClr">
+                <a:tint val="50000"/>
+                <a:satMod val="300000"/>
+              </a:schemeClr>
+            </a:gs>
+            <a:gs pos="35000">
+              <a:schemeClr val="phClr">
+                <a:tint val="37000"/>
+                <a:satMod val="300000"/>
+              </a:schemeClr>
+            </a:gs>
+            <a:gs pos="100000">
+              <a:schemeClr val="phClr">
+                <a:tint val="15000"/>
+                <a:satMod val="350000"/>
+              </a:schemeClr>
+            </a:gs>
+          </a:gsLst>
+          <a:lin ang="16200000" scaled="1"/>
+        </a:gradFill>
+        <a:gradFill rotWithShape="1">
+          <a:gsLst>
+            <a:gs pos="0">
+              <a:schemeClr val="phClr">
+                <a:tint val="100000"/>
+                <a:shade val="100000"/>
+                <a:satMod val="130000"/>
+              </a:schemeClr>
+            </a:gs>
+            <a:gs pos="100000">
+              <a:schemeClr val="phClr">
+                <a:tint val="50000"/>
+                <a:shade val="100000"/>
+                <a:satMod val="350000"/>
+              </a:schemeClr>
+            </a:gs>
+          </a:gsLst>
+          <a:lin ang="16200000" scaled="0"/>
+        </a:gradFill>
+      </a:fillStyleLst>
+      <a:lnStyleLst>
+        <a:ln w="9525" cap="flat" cmpd="sng" algn="ctr">
+          <a:solidFill>
+            <a:schemeClr val="phClr">
+              <a:shade val="95000"/>
+              <a:satMod val="105000"/>
+            </a:schemeClr>
+          </a:solidFill>
+          <a:prstDash val="solid"/>
+        </a:ln>
+        <a:ln w="25400" cap="flat" cmpd="sng" algn="ctr">
+          <a:solidFill>
+            <a:schemeClr val="phClr"/>
+          </a:solidFill>
+          <a:prstDash val="solid"/>
+        </a:ln>
+        <a:ln w="38100" cap="flat" cmpd="sng" algn="ctr">
+          <a:solidFill>
+            <a:schemeClr val="phClr"/>
+          </a:solidFill>
+          <a:prstDash val="solid"/>
+        </a:ln>
+      </a:lnStyleLst>
+      <a:effectStyleLst>
+        <a:effectStyle>
+          <a:effectLst>
+            <a:outerShdw blurRad="40000" dist="20000" dir="5400000" rotWithShape="0">
+              <a:srgbClr val="000000">
+                <a:alpha val="38000"/>
+              </a:srgbClr>
+            </a:outerShdw>
+          </a:effectLst>
+        </a:effectStyle>
+        <a:effectStyle>
+          <a:effectLst>
+            <a:outerShdw blurRad="40000" dist="23000" dir="5400000" rotWithShape="0">
+              <a:srgbClr val="000000">
+                <a:alpha val="35000"/>
+              </a:srgbClr>
+            </a:outerShdw>
+          </a:effectLst>
+        </a:effectStyle>
+        <a:effectStyle>
+          <a:effectLst>
+            <a:outerShdw blurRad="40000" dist="23000" dir="5400000" rotWithShape="0">
+              <a:srgbClr val="000000">
+                <a:alpha val="35000"/>
+              </a:srgbClr>
+            </a:outerShdw>
+          </a:effectLst>
+          <a:scene3d>
+            <a:camera prst="orthographicFront">
+              <a:rot lat="0" lon="0" rev="0"/>
+            </a:camera>
+            <a:lightRig rig="threePt" dir="t">
+              <a:rot lat="0" lon="0" rev="1200000"/>
+            </a:lightRig>
+          </a:scene3d>
+          <a:sp3d>
+            <a:bevelT w="63500" h="25400"/>
+          </a:sp3d>
+        </a:effectStyle>
+      </a:effectStyleLst>
+      <a:bgFillStyleLst>
+        <a:solidFill>
+          <a:schemeClr val="phClr"/>
+        </a:solidFill>
+        <a:gradFill rotWithShape="1">
+          <a:gsLst>
+            <a:gs pos="0">
+              <a:schemeClr val="phClr">
+                <a:tint val="40000"/>
+                <a:satMod val="350000"/>
+              </a:schemeClr>
+            </a:gs>
+            <a:gs pos="40000">
+              <a:schemeClr val="phClr">
+                <a:tint val="45000"/>
+                <a:shade val="99000"/>
+                <a:satMod val="350000"/>
+              </a:schemeClr>
+            </a:gs>
+            <a:gs pos="100000">
+              <a:schemeClr val="phClr">
+                <a:shade val="20000"/>
+                <a:satMod val="255000"/>
+              </a:schemeClr>
+            </a:gs>
+          </a:gsLst>
+          <a:path path="circle">
+            <a:fillToRect l="50000" t="-80000" r="50000" b="180000"/>
+          </a:path>
+        </a:gradFill>
+        <a:gradFill rotWithShape="1">
+          <a:gsLst>
+            <a:gs pos="0">
+              <a:schemeClr val="phClr">
+                <a:tint val="80000"/>
+                <a:satMod val="300000"/>
+              </a:schemeClr>
+            </a:gs>
+            <a:gs pos="100000">
+              <a:schemeClr val="phClr">
+                <a:shade val="30000"/>
+                <a:satMod val="200000"/>
+              </a:schemeClr>
+            </a:gs>
+          </a:gsLst>
+          <a:path path="circle">
+            <a:fillToRect l="50000" t="50000" r="50000" b="50000"/>
+          </a:path>
+        </a:gradFill>
+      </a:bgFillStyleLst>
+    </a:fmtScheme>
+  </a:themeElements>
+</a:theme>
+</file>
+
+<file path=ppt/theme/theme2.xml><?xml version="1.0" encoding="utf-8"?>
 <a:theme xmlns:a="http://schemas.openxmlformats.org/drawingml/2006/main" xmlns:r="http://schemas.openxmlformats.org/officeDocument/2006/relationships" name="AMOS Slides Template">
   <a:themeElements>
     <a:clrScheme name="Simple Light">
@@ -26467,283 +27180,4 @@
     </a:fmtScheme>
   </a:themeElements>
 </a:theme>
-</file>
-
-<file path=ppt/theme/theme2.xml><?xml version="1.0" encoding="utf-8"?>
-<a:theme xmlns:a="http://schemas.openxmlformats.org/drawingml/2006/main" xmlns:r="http://schemas.openxmlformats.org/officeDocument/2006/relationships">
-  <a:themeElements>
-    <a:clrScheme name="Default">
-      <a:dk1>
-        <a:srgbClr val="000000"/>
-      </a:dk1>
-      <a:lt1>
-        <a:srgbClr val="FFFFFF"/>
-      </a:lt1>
-      <a:dk2>
-        <a:srgbClr val="158158"/>
-      </a:dk2>
-      <a:lt2>
-        <a:srgbClr val="F3F3F3"/>
-      </a:lt2>
-      <a:accent1>
-        <a:srgbClr val="058DC7"/>
-      </a:accent1>
-      <a:accent2>
-        <a:srgbClr val="50B432"/>
-      </a:accent2>
-      <a:accent3>
-        <a:srgbClr val="ED561B"/>
-      </a:accent3>
-      <a:accent4>
-        <a:srgbClr val="EDEF00"/>
-      </a:accent4>
-      <a:accent5>
-        <a:srgbClr val="24CBE5"/>
-      </a:accent5>
-      <a:accent6>
-        <a:srgbClr val="64E572"/>
-      </a:accent6>
-      <a:hlink>
-        <a:srgbClr val="2200CC"/>
-      </a:hlink>
-      <a:folHlink>
-        <a:srgbClr val="551A8B"/>
-      </a:folHlink>
-    </a:clrScheme>
-    <a:fontScheme name="Office">
-      <a:majorFont>
-        <a:latin typeface="Arial"/>
-        <a:ea typeface=""/>
-        <a:cs typeface=""/>
-        <a:font script="Jpan" typeface="ＭＳ Ｐゴシック"/>
-        <a:font script="Hang" typeface="맑은 고딕"/>
-        <a:font script="Hans" typeface="宋体"/>
-        <a:font script="Hant" typeface="新細明體"/>
-        <a:font script="Arab" typeface="Times New Roman"/>
-        <a:font script="Hebr" typeface="Times New Roman"/>
-        <a:font script="Thai" typeface="Angsana New"/>
-        <a:font script="Ethi" typeface="Nyala"/>
-        <a:font script="Beng" typeface="Vrinda"/>
-        <a:font script="Gujr" typeface="Shruti"/>
-        <a:font script="Khmr" typeface="MoolBoran"/>
-        <a:font script="Knda" typeface="Tunga"/>
-        <a:font script="Guru" typeface="Raavi"/>
-        <a:font script="Cans" typeface="Euphemia"/>
-        <a:font script="Cher" typeface="Plantagenet Cherokee"/>
-        <a:font script="Yiii" typeface="Microsoft Yi Baiti"/>
-        <a:font script="Tibt" typeface="Microsoft Himalaya"/>
-        <a:font script="Thaa" typeface="MV Boli"/>
-        <a:font script="Deva" typeface="Mangal"/>
-        <a:font script="Telu" typeface="Gautami"/>
-        <a:font script="Taml" typeface="Latha"/>
-        <a:font script="Syrc" typeface="Estrangelo Edessa"/>
-        <a:font script="Orya" typeface="Kalinga"/>
-        <a:font script="Mlym" typeface="Kartika"/>
-        <a:font script="Laoo" typeface="DokChampa"/>
-        <a:font script="Sinh" typeface="Iskoola Pota"/>
-        <a:font script="Mong" typeface="Mongolian Baiti"/>
-        <a:font script="Viet" typeface="Times New Roman"/>
-        <a:font script="Uigh" typeface="Microsoft Uighur"/>
-        <a:font script="Geor" typeface="Sylfaen"/>
-      </a:majorFont>
-      <a:minorFont>
-        <a:latin typeface="Arial"/>
-        <a:ea typeface=""/>
-        <a:cs typeface=""/>
-        <a:font script="Jpan" typeface="ＭＳ Ｐゴシック"/>
-        <a:font script="Hang" typeface="맑은 고딕"/>
-        <a:font script="Hans" typeface="宋体"/>
-        <a:font script="Hant" typeface="新細明體"/>
-        <a:font script="Arab" typeface="Arial"/>
-        <a:font script="Hebr" typeface="Arial"/>
-        <a:font script="Thai" typeface="Cordia New"/>
-        <a:font script="Ethi" typeface="Nyala"/>
-        <a:font script="Beng" typeface="Vrinda"/>
-        <a:font script="Gujr" typeface="Shruti"/>
-        <a:font script="Khmr" typeface="DaunPenh"/>
-        <a:font script="Knda" typeface="Tunga"/>
-        <a:font script="Guru" typeface="Raavi"/>
-        <a:font script="Cans" typeface="Euphemia"/>
-        <a:font script="Cher" typeface="Plantagenet Cherokee"/>
-        <a:font script="Yiii" typeface="Microsoft Yi Baiti"/>
-        <a:font script="Tibt" typeface="Microsoft Himalaya"/>
-        <a:font script="Thaa" typeface="MV Boli"/>
-        <a:font script="Deva" typeface="Mangal"/>
-        <a:font script="Telu" typeface="Gautami"/>
-        <a:font script="Taml" typeface="Latha"/>
-        <a:font script="Syrc" typeface="Estrangelo Edessa"/>
-        <a:font script="Orya" typeface="Kalinga"/>
-        <a:font script="Mlym" typeface="Kartika"/>
-        <a:font script="Laoo" typeface="DokChampa"/>
-        <a:font script="Sinh" typeface="Iskoola Pota"/>
-        <a:font script="Mong" typeface="Mongolian Baiti"/>
-        <a:font script="Viet" typeface="Arial"/>
-        <a:font script="Uigh" typeface="Microsoft Uighur"/>
-        <a:font script="Geor" typeface="Sylfaen"/>
-      </a:minorFont>
-    </a:fontScheme>
-    <a:fmtScheme name="Office">
-      <a:fillStyleLst>
-        <a:solidFill>
-          <a:schemeClr val="phClr"/>
-        </a:solidFill>
-        <a:gradFill rotWithShape="1">
-          <a:gsLst>
-            <a:gs pos="0">
-              <a:schemeClr val="phClr">
-                <a:tint val="50000"/>
-                <a:satMod val="300000"/>
-              </a:schemeClr>
-            </a:gs>
-            <a:gs pos="35000">
-              <a:schemeClr val="phClr">
-                <a:tint val="37000"/>
-                <a:satMod val="300000"/>
-              </a:schemeClr>
-            </a:gs>
-            <a:gs pos="100000">
-              <a:schemeClr val="phClr">
-                <a:tint val="15000"/>
-                <a:satMod val="350000"/>
-              </a:schemeClr>
-            </a:gs>
-          </a:gsLst>
-          <a:lin ang="16200000" scaled="1"/>
-        </a:gradFill>
-        <a:gradFill rotWithShape="1">
-          <a:gsLst>
-            <a:gs pos="0">
-              <a:schemeClr val="phClr">
-                <a:tint val="100000"/>
-                <a:shade val="100000"/>
-                <a:satMod val="130000"/>
-              </a:schemeClr>
-            </a:gs>
-            <a:gs pos="100000">
-              <a:schemeClr val="phClr">
-                <a:tint val="50000"/>
-                <a:shade val="100000"/>
-                <a:satMod val="350000"/>
-              </a:schemeClr>
-            </a:gs>
-          </a:gsLst>
-          <a:lin ang="16200000" scaled="0"/>
-        </a:gradFill>
-      </a:fillStyleLst>
-      <a:lnStyleLst>
-        <a:ln w="9525" cap="flat" cmpd="sng" algn="ctr">
-          <a:solidFill>
-            <a:schemeClr val="phClr">
-              <a:shade val="95000"/>
-              <a:satMod val="105000"/>
-            </a:schemeClr>
-          </a:solidFill>
-          <a:prstDash val="solid"/>
-        </a:ln>
-        <a:ln w="25400" cap="flat" cmpd="sng" algn="ctr">
-          <a:solidFill>
-            <a:schemeClr val="phClr"/>
-          </a:solidFill>
-          <a:prstDash val="solid"/>
-        </a:ln>
-        <a:ln w="38100" cap="flat" cmpd="sng" algn="ctr">
-          <a:solidFill>
-            <a:schemeClr val="phClr"/>
-          </a:solidFill>
-          <a:prstDash val="solid"/>
-        </a:ln>
-      </a:lnStyleLst>
-      <a:effectStyleLst>
-        <a:effectStyle>
-          <a:effectLst>
-            <a:outerShdw blurRad="40000" dist="20000" dir="5400000" rotWithShape="0">
-              <a:srgbClr val="000000">
-                <a:alpha val="38000"/>
-              </a:srgbClr>
-            </a:outerShdw>
-          </a:effectLst>
-        </a:effectStyle>
-        <a:effectStyle>
-          <a:effectLst>
-            <a:outerShdw blurRad="40000" dist="23000" dir="5400000" rotWithShape="0">
-              <a:srgbClr val="000000">
-                <a:alpha val="35000"/>
-              </a:srgbClr>
-            </a:outerShdw>
-          </a:effectLst>
-        </a:effectStyle>
-        <a:effectStyle>
-          <a:effectLst>
-            <a:outerShdw blurRad="40000" dist="23000" dir="5400000" rotWithShape="0">
-              <a:srgbClr val="000000">
-                <a:alpha val="35000"/>
-              </a:srgbClr>
-            </a:outerShdw>
-          </a:effectLst>
-          <a:scene3d>
-            <a:camera prst="orthographicFront">
-              <a:rot lat="0" lon="0" rev="0"/>
-            </a:camera>
-            <a:lightRig rig="threePt" dir="t">
-              <a:rot lat="0" lon="0" rev="1200000"/>
-            </a:lightRig>
-          </a:scene3d>
-          <a:sp3d>
-            <a:bevelT w="63500" h="25400"/>
-          </a:sp3d>
-        </a:effectStyle>
-      </a:effectStyleLst>
-      <a:bgFillStyleLst>
-        <a:solidFill>
-          <a:schemeClr val="phClr"/>
-        </a:solidFill>
-        <a:gradFill rotWithShape="1">
-          <a:gsLst>
-            <a:gs pos="0">
-              <a:schemeClr val="phClr">
-                <a:tint val="40000"/>
-                <a:satMod val="350000"/>
-              </a:schemeClr>
-            </a:gs>
-            <a:gs pos="40000">
-              <a:schemeClr val="phClr">
-                <a:tint val="45000"/>
-                <a:shade val="99000"/>
-                <a:satMod val="350000"/>
-              </a:schemeClr>
-            </a:gs>
-            <a:gs pos="100000">
-              <a:schemeClr val="phClr">
-                <a:shade val="20000"/>
-                <a:satMod val="255000"/>
-              </a:schemeClr>
-            </a:gs>
-          </a:gsLst>
-          <a:path path="circle">
-            <a:fillToRect l="50000" t="-80000" r="50000" b="180000"/>
-          </a:path>
-        </a:gradFill>
-        <a:gradFill rotWithShape="1">
-          <a:gsLst>
-            <a:gs pos="0">
-              <a:schemeClr val="phClr">
-                <a:tint val="80000"/>
-                <a:satMod val="300000"/>
-              </a:schemeClr>
-            </a:gs>
-            <a:gs pos="100000">
-              <a:schemeClr val="phClr">
-                <a:shade val="30000"/>
-                <a:satMod val="200000"/>
-              </a:schemeClr>
-            </a:gs>
-          </a:gsLst>
-          <a:path path="circle">
-            <a:fillToRect l="50000" t="50000" r="50000" b="50000"/>
-          </a:path>
-        </a:gradFill>
-      </a:bgFillStyleLst>
-    </a:fmtScheme>
-  </a:themeElements>
-</a:theme>
 </file>
--- a/Lecture slides/AMOS B01 - Team and Tools.pptx
+++ b/Lecture slides/AMOS B01 - Team and Tools.pptx
@@ -12833,7 +12833,7 @@
             <a:tbl>
               <a:tblPr>
                 <a:noFill/>
-                <a:tableStyleId>{AD9BC3B8-D6C1-4DDE-8EB1-3171676A2189}</a:tableStyleId>
+                <a:tableStyleId>{657DC861-C4D5-4461-B940-F122E4C42B2A}</a:tableStyleId>
               </a:tblPr>
               <a:tblGrid>
                 <a:gridCol w="524750"/>
@@ -16970,7 +16970,7 @@
             <a:tbl>
               <a:tblPr>
                 <a:noFill/>
-                <a:tableStyleId>{F79B4C94-9A7A-4FCE-B336-FF0C4D40C903}</a:tableStyleId>
+                <a:tableStyleId>{610C1F80-E532-47D2-B521-942A5BCCF677}</a:tableStyleId>
               </a:tblPr>
               <a:tblGrid>
                 <a:gridCol w="2148850"/>
@@ -25892,7 +25892,7 @@
             </a:pPr>
             <a:r>
               <a:rPr lang="en"/>
-              <a:t>© Copyright 2024 Dirk Riehle, some rights reserved</a:t>
+              <a:t>© Copyright 2009, 2024 Dirk Riehle, some rights reserved</a:t>
             </a:r>
             <a:endParaRPr/>
           </a:p>

--- a/Lecture slides/AMOS B01 - Team and Tools.pptx
+++ b/Lecture slides/AMOS B01 - Team and Tools.pptx
@@ -7309,148 +7309,6 @@
       <p:sp>
         <p:nvSpPr>
           <p:cNvPr id="19" name="Google Shape;19;p4"/>
-          <p:cNvSpPr txBox="1"/>
-          <p:nvPr>
-            <p:ph idx="12" type="sldNum"/>
-          </p:nvPr>
-        </p:nvSpPr>
-        <p:spPr>
-          <a:xfrm>
-            <a:off x="7315202" y="4416550"/>
-            <a:ext cx="1828800" cy="731400"/>
-          </a:xfrm>
-          <a:prstGeom prst="rect">
-            <a:avLst/>
-          </a:prstGeom>
-        </p:spPr>
-        <p:txBody>
-          <a:bodyPr anchorCtr="0" anchor="b" bIns="91425" lIns="91425" spcFirstLastPara="1" rIns="91425" wrap="square" tIns="91425">
-            <a:noAutofit/>
-          </a:bodyPr>
-          <a:lstStyle>
-            <a:lvl1pPr lvl="0">
-              <a:buNone/>
-              <a:defRPr>
-                <a:solidFill>
-                  <a:schemeClr val="dk1"/>
-                </a:solidFill>
-              </a:defRPr>
-            </a:lvl1pPr>
-            <a:lvl2pPr lvl="1">
-              <a:buNone/>
-              <a:defRPr>
-                <a:solidFill>
-                  <a:schemeClr val="dk1"/>
-                </a:solidFill>
-              </a:defRPr>
-            </a:lvl2pPr>
-            <a:lvl3pPr lvl="2">
-              <a:buNone/>
-              <a:defRPr>
-                <a:solidFill>
-                  <a:schemeClr val="dk1"/>
-                </a:solidFill>
-              </a:defRPr>
-            </a:lvl3pPr>
-            <a:lvl4pPr lvl="3">
-              <a:buNone/>
-              <a:defRPr>
-                <a:solidFill>
-                  <a:schemeClr val="dk1"/>
-                </a:solidFill>
-              </a:defRPr>
-            </a:lvl4pPr>
-            <a:lvl5pPr lvl="4">
-              <a:buNone/>
-              <a:defRPr>
-                <a:solidFill>
-                  <a:schemeClr val="dk1"/>
-                </a:solidFill>
-              </a:defRPr>
-            </a:lvl5pPr>
-            <a:lvl6pPr lvl="5">
-              <a:buNone/>
-              <a:defRPr>
-                <a:solidFill>
-                  <a:schemeClr val="dk1"/>
-                </a:solidFill>
-              </a:defRPr>
-            </a:lvl6pPr>
-            <a:lvl7pPr lvl="6">
-              <a:buNone/>
-              <a:defRPr>
-                <a:solidFill>
-                  <a:schemeClr val="dk1"/>
-                </a:solidFill>
-              </a:defRPr>
-            </a:lvl7pPr>
-            <a:lvl8pPr lvl="7">
-              <a:buNone/>
-              <a:defRPr>
-                <a:solidFill>
-                  <a:schemeClr val="dk1"/>
-                </a:solidFill>
-              </a:defRPr>
-            </a:lvl8pPr>
-            <a:lvl9pPr lvl="8">
-              <a:buNone/>
-              <a:defRPr>
-                <a:solidFill>
-                  <a:schemeClr val="dk1"/>
-                </a:solidFill>
-              </a:defRPr>
-            </a:lvl9pPr>
-          </a:lstStyle>
-          <a:p>
-            <a:pPr indent="0" lvl="0" marL="0" rtl="0" algn="r">
-              <a:spcBef>
-                <a:spcPts val="0"/>
-              </a:spcBef>
-              <a:spcAft>
-                <a:spcPts val="0"/>
-              </a:spcAft>
-              <a:buNone/>
-            </a:pPr>
-            <a:fld id="{00000000-1234-1234-1234-123412341234}" type="slidenum">
-              <a:rPr lang="en"/>
-              <a:t>‹#›</a:t>
-            </a:fld>
-            <a:endParaRPr/>
-          </a:p>
-          <a:p>
-            <a:pPr indent="0" lvl="0" marL="0" rtl="0" algn="r">
-              <a:spcBef>
-                <a:spcPts val="0"/>
-              </a:spcBef>
-              <a:spcAft>
-                <a:spcPts val="0"/>
-              </a:spcAft>
-              <a:buNone/>
-            </a:pPr>
-            <a:r>
-              <a:rPr b="0" lang="en" sz="900" u="sng">
-                <a:solidFill>
-                  <a:schemeClr val="hlink"/>
-                </a:solidFill>
-                <a:hlinkClick r:id="rId2"/>
-              </a:rPr>
-              <a:t>https://profriehle.com</a:t>
-            </a:r>
-            <a:r>
-              <a:rPr b="0" lang="en" sz="900">
-                <a:solidFill>
-                  <a:schemeClr val="dk2"/>
-                </a:solidFill>
-              </a:rPr>
-              <a:t> </a:t>
-            </a:r>
-            <a:endParaRPr/>
-          </a:p>
-        </p:txBody>
-      </p:sp>
-      <p:sp>
-        <p:nvSpPr>
-          <p:cNvPr id="20" name="Google Shape;20;p4"/>
           <p:cNvSpPr/>
           <p:nvPr/>
         </p:nvSpPr>
@@ -7492,6 +7350,147 @@
                 <a:schemeClr val="dk1"/>
               </a:solidFill>
             </a:endParaRPr>
+          </a:p>
+        </p:txBody>
+      </p:sp>
+      <p:sp>
+        <p:nvSpPr>
+          <p:cNvPr id="20" name="Google Shape;20;p4"/>
+          <p:cNvSpPr txBox="1"/>
+          <p:nvPr>
+            <p:ph idx="12" type="sldNum"/>
+          </p:nvPr>
+        </p:nvSpPr>
+        <p:spPr>
+          <a:xfrm>
+            <a:off x="7315202" y="4229100"/>
+            <a:ext cx="1828800" cy="914400"/>
+          </a:xfrm>
+          <a:prstGeom prst="rect">
+            <a:avLst/>
+          </a:prstGeom>
+          <a:ln>
+            <a:noFill/>
+          </a:ln>
+        </p:spPr>
+        <p:txBody>
+          <a:bodyPr anchorCtr="0" anchor="b" bIns="91425" lIns="91425" spcFirstLastPara="1" rIns="91425" wrap="square" tIns="91425">
+            <a:noAutofit/>
+          </a:bodyPr>
+          <a:lstStyle>
+            <a:lvl1pPr lvl="0" rtl="0" algn="r">
+              <a:buNone/>
+              <a:defRPr b="1" sz="2400">
+                <a:solidFill>
+                  <a:schemeClr val="dk2"/>
+                </a:solidFill>
+              </a:defRPr>
+            </a:lvl1pPr>
+            <a:lvl2pPr lvl="1" rtl="0" algn="r">
+              <a:buNone/>
+              <a:defRPr b="1" sz="2400">
+                <a:solidFill>
+                  <a:schemeClr val="dk2"/>
+                </a:solidFill>
+              </a:defRPr>
+            </a:lvl2pPr>
+            <a:lvl3pPr lvl="2" rtl="0" algn="r">
+              <a:buNone/>
+              <a:defRPr b="1" sz="2400">
+                <a:solidFill>
+                  <a:schemeClr val="dk2"/>
+                </a:solidFill>
+              </a:defRPr>
+            </a:lvl3pPr>
+            <a:lvl4pPr lvl="3" rtl="0" algn="r">
+              <a:buNone/>
+              <a:defRPr b="1" sz="2400">
+                <a:solidFill>
+                  <a:schemeClr val="dk2"/>
+                </a:solidFill>
+              </a:defRPr>
+            </a:lvl4pPr>
+            <a:lvl5pPr lvl="4" rtl="0" algn="r">
+              <a:buNone/>
+              <a:defRPr b="1" sz="2400">
+                <a:solidFill>
+                  <a:schemeClr val="dk2"/>
+                </a:solidFill>
+              </a:defRPr>
+            </a:lvl5pPr>
+            <a:lvl6pPr lvl="5" rtl="0" algn="r">
+              <a:buNone/>
+              <a:defRPr b="1" sz="2400">
+                <a:solidFill>
+                  <a:schemeClr val="dk2"/>
+                </a:solidFill>
+              </a:defRPr>
+            </a:lvl6pPr>
+            <a:lvl7pPr lvl="6" rtl="0" algn="r">
+              <a:buNone/>
+              <a:defRPr b="1" sz="2400">
+                <a:solidFill>
+                  <a:schemeClr val="dk2"/>
+                </a:solidFill>
+              </a:defRPr>
+            </a:lvl7pPr>
+            <a:lvl8pPr lvl="7" rtl="0" algn="r">
+              <a:buNone/>
+              <a:defRPr b="1" sz="2400">
+                <a:solidFill>
+                  <a:schemeClr val="dk2"/>
+                </a:solidFill>
+              </a:defRPr>
+            </a:lvl8pPr>
+            <a:lvl9pPr lvl="8" rtl="0" algn="r">
+              <a:buNone/>
+              <a:defRPr b="1" sz="2400">
+                <a:solidFill>
+                  <a:schemeClr val="dk2"/>
+                </a:solidFill>
+              </a:defRPr>
+            </a:lvl9pPr>
+          </a:lstStyle>
+          <a:p>
+            <a:pPr indent="0" lvl="0" marL="0" rtl="0" algn="r">
+              <a:spcBef>
+                <a:spcPts val="0"/>
+              </a:spcBef>
+              <a:spcAft>
+                <a:spcPts val="0"/>
+              </a:spcAft>
+              <a:buNone/>
+            </a:pPr>
+            <a:fld id="{00000000-1234-1234-1234-123412341234}" type="slidenum">
+              <a:rPr lang="en"/>
+              <a:t>‹#›</a:t>
+            </a:fld>
+            <a:endParaRPr/>
+          </a:p>
+          <a:p>
+            <a:pPr indent="0" lvl="0" marL="0" rtl="0" algn="r">
+              <a:spcBef>
+                <a:spcPts val="0"/>
+              </a:spcBef>
+              <a:spcAft>
+                <a:spcPts val="0"/>
+              </a:spcAft>
+              <a:buNone/>
+            </a:pPr>
+            <a:r>
+              <a:rPr b="0" lang="en" sz="900" u="sng">
+                <a:solidFill>
+                  <a:schemeClr val="hlink"/>
+                </a:solidFill>
+                <a:hlinkClick r:id="rId2"/>
+              </a:rPr>
+              <a:t>uni1.de/amos</a:t>
+            </a:r>
+            <a:r>
+              <a:rPr b="0" lang="en" sz="900"/>
+              <a:t> </a:t>
+            </a:r>
+            <a:endParaRPr b="0" sz="900"/>
           </a:p>
         </p:txBody>
       </p:sp>
@@ -7901,148 +7900,6 @@
       <p:sp>
         <p:nvSpPr>
           <p:cNvPr id="25" name="Google Shape;25;p5"/>
-          <p:cNvSpPr txBox="1"/>
-          <p:nvPr>
-            <p:ph idx="12" type="sldNum"/>
-          </p:nvPr>
-        </p:nvSpPr>
-        <p:spPr>
-          <a:xfrm>
-            <a:off x="7315202" y="4416550"/>
-            <a:ext cx="1828800" cy="731400"/>
-          </a:xfrm>
-          <a:prstGeom prst="rect">
-            <a:avLst/>
-          </a:prstGeom>
-        </p:spPr>
-        <p:txBody>
-          <a:bodyPr anchorCtr="0" anchor="b" bIns="91425" lIns="91425" spcFirstLastPara="1" rIns="91425" wrap="square" tIns="91425">
-            <a:noAutofit/>
-          </a:bodyPr>
-          <a:lstStyle>
-            <a:lvl1pPr lvl="0">
-              <a:buNone/>
-              <a:defRPr>
-                <a:solidFill>
-                  <a:schemeClr val="dk1"/>
-                </a:solidFill>
-              </a:defRPr>
-            </a:lvl1pPr>
-            <a:lvl2pPr lvl="1">
-              <a:buNone/>
-              <a:defRPr>
-                <a:solidFill>
-                  <a:schemeClr val="dk1"/>
-                </a:solidFill>
-              </a:defRPr>
-            </a:lvl2pPr>
-            <a:lvl3pPr lvl="2">
-              <a:buNone/>
-              <a:defRPr>
-                <a:solidFill>
-                  <a:schemeClr val="dk1"/>
-                </a:solidFill>
-              </a:defRPr>
-            </a:lvl3pPr>
-            <a:lvl4pPr lvl="3">
-              <a:buNone/>
-              <a:defRPr>
-                <a:solidFill>
-                  <a:schemeClr val="dk1"/>
-                </a:solidFill>
-              </a:defRPr>
-            </a:lvl4pPr>
-            <a:lvl5pPr lvl="4">
-              <a:buNone/>
-              <a:defRPr>
-                <a:solidFill>
-                  <a:schemeClr val="dk1"/>
-                </a:solidFill>
-              </a:defRPr>
-            </a:lvl5pPr>
-            <a:lvl6pPr lvl="5">
-              <a:buNone/>
-              <a:defRPr>
-                <a:solidFill>
-                  <a:schemeClr val="dk1"/>
-                </a:solidFill>
-              </a:defRPr>
-            </a:lvl6pPr>
-            <a:lvl7pPr lvl="6">
-              <a:buNone/>
-              <a:defRPr>
-                <a:solidFill>
-                  <a:schemeClr val="dk1"/>
-                </a:solidFill>
-              </a:defRPr>
-            </a:lvl7pPr>
-            <a:lvl8pPr lvl="7">
-              <a:buNone/>
-              <a:defRPr>
-                <a:solidFill>
-                  <a:schemeClr val="dk1"/>
-                </a:solidFill>
-              </a:defRPr>
-            </a:lvl8pPr>
-            <a:lvl9pPr lvl="8">
-              <a:buNone/>
-              <a:defRPr>
-                <a:solidFill>
-                  <a:schemeClr val="dk1"/>
-                </a:solidFill>
-              </a:defRPr>
-            </a:lvl9pPr>
-          </a:lstStyle>
-          <a:p>
-            <a:pPr indent="0" lvl="0" marL="0" rtl="0" algn="r">
-              <a:spcBef>
-                <a:spcPts val="0"/>
-              </a:spcBef>
-              <a:spcAft>
-                <a:spcPts val="0"/>
-              </a:spcAft>
-              <a:buNone/>
-            </a:pPr>
-            <a:fld id="{00000000-1234-1234-1234-123412341234}" type="slidenum">
-              <a:rPr lang="en"/>
-              <a:t>‹#›</a:t>
-            </a:fld>
-            <a:endParaRPr/>
-          </a:p>
-          <a:p>
-            <a:pPr indent="0" lvl="0" marL="0" rtl="0" algn="r">
-              <a:spcBef>
-                <a:spcPts val="0"/>
-              </a:spcBef>
-              <a:spcAft>
-                <a:spcPts val="0"/>
-              </a:spcAft>
-              <a:buNone/>
-            </a:pPr>
-            <a:r>
-              <a:rPr b="0" lang="en" sz="900" u="sng">
-                <a:solidFill>
-                  <a:schemeClr val="hlink"/>
-                </a:solidFill>
-                <a:hlinkClick r:id="rId2"/>
-              </a:rPr>
-              <a:t>https://profriehle.com</a:t>
-            </a:r>
-            <a:r>
-              <a:rPr b="0" lang="en" sz="900">
-                <a:solidFill>
-                  <a:schemeClr val="dk2"/>
-                </a:solidFill>
-              </a:rPr>
-              <a:t> </a:t>
-            </a:r>
-            <a:endParaRPr/>
-          </a:p>
-        </p:txBody>
-      </p:sp>
-      <p:sp>
-        <p:nvSpPr>
-          <p:cNvPr id="26" name="Google Shape;26;p5"/>
           <p:cNvSpPr/>
           <p:nvPr/>
         </p:nvSpPr>
@@ -8084,6 +7941,147 @@
                 <a:schemeClr val="dk1"/>
               </a:solidFill>
             </a:endParaRPr>
+          </a:p>
+        </p:txBody>
+      </p:sp>
+      <p:sp>
+        <p:nvSpPr>
+          <p:cNvPr id="26" name="Google Shape;26;p5"/>
+          <p:cNvSpPr txBox="1"/>
+          <p:nvPr>
+            <p:ph idx="12" type="sldNum"/>
+          </p:nvPr>
+        </p:nvSpPr>
+        <p:spPr>
+          <a:xfrm>
+            <a:off x="7315202" y="4229100"/>
+            <a:ext cx="1828800" cy="914400"/>
+          </a:xfrm>
+          <a:prstGeom prst="rect">
+            <a:avLst/>
+          </a:prstGeom>
+          <a:ln>
+            <a:noFill/>
+          </a:ln>
+        </p:spPr>
+        <p:txBody>
+          <a:bodyPr anchorCtr="0" anchor="b" bIns="91425" lIns="91425" spcFirstLastPara="1" rIns="91425" wrap="square" tIns="91425">
+            <a:noAutofit/>
+          </a:bodyPr>
+          <a:lstStyle>
+            <a:lvl1pPr lvl="0" rtl="0" algn="r">
+              <a:buNone/>
+              <a:defRPr b="1" sz="2400">
+                <a:solidFill>
+                  <a:schemeClr val="dk2"/>
+                </a:solidFill>
+              </a:defRPr>
+            </a:lvl1pPr>
+            <a:lvl2pPr lvl="1" rtl="0" algn="r">
+              <a:buNone/>
+              <a:defRPr b="1" sz="2400">
+                <a:solidFill>
+                  <a:schemeClr val="dk2"/>
+                </a:solidFill>
+              </a:defRPr>
+            </a:lvl2pPr>
+            <a:lvl3pPr lvl="2" rtl="0" algn="r">
+              <a:buNone/>
+              <a:defRPr b="1" sz="2400">
+                <a:solidFill>
+                  <a:schemeClr val="dk2"/>
+                </a:solidFill>
+              </a:defRPr>
+            </a:lvl3pPr>
+            <a:lvl4pPr lvl="3" rtl="0" algn="r">
+              <a:buNone/>
+              <a:defRPr b="1" sz="2400">
+                <a:solidFill>
+                  <a:schemeClr val="dk2"/>
+                </a:solidFill>
+              </a:defRPr>
+            </a:lvl4pPr>
+            <a:lvl5pPr lvl="4" rtl="0" algn="r">
+              <a:buNone/>
+              <a:defRPr b="1" sz="2400">
+                <a:solidFill>
+                  <a:schemeClr val="dk2"/>
+                </a:solidFill>
+              </a:defRPr>
+            </a:lvl5pPr>
+            <a:lvl6pPr lvl="5" rtl="0" algn="r">
+              <a:buNone/>
+              <a:defRPr b="1" sz="2400">
+                <a:solidFill>
+                  <a:schemeClr val="dk2"/>
+                </a:solidFill>
+              </a:defRPr>
+            </a:lvl6pPr>
+            <a:lvl7pPr lvl="6" rtl="0" algn="r">
+              <a:buNone/>
+              <a:defRPr b="1" sz="2400">
+                <a:solidFill>
+                  <a:schemeClr val="dk2"/>
+                </a:solidFill>
+              </a:defRPr>
+            </a:lvl7pPr>
+            <a:lvl8pPr lvl="7" rtl="0" algn="r">
+              <a:buNone/>
+              <a:defRPr b="1" sz="2400">
+                <a:solidFill>
+                  <a:schemeClr val="dk2"/>
+                </a:solidFill>
+              </a:defRPr>
+            </a:lvl8pPr>
+            <a:lvl9pPr lvl="8" rtl="0" algn="r">
+              <a:buNone/>
+              <a:defRPr b="1" sz="2400">
+                <a:solidFill>
+                  <a:schemeClr val="dk2"/>
+                </a:solidFill>
+              </a:defRPr>
+            </a:lvl9pPr>
+          </a:lstStyle>
+          <a:p>
+            <a:pPr indent="0" lvl="0" marL="0" rtl="0" algn="r">
+              <a:spcBef>
+                <a:spcPts val="0"/>
+              </a:spcBef>
+              <a:spcAft>
+                <a:spcPts val="0"/>
+              </a:spcAft>
+              <a:buNone/>
+            </a:pPr>
+            <a:fld id="{00000000-1234-1234-1234-123412341234}" type="slidenum">
+              <a:rPr lang="en"/>
+              <a:t>‹#›</a:t>
+            </a:fld>
+            <a:endParaRPr/>
+          </a:p>
+          <a:p>
+            <a:pPr indent="0" lvl="0" marL="0" rtl="0" algn="r">
+              <a:spcBef>
+                <a:spcPts val="0"/>
+              </a:spcBef>
+              <a:spcAft>
+                <a:spcPts val="0"/>
+              </a:spcAft>
+              <a:buNone/>
+            </a:pPr>
+            <a:r>
+              <a:rPr b="0" lang="en" sz="900" u="sng">
+                <a:solidFill>
+                  <a:schemeClr val="hlink"/>
+                </a:solidFill>
+                <a:hlinkClick r:id="rId2"/>
+              </a:rPr>
+              <a:t>uni1.de/amos</a:t>
+            </a:r>
+            <a:r>
+              <a:rPr b="0" lang="en" sz="900"/>
+              <a:t> </a:t>
+            </a:r>
+            <a:endParaRPr b="0" sz="900"/>
           </a:p>
         </p:txBody>
       </p:sp>
@@ -8240,148 +8238,6 @@
       <p:sp>
         <p:nvSpPr>
           <p:cNvPr id="29" name="Google Shape;29;p6"/>
-          <p:cNvSpPr txBox="1"/>
-          <p:nvPr>
-            <p:ph idx="12" type="sldNum"/>
-          </p:nvPr>
-        </p:nvSpPr>
-        <p:spPr>
-          <a:xfrm>
-            <a:off x="7315202" y="4416550"/>
-            <a:ext cx="1828800" cy="731400"/>
-          </a:xfrm>
-          <a:prstGeom prst="rect">
-            <a:avLst/>
-          </a:prstGeom>
-        </p:spPr>
-        <p:txBody>
-          <a:bodyPr anchorCtr="0" anchor="b" bIns="91425" lIns="91425" spcFirstLastPara="1" rIns="91425" wrap="square" tIns="91425">
-            <a:noAutofit/>
-          </a:bodyPr>
-          <a:lstStyle>
-            <a:lvl1pPr lvl="0">
-              <a:buNone/>
-              <a:defRPr>
-                <a:solidFill>
-                  <a:schemeClr val="dk1"/>
-                </a:solidFill>
-              </a:defRPr>
-            </a:lvl1pPr>
-            <a:lvl2pPr lvl="1">
-              <a:buNone/>
-              <a:defRPr>
-                <a:solidFill>
-                  <a:schemeClr val="dk1"/>
-                </a:solidFill>
-              </a:defRPr>
-            </a:lvl2pPr>
-            <a:lvl3pPr lvl="2">
-              <a:buNone/>
-              <a:defRPr>
-                <a:solidFill>
-                  <a:schemeClr val="dk1"/>
-                </a:solidFill>
-              </a:defRPr>
-            </a:lvl3pPr>
-            <a:lvl4pPr lvl="3">
-              <a:buNone/>
-              <a:defRPr>
-                <a:solidFill>
-                  <a:schemeClr val="dk1"/>
-                </a:solidFill>
-              </a:defRPr>
-            </a:lvl4pPr>
-            <a:lvl5pPr lvl="4">
-              <a:buNone/>
-              <a:defRPr>
-                <a:solidFill>
-                  <a:schemeClr val="dk1"/>
-                </a:solidFill>
-              </a:defRPr>
-            </a:lvl5pPr>
-            <a:lvl6pPr lvl="5">
-              <a:buNone/>
-              <a:defRPr>
-                <a:solidFill>
-                  <a:schemeClr val="dk1"/>
-                </a:solidFill>
-              </a:defRPr>
-            </a:lvl6pPr>
-            <a:lvl7pPr lvl="6">
-              <a:buNone/>
-              <a:defRPr>
-                <a:solidFill>
-                  <a:schemeClr val="dk1"/>
-                </a:solidFill>
-              </a:defRPr>
-            </a:lvl7pPr>
-            <a:lvl8pPr lvl="7">
-              <a:buNone/>
-              <a:defRPr>
-                <a:solidFill>
-                  <a:schemeClr val="dk1"/>
-                </a:solidFill>
-              </a:defRPr>
-            </a:lvl8pPr>
-            <a:lvl9pPr lvl="8">
-              <a:buNone/>
-              <a:defRPr>
-                <a:solidFill>
-                  <a:schemeClr val="dk1"/>
-                </a:solidFill>
-              </a:defRPr>
-            </a:lvl9pPr>
-          </a:lstStyle>
-          <a:p>
-            <a:pPr indent="0" lvl="0" marL="0" rtl="0" algn="r">
-              <a:spcBef>
-                <a:spcPts val="0"/>
-              </a:spcBef>
-              <a:spcAft>
-                <a:spcPts val="0"/>
-              </a:spcAft>
-              <a:buNone/>
-            </a:pPr>
-            <a:fld id="{00000000-1234-1234-1234-123412341234}" type="slidenum">
-              <a:rPr lang="en"/>
-              <a:t>‹#›</a:t>
-            </a:fld>
-            <a:endParaRPr/>
-          </a:p>
-          <a:p>
-            <a:pPr indent="0" lvl="0" marL="0" rtl="0" algn="r">
-              <a:spcBef>
-                <a:spcPts val="0"/>
-              </a:spcBef>
-              <a:spcAft>
-                <a:spcPts val="0"/>
-              </a:spcAft>
-              <a:buNone/>
-            </a:pPr>
-            <a:r>
-              <a:rPr b="0" lang="en" sz="900" u="sng">
-                <a:solidFill>
-                  <a:schemeClr val="hlink"/>
-                </a:solidFill>
-                <a:hlinkClick r:id="rId2"/>
-              </a:rPr>
-              <a:t>https://profriehle.com</a:t>
-            </a:r>
-            <a:r>
-              <a:rPr b="0" lang="en" sz="900">
-                <a:solidFill>
-                  <a:schemeClr val="dk2"/>
-                </a:solidFill>
-              </a:rPr>
-              <a:t> </a:t>
-            </a:r>
-            <a:endParaRPr/>
-          </a:p>
-        </p:txBody>
-      </p:sp>
-      <p:sp>
-        <p:nvSpPr>
-          <p:cNvPr id="30" name="Google Shape;30;p6"/>
           <p:cNvSpPr/>
           <p:nvPr/>
         </p:nvSpPr>
@@ -8419,6 +8275,147 @@
               <a:t/>
             </a:r>
             <a:endParaRPr/>
+          </a:p>
+        </p:txBody>
+      </p:sp>
+      <p:sp>
+        <p:nvSpPr>
+          <p:cNvPr id="30" name="Google Shape;30;p6"/>
+          <p:cNvSpPr txBox="1"/>
+          <p:nvPr>
+            <p:ph idx="12" type="sldNum"/>
+          </p:nvPr>
+        </p:nvSpPr>
+        <p:spPr>
+          <a:xfrm>
+            <a:off x="7315202" y="4229100"/>
+            <a:ext cx="1828800" cy="914400"/>
+          </a:xfrm>
+          <a:prstGeom prst="rect">
+            <a:avLst/>
+          </a:prstGeom>
+          <a:ln>
+            <a:noFill/>
+          </a:ln>
+        </p:spPr>
+        <p:txBody>
+          <a:bodyPr anchorCtr="0" anchor="b" bIns="91425" lIns="91425" spcFirstLastPara="1" rIns="91425" wrap="square" tIns="91425">
+            <a:noAutofit/>
+          </a:bodyPr>
+          <a:lstStyle>
+            <a:lvl1pPr lvl="0" rtl="0" algn="r">
+              <a:buNone/>
+              <a:defRPr b="1" sz="2400">
+                <a:solidFill>
+                  <a:schemeClr val="dk2"/>
+                </a:solidFill>
+              </a:defRPr>
+            </a:lvl1pPr>
+            <a:lvl2pPr lvl="1" rtl="0" algn="r">
+              <a:buNone/>
+              <a:defRPr b="1" sz="2400">
+                <a:solidFill>
+                  <a:schemeClr val="dk2"/>
+                </a:solidFill>
+              </a:defRPr>
+            </a:lvl2pPr>
+            <a:lvl3pPr lvl="2" rtl="0" algn="r">
+              <a:buNone/>
+              <a:defRPr b="1" sz="2400">
+                <a:solidFill>
+                  <a:schemeClr val="dk2"/>
+                </a:solidFill>
+              </a:defRPr>
+            </a:lvl3pPr>
+            <a:lvl4pPr lvl="3" rtl="0" algn="r">
+              <a:buNone/>
+              <a:defRPr b="1" sz="2400">
+                <a:solidFill>
+                  <a:schemeClr val="dk2"/>
+                </a:solidFill>
+              </a:defRPr>
+            </a:lvl4pPr>
+            <a:lvl5pPr lvl="4" rtl="0" algn="r">
+              <a:buNone/>
+              <a:defRPr b="1" sz="2400">
+                <a:solidFill>
+                  <a:schemeClr val="dk2"/>
+                </a:solidFill>
+              </a:defRPr>
+            </a:lvl5pPr>
+            <a:lvl6pPr lvl="5" rtl="0" algn="r">
+              <a:buNone/>
+              <a:defRPr b="1" sz="2400">
+                <a:solidFill>
+                  <a:schemeClr val="dk2"/>
+                </a:solidFill>
+              </a:defRPr>
+            </a:lvl6pPr>
+            <a:lvl7pPr lvl="6" rtl="0" algn="r">
+              <a:buNone/>
+              <a:defRPr b="1" sz="2400">
+                <a:solidFill>
+                  <a:schemeClr val="dk2"/>
+                </a:solidFill>
+              </a:defRPr>
+            </a:lvl7pPr>
+            <a:lvl8pPr lvl="7" rtl="0" algn="r">
+              <a:buNone/>
+              <a:defRPr b="1" sz="2400">
+                <a:solidFill>
+                  <a:schemeClr val="dk2"/>
+                </a:solidFill>
+              </a:defRPr>
+            </a:lvl8pPr>
+            <a:lvl9pPr lvl="8" rtl="0" algn="r">
+              <a:buNone/>
+              <a:defRPr b="1" sz="2400">
+                <a:solidFill>
+                  <a:schemeClr val="dk2"/>
+                </a:solidFill>
+              </a:defRPr>
+            </a:lvl9pPr>
+          </a:lstStyle>
+          <a:p>
+            <a:pPr indent="0" lvl="0" marL="0" rtl="0" algn="r">
+              <a:spcBef>
+                <a:spcPts val="0"/>
+              </a:spcBef>
+              <a:spcAft>
+                <a:spcPts val="0"/>
+              </a:spcAft>
+              <a:buNone/>
+            </a:pPr>
+            <a:fld id="{00000000-1234-1234-1234-123412341234}" type="slidenum">
+              <a:rPr lang="en"/>
+              <a:t>‹#›</a:t>
+            </a:fld>
+            <a:endParaRPr/>
+          </a:p>
+          <a:p>
+            <a:pPr indent="0" lvl="0" marL="0" rtl="0" algn="r">
+              <a:spcBef>
+                <a:spcPts val="0"/>
+              </a:spcBef>
+              <a:spcAft>
+                <a:spcPts val="0"/>
+              </a:spcAft>
+              <a:buNone/>
+            </a:pPr>
+            <a:r>
+              <a:rPr b="0" lang="en" sz="900" u="sng">
+                <a:solidFill>
+                  <a:schemeClr val="hlink"/>
+                </a:solidFill>
+                <a:hlinkClick r:id="rId2"/>
+              </a:rPr>
+              <a:t>uni1.de/amos</a:t>
+            </a:r>
+            <a:r>
+              <a:rPr b="0" lang="en" sz="900"/>
+              <a:t> </a:t>
+            </a:r>
+            <a:endParaRPr b="0" sz="900"/>
           </a:p>
         </p:txBody>
       </p:sp>
@@ -8900,8 +8897,8 @@
         </p:nvSpPr>
         <p:spPr>
           <a:xfrm>
-            <a:off x="7315202" y="4416550"/>
-            <a:ext cx="1828800" cy="731400"/>
+            <a:off x="7315202" y="4229100"/>
+            <a:ext cx="1828800" cy="914400"/>
           </a:xfrm>
           <a:prstGeom prst="rect">
             <a:avLst/>
@@ -9016,19 +9013,19 @@
               <a:buNone/>
             </a:pPr>
             <a:r>
-              <a:rPr b="0" lang="en" sz="900" u="sng">
+              <a:rPr b="0" lang="en" sz="1000" u="sng">
                 <a:solidFill>
                   <a:schemeClr val="hlink"/>
                 </a:solidFill>
                 <a:hlinkClick r:id="rId1"/>
               </a:rPr>
-              <a:t>https://profriehle.com</a:t>
-            </a:r>
-            <a:r>
-              <a:rPr b="0" lang="en" sz="900"/>
+              <a:t>uni1.de/amos</a:t>
+            </a:r>
+            <a:r>
+              <a:rPr b="0" lang="en" sz="1000"/>
               <a:t> </a:t>
             </a:r>
-            <a:endParaRPr b="0" sz="900"/>
+            <a:endParaRPr b="0" sz="1000"/>
           </a:p>
         </p:txBody>
       </p:sp>
@@ -10086,8 +10083,8 @@
         </p:nvSpPr>
         <p:spPr>
           <a:xfrm>
-            <a:off x="7315202" y="4416550"/>
-            <a:ext cx="1828800" cy="731400"/>
+            <a:off x="7315202" y="4229100"/>
+            <a:ext cx="1828800" cy="914400"/>
           </a:xfrm>
           <a:prstGeom prst="rect">
             <a:avLst/>
@@ -10109,10 +10106,18 @@
               <a:buNone/>
             </a:pPr>
             <a:fld id="{00000000-1234-1234-1234-123412341234}" type="slidenum">
-              <a:rPr lang="en"/>
+              <a:rPr lang="en">
+                <a:solidFill>
+                  <a:schemeClr val="dk2"/>
+                </a:solidFill>
+              </a:rPr>
               <a:t>‹#›</a:t>
             </a:fld>
-            <a:endParaRPr/>
+            <a:endParaRPr>
+              <a:solidFill>
+                <a:schemeClr val="dk2"/>
+              </a:solidFill>
+            </a:endParaRPr>
           </a:p>
           <a:p>
             <a:pPr indent="0" lvl="0" marL="0" rtl="0" algn="r">
@@ -10131,7 +10136,7 @@
                 </a:solidFill>
                 <a:hlinkClick r:id="rId3"/>
               </a:rPr>
-              <a:t>https://profriehle.com</a:t>
+              <a:t>uni1.de/amos</a:t>
             </a:r>
             <a:r>
               <a:rPr b="0" lang="en" sz="900">
@@ -10141,7 +10146,11 @@
               </a:rPr>
               <a:t> </a:t>
             </a:r>
-            <a:endParaRPr/>
+            <a:endParaRPr b="0" sz="900">
+              <a:solidFill>
+                <a:schemeClr val="dk2"/>
+              </a:solidFill>
+            </a:endParaRPr>
           </a:p>
         </p:txBody>
       </p:sp>
@@ -10403,8 +10412,8 @@
         </p:nvSpPr>
         <p:spPr>
           <a:xfrm>
-            <a:off x="7315202" y="4416550"/>
-            <a:ext cx="1828800" cy="731400"/>
+            <a:off x="7315202" y="4229100"/>
+            <a:ext cx="1828800" cy="914400"/>
           </a:xfrm>
           <a:prstGeom prst="rect">
             <a:avLst/>
@@ -10426,10 +10435,18 @@
               <a:buNone/>
             </a:pPr>
             <a:fld id="{00000000-1234-1234-1234-123412341234}" type="slidenum">
-              <a:rPr lang="en"/>
+              <a:rPr lang="en">
+                <a:solidFill>
+                  <a:schemeClr val="dk2"/>
+                </a:solidFill>
+              </a:rPr>
               <a:t>‹#›</a:t>
             </a:fld>
-            <a:endParaRPr/>
+            <a:endParaRPr>
+              <a:solidFill>
+                <a:schemeClr val="dk2"/>
+              </a:solidFill>
+            </a:endParaRPr>
           </a:p>
           <a:p>
             <a:pPr indent="0" lvl="0" marL="0" rtl="0" algn="r">
@@ -10448,7 +10465,7 @@
                 </a:solidFill>
                 <a:hlinkClick r:id="rId3"/>
               </a:rPr>
-              <a:t>https://profriehle.com</a:t>
+              <a:t>uni1.de/amos</a:t>
             </a:r>
             <a:r>
               <a:rPr b="0" lang="en" sz="900">
@@ -10458,7 +10475,11 @@
               </a:rPr>
               <a:t> </a:t>
             </a:r>
-            <a:endParaRPr/>
+            <a:endParaRPr b="0" sz="900">
+              <a:solidFill>
+                <a:schemeClr val="dk2"/>
+              </a:solidFill>
+            </a:endParaRPr>
           </a:p>
         </p:txBody>
       </p:sp>
@@ -10746,8 +10767,8 @@
         </p:nvSpPr>
         <p:spPr>
           <a:xfrm>
-            <a:off x="7315202" y="4416550"/>
-            <a:ext cx="1828800" cy="731400"/>
+            <a:off x="7315202" y="4229100"/>
+            <a:ext cx="1828800" cy="914400"/>
           </a:xfrm>
           <a:prstGeom prst="rect">
             <a:avLst/>
@@ -10769,10 +10790,18 @@
               <a:buNone/>
             </a:pPr>
             <a:fld id="{00000000-1234-1234-1234-123412341234}" type="slidenum">
-              <a:rPr lang="en"/>
+              <a:rPr lang="en">
+                <a:solidFill>
+                  <a:schemeClr val="dk2"/>
+                </a:solidFill>
+              </a:rPr>
               <a:t>‹#›</a:t>
             </a:fld>
-            <a:endParaRPr/>
+            <a:endParaRPr>
+              <a:solidFill>
+                <a:schemeClr val="dk2"/>
+              </a:solidFill>
+            </a:endParaRPr>
           </a:p>
           <a:p>
             <a:pPr indent="0" lvl="0" marL="0" rtl="0" algn="r">
@@ -10791,7 +10820,7 @@
                 </a:solidFill>
                 <a:hlinkClick r:id="rId3"/>
               </a:rPr>
-              <a:t>https://profriehle.com</a:t>
+              <a:t>uni1.de/amos</a:t>
             </a:r>
             <a:r>
               <a:rPr b="0" lang="en" sz="900">
@@ -10801,7 +10830,11 @@
               </a:rPr>
               <a:t> </a:t>
             </a:r>
-            <a:endParaRPr/>
+            <a:endParaRPr b="0" sz="900">
+              <a:solidFill>
+                <a:schemeClr val="dk2"/>
+              </a:solidFill>
+            </a:endParaRPr>
           </a:p>
         </p:txBody>
       </p:sp>
@@ -10936,8 +10969,8 @@
         </p:nvSpPr>
         <p:spPr>
           <a:xfrm>
-            <a:off x="7315202" y="4416550"/>
-            <a:ext cx="1828800" cy="731400"/>
+            <a:off x="7315202" y="4229100"/>
+            <a:ext cx="1828800" cy="914400"/>
           </a:xfrm>
           <a:prstGeom prst="rect">
             <a:avLst/>
@@ -10959,10 +10992,18 @@
               <a:buNone/>
             </a:pPr>
             <a:fld id="{00000000-1234-1234-1234-123412341234}" type="slidenum">
-              <a:rPr lang="en"/>
+              <a:rPr lang="en">
+                <a:solidFill>
+                  <a:schemeClr val="dk2"/>
+                </a:solidFill>
+              </a:rPr>
               <a:t>‹#›</a:t>
             </a:fld>
-            <a:endParaRPr/>
+            <a:endParaRPr>
+              <a:solidFill>
+                <a:schemeClr val="dk2"/>
+              </a:solidFill>
+            </a:endParaRPr>
           </a:p>
           <a:p>
             <a:pPr indent="0" lvl="0" marL="0" rtl="0" algn="r">
@@ -10981,7 +11022,7 @@
                 </a:solidFill>
                 <a:hlinkClick r:id="rId3"/>
               </a:rPr>
-              <a:t>https://profriehle.com</a:t>
+              <a:t>uni1.de/amos</a:t>
             </a:r>
             <a:r>
               <a:rPr b="0" lang="en" sz="900">
@@ -10991,7 +11032,11 @@
               </a:rPr>
               <a:t> </a:t>
             </a:r>
-            <a:endParaRPr/>
+            <a:endParaRPr b="0" sz="900">
+              <a:solidFill>
+                <a:schemeClr val="dk2"/>
+              </a:solidFill>
+            </a:endParaRPr>
           </a:p>
         </p:txBody>
       </p:sp>
@@ -11276,8 +11321,8 @@
         </p:nvSpPr>
         <p:spPr>
           <a:xfrm>
-            <a:off x="7315202" y="4416550"/>
-            <a:ext cx="1828800" cy="731400"/>
+            <a:off x="7315202" y="4229100"/>
+            <a:ext cx="1828800" cy="914400"/>
           </a:xfrm>
           <a:prstGeom prst="rect">
             <a:avLst/>
@@ -11299,10 +11344,18 @@
               <a:buNone/>
             </a:pPr>
             <a:fld id="{00000000-1234-1234-1234-123412341234}" type="slidenum">
-              <a:rPr lang="en"/>
+              <a:rPr lang="en">
+                <a:solidFill>
+                  <a:schemeClr val="dk2"/>
+                </a:solidFill>
+              </a:rPr>
               <a:t>‹#›</a:t>
             </a:fld>
-            <a:endParaRPr/>
+            <a:endParaRPr>
+              <a:solidFill>
+                <a:schemeClr val="dk2"/>
+              </a:solidFill>
+            </a:endParaRPr>
           </a:p>
           <a:p>
             <a:pPr indent="0" lvl="0" marL="0" rtl="0" algn="r">
@@ -11321,7 +11374,7 @@
                 </a:solidFill>
                 <a:hlinkClick r:id="rId3"/>
               </a:rPr>
-              <a:t>https://profriehle.com</a:t>
+              <a:t>uni1.de/amos</a:t>
             </a:r>
             <a:r>
               <a:rPr b="0" lang="en" sz="900">
@@ -11331,7 +11384,11 @@
               </a:rPr>
               <a:t> </a:t>
             </a:r>
-            <a:endParaRPr/>
+            <a:endParaRPr b="0" sz="900">
+              <a:solidFill>
+                <a:schemeClr val="dk2"/>
+              </a:solidFill>
+            </a:endParaRPr>
           </a:p>
         </p:txBody>
       </p:sp>
@@ -11510,8 +11567,8 @@
         </p:nvSpPr>
         <p:spPr>
           <a:xfrm>
-            <a:off x="7315202" y="4416550"/>
-            <a:ext cx="1828800" cy="731400"/>
+            <a:off x="7315202" y="4229100"/>
+            <a:ext cx="1828800" cy="914400"/>
           </a:xfrm>
           <a:prstGeom prst="rect">
             <a:avLst/>
@@ -11533,10 +11590,18 @@
               <a:buNone/>
             </a:pPr>
             <a:fld id="{00000000-1234-1234-1234-123412341234}" type="slidenum">
-              <a:rPr lang="en"/>
+              <a:rPr lang="en">
+                <a:solidFill>
+                  <a:schemeClr val="dk2"/>
+                </a:solidFill>
+              </a:rPr>
               <a:t>‹#›</a:t>
             </a:fld>
-            <a:endParaRPr/>
+            <a:endParaRPr>
+              <a:solidFill>
+                <a:schemeClr val="dk2"/>
+              </a:solidFill>
+            </a:endParaRPr>
           </a:p>
           <a:p>
             <a:pPr indent="0" lvl="0" marL="0" rtl="0" algn="r">
@@ -11555,7 +11620,7 @@
                 </a:solidFill>
                 <a:hlinkClick r:id="rId3"/>
               </a:rPr>
-              <a:t>https://profriehle.com</a:t>
+              <a:t>uni1.de/amos</a:t>
             </a:r>
             <a:r>
               <a:rPr b="0" lang="en" sz="900">
@@ -11565,7 +11630,11 @@
               </a:rPr>
               <a:t> </a:t>
             </a:r>
-            <a:endParaRPr/>
+            <a:endParaRPr b="0" sz="900">
+              <a:solidFill>
+                <a:schemeClr val="dk2"/>
+              </a:solidFill>
+            </a:endParaRPr>
           </a:p>
         </p:txBody>
       </p:sp>
@@ -11738,8 +11807,8 @@
         </p:nvSpPr>
         <p:spPr>
           <a:xfrm>
-            <a:off x="7315202" y="4416550"/>
-            <a:ext cx="1828800" cy="731400"/>
+            <a:off x="7315202" y="4229100"/>
+            <a:ext cx="1828800" cy="914400"/>
           </a:xfrm>
           <a:prstGeom prst="rect">
             <a:avLst/>
@@ -11761,10 +11830,18 @@
               <a:buNone/>
             </a:pPr>
             <a:fld id="{00000000-1234-1234-1234-123412341234}" type="slidenum">
-              <a:rPr lang="en"/>
+              <a:rPr lang="en">
+                <a:solidFill>
+                  <a:schemeClr val="dk2"/>
+                </a:solidFill>
+              </a:rPr>
               <a:t>‹#›</a:t>
             </a:fld>
-            <a:endParaRPr/>
+            <a:endParaRPr>
+              <a:solidFill>
+                <a:schemeClr val="dk2"/>
+              </a:solidFill>
+            </a:endParaRPr>
           </a:p>
           <a:p>
             <a:pPr indent="0" lvl="0" marL="0" rtl="0" algn="r">
@@ -11783,7 +11860,7 @@
                 </a:solidFill>
                 <a:hlinkClick r:id="rId3"/>
               </a:rPr>
-              <a:t>https://profriehle.com</a:t>
+              <a:t>uni1.de/amos</a:t>
             </a:r>
             <a:r>
               <a:rPr b="0" lang="en" sz="900">
@@ -11793,7 +11870,11 @@
               </a:rPr>
               <a:t> </a:t>
             </a:r>
-            <a:endParaRPr/>
+            <a:endParaRPr b="0" sz="900">
+              <a:solidFill>
+                <a:schemeClr val="dk2"/>
+              </a:solidFill>
+            </a:endParaRPr>
           </a:p>
         </p:txBody>
       </p:sp>
@@ -11940,8 +12021,8 @@
         </p:nvSpPr>
         <p:spPr>
           <a:xfrm>
-            <a:off x="7315202" y="4416550"/>
-            <a:ext cx="1828800" cy="731400"/>
+            <a:off x="7315202" y="4229100"/>
+            <a:ext cx="1828800" cy="914400"/>
           </a:xfrm>
           <a:prstGeom prst="rect">
             <a:avLst/>
@@ -11963,10 +12044,18 @@
               <a:buNone/>
             </a:pPr>
             <a:fld id="{00000000-1234-1234-1234-123412341234}" type="slidenum">
-              <a:rPr lang="en"/>
+              <a:rPr lang="en">
+                <a:solidFill>
+                  <a:schemeClr val="dk2"/>
+                </a:solidFill>
+              </a:rPr>
               <a:t>‹#›</a:t>
             </a:fld>
-            <a:endParaRPr/>
+            <a:endParaRPr>
+              <a:solidFill>
+                <a:schemeClr val="dk2"/>
+              </a:solidFill>
+            </a:endParaRPr>
           </a:p>
           <a:p>
             <a:pPr indent="0" lvl="0" marL="0" rtl="0" algn="r">
@@ -11985,7 +12074,7 @@
                 </a:solidFill>
                 <a:hlinkClick r:id="rId3"/>
               </a:rPr>
-              <a:t>https://profriehle.com</a:t>
+              <a:t>uni1.de/amos</a:t>
             </a:r>
             <a:r>
               <a:rPr b="0" lang="en" sz="900">
@@ -11995,7 +12084,11 @@
               </a:rPr>
               <a:t> </a:t>
             </a:r>
-            <a:endParaRPr/>
+            <a:endParaRPr b="0" sz="900">
+              <a:solidFill>
+                <a:schemeClr val="dk2"/>
+              </a:solidFill>
+            </a:endParaRPr>
           </a:p>
         </p:txBody>
       </p:sp>
@@ -12375,8 +12468,8 @@
         </p:nvSpPr>
         <p:spPr>
           <a:xfrm>
-            <a:off x="7315202" y="4416550"/>
-            <a:ext cx="1828800" cy="731400"/>
+            <a:off x="7315202" y="4229100"/>
+            <a:ext cx="1828800" cy="914400"/>
           </a:xfrm>
           <a:prstGeom prst="rect">
             <a:avLst/>
@@ -12398,10 +12491,18 @@
               <a:buNone/>
             </a:pPr>
             <a:fld id="{00000000-1234-1234-1234-123412341234}" type="slidenum">
-              <a:rPr lang="en"/>
+              <a:rPr lang="en">
+                <a:solidFill>
+                  <a:schemeClr val="dk2"/>
+                </a:solidFill>
+              </a:rPr>
               <a:t>‹#›</a:t>
             </a:fld>
-            <a:endParaRPr/>
+            <a:endParaRPr>
+              <a:solidFill>
+                <a:schemeClr val="dk2"/>
+              </a:solidFill>
+            </a:endParaRPr>
           </a:p>
           <a:p>
             <a:pPr indent="0" lvl="0" marL="0" rtl="0" algn="r">
@@ -12420,7 +12521,7 @@
                 </a:solidFill>
                 <a:hlinkClick r:id="rId3"/>
               </a:rPr>
-              <a:t>https://profriehle.com</a:t>
+              <a:t>uni1.de/amos</a:t>
             </a:r>
             <a:r>
               <a:rPr b="0" lang="en" sz="900">
@@ -12430,7 +12531,11 @@
               </a:rPr>
               <a:t> </a:t>
             </a:r>
-            <a:endParaRPr/>
+            <a:endParaRPr b="0" sz="900">
+              <a:solidFill>
+                <a:schemeClr val="dk2"/>
+              </a:solidFill>
+            </a:endParaRPr>
           </a:p>
         </p:txBody>
       </p:sp>
@@ -12625,8 +12730,8 @@
         </p:nvSpPr>
         <p:spPr>
           <a:xfrm>
-            <a:off x="7315202" y="4416550"/>
-            <a:ext cx="1828800" cy="731400"/>
+            <a:off x="7315202" y="4229100"/>
+            <a:ext cx="1828800" cy="914400"/>
           </a:xfrm>
           <a:prstGeom prst="rect">
             <a:avLst/>
@@ -12648,10 +12753,18 @@
               <a:buNone/>
             </a:pPr>
             <a:fld id="{00000000-1234-1234-1234-123412341234}" type="slidenum">
-              <a:rPr lang="en"/>
+              <a:rPr lang="en">
+                <a:solidFill>
+                  <a:schemeClr val="dk2"/>
+                </a:solidFill>
+              </a:rPr>
               <a:t>‹#›</a:t>
             </a:fld>
-            <a:endParaRPr/>
+            <a:endParaRPr>
+              <a:solidFill>
+                <a:schemeClr val="dk2"/>
+              </a:solidFill>
+            </a:endParaRPr>
           </a:p>
           <a:p>
             <a:pPr indent="0" lvl="0" marL="0" rtl="0" algn="r">
@@ -12670,7 +12783,7 @@
                 </a:solidFill>
                 <a:hlinkClick r:id="rId4"/>
               </a:rPr>
-              <a:t>https://profriehle.com</a:t>
+              <a:t>uni1.de/amos</a:t>
             </a:r>
             <a:r>
               <a:rPr b="0" lang="en" sz="900">
@@ -12680,7 +12793,11 @@
               </a:rPr>
               <a:t> </a:t>
             </a:r>
-            <a:endParaRPr/>
+            <a:endParaRPr b="0" sz="900">
+              <a:solidFill>
+                <a:schemeClr val="dk2"/>
+              </a:solidFill>
+            </a:endParaRPr>
           </a:p>
         </p:txBody>
       </p:sp>
@@ -12759,8 +12876,8 @@
         </p:nvSpPr>
         <p:spPr>
           <a:xfrm>
-            <a:off x="7315202" y="4416550"/>
-            <a:ext cx="1828800" cy="731400"/>
+            <a:off x="7315202" y="4229100"/>
+            <a:ext cx="1828800" cy="914400"/>
           </a:xfrm>
           <a:prstGeom prst="rect">
             <a:avLst/>
@@ -12782,10 +12899,18 @@
               <a:buNone/>
             </a:pPr>
             <a:fld id="{00000000-1234-1234-1234-123412341234}" type="slidenum">
-              <a:rPr lang="en"/>
+              <a:rPr lang="en">
+                <a:solidFill>
+                  <a:schemeClr val="dk2"/>
+                </a:solidFill>
+              </a:rPr>
               <a:t>‹#›</a:t>
             </a:fld>
-            <a:endParaRPr/>
+            <a:endParaRPr>
+              <a:solidFill>
+                <a:schemeClr val="dk2"/>
+              </a:solidFill>
+            </a:endParaRPr>
           </a:p>
           <a:p>
             <a:pPr indent="0" lvl="0" marL="0" rtl="0" algn="r">
@@ -12804,7 +12929,7 @@
                 </a:solidFill>
                 <a:hlinkClick r:id="rId3"/>
               </a:rPr>
-              <a:t>https://profriehle.com</a:t>
+              <a:t>uni1.de/amos</a:t>
             </a:r>
             <a:r>
               <a:rPr b="0" lang="en" sz="900">
@@ -12814,7 +12939,11 @@
               </a:rPr>
               <a:t> </a:t>
             </a:r>
-            <a:endParaRPr/>
+            <a:endParaRPr b="0" sz="900">
+              <a:solidFill>
+                <a:schemeClr val="dk2"/>
+              </a:solidFill>
+            </a:endParaRPr>
           </a:p>
         </p:txBody>
       </p:sp>
@@ -12833,7 +12962,7 @@
             <a:tbl>
               <a:tblPr>
                 <a:noFill/>
-                <a:tableStyleId>{657DC861-C4D5-4461-B940-F122E4C42B2A}</a:tableStyleId>
+                <a:tableStyleId>{1A4DC5B7-B1AB-4027-9470-3E28C49D78AC}</a:tableStyleId>
               </a:tblPr>
               <a:tblGrid>
                 <a:gridCol w="524750"/>
@@ -15791,8 +15920,8 @@
         </p:nvSpPr>
         <p:spPr>
           <a:xfrm>
-            <a:off x="7315202" y="4416550"/>
-            <a:ext cx="1828800" cy="731400"/>
+            <a:off x="7315202" y="4229100"/>
+            <a:ext cx="1828800" cy="914400"/>
           </a:xfrm>
           <a:prstGeom prst="rect">
             <a:avLst/>
@@ -15814,10 +15943,18 @@
               <a:buNone/>
             </a:pPr>
             <a:fld id="{00000000-1234-1234-1234-123412341234}" type="slidenum">
-              <a:rPr lang="en"/>
+              <a:rPr lang="en">
+                <a:solidFill>
+                  <a:schemeClr val="dk2"/>
+                </a:solidFill>
+              </a:rPr>
               <a:t>‹#›</a:t>
             </a:fld>
-            <a:endParaRPr/>
+            <a:endParaRPr>
+              <a:solidFill>
+                <a:schemeClr val="dk2"/>
+              </a:solidFill>
+            </a:endParaRPr>
           </a:p>
           <a:p>
             <a:pPr indent="0" lvl="0" marL="0" rtl="0" algn="r">
@@ -15836,7 +15973,7 @@
                 </a:solidFill>
                 <a:hlinkClick r:id="rId3"/>
               </a:rPr>
-              <a:t>https://profriehle.com</a:t>
+              <a:t>uni1.de/amos</a:t>
             </a:r>
             <a:r>
               <a:rPr b="0" lang="en" sz="900">
@@ -15846,7 +15983,11 @@
               </a:rPr>
               <a:t> </a:t>
             </a:r>
-            <a:endParaRPr/>
+            <a:endParaRPr b="0" sz="900">
+              <a:solidFill>
+                <a:schemeClr val="dk2"/>
+              </a:solidFill>
+            </a:endParaRPr>
           </a:p>
         </p:txBody>
       </p:sp>
@@ -15993,8 +16134,8 @@
         </p:nvSpPr>
         <p:spPr>
           <a:xfrm>
-            <a:off x="7315202" y="4416550"/>
-            <a:ext cx="1828800" cy="731400"/>
+            <a:off x="7315202" y="4229100"/>
+            <a:ext cx="1828800" cy="914400"/>
           </a:xfrm>
           <a:prstGeom prst="rect">
             <a:avLst/>
@@ -16016,10 +16157,18 @@
               <a:buNone/>
             </a:pPr>
             <a:fld id="{00000000-1234-1234-1234-123412341234}" type="slidenum">
-              <a:rPr lang="en"/>
+              <a:rPr lang="en">
+                <a:solidFill>
+                  <a:schemeClr val="dk2"/>
+                </a:solidFill>
+              </a:rPr>
               <a:t>‹#›</a:t>
             </a:fld>
-            <a:endParaRPr/>
+            <a:endParaRPr>
+              <a:solidFill>
+                <a:schemeClr val="dk2"/>
+              </a:solidFill>
+            </a:endParaRPr>
           </a:p>
           <a:p>
             <a:pPr indent="0" lvl="0" marL="0" rtl="0" algn="r">
@@ -16038,7 +16187,7 @@
                 </a:solidFill>
                 <a:hlinkClick r:id="rId3"/>
               </a:rPr>
-              <a:t>https://profriehle.com</a:t>
+              <a:t>uni1.de/amos</a:t>
             </a:r>
             <a:r>
               <a:rPr b="0" lang="en" sz="900">
@@ -16048,7 +16197,11 @@
               </a:rPr>
               <a:t> </a:t>
             </a:r>
-            <a:endParaRPr/>
+            <a:endParaRPr b="0" sz="900">
+              <a:solidFill>
+                <a:schemeClr val="dk2"/>
+              </a:solidFill>
+            </a:endParaRPr>
           </a:p>
         </p:txBody>
       </p:sp>
@@ -16187,8 +16340,8 @@
         </p:nvSpPr>
         <p:spPr>
           <a:xfrm>
-            <a:off x="7315202" y="4416550"/>
-            <a:ext cx="1828800" cy="731400"/>
+            <a:off x="7315202" y="4229100"/>
+            <a:ext cx="1828800" cy="914400"/>
           </a:xfrm>
           <a:prstGeom prst="rect">
             <a:avLst/>
@@ -16210,10 +16363,18 @@
               <a:buNone/>
             </a:pPr>
             <a:fld id="{00000000-1234-1234-1234-123412341234}" type="slidenum">
-              <a:rPr lang="en"/>
+              <a:rPr lang="en">
+                <a:solidFill>
+                  <a:schemeClr val="dk2"/>
+                </a:solidFill>
+              </a:rPr>
               <a:t>‹#›</a:t>
             </a:fld>
-            <a:endParaRPr/>
+            <a:endParaRPr>
+              <a:solidFill>
+                <a:schemeClr val="dk2"/>
+              </a:solidFill>
+            </a:endParaRPr>
           </a:p>
           <a:p>
             <a:pPr indent="0" lvl="0" marL="0" rtl="0" algn="r">
@@ -16232,7 +16393,7 @@
                 </a:solidFill>
                 <a:hlinkClick r:id="rId3"/>
               </a:rPr>
-              <a:t>https://profriehle.com</a:t>
+              <a:t>uni1.de/amos</a:t>
             </a:r>
             <a:r>
               <a:rPr b="0" lang="en" sz="900">
@@ -16242,7 +16403,11 @@
               </a:rPr>
               <a:t> </a:t>
             </a:r>
-            <a:endParaRPr/>
+            <a:endParaRPr b="0" sz="900">
+              <a:solidFill>
+                <a:schemeClr val="dk2"/>
+              </a:solidFill>
+            </a:endParaRPr>
           </a:p>
         </p:txBody>
       </p:sp>
@@ -16377,8 +16542,8 @@
         </p:nvSpPr>
         <p:spPr>
           <a:xfrm>
-            <a:off x="7315202" y="4416550"/>
-            <a:ext cx="1828800" cy="731400"/>
+            <a:off x="7315202" y="4229100"/>
+            <a:ext cx="1828800" cy="914400"/>
           </a:xfrm>
           <a:prstGeom prst="rect">
             <a:avLst/>
@@ -16400,10 +16565,18 @@
               <a:buNone/>
             </a:pPr>
             <a:fld id="{00000000-1234-1234-1234-123412341234}" type="slidenum">
-              <a:rPr lang="en"/>
+              <a:rPr lang="en">
+                <a:solidFill>
+                  <a:schemeClr val="dk2"/>
+                </a:solidFill>
+              </a:rPr>
               <a:t>‹#›</a:t>
             </a:fld>
-            <a:endParaRPr/>
+            <a:endParaRPr>
+              <a:solidFill>
+                <a:schemeClr val="dk2"/>
+              </a:solidFill>
+            </a:endParaRPr>
           </a:p>
           <a:p>
             <a:pPr indent="0" lvl="0" marL="0" rtl="0" algn="r">
@@ -16422,7 +16595,7 @@
                 </a:solidFill>
                 <a:hlinkClick r:id="rId3"/>
               </a:rPr>
-              <a:t>https://profriehle.com</a:t>
+              <a:t>uni1.de/amos</a:t>
             </a:r>
             <a:r>
               <a:rPr b="0" lang="en" sz="900">
@@ -16432,7 +16605,11 @@
               </a:rPr>
               <a:t> </a:t>
             </a:r>
-            <a:endParaRPr/>
+            <a:endParaRPr b="0" sz="900">
+              <a:solidFill>
+                <a:schemeClr val="dk2"/>
+              </a:solidFill>
+            </a:endParaRPr>
           </a:p>
         </p:txBody>
       </p:sp>
@@ -16588,8 +16765,8 @@
         </p:nvSpPr>
         <p:spPr>
           <a:xfrm>
-            <a:off x="7315202" y="4416550"/>
-            <a:ext cx="1828800" cy="731400"/>
+            <a:off x="7315202" y="4229100"/>
+            <a:ext cx="1828800" cy="914400"/>
           </a:xfrm>
           <a:prstGeom prst="rect">
             <a:avLst/>
@@ -16611,10 +16788,18 @@
               <a:buNone/>
             </a:pPr>
             <a:fld id="{00000000-1234-1234-1234-123412341234}" type="slidenum">
-              <a:rPr lang="en"/>
+              <a:rPr lang="en">
+                <a:solidFill>
+                  <a:schemeClr val="dk2"/>
+                </a:solidFill>
+              </a:rPr>
               <a:t>‹#›</a:t>
             </a:fld>
-            <a:endParaRPr/>
+            <a:endParaRPr>
+              <a:solidFill>
+                <a:schemeClr val="dk2"/>
+              </a:solidFill>
+            </a:endParaRPr>
           </a:p>
           <a:p>
             <a:pPr indent="0" lvl="0" marL="0" rtl="0" algn="r">
@@ -16633,7 +16818,7 @@
                 </a:solidFill>
                 <a:hlinkClick r:id="rId3"/>
               </a:rPr>
-              <a:t>https://profriehle.com</a:t>
+              <a:t>uni1.de/amos</a:t>
             </a:r>
             <a:r>
               <a:rPr b="0" lang="en" sz="900">
@@ -16643,7 +16828,11 @@
               </a:rPr>
               <a:t> </a:t>
             </a:r>
-            <a:endParaRPr/>
+            <a:endParaRPr b="0" sz="900">
+              <a:solidFill>
+                <a:schemeClr val="dk2"/>
+              </a:solidFill>
+            </a:endParaRPr>
           </a:p>
         </p:txBody>
       </p:sp>
@@ -16762,8 +16951,8 @@
         </p:nvSpPr>
         <p:spPr>
           <a:xfrm>
-            <a:off x="7315202" y="4416550"/>
-            <a:ext cx="1828800" cy="731400"/>
+            <a:off x="7315202" y="4229100"/>
+            <a:ext cx="1828800" cy="914400"/>
           </a:xfrm>
           <a:prstGeom prst="rect">
             <a:avLst/>
@@ -16785,10 +16974,18 @@
               <a:buNone/>
             </a:pPr>
             <a:fld id="{00000000-1234-1234-1234-123412341234}" type="slidenum">
-              <a:rPr lang="en"/>
+              <a:rPr lang="en">
+                <a:solidFill>
+                  <a:schemeClr val="dk2"/>
+                </a:solidFill>
+              </a:rPr>
               <a:t>‹#›</a:t>
             </a:fld>
-            <a:endParaRPr/>
+            <a:endParaRPr>
+              <a:solidFill>
+                <a:schemeClr val="dk2"/>
+              </a:solidFill>
+            </a:endParaRPr>
           </a:p>
           <a:p>
             <a:pPr indent="0" lvl="0" marL="0" rtl="0" algn="r">
@@ -16807,7 +17004,7 @@
                 </a:solidFill>
                 <a:hlinkClick r:id="rId3"/>
               </a:rPr>
-              <a:t>https://profriehle.com</a:t>
+              <a:t>uni1.de/amos</a:t>
             </a:r>
             <a:r>
               <a:rPr b="0" lang="en" sz="900">
@@ -16817,7 +17014,11 @@
               </a:rPr>
               <a:t> </a:t>
             </a:r>
-            <a:endParaRPr/>
+            <a:endParaRPr b="0" sz="900">
+              <a:solidFill>
+                <a:schemeClr val="dk2"/>
+              </a:solidFill>
+            </a:endParaRPr>
           </a:p>
         </p:txBody>
       </p:sp>
@@ -16896,8 +17097,8 @@
         </p:nvSpPr>
         <p:spPr>
           <a:xfrm>
-            <a:off x="7315202" y="4416550"/>
-            <a:ext cx="1828800" cy="731400"/>
+            <a:off x="7315202" y="4229100"/>
+            <a:ext cx="1828800" cy="914400"/>
           </a:xfrm>
           <a:prstGeom prst="rect">
             <a:avLst/>
@@ -16919,10 +17120,18 @@
               <a:buNone/>
             </a:pPr>
             <a:fld id="{00000000-1234-1234-1234-123412341234}" type="slidenum">
-              <a:rPr lang="en"/>
+              <a:rPr lang="en">
+                <a:solidFill>
+                  <a:schemeClr val="dk2"/>
+                </a:solidFill>
+              </a:rPr>
               <a:t>‹#›</a:t>
             </a:fld>
-            <a:endParaRPr/>
+            <a:endParaRPr>
+              <a:solidFill>
+                <a:schemeClr val="dk2"/>
+              </a:solidFill>
+            </a:endParaRPr>
           </a:p>
           <a:p>
             <a:pPr indent="0" lvl="0" marL="0" rtl="0" algn="r">
@@ -16941,7 +17150,7 @@
                 </a:solidFill>
                 <a:hlinkClick r:id="rId3"/>
               </a:rPr>
-              <a:t>https://profriehle.com</a:t>
+              <a:t>uni1.de/amos</a:t>
             </a:r>
             <a:r>
               <a:rPr b="0" lang="en" sz="900">
@@ -16951,7 +17160,11 @@
               </a:rPr>
               <a:t> </a:t>
             </a:r>
-            <a:endParaRPr/>
+            <a:endParaRPr b="0" sz="900">
+              <a:solidFill>
+                <a:schemeClr val="dk2"/>
+              </a:solidFill>
+            </a:endParaRPr>
           </a:p>
         </p:txBody>
       </p:sp>
@@ -16970,7 +17183,7 @@
             <a:tbl>
               <a:tblPr>
                 <a:noFill/>
-                <a:tableStyleId>{610C1F80-E532-47D2-B521-942A5BCCF677}</a:tableStyleId>
+                <a:tableStyleId>{65856C1E-EC9C-408A-AEAC-82FDD53BBB62}</a:tableStyleId>
               </a:tblPr>
               <a:tblGrid>
                 <a:gridCol w="2148850"/>
@@ -19055,8 +19268,8 @@
         </p:nvSpPr>
         <p:spPr>
           <a:xfrm>
-            <a:off x="7315202" y="4416550"/>
-            <a:ext cx="1828800" cy="731400"/>
+            <a:off x="7315202" y="4229100"/>
+            <a:ext cx="1828800" cy="914400"/>
           </a:xfrm>
           <a:prstGeom prst="rect">
             <a:avLst/>
@@ -19078,10 +19291,18 @@
               <a:buNone/>
             </a:pPr>
             <a:fld id="{00000000-1234-1234-1234-123412341234}" type="slidenum">
-              <a:rPr lang="en"/>
+              <a:rPr lang="en">
+                <a:solidFill>
+                  <a:schemeClr val="dk2"/>
+                </a:solidFill>
+              </a:rPr>
               <a:t>‹#›</a:t>
             </a:fld>
-            <a:endParaRPr/>
+            <a:endParaRPr>
+              <a:solidFill>
+                <a:schemeClr val="dk2"/>
+              </a:solidFill>
+            </a:endParaRPr>
           </a:p>
           <a:p>
             <a:pPr indent="0" lvl="0" marL="0" rtl="0" algn="r">
@@ -19100,7 +19321,7 @@
                 </a:solidFill>
                 <a:hlinkClick r:id="rId3"/>
               </a:rPr>
-              <a:t>https://profriehle.com</a:t>
+              <a:t>uni1.de/amos</a:t>
             </a:r>
             <a:r>
               <a:rPr b="0" lang="en" sz="900">
@@ -19110,7 +19331,11 @@
               </a:rPr>
               <a:t> </a:t>
             </a:r>
-            <a:endParaRPr/>
+            <a:endParaRPr b="0" sz="900">
+              <a:solidFill>
+                <a:schemeClr val="dk2"/>
+              </a:solidFill>
+            </a:endParaRPr>
           </a:p>
         </p:txBody>
       </p:sp>
@@ -19189,8 +19414,8 @@
         </p:nvSpPr>
         <p:spPr>
           <a:xfrm>
-            <a:off x="7315202" y="4416550"/>
-            <a:ext cx="1828800" cy="731400"/>
+            <a:off x="7315202" y="4229100"/>
+            <a:ext cx="1828800" cy="914400"/>
           </a:xfrm>
           <a:prstGeom prst="rect">
             <a:avLst/>
@@ -19212,10 +19437,18 @@
               <a:buNone/>
             </a:pPr>
             <a:fld id="{00000000-1234-1234-1234-123412341234}" type="slidenum">
-              <a:rPr lang="en"/>
+              <a:rPr lang="en">
+                <a:solidFill>
+                  <a:schemeClr val="dk2"/>
+                </a:solidFill>
+              </a:rPr>
               <a:t>‹#›</a:t>
             </a:fld>
-            <a:endParaRPr/>
+            <a:endParaRPr>
+              <a:solidFill>
+                <a:schemeClr val="dk2"/>
+              </a:solidFill>
+            </a:endParaRPr>
           </a:p>
           <a:p>
             <a:pPr indent="0" lvl="0" marL="0" rtl="0" algn="r">
@@ -19234,7 +19467,7 @@
                 </a:solidFill>
                 <a:hlinkClick r:id="rId3"/>
               </a:rPr>
-              <a:t>https://profriehle.com</a:t>
+              <a:t>uni1.de/amos</a:t>
             </a:r>
             <a:r>
               <a:rPr b="0" lang="en" sz="900">
@@ -19244,7 +19477,11 @@
               </a:rPr>
               <a:t> </a:t>
             </a:r>
-            <a:endParaRPr/>
+            <a:endParaRPr b="0" sz="900">
+              <a:solidFill>
+                <a:schemeClr val="dk2"/>
+              </a:solidFill>
+            </a:endParaRPr>
           </a:p>
         </p:txBody>
       </p:sp>
@@ -19594,8 +19831,8 @@
         </p:nvSpPr>
         <p:spPr>
           <a:xfrm>
-            <a:off x="7315202" y="4416550"/>
-            <a:ext cx="1828800" cy="731400"/>
+            <a:off x="7315202" y="4229100"/>
+            <a:ext cx="1828800" cy="914400"/>
           </a:xfrm>
           <a:prstGeom prst="rect">
             <a:avLst/>
@@ -19617,10 +19854,18 @@
               <a:buNone/>
             </a:pPr>
             <a:fld id="{00000000-1234-1234-1234-123412341234}" type="slidenum">
-              <a:rPr lang="en"/>
+              <a:rPr lang="en">
+                <a:solidFill>
+                  <a:schemeClr val="dk2"/>
+                </a:solidFill>
+              </a:rPr>
               <a:t>‹#›</a:t>
             </a:fld>
-            <a:endParaRPr/>
+            <a:endParaRPr>
+              <a:solidFill>
+                <a:schemeClr val="dk2"/>
+              </a:solidFill>
+            </a:endParaRPr>
           </a:p>
           <a:p>
             <a:pPr indent="0" lvl="0" marL="0" rtl="0" algn="r">
@@ -19639,7 +19884,7 @@
                 </a:solidFill>
                 <a:hlinkClick r:id="rId3"/>
               </a:rPr>
-              <a:t>https://profriehle.com</a:t>
+              <a:t>uni1.de/amos</a:t>
             </a:r>
             <a:r>
               <a:rPr b="0" lang="en" sz="900">
@@ -19649,7 +19894,11 @@
               </a:rPr>
               <a:t> </a:t>
             </a:r>
-            <a:endParaRPr/>
+            <a:endParaRPr b="0" sz="900">
+              <a:solidFill>
+                <a:schemeClr val="dk2"/>
+              </a:solidFill>
+            </a:endParaRPr>
           </a:p>
         </p:txBody>
       </p:sp>
@@ -19728,8 +19977,8 @@
         </p:nvSpPr>
         <p:spPr>
           <a:xfrm>
-            <a:off x="7315202" y="4416550"/>
-            <a:ext cx="1828800" cy="731400"/>
+            <a:off x="7315202" y="4229100"/>
+            <a:ext cx="1828800" cy="914400"/>
           </a:xfrm>
           <a:prstGeom prst="rect">
             <a:avLst/>
@@ -19751,10 +20000,18 @@
               <a:buNone/>
             </a:pPr>
             <a:fld id="{00000000-1234-1234-1234-123412341234}" type="slidenum">
-              <a:rPr lang="en"/>
+              <a:rPr lang="en">
+                <a:solidFill>
+                  <a:schemeClr val="dk2"/>
+                </a:solidFill>
+              </a:rPr>
               <a:t>‹#›</a:t>
             </a:fld>
-            <a:endParaRPr/>
+            <a:endParaRPr>
+              <a:solidFill>
+                <a:schemeClr val="dk2"/>
+              </a:solidFill>
+            </a:endParaRPr>
           </a:p>
           <a:p>
             <a:pPr indent="0" lvl="0" marL="0" rtl="0" algn="r">
@@ -19773,7 +20030,7 @@
                 </a:solidFill>
                 <a:hlinkClick r:id="rId3"/>
               </a:rPr>
-              <a:t>https://profriehle.com</a:t>
+              <a:t>uni1.de/amos</a:t>
             </a:r>
             <a:r>
               <a:rPr b="0" lang="en" sz="900">
@@ -19783,7 +20040,11 @@
               </a:rPr>
               <a:t> </a:t>
             </a:r>
-            <a:endParaRPr/>
+            <a:endParaRPr b="0" sz="900">
+              <a:solidFill>
+                <a:schemeClr val="dk2"/>
+              </a:solidFill>
+            </a:endParaRPr>
           </a:p>
         </p:txBody>
       </p:sp>
@@ -20156,8 +20417,8 @@
         </p:nvSpPr>
         <p:spPr>
           <a:xfrm>
-            <a:off x="7315202" y="4416550"/>
-            <a:ext cx="1828800" cy="731400"/>
+            <a:off x="7315202" y="4229100"/>
+            <a:ext cx="1828800" cy="914400"/>
           </a:xfrm>
           <a:prstGeom prst="rect">
             <a:avLst/>
@@ -20179,10 +20440,18 @@
               <a:buNone/>
             </a:pPr>
             <a:fld id="{00000000-1234-1234-1234-123412341234}" type="slidenum">
-              <a:rPr lang="en"/>
+              <a:rPr lang="en">
+                <a:solidFill>
+                  <a:schemeClr val="dk2"/>
+                </a:solidFill>
+              </a:rPr>
               <a:t>‹#›</a:t>
             </a:fld>
-            <a:endParaRPr/>
+            <a:endParaRPr>
+              <a:solidFill>
+                <a:schemeClr val="dk2"/>
+              </a:solidFill>
+            </a:endParaRPr>
           </a:p>
           <a:p>
             <a:pPr indent="0" lvl="0" marL="0" rtl="0" algn="r">
@@ -20201,7 +20470,7 @@
                 </a:solidFill>
                 <a:hlinkClick r:id="rId3"/>
               </a:rPr>
-              <a:t>https://profriehle.com</a:t>
+              <a:t>uni1.de/amos</a:t>
             </a:r>
             <a:r>
               <a:rPr b="0" lang="en" sz="900">
@@ -20211,7 +20480,11 @@
               </a:rPr>
               <a:t> </a:t>
             </a:r>
-            <a:endParaRPr/>
+            <a:endParaRPr b="0" sz="900">
+              <a:solidFill>
+                <a:schemeClr val="dk2"/>
+              </a:solidFill>
+            </a:endParaRPr>
           </a:p>
         </p:txBody>
       </p:sp>
@@ -20491,8 +20764,8 @@
         </p:nvSpPr>
         <p:spPr>
           <a:xfrm>
-            <a:off x="7315202" y="4416550"/>
-            <a:ext cx="1828800" cy="731400"/>
+            <a:off x="7315202" y="4229100"/>
+            <a:ext cx="1828800" cy="914400"/>
           </a:xfrm>
           <a:prstGeom prst="rect">
             <a:avLst/>
@@ -20514,10 +20787,18 @@
               <a:buNone/>
             </a:pPr>
             <a:fld id="{00000000-1234-1234-1234-123412341234}" type="slidenum">
-              <a:rPr lang="en"/>
+              <a:rPr lang="en">
+                <a:solidFill>
+                  <a:schemeClr val="dk2"/>
+                </a:solidFill>
+              </a:rPr>
               <a:t>‹#›</a:t>
             </a:fld>
-            <a:endParaRPr/>
+            <a:endParaRPr>
+              <a:solidFill>
+                <a:schemeClr val="dk2"/>
+              </a:solidFill>
+            </a:endParaRPr>
           </a:p>
           <a:p>
             <a:pPr indent="0" lvl="0" marL="0" rtl="0" algn="r">
@@ -20536,7 +20817,7 @@
                 </a:solidFill>
                 <a:hlinkClick r:id="rId3"/>
               </a:rPr>
-              <a:t>https://profriehle.com</a:t>
+              <a:t>uni1.de/amos</a:t>
             </a:r>
             <a:r>
               <a:rPr b="0" lang="en" sz="900">
@@ -20546,7 +20827,11 @@
               </a:rPr>
               <a:t> </a:t>
             </a:r>
-            <a:endParaRPr/>
+            <a:endParaRPr b="0" sz="900">
+              <a:solidFill>
+                <a:schemeClr val="dk2"/>
+              </a:solidFill>
+            </a:endParaRPr>
           </a:p>
         </p:txBody>
       </p:sp>
@@ -20766,8 +21051,8 @@
         </p:nvSpPr>
         <p:spPr>
           <a:xfrm>
-            <a:off x="7315202" y="4416550"/>
-            <a:ext cx="1828800" cy="731400"/>
+            <a:off x="7315202" y="4229100"/>
+            <a:ext cx="1828800" cy="914400"/>
           </a:xfrm>
           <a:prstGeom prst="rect">
             <a:avLst/>
@@ -20789,10 +21074,18 @@
               <a:buNone/>
             </a:pPr>
             <a:fld id="{00000000-1234-1234-1234-123412341234}" type="slidenum">
-              <a:rPr lang="en"/>
+              <a:rPr lang="en">
+                <a:solidFill>
+                  <a:schemeClr val="dk2"/>
+                </a:solidFill>
+              </a:rPr>
               <a:t>‹#›</a:t>
             </a:fld>
-            <a:endParaRPr/>
+            <a:endParaRPr>
+              <a:solidFill>
+                <a:schemeClr val="dk2"/>
+              </a:solidFill>
+            </a:endParaRPr>
           </a:p>
           <a:p>
             <a:pPr indent="0" lvl="0" marL="0" rtl="0" algn="r">
@@ -20811,7 +21104,7 @@
                 </a:solidFill>
                 <a:hlinkClick r:id="rId3"/>
               </a:rPr>
-              <a:t>https://profriehle.com</a:t>
+              <a:t>uni1.de/amos</a:t>
             </a:r>
             <a:r>
               <a:rPr b="0" lang="en" sz="900">
@@ -20821,7 +21114,11 @@
               </a:rPr>
               <a:t> </a:t>
             </a:r>
-            <a:endParaRPr/>
+            <a:endParaRPr b="0" sz="900">
+              <a:solidFill>
+                <a:schemeClr val="dk2"/>
+              </a:solidFill>
+            </a:endParaRPr>
           </a:p>
         </p:txBody>
       </p:sp>
@@ -21031,8 +21328,8 @@
         </p:nvSpPr>
         <p:spPr>
           <a:xfrm>
-            <a:off x="7315202" y="4416550"/>
-            <a:ext cx="1828800" cy="731400"/>
+            <a:off x="7315202" y="4229100"/>
+            <a:ext cx="1828800" cy="914400"/>
           </a:xfrm>
           <a:prstGeom prst="rect">
             <a:avLst/>
@@ -21054,10 +21351,18 @@
               <a:buNone/>
             </a:pPr>
             <a:fld id="{00000000-1234-1234-1234-123412341234}" type="slidenum">
-              <a:rPr lang="en"/>
+              <a:rPr lang="en">
+                <a:solidFill>
+                  <a:schemeClr val="dk2"/>
+                </a:solidFill>
+              </a:rPr>
               <a:t>‹#›</a:t>
             </a:fld>
-            <a:endParaRPr/>
+            <a:endParaRPr>
+              <a:solidFill>
+                <a:schemeClr val="dk2"/>
+              </a:solidFill>
+            </a:endParaRPr>
           </a:p>
           <a:p>
             <a:pPr indent="0" lvl="0" marL="0" rtl="0" algn="r">
@@ -21076,7 +21381,7 @@
                 </a:solidFill>
                 <a:hlinkClick r:id="rId3"/>
               </a:rPr>
-              <a:t>https://profriehle.com</a:t>
+              <a:t>uni1.de/amos</a:t>
             </a:r>
             <a:r>
               <a:rPr b="0" lang="en" sz="900">
@@ -21086,7 +21391,11 @@
               </a:rPr>
               <a:t> </a:t>
             </a:r>
-            <a:endParaRPr/>
+            <a:endParaRPr b="0" sz="900">
+              <a:solidFill>
+                <a:schemeClr val="dk2"/>
+              </a:solidFill>
+            </a:endParaRPr>
           </a:p>
         </p:txBody>
       </p:sp>
@@ -21295,8 +21604,8 @@
         </p:nvSpPr>
         <p:spPr>
           <a:xfrm>
-            <a:off x="7315202" y="4416550"/>
-            <a:ext cx="1828800" cy="731400"/>
+            <a:off x="7315202" y="4229100"/>
+            <a:ext cx="1828800" cy="914400"/>
           </a:xfrm>
           <a:prstGeom prst="rect">
             <a:avLst/>
@@ -21318,10 +21627,18 @@
               <a:buNone/>
             </a:pPr>
             <a:fld id="{00000000-1234-1234-1234-123412341234}" type="slidenum">
-              <a:rPr lang="en"/>
+              <a:rPr lang="en">
+                <a:solidFill>
+                  <a:schemeClr val="dk2"/>
+                </a:solidFill>
+              </a:rPr>
               <a:t>‹#›</a:t>
             </a:fld>
-            <a:endParaRPr/>
+            <a:endParaRPr>
+              <a:solidFill>
+                <a:schemeClr val="dk2"/>
+              </a:solidFill>
+            </a:endParaRPr>
           </a:p>
           <a:p>
             <a:pPr indent="0" lvl="0" marL="0" rtl="0" algn="r">
@@ -21340,7 +21657,7 @@
                 </a:solidFill>
                 <a:hlinkClick r:id="rId3"/>
               </a:rPr>
-              <a:t>https://profriehle.com</a:t>
+              <a:t>uni1.de/amos</a:t>
             </a:r>
             <a:r>
               <a:rPr b="0" lang="en" sz="900">
@@ -21350,7 +21667,11 @@
               </a:rPr>
               <a:t> </a:t>
             </a:r>
-            <a:endParaRPr/>
+            <a:endParaRPr b="0" sz="900">
+              <a:solidFill>
+                <a:schemeClr val="dk2"/>
+              </a:solidFill>
+            </a:endParaRPr>
           </a:p>
         </p:txBody>
       </p:sp>
@@ -21670,8 +21991,8 @@
         </p:nvSpPr>
         <p:spPr>
           <a:xfrm>
-            <a:off x="7315202" y="4416550"/>
-            <a:ext cx="1828800" cy="731400"/>
+            <a:off x="7315202" y="4229100"/>
+            <a:ext cx="1828800" cy="914400"/>
           </a:xfrm>
           <a:prstGeom prst="rect">
             <a:avLst/>
@@ -21693,10 +22014,18 @@
               <a:buNone/>
             </a:pPr>
             <a:fld id="{00000000-1234-1234-1234-123412341234}" type="slidenum">
-              <a:rPr lang="en"/>
+              <a:rPr lang="en">
+                <a:solidFill>
+                  <a:schemeClr val="dk2"/>
+                </a:solidFill>
+              </a:rPr>
               <a:t>‹#›</a:t>
             </a:fld>
-            <a:endParaRPr/>
+            <a:endParaRPr>
+              <a:solidFill>
+                <a:schemeClr val="dk2"/>
+              </a:solidFill>
+            </a:endParaRPr>
           </a:p>
           <a:p>
             <a:pPr indent="0" lvl="0" marL="0" rtl="0" algn="r">
@@ -21715,7 +22044,7 @@
                 </a:solidFill>
                 <a:hlinkClick r:id="rId4"/>
               </a:rPr>
-              <a:t>https://profriehle.com</a:t>
+              <a:t>uni1.de/amos</a:t>
             </a:r>
             <a:r>
               <a:rPr b="0" lang="en" sz="900">
@@ -21725,7 +22054,11 @@
               </a:rPr>
               <a:t> </a:t>
             </a:r>
-            <a:endParaRPr/>
+            <a:endParaRPr b="0" sz="900">
+              <a:solidFill>
+                <a:schemeClr val="dk2"/>
+              </a:solidFill>
+            </a:endParaRPr>
           </a:p>
         </p:txBody>
       </p:sp>
@@ -22095,8 +22428,8 @@
         </p:nvSpPr>
         <p:spPr>
           <a:xfrm>
-            <a:off x="7315202" y="4416550"/>
-            <a:ext cx="1828800" cy="731400"/>
+            <a:off x="7315202" y="4229100"/>
+            <a:ext cx="1828800" cy="914400"/>
           </a:xfrm>
           <a:prstGeom prst="rect">
             <a:avLst/>
@@ -22118,10 +22451,18 @@
               <a:buNone/>
             </a:pPr>
             <a:fld id="{00000000-1234-1234-1234-123412341234}" type="slidenum">
-              <a:rPr lang="en"/>
+              <a:rPr lang="en">
+                <a:solidFill>
+                  <a:schemeClr val="dk2"/>
+                </a:solidFill>
+              </a:rPr>
               <a:t>‹#›</a:t>
             </a:fld>
-            <a:endParaRPr/>
+            <a:endParaRPr>
+              <a:solidFill>
+                <a:schemeClr val="dk2"/>
+              </a:solidFill>
+            </a:endParaRPr>
           </a:p>
           <a:p>
             <a:pPr indent="0" lvl="0" marL="0" rtl="0" algn="r">
@@ -22140,7 +22481,7 @@
                 </a:solidFill>
                 <a:hlinkClick r:id="rId3"/>
               </a:rPr>
-              <a:t>https://profriehle.com</a:t>
+              <a:t>uni1.de/amos</a:t>
             </a:r>
             <a:r>
               <a:rPr b="0" lang="en" sz="900">
@@ -22150,7 +22491,11 @@
               </a:rPr>
               <a:t> </a:t>
             </a:r>
-            <a:endParaRPr/>
+            <a:endParaRPr b="0" sz="900">
+              <a:solidFill>
+                <a:schemeClr val="dk2"/>
+              </a:solidFill>
+            </a:endParaRPr>
           </a:p>
         </p:txBody>
       </p:sp>
@@ -22402,8 +22747,8 @@
         </p:nvSpPr>
         <p:spPr>
           <a:xfrm>
-            <a:off x="7315202" y="4416550"/>
-            <a:ext cx="1828800" cy="731400"/>
+            <a:off x="7315202" y="4229100"/>
+            <a:ext cx="1828800" cy="914400"/>
           </a:xfrm>
           <a:prstGeom prst="rect">
             <a:avLst/>
@@ -22425,10 +22770,18 @@
               <a:buNone/>
             </a:pPr>
             <a:fld id="{00000000-1234-1234-1234-123412341234}" type="slidenum">
-              <a:rPr lang="en"/>
+              <a:rPr lang="en">
+                <a:solidFill>
+                  <a:schemeClr val="dk2"/>
+                </a:solidFill>
+              </a:rPr>
               <a:t>‹#›</a:t>
             </a:fld>
-            <a:endParaRPr/>
+            <a:endParaRPr>
+              <a:solidFill>
+                <a:schemeClr val="dk2"/>
+              </a:solidFill>
+            </a:endParaRPr>
           </a:p>
           <a:p>
             <a:pPr indent="0" lvl="0" marL="0" rtl="0" algn="r">
@@ -22447,7 +22800,7 @@
                 </a:solidFill>
                 <a:hlinkClick r:id="rId5"/>
               </a:rPr>
-              <a:t>https://profriehle.com</a:t>
+              <a:t>uni1.de/amos</a:t>
             </a:r>
             <a:r>
               <a:rPr b="0" lang="en" sz="900">
@@ -22457,7 +22810,11 @@
               </a:rPr>
               <a:t> </a:t>
             </a:r>
-            <a:endParaRPr/>
+            <a:endParaRPr b="0" sz="900">
+              <a:solidFill>
+                <a:schemeClr val="dk2"/>
+              </a:solidFill>
+            </a:endParaRPr>
           </a:p>
         </p:txBody>
       </p:sp>
@@ -22576,8 +22933,8 @@
         </p:nvSpPr>
         <p:spPr>
           <a:xfrm>
-            <a:off x="7315202" y="4416550"/>
-            <a:ext cx="1828800" cy="731400"/>
+            <a:off x="7315202" y="4229100"/>
+            <a:ext cx="1828800" cy="914400"/>
           </a:xfrm>
           <a:prstGeom prst="rect">
             <a:avLst/>
@@ -22599,10 +22956,18 @@
               <a:buNone/>
             </a:pPr>
             <a:fld id="{00000000-1234-1234-1234-123412341234}" type="slidenum">
-              <a:rPr lang="en"/>
+              <a:rPr lang="en">
+                <a:solidFill>
+                  <a:schemeClr val="dk2"/>
+                </a:solidFill>
+              </a:rPr>
               <a:t>‹#›</a:t>
             </a:fld>
-            <a:endParaRPr/>
+            <a:endParaRPr>
+              <a:solidFill>
+                <a:schemeClr val="dk2"/>
+              </a:solidFill>
+            </a:endParaRPr>
           </a:p>
           <a:p>
             <a:pPr indent="0" lvl="0" marL="0" rtl="0" algn="r">
@@ -22621,7 +22986,7 @@
                 </a:solidFill>
                 <a:hlinkClick r:id="rId3"/>
               </a:rPr>
-              <a:t>https://profriehle.com</a:t>
+              <a:t>uni1.de/amos</a:t>
             </a:r>
             <a:r>
               <a:rPr b="0" lang="en" sz="900">
@@ -22631,7 +22996,11 @@
               </a:rPr>
               <a:t> </a:t>
             </a:r>
-            <a:endParaRPr/>
+            <a:endParaRPr b="0" sz="900">
+              <a:solidFill>
+                <a:schemeClr val="dk2"/>
+              </a:solidFill>
+            </a:endParaRPr>
           </a:p>
         </p:txBody>
       </p:sp>
@@ -23020,8 +23389,8 @@
         </p:nvSpPr>
         <p:spPr>
           <a:xfrm>
-            <a:off x="7315202" y="4416550"/>
-            <a:ext cx="1828800" cy="731400"/>
+            <a:off x="7315202" y="4229100"/>
+            <a:ext cx="1828800" cy="914400"/>
           </a:xfrm>
           <a:prstGeom prst="rect">
             <a:avLst/>
@@ -23043,10 +23412,18 @@
               <a:buNone/>
             </a:pPr>
             <a:fld id="{00000000-1234-1234-1234-123412341234}" type="slidenum">
-              <a:rPr lang="en"/>
+              <a:rPr lang="en">
+                <a:solidFill>
+                  <a:schemeClr val="dk2"/>
+                </a:solidFill>
+              </a:rPr>
               <a:t>‹#›</a:t>
             </a:fld>
-            <a:endParaRPr/>
+            <a:endParaRPr>
+              <a:solidFill>
+                <a:schemeClr val="dk2"/>
+              </a:solidFill>
+            </a:endParaRPr>
           </a:p>
           <a:p>
             <a:pPr indent="0" lvl="0" marL="0" rtl="0" algn="r">
@@ -23065,7 +23442,7 @@
                 </a:solidFill>
                 <a:hlinkClick r:id="rId3"/>
               </a:rPr>
-              <a:t>https://profriehle.com</a:t>
+              <a:t>uni1.de/amos</a:t>
             </a:r>
             <a:r>
               <a:rPr b="0" lang="en" sz="900">
@@ -23075,7 +23452,11 @@
               </a:rPr>
               <a:t> </a:t>
             </a:r>
-            <a:endParaRPr/>
+            <a:endParaRPr b="0" sz="900">
+              <a:solidFill>
+                <a:schemeClr val="dk2"/>
+              </a:solidFill>
+            </a:endParaRPr>
           </a:p>
         </p:txBody>
       </p:sp>
@@ -23365,8 +23746,8 @@
         </p:nvSpPr>
         <p:spPr>
           <a:xfrm>
-            <a:off x="7315202" y="4416550"/>
-            <a:ext cx="1828800" cy="731400"/>
+            <a:off x="7315202" y="4229100"/>
+            <a:ext cx="1828800" cy="914400"/>
           </a:xfrm>
           <a:prstGeom prst="rect">
             <a:avLst/>
@@ -23388,10 +23769,18 @@
               <a:buNone/>
             </a:pPr>
             <a:fld id="{00000000-1234-1234-1234-123412341234}" type="slidenum">
-              <a:rPr lang="en"/>
+              <a:rPr lang="en">
+                <a:solidFill>
+                  <a:schemeClr val="dk2"/>
+                </a:solidFill>
+              </a:rPr>
               <a:t>‹#›</a:t>
             </a:fld>
-            <a:endParaRPr/>
+            <a:endParaRPr>
+              <a:solidFill>
+                <a:schemeClr val="dk2"/>
+              </a:solidFill>
+            </a:endParaRPr>
           </a:p>
           <a:p>
             <a:pPr indent="0" lvl="0" marL="0" rtl="0" algn="r">
@@ -23410,7 +23799,7 @@
                 </a:solidFill>
                 <a:hlinkClick r:id="rId3"/>
               </a:rPr>
-              <a:t>https://profriehle.com</a:t>
+              <a:t>uni1.de/amos</a:t>
             </a:r>
             <a:r>
               <a:rPr b="0" lang="en" sz="900">
@@ -23420,7 +23809,11 @@
               </a:rPr>
               <a:t> </a:t>
             </a:r>
-            <a:endParaRPr/>
+            <a:endParaRPr b="0" sz="900">
+              <a:solidFill>
+                <a:schemeClr val="dk2"/>
+              </a:solidFill>
+            </a:endParaRPr>
           </a:p>
         </p:txBody>
       </p:sp>
@@ -23608,8 +24001,8 @@
         </p:nvSpPr>
         <p:spPr>
           <a:xfrm>
-            <a:off x="7315202" y="4416550"/>
-            <a:ext cx="1828800" cy="731400"/>
+            <a:off x="7315202" y="4229100"/>
+            <a:ext cx="1828800" cy="914400"/>
           </a:xfrm>
           <a:prstGeom prst="rect">
             <a:avLst/>
@@ -23631,10 +24024,18 @@
               <a:buNone/>
             </a:pPr>
             <a:fld id="{00000000-1234-1234-1234-123412341234}" type="slidenum">
-              <a:rPr lang="en"/>
+              <a:rPr lang="en">
+                <a:solidFill>
+                  <a:schemeClr val="dk2"/>
+                </a:solidFill>
+              </a:rPr>
               <a:t>‹#›</a:t>
             </a:fld>
-            <a:endParaRPr/>
+            <a:endParaRPr>
+              <a:solidFill>
+                <a:schemeClr val="dk2"/>
+              </a:solidFill>
+            </a:endParaRPr>
           </a:p>
           <a:p>
             <a:pPr indent="0" lvl="0" marL="0" rtl="0" algn="r">
@@ -23653,7 +24054,7 @@
                 </a:solidFill>
                 <a:hlinkClick r:id="rId3"/>
               </a:rPr>
-              <a:t>https://profriehle.com</a:t>
+              <a:t>uni1.de/amos</a:t>
             </a:r>
             <a:r>
               <a:rPr b="0" lang="en" sz="900">
@@ -23663,7 +24064,11 @@
               </a:rPr>
               <a:t> </a:t>
             </a:r>
-            <a:endParaRPr/>
+            <a:endParaRPr b="0" sz="900">
+              <a:solidFill>
+                <a:schemeClr val="dk2"/>
+              </a:solidFill>
+            </a:endParaRPr>
           </a:p>
         </p:txBody>
       </p:sp>
@@ -23880,8 +24285,8 @@
         </p:nvSpPr>
         <p:spPr>
           <a:xfrm>
-            <a:off x="7315202" y="4416550"/>
-            <a:ext cx="1828800" cy="731400"/>
+            <a:off x="7315202" y="4229100"/>
+            <a:ext cx="1828800" cy="914400"/>
           </a:xfrm>
           <a:prstGeom prst="rect">
             <a:avLst/>
@@ -23903,10 +24308,18 @@
               <a:buNone/>
             </a:pPr>
             <a:fld id="{00000000-1234-1234-1234-123412341234}" type="slidenum">
-              <a:rPr lang="en"/>
+              <a:rPr lang="en">
+                <a:solidFill>
+                  <a:schemeClr val="dk2"/>
+                </a:solidFill>
+              </a:rPr>
               <a:t>‹#›</a:t>
             </a:fld>
-            <a:endParaRPr/>
+            <a:endParaRPr>
+              <a:solidFill>
+                <a:schemeClr val="dk2"/>
+              </a:solidFill>
+            </a:endParaRPr>
           </a:p>
           <a:p>
             <a:pPr indent="0" lvl="0" marL="0" rtl="0" algn="r">
@@ -23925,7 +24338,7 @@
                 </a:solidFill>
                 <a:hlinkClick r:id="rId3"/>
               </a:rPr>
-              <a:t>https://profriehle.com</a:t>
+              <a:t>uni1.de/amos</a:t>
             </a:r>
             <a:r>
               <a:rPr b="0" lang="en" sz="900">
@@ -23935,7 +24348,11 @@
               </a:rPr>
               <a:t> </a:t>
             </a:r>
-            <a:endParaRPr/>
+            <a:endParaRPr b="0" sz="900">
+              <a:solidFill>
+                <a:schemeClr val="dk2"/>
+              </a:solidFill>
+            </a:endParaRPr>
           </a:p>
         </p:txBody>
       </p:sp>
@@ -24263,8 +24680,8 @@
         </p:nvSpPr>
         <p:spPr>
           <a:xfrm>
-            <a:off x="7315202" y="4416550"/>
-            <a:ext cx="1828800" cy="731400"/>
+            <a:off x="7315202" y="4229100"/>
+            <a:ext cx="1828800" cy="914400"/>
           </a:xfrm>
           <a:prstGeom prst="rect">
             <a:avLst/>
@@ -24286,10 +24703,18 @@
               <a:buNone/>
             </a:pPr>
             <a:fld id="{00000000-1234-1234-1234-123412341234}" type="slidenum">
-              <a:rPr lang="en"/>
+              <a:rPr lang="en">
+                <a:solidFill>
+                  <a:schemeClr val="dk2"/>
+                </a:solidFill>
+              </a:rPr>
               <a:t>‹#›</a:t>
             </a:fld>
-            <a:endParaRPr/>
+            <a:endParaRPr>
+              <a:solidFill>
+                <a:schemeClr val="dk2"/>
+              </a:solidFill>
+            </a:endParaRPr>
           </a:p>
           <a:p>
             <a:pPr indent="0" lvl="0" marL="0" rtl="0" algn="r">
@@ -24308,7 +24733,7 @@
                 </a:solidFill>
                 <a:hlinkClick r:id="rId3"/>
               </a:rPr>
-              <a:t>https://profriehle.com</a:t>
+              <a:t>uni1.de/amos</a:t>
             </a:r>
             <a:r>
               <a:rPr b="0" lang="en" sz="900">
@@ -24318,7 +24743,11 @@
               </a:rPr>
               <a:t> </a:t>
             </a:r>
-            <a:endParaRPr/>
+            <a:endParaRPr b="0" sz="900">
+              <a:solidFill>
+                <a:schemeClr val="dk2"/>
+              </a:solidFill>
+            </a:endParaRPr>
           </a:p>
         </p:txBody>
       </p:sp>
@@ -24471,8 +24900,8 @@
         </p:nvSpPr>
         <p:spPr>
           <a:xfrm>
-            <a:off x="7315202" y="4416550"/>
-            <a:ext cx="1828800" cy="731400"/>
+            <a:off x="7315202" y="4229100"/>
+            <a:ext cx="1828800" cy="914400"/>
           </a:xfrm>
           <a:prstGeom prst="rect">
             <a:avLst/>
@@ -24494,10 +24923,18 @@
               <a:buNone/>
             </a:pPr>
             <a:fld id="{00000000-1234-1234-1234-123412341234}" type="slidenum">
-              <a:rPr lang="en"/>
+              <a:rPr lang="en">
+                <a:solidFill>
+                  <a:schemeClr val="dk2"/>
+                </a:solidFill>
+              </a:rPr>
               <a:t>‹#›</a:t>
             </a:fld>
-            <a:endParaRPr/>
+            <a:endParaRPr>
+              <a:solidFill>
+                <a:schemeClr val="dk2"/>
+              </a:solidFill>
+            </a:endParaRPr>
           </a:p>
           <a:p>
             <a:pPr indent="0" lvl="0" marL="0" rtl="0" algn="r">
@@ -24516,7 +24953,7 @@
                 </a:solidFill>
                 <a:hlinkClick r:id="rId4"/>
               </a:rPr>
-              <a:t>https://profriehle.com</a:t>
+              <a:t>uni1.de/amos</a:t>
             </a:r>
             <a:r>
               <a:rPr b="0" lang="en" sz="900">
@@ -24526,7 +24963,11 @@
               </a:rPr>
               <a:t> </a:t>
             </a:r>
-            <a:endParaRPr/>
+            <a:endParaRPr b="0" sz="900">
+              <a:solidFill>
+                <a:schemeClr val="dk2"/>
+              </a:solidFill>
+            </a:endParaRPr>
           </a:p>
         </p:txBody>
       </p:sp>
@@ -24744,8 +25185,8 @@
         </p:nvSpPr>
         <p:spPr>
           <a:xfrm>
-            <a:off x="7315202" y="4416550"/>
-            <a:ext cx="1828800" cy="731400"/>
+            <a:off x="7315202" y="4229100"/>
+            <a:ext cx="1828800" cy="914400"/>
           </a:xfrm>
           <a:prstGeom prst="rect">
             <a:avLst/>
@@ -24767,10 +25208,18 @@
               <a:buNone/>
             </a:pPr>
             <a:fld id="{00000000-1234-1234-1234-123412341234}" type="slidenum">
-              <a:rPr lang="en"/>
+              <a:rPr lang="en">
+                <a:solidFill>
+                  <a:schemeClr val="dk2"/>
+                </a:solidFill>
+              </a:rPr>
               <a:t>‹#›</a:t>
             </a:fld>
-            <a:endParaRPr/>
+            <a:endParaRPr>
+              <a:solidFill>
+                <a:schemeClr val="dk2"/>
+              </a:solidFill>
+            </a:endParaRPr>
           </a:p>
           <a:p>
             <a:pPr indent="0" lvl="0" marL="0" rtl="0" algn="r">
@@ -24789,7 +25238,7 @@
                 </a:solidFill>
                 <a:hlinkClick r:id="rId3"/>
               </a:rPr>
-              <a:t>https://profriehle.com</a:t>
+              <a:t>uni1.de/amos</a:t>
             </a:r>
             <a:r>
               <a:rPr b="0" lang="en" sz="900">
@@ -24799,7 +25248,11 @@
               </a:rPr>
               <a:t> </a:t>
             </a:r>
-            <a:endParaRPr/>
+            <a:endParaRPr b="0" sz="900">
+              <a:solidFill>
+                <a:schemeClr val="dk2"/>
+              </a:solidFill>
+            </a:endParaRPr>
           </a:p>
         </p:txBody>
       </p:sp>
@@ -25060,8 +25513,8 @@
         </p:nvSpPr>
         <p:spPr>
           <a:xfrm>
-            <a:off x="7315202" y="4416550"/>
-            <a:ext cx="1828800" cy="731400"/>
+            <a:off x="7315202" y="4229100"/>
+            <a:ext cx="1828800" cy="914400"/>
           </a:xfrm>
           <a:prstGeom prst="rect">
             <a:avLst/>
@@ -25083,10 +25536,18 @@
               <a:buNone/>
             </a:pPr>
             <a:fld id="{00000000-1234-1234-1234-123412341234}" type="slidenum">
-              <a:rPr lang="en"/>
+              <a:rPr lang="en">
+                <a:solidFill>
+                  <a:schemeClr val="dk2"/>
+                </a:solidFill>
+              </a:rPr>
               <a:t>‹#›</a:t>
             </a:fld>
-            <a:endParaRPr/>
+            <a:endParaRPr>
+              <a:solidFill>
+                <a:schemeClr val="dk2"/>
+              </a:solidFill>
+            </a:endParaRPr>
           </a:p>
           <a:p>
             <a:pPr indent="0" lvl="0" marL="0" rtl="0" algn="r">
@@ -25105,7 +25566,7 @@
                 </a:solidFill>
                 <a:hlinkClick r:id="rId4"/>
               </a:rPr>
-              <a:t>https://profriehle.com</a:t>
+              <a:t>uni1.de/amos</a:t>
             </a:r>
             <a:r>
               <a:rPr b="0" lang="en" sz="900">
@@ -25115,7 +25576,11 @@
               </a:rPr>
               <a:t> </a:t>
             </a:r>
-            <a:endParaRPr/>
+            <a:endParaRPr b="0" sz="900">
+              <a:solidFill>
+                <a:schemeClr val="dk2"/>
+              </a:solidFill>
+            </a:endParaRPr>
           </a:p>
         </p:txBody>
       </p:sp>
@@ -25422,8 +25887,8 @@
         </p:nvSpPr>
         <p:spPr>
           <a:xfrm>
-            <a:off x="7315202" y="4416550"/>
-            <a:ext cx="1828800" cy="731400"/>
+            <a:off x="7315202" y="4229100"/>
+            <a:ext cx="1828800" cy="914400"/>
           </a:xfrm>
           <a:prstGeom prst="rect">
             <a:avLst/>
@@ -25445,10 +25910,18 @@
               <a:buNone/>
             </a:pPr>
             <a:fld id="{00000000-1234-1234-1234-123412341234}" type="slidenum">
-              <a:rPr lang="en"/>
+              <a:rPr lang="en">
+                <a:solidFill>
+                  <a:schemeClr val="dk2"/>
+                </a:solidFill>
+              </a:rPr>
               <a:t>‹#›</a:t>
             </a:fld>
-            <a:endParaRPr/>
+            <a:endParaRPr>
+              <a:solidFill>
+                <a:schemeClr val="dk2"/>
+              </a:solidFill>
+            </a:endParaRPr>
           </a:p>
           <a:p>
             <a:pPr indent="0" lvl="0" marL="0" rtl="0" algn="r">
@@ -25467,7 +25940,7 @@
                 </a:solidFill>
                 <a:hlinkClick r:id="rId3"/>
               </a:rPr>
-              <a:t>https://profriehle.com</a:t>
+              <a:t>uni1.de/amos</a:t>
             </a:r>
             <a:r>
               <a:rPr b="0" lang="en" sz="900">
@@ -25477,7 +25950,11 @@
               </a:rPr>
               <a:t> </a:t>
             </a:r>
-            <a:endParaRPr/>
+            <a:endParaRPr b="0" sz="900">
+              <a:solidFill>
+                <a:schemeClr val="dk2"/>
+              </a:solidFill>
+            </a:endParaRPr>
           </a:p>
         </p:txBody>
       </p:sp>
@@ -25740,8 +26217,8 @@
         </p:nvSpPr>
         <p:spPr>
           <a:xfrm>
-            <a:off x="7315202" y="4416550"/>
-            <a:ext cx="1828800" cy="731400"/>
+            <a:off x="7315202" y="4229100"/>
+            <a:ext cx="1828800" cy="914400"/>
           </a:xfrm>
           <a:prstGeom prst="rect">
             <a:avLst/>
@@ -25763,10 +26240,18 @@
               <a:buNone/>
             </a:pPr>
             <a:fld id="{00000000-1234-1234-1234-123412341234}" type="slidenum">
-              <a:rPr lang="en"/>
+              <a:rPr lang="en">
+                <a:solidFill>
+                  <a:schemeClr val="dk2"/>
+                </a:solidFill>
+              </a:rPr>
               <a:t>‹#›</a:t>
             </a:fld>
-            <a:endParaRPr/>
+            <a:endParaRPr>
+              <a:solidFill>
+                <a:schemeClr val="dk2"/>
+              </a:solidFill>
+            </a:endParaRPr>
           </a:p>
           <a:p>
             <a:pPr indent="0" lvl="0" marL="0" rtl="0" algn="r">
@@ -25785,13 +26270,21 @@
                 </a:solidFill>
                 <a:hlinkClick r:id="rId3"/>
               </a:rPr>
-              <a:t>https://profriehle.com</a:t>
-            </a:r>
-            <a:r>
-              <a:rPr b="0" lang="en" sz="900"/>
+              <a:t>uni1.de/amos</a:t>
+            </a:r>
+            <a:r>
+              <a:rPr b="0" lang="en" sz="900">
+                <a:solidFill>
+                  <a:schemeClr val="dk2"/>
+                </a:solidFill>
+              </a:rPr>
               <a:t> </a:t>
             </a:r>
-            <a:endParaRPr b="0" sz="900"/>
+            <a:endParaRPr b="0" sz="900">
+              <a:solidFill>
+                <a:schemeClr val="dk2"/>
+              </a:solidFill>
+            </a:endParaRPr>
           </a:p>
         </p:txBody>
       </p:sp>
@@ -26045,8 +26538,8 @@
         </p:nvSpPr>
         <p:spPr>
           <a:xfrm>
-            <a:off x="7315202" y="4416550"/>
-            <a:ext cx="1828800" cy="731400"/>
+            <a:off x="7315202" y="4229100"/>
+            <a:ext cx="1828800" cy="914400"/>
           </a:xfrm>
           <a:prstGeom prst="rect">
             <a:avLst/>
@@ -26068,10 +26561,18 @@
               <a:buNone/>
             </a:pPr>
             <a:fld id="{00000000-1234-1234-1234-123412341234}" type="slidenum">
-              <a:rPr lang="en"/>
+              <a:rPr lang="en">
+                <a:solidFill>
+                  <a:schemeClr val="dk2"/>
+                </a:solidFill>
+              </a:rPr>
               <a:t>‹#›</a:t>
             </a:fld>
-            <a:endParaRPr/>
+            <a:endParaRPr>
+              <a:solidFill>
+                <a:schemeClr val="dk2"/>
+              </a:solidFill>
+            </a:endParaRPr>
           </a:p>
           <a:p>
             <a:pPr indent="0" lvl="0" marL="0" rtl="0" algn="r">
@@ -26090,7 +26591,7 @@
                 </a:solidFill>
                 <a:hlinkClick r:id="rId3"/>
               </a:rPr>
-              <a:t>https://profriehle.com</a:t>
+              <a:t>uni1.de/amos</a:t>
             </a:r>
             <a:r>
               <a:rPr b="0" lang="en" sz="900">
@@ -26100,7 +26601,11 @@
               </a:rPr>
               <a:t> </a:t>
             </a:r>
-            <a:endParaRPr/>
+            <a:endParaRPr b="0" sz="900">
+              <a:solidFill>
+                <a:schemeClr val="dk2"/>
+              </a:solidFill>
+            </a:endParaRPr>
           </a:p>
         </p:txBody>
       </p:sp>
@@ -26234,8 +26739,8 @@
         </p:nvSpPr>
         <p:spPr>
           <a:xfrm>
-            <a:off x="7315202" y="4416550"/>
-            <a:ext cx="1828800" cy="731400"/>
+            <a:off x="7315202" y="4229100"/>
+            <a:ext cx="1828800" cy="914400"/>
           </a:xfrm>
           <a:prstGeom prst="rect">
             <a:avLst/>
@@ -26257,10 +26762,18 @@
               <a:buNone/>
             </a:pPr>
             <a:fld id="{00000000-1234-1234-1234-123412341234}" type="slidenum">
-              <a:rPr lang="en"/>
+              <a:rPr lang="en">
+                <a:solidFill>
+                  <a:schemeClr val="dk2"/>
+                </a:solidFill>
+              </a:rPr>
               <a:t>‹#›</a:t>
             </a:fld>
-            <a:endParaRPr/>
+            <a:endParaRPr>
+              <a:solidFill>
+                <a:schemeClr val="dk2"/>
+              </a:solidFill>
+            </a:endParaRPr>
           </a:p>
           <a:p>
             <a:pPr indent="0" lvl="0" marL="0" rtl="0" algn="r">
@@ -26279,7 +26792,7 @@
                 </a:solidFill>
                 <a:hlinkClick r:id="rId3"/>
               </a:rPr>
-              <a:t>https://profriehle.com</a:t>
+              <a:t>uni1.de/amos</a:t>
             </a:r>
             <a:r>
               <a:rPr b="0" lang="en" sz="900">
@@ -26289,7 +26802,11 @@
               </a:rPr>
               <a:t> </a:t>
             </a:r>
-            <a:endParaRPr/>
+            <a:endParaRPr b="0" sz="900">
+              <a:solidFill>
+                <a:schemeClr val="dk2"/>
+              </a:solidFill>
+            </a:endParaRPr>
           </a:p>
         </p:txBody>
       </p:sp>
@@ -26492,8 +27009,8 @@
         </p:nvSpPr>
         <p:spPr>
           <a:xfrm>
-            <a:off x="7315202" y="4416550"/>
-            <a:ext cx="1828800" cy="731400"/>
+            <a:off x="7315202" y="4229100"/>
+            <a:ext cx="1828800" cy="914400"/>
           </a:xfrm>
           <a:prstGeom prst="rect">
             <a:avLst/>
@@ -26515,10 +27032,18 @@
               <a:buNone/>
             </a:pPr>
             <a:fld id="{00000000-1234-1234-1234-123412341234}" type="slidenum">
-              <a:rPr lang="en"/>
+              <a:rPr lang="en">
+                <a:solidFill>
+                  <a:schemeClr val="dk2"/>
+                </a:solidFill>
+              </a:rPr>
               <a:t>‹#›</a:t>
             </a:fld>
-            <a:endParaRPr/>
+            <a:endParaRPr>
+              <a:solidFill>
+                <a:schemeClr val="dk2"/>
+              </a:solidFill>
+            </a:endParaRPr>
           </a:p>
           <a:p>
             <a:pPr indent="0" lvl="0" marL="0" rtl="0" algn="r">
@@ -26537,7 +27062,7 @@
                 </a:solidFill>
                 <a:hlinkClick r:id="rId3"/>
               </a:rPr>
-              <a:t>https://profriehle.com</a:t>
+              <a:t>uni1.de/amos</a:t>
             </a:r>
             <a:r>
               <a:rPr b="0" lang="en" sz="900">
@@ -26547,7 +27072,11 @@
               </a:rPr>
               <a:t> </a:t>
             </a:r>
-            <a:endParaRPr/>
+            <a:endParaRPr b="0" sz="900">
+              <a:solidFill>
+                <a:schemeClr val="dk2"/>
+              </a:solidFill>
+            </a:endParaRPr>
           </a:p>
         </p:txBody>
       </p:sp>

--- a/Lecture slides/AMOS B01 - Team and Tools.pptx
+++ b/Lecture slides/AMOS B01 - Team and Tools.pptx
@@ -12851,7 +12851,7 @@
             <a:tbl>
               <a:tblPr>
                 <a:noFill/>
-                <a:tableStyleId>{0B2D0B4F-7FD0-4E5D-8D3A-2050900AB141}</a:tableStyleId>
+                <a:tableStyleId>{FD871614-C970-4CAE-BC75-7F4D23C1A5FD}</a:tableStyleId>
               </a:tblPr>
               <a:tblGrid>
                 <a:gridCol w="524750"/>
@@ -16808,7 +16808,7 @@
             <a:tbl>
               <a:tblPr>
                 <a:noFill/>
-                <a:tableStyleId>{45A39433-8994-4597-A2C1-F4E3C5E44215}</a:tableStyleId>
+                <a:tableStyleId>{8C8942B2-09D0-4AE2-B704-E0D88D6D33AA}</a:tableStyleId>
               </a:tblPr>
               <a:tblGrid>
                 <a:gridCol w="2148850"/>
@@ -19230,7 +19230,7 @@
         <p:spPr>
           <a:xfrm>
             <a:off x="274320" y="914400"/>
-            <a:ext cx="8595360" cy="3502840"/>
+            <a:ext cx="8595360" cy="3493598"/>
           </a:xfrm>
           <a:prstGeom prst="rect">
             <a:avLst/>
@@ -23696,9 +23696,55 @@
           </a:p>
         </p:txBody>
       </p:sp>
+      <p:sp>
+        <p:nvSpPr>
+          <p:cNvPr id="64" name="Google Shape;64;p12"/>
+          <p:cNvSpPr txBox="1"/>
+          <p:nvPr/>
+        </p:nvSpPr>
+        <p:spPr>
+          <a:xfrm>
+            <a:off x="0" y="4233672"/>
+            <a:ext cx="7315200" cy="914400"/>
+          </a:xfrm>
+          <a:prstGeom prst="rect">
+            <a:avLst/>
+          </a:prstGeom>
+          <a:noFill/>
+          <a:ln>
+            <a:noFill/>
+          </a:ln>
+        </p:spPr>
+        <p:txBody>
+          <a:bodyPr anchorCtr="0" anchor="b" bIns="91425" lIns="91425" spcFirstLastPara="1" rIns="91425" wrap="square" tIns="91425">
+            <a:noAutofit/>
+          </a:bodyPr>
+          <a:lstStyle/>
+          <a:p>
+            <a:pPr indent="0" lvl="0" marL="0" rtl="0" algn="l">
+              <a:spcBef>
+                <a:spcPts val="0"/>
+              </a:spcBef>
+              <a:spcAft>
+                <a:spcPts val="0"/>
+              </a:spcAft>
+              <a:buNone/>
+            </a:pPr>
+            <a:r>
+              <a:rPr lang="en"/>
+              <a:t>[1</a:t>
+            </a:r>
+            <a:r>
+              <a:rPr lang="en"/>
+              <a:t>] Scrum guide: One Scrum Master, one product owner, software developers</a:t>
+            </a:r>
+            <a:endParaRPr/>
+          </a:p>
+        </p:txBody>
+      </p:sp>
       <p:pic>
         <p:nvPicPr>
-          <p:cNvPr id="64" name="Google Shape;64;p12"/>
+          <p:cNvPr id="65" name="Google Shape;65;p12"/>
           <p:cNvPicPr preferRelativeResize="0"/>
           <p:nvPr/>
         </p:nvPicPr>
@@ -23713,7 +23759,7 @@
         <p:spPr>
           <a:xfrm>
             <a:off x="274320" y="914400"/>
-            <a:ext cx="8595360" cy="3502840"/>
+            <a:ext cx="8595360" cy="3495446"/>
           </a:xfrm>
           <a:prstGeom prst="rect">
             <a:avLst/>
@@ -23724,52 +23770,6 @@
           </a:ln>
         </p:spPr>
       </p:pic>
-      <p:sp>
-        <p:nvSpPr>
-          <p:cNvPr id="65" name="Google Shape;65;p12"/>
-          <p:cNvSpPr txBox="1"/>
-          <p:nvPr/>
-        </p:nvSpPr>
-        <p:spPr>
-          <a:xfrm>
-            <a:off x="0" y="4233672"/>
-            <a:ext cx="7315200" cy="914400"/>
-          </a:xfrm>
-          <a:prstGeom prst="rect">
-            <a:avLst/>
-          </a:prstGeom>
-          <a:noFill/>
-          <a:ln>
-            <a:noFill/>
-          </a:ln>
-        </p:spPr>
-        <p:txBody>
-          <a:bodyPr anchorCtr="0" anchor="b" bIns="91425" lIns="91425" spcFirstLastPara="1" rIns="91425" wrap="square" tIns="91425">
-            <a:noAutofit/>
-          </a:bodyPr>
-          <a:lstStyle/>
-          <a:p>
-            <a:pPr indent="0" lvl="0" marL="0" rtl="0" algn="l">
-              <a:spcBef>
-                <a:spcPts val="0"/>
-              </a:spcBef>
-              <a:spcAft>
-                <a:spcPts val="0"/>
-              </a:spcAft>
-              <a:buNone/>
-            </a:pPr>
-            <a:r>
-              <a:rPr lang="en"/>
-              <a:t>[1</a:t>
-            </a:r>
-            <a:r>
-              <a:rPr lang="en"/>
-              <a:t>] Scrum guide: One Scrum Master, one product owner, software developers</a:t>
-            </a:r>
-            <a:endParaRPr/>
-          </a:p>
-        </p:txBody>
-      </p:sp>
     </p:spTree>
   </p:cSld>
   <p:clrMapOvr>
@@ -26627,6 +26627,285 @@
 </file>
 
 <file path=ppt/theme/theme1.xml><?xml version="1.0" encoding="utf-8"?>
+<a:theme xmlns:a="http://schemas.openxmlformats.org/drawingml/2006/main" xmlns:r="http://schemas.openxmlformats.org/officeDocument/2006/relationships" name="AMOS Slides Template">
+  <a:themeElements>
+    <a:clrScheme name="Simple Light">
+      <a:dk1>
+        <a:srgbClr val="000000"/>
+      </a:dk1>
+      <a:lt1>
+        <a:srgbClr val="FFFFFF"/>
+      </a:lt1>
+      <a:dk2>
+        <a:srgbClr val="404040"/>
+      </a:dk2>
+      <a:lt2>
+        <a:srgbClr val="808080"/>
+      </a:lt2>
+      <a:accent1>
+        <a:srgbClr val="D0D0D0"/>
+      </a:accent1>
+      <a:accent2>
+        <a:srgbClr val="4169E1"/>
+      </a:accent2>
+      <a:accent3>
+        <a:srgbClr val="D50D01"/>
+      </a:accent3>
+      <a:accent4>
+        <a:srgbClr val="FEB612"/>
+      </a:accent4>
+      <a:accent5>
+        <a:srgbClr val="4CAF50"/>
+      </a:accent5>
+      <a:accent6>
+        <a:srgbClr val="8E44AD"/>
+      </a:accent6>
+      <a:hlink>
+        <a:srgbClr val="34A3C5"/>
+      </a:hlink>
+      <a:folHlink>
+        <a:srgbClr val="0097A7"/>
+      </a:folHlink>
+    </a:clrScheme>
+    <a:fontScheme name="Office">
+      <a:majorFont>
+        <a:latin typeface="Arial"/>
+        <a:ea typeface=""/>
+        <a:cs typeface=""/>
+        <a:font script="Jpan" typeface="ＭＳ Ｐゴシック"/>
+        <a:font script="Hang" typeface="맑은 고딕"/>
+        <a:font script="Hans" typeface="宋体"/>
+        <a:font script="Hant" typeface="新細明體"/>
+        <a:font script="Arab" typeface="Times New Roman"/>
+        <a:font script="Hebr" typeface="Times New Roman"/>
+        <a:font script="Thai" typeface="Angsana New"/>
+        <a:font script="Ethi" typeface="Nyala"/>
+        <a:font script="Beng" typeface="Vrinda"/>
+        <a:font script="Gujr" typeface="Shruti"/>
+        <a:font script="Khmr" typeface="MoolBoran"/>
+        <a:font script="Knda" typeface="Tunga"/>
+        <a:font script="Guru" typeface="Raavi"/>
+        <a:font script="Cans" typeface="Euphemia"/>
+        <a:font script="Cher" typeface="Plantagenet Cherokee"/>
+        <a:font script="Yiii" typeface="Microsoft Yi Baiti"/>
+        <a:font script="Tibt" typeface="Microsoft Himalaya"/>
+        <a:font script="Thaa" typeface="MV Boli"/>
+        <a:font script="Deva" typeface="Mangal"/>
+        <a:font script="Telu" typeface="Gautami"/>
+        <a:font script="Taml" typeface="Latha"/>
+        <a:font script="Syrc" typeface="Estrangelo Edessa"/>
+        <a:font script="Orya" typeface="Kalinga"/>
+        <a:font script="Mlym" typeface="Kartika"/>
+        <a:font script="Laoo" typeface="DokChampa"/>
+        <a:font script="Sinh" typeface="Iskoola Pota"/>
+        <a:font script="Mong" typeface="Mongolian Baiti"/>
+        <a:font script="Viet" typeface="Times New Roman"/>
+        <a:font script="Uigh" typeface="Microsoft Uighur"/>
+        <a:font script="Geor" typeface="Sylfaen"/>
+      </a:majorFont>
+      <a:minorFont>
+        <a:latin typeface="Arial"/>
+        <a:ea typeface=""/>
+        <a:cs typeface=""/>
+        <a:font script="Jpan" typeface="ＭＳ Ｐゴシック"/>
+        <a:font script="Hang" typeface="맑은 고딕"/>
+        <a:font script="Hans" typeface="宋体"/>
+        <a:font script="Hant" typeface="新細明體"/>
+        <a:font script="Arab" typeface="Arial"/>
+        <a:font script="Hebr" typeface="Arial"/>
+        <a:font script="Thai" typeface="Cordia New"/>
+        <a:font script="Ethi" typeface="Nyala"/>
+        <a:font script="Beng" typeface="Vrinda"/>
+        <a:font script="Gujr" typeface="Shruti"/>
+        <a:font script="Khmr" typeface="DaunPenh"/>
+        <a:font script="Knda" typeface="Tunga"/>
+        <a:font script="Guru" typeface="Raavi"/>
+        <a:font script="Cans" typeface="Euphemia"/>
+        <a:font script="Cher" typeface="Plantagenet Cherokee"/>
+        <a:font script="Yiii" typeface="Microsoft Yi Baiti"/>
+        <a:font script="Tibt" typeface="Microsoft Himalaya"/>
+        <a:font script="Thaa" typeface="MV Boli"/>
+        <a:font script="Deva" typeface="Mangal"/>
+        <a:font script="Telu" typeface="Gautami"/>
+        <a:font script="Taml" typeface="Latha"/>
+        <a:font script="Syrc" typeface="Estrangelo Edessa"/>
+        <a:font script="Orya" typeface="Kalinga"/>
+        <a:font script="Mlym" typeface="Kartika"/>
+        <a:font script="Laoo" typeface="DokChampa"/>
+        <a:font script="Sinh" typeface="Iskoola Pota"/>
+        <a:font script="Mong" typeface="Mongolian Baiti"/>
+        <a:font script="Viet" typeface="Arial"/>
+        <a:font script="Uigh" typeface="Microsoft Uighur"/>
+        <a:font script="Geor" typeface="Sylfaen"/>
+      </a:minorFont>
+    </a:fontScheme>
+    <a:fmtScheme name="Office">
+      <a:fillStyleLst>
+        <a:solidFill>
+          <a:schemeClr val="phClr"/>
+        </a:solidFill>
+        <a:gradFill rotWithShape="1">
+          <a:gsLst>
+            <a:gs pos="0">
+              <a:schemeClr val="phClr">
+                <a:tint val="50000"/>
+                <a:satMod val="300000"/>
+              </a:schemeClr>
+            </a:gs>
+            <a:gs pos="35000">
+              <a:schemeClr val="phClr">
+                <a:tint val="37000"/>
+                <a:satMod val="300000"/>
+              </a:schemeClr>
+            </a:gs>
+            <a:gs pos="100000">
+              <a:schemeClr val="phClr">
+                <a:tint val="15000"/>
+                <a:satMod val="350000"/>
+              </a:schemeClr>
+            </a:gs>
+          </a:gsLst>
+          <a:lin ang="16200000" scaled="1"/>
+        </a:gradFill>
+        <a:gradFill rotWithShape="1">
+          <a:gsLst>
+            <a:gs pos="0">
+              <a:schemeClr val="phClr">
+                <a:tint val="100000"/>
+                <a:shade val="100000"/>
+                <a:satMod val="130000"/>
+              </a:schemeClr>
+            </a:gs>
+            <a:gs pos="100000">
+              <a:schemeClr val="phClr">
+                <a:tint val="50000"/>
+                <a:shade val="100000"/>
+                <a:satMod val="350000"/>
+              </a:schemeClr>
+            </a:gs>
+          </a:gsLst>
+          <a:lin ang="16200000" scaled="0"/>
+        </a:gradFill>
+      </a:fillStyleLst>
+      <a:lnStyleLst>
+        <a:ln w="9525" cap="flat" cmpd="sng" algn="ctr">
+          <a:solidFill>
+            <a:schemeClr val="phClr">
+              <a:shade val="95000"/>
+              <a:satMod val="105000"/>
+            </a:schemeClr>
+          </a:solidFill>
+          <a:prstDash val="solid"/>
+        </a:ln>
+        <a:ln w="25400" cap="flat" cmpd="sng" algn="ctr">
+          <a:solidFill>
+            <a:schemeClr val="phClr"/>
+          </a:solidFill>
+          <a:prstDash val="solid"/>
+        </a:ln>
+        <a:ln w="38100" cap="flat" cmpd="sng" algn="ctr">
+          <a:solidFill>
+            <a:schemeClr val="phClr"/>
+          </a:solidFill>
+          <a:prstDash val="solid"/>
+        </a:ln>
+      </a:lnStyleLst>
+      <a:effectStyleLst>
+        <a:effectStyle>
+          <a:effectLst>
+            <a:outerShdw blurRad="40000" dist="20000" dir="5400000" rotWithShape="0">
+              <a:srgbClr val="000000">
+                <a:alpha val="38000"/>
+              </a:srgbClr>
+            </a:outerShdw>
+          </a:effectLst>
+        </a:effectStyle>
+        <a:effectStyle>
+          <a:effectLst>
+            <a:outerShdw blurRad="40000" dist="23000" dir="5400000" rotWithShape="0">
+              <a:srgbClr val="000000">
+                <a:alpha val="35000"/>
+              </a:srgbClr>
+            </a:outerShdw>
+          </a:effectLst>
+        </a:effectStyle>
+        <a:effectStyle>
+          <a:effectLst>
+            <a:outerShdw blurRad="40000" dist="23000" dir="5400000" rotWithShape="0">
+              <a:srgbClr val="000000">
+                <a:alpha val="35000"/>
+              </a:srgbClr>
+            </a:outerShdw>
+          </a:effectLst>
+          <a:scene3d>
+            <a:camera prst="orthographicFront">
+              <a:rot lat="0" lon="0" rev="0"/>
+            </a:camera>
+            <a:lightRig rig="threePt" dir="t">
+              <a:rot lat="0" lon="0" rev="1200000"/>
+            </a:lightRig>
+          </a:scene3d>
+          <a:sp3d>
+            <a:bevelT w="63500" h="25400"/>
+          </a:sp3d>
+        </a:effectStyle>
+      </a:effectStyleLst>
+      <a:bgFillStyleLst>
+        <a:solidFill>
+          <a:schemeClr val="phClr"/>
+        </a:solidFill>
+        <a:gradFill rotWithShape="1">
+          <a:gsLst>
+            <a:gs pos="0">
+              <a:schemeClr val="phClr">
+                <a:tint val="40000"/>
+                <a:satMod val="350000"/>
+              </a:schemeClr>
+            </a:gs>
+            <a:gs pos="40000">
+              <a:schemeClr val="phClr">
+                <a:tint val="45000"/>
+                <a:shade val="99000"/>
+                <a:satMod val="350000"/>
+              </a:schemeClr>
+            </a:gs>
+            <a:gs pos="100000">
+              <a:schemeClr val="phClr">
+                <a:shade val="20000"/>
+                <a:satMod val="255000"/>
+              </a:schemeClr>
+            </a:gs>
+          </a:gsLst>
+          <a:path path="circle">
+            <a:fillToRect l="50000" t="-80000" r="50000" b="180000"/>
+          </a:path>
+        </a:gradFill>
+        <a:gradFill rotWithShape="1">
+          <a:gsLst>
+            <a:gs pos="0">
+              <a:schemeClr val="phClr">
+                <a:tint val="80000"/>
+                <a:satMod val="300000"/>
+              </a:schemeClr>
+            </a:gs>
+            <a:gs pos="100000">
+              <a:schemeClr val="phClr">
+                <a:shade val="30000"/>
+                <a:satMod val="200000"/>
+              </a:schemeClr>
+            </a:gs>
+          </a:gsLst>
+          <a:path path="circle">
+            <a:fillToRect l="50000" t="50000" r="50000" b="50000"/>
+          </a:path>
+        </a:gradFill>
+      </a:bgFillStyleLst>
+    </a:fmtScheme>
+  </a:themeElements>
+</a:theme>
+</file>
+
+<file path=ppt/theme/theme2.xml><?xml version="1.0" encoding="utf-8"?>
 <a:theme xmlns:a="http://schemas.openxmlformats.org/drawingml/2006/main" xmlns:r="http://schemas.openxmlformats.org/officeDocument/2006/relationships">
   <a:themeElements>
     <a:clrScheme name="Default">
@@ -26903,283 +27182,4 @@
     </a:fmtScheme>
   </a:themeElements>
 </a:theme>
-</file>
-
-<file path=ppt/theme/theme2.xml><?xml version="1.0" encoding="utf-8"?>
-<a:theme xmlns:a="http://schemas.openxmlformats.org/drawingml/2006/main" xmlns:r="http://schemas.openxmlformats.org/officeDocument/2006/relationships" name="AMOS Slides Template">
-  <a:themeElements>
-    <a:clrScheme name="Simple Light">
-      <a:dk1>
-        <a:srgbClr val="000000"/>
-      </a:dk1>
-      <a:lt1>
-        <a:srgbClr val="FFFFFF"/>
-      </a:lt1>
-      <a:dk2>
-        <a:srgbClr val="404040"/>
-      </a:dk2>
-      <a:lt2>
-        <a:srgbClr val="808080"/>
-      </a:lt2>
-      <a:accent1>
-        <a:srgbClr val="D0D0D0"/>
-      </a:accent1>
-      <a:accent2>
-        <a:srgbClr val="4169E1"/>
-      </a:accent2>
-      <a:accent3>
-        <a:srgbClr val="D50D01"/>
-      </a:accent3>
-      <a:accent4>
-        <a:srgbClr val="FEB612"/>
-      </a:accent4>
-      <a:accent5>
-        <a:srgbClr val="4CAF50"/>
-      </a:accent5>
-      <a:accent6>
-        <a:srgbClr val="8E44AD"/>
-      </a:accent6>
-      <a:hlink>
-        <a:srgbClr val="34A3C5"/>
-      </a:hlink>
-      <a:folHlink>
-        <a:srgbClr val="0097A7"/>
-      </a:folHlink>
-    </a:clrScheme>
-    <a:fontScheme name="Office">
-      <a:majorFont>
-        <a:latin typeface="Arial"/>
-        <a:ea typeface=""/>
-        <a:cs typeface=""/>
-        <a:font script="Jpan" typeface="ＭＳ Ｐゴシック"/>
-        <a:font script="Hang" typeface="맑은 고딕"/>
-        <a:font script="Hans" typeface="宋体"/>
-        <a:font script="Hant" typeface="新細明體"/>
-        <a:font script="Arab" typeface="Times New Roman"/>
-        <a:font script="Hebr" typeface="Times New Roman"/>
-        <a:font script="Thai" typeface="Angsana New"/>
-        <a:font script="Ethi" typeface="Nyala"/>
-        <a:font script="Beng" typeface="Vrinda"/>
-        <a:font script="Gujr" typeface="Shruti"/>
-        <a:font script="Khmr" typeface="MoolBoran"/>
-        <a:font script="Knda" typeface="Tunga"/>
-        <a:font script="Guru" typeface="Raavi"/>
-        <a:font script="Cans" typeface="Euphemia"/>
-        <a:font script="Cher" typeface="Plantagenet Cherokee"/>
-        <a:font script="Yiii" typeface="Microsoft Yi Baiti"/>
-        <a:font script="Tibt" typeface="Microsoft Himalaya"/>
-        <a:font script="Thaa" typeface="MV Boli"/>
-        <a:font script="Deva" typeface="Mangal"/>
-        <a:font script="Telu" typeface="Gautami"/>
-        <a:font script="Taml" typeface="Latha"/>
-        <a:font script="Syrc" typeface="Estrangelo Edessa"/>
-        <a:font script="Orya" typeface="Kalinga"/>
-        <a:font script="Mlym" typeface="Kartika"/>
-        <a:font script="Laoo" typeface="DokChampa"/>
-        <a:font script="Sinh" typeface="Iskoola Pota"/>
-        <a:font script="Mong" typeface="Mongolian Baiti"/>
-        <a:font script="Viet" typeface="Times New Roman"/>
-        <a:font script="Uigh" typeface="Microsoft Uighur"/>
-        <a:font script="Geor" typeface="Sylfaen"/>
-      </a:majorFont>
-      <a:minorFont>
-        <a:latin typeface="Arial"/>
-        <a:ea typeface=""/>
-        <a:cs typeface=""/>
-        <a:font script="Jpan" typeface="ＭＳ Ｐゴシック"/>
-        <a:font script="Hang" typeface="맑은 고딕"/>
-        <a:font script="Hans" typeface="宋体"/>
-        <a:font script="Hant" typeface="新細明體"/>
-        <a:font script="Arab" typeface="Arial"/>
-        <a:font script="Hebr" typeface="Arial"/>
-        <a:font script="Thai" typeface="Cordia New"/>
-        <a:font script="Ethi" typeface="Nyala"/>
-        <a:font script="Beng" typeface="Vrinda"/>
-        <a:font script="Gujr" typeface="Shruti"/>
-        <a:font script="Khmr" typeface="DaunPenh"/>
-        <a:font script="Knda" typeface="Tunga"/>
-        <a:font script="Guru" typeface="Raavi"/>
-        <a:font script="Cans" typeface="Euphemia"/>
-        <a:font script="Cher" typeface="Plantagenet Cherokee"/>
-        <a:font script="Yiii" typeface="Microsoft Yi Baiti"/>
-        <a:font script="Tibt" typeface="Microsoft Himalaya"/>
-        <a:font script="Thaa" typeface="MV Boli"/>
-        <a:font script="Deva" typeface="Mangal"/>
-        <a:font script="Telu" typeface="Gautami"/>
-        <a:font script="Taml" typeface="Latha"/>
-        <a:font script="Syrc" typeface="Estrangelo Edessa"/>
-        <a:font script="Orya" typeface="Kalinga"/>
-        <a:font script="Mlym" typeface="Kartika"/>
-        <a:font script="Laoo" typeface="DokChampa"/>
-        <a:font script="Sinh" typeface="Iskoola Pota"/>
-        <a:font script="Mong" typeface="Mongolian Baiti"/>
-        <a:font script="Viet" typeface="Arial"/>
-        <a:font script="Uigh" typeface="Microsoft Uighur"/>
-        <a:font script="Geor" typeface="Sylfaen"/>
-      </a:minorFont>
-    </a:fontScheme>
-    <a:fmtScheme name="Office">
-      <a:fillStyleLst>
-        <a:solidFill>
-          <a:schemeClr val="phClr"/>
-        </a:solidFill>
-        <a:gradFill rotWithShape="1">
-          <a:gsLst>
-            <a:gs pos="0">
-              <a:schemeClr val="phClr">
-                <a:tint val="50000"/>
-                <a:satMod val="300000"/>
-              </a:schemeClr>
-            </a:gs>
-            <a:gs pos="35000">
-              <a:schemeClr val="phClr">
-                <a:tint val="37000"/>
-                <a:satMod val="300000"/>
-              </a:schemeClr>
-            </a:gs>
-            <a:gs pos="100000">
-              <a:schemeClr val="phClr">
-                <a:tint val="15000"/>
-                <a:satMod val="350000"/>
-              </a:schemeClr>
-            </a:gs>
-          </a:gsLst>
-          <a:lin ang="16200000" scaled="1"/>
-        </a:gradFill>
-        <a:gradFill rotWithShape="1">
-          <a:gsLst>
-            <a:gs pos="0">
-              <a:schemeClr val="phClr">
-                <a:tint val="100000"/>
-                <a:shade val="100000"/>
-                <a:satMod val="130000"/>
-              </a:schemeClr>
-            </a:gs>
-            <a:gs pos="100000">
-              <a:schemeClr val="phClr">
-                <a:tint val="50000"/>
-                <a:shade val="100000"/>
-                <a:satMod val="350000"/>
-              </a:schemeClr>
-            </a:gs>
-          </a:gsLst>
-          <a:lin ang="16200000" scaled="0"/>
-        </a:gradFill>
-      </a:fillStyleLst>
-      <a:lnStyleLst>
-        <a:ln w="9525" cap="flat" cmpd="sng" algn="ctr">
-          <a:solidFill>
-            <a:schemeClr val="phClr">
-              <a:shade val="95000"/>
-              <a:satMod val="105000"/>
-            </a:schemeClr>
-          </a:solidFill>
-          <a:prstDash val="solid"/>
-        </a:ln>
-        <a:ln w="25400" cap="flat" cmpd="sng" algn="ctr">
-          <a:solidFill>
-            <a:schemeClr val="phClr"/>
-          </a:solidFill>
-          <a:prstDash val="solid"/>
-        </a:ln>
-        <a:ln w="38100" cap="flat" cmpd="sng" algn="ctr">
-          <a:solidFill>
-            <a:schemeClr val="phClr"/>
-          </a:solidFill>
-          <a:prstDash val="solid"/>
-        </a:ln>
-      </a:lnStyleLst>
-      <a:effectStyleLst>
-        <a:effectStyle>
-          <a:effectLst>
-            <a:outerShdw blurRad="40000" dist="20000" dir="5400000" rotWithShape="0">
-              <a:srgbClr val="000000">
-                <a:alpha val="38000"/>
-              </a:srgbClr>
-            </a:outerShdw>
-          </a:effectLst>
-        </a:effectStyle>
-        <a:effectStyle>
-          <a:effectLst>
-            <a:outerShdw blurRad="40000" dist="23000" dir="5400000" rotWithShape="0">
-              <a:srgbClr val="000000">
-                <a:alpha val="35000"/>
-              </a:srgbClr>
-            </a:outerShdw>
-          </a:effectLst>
-        </a:effectStyle>
-        <a:effectStyle>
-          <a:effectLst>
-            <a:outerShdw blurRad="40000" dist="23000" dir="5400000" rotWithShape="0">
-              <a:srgbClr val="000000">
-                <a:alpha val="35000"/>
-              </a:srgbClr>
-            </a:outerShdw>
-          </a:effectLst>
-          <a:scene3d>
-            <a:camera prst="orthographicFront">
-              <a:rot lat="0" lon="0" rev="0"/>
-            </a:camera>
-            <a:lightRig rig="threePt" dir="t">
-              <a:rot lat="0" lon="0" rev="1200000"/>
-            </a:lightRig>
-          </a:scene3d>
-          <a:sp3d>
-            <a:bevelT w="63500" h="25400"/>
-          </a:sp3d>
-        </a:effectStyle>
-      </a:effectStyleLst>
-      <a:bgFillStyleLst>
-        <a:solidFill>
-          <a:schemeClr val="phClr"/>
-        </a:solidFill>
-        <a:gradFill rotWithShape="1">
-          <a:gsLst>
-            <a:gs pos="0">
-              <a:schemeClr val="phClr">
-                <a:tint val="40000"/>
-                <a:satMod val="350000"/>
-              </a:schemeClr>
-            </a:gs>
-            <a:gs pos="40000">
-              <a:schemeClr val="phClr">
-                <a:tint val="45000"/>
-                <a:shade val="99000"/>
-                <a:satMod val="350000"/>
-              </a:schemeClr>
-            </a:gs>
-            <a:gs pos="100000">
-              <a:schemeClr val="phClr">
-                <a:shade val="20000"/>
-                <a:satMod val="255000"/>
-              </a:schemeClr>
-            </a:gs>
-          </a:gsLst>
-          <a:path path="circle">
-            <a:fillToRect l="50000" t="-80000" r="50000" b="180000"/>
-          </a:path>
-        </a:gradFill>
-        <a:gradFill rotWithShape="1">
-          <a:gsLst>
-            <a:gs pos="0">
-              <a:schemeClr val="phClr">
-                <a:tint val="80000"/>
-                <a:satMod val="300000"/>
-              </a:schemeClr>
-            </a:gs>
-            <a:gs pos="100000">
-              <a:schemeClr val="phClr">
-                <a:shade val="30000"/>
-                <a:satMod val="200000"/>
-              </a:schemeClr>
-            </a:gs>
-          </a:gsLst>
-          <a:path path="circle">
-            <a:fillToRect l="50000" t="50000" r="50000" b="50000"/>
-          </a:path>
-        </a:gradFill>
-      </a:bgFillStyleLst>
-    </a:fmtScheme>
-  </a:themeElements>
-</a:theme>
 </file>
--- a/Lecture slides/AMOS B01 - Team and Tools.pptx
+++ b/Lecture slides/AMOS B01 - Team and Tools.pptx
@@ -847,7 +847,7 @@
   <p:cSld>
     <p:spTree>
       <p:nvGrpSpPr>
-        <p:cNvPr id="94" name="Shape 94"/>
+        <p:cNvPr id="93" name="Shape 93"/>
         <p:cNvGrpSpPr/>
         <p:nvPr/>
       </p:nvGrpSpPr>
@@ -861,7 +861,7 @@
       </p:grpSpPr>
       <p:sp>
         <p:nvSpPr>
-          <p:cNvPr id="95" name="Google Shape;95;g152a3f74d0d_0_28:notes"/>
+          <p:cNvPr id="94" name="Google Shape;94;g152a3f74d0d_0_28:notes"/>
           <p:cNvSpPr/>
           <p:nvPr>
             <p:ph idx="2" type="sldImg"/>
@@ -896,7 +896,7 @@
       </p:sp>
       <p:sp>
         <p:nvSpPr>
-          <p:cNvPr id="96" name="Google Shape;96;g152a3f74d0d_0_28:notes"/>
+          <p:cNvPr id="95" name="Google Shape;95;g152a3f74d0d_0_28:notes"/>
           <p:cNvSpPr txBox="1"/>
           <p:nvPr>
             <p:ph idx="1" type="body"/>
@@ -946,7 +946,7 @@
   <p:cSld>
     <p:spTree>
       <p:nvGrpSpPr>
-        <p:cNvPr id="99" name="Shape 99"/>
+        <p:cNvPr id="98" name="Shape 98"/>
         <p:cNvGrpSpPr/>
         <p:nvPr/>
       </p:nvGrpSpPr>
@@ -960,7 +960,7 @@
       </p:grpSpPr>
       <p:sp>
         <p:nvSpPr>
-          <p:cNvPr id="100" name="Google Shape;100;g22c3a52a549_0_259:notes"/>
+          <p:cNvPr id="99" name="Google Shape;99;g22c3a52a549_0_259:notes"/>
           <p:cNvSpPr/>
           <p:nvPr>
             <p:ph idx="2" type="sldImg"/>
@@ -995,7 +995,7 @@
       </p:sp>
       <p:sp>
         <p:nvSpPr>
-          <p:cNvPr id="101" name="Google Shape;101;g22c3a52a549_0_259:notes"/>
+          <p:cNvPr id="100" name="Google Shape;100;g22c3a52a549_0_259:notes"/>
           <p:cNvSpPr txBox="1"/>
           <p:nvPr>
             <p:ph idx="1" type="body"/>
@@ -1045,7 +1045,7 @@
   <p:cSld>
     <p:spTree>
       <p:nvGrpSpPr>
-        <p:cNvPr id="106" name="Shape 106"/>
+        <p:cNvPr id="105" name="Shape 105"/>
         <p:cNvGrpSpPr/>
         <p:nvPr/>
       </p:nvGrpSpPr>
@@ -1059,7 +1059,7 @@
       </p:grpSpPr>
       <p:sp>
         <p:nvSpPr>
-          <p:cNvPr id="107" name="Google Shape;107;g22c3a52a549_0_271:notes"/>
+          <p:cNvPr id="106" name="Google Shape;106;g22c3a52a549_0_271:notes"/>
           <p:cNvSpPr/>
           <p:nvPr>
             <p:ph idx="2" type="sldImg"/>
@@ -1094,7 +1094,7 @@
       </p:sp>
       <p:sp>
         <p:nvSpPr>
-          <p:cNvPr id="108" name="Google Shape;108;g22c3a52a549_0_271:notes"/>
+          <p:cNvPr id="107" name="Google Shape;107;g22c3a52a549_0_271:notes"/>
           <p:cNvSpPr txBox="1"/>
           <p:nvPr>
             <p:ph idx="1" type="body"/>
@@ -1144,7 +1144,7 @@
   <p:cSld>
     <p:spTree>
       <p:nvGrpSpPr>
-        <p:cNvPr id="113" name="Shape 113"/>
+        <p:cNvPr id="112" name="Shape 112"/>
         <p:cNvGrpSpPr/>
         <p:nvPr/>
       </p:nvGrpSpPr>
@@ -1158,7 +1158,7 @@
       </p:grpSpPr>
       <p:sp>
         <p:nvSpPr>
-          <p:cNvPr id="114" name="Google Shape;114;g22c3a52a549_0_278:notes"/>
+          <p:cNvPr id="113" name="Google Shape;113;g22c3a52a549_0_278:notes"/>
           <p:cNvSpPr/>
           <p:nvPr>
             <p:ph idx="2" type="sldImg"/>
@@ -1193,7 +1193,7 @@
       </p:sp>
       <p:sp>
         <p:nvSpPr>
-          <p:cNvPr id="115" name="Google Shape;115;g22c3a52a549_0_278:notes"/>
+          <p:cNvPr id="114" name="Google Shape;114;g22c3a52a549_0_278:notes"/>
           <p:cNvSpPr txBox="1"/>
           <p:nvPr>
             <p:ph idx="1" type="body"/>
@@ -1243,7 +1243,7 @@
   <p:cSld>
     <p:spTree>
       <p:nvGrpSpPr>
-        <p:cNvPr id="120" name="Shape 120"/>
+        <p:cNvPr id="119" name="Shape 119"/>
         <p:cNvGrpSpPr/>
         <p:nvPr/>
       </p:nvGrpSpPr>
@@ -1257,7 +1257,7 @@
       </p:grpSpPr>
       <p:sp>
         <p:nvSpPr>
-          <p:cNvPr id="121" name="Google Shape;121;g152a3f74d0d_0_63:notes"/>
+          <p:cNvPr id="120" name="Google Shape;120;g152a3f74d0d_0_63:notes"/>
           <p:cNvSpPr/>
           <p:nvPr>
             <p:ph idx="2" type="sldImg"/>
@@ -1292,7 +1292,7 @@
       </p:sp>
       <p:sp>
         <p:nvSpPr>
-          <p:cNvPr id="122" name="Google Shape;122;g152a3f74d0d_0_63:notes"/>
+          <p:cNvPr id="121" name="Google Shape;121;g152a3f74d0d_0_63:notes"/>
           <p:cNvSpPr txBox="1"/>
           <p:nvPr>
             <p:ph idx="1" type="body"/>
@@ -1342,7 +1342,7 @@
   <p:cSld>
     <p:spTree>
       <p:nvGrpSpPr>
-        <p:cNvPr id="127" name="Shape 127"/>
+        <p:cNvPr id="126" name="Shape 126"/>
         <p:cNvGrpSpPr/>
         <p:nvPr/>
       </p:nvGrpSpPr>
@@ -1356,7 +1356,7 @@
       </p:grpSpPr>
       <p:sp>
         <p:nvSpPr>
-          <p:cNvPr id="128" name="Google Shape;128;g22c3a52a549_0_0:notes"/>
+          <p:cNvPr id="127" name="Google Shape;127;g22c3a52a549_0_0:notes"/>
           <p:cNvSpPr/>
           <p:nvPr>
             <p:ph idx="2" type="sldImg"/>
@@ -1391,7 +1391,7 @@
       </p:sp>
       <p:sp>
         <p:nvSpPr>
-          <p:cNvPr id="129" name="Google Shape;129;g22c3a52a549_0_0:notes"/>
+          <p:cNvPr id="128" name="Google Shape;128;g22c3a52a549_0_0:notes"/>
           <p:cNvSpPr txBox="1"/>
           <p:nvPr>
             <p:ph idx="1" type="body"/>
@@ -1441,7 +1441,7 @@
   <p:cSld>
     <p:spTree>
       <p:nvGrpSpPr>
-        <p:cNvPr id="132" name="Shape 132"/>
+        <p:cNvPr id="131" name="Shape 131"/>
         <p:cNvGrpSpPr/>
         <p:nvPr/>
       </p:nvGrpSpPr>
@@ -1455,7 +1455,7 @@
       </p:grpSpPr>
       <p:sp>
         <p:nvSpPr>
-          <p:cNvPr id="133" name="Google Shape;133;g152a3f74d0d_0_69:notes"/>
+          <p:cNvPr id="132" name="Google Shape;132;g152a3f74d0d_0_69:notes"/>
           <p:cNvSpPr/>
           <p:nvPr>
             <p:ph idx="2" type="sldImg"/>
@@ -1490,7 +1490,7 @@
       </p:sp>
       <p:sp>
         <p:nvSpPr>
-          <p:cNvPr id="134" name="Google Shape;134;g152a3f74d0d_0_69:notes"/>
+          <p:cNvPr id="133" name="Google Shape;133;g152a3f74d0d_0_69:notes"/>
           <p:cNvSpPr txBox="1"/>
           <p:nvPr>
             <p:ph idx="1" type="body"/>
@@ -1540,7 +1540,7 @@
   <p:cSld>
     <p:spTree>
       <p:nvGrpSpPr>
-        <p:cNvPr id="140" name="Shape 140"/>
+        <p:cNvPr id="139" name="Shape 139"/>
         <p:cNvGrpSpPr/>
         <p:nvPr/>
       </p:nvGrpSpPr>
@@ -1554,7 +1554,7 @@
       </p:grpSpPr>
       <p:sp>
         <p:nvSpPr>
-          <p:cNvPr id="141" name="Google Shape;141;g22c3a52a549_0_285:notes"/>
+          <p:cNvPr id="140" name="Google Shape;140;g22c3a52a549_0_285:notes"/>
           <p:cNvSpPr/>
           <p:nvPr>
             <p:ph idx="2" type="sldImg"/>
@@ -1589,7 +1589,7 @@
       </p:sp>
       <p:sp>
         <p:nvSpPr>
-          <p:cNvPr id="142" name="Google Shape;142;g22c3a52a549_0_285:notes"/>
+          <p:cNvPr id="141" name="Google Shape;141;g22c3a52a549_0_285:notes"/>
           <p:cNvSpPr txBox="1"/>
           <p:nvPr>
             <p:ph idx="1" type="body"/>
@@ -1639,7 +1639,7 @@
   <p:cSld>
     <p:spTree>
       <p:nvGrpSpPr>
-        <p:cNvPr id="147" name="Shape 147"/>
+        <p:cNvPr id="146" name="Shape 146"/>
         <p:cNvGrpSpPr/>
         <p:nvPr/>
       </p:nvGrpSpPr>
@@ -1653,7 +1653,7 @@
       </p:grpSpPr>
       <p:sp>
         <p:nvSpPr>
-          <p:cNvPr id="148" name="Google Shape;148;g152a3f74d0d_0_75:notes"/>
+          <p:cNvPr id="147" name="Google Shape;147;g152a3f74d0d_0_75:notes"/>
           <p:cNvSpPr/>
           <p:nvPr>
             <p:ph idx="2" type="sldImg"/>
@@ -1688,7 +1688,7 @@
       </p:sp>
       <p:sp>
         <p:nvSpPr>
-          <p:cNvPr id="149" name="Google Shape;149;g152a3f74d0d_0_75:notes"/>
+          <p:cNvPr id="148" name="Google Shape;148;g152a3f74d0d_0_75:notes"/>
           <p:cNvSpPr txBox="1"/>
           <p:nvPr>
             <p:ph idx="1" type="body"/>
@@ -1738,7 +1738,7 @@
   <p:cSld>
     <p:spTree>
       <p:nvGrpSpPr>
-        <p:cNvPr id="155" name="Shape 155"/>
+        <p:cNvPr id="154" name="Shape 154"/>
         <p:cNvGrpSpPr/>
         <p:nvPr/>
       </p:nvGrpSpPr>
@@ -1752,7 +1752,7 @@
       </p:grpSpPr>
       <p:sp>
         <p:nvSpPr>
-          <p:cNvPr id="156" name="Google Shape;156;g22c56dd9f66_0_10:notes"/>
+          <p:cNvPr id="155" name="Google Shape;155;g22c56dd9f66_0_10:notes"/>
           <p:cNvSpPr/>
           <p:nvPr>
             <p:ph idx="2" type="sldImg"/>
@@ -1787,7 +1787,7 @@
       </p:sp>
       <p:sp>
         <p:nvSpPr>
-          <p:cNvPr id="157" name="Google Shape;157;g22c56dd9f66_0_10:notes"/>
+          <p:cNvPr id="156" name="Google Shape;156;g22c56dd9f66_0_10:notes"/>
           <p:cNvSpPr txBox="1"/>
           <p:nvPr>
             <p:ph idx="1" type="body"/>
@@ -1936,7 +1936,7 @@
   <p:cSld>
     <p:spTree>
       <p:nvGrpSpPr>
-        <p:cNvPr id="162" name="Shape 162"/>
+        <p:cNvPr id="161" name="Shape 161"/>
         <p:cNvGrpSpPr/>
         <p:nvPr/>
       </p:nvGrpSpPr>
@@ -1950,7 +1950,7 @@
       </p:grpSpPr>
       <p:sp>
         <p:nvSpPr>
-          <p:cNvPr id="163" name="Google Shape;163;g22c3a52a549_0_8:notes"/>
+          <p:cNvPr id="162" name="Google Shape;162;g22c3a52a549_0_8:notes"/>
           <p:cNvSpPr/>
           <p:nvPr>
             <p:ph idx="2" type="sldImg"/>
@@ -1985,7 +1985,7 @@
       </p:sp>
       <p:sp>
         <p:nvSpPr>
-          <p:cNvPr id="164" name="Google Shape;164;g22c3a52a549_0_8:notes"/>
+          <p:cNvPr id="163" name="Google Shape;163;g22c3a52a549_0_8:notes"/>
           <p:cNvSpPr txBox="1"/>
           <p:nvPr>
             <p:ph idx="1" type="body"/>
@@ -2035,7 +2035,7 @@
   <p:cSld>
     <p:spTree>
       <p:nvGrpSpPr>
-        <p:cNvPr id="167" name="Shape 167"/>
+        <p:cNvPr id="166" name="Shape 166"/>
         <p:cNvGrpSpPr/>
         <p:nvPr/>
       </p:nvGrpSpPr>
@@ -2049,7 +2049,7 @@
       </p:grpSpPr>
       <p:sp>
         <p:nvSpPr>
-          <p:cNvPr id="168" name="Google Shape;168;g22c3a52a549_0_60:notes"/>
+          <p:cNvPr id="167" name="Google Shape;167;g22c3a52a549_0_60:notes"/>
           <p:cNvSpPr/>
           <p:nvPr>
             <p:ph idx="2" type="sldImg"/>
@@ -2084,7 +2084,7 @@
       </p:sp>
       <p:sp>
         <p:nvSpPr>
-          <p:cNvPr id="169" name="Google Shape;169;g22c3a52a549_0_60:notes"/>
+          <p:cNvPr id="168" name="Google Shape;168;g22c3a52a549_0_60:notes"/>
           <p:cNvSpPr txBox="1"/>
           <p:nvPr>
             <p:ph idx="1" type="body"/>
@@ -2134,7 +2134,7 @@
   <p:cSld>
     <p:spTree>
       <p:nvGrpSpPr>
-        <p:cNvPr id="174" name="Shape 174"/>
+        <p:cNvPr id="173" name="Shape 173"/>
         <p:cNvGrpSpPr/>
         <p:nvPr/>
       </p:nvGrpSpPr>
@@ -2148,7 +2148,7 @@
       </p:grpSpPr>
       <p:sp>
         <p:nvSpPr>
-          <p:cNvPr id="175" name="Google Shape;175;g22c3a52a549_0_66:notes"/>
+          <p:cNvPr id="174" name="Google Shape;174;g22c3a52a549_0_66:notes"/>
           <p:cNvSpPr/>
           <p:nvPr>
             <p:ph idx="2" type="sldImg"/>
@@ -2183,7 +2183,7 @@
       </p:sp>
       <p:sp>
         <p:nvSpPr>
-          <p:cNvPr id="176" name="Google Shape;176;g22c3a52a549_0_66:notes"/>
+          <p:cNvPr id="175" name="Google Shape;175;g22c3a52a549_0_66:notes"/>
           <p:cNvSpPr txBox="1"/>
           <p:nvPr>
             <p:ph idx="1" type="body"/>
@@ -2233,7 +2233,7 @@
   <p:cSld>
     <p:spTree>
       <p:nvGrpSpPr>
-        <p:cNvPr id="181" name="Shape 181"/>
+        <p:cNvPr id="180" name="Shape 180"/>
         <p:cNvGrpSpPr/>
         <p:nvPr/>
       </p:nvGrpSpPr>
@@ -2247,7 +2247,7 @@
       </p:grpSpPr>
       <p:sp>
         <p:nvSpPr>
-          <p:cNvPr id="182" name="Google Shape;182;g22c3a52a549_0_72:notes"/>
+          <p:cNvPr id="181" name="Google Shape;181;g22c3a52a549_0_72:notes"/>
           <p:cNvSpPr/>
           <p:nvPr>
             <p:ph idx="2" type="sldImg"/>
@@ -2282,7 +2282,7 @@
       </p:sp>
       <p:sp>
         <p:nvSpPr>
-          <p:cNvPr id="183" name="Google Shape;183;g22c3a52a549_0_72:notes"/>
+          <p:cNvPr id="182" name="Google Shape;182;g22c3a52a549_0_72:notes"/>
           <p:cNvSpPr txBox="1"/>
           <p:nvPr>
             <p:ph idx="1" type="body"/>
@@ -2332,7 +2332,7 @@
   <p:cSld>
     <p:spTree>
       <p:nvGrpSpPr>
-        <p:cNvPr id="188" name="Shape 188"/>
+        <p:cNvPr id="187" name="Shape 187"/>
         <p:cNvGrpSpPr/>
         <p:nvPr/>
       </p:nvGrpSpPr>
@@ -2346,7 +2346,7 @@
       </p:grpSpPr>
       <p:sp>
         <p:nvSpPr>
-          <p:cNvPr id="189" name="Google Shape;189;g22c3a52a549_0_78:notes"/>
+          <p:cNvPr id="188" name="Google Shape;188;g22c3a52a549_0_78:notes"/>
           <p:cNvSpPr/>
           <p:nvPr>
             <p:ph idx="2" type="sldImg"/>
@@ -2381,7 +2381,7 @@
       </p:sp>
       <p:sp>
         <p:nvSpPr>
-          <p:cNvPr id="190" name="Google Shape;190;g22c3a52a549_0_78:notes"/>
+          <p:cNvPr id="189" name="Google Shape;189;g22c3a52a549_0_78:notes"/>
           <p:cNvSpPr txBox="1"/>
           <p:nvPr>
             <p:ph idx="1" type="body"/>
@@ -2431,7 +2431,7 @@
   <p:cSld>
     <p:spTree>
       <p:nvGrpSpPr>
-        <p:cNvPr id="195" name="Shape 195"/>
+        <p:cNvPr id="194" name="Shape 194"/>
         <p:cNvGrpSpPr/>
         <p:nvPr/>
       </p:nvGrpSpPr>
@@ -2445,7 +2445,7 @@
       </p:grpSpPr>
       <p:sp>
         <p:nvSpPr>
-          <p:cNvPr id="196" name="Google Shape;196;g22c3a52a549_0_84:notes"/>
+          <p:cNvPr id="195" name="Google Shape;195;g22c3a52a549_0_84:notes"/>
           <p:cNvSpPr/>
           <p:nvPr>
             <p:ph idx="2" type="sldImg"/>
@@ -2480,7 +2480,7 @@
       </p:sp>
       <p:sp>
         <p:nvSpPr>
-          <p:cNvPr id="197" name="Google Shape;197;g22c3a52a549_0_84:notes"/>
+          <p:cNvPr id="196" name="Google Shape;196;g22c3a52a549_0_84:notes"/>
           <p:cNvSpPr txBox="1"/>
           <p:nvPr>
             <p:ph idx="1" type="body"/>
@@ -2530,7 +2530,7 @@
   <p:cSld>
     <p:spTree>
       <p:nvGrpSpPr>
-        <p:cNvPr id="202" name="Shape 202"/>
+        <p:cNvPr id="201" name="Shape 201"/>
         <p:cNvGrpSpPr/>
         <p:nvPr/>
       </p:nvGrpSpPr>
@@ -2544,7 +2544,7 @@
       </p:grpSpPr>
       <p:sp>
         <p:nvSpPr>
-          <p:cNvPr id="203" name="Google Shape;203;g22c3a52a549_0_96:notes"/>
+          <p:cNvPr id="202" name="Google Shape;202;g22c3a52a549_0_96:notes"/>
           <p:cNvSpPr/>
           <p:nvPr>
             <p:ph idx="2" type="sldImg"/>
@@ -2579,7 +2579,7 @@
       </p:sp>
       <p:sp>
         <p:nvSpPr>
-          <p:cNvPr id="204" name="Google Shape;204;g22c3a52a549_0_96:notes"/>
+          <p:cNvPr id="203" name="Google Shape;203;g22c3a52a549_0_96:notes"/>
           <p:cNvSpPr txBox="1"/>
           <p:nvPr>
             <p:ph idx="1" type="body"/>
@@ -2629,7 +2629,7 @@
   <p:cSld>
     <p:spTree>
       <p:nvGrpSpPr>
-        <p:cNvPr id="209" name="Shape 209"/>
+        <p:cNvPr id="208" name="Shape 208"/>
         <p:cNvGrpSpPr/>
         <p:nvPr/>
       </p:nvGrpSpPr>
@@ -2643,7 +2643,7 @@
       </p:grpSpPr>
       <p:sp>
         <p:nvSpPr>
-          <p:cNvPr id="210" name="Google Shape;210;g22c56dd9f66_0_16:notes"/>
+          <p:cNvPr id="209" name="Google Shape;209;g22c56dd9f66_0_16:notes"/>
           <p:cNvSpPr/>
           <p:nvPr>
             <p:ph idx="2" type="sldImg"/>
@@ -2678,7 +2678,7 @@
       </p:sp>
       <p:sp>
         <p:nvSpPr>
-          <p:cNvPr id="211" name="Google Shape;211;g22c56dd9f66_0_16:notes"/>
+          <p:cNvPr id="210" name="Google Shape;210;g22c56dd9f66_0_16:notes"/>
           <p:cNvSpPr txBox="1"/>
           <p:nvPr>
             <p:ph idx="1" type="body"/>
@@ -2728,7 +2728,7 @@
   <p:cSld>
     <p:spTree>
       <p:nvGrpSpPr>
-        <p:cNvPr id="216" name="Shape 216"/>
+        <p:cNvPr id="215" name="Shape 215"/>
         <p:cNvGrpSpPr/>
         <p:nvPr/>
       </p:nvGrpSpPr>
@@ -2742,7 +2742,7 @@
       </p:grpSpPr>
       <p:sp>
         <p:nvSpPr>
-          <p:cNvPr id="217" name="Google Shape;217;g22c3a52a549_0_102:notes"/>
+          <p:cNvPr id="216" name="Google Shape;216;g22c3a52a549_0_102:notes"/>
           <p:cNvSpPr/>
           <p:nvPr>
             <p:ph idx="2" type="sldImg"/>
@@ -2777,7 +2777,7 @@
       </p:sp>
       <p:sp>
         <p:nvSpPr>
-          <p:cNvPr id="218" name="Google Shape;218;g22c3a52a549_0_102:notes"/>
+          <p:cNvPr id="217" name="Google Shape;217;g22c3a52a549_0_102:notes"/>
           <p:cNvSpPr txBox="1"/>
           <p:nvPr>
             <p:ph idx="1" type="body"/>
@@ -2827,7 +2827,7 @@
   <p:cSld>
     <p:spTree>
       <p:nvGrpSpPr>
-        <p:cNvPr id="224" name="Shape 224"/>
+        <p:cNvPr id="223" name="Shape 223"/>
         <p:cNvGrpSpPr/>
         <p:nvPr/>
       </p:nvGrpSpPr>
@@ -2841,7 +2841,7 @@
       </p:grpSpPr>
       <p:sp>
         <p:nvSpPr>
-          <p:cNvPr id="225" name="Google Shape;225;g22c3a52a549_0_16:notes"/>
+          <p:cNvPr id="224" name="Google Shape;224;g22c3a52a549_0_16:notes"/>
           <p:cNvSpPr/>
           <p:nvPr>
             <p:ph idx="2" type="sldImg"/>
@@ -2876,7 +2876,7 @@
       </p:sp>
       <p:sp>
         <p:nvSpPr>
-          <p:cNvPr id="226" name="Google Shape;226;g22c3a52a549_0_16:notes"/>
+          <p:cNvPr id="225" name="Google Shape;225;g22c3a52a549_0_16:notes"/>
           <p:cNvSpPr txBox="1"/>
           <p:nvPr>
             <p:ph idx="1" type="body"/>
@@ -3025,7 +3025,7 @@
   <p:cSld>
     <p:spTree>
       <p:nvGrpSpPr>
-        <p:cNvPr id="229" name="Shape 229"/>
+        <p:cNvPr id="228" name="Shape 228"/>
         <p:cNvGrpSpPr/>
         <p:nvPr/>
       </p:nvGrpSpPr>
@@ -3039,7 +3039,7 @@
       </p:grpSpPr>
       <p:sp>
         <p:nvSpPr>
-          <p:cNvPr id="230" name="Google Shape;230;g22c3a52a549_0_132:notes"/>
+          <p:cNvPr id="229" name="Google Shape;229;g22c3a52a549_0_132:notes"/>
           <p:cNvSpPr/>
           <p:nvPr>
             <p:ph idx="2" type="sldImg"/>
@@ -3074,7 +3074,7 @@
       </p:sp>
       <p:sp>
         <p:nvSpPr>
-          <p:cNvPr id="231" name="Google Shape;231;g22c3a52a549_0_132:notes"/>
+          <p:cNvPr id="230" name="Google Shape;230;g22c3a52a549_0_132:notes"/>
           <p:cNvSpPr txBox="1"/>
           <p:nvPr>
             <p:ph idx="1" type="body"/>
@@ -3124,7 +3124,7 @@
   <p:cSld>
     <p:spTree>
       <p:nvGrpSpPr>
-        <p:cNvPr id="236" name="Shape 236"/>
+        <p:cNvPr id="235" name="Shape 235"/>
         <p:cNvGrpSpPr/>
         <p:nvPr/>
       </p:nvGrpSpPr>
@@ -3138,7 +3138,7 @@
       </p:grpSpPr>
       <p:sp>
         <p:nvSpPr>
-          <p:cNvPr id="237" name="Google Shape;237;g22c3a52a549_0_138:notes"/>
+          <p:cNvPr id="236" name="Google Shape;236;g22c3a52a549_0_138:notes"/>
           <p:cNvSpPr/>
           <p:nvPr>
             <p:ph idx="2" type="sldImg"/>
@@ -3173,7 +3173,7 @@
       </p:sp>
       <p:sp>
         <p:nvSpPr>
-          <p:cNvPr id="238" name="Google Shape;238;g22c3a52a549_0_138:notes"/>
+          <p:cNvPr id="237" name="Google Shape;237;g22c3a52a549_0_138:notes"/>
           <p:cNvSpPr txBox="1"/>
           <p:nvPr>
             <p:ph idx="1" type="body"/>
@@ -3223,7 +3223,7 @@
   <p:cSld>
     <p:spTree>
       <p:nvGrpSpPr>
-        <p:cNvPr id="243" name="Shape 243"/>
+        <p:cNvPr id="242" name="Shape 242"/>
         <p:cNvGrpSpPr/>
         <p:nvPr/>
       </p:nvGrpSpPr>
@@ -3237,7 +3237,7 @@
       </p:grpSpPr>
       <p:sp>
         <p:nvSpPr>
-          <p:cNvPr id="244" name="Google Shape;244;g22c3a52a549_0_144:notes"/>
+          <p:cNvPr id="243" name="Google Shape;243;g22c3a52a549_0_144:notes"/>
           <p:cNvSpPr/>
           <p:nvPr>
             <p:ph idx="2" type="sldImg"/>
@@ -3272,7 +3272,7 @@
       </p:sp>
       <p:sp>
         <p:nvSpPr>
-          <p:cNvPr id="245" name="Google Shape;245;g22c3a52a549_0_144:notes"/>
+          <p:cNvPr id="244" name="Google Shape;244;g22c3a52a549_0_144:notes"/>
           <p:cNvSpPr txBox="1"/>
           <p:nvPr>
             <p:ph idx="1" type="body"/>
@@ -3322,7 +3322,7 @@
   <p:cSld>
     <p:spTree>
       <p:nvGrpSpPr>
-        <p:cNvPr id="249" name="Shape 249"/>
+        <p:cNvPr id="248" name="Shape 248"/>
         <p:cNvGrpSpPr/>
         <p:nvPr/>
       </p:nvGrpSpPr>
@@ -3336,7 +3336,7 @@
       </p:grpSpPr>
       <p:sp>
         <p:nvSpPr>
-          <p:cNvPr id="250" name="Google Shape;250;g22c3a52a549_0_113:notes"/>
+          <p:cNvPr id="249" name="Google Shape;249;g22c3a52a549_0_113:notes"/>
           <p:cNvSpPr/>
           <p:nvPr>
             <p:ph idx="2" type="sldImg"/>
@@ -3371,7 +3371,7 @@
       </p:sp>
       <p:sp>
         <p:nvSpPr>
-          <p:cNvPr id="251" name="Google Shape;251;g22c3a52a549_0_113:notes"/>
+          <p:cNvPr id="250" name="Google Shape;250;g22c3a52a549_0_113:notes"/>
           <p:cNvSpPr txBox="1"/>
           <p:nvPr>
             <p:ph idx="1" type="body"/>
@@ -3421,7 +3421,7 @@
   <p:cSld>
     <p:spTree>
       <p:nvGrpSpPr>
-        <p:cNvPr id="256" name="Shape 256"/>
+        <p:cNvPr id="255" name="Shape 255"/>
         <p:cNvGrpSpPr/>
         <p:nvPr/>
       </p:nvGrpSpPr>
@@ -3435,7 +3435,7 @@
       </p:grpSpPr>
       <p:sp>
         <p:nvSpPr>
-          <p:cNvPr id="257" name="Google Shape;257;g22c3a52a549_0_119:notes"/>
+          <p:cNvPr id="256" name="Google Shape;256;g22c3a52a549_0_119:notes"/>
           <p:cNvSpPr/>
           <p:nvPr>
             <p:ph idx="2" type="sldImg"/>
@@ -3470,7 +3470,7 @@
       </p:sp>
       <p:sp>
         <p:nvSpPr>
-          <p:cNvPr id="258" name="Google Shape;258;g22c3a52a549_0_119:notes"/>
+          <p:cNvPr id="257" name="Google Shape;257;g22c3a52a549_0_119:notes"/>
           <p:cNvSpPr txBox="1"/>
           <p:nvPr>
             <p:ph idx="1" type="body"/>
@@ -3520,7 +3520,7 @@
   <p:cSld>
     <p:spTree>
       <p:nvGrpSpPr>
-        <p:cNvPr id="263" name="Shape 263"/>
+        <p:cNvPr id="262" name="Shape 262"/>
         <p:cNvGrpSpPr/>
         <p:nvPr/>
       </p:nvGrpSpPr>
@@ -3534,7 +3534,7 @@
       </p:grpSpPr>
       <p:sp>
         <p:nvSpPr>
-          <p:cNvPr id="264" name="Google Shape;264;g22c3a52a549_0_125:notes"/>
+          <p:cNvPr id="263" name="Google Shape;263;g22c3a52a549_0_125:notes"/>
           <p:cNvSpPr/>
           <p:nvPr>
             <p:ph idx="2" type="sldImg"/>
@@ -3569,7 +3569,7 @@
       </p:sp>
       <p:sp>
         <p:nvSpPr>
-          <p:cNvPr id="265" name="Google Shape;265;g22c3a52a549_0_125:notes"/>
+          <p:cNvPr id="264" name="Google Shape;264;g22c3a52a549_0_125:notes"/>
           <p:cNvSpPr txBox="1"/>
           <p:nvPr>
             <p:ph idx="1" type="body"/>
@@ -3619,7 +3619,7 @@
   <p:cSld>
     <p:spTree>
       <p:nvGrpSpPr>
-        <p:cNvPr id="271" name="Shape 271"/>
+        <p:cNvPr id="270" name="Shape 270"/>
         <p:cNvGrpSpPr/>
         <p:nvPr/>
       </p:nvGrpSpPr>
@@ -3633,7 +3633,7 @@
       </p:grpSpPr>
       <p:sp>
         <p:nvSpPr>
-          <p:cNvPr id="272" name="Google Shape;272;g22c3a52a549_0_193:notes"/>
+          <p:cNvPr id="271" name="Google Shape;271;g22c3a52a549_0_193:notes"/>
           <p:cNvSpPr/>
           <p:nvPr>
             <p:ph idx="2" type="sldImg"/>
@@ -3668,7 +3668,7 @@
       </p:sp>
       <p:sp>
         <p:nvSpPr>
-          <p:cNvPr id="273" name="Google Shape;273;g22c3a52a549_0_193:notes"/>
+          <p:cNvPr id="272" name="Google Shape;272;g22c3a52a549_0_193:notes"/>
           <p:cNvSpPr txBox="1"/>
           <p:nvPr>
             <p:ph idx="1" type="body"/>
@@ -3718,7 +3718,7 @@
   <p:cSld>
     <p:spTree>
       <p:nvGrpSpPr>
-        <p:cNvPr id="277" name="Shape 277"/>
+        <p:cNvPr id="276" name="Shape 276"/>
         <p:cNvGrpSpPr/>
         <p:nvPr/>
       </p:nvGrpSpPr>
@@ -3732,7 +3732,7 @@
       </p:grpSpPr>
       <p:sp>
         <p:nvSpPr>
-          <p:cNvPr id="278" name="Google Shape;278;g152a3f74d0d_0_38:notes"/>
+          <p:cNvPr id="277" name="Google Shape;277;g152a3f74d0d_0_38:notes"/>
           <p:cNvSpPr/>
           <p:nvPr>
             <p:ph idx="2" type="sldImg"/>
@@ -3767,7 +3767,7 @@
       </p:sp>
       <p:sp>
         <p:nvSpPr>
-          <p:cNvPr id="279" name="Google Shape;279;g152a3f74d0d_0_38:notes"/>
+          <p:cNvPr id="278" name="Google Shape;278;g152a3f74d0d_0_38:notes"/>
           <p:cNvSpPr txBox="1"/>
           <p:nvPr>
             <p:ph idx="1" type="body"/>
@@ -3817,7 +3817,7 @@
   <p:cSld>
     <p:spTree>
       <p:nvGrpSpPr>
-        <p:cNvPr id="284" name="Shape 284"/>
+        <p:cNvPr id="283" name="Shape 283"/>
         <p:cNvGrpSpPr/>
         <p:nvPr/>
       </p:nvGrpSpPr>
@@ -3831,7 +3831,7 @@
       </p:grpSpPr>
       <p:sp>
         <p:nvSpPr>
-          <p:cNvPr id="285" name="Google Shape;285;g22c3a52a549_0_20:notes"/>
+          <p:cNvPr id="284" name="Google Shape;284;g22c3a52a549_0_20:notes"/>
           <p:cNvSpPr/>
           <p:nvPr>
             <p:ph idx="2" type="sldImg"/>
@@ -3866,7 +3866,7 @@
       </p:sp>
       <p:sp>
         <p:nvSpPr>
-          <p:cNvPr id="286" name="Google Shape;286;g22c3a52a549_0_20:notes"/>
+          <p:cNvPr id="285" name="Google Shape;285;g22c3a52a549_0_20:notes"/>
           <p:cNvSpPr txBox="1"/>
           <p:nvPr>
             <p:ph idx="1" type="body"/>
@@ -3916,7 +3916,7 @@
   <p:cSld>
     <p:spTree>
       <p:nvGrpSpPr>
-        <p:cNvPr id="289" name="Shape 289"/>
+        <p:cNvPr id="288" name="Shape 288"/>
         <p:cNvGrpSpPr/>
         <p:nvPr/>
       </p:nvGrpSpPr>
@@ -3930,7 +3930,7 @@
       </p:grpSpPr>
       <p:sp>
         <p:nvSpPr>
-          <p:cNvPr id="290" name="Google Shape;290;g22c3a52a549_0_152:notes"/>
+          <p:cNvPr id="289" name="Google Shape;289;g22c3a52a549_0_152:notes"/>
           <p:cNvSpPr/>
           <p:nvPr>
             <p:ph idx="2" type="sldImg"/>
@@ -3965,7 +3965,7 @@
       </p:sp>
       <p:sp>
         <p:nvSpPr>
-          <p:cNvPr id="291" name="Google Shape;291;g22c3a52a549_0_152:notes"/>
+          <p:cNvPr id="290" name="Google Shape;290;g22c3a52a549_0_152:notes"/>
           <p:cNvSpPr txBox="1"/>
           <p:nvPr>
             <p:ph idx="1" type="body"/>
@@ -4015,7 +4015,7 @@
   <p:cSld>
     <p:spTree>
       <p:nvGrpSpPr>
-        <p:cNvPr id="53" name="Shape 53"/>
+        <p:cNvPr id="52" name="Shape 52"/>
         <p:cNvGrpSpPr/>
         <p:nvPr/>
       </p:nvGrpSpPr>
@@ -4029,7 +4029,7 @@
       </p:grpSpPr>
       <p:sp>
         <p:nvSpPr>
-          <p:cNvPr id="54" name="Google Shape;54;g22c3a52a549_0_12:notes"/>
+          <p:cNvPr id="53" name="Google Shape;53;g22c3a52a549_0_12:notes"/>
           <p:cNvSpPr/>
           <p:nvPr>
             <p:ph idx="2" type="sldImg"/>
@@ -4064,7 +4064,7 @@
       </p:sp>
       <p:sp>
         <p:nvSpPr>
-          <p:cNvPr id="55" name="Google Shape;55;g22c3a52a549_0_12:notes"/>
+          <p:cNvPr id="54" name="Google Shape;54;g22c3a52a549_0_12:notes"/>
           <p:cNvSpPr txBox="1"/>
           <p:nvPr>
             <p:ph idx="1" type="body"/>
@@ -4114,7 +4114,7 @@
   <p:cSld>
     <p:spTree>
       <p:nvGrpSpPr>
-        <p:cNvPr id="297" name="Shape 297"/>
+        <p:cNvPr id="296" name="Shape 296"/>
         <p:cNvGrpSpPr/>
         <p:nvPr/>
       </p:nvGrpSpPr>
@@ -4128,7 +4128,7 @@
       </p:grpSpPr>
       <p:sp>
         <p:nvSpPr>
-          <p:cNvPr id="298" name="Google Shape;298;g22c3a52a549_0_159:notes"/>
+          <p:cNvPr id="297" name="Google Shape;297;g22c3a52a549_0_159:notes"/>
           <p:cNvSpPr/>
           <p:nvPr>
             <p:ph idx="2" type="sldImg"/>
@@ -4163,7 +4163,7 @@
       </p:sp>
       <p:sp>
         <p:nvSpPr>
-          <p:cNvPr id="299" name="Google Shape;299;g22c3a52a549_0_159:notes"/>
+          <p:cNvPr id="298" name="Google Shape;298;g22c3a52a549_0_159:notes"/>
           <p:cNvSpPr txBox="1"/>
           <p:nvPr>
             <p:ph idx="1" type="body"/>
@@ -4213,7 +4213,7 @@
   <p:cSld>
     <p:spTree>
       <p:nvGrpSpPr>
-        <p:cNvPr id="305" name="Shape 305"/>
+        <p:cNvPr id="304" name="Shape 304"/>
         <p:cNvGrpSpPr/>
         <p:nvPr/>
       </p:nvGrpSpPr>
@@ -4227,7 +4227,7 @@
       </p:grpSpPr>
       <p:sp>
         <p:nvSpPr>
-          <p:cNvPr id="306" name="Google Shape;306;g22c3a52a549_0_166:notes"/>
+          <p:cNvPr id="305" name="Google Shape;305;g22c3a52a549_0_166:notes"/>
           <p:cNvSpPr/>
           <p:nvPr>
             <p:ph idx="2" type="sldImg"/>
@@ -4262,7 +4262,7 @@
       </p:sp>
       <p:sp>
         <p:nvSpPr>
-          <p:cNvPr id="307" name="Google Shape;307;g22c3a52a549_0_166:notes"/>
+          <p:cNvPr id="306" name="Google Shape;306;g22c3a52a549_0_166:notes"/>
           <p:cNvSpPr txBox="1"/>
           <p:nvPr>
             <p:ph idx="1" type="body"/>
@@ -4312,7 +4312,7 @@
   <p:cSld>
     <p:spTree>
       <p:nvGrpSpPr>
-        <p:cNvPr id="313" name="Shape 313"/>
+        <p:cNvPr id="312" name="Shape 312"/>
         <p:cNvGrpSpPr/>
         <p:nvPr/>
       </p:nvGrpSpPr>
@@ -4326,7 +4326,7 @@
       </p:grpSpPr>
       <p:sp>
         <p:nvSpPr>
-          <p:cNvPr id="314" name="Google Shape;314;g2ad5dfb57f5_0_0:notes"/>
+          <p:cNvPr id="313" name="Google Shape;313;g2ad5dfb57f5_0_0:notes"/>
           <p:cNvSpPr/>
           <p:nvPr>
             <p:ph idx="2" type="sldImg"/>
@@ -4361,7 +4361,7 @@
       </p:sp>
       <p:sp>
         <p:nvSpPr>
-          <p:cNvPr id="315" name="Google Shape;315;g2ad5dfb57f5_0_0:notes"/>
+          <p:cNvPr id="314" name="Google Shape;314;g2ad5dfb57f5_0_0:notes"/>
           <p:cNvSpPr txBox="1"/>
           <p:nvPr>
             <p:ph idx="1" type="body"/>
@@ -4411,7 +4411,7 @@
   <p:cSld>
     <p:spTree>
       <p:nvGrpSpPr>
-        <p:cNvPr id="321" name="Shape 321"/>
+        <p:cNvPr id="320" name="Shape 320"/>
         <p:cNvGrpSpPr/>
         <p:nvPr/>
       </p:nvGrpSpPr>
@@ -4425,7 +4425,7 @@
       </p:grpSpPr>
       <p:sp>
         <p:nvSpPr>
-          <p:cNvPr id="322" name="Google Shape;322;g22c3a52a549_0_173:notes"/>
+          <p:cNvPr id="321" name="Google Shape;321;g22c3a52a549_0_173:notes"/>
           <p:cNvSpPr/>
           <p:nvPr>
             <p:ph idx="2" type="sldImg"/>
@@ -4460,7 +4460,7 @@
       </p:sp>
       <p:sp>
         <p:nvSpPr>
-          <p:cNvPr id="323" name="Google Shape;323;g22c3a52a549_0_173:notes"/>
+          <p:cNvPr id="322" name="Google Shape;322;g22c3a52a549_0_173:notes"/>
           <p:cNvSpPr txBox="1"/>
           <p:nvPr>
             <p:ph idx="1" type="body"/>
@@ -4510,7 +4510,7 @@
   <p:cSld>
     <p:spTree>
       <p:nvGrpSpPr>
-        <p:cNvPr id="328" name="Shape 328"/>
+        <p:cNvPr id="327" name="Shape 327"/>
         <p:cNvGrpSpPr/>
         <p:nvPr/>
       </p:nvGrpSpPr>
@@ -4524,7 +4524,7 @@
       </p:grpSpPr>
       <p:sp>
         <p:nvSpPr>
-          <p:cNvPr id="329" name="Google Shape;329;g22c3a52a549_0_179:notes"/>
+          <p:cNvPr id="328" name="Google Shape;328;g22c3a52a549_0_179:notes"/>
           <p:cNvSpPr/>
           <p:nvPr>
             <p:ph idx="2" type="sldImg"/>
@@ -4559,7 +4559,7 @@
       </p:sp>
       <p:sp>
         <p:nvSpPr>
-          <p:cNvPr id="330" name="Google Shape;330;g22c3a52a549_0_179:notes"/>
+          <p:cNvPr id="329" name="Google Shape;329;g22c3a52a549_0_179:notes"/>
           <p:cNvSpPr txBox="1"/>
           <p:nvPr>
             <p:ph idx="1" type="body"/>
@@ -4609,7 +4609,7 @@
   <p:cSld>
     <p:spTree>
       <p:nvGrpSpPr>
-        <p:cNvPr id="337" name="Shape 337"/>
+        <p:cNvPr id="336" name="Shape 336"/>
         <p:cNvGrpSpPr/>
         <p:nvPr/>
       </p:nvGrpSpPr>
@@ -4623,7 +4623,7 @@
       </p:grpSpPr>
       <p:sp>
         <p:nvSpPr>
-          <p:cNvPr id="338" name="Google Shape;338;g22c3a52a549_0_187:notes"/>
+          <p:cNvPr id="337" name="Google Shape;337;g22c3a52a549_0_187:notes"/>
           <p:cNvSpPr/>
           <p:nvPr>
             <p:ph idx="2" type="sldImg"/>
@@ -4658,7 +4658,7 @@
       </p:sp>
       <p:sp>
         <p:nvSpPr>
-          <p:cNvPr id="339" name="Google Shape;339;g22c3a52a549_0_187:notes"/>
+          <p:cNvPr id="338" name="Google Shape;338;g22c3a52a549_0_187:notes"/>
           <p:cNvSpPr txBox="1"/>
           <p:nvPr>
             <p:ph idx="1" type="body"/>
@@ -4708,7 +4708,7 @@
   <p:cSld>
     <p:spTree>
       <p:nvGrpSpPr>
-        <p:cNvPr id="344" name="Shape 344"/>
+        <p:cNvPr id="343" name="Shape 343"/>
         <p:cNvGrpSpPr/>
         <p:nvPr/>
       </p:nvGrpSpPr>
@@ -4722,7 +4722,7 @@
       </p:grpSpPr>
       <p:sp>
         <p:nvSpPr>
-          <p:cNvPr id="345" name="Google Shape;345;g22c3a52a549_0_24:notes"/>
+          <p:cNvPr id="344" name="Google Shape;344;g22c3a52a549_0_24:notes"/>
           <p:cNvSpPr/>
           <p:nvPr>
             <p:ph idx="2" type="sldImg"/>
@@ -4757,7 +4757,7 @@
       </p:sp>
       <p:sp>
         <p:nvSpPr>
-          <p:cNvPr id="346" name="Google Shape;346;g22c3a52a549_0_24:notes"/>
+          <p:cNvPr id="345" name="Google Shape;345;g22c3a52a549_0_24:notes"/>
           <p:cNvSpPr txBox="1"/>
           <p:nvPr>
             <p:ph idx="1" type="body"/>
@@ -4807,7 +4807,7 @@
   <p:cSld>
     <p:spTree>
       <p:nvGrpSpPr>
-        <p:cNvPr id="349" name="Shape 349"/>
+        <p:cNvPr id="348" name="Shape 348"/>
         <p:cNvGrpSpPr/>
         <p:nvPr/>
       </p:nvGrpSpPr>
@@ -4821,7 +4821,7 @@
       </p:grpSpPr>
       <p:sp>
         <p:nvSpPr>
-          <p:cNvPr id="350" name="Google Shape;350;g22c3a52a549_0_239:notes"/>
+          <p:cNvPr id="349" name="Google Shape;349;g22c3a52a549_0_239:notes"/>
           <p:cNvSpPr/>
           <p:nvPr>
             <p:ph idx="2" type="sldImg"/>
@@ -4856,7 +4856,7 @@
       </p:sp>
       <p:sp>
         <p:nvSpPr>
-          <p:cNvPr id="351" name="Google Shape;351;g22c3a52a549_0_239:notes"/>
+          <p:cNvPr id="350" name="Google Shape;350;g22c3a52a549_0_239:notes"/>
           <p:cNvSpPr txBox="1"/>
           <p:nvPr>
             <p:ph idx="1" type="body"/>
@@ -4906,7 +4906,7 @@
   <p:cSld>
     <p:spTree>
       <p:nvGrpSpPr>
-        <p:cNvPr id="356" name="Shape 356"/>
+        <p:cNvPr id="355" name="Shape 355"/>
         <p:cNvGrpSpPr/>
         <p:nvPr/>
       </p:nvGrpSpPr>
@@ -4920,7 +4920,7 @@
       </p:grpSpPr>
       <p:sp>
         <p:nvSpPr>
-          <p:cNvPr id="357" name="Google Shape;357;g22c3a52a549_0_245:notes"/>
+          <p:cNvPr id="356" name="Google Shape;356;g22c3a52a549_0_245:notes"/>
           <p:cNvSpPr/>
           <p:nvPr>
             <p:ph idx="2" type="sldImg"/>
@@ -4955,7 +4955,7 @@
       </p:sp>
       <p:sp>
         <p:nvSpPr>
-          <p:cNvPr id="358" name="Google Shape;358;g22c3a52a549_0_245:notes"/>
+          <p:cNvPr id="357" name="Google Shape;357;g22c3a52a549_0_245:notes"/>
           <p:cNvSpPr txBox="1"/>
           <p:nvPr>
             <p:ph idx="1" type="body"/>
@@ -5005,7 +5005,7 @@
   <p:cSld>
     <p:spTree>
       <p:nvGrpSpPr>
-        <p:cNvPr id="361" name="Shape 361"/>
+        <p:cNvPr id="360" name="Shape 360"/>
         <p:cNvGrpSpPr/>
         <p:nvPr/>
       </p:nvGrpSpPr>
@@ -5019,7 +5019,7 @@
       </p:grpSpPr>
       <p:sp>
         <p:nvSpPr>
-          <p:cNvPr id="362" name="Google Shape;362;g22c56dd9f66_0_22:notes"/>
+          <p:cNvPr id="361" name="Google Shape;361;g22c56dd9f66_0_22:notes"/>
           <p:cNvSpPr/>
           <p:nvPr>
             <p:ph idx="2" type="sldImg"/>
@@ -5054,7 +5054,7 @@
       </p:sp>
       <p:sp>
         <p:nvSpPr>
-          <p:cNvPr id="363" name="Google Shape;363;g22c56dd9f66_0_22:notes"/>
+          <p:cNvPr id="362" name="Google Shape;362;g22c56dd9f66_0_22:notes"/>
           <p:cNvSpPr txBox="1"/>
           <p:nvPr>
             <p:ph idx="1" type="body"/>
@@ -5104,7 +5104,7 @@
   <p:cSld>
     <p:spTree>
       <p:nvGrpSpPr>
-        <p:cNvPr id="58" name="Shape 58"/>
+        <p:cNvPr id="57" name="Shape 57"/>
         <p:cNvGrpSpPr/>
         <p:nvPr/>
       </p:nvGrpSpPr>
@@ -5118,7 +5118,7 @@
       </p:grpSpPr>
       <p:sp>
         <p:nvSpPr>
-          <p:cNvPr id="59" name="Google Shape;59;g22c44da2404_0_0:notes"/>
+          <p:cNvPr id="58" name="Google Shape;58;g22c44da2404_0_0:notes"/>
           <p:cNvSpPr/>
           <p:nvPr>
             <p:ph idx="2" type="sldImg"/>
@@ -5153,7 +5153,7 @@
       </p:sp>
       <p:sp>
         <p:nvSpPr>
-          <p:cNvPr id="60" name="Google Shape;60;g22c44da2404_0_0:notes"/>
+          <p:cNvPr id="59" name="Google Shape;59;g22c44da2404_0_0:notes"/>
           <p:cNvSpPr txBox="1"/>
           <p:nvPr>
             <p:ph idx="1" type="body"/>
@@ -5203,7 +5203,7 @@
   <p:cSld>
     <p:spTree>
       <p:nvGrpSpPr>
-        <p:cNvPr id="368" name="Shape 368"/>
+        <p:cNvPr id="367" name="Shape 367"/>
         <p:cNvGrpSpPr/>
         <p:nvPr/>
       </p:nvGrpSpPr>
@@ -5217,7 +5217,7 @@
       </p:grpSpPr>
       <p:sp>
         <p:nvSpPr>
-          <p:cNvPr id="369" name="Google Shape;369;g22c3a52a549_0_249:notes"/>
+          <p:cNvPr id="368" name="Google Shape;368;g22c3a52a549_0_249:notes"/>
           <p:cNvSpPr/>
           <p:nvPr>
             <p:ph idx="2" type="sldImg"/>
@@ -5252,7 +5252,7 @@
       </p:sp>
       <p:sp>
         <p:nvSpPr>
-          <p:cNvPr id="370" name="Google Shape;370;g22c3a52a549_0_249:notes"/>
+          <p:cNvPr id="369" name="Google Shape;369;g22c3a52a549_0_249:notes"/>
           <p:cNvSpPr txBox="1"/>
           <p:nvPr>
             <p:ph idx="1" type="body"/>
@@ -5302,7 +5302,7 @@
   <p:cSld>
     <p:spTree>
       <p:nvGrpSpPr>
-        <p:cNvPr id="373" name="Shape 373"/>
+        <p:cNvPr id="372" name="Shape 372"/>
         <p:cNvGrpSpPr/>
         <p:nvPr/>
       </p:nvGrpSpPr>
@@ -5316,7 +5316,7 @@
       </p:grpSpPr>
       <p:sp>
         <p:nvSpPr>
-          <p:cNvPr id="374" name="Google Shape;374;g152a3f74d0d_0_22:notes"/>
+          <p:cNvPr id="373" name="Google Shape;373;g152a3f74d0d_0_22:notes"/>
           <p:cNvSpPr/>
           <p:nvPr>
             <p:ph idx="2" type="sldImg"/>
@@ -5351,7 +5351,7 @@
       </p:sp>
       <p:sp>
         <p:nvSpPr>
-          <p:cNvPr id="375" name="Google Shape;375;g152a3f74d0d_0_22:notes"/>
+          <p:cNvPr id="374" name="Google Shape;374;g152a3f74d0d_0_22:notes"/>
           <p:cNvSpPr txBox="1"/>
           <p:nvPr>
             <p:ph idx="1" type="body"/>
@@ -5401,7 +5401,7 @@
   <p:cSld>
     <p:spTree>
       <p:nvGrpSpPr>
-        <p:cNvPr id="380" name="Shape 380"/>
+        <p:cNvPr id="379" name="Shape 379"/>
         <p:cNvGrpSpPr/>
         <p:nvPr/>
       </p:nvGrpSpPr>
@@ -5415,7 +5415,7 @@
       </p:grpSpPr>
       <p:sp>
         <p:nvSpPr>
-          <p:cNvPr id="381" name="Google Shape;381;g22c56dd9f66_0_3:notes"/>
+          <p:cNvPr id="380" name="Google Shape;380;g22c56dd9f66_0_3:notes"/>
           <p:cNvSpPr/>
           <p:nvPr>
             <p:ph idx="2" type="sldImg"/>
@@ -5450,7 +5450,7 @@
       </p:sp>
       <p:sp>
         <p:nvSpPr>
-          <p:cNvPr id="382" name="Google Shape;382;g22c56dd9f66_0_3:notes"/>
+          <p:cNvPr id="381" name="Google Shape;381;g22c56dd9f66_0_3:notes"/>
           <p:cNvSpPr txBox="1"/>
           <p:nvPr>
             <p:ph idx="1" type="body"/>
@@ -5500,7 +5500,7 @@
   <p:cSld>
     <p:spTree>
       <p:nvGrpSpPr>
-        <p:cNvPr id="388" name="Shape 388"/>
+        <p:cNvPr id="387" name="Shape 387"/>
         <p:cNvGrpSpPr/>
         <p:nvPr/>
       </p:nvGrpSpPr>
@@ -5514,7 +5514,7 @@
       </p:grpSpPr>
       <p:sp>
         <p:nvSpPr>
-          <p:cNvPr id="389" name="Google Shape;389;g22c3a52a549_0_28:notes"/>
+          <p:cNvPr id="388" name="Google Shape;388;g22c3a52a549_0_28:notes"/>
           <p:cNvSpPr/>
           <p:nvPr>
             <p:ph idx="2" type="sldImg"/>
@@ -5549,7 +5549,7 @@
       </p:sp>
       <p:sp>
         <p:nvSpPr>
-          <p:cNvPr id="390" name="Google Shape;390;g22c3a52a549_0_28:notes"/>
+          <p:cNvPr id="389" name="Google Shape;389;g22c3a52a549_0_28:notes"/>
           <p:cNvSpPr txBox="1"/>
           <p:nvPr>
             <p:ph idx="1" type="body"/>
@@ -5599,7 +5599,7 @@
   <p:cSld>
     <p:spTree>
       <p:nvGrpSpPr>
-        <p:cNvPr id="393" name="Shape 393"/>
+        <p:cNvPr id="392" name="Shape 392"/>
         <p:cNvGrpSpPr/>
         <p:nvPr/>
       </p:nvGrpSpPr>
@@ -5613,7 +5613,7 @@
       </p:grpSpPr>
       <p:sp>
         <p:nvSpPr>
-          <p:cNvPr id="394" name="Google Shape;394;g152a3f74d0d_0_44:notes"/>
+          <p:cNvPr id="393" name="Google Shape;393;g152a3f74d0d_0_44:notes"/>
           <p:cNvSpPr/>
           <p:nvPr>
             <p:ph idx="2" type="sldImg"/>
@@ -5648,7 +5648,7 @@
       </p:sp>
       <p:sp>
         <p:nvSpPr>
-          <p:cNvPr id="395" name="Google Shape;395;g152a3f74d0d_0_44:notes"/>
+          <p:cNvPr id="394" name="Google Shape;394;g152a3f74d0d_0_44:notes"/>
           <p:cNvSpPr txBox="1"/>
           <p:nvPr>
             <p:ph idx="1" type="body"/>
@@ -5698,7 +5698,7 @@
   <p:cSld>
     <p:spTree>
       <p:nvGrpSpPr>
-        <p:cNvPr id="402" name="Shape 402"/>
+        <p:cNvPr id="401" name="Shape 401"/>
         <p:cNvGrpSpPr/>
         <p:nvPr/>
       </p:nvGrpSpPr>
@@ -5712,7 +5712,7 @@
       </p:grpSpPr>
       <p:sp>
         <p:nvSpPr>
-          <p:cNvPr id="403" name="Google Shape;403;g22c56dd9f66_0_29:notes"/>
+          <p:cNvPr id="402" name="Google Shape;402;g22c56dd9f66_0_29:notes"/>
           <p:cNvSpPr/>
           <p:nvPr>
             <p:ph idx="2" type="sldImg"/>
@@ -5747,7 +5747,7 @@
       </p:sp>
       <p:sp>
         <p:nvSpPr>
-          <p:cNvPr id="404" name="Google Shape;404;g22c56dd9f66_0_29:notes"/>
+          <p:cNvPr id="403" name="Google Shape;403;g22c56dd9f66_0_29:notes"/>
           <p:cNvSpPr txBox="1"/>
           <p:nvPr>
             <p:ph idx="1" type="body"/>
@@ -5797,7 +5797,7 @@
   <p:cSld>
     <p:spTree>
       <p:nvGrpSpPr>
-        <p:cNvPr id="409" name="Shape 409"/>
+        <p:cNvPr id="408" name="Shape 408"/>
         <p:cNvGrpSpPr/>
         <p:nvPr/>
       </p:nvGrpSpPr>
@@ -5811,7 +5811,7 @@
       </p:grpSpPr>
       <p:sp>
         <p:nvSpPr>
-          <p:cNvPr id="410" name="Google Shape;410;g22c56dd9f66_0_37:notes"/>
+          <p:cNvPr id="409" name="Google Shape;409;g22c56dd9f66_0_37:notes"/>
           <p:cNvSpPr/>
           <p:nvPr>
             <p:ph idx="2" type="sldImg"/>
@@ -5846,7 +5846,7 @@
       </p:sp>
       <p:sp>
         <p:nvSpPr>
-          <p:cNvPr id="411" name="Google Shape;411;g22c56dd9f66_0_37:notes"/>
+          <p:cNvPr id="410" name="Google Shape;410;g22c56dd9f66_0_37:notes"/>
           <p:cNvSpPr txBox="1"/>
           <p:nvPr>
             <p:ph idx="1" type="body"/>
@@ -5896,7 +5896,7 @@
   <p:cSld>
     <p:spTree>
       <p:nvGrpSpPr>
-        <p:cNvPr id="416" name="Shape 416"/>
+        <p:cNvPr id="415" name="Shape 415"/>
         <p:cNvGrpSpPr/>
         <p:nvPr/>
       </p:nvGrpSpPr>
@@ -5910,7 +5910,7 @@
       </p:grpSpPr>
       <p:sp>
         <p:nvSpPr>
-          <p:cNvPr id="417" name="Google Shape;417;g239869f5abc_0_38:notes"/>
+          <p:cNvPr id="416" name="Google Shape;416;g239869f5abc_0_38:notes"/>
           <p:cNvSpPr/>
           <p:nvPr>
             <p:ph idx="2" type="sldImg"/>
@@ -5945,7 +5945,7 @@
       </p:sp>
       <p:sp>
         <p:nvSpPr>
-          <p:cNvPr id="418" name="Google Shape;418;g239869f5abc_0_38:notes"/>
+          <p:cNvPr id="417" name="Google Shape;417;g239869f5abc_0_38:notes"/>
           <p:cNvSpPr txBox="1"/>
           <p:nvPr>
             <p:ph idx="1" type="body"/>
@@ -5995,7 +5995,7 @@
   <p:cSld>
     <p:spTree>
       <p:nvGrpSpPr>
-        <p:cNvPr id="422" name="Shape 422"/>
+        <p:cNvPr id="421" name="Shape 421"/>
         <p:cNvGrpSpPr/>
         <p:nvPr/>
       </p:nvGrpSpPr>
@@ -6009,7 +6009,7 @@
       </p:grpSpPr>
       <p:sp>
         <p:nvSpPr>
-          <p:cNvPr id="423" name="Google Shape;423;g239869f5abc_0_43:notes"/>
+          <p:cNvPr id="422" name="Google Shape;422;g239869f5abc_0_43:notes"/>
           <p:cNvSpPr/>
           <p:nvPr>
             <p:ph idx="2" type="sldImg"/>
@@ -6044,7 +6044,7 @@
       </p:sp>
       <p:sp>
         <p:nvSpPr>
-          <p:cNvPr id="424" name="Google Shape;424;g239869f5abc_0_43:notes"/>
+          <p:cNvPr id="423" name="Google Shape;423;g239869f5abc_0_43:notes"/>
           <p:cNvSpPr txBox="1"/>
           <p:nvPr>
             <p:ph idx="1" type="body"/>
@@ -6094,7 +6094,7 @@
   <p:cSld>
     <p:spTree>
       <p:nvGrpSpPr>
-        <p:cNvPr id="66" name="Shape 66"/>
+        <p:cNvPr id="65" name="Shape 65"/>
         <p:cNvGrpSpPr/>
         <p:nvPr/>
       </p:nvGrpSpPr>
@@ -6108,7 +6108,7 @@
       </p:grpSpPr>
       <p:sp>
         <p:nvSpPr>
-          <p:cNvPr id="67" name="Google Shape;67;g22c3a52a549_0_32:notes"/>
+          <p:cNvPr id="66" name="Google Shape;66;g22c3a52a549_0_32:notes"/>
           <p:cNvSpPr/>
           <p:nvPr>
             <p:ph idx="2" type="sldImg"/>
@@ -6143,7 +6143,7 @@
       </p:sp>
       <p:sp>
         <p:nvSpPr>
-          <p:cNvPr id="68" name="Google Shape;68;g22c3a52a549_0_32:notes"/>
+          <p:cNvPr id="67" name="Google Shape;67;g22c3a52a549_0_32:notes"/>
           <p:cNvSpPr txBox="1"/>
           <p:nvPr>
             <p:ph idx="1" type="body"/>
@@ -6193,7 +6193,7 @@
   <p:cSld>
     <p:spTree>
       <p:nvGrpSpPr>
-        <p:cNvPr id="73" name="Shape 73"/>
+        <p:cNvPr id="72" name="Shape 72"/>
         <p:cNvGrpSpPr/>
         <p:nvPr/>
       </p:nvGrpSpPr>
@@ -6207,7 +6207,7 @@
       </p:grpSpPr>
       <p:sp>
         <p:nvSpPr>
-          <p:cNvPr id="74" name="Google Shape;74;g22c3a52a549_0_253:notes"/>
+          <p:cNvPr id="73" name="Google Shape;73;g22c3a52a549_0_253:notes"/>
           <p:cNvSpPr/>
           <p:nvPr>
             <p:ph idx="2" type="sldImg"/>
@@ -6242,7 +6242,7 @@
       </p:sp>
       <p:sp>
         <p:nvSpPr>
-          <p:cNvPr id="75" name="Google Shape;75;g22c3a52a549_0_253:notes"/>
+          <p:cNvPr id="74" name="Google Shape;74;g22c3a52a549_0_253:notes"/>
           <p:cNvSpPr txBox="1"/>
           <p:nvPr>
             <p:ph idx="1" type="body"/>
@@ -6292,7 +6292,7 @@
   <p:cSld>
     <p:spTree>
       <p:nvGrpSpPr>
-        <p:cNvPr id="80" name="Shape 80"/>
+        <p:cNvPr id="79" name="Shape 79"/>
         <p:cNvGrpSpPr/>
         <p:nvPr/>
       </p:nvGrpSpPr>
@@ -6306,7 +6306,7 @@
       </p:grpSpPr>
       <p:sp>
         <p:nvSpPr>
-          <p:cNvPr id="81" name="Google Shape;81;g22c3a52a549_0_54:notes"/>
+          <p:cNvPr id="80" name="Google Shape;80;g22c3a52a549_0_54:notes"/>
           <p:cNvSpPr/>
           <p:nvPr>
             <p:ph idx="2" type="sldImg"/>
@@ -6341,7 +6341,7 @@
       </p:sp>
       <p:sp>
         <p:nvSpPr>
-          <p:cNvPr id="82" name="Google Shape;82;g22c3a52a549_0_54:notes"/>
+          <p:cNvPr id="81" name="Google Shape;81;g22c3a52a549_0_54:notes"/>
           <p:cNvSpPr txBox="1"/>
           <p:nvPr>
             <p:ph idx="1" type="body"/>
@@ -6391,7 +6391,7 @@
   <p:cSld>
     <p:spTree>
       <p:nvGrpSpPr>
-        <p:cNvPr id="87" name="Shape 87"/>
+        <p:cNvPr id="86" name="Shape 86"/>
         <p:cNvGrpSpPr/>
         <p:nvPr/>
       </p:nvGrpSpPr>
@@ -6405,7 +6405,7 @@
       </p:grpSpPr>
       <p:sp>
         <p:nvSpPr>
-          <p:cNvPr id="88" name="Google Shape;88;g1e2e277565b_0_0:notes"/>
+          <p:cNvPr id="87" name="Google Shape;87;g1e2e277565b_0_0:notes"/>
           <p:cNvSpPr/>
           <p:nvPr>
             <p:ph idx="2" type="sldImg"/>
@@ -6440,7 +6440,7 @@
       </p:sp>
       <p:sp>
         <p:nvSpPr>
-          <p:cNvPr id="89" name="Google Shape;89;g1e2e277565b_0_0:notes"/>
+          <p:cNvPr id="88" name="Google Shape;88;g1e2e277565b_0_0:notes"/>
           <p:cNvSpPr txBox="1"/>
           <p:nvPr>
             <p:ph idx="1" type="body"/>
@@ -9824,7 +9824,7 @@
             </a:pPr>
             <a:r>
               <a:rPr lang="en"/>
-              <a:t>Dirk Riehle, Univ. Erlangen</a:t>
+              <a:t>Dirk Riehle, FAU Erlangen</a:t>
             </a:r>
             <a:endParaRPr/>
           </a:p>
@@ -9899,7 +9899,7 @@
   <p:cSld>
     <p:spTree>
       <p:nvGrpSpPr>
-        <p:cNvPr id="97" name="Shape 97"/>
+        <p:cNvPr id="96" name="Shape 96"/>
         <p:cNvGrpSpPr/>
         <p:nvPr/>
       </p:nvGrpSpPr>
@@ -9913,7 +9913,7 @@
       </p:grpSpPr>
       <p:sp>
         <p:nvSpPr>
-          <p:cNvPr id="98" name="Google Shape;98;p17"/>
+          <p:cNvPr id="97" name="Google Shape;97;p17"/>
           <p:cNvSpPr txBox="1"/>
           <p:nvPr>
             <p:ph type="title"/>
@@ -9964,7 +9964,7 @@
   <p:cSld>
     <p:spTree>
       <p:nvGrpSpPr>
-        <p:cNvPr id="102" name="Shape 102"/>
+        <p:cNvPr id="101" name="Shape 101"/>
         <p:cNvGrpSpPr/>
         <p:nvPr/>
       </p:nvGrpSpPr>
@@ -9978,7 +9978,7 @@
       </p:grpSpPr>
       <p:sp>
         <p:nvSpPr>
-          <p:cNvPr id="103" name="Google Shape;103;p18"/>
+          <p:cNvPr id="102" name="Google Shape;102;p18"/>
           <p:cNvSpPr txBox="1"/>
           <p:nvPr>
             <p:ph idx="1" type="body"/>
@@ -10100,7 +10100,7 @@
       </p:sp>
       <p:sp>
         <p:nvSpPr>
-          <p:cNvPr id="104" name="Google Shape;104;p18"/>
+          <p:cNvPr id="103" name="Google Shape;103;p18"/>
           <p:cNvSpPr txBox="1"/>
           <p:nvPr>
             <p:ph type="title"/>
@@ -10140,7 +10140,7 @@
       </p:sp>
       <p:sp>
         <p:nvSpPr>
-          <p:cNvPr id="105" name="Google Shape;105;p18"/>
+          <p:cNvPr id="104" name="Google Shape;104;p18"/>
           <p:cNvSpPr txBox="1"/>
           <p:nvPr>
             <p:ph idx="12" type="sldNum"/>
@@ -10216,7 +10216,7 @@
   <p:cSld>
     <p:spTree>
       <p:nvGrpSpPr>
-        <p:cNvPr id="109" name="Shape 109"/>
+        <p:cNvPr id="108" name="Shape 108"/>
         <p:cNvGrpSpPr/>
         <p:nvPr/>
       </p:nvGrpSpPr>
@@ -10230,7 +10230,7 @@
       </p:grpSpPr>
       <p:sp>
         <p:nvSpPr>
-          <p:cNvPr id="110" name="Google Shape;110;p19"/>
+          <p:cNvPr id="109" name="Google Shape;109;p19"/>
           <p:cNvSpPr txBox="1"/>
           <p:nvPr>
             <p:ph type="title"/>
@@ -10270,7 +10270,7 @@
       </p:sp>
       <p:sp>
         <p:nvSpPr>
-          <p:cNvPr id="111" name="Google Shape;111;p19"/>
+          <p:cNvPr id="110" name="Google Shape;110;p19"/>
           <p:cNvSpPr txBox="1"/>
           <p:nvPr>
             <p:ph idx="1" type="body"/>
@@ -10453,7 +10453,7 @@
       </p:sp>
       <p:sp>
         <p:nvSpPr>
-          <p:cNvPr id="112" name="Google Shape;112;p19"/>
+          <p:cNvPr id="111" name="Google Shape;111;p19"/>
           <p:cNvSpPr txBox="1"/>
           <p:nvPr>
             <p:ph idx="12" type="sldNum"/>
@@ -10529,7 +10529,7 @@
   <p:cSld>
     <p:spTree>
       <p:nvGrpSpPr>
-        <p:cNvPr id="116" name="Shape 116"/>
+        <p:cNvPr id="115" name="Shape 115"/>
         <p:cNvGrpSpPr/>
         <p:nvPr/>
       </p:nvGrpSpPr>
@@ -10543,7 +10543,7 @@
       </p:grpSpPr>
       <p:sp>
         <p:nvSpPr>
-          <p:cNvPr id="117" name="Google Shape;117;p20"/>
+          <p:cNvPr id="116" name="Google Shape;116;p20"/>
           <p:cNvSpPr txBox="1"/>
           <p:nvPr>
             <p:ph type="title"/>
@@ -10583,7 +10583,7 @@
       </p:sp>
       <p:sp>
         <p:nvSpPr>
-          <p:cNvPr id="118" name="Google Shape;118;p20"/>
+          <p:cNvPr id="117" name="Google Shape;117;p20"/>
           <p:cNvSpPr txBox="1"/>
           <p:nvPr>
             <p:ph idx="1" type="body"/>
@@ -10792,7 +10792,7 @@
       </p:sp>
       <p:sp>
         <p:nvSpPr>
-          <p:cNvPr id="119" name="Google Shape;119;p20"/>
+          <p:cNvPr id="118" name="Google Shape;118;p20"/>
           <p:cNvSpPr txBox="1"/>
           <p:nvPr>
             <p:ph idx="12" type="sldNum"/>
@@ -10868,7 +10868,7 @@
   <p:cSld>
     <p:spTree>
       <p:nvGrpSpPr>
-        <p:cNvPr id="123" name="Shape 123"/>
+        <p:cNvPr id="122" name="Shape 122"/>
         <p:cNvGrpSpPr/>
         <p:nvPr/>
       </p:nvGrpSpPr>
@@ -10882,7 +10882,7 @@
       </p:grpSpPr>
       <p:sp>
         <p:nvSpPr>
-          <p:cNvPr id="124" name="Google Shape;124;p21"/>
+          <p:cNvPr id="123" name="Google Shape;123;p21"/>
           <p:cNvSpPr txBox="1"/>
           <p:nvPr>
             <p:ph type="title"/>
@@ -10922,7 +10922,7 @@
       </p:sp>
       <p:sp>
         <p:nvSpPr>
-          <p:cNvPr id="125" name="Google Shape;125;p21"/>
+          <p:cNvPr id="124" name="Google Shape;124;p21"/>
           <p:cNvSpPr txBox="1"/>
           <p:nvPr>
             <p:ph idx="1" type="body"/>
@@ -10978,7 +10978,7 @@
       </p:sp>
       <p:sp>
         <p:nvSpPr>
-          <p:cNvPr id="126" name="Google Shape;126;p21"/>
+          <p:cNvPr id="125" name="Google Shape;125;p21"/>
           <p:cNvSpPr txBox="1"/>
           <p:nvPr>
             <p:ph idx="12" type="sldNum"/>
@@ -11054,7 +11054,7 @@
   <p:cSld>
     <p:spTree>
       <p:nvGrpSpPr>
-        <p:cNvPr id="130" name="Shape 130"/>
+        <p:cNvPr id="129" name="Shape 129"/>
         <p:cNvGrpSpPr/>
         <p:nvPr/>
       </p:nvGrpSpPr>
@@ -11068,7 +11068,7 @@
       </p:grpSpPr>
       <p:sp>
         <p:nvSpPr>
-          <p:cNvPr id="131" name="Google Shape;131;p22"/>
+          <p:cNvPr id="130" name="Google Shape;130;p22"/>
           <p:cNvSpPr txBox="1"/>
           <p:nvPr>
             <p:ph type="title"/>
@@ -11119,7 +11119,7 @@
   <p:cSld>
     <p:spTree>
       <p:nvGrpSpPr>
-        <p:cNvPr id="135" name="Shape 135"/>
+        <p:cNvPr id="134" name="Shape 134"/>
         <p:cNvGrpSpPr/>
         <p:nvPr/>
       </p:nvGrpSpPr>
@@ -11133,7 +11133,7 @@
       </p:grpSpPr>
       <p:sp>
         <p:nvSpPr>
-          <p:cNvPr id="136" name="Google Shape;136;p23"/>
+          <p:cNvPr id="135" name="Google Shape;135;p23"/>
           <p:cNvSpPr txBox="1"/>
           <p:nvPr>
             <p:ph type="title"/>
@@ -11173,7 +11173,7 @@
       </p:sp>
       <p:sp>
         <p:nvSpPr>
-          <p:cNvPr id="137" name="Google Shape;137;p23"/>
+          <p:cNvPr id="136" name="Google Shape;136;p23"/>
           <p:cNvSpPr txBox="1"/>
           <p:nvPr>
             <p:ph idx="1" type="body"/>
@@ -11314,7 +11314,7 @@
       </p:sp>
       <p:sp>
         <p:nvSpPr>
-          <p:cNvPr id="138" name="Google Shape;138;p23"/>
+          <p:cNvPr id="137" name="Google Shape;137;p23"/>
           <p:cNvSpPr txBox="1"/>
           <p:nvPr>
             <p:ph idx="12" type="sldNum"/>
@@ -11379,7 +11379,7 @@
       </p:sp>
       <p:pic>
         <p:nvPicPr>
-          <p:cNvPr id="139" name="Google Shape;139;p23"/>
+          <p:cNvPr id="138" name="Google Shape;138;p23"/>
           <p:cNvPicPr preferRelativeResize="0"/>
           <p:nvPr/>
         </p:nvPicPr>
@@ -11418,7 +11418,7 @@
   <p:cSld>
     <p:spTree>
       <p:nvGrpSpPr>
-        <p:cNvPr id="143" name="Shape 143"/>
+        <p:cNvPr id="142" name="Shape 142"/>
         <p:cNvGrpSpPr/>
         <p:nvPr/>
       </p:nvGrpSpPr>
@@ -11432,7 +11432,7 @@
       </p:grpSpPr>
       <p:sp>
         <p:nvSpPr>
-          <p:cNvPr id="144" name="Google Shape;144;p24"/>
+          <p:cNvPr id="143" name="Google Shape;143;p24"/>
           <p:cNvSpPr txBox="1"/>
           <p:nvPr>
             <p:ph type="title"/>
@@ -11472,7 +11472,7 @@
       </p:sp>
       <p:sp>
         <p:nvSpPr>
-          <p:cNvPr id="145" name="Google Shape;145;p24"/>
+          <p:cNvPr id="144" name="Google Shape;144;p24"/>
           <p:cNvSpPr txBox="1"/>
           <p:nvPr>
             <p:ph idx="1" type="body"/>
@@ -11544,7 +11544,7 @@
       </p:sp>
       <p:sp>
         <p:nvSpPr>
-          <p:cNvPr id="146" name="Google Shape;146;p24"/>
+          <p:cNvPr id="145" name="Google Shape;145;p24"/>
           <p:cNvSpPr txBox="1"/>
           <p:nvPr>
             <p:ph idx="12" type="sldNum"/>
@@ -11620,7 +11620,7 @@
   <p:cSld>
     <p:spTree>
       <p:nvGrpSpPr>
-        <p:cNvPr id="150" name="Shape 150"/>
+        <p:cNvPr id="149" name="Shape 149"/>
         <p:cNvGrpSpPr/>
         <p:nvPr/>
       </p:nvGrpSpPr>
@@ -11634,7 +11634,7 @@
       </p:grpSpPr>
       <p:sp>
         <p:nvSpPr>
-          <p:cNvPr id="151" name="Google Shape;151;p25"/>
+          <p:cNvPr id="150" name="Google Shape;150;p25"/>
           <p:cNvSpPr txBox="1"/>
           <p:nvPr>
             <p:ph type="title"/>
@@ -11674,7 +11674,7 @@
       </p:sp>
       <p:sp>
         <p:nvSpPr>
-          <p:cNvPr id="152" name="Google Shape;152;p25"/>
+          <p:cNvPr id="151" name="Google Shape;151;p25"/>
           <p:cNvSpPr txBox="1"/>
           <p:nvPr>
             <p:ph idx="1" type="body"/>
@@ -11768,7 +11768,7 @@
       </p:sp>
       <p:sp>
         <p:nvSpPr>
-          <p:cNvPr id="153" name="Google Shape;153;p25"/>
+          <p:cNvPr id="152" name="Google Shape;152;p25"/>
           <p:cNvSpPr txBox="1"/>
           <p:nvPr>
             <p:ph idx="12" type="sldNum"/>
@@ -11833,7 +11833,7 @@
       </p:sp>
       <p:pic>
         <p:nvPicPr>
-          <p:cNvPr id="154" name="Google Shape;154;p25"/>
+          <p:cNvPr id="153" name="Google Shape;153;p25"/>
           <p:cNvPicPr preferRelativeResize="0"/>
           <p:nvPr/>
         </p:nvPicPr>
@@ -11872,7 +11872,7 @@
   <p:cSld>
     <p:spTree>
       <p:nvGrpSpPr>
-        <p:cNvPr id="158" name="Shape 158"/>
+        <p:cNvPr id="157" name="Shape 157"/>
         <p:cNvGrpSpPr/>
         <p:nvPr/>
       </p:nvGrpSpPr>
@@ -11886,7 +11886,7 @@
       </p:grpSpPr>
       <p:sp>
         <p:nvSpPr>
-          <p:cNvPr id="159" name="Google Shape;159;p26"/>
+          <p:cNvPr id="158" name="Google Shape;158;p26"/>
           <p:cNvSpPr txBox="1"/>
           <p:nvPr>
             <p:ph type="title"/>
@@ -11926,7 +11926,7 @@
       </p:sp>
       <p:sp>
         <p:nvSpPr>
-          <p:cNvPr id="160" name="Google Shape;160;p26"/>
+          <p:cNvPr id="159" name="Google Shape;159;p26"/>
           <p:cNvSpPr txBox="1"/>
           <p:nvPr>
             <p:ph idx="1" type="body"/>
@@ -11966,7 +11966,7 @@
       </p:sp>
       <p:sp>
         <p:nvSpPr>
-          <p:cNvPr id="161" name="Google Shape;161;p26"/>
+          <p:cNvPr id="160" name="Google Shape;160;p26"/>
           <p:cNvSpPr txBox="1"/>
           <p:nvPr>
             <p:ph idx="12" type="sldNum"/>
@@ -12408,7 +12408,7 @@
   <p:cSld>
     <p:spTree>
       <p:nvGrpSpPr>
-        <p:cNvPr id="165" name="Shape 165"/>
+        <p:cNvPr id="164" name="Shape 164"/>
         <p:cNvGrpSpPr/>
         <p:nvPr/>
       </p:nvGrpSpPr>
@@ -12422,7 +12422,7 @@
       </p:grpSpPr>
       <p:sp>
         <p:nvSpPr>
-          <p:cNvPr id="166" name="Google Shape;166;p27"/>
+          <p:cNvPr id="165" name="Google Shape;165;p27"/>
           <p:cNvSpPr txBox="1"/>
           <p:nvPr>
             <p:ph type="title"/>
@@ -12473,7 +12473,7 @@
   <p:cSld>
     <p:spTree>
       <p:nvGrpSpPr>
-        <p:cNvPr id="170" name="Shape 170"/>
+        <p:cNvPr id="169" name="Shape 169"/>
         <p:cNvGrpSpPr/>
         <p:nvPr/>
       </p:nvGrpSpPr>
@@ -12487,7 +12487,7 @@
       </p:grpSpPr>
       <p:sp>
         <p:nvSpPr>
-          <p:cNvPr id="171" name="Google Shape;171;p28"/>
+          <p:cNvPr id="170" name="Google Shape;170;p28"/>
           <p:cNvSpPr txBox="1"/>
           <p:nvPr>
             <p:ph type="title"/>
@@ -12527,7 +12527,7 @@
       </p:sp>
       <p:sp>
         <p:nvSpPr>
-          <p:cNvPr id="172" name="Google Shape;172;p28"/>
+          <p:cNvPr id="171" name="Google Shape;171;p28"/>
           <p:cNvSpPr txBox="1"/>
           <p:nvPr>
             <p:ph idx="1" type="body"/>
@@ -12643,7 +12643,7 @@
       </p:sp>
       <p:sp>
         <p:nvSpPr>
-          <p:cNvPr id="173" name="Google Shape;173;p28"/>
+          <p:cNvPr id="172" name="Google Shape;172;p28"/>
           <p:cNvSpPr txBox="1"/>
           <p:nvPr>
             <p:ph idx="12" type="sldNum"/>
@@ -12719,7 +12719,7 @@
   <p:cSld>
     <p:spTree>
       <p:nvGrpSpPr>
-        <p:cNvPr id="177" name="Shape 177"/>
+        <p:cNvPr id="176" name="Shape 176"/>
         <p:cNvGrpSpPr/>
         <p:nvPr/>
       </p:nvGrpSpPr>
@@ -12733,7 +12733,7 @@
       </p:grpSpPr>
       <p:sp>
         <p:nvSpPr>
-          <p:cNvPr id="178" name="Google Shape;178;p29"/>
+          <p:cNvPr id="177" name="Google Shape;177;p29"/>
           <p:cNvSpPr txBox="1"/>
           <p:nvPr>
             <p:ph type="title"/>
@@ -12773,7 +12773,7 @@
       </p:sp>
       <p:sp>
         <p:nvSpPr>
-          <p:cNvPr id="179" name="Google Shape;179;p29"/>
+          <p:cNvPr id="178" name="Google Shape;178;p29"/>
           <p:cNvSpPr txBox="1"/>
           <p:nvPr>
             <p:ph idx="12" type="sldNum"/>
@@ -12838,7 +12838,7 @@
       </p:sp>
       <p:graphicFrame>
         <p:nvGraphicFramePr>
-          <p:cNvPr id="180" name="Google Shape;180;p29"/>
+          <p:cNvPr id="179" name="Google Shape;179;p29"/>
           <p:cNvGraphicFramePr/>
           <p:nvPr/>
         </p:nvGraphicFramePr>
@@ -12851,7 +12851,7 @@
             <a:tbl>
               <a:tblPr>
                 <a:noFill/>
-                <a:tableStyleId>{FD871614-C970-4CAE-BC75-7F4D23C1A5FD}</a:tableStyleId>
+                <a:tableStyleId>{6A0AD1F0-3E76-41E8-9BB4-3D6B2DD97281}</a:tableStyleId>
               </a:tblPr>
               <a:tblGrid>
                 <a:gridCol w="524750"/>
@@ -14559,7 +14559,7 @@
                       </a:pPr>
                       <a:r>
                         <a:rPr lang="en" sz="1000"/>
-                        <a:t>Mid-project release tracking</a:t>
+                        <a:t>Velocity tracking</a:t>
                       </a:r>
                       <a:endParaRPr sz="1000"/>
                     </a:p>
@@ -14625,7 +14625,7 @@
                       </a:pPr>
                       <a:r>
                         <a:rPr lang="en" sz="1000"/>
-                        <a:t>Tracks mid-project release sprints</a:t>
+                        <a:t>Tracks realized story points per sprint</a:t>
                       </a:r>
                       <a:endParaRPr sz="1000"/>
                     </a:p>
@@ -14759,7 +14759,7 @@
                       </a:pPr>
                       <a:r>
                         <a:rPr lang="en" sz="1000"/>
-                        <a:t>Final project release tracking</a:t>
+                        <a:t>Mid-project release tracking</a:t>
                       </a:r>
                       <a:endParaRPr sz="1000"/>
                     </a:p>
@@ -14825,7 +14825,7 @@
                       </a:pPr>
                       <a:r>
                         <a:rPr lang="en" sz="1000"/>
-                        <a:t>Plans and tracks final project release sprints</a:t>
+                        <a:t>Tracks mid-project release sprints</a:t>
                       </a:r>
                       <a:endParaRPr sz="1000"/>
                     </a:p>
@@ -14959,7 +14959,7 @@
                       </a:pPr>
                       <a:r>
                         <a:rPr lang="en" sz="1000"/>
-                        <a:t>Definition of done</a:t>
+                        <a:t>Final project release tracking</a:t>
                       </a:r>
                       <a:endParaRPr sz="1000"/>
                     </a:p>
@@ -15025,7 +15025,7 @@
                       </a:pPr>
                       <a:r>
                         <a:rPr lang="en" sz="1000"/>
-                        <a:t>Provides decision criteria for “done”</a:t>
+                        <a:t>Plans and tracks final project release sprints</a:t>
                       </a:r>
                       <a:endParaRPr sz="1000"/>
                     </a:p>
@@ -15159,7 +15159,7 @@
                       </a:pPr>
                       <a:r>
                         <a:rPr lang="en" sz="1000"/>
-                        <a:t>Documentation</a:t>
+                        <a:t>Definition of done</a:t>
                       </a:r>
                       <a:endParaRPr sz="1000"/>
                     </a:p>
@@ -15225,7 +15225,7 @@
                       </a:pPr>
                       <a:r>
                         <a:rPr lang="en" sz="1000"/>
-                        <a:t>Provide links to documentation of product</a:t>
+                        <a:t>Provides decision criteria for “done”</a:t>
                       </a:r>
                       <a:endParaRPr sz="1000"/>
                     </a:p>
@@ -15359,7 +15359,7 @@
                       </a:pPr>
                       <a:r>
                         <a:rPr lang="en" sz="1000"/>
-                        <a:t>Bill of materials</a:t>
+                        <a:t>Documentation</a:t>
                       </a:r>
                       <a:endParaRPr sz="1000"/>
                     </a:p>
@@ -15425,7 +15425,7 @@
                       </a:pPr>
                       <a:r>
                         <a:rPr lang="en" sz="1000"/>
-                        <a:t>Lists all third-party components</a:t>
+                        <a:t>Provide links to documentation of product</a:t>
                       </a:r>
                       <a:endParaRPr sz="1000"/>
                     </a:p>
@@ -15556,7 +15556,7 @@
                       </a:pPr>
                       <a:r>
                         <a:rPr lang="en" sz="1000"/>
-                        <a:t>Planning poker</a:t>
+                        <a:t>Bill of materials</a:t>
                       </a:r>
                       <a:endParaRPr sz="1000"/>
                     </a:p>
@@ -15622,7 +15622,7 @@
                       </a:pPr>
                       <a:r>
                         <a:rPr lang="en" sz="1000"/>
-                        <a:t>Provides simple tool for planning poker</a:t>
+                        <a:t>Lists all third-party components</a:t>
                       </a:r>
                       <a:endParaRPr sz="1000"/>
                     </a:p>
@@ -15687,7 +15687,7 @@
   <p:cSld>
     <p:spTree>
       <p:nvGrpSpPr>
-        <p:cNvPr id="184" name="Shape 184"/>
+        <p:cNvPr id="183" name="Shape 183"/>
         <p:cNvGrpSpPr/>
         <p:nvPr/>
       </p:nvGrpSpPr>
@@ -15701,7 +15701,7 @@
       </p:grpSpPr>
       <p:sp>
         <p:nvSpPr>
-          <p:cNvPr id="185" name="Google Shape;185;p30"/>
+          <p:cNvPr id="184" name="Google Shape;184;p30"/>
           <p:cNvSpPr txBox="1"/>
           <p:nvPr>
             <p:ph type="title"/>
@@ -15745,7 +15745,7 @@
       </p:sp>
       <p:sp>
         <p:nvSpPr>
-          <p:cNvPr id="186" name="Google Shape;186;p30"/>
+          <p:cNvPr id="185" name="Google Shape;185;p30"/>
           <p:cNvSpPr txBox="1"/>
           <p:nvPr>
             <p:ph idx="1" type="body"/>
@@ -15787,13 +15787,29 @@
                 <a:spcPts val="1200"/>
               </a:spcBef>
               <a:spcAft>
+                <a:spcPts val="0"/>
+              </a:spcAft>
+              <a:buNone/>
+            </a:pPr>
+            <a:r>
+              <a:rPr lang="en"/>
+              <a:t>Please do not protect the online Zoom team meeting</a:t>
+            </a:r>
+            <a:endParaRPr/>
+          </a:p>
+          <a:p>
+            <a:pPr indent="0" lvl="0" marL="0" rtl="0" algn="l">
+              <a:spcBef>
                 <a:spcPts val="1200"/>
-              </a:spcAft>
-              <a:buNone/>
-            </a:pPr>
-            <a:r>
-              <a:rPr lang="en"/>
-              <a:t>Please do not protect the online team meeting</a:t>
+              </a:spcBef>
+              <a:spcAft>
+                <a:spcPts val="1200"/>
+              </a:spcAft>
+              <a:buNone/>
+            </a:pPr>
+            <a:r>
+              <a:rPr lang="en"/>
+              <a:t>Please do not change the Zoom link during the semester</a:t>
             </a:r>
             <a:endParaRPr/>
           </a:p>
@@ -15801,7 +15817,7 @@
       </p:sp>
       <p:sp>
         <p:nvSpPr>
-          <p:cNvPr id="187" name="Google Shape;187;p30"/>
+          <p:cNvPr id="186" name="Google Shape;186;p30"/>
           <p:cNvSpPr txBox="1"/>
           <p:nvPr>
             <p:ph idx="12" type="sldNum"/>
@@ -15877,7 +15893,7 @@
   <p:cSld>
     <p:spTree>
       <p:nvGrpSpPr>
-        <p:cNvPr id="191" name="Shape 191"/>
+        <p:cNvPr id="190" name="Shape 190"/>
         <p:cNvGrpSpPr/>
         <p:nvPr/>
       </p:nvGrpSpPr>
@@ -15891,7 +15907,7 @@
       </p:grpSpPr>
       <p:sp>
         <p:nvSpPr>
-          <p:cNvPr id="192" name="Google Shape;192;p31"/>
+          <p:cNvPr id="191" name="Google Shape;191;p31"/>
           <p:cNvSpPr txBox="1"/>
           <p:nvPr>
             <p:ph type="title"/>
@@ -15935,7 +15951,7 @@
       </p:sp>
       <p:sp>
         <p:nvSpPr>
-          <p:cNvPr id="193" name="Google Shape;193;p31"/>
+          <p:cNvPr id="192" name="Google Shape;192;p31"/>
           <p:cNvSpPr txBox="1"/>
           <p:nvPr>
             <p:ph idx="1" type="body"/>
@@ -16033,7 +16049,7 @@
       </p:sp>
       <p:sp>
         <p:nvSpPr>
-          <p:cNvPr id="194" name="Google Shape;194;p31"/>
+          <p:cNvPr id="193" name="Google Shape;193;p31"/>
           <p:cNvSpPr txBox="1"/>
           <p:nvPr>
             <p:ph idx="12" type="sldNum"/>
@@ -16109,7 +16125,7 @@
   <p:cSld>
     <p:spTree>
       <p:nvGrpSpPr>
-        <p:cNvPr id="198" name="Shape 198"/>
+        <p:cNvPr id="197" name="Shape 197"/>
         <p:cNvGrpSpPr/>
         <p:nvPr/>
       </p:nvGrpSpPr>
@@ -16123,7 +16139,7 @@
       </p:grpSpPr>
       <p:sp>
         <p:nvSpPr>
-          <p:cNvPr id="199" name="Google Shape;199;p32"/>
+          <p:cNvPr id="198" name="Google Shape;198;p32"/>
           <p:cNvSpPr txBox="1"/>
           <p:nvPr>
             <p:ph type="title"/>
@@ -16167,7 +16183,7 @@
       </p:sp>
       <p:sp>
         <p:nvSpPr>
-          <p:cNvPr id="200" name="Google Shape;200;p32"/>
+          <p:cNvPr id="199" name="Google Shape;199;p32"/>
           <p:cNvSpPr txBox="1"/>
           <p:nvPr>
             <p:ph idx="1" type="body"/>
@@ -16223,7 +16239,7 @@
       </p:sp>
       <p:sp>
         <p:nvSpPr>
-          <p:cNvPr id="201" name="Google Shape;201;p32"/>
+          <p:cNvPr id="200" name="Google Shape;200;p32"/>
           <p:cNvSpPr txBox="1"/>
           <p:nvPr>
             <p:ph idx="12" type="sldNum"/>
@@ -16299,7 +16315,7 @@
   <p:cSld>
     <p:spTree>
       <p:nvGrpSpPr>
-        <p:cNvPr id="205" name="Shape 205"/>
+        <p:cNvPr id="204" name="Shape 204"/>
         <p:cNvGrpSpPr/>
         <p:nvPr/>
       </p:nvGrpSpPr>
@@ -16313,7 +16329,7 @@
       </p:grpSpPr>
       <p:sp>
         <p:nvSpPr>
-          <p:cNvPr id="206" name="Google Shape;206;p33"/>
+          <p:cNvPr id="205" name="Google Shape;205;p33"/>
           <p:cNvSpPr txBox="1"/>
           <p:nvPr>
             <p:ph type="title"/>
@@ -16353,7 +16369,7 @@
       </p:sp>
       <p:sp>
         <p:nvSpPr>
-          <p:cNvPr id="207" name="Google Shape;207;p33"/>
+          <p:cNvPr id="206" name="Google Shape;206;p33"/>
           <p:cNvSpPr txBox="1"/>
           <p:nvPr>
             <p:ph idx="1" type="body"/>
@@ -16430,7 +16446,7 @@
       </p:sp>
       <p:sp>
         <p:nvSpPr>
-          <p:cNvPr id="208" name="Google Shape;208;p33"/>
+          <p:cNvPr id="207" name="Google Shape;207;p33"/>
           <p:cNvSpPr txBox="1"/>
           <p:nvPr>
             <p:ph idx="12" type="sldNum"/>
@@ -16506,7 +16522,7 @@
   <p:cSld>
     <p:spTree>
       <p:nvGrpSpPr>
-        <p:cNvPr id="212" name="Shape 212"/>
+        <p:cNvPr id="211" name="Shape 211"/>
         <p:cNvGrpSpPr/>
         <p:nvPr/>
       </p:nvGrpSpPr>
@@ -16520,7 +16536,7 @@
       </p:grpSpPr>
       <p:sp>
         <p:nvSpPr>
-          <p:cNvPr id="213" name="Google Shape;213;p34"/>
+          <p:cNvPr id="212" name="Google Shape;212;p34"/>
           <p:cNvSpPr txBox="1"/>
           <p:nvPr>
             <p:ph type="title"/>
@@ -16560,7 +16576,7 @@
       </p:sp>
       <p:sp>
         <p:nvSpPr>
-          <p:cNvPr id="214" name="Google Shape;214;p34"/>
+          <p:cNvPr id="213" name="Google Shape;213;p34"/>
           <p:cNvSpPr txBox="1"/>
           <p:nvPr>
             <p:ph idx="1" type="body"/>
@@ -16600,7 +16616,7 @@
       </p:sp>
       <p:sp>
         <p:nvSpPr>
-          <p:cNvPr id="215" name="Google Shape;215;p34"/>
+          <p:cNvPr id="214" name="Google Shape;214;p34"/>
           <p:cNvSpPr txBox="1"/>
           <p:nvPr>
             <p:ph idx="12" type="sldNum"/>
@@ -16676,7 +16692,7 @@
   <p:cSld>
     <p:spTree>
       <p:nvGrpSpPr>
-        <p:cNvPr id="219" name="Shape 219"/>
+        <p:cNvPr id="218" name="Shape 218"/>
         <p:cNvGrpSpPr/>
         <p:nvPr/>
       </p:nvGrpSpPr>
@@ -16690,7 +16706,7 @@
       </p:grpSpPr>
       <p:sp>
         <p:nvSpPr>
-          <p:cNvPr id="220" name="Google Shape;220;p35"/>
+          <p:cNvPr id="219" name="Google Shape;219;p35"/>
           <p:cNvSpPr txBox="1"/>
           <p:nvPr>
             <p:ph type="title"/>
@@ -16730,7 +16746,7 @@
       </p:sp>
       <p:sp>
         <p:nvSpPr>
-          <p:cNvPr id="221" name="Google Shape;221;p35"/>
+          <p:cNvPr id="220" name="Google Shape;220;p35"/>
           <p:cNvSpPr txBox="1"/>
           <p:nvPr>
             <p:ph idx="12" type="sldNum"/>
@@ -16795,7 +16811,7 @@
       </p:sp>
       <p:graphicFrame>
         <p:nvGraphicFramePr>
-          <p:cNvPr id="222" name="Google Shape;222;p35"/>
+          <p:cNvPr id="221" name="Google Shape;221;p35"/>
           <p:cNvGraphicFramePr/>
           <p:nvPr/>
         </p:nvGraphicFramePr>
@@ -16808,7 +16824,7 @@
             <a:tbl>
               <a:tblPr>
                 <a:noFill/>
-                <a:tableStyleId>{8C8942B2-09D0-4AE2-B704-E0D88D6D33AA}</a:tableStyleId>
+                <a:tableStyleId>{7EEA4571-0334-4DBD-91CD-E03AF36E342F}</a:tableStyleId>
               </a:tblPr>
               <a:tblGrid>
                 <a:gridCol w="2148850"/>
@@ -16822,7 +16838,7 @@
                     <a:bodyPr/>
                     <a:lstStyle/>
                     <a:p>
-                      <a:pPr indent="0" lvl="0" marL="0" rtl="0" algn="l">
+                      <a:pPr indent="0" lvl="0" marL="0" rtl="0" algn="ctr">
                         <a:spcBef>
                           <a:spcPts val="0"/>
                         </a:spcBef>
@@ -16901,7 +16917,7 @@
                     <a:bodyPr/>
                     <a:lstStyle/>
                     <a:p>
-                      <a:pPr indent="0" lvl="0" marL="0" rtl="0" algn="l">
+                      <a:pPr indent="0" lvl="0" marL="0" rtl="0" algn="ctr">
                         <a:spcBef>
                           <a:spcPts val="0"/>
                         </a:spcBef>
@@ -16972,7 +16988,7 @@
                     <a:bodyPr/>
                     <a:lstStyle/>
                     <a:p>
-                      <a:pPr indent="0" lvl="0" marL="0" rtl="0" algn="l">
+                      <a:pPr indent="0" lvl="0" marL="0" rtl="0" algn="ctr">
                         <a:spcBef>
                           <a:spcPts val="0"/>
                         </a:spcBef>
@@ -17043,7 +17059,7 @@
                     <a:bodyPr/>
                     <a:lstStyle/>
                     <a:p>
-                      <a:pPr indent="0" lvl="0" marL="0" rtl="0" algn="l">
+                      <a:pPr indent="0" lvl="0" marL="0" rtl="0" algn="ctr">
                         <a:spcBef>
                           <a:spcPts val="0"/>
                         </a:spcBef>
@@ -17126,10 +17142,10 @@
                         <a:buNone/>
                       </a:pPr>
                       <a:r>
-                        <a:rPr lang="en"/>
+                        <a:rPr lang="en" sz="1200"/>
                         <a:t>Project</a:t>
                       </a:r>
-                      <a:endParaRPr/>
+                      <a:endParaRPr sz="1200"/>
                     </a:p>
                   </a:txBody>
                   <a:tcPr marT="91425" marB="91425" marR="91425" marL="91425" anchor="ctr">
@@ -17186,10 +17202,10 @@
                         <a:buNone/>
                       </a:pPr>
                       <a:r>
-                        <a:rPr b="1" lang="en"/>
+                        <a:rPr b="1" lang="en" sz="1200"/>
                         <a:t>Project</a:t>
                       </a:r>
-                      <a:endParaRPr b="1"/>
+                      <a:endParaRPr b="1" sz="1200"/>
                     </a:p>
                   </a:txBody>
                   <a:tcPr marT="91425" marB="91425" marR="91425" marL="91425" anchor="ctr">
@@ -17246,10 +17262,10 @@
                         <a:buNone/>
                       </a:pPr>
                       <a:r>
-                        <a:rPr lang="en"/>
+                        <a:rPr lang="en" sz="1200"/>
                         <a:t>Repository</a:t>
                       </a:r>
-                      <a:endParaRPr/>
+                      <a:endParaRPr sz="1200"/>
                     </a:p>
                   </a:txBody>
                   <a:tcPr marT="91425" marB="91425" marR="91425" marL="91425" anchor="ctr">
@@ -17306,10 +17322,10 @@
                         <a:buNone/>
                       </a:pPr>
                       <a:r>
-                        <a:rPr lang="en"/>
+                        <a:rPr lang="en" sz="1200"/>
                         <a:t>–</a:t>
                       </a:r>
-                      <a:endParaRPr/>
+                      <a:endParaRPr sz="1200"/>
                     </a:p>
                   </a:txBody>
                   <a:tcPr marT="91425" marB="91425" marR="91425" marL="91425" anchor="ctr">
@@ -17368,10 +17384,10 @@
                         <a:buNone/>
                       </a:pPr>
                       <a:r>
-                        <a:rPr lang="en"/>
+                        <a:rPr lang="en" sz="1200"/>
                         <a:t>Backlogs [1]</a:t>
                       </a:r>
-                      <a:endParaRPr/>
+                      <a:endParaRPr sz="1200"/>
                     </a:p>
                   </a:txBody>
                   <a:tcPr marT="91425" marB="91425" marR="91425" marL="91425" anchor="ctr">
@@ -17431,10 +17447,10 @@
                         <a:buNone/>
                       </a:pPr>
                       <a:r>
-                        <a:rPr b="1" lang="en"/>
+                        <a:rPr b="1" lang="en" sz="1200"/>
                         <a:t>Backlogs</a:t>
                       </a:r>
-                      <a:endParaRPr b="1"/>
+                      <a:endParaRPr b="1" sz="1200"/>
                     </a:p>
                   </a:txBody>
                   <a:tcPr marT="91425" marB="91425" marR="91425" marL="91425" anchor="ctr">
@@ -17494,14 +17510,14 @@
                         <a:buNone/>
                       </a:pPr>
                       <a:r>
-                        <a:rPr lang="en"/>
+                        <a:rPr lang="en" sz="1200"/>
                         <a:t>Columns in p</a:t>
                       </a:r>
                       <a:r>
-                        <a:rPr lang="en"/>
+                        <a:rPr lang="en" sz="1200"/>
                         <a:t>roject [2]</a:t>
                       </a:r>
-                      <a:endParaRPr/>
+                      <a:endParaRPr sz="1200"/>
                     </a:p>
                   </a:txBody>
                   <a:tcPr marT="91425" marB="91425" marR="91425" marL="91425" anchor="ctr">
@@ -17561,10 +17577,10 @@
                         <a:buNone/>
                       </a:pPr>
                       <a:r>
-                        <a:rPr lang="en"/>
+                        <a:rPr lang="en" sz="1200"/>
                         <a:t>–</a:t>
                       </a:r>
-                      <a:endParaRPr/>
+                      <a:endParaRPr sz="1200"/>
                     </a:p>
                   </a:txBody>
                   <a:tcPr marT="91425" marB="91425" marR="91425" marL="91425" anchor="ctr">
@@ -17626,10 +17642,10 @@
                         <a:buNone/>
                       </a:pPr>
                       <a:r>
-                        <a:rPr lang="en"/>
+                        <a:rPr lang="en" sz="1200"/>
                         <a:t>Kanban board [3]</a:t>
                       </a:r>
-                      <a:endParaRPr/>
+                      <a:endParaRPr sz="1200"/>
                     </a:p>
                   </a:txBody>
                   <a:tcPr marT="91425" marB="91425" marR="91425" marL="91425" anchor="ctr">
@@ -17689,10 +17705,10 @@
                         <a:buNone/>
                       </a:pPr>
                       <a:r>
-                        <a:rPr b="1" lang="en"/>
+                        <a:rPr b="1" lang="en" sz="1200"/>
                         <a:t>Feature board</a:t>
                       </a:r>
-                      <a:endParaRPr b="1"/>
+                      <a:endParaRPr b="1" sz="1200"/>
                     </a:p>
                   </a:txBody>
                   <a:tcPr marT="91425" marB="91425" marR="91425" marL="91425" anchor="ctr">
@@ -17752,10 +17768,10 @@
                         <a:buNone/>
                       </a:pPr>
                       <a:r>
-                        <a:rPr lang="en"/>
+                        <a:rPr lang="en" sz="1200"/>
                         <a:t>Project</a:t>
                       </a:r>
-                      <a:endParaRPr/>
+                      <a:endParaRPr sz="1200"/>
                     </a:p>
                   </a:txBody>
                   <a:tcPr marT="91425" marB="91425" marR="91425" marL="91425" anchor="ctr">
@@ -17815,10 +17831,10 @@
                         <a:buNone/>
                       </a:pPr>
                       <a:r>
-                        <a:rPr lang="en"/>
+                        <a:rPr lang="en" sz="1200"/>
                         <a:t>–</a:t>
                       </a:r>
-                      <a:endParaRPr/>
+                      <a:endParaRPr sz="1200"/>
                     </a:p>
                   </a:txBody>
                   <a:tcPr marT="91425" marB="91425" marR="91425" marL="91425" anchor="ctr">
@@ -17880,10 +17896,10 @@
                         <a:buNone/>
                       </a:pPr>
                       <a:r>
-                        <a:rPr lang="en"/>
+                        <a:rPr lang="en" sz="1200"/>
                         <a:t>Backlog item [4]</a:t>
                       </a:r>
-                      <a:endParaRPr/>
+                      <a:endParaRPr sz="1200"/>
                     </a:p>
                   </a:txBody>
                   <a:tcPr marT="91425" marB="91425" marR="91425" marL="91425" anchor="ctr">
@@ -17943,10 +17959,10 @@
                         <a:buNone/>
                       </a:pPr>
                       <a:r>
-                        <a:rPr b="1" lang="en"/>
+                        <a:rPr b="1" lang="en" sz="1200"/>
                         <a:t>Backlog item</a:t>
                       </a:r>
-                      <a:endParaRPr b="1"/>
+                      <a:endParaRPr b="1" sz="1200"/>
                     </a:p>
                   </a:txBody>
                   <a:tcPr marT="91425" marB="91425" marR="91425" marL="91425" anchor="ctr">
@@ -18006,10 +18022,10 @@
                         <a:buNone/>
                       </a:pPr>
                       <a:r>
-                        <a:rPr lang="en"/>
+                        <a:rPr lang="en" sz="1200"/>
                         <a:t>Item, also issue [5]</a:t>
                       </a:r>
-                      <a:endParaRPr/>
+                      <a:endParaRPr sz="1200"/>
                     </a:p>
                   </a:txBody>
                   <a:tcPr marT="91425" marB="91425" marR="91425" marL="91425" anchor="ctr">
@@ -18069,10 +18085,10 @@
                         <a:buNone/>
                       </a:pPr>
                       <a:r>
-                        <a:rPr lang="en"/>
+                        <a:rPr lang="en" sz="1200"/>
                         <a:t>Work item, ticket</a:t>
                       </a:r>
-                      <a:endParaRPr/>
+                      <a:endParaRPr sz="1200"/>
                     </a:p>
                   </a:txBody>
                   <a:tcPr marT="91425" marB="91425" marR="91425" marL="91425" anchor="ctr">
@@ -18134,10 +18150,10 @@
                         <a:buNone/>
                       </a:pPr>
                       <a:r>
-                        <a:rPr lang="en"/>
+                        <a:rPr lang="en" sz="1200"/>
                         <a:t>– </a:t>
                       </a:r>
-                      <a:endParaRPr/>
+                      <a:endParaRPr sz="1200"/>
                     </a:p>
                   </a:txBody>
                   <a:tcPr marT="91425" marB="91425" marR="91425" marL="91425" anchor="ctr">
@@ -18197,10 +18213,10 @@
                         <a:buNone/>
                       </a:pPr>
                       <a:r>
-                        <a:rPr b="1" lang="en"/>
+                        <a:rPr b="1" lang="en" sz="1200"/>
                         <a:t>Code repository</a:t>
                       </a:r>
-                      <a:endParaRPr b="1"/>
+                      <a:endParaRPr b="1" sz="1200"/>
                     </a:p>
                   </a:txBody>
                   <a:tcPr marT="91425" marB="91425" marR="91425" marL="91425" anchor="ctr">
@@ -18260,10 +18276,10 @@
                         <a:buNone/>
                       </a:pPr>
                       <a:r>
-                        <a:rPr lang="en"/>
+                        <a:rPr lang="en" sz="1200"/>
                         <a:t>Code</a:t>
                       </a:r>
-                      <a:endParaRPr/>
+                      <a:endParaRPr sz="1200"/>
                     </a:p>
                   </a:txBody>
                   <a:tcPr marT="91425" marB="91425" marR="91425" marL="91425" anchor="ctr">
@@ -18323,10 +18339,10 @@
                         <a:buNone/>
                       </a:pPr>
                       <a:r>
-                        <a:rPr lang="en"/>
+                        <a:rPr lang="en" sz="1200"/>
                         <a:t>–</a:t>
                       </a:r>
-                      <a:endParaRPr/>
+                      <a:endParaRPr sz="1200"/>
                     </a:p>
                   </a:txBody>
                   <a:tcPr marT="91425" marB="91425" marR="91425" marL="91425" anchor="ctr">
@@ -18378,7 +18394,7 @@
       </p:graphicFrame>
       <p:sp>
         <p:nvSpPr>
-          <p:cNvPr id="223" name="Google Shape;223;p35"/>
+          <p:cNvPr id="222" name="Google Shape;222;p35"/>
           <p:cNvSpPr txBox="1"/>
           <p:nvPr/>
         </p:nvSpPr>
@@ -18511,7 +18527,7 @@
   <p:cSld>
     <p:spTree>
       <p:nvGrpSpPr>
-        <p:cNvPr id="227" name="Shape 227"/>
+        <p:cNvPr id="226" name="Shape 226"/>
         <p:cNvGrpSpPr/>
         <p:nvPr/>
       </p:nvGrpSpPr>
@@ -18525,7 +18541,7 @@
       </p:grpSpPr>
       <p:sp>
         <p:nvSpPr>
-          <p:cNvPr id="228" name="Google Shape;228;p36"/>
+          <p:cNvPr id="227" name="Google Shape;227;p36"/>
           <p:cNvSpPr txBox="1"/>
           <p:nvPr>
             <p:ph type="title"/>
@@ -18693,51 +18709,9 @@
           </a:p>
         </p:txBody>
       </p:sp>
-      <p:sp>
-        <p:nvSpPr>
-          <p:cNvPr id="51" name="Google Shape;51;p10"/>
-          <p:cNvSpPr txBox="1"/>
-          <p:nvPr/>
-        </p:nvSpPr>
-        <p:spPr>
-          <a:xfrm>
-            <a:off x="0" y="4233672"/>
-            <a:ext cx="7315200" cy="914400"/>
-          </a:xfrm>
-          <a:prstGeom prst="rect">
-            <a:avLst/>
-          </a:prstGeom>
-          <a:noFill/>
-          <a:ln>
-            <a:noFill/>
-          </a:ln>
-        </p:spPr>
-        <p:txBody>
-          <a:bodyPr anchorCtr="0" anchor="b" bIns="91425" lIns="91425" spcFirstLastPara="1" rIns="91425" wrap="square" tIns="91425">
-            <a:noAutofit/>
-          </a:bodyPr>
-          <a:lstStyle/>
-          <a:p>
-            <a:pPr indent="0" lvl="0" marL="0" rtl="0" algn="l">
-              <a:spcBef>
-                <a:spcPts val="0"/>
-              </a:spcBef>
-              <a:spcAft>
-                <a:spcPts val="0"/>
-              </a:spcAft>
-              <a:buNone/>
-            </a:pPr>
-            <a:r>
-              <a:rPr lang="en"/>
-              <a:t>[1] We recommend you “add to drive” and star the folder, not just the planning document</a:t>
-            </a:r>
-            <a:endParaRPr/>
-          </a:p>
-        </p:txBody>
-      </p:sp>
       <p:pic>
         <p:nvPicPr>
-          <p:cNvPr id="52" name="Google Shape;52;p10"/>
+          <p:cNvPr id="51" name="Google Shape;51;p10"/>
           <p:cNvPicPr preferRelativeResize="0"/>
           <p:nvPr/>
         </p:nvPicPr>
@@ -18752,7 +18726,7 @@
         <p:spPr>
           <a:xfrm>
             <a:off x="274320" y="914400"/>
-            <a:ext cx="8595360" cy="3493598"/>
+            <a:ext cx="8595360" cy="3495446"/>
           </a:xfrm>
           <a:prstGeom prst="rect">
             <a:avLst/>
@@ -18776,7 +18750,7 @@
   <p:cSld>
     <p:spTree>
       <p:nvGrpSpPr>
-        <p:cNvPr id="232" name="Shape 232"/>
+        <p:cNvPr id="231" name="Shape 231"/>
         <p:cNvGrpSpPr/>
         <p:nvPr/>
       </p:nvGrpSpPr>
@@ -18790,7 +18764,7 @@
       </p:grpSpPr>
       <p:sp>
         <p:nvSpPr>
-          <p:cNvPr id="233" name="Google Shape;233;p37"/>
+          <p:cNvPr id="232" name="Google Shape;232;p37"/>
           <p:cNvSpPr txBox="1"/>
           <p:nvPr>
             <p:ph type="title"/>
@@ -18830,7 +18804,7 @@
       </p:sp>
       <p:sp>
         <p:nvSpPr>
-          <p:cNvPr id="234" name="Google Shape;234;p37"/>
+          <p:cNvPr id="233" name="Google Shape;233;p37"/>
           <p:cNvSpPr txBox="1"/>
           <p:nvPr>
             <p:ph idx="1" type="body"/>
@@ -19020,7 +18994,7 @@
       </p:sp>
       <p:sp>
         <p:nvSpPr>
-          <p:cNvPr id="235" name="Google Shape;235;p37"/>
+          <p:cNvPr id="234" name="Google Shape;234;p37"/>
           <p:cNvSpPr txBox="1"/>
           <p:nvPr>
             <p:ph idx="12" type="sldNum"/>
@@ -19096,7 +19070,7 @@
   <p:cSld>
     <p:spTree>
       <p:nvGrpSpPr>
-        <p:cNvPr id="239" name="Shape 239"/>
+        <p:cNvPr id="238" name="Shape 238"/>
         <p:cNvGrpSpPr/>
         <p:nvPr/>
       </p:nvGrpSpPr>
@@ -19110,7 +19084,7 @@
       </p:grpSpPr>
       <p:sp>
         <p:nvSpPr>
-          <p:cNvPr id="240" name="Google Shape;240;p38"/>
+          <p:cNvPr id="239" name="Google Shape;239;p38"/>
           <p:cNvSpPr txBox="1"/>
           <p:nvPr>
             <p:ph type="title"/>
@@ -19150,7 +19124,7 @@
       </p:sp>
       <p:sp>
         <p:nvSpPr>
-          <p:cNvPr id="241" name="Google Shape;241;p38"/>
+          <p:cNvPr id="240" name="Google Shape;240;p38"/>
           <p:cNvSpPr txBox="1"/>
           <p:nvPr>
             <p:ph idx="12" type="sldNum"/>
@@ -19215,7 +19189,7 @@
       </p:sp>
       <p:pic>
         <p:nvPicPr>
-          <p:cNvPr id="242" name="Google Shape;242;p38"/>
+          <p:cNvPr id="241" name="Google Shape;241;p38"/>
           <p:cNvPicPr preferRelativeResize="0"/>
           <p:nvPr/>
         </p:nvPicPr>
@@ -19254,7 +19228,7 @@
   <p:cSld>
     <p:spTree>
       <p:nvGrpSpPr>
-        <p:cNvPr id="246" name="Shape 246"/>
+        <p:cNvPr id="245" name="Shape 245"/>
         <p:cNvGrpSpPr/>
         <p:nvPr/>
       </p:nvGrpSpPr>
@@ -19268,7 +19242,7 @@
       </p:grpSpPr>
       <p:pic>
         <p:nvPicPr>
-          <p:cNvPr id="247" name="Google Shape;247;p39"/>
+          <p:cNvPr id="246" name="Google Shape;246;p39"/>
           <p:cNvPicPr preferRelativeResize="0"/>
           <p:nvPr/>
         </p:nvPicPr>
@@ -19296,7 +19270,7 @@
       </p:pic>
       <p:sp>
         <p:nvSpPr>
-          <p:cNvPr id="248" name="Google Shape;248;p39"/>
+          <p:cNvPr id="247" name="Google Shape;247;p39"/>
           <p:cNvSpPr txBox="1"/>
           <p:nvPr/>
         </p:nvSpPr>
@@ -19373,7 +19347,7 @@
   <p:cSld>
     <p:spTree>
       <p:nvGrpSpPr>
-        <p:cNvPr id="252" name="Shape 252"/>
+        <p:cNvPr id="251" name="Shape 251"/>
         <p:cNvGrpSpPr/>
         <p:nvPr/>
       </p:nvGrpSpPr>
@@ -19387,7 +19361,7 @@
       </p:grpSpPr>
       <p:sp>
         <p:nvSpPr>
-          <p:cNvPr id="253" name="Google Shape;253;p40"/>
+          <p:cNvPr id="252" name="Google Shape;252;p40"/>
           <p:cNvSpPr txBox="1"/>
           <p:nvPr>
             <p:ph idx="1" type="body"/>
@@ -19577,7 +19551,7 @@
       </p:sp>
       <p:sp>
         <p:nvSpPr>
-          <p:cNvPr id="254" name="Google Shape;254;p40"/>
+          <p:cNvPr id="253" name="Google Shape;253;p40"/>
           <p:cNvSpPr txBox="1"/>
           <p:nvPr>
             <p:ph type="title"/>
@@ -19617,7 +19591,7 @@
       </p:sp>
       <p:sp>
         <p:nvSpPr>
-          <p:cNvPr id="255" name="Google Shape;255;p40"/>
+          <p:cNvPr id="254" name="Google Shape;254;p40"/>
           <p:cNvSpPr txBox="1"/>
           <p:nvPr>
             <p:ph idx="12" type="sldNum"/>
@@ -19693,7 +19667,7 @@
   <p:cSld>
     <p:spTree>
       <p:nvGrpSpPr>
-        <p:cNvPr id="259" name="Shape 259"/>
+        <p:cNvPr id="258" name="Shape 258"/>
         <p:cNvGrpSpPr/>
         <p:nvPr/>
       </p:nvGrpSpPr>
@@ -19707,7 +19681,7 @@
       </p:grpSpPr>
       <p:sp>
         <p:nvSpPr>
-          <p:cNvPr id="260" name="Google Shape;260;p41"/>
+          <p:cNvPr id="259" name="Google Shape;259;p41"/>
           <p:cNvSpPr txBox="1"/>
           <p:nvPr>
             <p:ph type="title"/>
@@ -19747,7 +19721,7 @@
       </p:sp>
       <p:sp>
         <p:nvSpPr>
-          <p:cNvPr id="261" name="Google Shape;261;p41"/>
+          <p:cNvPr id="260" name="Google Shape;260;p41"/>
           <p:cNvSpPr txBox="1"/>
           <p:nvPr>
             <p:ph idx="12" type="sldNum"/>
@@ -19812,7 +19786,7 @@
       </p:sp>
       <p:pic>
         <p:nvPicPr>
-          <p:cNvPr id="262" name="Google Shape;262;p41"/>
+          <p:cNvPr id="261" name="Google Shape;261;p41"/>
           <p:cNvPicPr preferRelativeResize="0"/>
           <p:nvPr/>
         </p:nvPicPr>
@@ -19851,7 +19825,7 @@
   <p:cSld>
     <p:spTree>
       <p:nvGrpSpPr>
-        <p:cNvPr id="266" name="Shape 266"/>
+        <p:cNvPr id="265" name="Shape 265"/>
         <p:cNvGrpSpPr/>
         <p:nvPr/>
       </p:nvGrpSpPr>
@@ -19865,7 +19839,7 @@
       </p:grpSpPr>
       <p:sp>
         <p:nvSpPr>
-          <p:cNvPr id="267" name="Google Shape;267;p42"/>
+          <p:cNvPr id="266" name="Google Shape;266;p42"/>
           <p:cNvSpPr txBox="1"/>
           <p:nvPr>
             <p:ph type="title"/>
@@ -19905,7 +19879,7 @@
       </p:sp>
       <p:sp>
         <p:nvSpPr>
-          <p:cNvPr id="268" name="Google Shape;268;p42"/>
+          <p:cNvPr id="267" name="Google Shape;267;p42"/>
           <p:cNvSpPr txBox="1"/>
           <p:nvPr>
             <p:ph idx="1" type="body"/>
@@ -20171,7 +20145,7 @@
       </p:sp>
       <p:sp>
         <p:nvSpPr>
-          <p:cNvPr id="269" name="Google Shape;269;p42"/>
+          <p:cNvPr id="268" name="Google Shape;268;p42"/>
           <p:cNvSpPr txBox="1"/>
           <p:nvPr>
             <p:ph idx="12" type="sldNum"/>
@@ -20236,7 +20210,7 @@
       </p:sp>
       <p:pic>
         <p:nvPicPr>
-          <p:cNvPr id="270" name="Google Shape;270;p42"/>
+          <p:cNvPr id="269" name="Google Shape;269;p42"/>
           <p:cNvPicPr preferRelativeResize="0"/>
           <p:nvPr/>
         </p:nvPicPr>
@@ -20275,7 +20249,7 @@
   <p:cSld>
     <p:spTree>
       <p:nvGrpSpPr>
-        <p:cNvPr id="274" name="Shape 274"/>
+        <p:cNvPr id="273" name="Shape 273"/>
         <p:cNvGrpSpPr/>
         <p:nvPr/>
       </p:nvGrpSpPr>
@@ -20289,7 +20263,7 @@
       </p:grpSpPr>
       <p:pic>
         <p:nvPicPr>
-          <p:cNvPr id="275" name="Google Shape;275;p43"/>
+          <p:cNvPr id="274" name="Google Shape;274;p43"/>
           <p:cNvPicPr preferRelativeResize="0"/>
           <p:nvPr/>
         </p:nvPicPr>
@@ -20317,7 +20291,7 @@
       </p:pic>
       <p:sp>
         <p:nvSpPr>
-          <p:cNvPr id="276" name="Google Shape;276;p43"/>
+          <p:cNvPr id="275" name="Google Shape;275;p43"/>
           <p:cNvSpPr/>
           <p:nvPr/>
         </p:nvSpPr>
@@ -20375,7 +20349,7 @@
   <p:cSld>
     <p:spTree>
       <p:nvGrpSpPr>
-        <p:cNvPr id="280" name="Shape 280"/>
+        <p:cNvPr id="279" name="Shape 279"/>
         <p:cNvGrpSpPr/>
         <p:nvPr/>
       </p:nvGrpSpPr>
@@ -20389,7 +20363,7 @@
       </p:grpSpPr>
       <p:sp>
         <p:nvSpPr>
-          <p:cNvPr id="281" name="Google Shape;281;p44"/>
+          <p:cNvPr id="280" name="Google Shape;280;p44"/>
           <p:cNvSpPr txBox="1"/>
           <p:nvPr>
             <p:ph type="title"/>
@@ -20429,7 +20403,7 @@
       </p:sp>
       <p:sp>
         <p:nvSpPr>
-          <p:cNvPr id="282" name="Google Shape;282;p44"/>
+          <p:cNvPr id="281" name="Google Shape;281;p44"/>
           <p:cNvSpPr txBox="1"/>
           <p:nvPr>
             <p:ph idx="1" type="body"/>
@@ -20502,7 +20476,7 @@
       </p:sp>
       <p:sp>
         <p:nvSpPr>
-          <p:cNvPr id="283" name="Google Shape;283;p44"/>
+          <p:cNvPr id="282" name="Google Shape;282;p44"/>
           <p:cNvSpPr txBox="1"/>
           <p:nvPr>
             <p:ph idx="12" type="sldNum"/>
@@ -20578,7 +20552,7 @@
   <p:cSld>
     <p:spTree>
       <p:nvGrpSpPr>
-        <p:cNvPr id="287" name="Shape 287"/>
+        <p:cNvPr id="286" name="Shape 286"/>
         <p:cNvGrpSpPr/>
         <p:nvPr/>
       </p:nvGrpSpPr>
@@ -20592,7 +20566,7 @@
       </p:grpSpPr>
       <p:sp>
         <p:nvSpPr>
-          <p:cNvPr id="288" name="Google Shape;288;p45"/>
+          <p:cNvPr id="287" name="Google Shape;287;p45"/>
           <p:cNvSpPr txBox="1"/>
           <p:nvPr>
             <p:ph type="title"/>
@@ -20643,7 +20617,7 @@
   <p:cSld>
     <p:spTree>
       <p:nvGrpSpPr>
-        <p:cNvPr id="292" name="Shape 292"/>
+        <p:cNvPr id="291" name="Shape 291"/>
         <p:cNvGrpSpPr/>
         <p:nvPr/>
       </p:nvGrpSpPr>
@@ -20657,7 +20631,7 @@
       </p:grpSpPr>
       <p:sp>
         <p:nvSpPr>
-          <p:cNvPr id="293" name="Google Shape;293;p46"/>
+          <p:cNvPr id="292" name="Google Shape;292;p46"/>
           <p:cNvSpPr txBox="1"/>
           <p:nvPr>
             <p:ph type="title"/>
@@ -20697,7 +20671,7 @@
       </p:sp>
       <p:sp>
         <p:nvSpPr>
-          <p:cNvPr id="294" name="Google Shape;294;p46"/>
+          <p:cNvPr id="293" name="Google Shape;293;p46"/>
           <p:cNvSpPr txBox="1"/>
           <p:nvPr>
             <p:ph idx="1" type="body"/>
@@ -20773,7 +20747,7 @@
       </p:sp>
       <p:sp>
         <p:nvSpPr>
-          <p:cNvPr id="295" name="Google Shape;295;p46"/>
+          <p:cNvPr id="294" name="Google Shape;294;p46"/>
           <p:cNvSpPr txBox="1"/>
           <p:nvPr>
             <p:ph idx="12" type="sldNum"/>
@@ -20838,7 +20812,7 @@
       </p:sp>
       <p:sp>
         <p:nvSpPr>
-          <p:cNvPr id="296" name="Google Shape;296;p46"/>
+          <p:cNvPr id="295" name="Google Shape;295;p46"/>
           <p:cNvSpPr txBox="1"/>
           <p:nvPr/>
         </p:nvSpPr>
@@ -20980,7 +20954,7 @@
   <p:cSld>
     <p:spTree>
       <p:nvGrpSpPr>
-        <p:cNvPr id="56" name="Shape 56"/>
+        <p:cNvPr id="55" name="Shape 55"/>
         <p:cNvGrpSpPr/>
         <p:nvPr/>
       </p:nvGrpSpPr>
@@ -20994,7 +20968,7 @@
       </p:grpSpPr>
       <p:sp>
         <p:nvSpPr>
-          <p:cNvPr id="57" name="Google Shape;57;p11"/>
+          <p:cNvPr id="56" name="Google Shape;56;p11"/>
           <p:cNvSpPr txBox="1"/>
           <p:nvPr>
             <p:ph type="title"/>
@@ -21045,7 +21019,7 @@
   <p:cSld>
     <p:spTree>
       <p:nvGrpSpPr>
-        <p:cNvPr id="300" name="Shape 300"/>
+        <p:cNvPr id="299" name="Shape 299"/>
         <p:cNvGrpSpPr/>
         <p:nvPr/>
       </p:nvGrpSpPr>
@@ -21059,7 +21033,7 @@
       </p:grpSpPr>
       <p:sp>
         <p:nvSpPr>
-          <p:cNvPr id="301" name="Google Shape;301;p47"/>
+          <p:cNvPr id="300" name="Google Shape;300;p47"/>
           <p:cNvSpPr txBox="1"/>
           <p:nvPr>
             <p:ph type="title"/>
@@ -21099,7 +21073,7 @@
       </p:sp>
       <p:sp>
         <p:nvSpPr>
-          <p:cNvPr id="302" name="Google Shape;302;p47"/>
+          <p:cNvPr id="301" name="Google Shape;301;p47"/>
           <p:cNvSpPr txBox="1"/>
           <p:nvPr>
             <p:ph idx="1" type="body"/>
@@ -21155,7 +21129,7 @@
       </p:sp>
       <p:sp>
         <p:nvSpPr>
-          <p:cNvPr id="303" name="Google Shape;303;p47"/>
+          <p:cNvPr id="302" name="Google Shape;302;p47"/>
           <p:cNvSpPr txBox="1"/>
           <p:nvPr>
             <p:ph idx="12" type="sldNum"/>
@@ -21220,7 +21194,7 @@
       </p:sp>
       <p:sp>
         <p:nvSpPr>
-          <p:cNvPr id="304" name="Google Shape;304;p47"/>
+          <p:cNvPr id="303" name="Google Shape;303;p47"/>
           <p:cNvSpPr txBox="1"/>
           <p:nvPr/>
         </p:nvSpPr>
@@ -21288,7 +21262,7 @@
   <p:cSld>
     <p:spTree>
       <p:nvGrpSpPr>
-        <p:cNvPr id="308" name="Shape 308"/>
+        <p:cNvPr id="307" name="Shape 307"/>
         <p:cNvGrpSpPr/>
         <p:nvPr/>
       </p:nvGrpSpPr>
@@ -21302,7 +21276,7 @@
       </p:grpSpPr>
       <p:sp>
         <p:nvSpPr>
-          <p:cNvPr id="309" name="Google Shape;309;p48"/>
+          <p:cNvPr id="308" name="Google Shape;308;p48"/>
           <p:cNvSpPr txBox="1"/>
           <p:nvPr>
             <p:ph type="title"/>
@@ -21342,7 +21316,7 @@
       </p:sp>
       <p:sp>
         <p:nvSpPr>
-          <p:cNvPr id="310" name="Google Shape;310;p48"/>
+          <p:cNvPr id="309" name="Google Shape;309;p48"/>
           <p:cNvSpPr txBox="1"/>
           <p:nvPr>
             <p:ph idx="1" type="body"/>
@@ -21526,7 +21500,7 @@
       </p:sp>
       <p:sp>
         <p:nvSpPr>
-          <p:cNvPr id="311" name="Google Shape;311;p48"/>
+          <p:cNvPr id="310" name="Google Shape;310;p48"/>
           <p:cNvSpPr txBox="1"/>
           <p:nvPr>
             <p:ph idx="12" type="sldNum"/>
@@ -21591,7 +21565,7 @@
       </p:sp>
       <p:sp>
         <p:nvSpPr>
-          <p:cNvPr id="312" name="Google Shape;312;p48"/>
+          <p:cNvPr id="311" name="Google Shape;311;p48"/>
           <p:cNvSpPr txBox="1"/>
           <p:nvPr/>
         </p:nvSpPr>
@@ -21803,7 +21777,7 @@
   <p:cSld>
     <p:spTree>
       <p:nvGrpSpPr>
-        <p:cNvPr id="316" name="Shape 316"/>
+        <p:cNvPr id="315" name="Shape 315"/>
         <p:cNvGrpSpPr/>
         <p:nvPr/>
       </p:nvGrpSpPr>
@@ -21817,7 +21791,7 @@
       </p:grpSpPr>
       <p:sp>
         <p:nvSpPr>
-          <p:cNvPr id="317" name="Google Shape;317;p49"/>
+          <p:cNvPr id="316" name="Google Shape;316;p49"/>
           <p:cNvSpPr txBox="1"/>
           <p:nvPr>
             <p:ph type="title"/>
@@ -21857,7 +21831,7 @@
       </p:sp>
       <p:sp>
         <p:nvSpPr>
-          <p:cNvPr id="318" name="Google Shape;318;p49"/>
+          <p:cNvPr id="317" name="Google Shape;317;p49"/>
           <p:cNvSpPr txBox="1"/>
           <p:nvPr>
             <p:ph idx="1" type="body"/>
@@ -21947,7 +21921,7 @@
       </p:sp>
       <p:sp>
         <p:nvSpPr>
-          <p:cNvPr id="319" name="Google Shape;319;p49"/>
+          <p:cNvPr id="318" name="Google Shape;318;p49"/>
           <p:cNvSpPr txBox="1"/>
           <p:nvPr>
             <p:ph idx="12" type="sldNum"/>
@@ -22012,7 +21986,7 @@
       </p:sp>
       <p:sp>
         <p:nvSpPr>
-          <p:cNvPr id="320" name="Google Shape;320;p49"/>
+          <p:cNvPr id="319" name="Google Shape;319;p49"/>
           <p:cNvSpPr txBox="1"/>
           <p:nvPr/>
         </p:nvSpPr>
@@ -22065,7 +22039,7 @@
   <p:cSld>
     <p:spTree>
       <p:nvGrpSpPr>
-        <p:cNvPr id="324" name="Shape 324"/>
+        <p:cNvPr id="323" name="Shape 323"/>
         <p:cNvGrpSpPr/>
         <p:nvPr/>
       </p:nvGrpSpPr>
@@ -22079,7 +22053,7 @@
       </p:grpSpPr>
       <p:sp>
         <p:nvSpPr>
-          <p:cNvPr id="325" name="Google Shape;325;p50"/>
+          <p:cNvPr id="324" name="Google Shape;324;p50"/>
           <p:cNvSpPr txBox="1"/>
           <p:nvPr>
             <p:ph type="title"/>
@@ -22119,7 +22093,7 @@
       </p:sp>
       <p:sp>
         <p:nvSpPr>
-          <p:cNvPr id="326" name="Google Shape;326;p50"/>
+          <p:cNvPr id="325" name="Google Shape;325;p50"/>
           <p:cNvSpPr txBox="1"/>
           <p:nvPr>
             <p:ph idx="1" type="body"/>
@@ -22250,7 +22224,7 @@
       </p:sp>
       <p:sp>
         <p:nvSpPr>
-          <p:cNvPr id="327" name="Google Shape;327;p50"/>
+          <p:cNvPr id="326" name="Google Shape;326;p50"/>
           <p:cNvSpPr txBox="1"/>
           <p:nvPr>
             <p:ph idx="12" type="sldNum"/>
@@ -22326,7 +22300,7 @@
   <p:cSld>
     <p:spTree>
       <p:nvGrpSpPr>
-        <p:cNvPr id="331" name="Shape 331"/>
+        <p:cNvPr id="330" name="Shape 330"/>
         <p:cNvGrpSpPr/>
         <p:nvPr/>
       </p:nvGrpSpPr>
@@ -22340,7 +22314,7 @@
       </p:grpSpPr>
       <p:sp>
         <p:nvSpPr>
-          <p:cNvPr id="332" name="Google Shape;332;p51"/>
+          <p:cNvPr id="331" name="Google Shape;331;p51"/>
           <p:cNvSpPr txBox="1"/>
           <p:nvPr>
             <p:ph type="title"/>
@@ -22380,7 +22354,7 @@
       </p:sp>
       <p:sp>
         <p:nvSpPr>
-          <p:cNvPr id="333" name="Google Shape;333;p51"/>
+          <p:cNvPr id="332" name="Google Shape;332;p51"/>
           <p:cNvSpPr txBox="1"/>
           <p:nvPr>
             <p:ph idx="1" type="body"/>
@@ -22451,7 +22425,7 @@
       </p:sp>
       <p:sp>
         <p:nvSpPr>
-          <p:cNvPr id="334" name="Google Shape;334;p51"/>
+          <p:cNvPr id="333" name="Google Shape;333;p51"/>
           <p:cNvSpPr txBox="1"/>
           <p:nvPr>
             <p:ph idx="12" type="sldNum"/>
@@ -22516,7 +22490,7 @@
       </p:sp>
       <p:sp>
         <p:nvSpPr>
-          <p:cNvPr id="335" name="Google Shape;335;p51"/>
+          <p:cNvPr id="334" name="Google Shape;334;p51"/>
           <p:cNvSpPr txBox="1"/>
           <p:nvPr/>
         </p:nvSpPr>
@@ -22571,7 +22545,7 @@
       </p:sp>
       <p:sp>
         <p:nvSpPr>
-          <p:cNvPr id="336" name="Google Shape;336;p51"/>
+          <p:cNvPr id="335" name="Google Shape;335;p51"/>
           <p:cNvSpPr txBox="1"/>
           <p:nvPr/>
         </p:nvSpPr>
@@ -22697,7 +22671,7 @@
   <p:cSld>
     <p:spTree>
       <p:nvGrpSpPr>
-        <p:cNvPr id="340" name="Shape 340"/>
+        <p:cNvPr id="339" name="Shape 339"/>
         <p:cNvGrpSpPr/>
         <p:nvPr/>
       </p:nvGrpSpPr>
@@ -22711,7 +22685,7 @@
       </p:grpSpPr>
       <p:sp>
         <p:nvSpPr>
-          <p:cNvPr id="341" name="Google Shape;341;p52"/>
+          <p:cNvPr id="340" name="Google Shape;340;p52"/>
           <p:cNvSpPr txBox="1"/>
           <p:nvPr>
             <p:ph type="title"/>
@@ -22751,7 +22725,7 @@
       </p:sp>
       <p:sp>
         <p:nvSpPr>
-          <p:cNvPr id="342" name="Google Shape;342;p52"/>
+          <p:cNvPr id="341" name="Google Shape;341;p52"/>
           <p:cNvSpPr txBox="1"/>
           <p:nvPr>
             <p:ph idx="1" type="body"/>
@@ -22923,7 +22897,7 @@
       </p:sp>
       <p:sp>
         <p:nvSpPr>
-          <p:cNvPr id="343" name="Google Shape;343;p52"/>
+          <p:cNvPr id="342" name="Google Shape;342;p52"/>
           <p:cNvSpPr txBox="1"/>
           <p:nvPr>
             <p:ph idx="12" type="sldNum"/>
@@ -22999,7 +22973,7 @@
   <p:cSld>
     <p:spTree>
       <p:nvGrpSpPr>
-        <p:cNvPr id="347" name="Shape 347"/>
+        <p:cNvPr id="346" name="Shape 346"/>
         <p:cNvGrpSpPr/>
         <p:nvPr/>
       </p:nvGrpSpPr>
@@ -23013,7 +22987,7 @@
       </p:grpSpPr>
       <p:sp>
         <p:nvSpPr>
-          <p:cNvPr id="348" name="Google Shape;348;p53"/>
+          <p:cNvPr id="347" name="Google Shape;347;p53"/>
           <p:cNvSpPr txBox="1"/>
           <p:nvPr>
             <p:ph type="title"/>
@@ -23064,7 +23038,7 @@
   <p:cSld>
     <p:spTree>
       <p:nvGrpSpPr>
-        <p:cNvPr id="352" name="Shape 352"/>
+        <p:cNvPr id="351" name="Shape 351"/>
         <p:cNvGrpSpPr/>
         <p:nvPr/>
       </p:nvGrpSpPr>
@@ -23078,7 +23052,7 @@
       </p:grpSpPr>
       <p:sp>
         <p:nvSpPr>
-          <p:cNvPr id="353" name="Google Shape;353;p54"/>
+          <p:cNvPr id="352" name="Google Shape;352;p54"/>
           <p:cNvSpPr txBox="1"/>
           <p:nvPr>
             <p:ph type="title"/>
@@ -23126,7 +23100,7 @@
       </p:sp>
       <p:sp>
         <p:nvSpPr>
-          <p:cNvPr id="354" name="Google Shape;354;p54"/>
+          <p:cNvPr id="353" name="Google Shape;353;p54"/>
           <p:cNvSpPr txBox="1"/>
           <p:nvPr>
             <p:ph idx="1" type="body"/>
@@ -23264,7 +23238,7 @@
       </p:sp>
       <p:sp>
         <p:nvSpPr>
-          <p:cNvPr id="355" name="Google Shape;355;p54"/>
+          <p:cNvPr id="354" name="Google Shape;354;p54"/>
           <p:cNvSpPr txBox="1"/>
           <p:nvPr>
             <p:ph idx="12" type="sldNum"/>
@@ -23340,7 +23314,7 @@
   <p:cSld>
     <p:spTree>
       <p:nvGrpSpPr>
-        <p:cNvPr id="359" name="Shape 359"/>
+        <p:cNvPr id="358" name="Shape 358"/>
         <p:cNvGrpSpPr/>
         <p:nvPr/>
       </p:nvGrpSpPr>
@@ -23354,7 +23328,7 @@
       </p:grpSpPr>
       <p:pic>
         <p:nvPicPr>
-          <p:cNvPr id="360" name="Google Shape;360;p55"/>
+          <p:cNvPr id="359" name="Google Shape;359;p55"/>
           <p:cNvPicPr preferRelativeResize="0"/>
           <p:nvPr/>
         </p:nvPicPr>
@@ -23393,7 +23367,7 @@
   <p:cSld>
     <p:spTree>
       <p:nvGrpSpPr>
-        <p:cNvPr id="364" name="Shape 364"/>
+        <p:cNvPr id="363" name="Shape 363"/>
         <p:cNvGrpSpPr/>
         <p:nvPr/>
       </p:nvGrpSpPr>
@@ -23407,7 +23381,7 @@
       </p:grpSpPr>
       <p:sp>
         <p:nvSpPr>
-          <p:cNvPr id="365" name="Google Shape;365;p56"/>
+          <p:cNvPr id="364" name="Google Shape;364;p56"/>
           <p:cNvSpPr txBox="1"/>
           <p:nvPr>
             <p:ph type="title"/>
@@ -23447,7 +23421,7 @@
       </p:sp>
       <p:sp>
         <p:nvSpPr>
-          <p:cNvPr id="366" name="Google Shape;366;p56"/>
+          <p:cNvPr id="365" name="Google Shape;365;p56"/>
           <p:cNvSpPr txBox="1"/>
           <p:nvPr>
             <p:ph idx="1" type="body"/>
@@ -23503,7 +23477,7 @@
       </p:sp>
       <p:sp>
         <p:nvSpPr>
-          <p:cNvPr id="367" name="Google Shape;367;p56"/>
+          <p:cNvPr id="366" name="Google Shape;366;p56"/>
           <p:cNvSpPr txBox="1"/>
           <p:nvPr>
             <p:ph idx="12" type="sldNum"/>
@@ -23579,7 +23553,7 @@
   <p:cSld>
     <p:spTree>
       <p:nvGrpSpPr>
-        <p:cNvPr id="61" name="Shape 61"/>
+        <p:cNvPr id="60" name="Shape 60"/>
         <p:cNvGrpSpPr/>
         <p:nvPr/>
       </p:nvGrpSpPr>
@@ -23593,7 +23567,7 @@
       </p:grpSpPr>
       <p:sp>
         <p:nvSpPr>
-          <p:cNvPr id="62" name="Google Shape;62;p12"/>
+          <p:cNvPr id="61" name="Google Shape;61;p12"/>
           <p:cNvSpPr txBox="1"/>
           <p:nvPr>
             <p:ph type="title"/>
@@ -23633,7 +23607,7 @@
       </p:sp>
       <p:sp>
         <p:nvSpPr>
-          <p:cNvPr id="63" name="Google Shape;63;p12"/>
+          <p:cNvPr id="62" name="Google Shape;62;p12"/>
           <p:cNvSpPr txBox="1"/>
           <p:nvPr>
             <p:ph idx="12" type="sldNum"/>
@@ -23698,7 +23672,7 @@
       </p:sp>
       <p:sp>
         <p:nvSpPr>
-          <p:cNvPr id="64" name="Google Shape;64;p12"/>
+          <p:cNvPr id="63" name="Google Shape;63;p12"/>
           <p:cNvSpPr txBox="1"/>
           <p:nvPr/>
         </p:nvSpPr>
@@ -23744,7 +23718,7 @@
       </p:sp>
       <p:pic>
         <p:nvPicPr>
-          <p:cNvPr id="65" name="Google Shape;65;p12"/>
+          <p:cNvPr id="64" name="Google Shape;64;p12"/>
           <p:cNvPicPr preferRelativeResize="0"/>
           <p:nvPr/>
         </p:nvPicPr>
@@ -23783,7 +23757,7 @@
   <p:cSld>
     <p:spTree>
       <p:nvGrpSpPr>
-        <p:cNvPr id="371" name="Shape 371"/>
+        <p:cNvPr id="370" name="Shape 370"/>
         <p:cNvGrpSpPr/>
         <p:nvPr/>
       </p:nvGrpSpPr>
@@ -23797,7 +23771,7 @@
       </p:grpSpPr>
       <p:sp>
         <p:nvSpPr>
-          <p:cNvPr id="372" name="Google Shape;372;p57"/>
+          <p:cNvPr id="371" name="Google Shape;371;p57"/>
           <p:cNvSpPr txBox="1"/>
           <p:nvPr>
             <p:ph type="title"/>
@@ -23852,7 +23826,7 @@
   <p:cSld>
     <p:spTree>
       <p:nvGrpSpPr>
-        <p:cNvPr id="376" name="Shape 376"/>
+        <p:cNvPr id="375" name="Shape 375"/>
         <p:cNvGrpSpPr/>
         <p:nvPr/>
       </p:nvGrpSpPr>
@@ -23866,7 +23840,7 @@
       </p:grpSpPr>
       <p:sp>
         <p:nvSpPr>
-          <p:cNvPr id="377" name="Google Shape;377;p58"/>
+          <p:cNvPr id="376" name="Google Shape;376;p58"/>
           <p:cNvSpPr txBox="1"/>
           <p:nvPr>
             <p:ph type="title"/>
@@ -23906,7 +23880,7 @@
       </p:sp>
       <p:sp>
         <p:nvSpPr>
-          <p:cNvPr id="378" name="Google Shape;378;p58"/>
+          <p:cNvPr id="377" name="Google Shape;377;p58"/>
           <p:cNvSpPr txBox="1"/>
           <p:nvPr>
             <p:ph idx="1" type="body"/>
@@ -24086,7 +24060,7 @@
       </p:sp>
       <p:sp>
         <p:nvSpPr>
-          <p:cNvPr id="379" name="Google Shape;379;p58"/>
+          <p:cNvPr id="378" name="Google Shape;378;p58"/>
           <p:cNvSpPr txBox="1"/>
           <p:nvPr>
             <p:ph idx="12" type="sldNum"/>
@@ -24162,7 +24136,7 @@
   <p:cSld>
     <p:spTree>
       <p:nvGrpSpPr>
-        <p:cNvPr id="383" name="Shape 383"/>
+        <p:cNvPr id="382" name="Shape 382"/>
         <p:cNvGrpSpPr/>
         <p:nvPr/>
       </p:nvGrpSpPr>
@@ -24176,7 +24150,7 @@
       </p:grpSpPr>
       <p:sp>
         <p:nvSpPr>
-          <p:cNvPr id="384" name="Google Shape;384;p59"/>
+          <p:cNvPr id="383" name="Google Shape;383;p59"/>
           <p:cNvSpPr txBox="1"/>
           <p:nvPr>
             <p:ph type="title"/>
@@ -24220,7 +24194,7 @@
       </p:sp>
       <p:sp>
         <p:nvSpPr>
-          <p:cNvPr id="385" name="Google Shape;385;p59"/>
+          <p:cNvPr id="384" name="Google Shape;384;p59"/>
           <p:cNvSpPr txBox="1"/>
           <p:nvPr>
             <p:ph idx="1" type="body"/>
@@ -24290,7 +24264,7 @@
       </p:sp>
       <p:sp>
         <p:nvSpPr>
-          <p:cNvPr id="386" name="Google Shape;386;p59"/>
+          <p:cNvPr id="385" name="Google Shape;385;p59"/>
           <p:cNvSpPr txBox="1"/>
           <p:nvPr>
             <p:ph idx="12" type="sldNum"/>
@@ -24355,7 +24329,7 @@
       </p:sp>
       <p:pic>
         <p:nvPicPr>
-          <p:cNvPr id="387" name="Google Shape;387;p59"/>
+          <p:cNvPr id="386" name="Google Shape;386;p59"/>
           <p:cNvPicPr preferRelativeResize="0"/>
           <p:nvPr/>
         </p:nvPicPr>
@@ -24400,7 +24374,7 @@
   <p:cSld>
     <p:spTree>
       <p:nvGrpSpPr>
-        <p:cNvPr id="391" name="Shape 391"/>
+        <p:cNvPr id="390" name="Shape 390"/>
         <p:cNvGrpSpPr/>
         <p:nvPr/>
       </p:nvGrpSpPr>
@@ -24414,7 +24388,7 @@
       </p:grpSpPr>
       <p:sp>
         <p:nvSpPr>
-          <p:cNvPr id="392" name="Google Shape;392;p60"/>
+          <p:cNvPr id="391" name="Google Shape;391;p60"/>
           <p:cNvSpPr txBox="1"/>
           <p:nvPr>
             <p:ph type="title"/>
@@ -24465,7 +24439,7 @@
   <p:cSld>
     <p:spTree>
       <p:nvGrpSpPr>
-        <p:cNvPr id="396" name="Shape 396"/>
+        <p:cNvPr id="395" name="Shape 395"/>
         <p:cNvGrpSpPr/>
         <p:nvPr/>
       </p:nvGrpSpPr>
@@ -24479,7 +24453,7 @@
       </p:grpSpPr>
       <p:sp>
         <p:nvSpPr>
-          <p:cNvPr id="397" name="Google Shape;397;p61"/>
+          <p:cNvPr id="396" name="Google Shape;396;p61"/>
           <p:cNvSpPr txBox="1"/>
           <p:nvPr>
             <p:ph type="title"/>
@@ -24519,7 +24493,7 @@
       </p:sp>
       <p:sp>
         <p:nvSpPr>
-          <p:cNvPr id="398" name="Google Shape;398;p61"/>
+          <p:cNvPr id="397" name="Google Shape;397;p61"/>
           <p:cNvSpPr txBox="1"/>
           <p:nvPr>
             <p:ph idx="1" type="body"/>
@@ -24559,7 +24533,7 @@
       </p:sp>
       <p:sp>
         <p:nvSpPr>
-          <p:cNvPr id="399" name="Google Shape;399;p61"/>
+          <p:cNvPr id="398" name="Google Shape;398;p61"/>
           <p:cNvSpPr txBox="1"/>
           <p:nvPr>
             <p:ph idx="12" type="sldNum"/>
@@ -24624,7 +24598,7 @@
       </p:sp>
       <p:pic>
         <p:nvPicPr>
-          <p:cNvPr id="400" name="Google Shape;400;p61"/>
+          <p:cNvPr id="399" name="Google Shape;399;p61"/>
           <p:cNvPicPr preferRelativeResize="0"/>
           <p:nvPr/>
         </p:nvPicPr>
@@ -24658,7 +24632,7 @@
       </p:pic>
       <p:sp>
         <p:nvSpPr>
-          <p:cNvPr id="401" name="Google Shape;401;p61"/>
+          <p:cNvPr id="400" name="Google Shape;400;p61"/>
           <p:cNvSpPr txBox="1"/>
           <p:nvPr/>
         </p:nvSpPr>
@@ -24715,7 +24689,7 @@
   <p:cSld>
     <p:spTree>
       <p:nvGrpSpPr>
-        <p:cNvPr id="405" name="Shape 405"/>
+        <p:cNvPr id="404" name="Shape 404"/>
         <p:cNvGrpSpPr/>
         <p:nvPr/>
       </p:nvGrpSpPr>
@@ -24729,7 +24703,7 @@
       </p:grpSpPr>
       <p:sp>
         <p:nvSpPr>
-          <p:cNvPr id="406" name="Google Shape;406;p62"/>
+          <p:cNvPr id="405" name="Google Shape;405;p62"/>
           <p:cNvSpPr txBox="1"/>
           <p:nvPr>
             <p:ph type="title"/>
@@ -24769,7 +24743,7 @@
       </p:sp>
       <p:sp>
         <p:nvSpPr>
-          <p:cNvPr id="407" name="Google Shape;407;p62"/>
+          <p:cNvPr id="406" name="Google Shape;406;p62"/>
           <p:cNvSpPr txBox="1"/>
           <p:nvPr>
             <p:ph idx="1" type="body"/>
@@ -24871,7 +24845,7 @@
       </p:sp>
       <p:sp>
         <p:nvSpPr>
-          <p:cNvPr id="408" name="Google Shape;408;p62"/>
+          <p:cNvPr id="407" name="Google Shape;407;p62"/>
           <p:cNvSpPr txBox="1"/>
           <p:nvPr>
             <p:ph idx="12" type="sldNum"/>
@@ -24947,7 +24921,7 @@
   <p:cSld>
     <p:spTree>
       <p:nvGrpSpPr>
-        <p:cNvPr id="412" name="Shape 412"/>
+        <p:cNvPr id="411" name="Shape 411"/>
         <p:cNvGrpSpPr/>
         <p:nvPr/>
       </p:nvGrpSpPr>
@@ -24961,7 +24935,7 @@
       </p:grpSpPr>
       <p:sp>
         <p:nvSpPr>
-          <p:cNvPr id="413" name="Google Shape;413;p63"/>
+          <p:cNvPr id="412" name="Google Shape;412;p63"/>
           <p:cNvSpPr txBox="1"/>
           <p:nvPr>
             <p:ph idx="1" type="body"/>
@@ -25189,7 +25163,7 @@
       </p:sp>
       <p:sp>
         <p:nvSpPr>
-          <p:cNvPr id="414" name="Google Shape;414;p63"/>
+          <p:cNvPr id="413" name="Google Shape;413;p63"/>
           <p:cNvSpPr txBox="1"/>
           <p:nvPr>
             <p:ph type="title"/>
@@ -25229,7 +25203,7 @@
       </p:sp>
       <p:sp>
         <p:nvSpPr>
-          <p:cNvPr id="415" name="Google Shape;415;p63"/>
+          <p:cNvPr id="414" name="Google Shape;414;p63"/>
           <p:cNvSpPr txBox="1"/>
           <p:nvPr>
             <p:ph idx="12" type="sldNum"/>
@@ -25305,7 +25279,7 @@
   <p:cSld>
     <p:spTree>
       <p:nvGrpSpPr>
-        <p:cNvPr id="419" name="Shape 419"/>
+        <p:cNvPr id="418" name="Shape 418"/>
         <p:cNvGrpSpPr/>
         <p:nvPr/>
       </p:nvGrpSpPr>
@@ -25319,7 +25293,7 @@
       </p:grpSpPr>
       <p:sp>
         <p:nvSpPr>
-          <p:cNvPr id="420" name="Google Shape;420;p64"/>
+          <p:cNvPr id="419" name="Google Shape;419;p64"/>
           <p:cNvSpPr txBox="1"/>
           <p:nvPr>
             <p:ph type="ctrTitle"/>
@@ -25359,7 +25333,7 @@
       </p:sp>
       <p:sp>
         <p:nvSpPr>
-          <p:cNvPr id="421" name="Google Shape;421;p64"/>
+          <p:cNvPr id="420" name="Google Shape;420;p64"/>
           <p:cNvSpPr txBox="1"/>
           <p:nvPr>
             <p:ph idx="1" type="subTitle"/>
@@ -25489,7 +25463,7 @@
   <p:cSld>
     <p:spTree>
       <p:nvGrpSpPr>
-        <p:cNvPr id="425" name="Shape 425"/>
+        <p:cNvPr id="424" name="Shape 424"/>
         <p:cNvGrpSpPr/>
         <p:nvPr/>
       </p:nvGrpSpPr>
@@ -25503,7 +25477,7 @@
       </p:grpSpPr>
       <p:sp>
         <p:nvSpPr>
-          <p:cNvPr id="426" name="Google Shape;426;p65"/>
+          <p:cNvPr id="425" name="Google Shape;425;p65"/>
           <p:cNvSpPr txBox="1"/>
           <p:nvPr>
             <p:ph type="title"/>
@@ -25543,7 +25517,7 @@
       </p:sp>
       <p:sp>
         <p:nvSpPr>
-          <p:cNvPr id="427" name="Google Shape;427;p65"/>
+          <p:cNvPr id="426" name="Google Shape;426;p65"/>
           <p:cNvSpPr txBox="1"/>
           <p:nvPr>
             <p:ph idx="12" type="sldNum"/>
@@ -25608,7 +25582,7 @@
       </p:sp>
       <p:sp>
         <p:nvSpPr>
-          <p:cNvPr id="428" name="Google Shape;428;p65"/>
+          <p:cNvPr id="427" name="Google Shape;427;p65"/>
           <p:cNvSpPr txBox="1"/>
           <p:nvPr>
             <p:ph idx="1" type="body"/>
@@ -25737,7 +25711,7 @@
   <p:cSld>
     <p:spTree>
       <p:nvGrpSpPr>
-        <p:cNvPr id="69" name="Shape 69"/>
+        <p:cNvPr id="68" name="Shape 68"/>
         <p:cNvGrpSpPr/>
         <p:nvPr/>
       </p:nvGrpSpPr>
@@ -25751,7 +25725,7 @@
       </p:grpSpPr>
       <p:sp>
         <p:nvSpPr>
-          <p:cNvPr id="70" name="Google Shape;70;p13"/>
+          <p:cNvPr id="69" name="Google Shape;69;p13"/>
           <p:cNvSpPr txBox="1"/>
           <p:nvPr>
             <p:ph idx="1" type="body"/>
@@ -25889,7 +25863,7 @@
       </p:sp>
       <p:sp>
         <p:nvSpPr>
-          <p:cNvPr id="71" name="Google Shape;71;p13"/>
+          <p:cNvPr id="70" name="Google Shape;70;p13"/>
           <p:cNvSpPr txBox="1"/>
           <p:nvPr>
             <p:ph type="title"/>
@@ -25929,7 +25903,7 @@
       </p:sp>
       <p:sp>
         <p:nvSpPr>
-          <p:cNvPr id="72" name="Google Shape;72;p13"/>
+          <p:cNvPr id="71" name="Google Shape;71;p13"/>
           <p:cNvSpPr txBox="1"/>
           <p:nvPr>
             <p:ph idx="12" type="sldNum"/>
@@ -26005,7 +25979,7 @@
   <p:cSld>
     <p:spTree>
       <p:nvGrpSpPr>
-        <p:cNvPr id="76" name="Shape 76"/>
+        <p:cNvPr id="75" name="Shape 75"/>
         <p:cNvGrpSpPr/>
         <p:nvPr/>
       </p:nvGrpSpPr>
@@ -26019,7 +25993,7 @@
       </p:grpSpPr>
       <p:sp>
         <p:nvSpPr>
-          <p:cNvPr id="77" name="Google Shape;77;p14"/>
+          <p:cNvPr id="76" name="Google Shape;76;p14"/>
           <p:cNvSpPr txBox="1"/>
           <p:nvPr>
             <p:ph type="title"/>
@@ -26059,7 +26033,7 @@
       </p:sp>
       <p:sp>
         <p:nvSpPr>
-          <p:cNvPr id="78" name="Google Shape;78;p14"/>
+          <p:cNvPr id="77" name="Google Shape;77;p14"/>
           <p:cNvSpPr txBox="1"/>
           <p:nvPr>
             <p:ph idx="1" type="body"/>
@@ -26116,7 +26090,7 @@
       </p:sp>
       <p:sp>
         <p:nvSpPr>
-          <p:cNvPr id="79" name="Google Shape;79;p14"/>
+          <p:cNvPr id="78" name="Google Shape;78;p14"/>
           <p:cNvSpPr txBox="1"/>
           <p:nvPr>
             <p:ph idx="12" type="sldNum"/>
@@ -26192,7 +26166,7 @@
   <p:cSld>
     <p:spTree>
       <p:nvGrpSpPr>
-        <p:cNvPr id="83" name="Shape 83"/>
+        <p:cNvPr id="82" name="Shape 82"/>
         <p:cNvGrpSpPr/>
         <p:nvPr/>
       </p:nvGrpSpPr>
@@ -26206,7 +26180,7 @@
       </p:grpSpPr>
       <p:sp>
         <p:nvSpPr>
-          <p:cNvPr id="84" name="Google Shape;84;p15"/>
+          <p:cNvPr id="83" name="Google Shape;83;p15"/>
           <p:cNvSpPr txBox="1"/>
           <p:nvPr>
             <p:ph type="title"/>
@@ -26246,7 +26220,7 @@
       </p:sp>
       <p:sp>
         <p:nvSpPr>
-          <p:cNvPr id="85" name="Google Shape;85;p15"/>
+          <p:cNvPr id="84" name="Google Shape;84;p15"/>
           <p:cNvSpPr txBox="1"/>
           <p:nvPr>
             <p:ph idx="1" type="body"/>
@@ -26301,7 +26275,7 @@
       </p:sp>
       <p:sp>
         <p:nvSpPr>
-          <p:cNvPr id="86" name="Google Shape;86;p15"/>
+          <p:cNvPr id="85" name="Google Shape;85;p15"/>
           <p:cNvSpPr txBox="1"/>
           <p:nvPr>
             <p:ph idx="12" type="sldNum"/>
@@ -26377,7 +26351,7 @@
   <p:cSld>
     <p:spTree>
       <p:nvGrpSpPr>
-        <p:cNvPr id="90" name="Shape 90"/>
+        <p:cNvPr id="89" name="Shape 89"/>
         <p:cNvGrpSpPr/>
         <p:nvPr/>
       </p:nvGrpSpPr>
@@ -26391,7 +26365,7 @@
       </p:grpSpPr>
       <p:sp>
         <p:nvSpPr>
-          <p:cNvPr id="91" name="Google Shape;91;p16"/>
+          <p:cNvPr id="90" name="Google Shape;90;p16"/>
           <p:cNvSpPr txBox="1"/>
           <p:nvPr>
             <p:ph type="title"/>
@@ -26431,7 +26405,7 @@
       </p:sp>
       <p:sp>
         <p:nvSpPr>
-          <p:cNvPr id="92" name="Google Shape;92;p16"/>
+          <p:cNvPr id="91" name="Google Shape;91;p16"/>
           <p:cNvSpPr txBox="1"/>
           <p:nvPr>
             <p:ph idx="1" type="body"/>
@@ -26555,7 +26529,7 @@
       </p:sp>
       <p:sp>
         <p:nvSpPr>
-          <p:cNvPr id="93" name="Google Shape;93;p16"/>
+          <p:cNvPr id="92" name="Google Shape;92;p16"/>
           <p:cNvSpPr txBox="1"/>
           <p:nvPr>
             <p:ph idx="12" type="sldNum"/>

--- a/Lecture slides/AMOS B01 - Team and Tools.pptx
+++ b/Lecture slides/AMOS B01 - Team and Tools.pptx
@@ -12851,7 +12851,7 @@
             <a:tbl>
               <a:tblPr>
                 <a:noFill/>
-                <a:tableStyleId>{6A0AD1F0-3E76-41E8-9BB4-3D6B2DD97281}</a:tableStyleId>
+                <a:tableStyleId>{95D5E32F-7F4A-4D6C-9F1B-7E6BD65C86D1}</a:tableStyleId>
               </a:tblPr>
               <a:tblGrid>
                 <a:gridCol w="524750"/>
@@ -16824,7 +16824,7 @@
             <a:tbl>
               <a:tblPr>
                 <a:noFill/>
-                <a:tableStyleId>{7EEA4571-0334-4DBD-91CD-E03AF36E342F}</a:tableStyleId>
+                <a:tableStyleId>{2D0AD433-E64E-4FF8-BDC2-590B777440EF}</a:tableStyleId>
               </a:tblPr>
               <a:tblGrid>
                 <a:gridCol w="2148850"/>
@@ -20094,23 +20094,6 @@
             <a:endParaRPr/>
           </a:p>
           <a:p>
-            <a:pPr indent="-317500" lvl="1" marL="914400" rtl="0" algn="l">
-              <a:spcBef>
-                <a:spcPts val="0"/>
-              </a:spcBef>
-              <a:spcAft>
-                <a:spcPts val="0"/>
-              </a:spcAft>
-              <a:buSzPts val="1400"/>
-              <a:buChar char="○"/>
-            </a:pPr>
-            <a:r>
-              <a:rPr lang="en"/>
-              <a:t>Use escalating colors</a:t>
-            </a:r>
-            <a:endParaRPr/>
-          </a:p>
-          <a:p>
             <a:pPr indent="0" lvl="0" marL="0" rtl="0" algn="l">
               <a:spcBef>
                 <a:spcPts val="1200"/>
@@ -21115,13 +21098,29 @@
                 <a:spcPts val="1200"/>
               </a:spcBef>
               <a:spcAft>
+                <a:spcPts val="0"/>
+              </a:spcAft>
+              <a:buNone/>
+            </a:pPr>
+            <a:r>
+              <a:rPr lang="en"/>
+              <a:t>This will add your name and email address to the commit message</a:t>
+            </a:r>
+            <a:endParaRPr/>
+          </a:p>
+          <a:p>
+            <a:pPr indent="0" lvl="0" marL="0" rtl="0" algn="l">
+              <a:spcBef>
                 <a:spcPts val="1200"/>
-              </a:spcAft>
-              <a:buNone/>
-            </a:pPr>
-            <a:r>
-              <a:rPr lang="en"/>
-              <a:t>This will add your name and email address to the commit message</a:t>
+              </a:spcBef>
+              <a:spcAft>
+                <a:spcPts val="1200"/>
+              </a:spcAft>
+              <a:buNone/>
+            </a:pPr>
+            <a:r>
+              <a:rPr lang="en"/>
+              <a:t>This signifies that you agree with the project license </a:t>
             </a:r>
             <a:endParaRPr/>
           </a:p>
@@ -21200,7 +21199,7 @@
         </p:nvSpPr>
         <p:spPr>
           <a:xfrm>
-            <a:off x="274320" y="1828800"/>
+            <a:off x="274320" y="2286000"/>
             <a:ext cx="8595300" cy="1371600"/>
           </a:xfrm>
           <a:prstGeom prst="rect">

--- a/Lecture slides/AMOS B01 - Team and Tools.pptx
+++ b/Lecture slides/AMOS B01 - Team and Tools.pptx
@@ -66,6 +66,7 @@
     <p:sldId id="311" r:id="rId62"/>
     <p:sldId id="312" r:id="rId63"/>
     <p:sldId id="313" r:id="rId64"/>
+    <p:sldId id="314" r:id="rId65"/>
   </p:sldIdLst>
   <p:sldSz cy="5143500" cx="9144000"/>
   <p:notesSz cx="6858000" cy="9144000"/>
@@ -3831,7 +3832,7 @@
       </p:grpSpPr>
       <p:sp>
         <p:nvSpPr>
-          <p:cNvPr id="284" name="Google Shape;284;g22c3a52a549_0_20:notes"/>
+          <p:cNvPr id="284" name="Google Shape;284;g22c3a52a549_0_24:notes"/>
           <p:cNvSpPr/>
           <p:nvPr>
             <p:ph idx="2" type="sldImg"/>
@@ -3866,7 +3867,7 @@
       </p:sp>
       <p:sp>
         <p:nvSpPr>
-          <p:cNvPr id="285" name="Google Shape;285;g22c3a52a549_0_20:notes"/>
+          <p:cNvPr id="285" name="Google Shape;285;g22c3a52a549_0_24:notes"/>
           <p:cNvSpPr txBox="1"/>
           <p:nvPr>
             <p:ph idx="1" type="body"/>
@@ -3930,7 +3931,7 @@
       </p:grpSpPr>
       <p:sp>
         <p:nvSpPr>
-          <p:cNvPr id="289" name="Google Shape;289;g22c3a52a549_0_152:notes"/>
+          <p:cNvPr id="289" name="Google Shape;289;g22c3a52a549_0_239:notes"/>
           <p:cNvSpPr/>
           <p:nvPr>
             <p:ph idx="2" type="sldImg"/>
@@ -3965,7 +3966,7 @@
       </p:sp>
       <p:sp>
         <p:nvSpPr>
-          <p:cNvPr id="290" name="Google Shape;290;g22c3a52a549_0_152:notes"/>
+          <p:cNvPr id="290" name="Google Shape;290;g22c3a52a549_0_239:notes"/>
           <p:cNvSpPr txBox="1"/>
           <p:nvPr>
             <p:ph idx="1" type="body"/>
@@ -4114,7 +4115,7 @@
   <p:cSld>
     <p:spTree>
       <p:nvGrpSpPr>
-        <p:cNvPr id="296" name="Shape 296"/>
+        <p:cNvPr id="295" name="Shape 295"/>
         <p:cNvGrpSpPr/>
         <p:nvPr/>
       </p:nvGrpSpPr>
@@ -4128,7 +4129,7 @@
       </p:grpSpPr>
       <p:sp>
         <p:nvSpPr>
-          <p:cNvPr id="297" name="Google Shape;297;g22c3a52a549_0_159:notes"/>
+          <p:cNvPr id="296" name="Google Shape;296;g22c3a52a549_0_245:notes"/>
           <p:cNvSpPr/>
           <p:nvPr>
             <p:ph idx="2" type="sldImg"/>
@@ -4163,7 +4164,7 @@
       </p:sp>
       <p:sp>
         <p:nvSpPr>
-          <p:cNvPr id="298" name="Google Shape;298;g22c3a52a549_0_159:notes"/>
+          <p:cNvPr id="297" name="Google Shape;297;g22c3a52a549_0_245:notes"/>
           <p:cNvSpPr txBox="1"/>
           <p:nvPr>
             <p:ph idx="1" type="body"/>
@@ -4213,7 +4214,7 @@
   <p:cSld>
     <p:spTree>
       <p:nvGrpSpPr>
-        <p:cNvPr id="304" name="Shape 304"/>
+        <p:cNvPr id="300" name="Shape 300"/>
         <p:cNvGrpSpPr/>
         <p:nvPr/>
       </p:nvGrpSpPr>
@@ -4227,7 +4228,7 @@
       </p:grpSpPr>
       <p:sp>
         <p:nvSpPr>
-          <p:cNvPr id="305" name="Google Shape;305;g22c3a52a549_0_166:notes"/>
+          <p:cNvPr id="301" name="Google Shape;301;g22c56dd9f66_0_22:notes"/>
           <p:cNvSpPr/>
           <p:nvPr>
             <p:ph idx="2" type="sldImg"/>
@@ -4262,7 +4263,7 @@
       </p:sp>
       <p:sp>
         <p:nvSpPr>
-          <p:cNvPr id="306" name="Google Shape;306;g22c3a52a549_0_166:notes"/>
+          <p:cNvPr id="302" name="Google Shape;302;g22c56dd9f66_0_22:notes"/>
           <p:cNvSpPr txBox="1"/>
           <p:nvPr>
             <p:ph idx="1" type="body"/>
@@ -4312,7 +4313,7 @@
   <p:cSld>
     <p:spTree>
       <p:nvGrpSpPr>
-        <p:cNvPr id="312" name="Shape 312"/>
+        <p:cNvPr id="307" name="Shape 307"/>
         <p:cNvGrpSpPr/>
         <p:nvPr/>
       </p:nvGrpSpPr>
@@ -4326,7 +4327,7 @@
       </p:grpSpPr>
       <p:sp>
         <p:nvSpPr>
-          <p:cNvPr id="313" name="Google Shape;313;g2ad5dfb57f5_0_0:notes"/>
+          <p:cNvPr id="308" name="Google Shape;308;g22c3a52a549_0_20:notes"/>
           <p:cNvSpPr/>
           <p:nvPr>
             <p:ph idx="2" type="sldImg"/>
@@ -4361,7 +4362,7 @@
       </p:sp>
       <p:sp>
         <p:nvSpPr>
-          <p:cNvPr id="314" name="Google Shape;314;g2ad5dfb57f5_0_0:notes"/>
+          <p:cNvPr id="309" name="Google Shape;309;g22c3a52a549_0_20:notes"/>
           <p:cNvSpPr txBox="1"/>
           <p:nvPr>
             <p:ph idx="1" type="body"/>
@@ -4411,7 +4412,7 @@
   <p:cSld>
     <p:spTree>
       <p:nvGrpSpPr>
-        <p:cNvPr id="320" name="Shape 320"/>
+        <p:cNvPr id="312" name="Shape 312"/>
         <p:cNvGrpSpPr/>
         <p:nvPr/>
       </p:nvGrpSpPr>
@@ -4425,7 +4426,7 @@
       </p:grpSpPr>
       <p:sp>
         <p:nvSpPr>
-          <p:cNvPr id="321" name="Google Shape;321;g22c3a52a549_0_173:notes"/>
+          <p:cNvPr id="313" name="Google Shape;313;g22c3a52a549_0_152:notes"/>
           <p:cNvSpPr/>
           <p:nvPr>
             <p:ph idx="2" type="sldImg"/>
@@ -4460,7 +4461,7 @@
       </p:sp>
       <p:sp>
         <p:nvSpPr>
-          <p:cNvPr id="322" name="Google Shape;322;g22c3a52a549_0_173:notes"/>
+          <p:cNvPr id="314" name="Google Shape;314;g22c3a52a549_0_152:notes"/>
           <p:cNvSpPr txBox="1"/>
           <p:nvPr>
             <p:ph idx="1" type="body"/>
@@ -4510,7 +4511,7 @@
   <p:cSld>
     <p:spTree>
       <p:nvGrpSpPr>
-        <p:cNvPr id="327" name="Shape 327"/>
+        <p:cNvPr id="320" name="Shape 320"/>
         <p:cNvGrpSpPr/>
         <p:nvPr/>
       </p:nvGrpSpPr>
@@ -4524,7 +4525,7 @@
       </p:grpSpPr>
       <p:sp>
         <p:nvSpPr>
-          <p:cNvPr id="328" name="Google Shape;328;g22c3a52a549_0_179:notes"/>
+          <p:cNvPr id="321" name="Google Shape;321;g22c3a52a549_0_159:notes"/>
           <p:cNvSpPr/>
           <p:nvPr>
             <p:ph idx="2" type="sldImg"/>
@@ -4559,7 +4560,7 @@
       </p:sp>
       <p:sp>
         <p:nvSpPr>
-          <p:cNvPr id="329" name="Google Shape;329;g22c3a52a549_0_179:notes"/>
+          <p:cNvPr id="322" name="Google Shape;322;g22c3a52a549_0_159:notes"/>
           <p:cNvSpPr txBox="1"/>
           <p:nvPr>
             <p:ph idx="1" type="body"/>
@@ -4609,7 +4610,7 @@
   <p:cSld>
     <p:spTree>
       <p:nvGrpSpPr>
-        <p:cNvPr id="336" name="Shape 336"/>
+        <p:cNvPr id="328" name="Shape 328"/>
         <p:cNvGrpSpPr/>
         <p:nvPr/>
       </p:nvGrpSpPr>
@@ -4623,7 +4624,7 @@
       </p:grpSpPr>
       <p:sp>
         <p:nvSpPr>
-          <p:cNvPr id="337" name="Google Shape;337;g22c3a52a549_0_187:notes"/>
+          <p:cNvPr id="329" name="Google Shape;329;g22c3a52a549_0_166:notes"/>
           <p:cNvSpPr/>
           <p:nvPr>
             <p:ph idx="2" type="sldImg"/>
@@ -4658,7 +4659,7 @@
       </p:sp>
       <p:sp>
         <p:nvSpPr>
-          <p:cNvPr id="338" name="Google Shape;338;g22c3a52a549_0_187:notes"/>
+          <p:cNvPr id="330" name="Google Shape;330;g22c3a52a549_0_166:notes"/>
           <p:cNvSpPr txBox="1"/>
           <p:nvPr>
             <p:ph idx="1" type="body"/>
@@ -4708,7 +4709,7 @@
   <p:cSld>
     <p:spTree>
       <p:nvGrpSpPr>
-        <p:cNvPr id="343" name="Shape 343"/>
+        <p:cNvPr id="336" name="Shape 336"/>
         <p:cNvGrpSpPr/>
         <p:nvPr/>
       </p:nvGrpSpPr>
@@ -4722,7 +4723,7 @@
       </p:grpSpPr>
       <p:sp>
         <p:nvSpPr>
-          <p:cNvPr id="344" name="Google Shape;344;g22c3a52a549_0_24:notes"/>
+          <p:cNvPr id="337" name="Google Shape;337;g2ad5dfb57f5_0_0:notes"/>
           <p:cNvSpPr/>
           <p:nvPr>
             <p:ph idx="2" type="sldImg"/>
@@ -4757,7 +4758,7 @@
       </p:sp>
       <p:sp>
         <p:nvSpPr>
-          <p:cNvPr id="345" name="Google Shape;345;g22c3a52a549_0_24:notes"/>
+          <p:cNvPr id="338" name="Google Shape;338;g2ad5dfb57f5_0_0:notes"/>
           <p:cNvSpPr txBox="1"/>
           <p:nvPr>
             <p:ph idx="1" type="body"/>
@@ -4807,7 +4808,7 @@
   <p:cSld>
     <p:spTree>
       <p:nvGrpSpPr>
-        <p:cNvPr id="348" name="Shape 348"/>
+        <p:cNvPr id="344" name="Shape 344"/>
         <p:cNvGrpSpPr/>
         <p:nvPr/>
       </p:nvGrpSpPr>
@@ -4821,7 +4822,7 @@
       </p:grpSpPr>
       <p:sp>
         <p:nvSpPr>
-          <p:cNvPr id="349" name="Google Shape;349;g22c3a52a549_0_239:notes"/>
+          <p:cNvPr id="345" name="Google Shape;345;g35a0dc61c04_0_0:notes"/>
           <p:cNvSpPr/>
           <p:nvPr>
             <p:ph idx="2" type="sldImg"/>
@@ -4856,7 +4857,7 @@
       </p:sp>
       <p:sp>
         <p:nvSpPr>
-          <p:cNvPr id="350" name="Google Shape;350;g22c3a52a549_0_239:notes"/>
+          <p:cNvPr id="346" name="Google Shape;346;g35a0dc61c04_0_0:notes"/>
           <p:cNvSpPr txBox="1"/>
           <p:nvPr>
             <p:ph idx="1" type="body"/>
@@ -4906,7 +4907,7 @@
   <p:cSld>
     <p:spTree>
       <p:nvGrpSpPr>
-        <p:cNvPr id="355" name="Shape 355"/>
+        <p:cNvPr id="351" name="Shape 351"/>
         <p:cNvGrpSpPr/>
         <p:nvPr/>
       </p:nvGrpSpPr>
@@ -4920,7 +4921,7 @@
       </p:grpSpPr>
       <p:sp>
         <p:nvSpPr>
-          <p:cNvPr id="356" name="Google Shape;356;g22c3a52a549_0_245:notes"/>
+          <p:cNvPr id="352" name="Google Shape;352;g22c3a52a549_0_173:notes"/>
           <p:cNvSpPr/>
           <p:nvPr>
             <p:ph idx="2" type="sldImg"/>
@@ -4955,7 +4956,7 @@
       </p:sp>
       <p:sp>
         <p:nvSpPr>
-          <p:cNvPr id="357" name="Google Shape;357;g22c3a52a549_0_245:notes"/>
+          <p:cNvPr id="353" name="Google Shape;353;g22c3a52a549_0_173:notes"/>
           <p:cNvSpPr txBox="1"/>
           <p:nvPr>
             <p:ph idx="1" type="body"/>
@@ -5005,7 +5006,7 @@
   <p:cSld>
     <p:spTree>
       <p:nvGrpSpPr>
-        <p:cNvPr id="360" name="Shape 360"/>
+        <p:cNvPr id="358" name="Shape 358"/>
         <p:cNvGrpSpPr/>
         <p:nvPr/>
       </p:nvGrpSpPr>
@@ -5019,7 +5020,7 @@
       </p:grpSpPr>
       <p:sp>
         <p:nvSpPr>
-          <p:cNvPr id="361" name="Google Shape;361;g22c56dd9f66_0_22:notes"/>
+          <p:cNvPr id="359" name="Google Shape;359;g22c3a52a549_0_179:notes"/>
           <p:cNvSpPr/>
           <p:nvPr>
             <p:ph idx="2" type="sldImg"/>
@@ -5054,7 +5055,7 @@
       </p:sp>
       <p:sp>
         <p:nvSpPr>
-          <p:cNvPr id="362" name="Google Shape;362;g22c56dd9f66_0_22:notes"/>
+          <p:cNvPr id="360" name="Google Shape;360;g22c3a52a549_0_179:notes"/>
           <p:cNvSpPr txBox="1"/>
           <p:nvPr>
             <p:ph idx="1" type="body"/>
@@ -5217,7 +5218,7 @@
       </p:grpSpPr>
       <p:sp>
         <p:nvSpPr>
-          <p:cNvPr id="368" name="Google Shape;368;g22c3a52a549_0_249:notes"/>
+          <p:cNvPr id="368" name="Google Shape;368;g22c3a52a549_0_187:notes"/>
           <p:cNvSpPr/>
           <p:nvPr>
             <p:ph idx="2" type="sldImg"/>
@@ -5252,7 +5253,7 @@
       </p:sp>
       <p:sp>
         <p:nvSpPr>
-          <p:cNvPr id="369" name="Google Shape;369;g22c3a52a549_0_249:notes"/>
+          <p:cNvPr id="369" name="Google Shape;369;g22c3a52a549_0_187:notes"/>
           <p:cNvSpPr txBox="1"/>
           <p:nvPr>
             <p:ph idx="1" type="body"/>
@@ -5302,7 +5303,7 @@
   <p:cSld>
     <p:spTree>
       <p:nvGrpSpPr>
-        <p:cNvPr id="372" name="Shape 372"/>
+        <p:cNvPr id="374" name="Shape 374"/>
         <p:cNvGrpSpPr/>
         <p:nvPr/>
       </p:nvGrpSpPr>
@@ -5316,7 +5317,7 @@
       </p:grpSpPr>
       <p:sp>
         <p:nvSpPr>
-          <p:cNvPr id="373" name="Google Shape;373;g152a3f74d0d_0_22:notes"/>
+          <p:cNvPr id="375" name="Google Shape;375;g22c3a52a549_0_249:notes"/>
           <p:cNvSpPr/>
           <p:nvPr>
             <p:ph idx="2" type="sldImg"/>
@@ -5351,7 +5352,7 @@
       </p:sp>
       <p:sp>
         <p:nvSpPr>
-          <p:cNvPr id="374" name="Google Shape;374;g152a3f74d0d_0_22:notes"/>
+          <p:cNvPr id="376" name="Google Shape;376;g22c3a52a549_0_249:notes"/>
           <p:cNvSpPr txBox="1"/>
           <p:nvPr>
             <p:ph idx="1" type="body"/>
@@ -5415,7 +5416,7 @@
       </p:grpSpPr>
       <p:sp>
         <p:nvSpPr>
-          <p:cNvPr id="380" name="Google Shape;380;g22c56dd9f66_0_3:notes"/>
+          <p:cNvPr id="380" name="Google Shape;380;g152a3f74d0d_0_22:notes"/>
           <p:cNvSpPr/>
           <p:nvPr>
             <p:ph idx="2" type="sldImg"/>
@@ -5450,7 +5451,7 @@
       </p:sp>
       <p:sp>
         <p:nvSpPr>
-          <p:cNvPr id="381" name="Google Shape;381;g22c56dd9f66_0_3:notes"/>
+          <p:cNvPr id="381" name="Google Shape;381;g152a3f74d0d_0_22:notes"/>
           <p:cNvSpPr txBox="1"/>
           <p:nvPr>
             <p:ph idx="1" type="body"/>
@@ -5500,7 +5501,7 @@
   <p:cSld>
     <p:spTree>
       <p:nvGrpSpPr>
-        <p:cNvPr id="387" name="Shape 387"/>
+        <p:cNvPr id="386" name="Shape 386"/>
         <p:cNvGrpSpPr/>
         <p:nvPr/>
       </p:nvGrpSpPr>
@@ -5514,7 +5515,7 @@
       </p:grpSpPr>
       <p:sp>
         <p:nvSpPr>
-          <p:cNvPr id="388" name="Google Shape;388;g22c3a52a549_0_28:notes"/>
+          <p:cNvPr id="387" name="Google Shape;387;g22c56dd9f66_0_3:notes"/>
           <p:cNvSpPr/>
           <p:nvPr>
             <p:ph idx="2" type="sldImg"/>
@@ -5549,7 +5550,7 @@
       </p:sp>
       <p:sp>
         <p:nvSpPr>
-          <p:cNvPr id="389" name="Google Shape;389;g22c3a52a549_0_28:notes"/>
+          <p:cNvPr id="388" name="Google Shape;388;g22c56dd9f66_0_3:notes"/>
           <p:cNvSpPr txBox="1"/>
           <p:nvPr>
             <p:ph idx="1" type="body"/>
@@ -5599,7 +5600,7 @@
   <p:cSld>
     <p:spTree>
       <p:nvGrpSpPr>
-        <p:cNvPr id="392" name="Shape 392"/>
+        <p:cNvPr id="394" name="Shape 394"/>
         <p:cNvGrpSpPr/>
         <p:nvPr/>
       </p:nvGrpSpPr>
@@ -5613,7 +5614,7 @@
       </p:grpSpPr>
       <p:sp>
         <p:nvSpPr>
-          <p:cNvPr id="393" name="Google Shape;393;g152a3f74d0d_0_44:notes"/>
+          <p:cNvPr id="395" name="Google Shape;395;g22c3a52a549_0_28:notes"/>
           <p:cNvSpPr/>
           <p:nvPr>
             <p:ph idx="2" type="sldImg"/>
@@ -5648,7 +5649,7 @@
       </p:sp>
       <p:sp>
         <p:nvSpPr>
-          <p:cNvPr id="394" name="Google Shape;394;g152a3f74d0d_0_44:notes"/>
+          <p:cNvPr id="396" name="Google Shape;396;g22c3a52a549_0_28:notes"/>
           <p:cNvSpPr txBox="1"/>
           <p:nvPr>
             <p:ph idx="1" type="body"/>
@@ -5698,7 +5699,7 @@
   <p:cSld>
     <p:spTree>
       <p:nvGrpSpPr>
-        <p:cNvPr id="401" name="Shape 401"/>
+        <p:cNvPr id="399" name="Shape 399"/>
         <p:cNvGrpSpPr/>
         <p:nvPr/>
       </p:nvGrpSpPr>
@@ -5712,7 +5713,7 @@
       </p:grpSpPr>
       <p:sp>
         <p:nvSpPr>
-          <p:cNvPr id="402" name="Google Shape;402;g22c56dd9f66_0_29:notes"/>
+          <p:cNvPr id="400" name="Google Shape;400;g152a3f74d0d_0_44:notes"/>
           <p:cNvSpPr/>
           <p:nvPr>
             <p:ph idx="2" type="sldImg"/>
@@ -5747,7 +5748,7 @@
       </p:sp>
       <p:sp>
         <p:nvSpPr>
-          <p:cNvPr id="403" name="Google Shape;403;g22c56dd9f66_0_29:notes"/>
+          <p:cNvPr id="401" name="Google Shape;401;g152a3f74d0d_0_44:notes"/>
           <p:cNvSpPr txBox="1"/>
           <p:nvPr>
             <p:ph idx="1" type="body"/>
@@ -5811,7 +5812,7 @@
       </p:grpSpPr>
       <p:sp>
         <p:nvSpPr>
-          <p:cNvPr id="409" name="Google Shape;409;g22c56dd9f66_0_37:notes"/>
+          <p:cNvPr id="409" name="Google Shape;409;g22c56dd9f66_0_29:notes"/>
           <p:cNvSpPr/>
           <p:nvPr>
             <p:ph idx="2" type="sldImg"/>
@@ -5846,7 +5847,7 @@
       </p:sp>
       <p:sp>
         <p:nvSpPr>
-          <p:cNvPr id="410" name="Google Shape;410;g22c56dd9f66_0_37:notes"/>
+          <p:cNvPr id="410" name="Google Shape;410;g22c56dd9f66_0_29:notes"/>
           <p:cNvSpPr txBox="1"/>
           <p:nvPr>
             <p:ph idx="1" type="body"/>
@@ -5910,7 +5911,7 @@
       </p:grpSpPr>
       <p:sp>
         <p:nvSpPr>
-          <p:cNvPr id="416" name="Google Shape;416;g239869f5abc_0_38:notes"/>
+          <p:cNvPr id="416" name="Google Shape;416;g22c56dd9f66_0_37:notes"/>
           <p:cNvSpPr/>
           <p:nvPr>
             <p:ph idx="2" type="sldImg"/>
@@ -5945,7 +5946,7 @@
       </p:sp>
       <p:sp>
         <p:nvSpPr>
-          <p:cNvPr id="417" name="Google Shape;417;g239869f5abc_0_38:notes"/>
+          <p:cNvPr id="417" name="Google Shape;417;g22c56dd9f66_0_37:notes"/>
           <p:cNvSpPr txBox="1"/>
           <p:nvPr>
             <p:ph idx="1" type="body"/>
@@ -5995,7 +5996,7 @@
   <p:cSld>
     <p:spTree>
       <p:nvGrpSpPr>
-        <p:cNvPr id="421" name="Shape 421"/>
+        <p:cNvPr id="422" name="Shape 422"/>
         <p:cNvGrpSpPr/>
         <p:nvPr/>
       </p:nvGrpSpPr>
@@ -6009,7 +6010,7 @@
       </p:grpSpPr>
       <p:sp>
         <p:nvSpPr>
-          <p:cNvPr id="422" name="Google Shape;422;g239869f5abc_0_43:notes"/>
+          <p:cNvPr id="423" name="Google Shape;423;g239869f5abc_0_38:notes"/>
           <p:cNvSpPr/>
           <p:nvPr>
             <p:ph idx="2" type="sldImg"/>
@@ -6044,7 +6045,106 @@
       </p:sp>
       <p:sp>
         <p:nvSpPr>
-          <p:cNvPr id="423" name="Google Shape;423;g239869f5abc_0_43:notes"/>
+          <p:cNvPr id="424" name="Google Shape;424;g239869f5abc_0_38:notes"/>
+          <p:cNvSpPr txBox="1"/>
+          <p:nvPr>
+            <p:ph idx="1" type="body"/>
+          </p:nvPr>
+        </p:nvSpPr>
+        <p:spPr>
+          <a:xfrm>
+            <a:off x="685800" y="4343400"/>
+            <a:ext cx="5486400" cy="4114800"/>
+          </a:xfrm>
+          <a:prstGeom prst="rect">
+            <a:avLst/>
+          </a:prstGeom>
+        </p:spPr>
+        <p:txBody>
+          <a:bodyPr anchorCtr="0" anchor="t" bIns="91425" lIns="91425" spcFirstLastPara="1" rIns="91425" wrap="square" tIns="91425">
+            <a:noAutofit/>
+          </a:bodyPr>
+          <a:lstStyle/>
+          <a:p>
+            <a:pPr indent="0" lvl="0" marL="0" rtl="0" algn="l">
+              <a:spcBef>
+                <a:spcPts val="0"/>
+              </a:spcBef>
+              <a:spcAft>
+                <a:spcPts val="0"/>
+              </a:spcAft>
+              <a:buNone/>
+            </a:pPr>
+            <a:r>
+              <a:t/>
+            </a:r>
+            <a:endParaRPr/>
+          </a:p>
+        </p:txBody>
+      </p:sp>
+    </p:spTree>
+  </p:cSld>
+  <p:clrMapOvr>
+    <a:masterClrMapping/>
+  </p:clrMapOvr>
+</p:notes>
+</file>
+
+<file path=ppt/notesSlides/notesSlide59.xml><?xml version="1.0" encoding="utf-8"?>
+<p:notes xmlns:a="http://schemas.openxmlformats.org/drawingml/2006/main" xmlns:r="http://schemas.openxmlformats.org/officeDocument/2006/relationships" xmlns:mc="http://schemas.openxmlformats.org/markup-compatibility/2006" xmlns:mv="urn:schemas-microsoft-com:mac:vml" xmlns:p="http://schemas.openxmlformats.org/presentationml/2006/main" xmlns:c="http://schemas.openxmlformats.org/drawingml/2006/chart" xmlns:dgm="http://schemas.openxmlformats.org/drawingml/2006/diagram" xmlns:o="urn:schemas-microsoft-com:office:office" xmlns:v="urn:schemas-microsoft-com:vml" xmlns:pvml="urn:schemas-microsoft-com:office:powerpoint" xmlns:com="http://schemas.openxmlformats.org/drawingml/2006/compatibility" xmlns:p14="http://schemas.microsoft.com/office/powerpoint/2010/main" xmlns:p15="http://schemas.microsoft.com/office/powerpoint/2012/main" xmlns:ahyp="http://schemas.microsoft.com/office/drawing/2018/hyperlinkcolor" showMasterPhAnim="0" showMasterSp="0">
+  <p:cSld>
+    <p:spTree>
+      <p:nvGrpSpPr>
+        <p:cNvPr id="428" name="Shape 428"/>
+        <p:cNvGrpSpPr/>
+        <p:nvPr/>
+      </p:nvGrpSpPr>
+      <p:grpSpPr>
+        <a:xfrm>
+          <a:off x="0" y="0"/>
+          <a:ext cx="0" cy="0"/>
+          <a:chOff x="0" y="0"/>
+          <a:chExt cx="0" cy="0"/>
+        </a:xfrm>
+      </p:grpSpPr>
+      <p:sp>
+        <p:nvSpPr>
+          <p:cNvPr id="429" name="Google Shape;429;g239869f5abc_0_43:notes"/>
+          <p:cNvSpPr/>
+          <p:nvPr>
+            <p:ph idx="2" type="sldImg"/>
+          </p:nvPr>
+        </p:nvSpPr>
+        <p:spPr>
+          <a:xfrm>
+            <a:off x="381300" y="685800"/>
+            <a:ext cx="6096000" cy="3429000"/>
+          </a:xfrm>
+          <a:custGeom>
+            <a:rect b="b" l="l" r="r" t="t"/>
+            <a:pathLst>
+              <a:path extrusionOk="0" h="120000" w="120000">
+                <a:moveTo>
+                  <a:pt x="0" y="0"/>
+                </a:moveTo>
+                <a:lnTo>
+                  <a:pt x="120000" y="0"/>
+                </a:lnTo>
+                <a:lnTo>
+                  <a:pt x="120000" y="120000"/>
+                </a:lnTo>
+                <a:lnTo>
+                  <a:pt x="0" y="120000"/>
+                </a:lnTo>
+                <a:close/>
+              </a:path>
+            </a:pathLst>
+          </a:custGeom>
+        </p:spPr>
+      </p:sp>
+      <p:sp>
+        <p:nvSpPr>
+          <p:cNvPr id="430" name="Google Shape;430;g239869f5abc_0_43:notes"/>
           <p:cNvSpPr txBox="1"/>
           <p:nvPr>
             <p:ph idx="1" type="body"/>
@@ -12073,13 +12173,29 @@
         </p:spPr>
         <p:txBody>
           <a:bodyPr anchorCtr="0" anchor="t" bIns="0" lIns="0" spcFirstLastPara="1" rIns="0" wrap="square" tIns="0">
-            <a:noAutofit/>
+            <a:normAutofit lnSpcReduction="20000"/>
           </a:bodyPr>
           <a:lstStyle/>
           <a:p>
+            <a:pPr indent="0" lvl="0" marL="0" rtl="0" algn="l">
+              <a:spcBef>
+                <a:spcPts val="0"/>
+              </a:spcBef>
+              <a:spcAft>
+                <a:spcPts val="0"/>
+              </a:spcAft>
+              <a:buNone/>
+            </a:pPr>
+            <a:r>
+              <a:rPr b="1" lang="en"/>
+              <a:t>Team formation</a:t>
+            </a:r>
+            <a:endParaRPr b="1"/>
+          </a:p>
+          <a:p>
             <a:pPr indent="-342900" lvl="0" marL="457200" rtl="0" algn="l">
               <a:spcBef>
-                <a:spcPts val="0"/>
+                <a:spcPts val="1200"/>
               </a:spcBef>
               <a:spcAft>
                 <a:spcPts val="0"/>
@@ -12089,69 +12205,14 @@
             </a:pPr>
             <a:r>
               <a:rPr lang="en"/>
-              <a:t>Team formation</a:t>
-            </a:r>
-            <a:endParaRPr/>
-          </a:p>
-          <a:p>
-            <a:pPr indent="-317500" lvl="1" marL="914400" rtl="0" algn="l">
-              <a:spcBef>
-                <a:spcPts val="0"/>
-              </a:spcBef>
-              <a:spcAft>
-                <a:spcPts val="0"/>
-              </a:spcAft>
-              <a:buSzPts val="1400"/>
-              <a:buAutoNum type="alphaLcPeriod"/>
-            </a:pPr>
-            <a:r>
-              <a:rPr lang="en"/>
               <a:t>Student roles</a:t>
             </a:r>
             <a:endParaRPr/>
           </a:p>
           <a:p>
-            <a:pPr indent="-317500" lvl="1" marL="914400" rtl="0" algn="l">
-              <a:spcBef>
-                <a:spcPts val="0"/>
-              </a:spcBef>
-              <a:spcAft>
-                <a:spcPts val="0"/>
-              </a:spcAft>
-              <a:buSzPts val="1400"/>
-              <a:buAutoNum type="alphaLcPeriod"/>
-            </a:pPr>
-            <a:r>
-              <a:rPr lang="en"/>
-              <a:t>Team </a:t>
-            </a:r>
-            <a:r>
-              <a:rPr lang="en"/>
-              <a:t>contract</a:t>
-            </a:r>
-            <a:endParaRPr/>
-          </a:p>
-          <a:p>
-            <a:pPr indent="-317500" lvl="1" marL="914400" rtl="0" algn="l">
-              <a:spcBef>
-                <a:spcPts val="0"/>
-              </a:spcBef>
-              <a:spcAft>
-                <a:spcPts val="0"/>
-              </a:spcAft>
-              <a:buSzPts val="1400"/>
-              <a:buAutoNum type="alphaLcPeriod"/>
-            </a:pPr>
-            <a:r>
-              <a:rPr lang="en"/>
-              <a:t>Team logo and T-shirt</a:t>
-            </a:r>
-            <a:endParaRPr/>
-          </a:p>
-          <a:p>
             <a:pPr indent="-342900" lvl="0" marL="457200" rtl="0" algn="l">
               <a:spcBef>
-                <a:spcPts val="1000"/>
+                <a:spcPts val="0"/>
               </a:spcBef>
               <a:spcAft>
                 <a:spcPts val="0"/>
@@ -12161,86 +12222,14 @@
             </a:pPr>
             <a:r>
               <a:rPr lang="en"/>
-              <a:t>Project tools</a:t>
-            </a:r>
-            <a:endParaRPr/>
-          </a:p>
-          <a:p>
-            <a:pPr indent="-317500" lvl="1" marL="914400" rtl="0" algn="l">
-              <a:spcBef>
-                <a:spcPts val="0"/>
-              </a:spcBef>
-              <a:spcAft>
-                <a:spcPts val="0"/>
-              </a:spcAft>
-              <a:buSzPts val="1400"/>
-              <a:buAutoNum type="alphaLcPeriod"/>
-            </a:pPr>
-            <a:r>
-              <a:rPr lang="en"/>
-              <a:t>Planning document</a:t>
-            </a:r>
-            <a:endParaRPr/>
-          </a:p>
-          <a:p>
-            <a:pPr indent="-317500" lvl="1" marL="914400" rtl="0" algn="l">
-              <a:spcBef>
-                <a:spcPts val="0"/>
-              </a:spcBef>
-              <a:spcAft>
-                <a:spcPts val="0"/>
-              </a:spcAft>
-              <a:buSzPts val="1400"/>
-              <a:buAutoNum type="alphaLcPeriod"/>
-            </a:pPr>
-            <a:r>
-              <a:rPr lang="en"/>
-              <a:t>Feature board</a:t>
-            </a:r>
-            <a:endParaRPr/>
-          </a:p>
-          <a:p>
-            <a:pPr indent="-317500" lvl="1" marL="914400" rtl="0" algn="l">
-              <a:spcBef>
-                <a:spcPts val="0"/>
-              </a:spcBef>
-              <a:spcAft>
-                <a:spcPts val="0"/>
-              </a:spcAft>
-              <a:buSzPts val="1400"/>
-              <a:buAutoNum type="alphaLcPeriod"/>
-            </a:pPr>
-            <a:r>
-              <a:rPr lang="en"/>
-              <a:t>Code r</a:t>
-            </a:r>
-            <a:r>
-              <a:rPr lang="en"/>
-              <a:t>epository</a:t>
-            </a:r>
-            <a:endParaRPr/>
-          </a:p>
-          <a:p>
-            <a:pPr indent="-317500" lvl="1" marL="914400" rtl="0" algn="l">
-              <a:spcBef>
-                <a:spcPts val="0"/>
-              </a:spcBef>
-              <a:spcAft>
-                <a:spcPts val="0"/>
-              </a:spcAft>
-              <a:buSzPts val="1400"/>
-              <a:buAutoNum type="alphaLcPeriod"/>
-            </a:pPr>
-            <a:r>
-              <a:rPr lang="en"/>
-              <a:t>Imp-squared backlog</a:t>
+              <a:t>Team contract</a:t>
             </a:r>
             <a:endParaRPr/>
           </a:p>
           <a:p>
             <a:pPr indent="-342900" lvl="0" marL="457200" rtl="0" algn="l">
               <a:spcBef>
-                <a:spcPts val="1000"/>
+                <a:spcPts val="0"/>
               </a:spcBef>
               <a:spcAft>
                 <a:spcPts val="0"/>
@@ -12250,20 +12239,120 @@
             </a:pPr>
             <a:r>
               <a:rPr lang="en"/>
+              <a:t>Team logo and T-shirt</a:t>
+            </a:r>
+            <a:endParaRPr/>
+          </a:p>
+          <a:p>
+            <a:pPr indent="0" lvl="0" marL="0" rtl="0" algn="l">
+              <a:spcBef>
+                <a:spcPts val="1200"/>
+              </a:spcBef>
+              <a:spcAft>
+                <a:spcPts val="0"/>
+              </a:spcAft>
+              <a:buNone/>
+            </a:pPr>
+            <a:r>
+              <a:rPr b="1" lang="en"/>
+              <a:t>Project tools</a:t>
+            </a:r>
+            <a:endParaRPr b="1"/>
+          </a:p>
+          <a:p>
+            <a:pPr indent="-342900" lvl="0" marL="457200" rtl="0" algn="l">
+              <a:spcBef>
+                <a:spcPts val="1200"/>
+              </a:spcBef>
+              <a:spcAft>
+                <a:spcPts val="0"/>
+              </a:spcAft>
+              <a:buSzPts val="1800"/>
+              <a:buAutoNum type="arabicPeriod"/>
+            </a:pPr>
+            <a:r>
+              <a:rPr lang="en"/>
+              <a:t>Planning document</a:t>
+            </a:r>
+            <a:endParaRPr/>
+          </a:p>
+          <a:p>
+            <a:pPr indent="-342900" lvl="0" marL="457200" rtl="0" algn="l">
+              <a:spcBef>
+                <a:spcPts val="0"/>
+              </a:spcBef>
+              <a:spcAft>
+                <a:spcPts val="0"/>
+              </a:spcAft>
+              <a:buSzPts val="1800"/>
+              <a:buAutoNum type="arabicPeriod"/>
+            </a:pPr>
+            <a:r>
+              <a:rPr lang="en"/>
+              <a:t>Feature board</a:t>
+            </a:r>
+            <a:endParaRPr/>
+          </a:p>
+          <a:p>
+            <a:pPr indent="-342900" lvl="0" marL="457200" rtl="0" algn="l">
+              <a:spcBef>
+                <a:spcPts val="0"/>
+              </a:spcBef>
+              <a:spcAft>
+                <a:spcPts val="0"/>
+              </a:spcAft>
+              <a:buSzPts val="1800"/>
+              <a:buAutoNum type="arabicPeriod"/>
+            </a:pPr>
+            <a:r>
+              <a:rPr lang="en"/>
+              <a:t>Imp-squared backlog</a:t>
+            </a:r>
+            <a:endParaRPr/>
+          </a:p>
+          <a:p>
+            <a:pPr indent="0" lvl="0" marL="0" rtl="0" algn="l">
+              <a:spcBef>
+                <a:spcPts val="1200"/>
+              </a:spcBef>
+              <a:spcAft>
+                <a:spcPts val="0"/>
+              </a:spcAft>
+              <a:buNone/>
+            </a:pPr>
+            <a:r>
+              <a:rPr b="1" lang="en"/>
               <a:t>Team coordination</a:t>
             </a:r>
-            <a:endParaRPr/>
-          </a:p>
-          <a:p>
-            <a:pPr indent="-317500" lvl="1" marL="914400" rtl="0" algn="l">
-              <a:spcBef>
-                <a:spcPts val="0"/>
-              </a:spcBef>
-              <a:spcAft>
-                <a:spcPts val="0"/>
-              </a:spcAft>
-              <a:buSzPts val="1400"/>
-              <a:buAutoNum type="alphaLcPeriod"/>
+            <a:endParaRPr b="1"/>
+          </a:p>
+          <a:p>
+            <a:pPr indent="-342900" lvl="0" marL="457200" rtl="0" algn="l">
+              <a:spcBef>
+                <a:spcPts val="1200"/>
+              </a:spcBef>
+              <a:spcAft>
+                <a:spcPts val="0"/>
+              </a:spcAft>
+              <a:buSzPts val="1800"/>
+              <a:buAutoNum type="arabicPeriod"/>
+            </a:pPr>
+            <a:r>
+              <a:rPr lang="en"/>
+              <a:t>Code repository</a:t>
+            </a:r>
+            <a:endParaRPr/>
+          </a:p>
+          <a:p>
+            <a:pPr indent="-342900" lvl="0" marL="457200" rtl="0" algn="l">
+              <a:spcBef>
+                <a:spcPts val="0"/>
+              </a:spcBef>
+              <a:spcAft>
+                <a:spcPts val="0"/>
+              </a:spcAft>
+              <a:buSzPts val="1800"/>
+              <a:buAutoNum type="arabicPeriod"/>
             </a:pPr>
             <a:r>
               <a:rPr lang="en"/>
@@ -12272,15 +12361,15 @@
             <a:endParaRPr/>
           </a:p>
           <a:p>
-            <a:pPr indent="-317500" lvl="1" marL="914400" rtl="0" algn="l">
-              <a:spcBef>
-                <a:spcPts val="0"/>
-              </a:spcBef>
-              <a:spcAft>
-                <a:spcPts val="0"/>
-              </a:spcAft>
-              <a:buSzPts val="1400"/>
-              <a:buAutoNum type="alphaLcPeriod"/>
+            <a:pPr indent="-342900" lvl="0" marL="457200" rtl="0" algn="l">
+              <a:spcBef>
+                <a:spcPts val="0"/>
+              </a:spcBef>
+              <a:spcAft>
+                <a:spcPts val="0"/>
+              </a:spcAft>
+              <a:buSzPts val="1800"/>
+              <a:buAutoNum type="arabicPeriod"/>
             </a:pPr>
             <a:r>
               <a:rPr lang="en"/>
@@ -12851,7 +12940,7 @@
             <a:tbl>
               <a:tblPr>
                 <a:noFill/>
-                <a:tableStyleId>{95D5E32F-7F4A-4D6C-9F1B-7E6BD65C86D1}</a:tableStyleId>
+                <a:tableStyleId>{16685AFA-BD6F-463C-B05B-1498DF0B4569}</a:tableStyleId>
               </a:tblPr>
               <a:tblGrid>
                 <a:gridCol w="524750"/>
@@ -16824,7 +16913,7 @@
             <a:tbl>
               <a:tblPr>
                 <a:noFill/>
-                <a:tableStyleId>{2D0AD433-E64E-4FF8-BDC2-590B777440EF}</a:tableStyleId>
+                <a:tableStyleId>{6AA18D9E-ABA9-4622-8FAC-29C1AB3B7188}</a:tableStyleId>
               </a:tblPr>
               <a:tblGrid>
                 <a:gridCol w="2148850"/>
@@ -19204,7 +19293,7 @@
         <p:spPr>
           <a:xfrm>
             <a:off x="274320" y="914400"/>
-            <a:ext cx="8595360" cy="3493598"/>
+            <a:ext cx="8595360" cy="3495446"/>
           </a:xfrm>
           <a:prstGeom prst="rect">
             <a:avLst/>
@@ -20581,7 +20670,7 @@
             </a:pPr>
             <a:r>
               <a:rPr lang="en"/>
-              <a:t>6. Code Repository</a:t>
+              <a:t>6. Imp-Squared Backlog</a:t>
             </a:r>
             <a:endParaRPr/>
           </a:p>
@@ -20646,7 +20735,15 @@
             </a:pPr>
             <a:r>
               <a:rPr lang="en"/>
-              <a:t>Git User Setup</a:t>
+              <a:t>Impediments and Improvements (</a:t>
+            </a:r>
+            <a:r>
+              <a:rPr lang="en"/>
+              <a:t>Imp-Squared</a:t>
+            </a:r>
+            <a:r>
+              <a:rPr lang="en"/>
+              <a:t>) Backlog</a:t>
             </a:r>
             <a:endParaRPr/>
           </a:p>
@@ -20686,13 +20783,26 @@
             </a:pPr>
             <a:r>
               <a:rPr lang="en"/>
-              <a:t>Please use only one account and </a:t>
-            </a:r>
-            <a:r>
-              <a:rPr b="1" lang="en"/>
-              <a:t>one email address and stick to it</a:t>
-            </a:r>
-            <a:endParaRPr b="1"/>
+              <a:t>The imp-squared backlog is a slotting system used to</a:t>
+            </a:r>
+            <a:endParaRPr/>
+          </a:p>
+          <a:p>
+            <a:pPr indent="-342900" lvl="0" marL="457200" rtl="0" algn="l">
+              <a:spcBef>
+                <a:spcPts val="1200"/>
+              </a:spcBef>
+              <a:spcAft>
+                <a:spcPts val="0"/>
+              </a:spcAft>
+              <a:buSzPts val="1800"/>
+              <a:buChar char="●"/>
+            </a:pPr>
+            <a:r>
+              <a:rPr lang="en"/>
+              <a:t>Manage the processing state of project impediments and improvements</a:t>
+            </a:r>
+            <a:endParaRPr/>
           </a:p>
           <a:p>
             <a:pPr indent="0" lvl="0" marL="0" rtl="0" algn="l">
@@ -20706,7 +20816,24 @@
             </a:pPr>
             <a:r>
               <a:rPr lang="en"/>
-              <a:t>Please configure your name and email address for your local repository</a:t>
+              <a:t>Impediments are non-technical problems that are</a:t>
+            </a:r>
+            <a:endParaRPr/>
+          </a:p>
+          <a:p>
+            <a:pPr indent="-342900" lvl="0" marL="457200" rtl="0" algn="l">
+              <a:spcBef>
+                <a:spcPts val="1200"/>
+              </a:spcBef>
+              <a:spcAft>
+                <a:spcPts val="0"/>
+              </a:spcAft>
+              <a:buSzPts val="1800"/>
+              <a:buChar char="●"/>
+            </a:pPr>
+            <a:r>
+              <a:rPr lang="en"/>
+              <a:t>Holding the team and project back</a:t>
             </a:r>
             <a:endParaRPr/>
           </a:p>
@@ -20716,13 +20843,45 @@
                 <a:spcPts val="1200"/>
               </a:spcBef>
               <a:spcAft>
+                <a:spcPts val="0"/>
+              </a:spcAft>
+              <a:buNone/>
+            </a:pPr>
+            <a:r>
+              <a:rPr lang="en"/>
+              <a:t>Improvements are non-technical desires to</a:t>
+            </a:r>
+            <a:endParaRPr/>
+          </a:p>
+          <a:p>
+            <a:pPr indent="-342900" lvl="0" marL="457200" rtl="0" algn="l">
+              <a:spcBef>
                 <a:spcPts val="1200"/>
-              </a:spcAft>
-              <a:buNone/>
-            </a:pPr>
-            <a:r>
-              <a:rPr lang="en"/>
-              <a:t>Please make sure this is the same information as on github.com</a:t>
+              </a:spcBef>
+              <a:spcAft>
+                <a:spcPts val="0"/>
+              </a:spcAft>
+              <a:buSzPts val="1800"/>
+              <a:buChar char="●"/>
+            </a:pPr>
+            <a:r>
+              <a:rPr lang="en"/>
+              <a:t>Improve team performance</a:t>
+            </a:r>
+            <a:endParaRPr/>
+          </a:p>
+          <a:p>
+            <a:pPr indent="0" lvl="0" marL="0" rtl="0" algn="l">
+              <a:spcBef>
+                <a:spcPts val="1200"/>
+              </a:spcBef>
+              <a:spcAft>
+                <a:spcPts val="1200"/>
+              </a:spcAft>
+              <a:buNone/>
+            </a:pPr>
+            <a:r>
+              <a:t/>
             </a:r>
             <a:endParaRPr/>
           </a:p>
@@ -20790,137 +20949,6 @@
               <a:t> </a:t>
             </a:r>
             <a:endParaRPr b="0" sz="1000"/>
-          </a:p>
-        </p:txBody>
-      </p:sp>
-      <p:sp>
-        <p:nvSpPr>
-          <p:cNvPr id="295" name="Google Shape;295;p46"/>
-          <p:cNvSpPr txBox="1"/>
-          <p:nvPr/>
-        </p:nvSpPr>
-        <p:spPr>
-          <a:xfrm>
-            <a:off x="274320" y="2286000"/>
-            <a:ext cx="8595300" cy="1371600"/>
-          </a:xfrm>
-          <a:prstGeom prst="rect">
-            <a:avLst/>
-          </a:prstGeom>
-          <a:solidFill>
-            <a:schemeClr val="accent1"/>
-          </a:solidFill>
-          <a:ln>
-            <a:noFill/>
-          </a:ln>
-        </p:spPr>
-        <p:txBody>
-          <a:bodyPr anchorCtr="0" anchor="t" bIns="91425" lIns="91425" spcFirstLastPara="1" rIns="91425" wrap="square" tIns="91425">
-            <a:noAutofit/>
-          </a:bodyPr>
-          <a:lstStyle/>
-          <a:p>
-            <a:pPr indent="0" lvl="0" marL="0" rtl="0" algn="l">
-              <a:lnSpc>
-                <a:spcPct val="115000"/>
-              </a:lnSpc>
-              <a:spcBef>
-                <a:spcPts val="0"/>
-              </a:spcBef>
-              <a:spcAft>
-                <a:spcPts val="0"/>
-              </a:spcAft>
-              <a:buNone/>
-            </a:pPr>
-            <a:r>
-              <a:rPr lang="en" sz="1500">
-                <a:latin typeface="Courier New"/>
-                <a:ea typeface="Courier New"/>
-                <a:cs typeface="Courier New"/>
-                <a:sym typeface="Courier New"/>
-              </a:rPr>
-              <a:t>dirk@host$ git config </a:t>
-            </a:r>
-            <a:r>
-              <a:rPr lang="en" sz="1500">
-                <a:latin typeface="Courier New"/>
-                <a:ea typeface="Courier New"/>
-                <a:cs typeface="Courier New"/>
-                <a:sym typeface="Courier New"/>
-              </a:rPr>
-              <a:t>--</a:t>
-            </a:r>
-            <a:r>
-              <a:rPr lang="en" sz="1500">
-                <a:latin typeface="Courier New"/>
-                <a:ea typeface="Courier New"/>
-                <a:cs typeface="Courier New"/>
-                <a:sym typeface="Courier New"/>
-              </a:rPr>
-              <a:t>local</a:t>
-            </a:r>
-            <a:r>
-              <a:rPr lang="en" sz="1500">
-                <a:latin typeface="Courier New"/>
-                <a:ea typeface="Courier New"/>
-                <a:cs typeface="Courier New"/>
-                <a:sym typeface="Courier New"/>
-              </a:rPr>
-              <a:t> user.name "Dirk Riehle"</a:t>
-            </a:r>
-            <a:endParaRPr sz="1500">
-              <a:latin typeface="Courier New"/>
-              <a:ea typeface="Courier New"/>
-              <a:cs typeface="Courier New"/>
-              <a:sym typeface="Courier New"/>
-            </a:endParaRPr>
-          </a:p>
-          <a:p>
-            <a:pPr indent="0" lvl="0" marL="0" rtl="0" algn="l">
-              <a:lnSpc>
-                <a:spcPct val="115000"/>
-              </a:lnSpc>
-              <a:spcBef>
-                <a:spcPts val="0"/>
-              </a:spcBef>
-              <a:spcAft>
-                <a:spcPts val="0"/>
-              </a:spcAft>
-              <a:buNone/>
-            </a:pPr>
-            <a:r>
-              <a:rPr lang="en" sz="1500">
-                <a:latin typeface="Courier New"/>
-                <a:ea typeface="Courier New"/>
-                <a:cs typeface="Courier New"/>
-                <a:sym typeface="Courier New"/>
-              </a:rPr>
-              <a:t>dirk@host$ git config </a:t>
-            </a:r>
-            <a:r>
-              <a:rPr lang="en" sz="1500">
-                <a:latin typeface="Courier New"/>
-                <a:ea typeface="Courier New"/>
-                <a:cs typeface="Courier New"/>
-                <a:sym typeface="Courier New"/>
-              </a:rPr>
-              <a:t>--</a:t>
-            </a:r>
-            <a:r>
-              <a:rPr lang="en" sz="1500">
-                <a:latin typeface="Courier New"/>
-                <a:ea typeface="Courier New"/>
-                <a:cs typeface="Courier New"/>
-                <a:sym typeface="Courier New"/>
-              </a:rPr>
-              <a:t>local user.email "dirk@riehle.org"</a:t>
-            </a:r>
-            <a:endParaRPr sz="1500">
-              <a:latin typeface="Courier New"/>
-              <a:ea typeface="Courier New"/>
-              <a:cs typeface="Courier New"/>
-              <a:sym typeface="Courier New"/>
-            </a:endParaRPr>
           </a:p>
         </p:txBody>
       </p:sp>
@@ -21002,7 +21030,7 @@
   <p:cSld>
     <p:spTree>
       <p:nvGrpSpPr>
-        <p:cNvPr id="299" name="Shape 299"/>
+        <p:cNvPr id="298" name="Shape 298"/>
         <p:cNvGrpSpPr/>
         <p:nvPr/>
       </p:nvGrpSpPr>
@@ -21014,240 +21042,34 @@
           <a:chExt cx="0" cy="0"/>
         </a:xfrm>
       </p:grpSpPr>
-      <p:sp>
-        <p:nvSpPr>
-          <p:cNvPr id="300" name="Google Shape;300;p47"/>
-          <p:cNvSpPr txBox="1"/>
-          <p:nvPr>
-            <p:ph type="title"/>
-          </p:nvPr>
-        </p:nvSpPr>
+      <p:pic>
+        <p:nvPicPr>
+          <p:cNvPr id="299" name="Google Shape;299;p47"/>
+          <p:cNvPicPr preferRelativeResize="0"/>
+          <p:nvPr/>
+        </p:nvPicPr>
+        <p:blipFill>
+          <a:blip r:embed="rId3">
+            <a:alphaModFix/>
+          </a:blip>
+          <a:stretch>
+            <a:fillRect/>
+          </a:stretch>
+        </p:blipFill>
         <p:spPr>
           <a:xfrm>
             <a:off x="0" y="0"/>
-            <a:ext cx="9144000" cy="685800"/>
+            <a:ext cx="9144000" cy="5120639"/>
           </a:xfrm>
           <a:prstGeom prst="rect">
             <a:avLst/>
           </a:prstGeom>
-        </p:spPr>
-        <p:txBody>
-          <a:bodyPr anchorCtr="0" anchor="ctr" bIns="91425" lIns="274300" spcFirstLastPara="1" rIns="91425" wrap="square" tIns="91425">
-            <a:noAutofit/>
-          </a:bodyPr>
-          <a:lstStyle/>
-          <a:p>
-            <a:pPr indent="0" lvl="0" marL="0" rtl="0" algn="l">
-              <a:spcBef>
-                <a:spcPts val="0"/>
-              </a:spcBef>
-              <a:spcAft>
-                <a:spcPts val="0"/>
-              </a:spcAft>
-              <a:buNone/>
-            </a:pPr>
-            <a:r>
-              <a:rPr lang="en"/>
-              <a:t>Git Commit Sign-off</a:t>
-            </a:r>
-            <a:endParaRPr/>
-          </a:p>
-        </p:txBody>
-      </p:sp>
-      <p:sp>
-        <p:nvSpPr>
-          <p:cNvPr id="301" name="Google Shape;301;p47"/>
-          <p:cNvSpPr txBox="1"/>
-          <p:nvPr>
-            <p:ph idx="1" type="body"/>
-          </p:nvPr>
-        </p:nvSpPr>
-        <p:spPr>
-          <a:xfrm>
-            <a:off x="274320" y="914400"/>
-            <a:ext cx="8595300" cy="4114800"/>
-          </a:xfrm>
-          <a:prstGeom prst="rect">
-            <a:avLst/>
-          </a:prstGeom>
-        </p:spPr>
-        <p:txBody>
-          <a:bodyPr anchorCtr="0" anchor="t" bIns="0" lIns="0" spcFirstLastPara="1" rIns="0" wrap="square" tIns="0">
-            <a:noAutofit/>
-          </a:bodyPr>
-          <a:lstStyle/>
-          <a:p>
-            <a:pPr indent="0" lvl="0" marL="0" rtl="0" algn="l">
-              <a:spcBef>
-                <a:spcPts val="0"/>
-              </a:spcBef>
-              <a:spcAft>
-                <a:spcPts val="0"/>
-              </a:spcAft>
-              <a:buNone/>
-            </a:pPr>
-            <a:r>
-              <a:rPr lang="en"/>
-              <a:t>Please sign-off on your commits as your work using –signoff</a:t>
-            </a:r>
-            <a:endParaRPr/>
-          </a:p>
-          <a:p>
-            <a:pPr indent="0" lvl="0" marL="0" rtl="0" algn="l">
-              <a:spcBef>
-                <a:spcPts val="1200"/>
-              </a:spcBef>
-              <a:spcAft>
-                <a:spcPts val="0"/>
-              </a:spcAft>
-              <a:buNone/>
-            </a:pPr>
-            <a:r>
-              <a:rPr lang="en"/>
-              <a:t>This will add your name and email address to the commit message</a:t>
-            </a:r>
-            <a:endParaRPr/>
-          </a:p>
-          <a:p>
-            <a:pPr indent="0" lvl="0" marL="0" rtl="0" algn="l">
-              <a:spcBef>
-                <a:spcPts val="1200"/>
-              </a:spcBef>
-              <a:spcAft>
-                <a:spcPts val="1200"/>
-              </a:spcAft>
-              <a:buNone/>
-            </a:pPr>
-            <a:r>
-              <a:rPr lang="en"/>
-              <a:t>This signifies that you agree with the project license </a:t>
-            </a:r>
-            <a:endParaRPr/>
-          </a:p>
-        </p:txBody>
-      </p:sp>
-      <p:sp>
-        <p:nvSpPr>
-          <p:cNvPr id="302" name="Google Shape;302;p47"/>
-          <p:cNvSpPr txBox="1"/>
-          <p:nvPr>
-            <p:ph idx="12" type="sldNum"/>
-          </p:nvPr>
-        </p:nvSpPr>
-        <p:spPr>
-          <a:xfrm>
-            <a:off x="7315202" y="4229100"/>
-            <a:ext cx="1828800" cy="914400"/>
-          </a:xfrm>
-          <a:prstGeom prst="rect">
-            <a:avLst/>
-          </a:prstGeom>
-        </p:spPr>
-        <p:txBody>
-          <a:bodyPr anchorCtr="0" anchor="b" bIns="91425" lIns="91425" spcFirstLastPara="1" rIns="91425" wrap="square" tIns="91425">
-            <a:noAutofit/>
-          </a:bodyPr>
-          <a:lstStyle/>
-          <a:p>
-            <a:pPr indent="0" lvl="0" marL="0" rtl="0" algn="r">
-              <a:spcBef>
-                <a:spcPts val="0"/>
-              </a:spcBef>
-              <a:spcAft>
-                <a:spcPts val="0"/>
-              </a:spcAft>
-              <a:buNone/>
-            </a:pPr>
-            <a:fld id="{00000000-1234-1234-1234-123412341234}" type="slidenum">
-              <a:rPr lang="en"/>
-              <a:t>‹#›</a:t>
-            </a:fld>
-            <a:endParaRPr/>
-          </a:p>
-          <a:p>
-            <a:pPr indent="0" lvl="0" marL="0" rtl="0" algn="r">
-              <a:spcBef>
-                <a:spcPts val="0"/>
-              </a:spcBef>
-              <a:spcAft>
-                <a:spcPts val="0"/>
-              </a:spcAft>
-              <a:buNone/>
-            </a:pPr>
-            <a:r>
-              <a:rPr b="0" lang="en" sz="1000" u="sng">
-                <a:solidFill>
-                  <a:schemeClr val="hlink"/>
-                </a:solidFill>
-                <a:hlinkClick r:id="rId3"/>
-              </a:rPr>
-              <a:t>uni1.de/amos</a:t>
-            </a:r>
-            <a:r>
-              <a:rPr b="0" lang="en" sz="1000"/>
-              <a:t> </a:t>
-            </a:r>
-            <a:endParaRPr b="0" sz="1000"/>
-          </a:p>
-        </p:txBody>
-      </p:sp>
-      <p:sp>
-        <p:nvSpPr>
-          <p:cNvPr id="303" name="Google Shape;303;p47"/>
-          <p:cNvSpPr txBox="1"/>
-          <p:nvPr/>
-        </p:nvSpPr>
-        <p:spPr>
-          <a:xfrm>
-            <a:off x="274320" y="2286000"/>
-            <a:ext cx="8595300" cy="1371600"/>
-          </a:xfrm>
-          <a:prstGeom prst="rect">
-            <a:avLst/>
-          </a:prstGeom>
-          <a:solidFill>
-            <a:schemeClr val="accent1"/>
-          </a:solidFill>
+          <a:noFill/>
           <a:ln>
             <a:noFill/>
           </a:ln>
         </p:spPr>
-        <p:txBody>
-          <a:bodyPr anchorCtr="0" anchor="t" bIns="91425" lIns="91425" spcFirstLastPara="1" rIns="91425" wrap="square" tIns="91425">
-            <a:noAutofit/>
-          </a:bodyPr>
-          <a:lstStyle/>
-          <a:p>
-            <a:pPr indent="0" lvl="0" marL="0" rtl="0" algn="l">
-              <a:lnSpc>
-                <a:spcPct val="115000"/>
-              </a:lnSpc>
-              <a:spcBef>
-                <a:spcPts val="0"/>
-              </a:spcBef>
-              <a:spcAft>
-                <a:spcPts val="0"/>
-              </a:spcAft>
-              <a:buNone/>
-            </a:pPr>
-            <a:r>
-              <a:rPr lang="en" sz="1500">
-                <a:latin typeface="Courier New"/>
-                <a:ea typeface="Courier New"/>
-                <a:cs typeface="Courier New"/>
-                <a:sym typeface="Courier New"/>
-              </a:rPr>
-              <a:t>dirk@host$ git commit -m "Fixed issue #123" --signoff</a:t>
-            </a:r>
-            <a:endParaRPr sz="1500">
-              <a:latin typeface="Courier New"/>
-              <a:ea typeface="Courier New"/>
-              <a:cs typeface="Courier New"/>
-              <a:sym typeface="Courier New"/>
-            </a:endParaRPr>
-          </a:p>
-        </p:txBody>
-      </p:sp>
+      </p:pic>
     </p:spTree>
   </p:cSld>
   <p:clrMapOvr>
@@ -21261,7 +21083,7 @@
   <p:cSld>
     <p:spTree>
       <p:nvGrpSpPr>
-        <p:cNvPr id="307" name="Shape 307"/>
+        <p:cNvPr id="303" name="Shape 303"/>
         <p:cNvGrpSpPr/>
         <p:nvPr/>
       </p:nvGrpSpPr>
@@ -21275,7 +21097,7 @@
       </p:grpSpPr>
       <p:sp>
         <p:nvSpPr>
-          <p:cNvPr id="308" name="Google Shape;308;p48"/>
+          <p:cNvPr id="304" name="Google Shape;304;p48"/>
           <p:cNvSpPr txBox="1"/>
           <p:nvPr>
             <p:ph type="title"/>
@@ -21307,7 +21129,7 @@
             </a:pPr>
             <a:r>
               <a:rPr lang="en"/>
-              <a:t>Pair Programming / Co-Authoring</a:t>
+              <a:t>Regular Deliverable: Imp-Squared Backlog</a:t>
             </a:r>
             <a:endParaRPr/>
           </a:p>
@@ -21315,7 +21137,7 @@
       </p:sp>
       <p:sp>
         <p:nvSpPr>
-          <p:cNvPr id="309" name="Google Shape;309;p48"/>
+          <p:cNvPr id="305" name="Google Shape;305;p48"/>
           <p:cNvSpPr txBox="1"/>
           <p:nvPr>
             <p:ph idx="1" type="body"/>
@@ -21347,211 +21169,83 @@
             </a:pPr>
             <a:r>
               <a:rPr lang="en"/>
-              <a:t>If you are pair programming, please make sure you document this in your commits</a:t>
-            </a:r>
-            <a:endParaRPr/>
-          </a:p>
-          <a:p>
-            <a:pPr indent="-342900" lvl="0" marL="457200" rtl="0" algn="l">
+              <a:t>Please initialize your imp-squared backlog and keep it up-to-date</a:t>
+            </a:r>
+            <a:endParaRPr/>
+          </a:p>
+          <a:p>
+            <a:pPr indent="0" lvl="0" marL="0" rtl="0" algn="l">
               <a:spcBef>
                 <a:spcPts val="1200"/>
               </a:spcBef>
               <a:spcAft>
-                <a:spcPts val="0"/>
-              </a:spcAft>
-              <a:buSzPts val="1800"/>
-              <a:buChar char="●"/>
-            </a:pPr>
-            <a:r>
-              <a:rPr lang="en"/>
-              <a:t>Add “Co-authored-by:” to commit message using </a:t>
-            </a:r>
-            <a:r>
-              <a:rPr b="1" lang="en"/>
-              <a:t>the correct email address</a:t>
-            </a:r>
-            <a:endParaRPr b="1"/>
-          </a:p>
-          <a:p>
-            <a:pPr indent="-342900" lvl="0" marL="457200" rtl="0" algn="l">
-              <a:spcBef>
-                <a:spcPts val="0"/>
-              </a:spcBef>
-              <a:spcAft>
-                <a:spcPts val="0"/>
-              </a:spcAft>
-              <a:buSzPts val="1800"/>
-              <a:buChar char="●"/>
-            </a:pPr>
-            <a:r>
-              <a:rPr lang="en"/>
-              <a:t>D</a:t>
-            </a:r>
-            <a:r>
-              <a:rPr lang="en"/>
-              <a:t>ouble-check the syntax (otherwise co-authorship will not be recognized)</a:t>
-            </a:r>
-            <a:endParaRPr/>
-          </a:p>
-          <a:p>
-            <a:pPr indent="0" lvl="0" marL="0" rtl="0" algn="l">
-              <a:spcBef>
                 <a:spcPts val="1200"/>
-              </a:spcBef>
-              <a:spcAft>
-                <a:spcPts val="0"/>
-              </a:spcAft>
-              <a:buNone/>
-            </a:pPr>
-            <a:r>
-              <a:t/>
-            </a:r>
-            <a:endParaRPr/>
-          </a:p>
-          <a:p>
-            <a:pPr indent="0" lvl="0" marL="0" rtl="0" algn="l">
-              <a:spcBef>
-                <a:spcPts val="1200"/>
-              </a:spcBef>
-              <a:spcAft>
-                <a:spcPts val="0"/>
-              </a:spcAft>
-              <a:buNone/>
-            </a:pPr>
-            <a:r>
-              <a:t/>
-            </a:r>
-            <a:endParaRPr/>
-          </a:p>
-          <a:p>
-            <a:pPr indent="0" lvl="0" marL="0" rtl="0" algn="l">
-              <a:spcBef>
-                <a:spcPts val="1200"/>
-              </a:spcBef>
-              <a:spcAft>
-                <a:spcPts val="0"/>
-              </a:spcAft>
-              <a:buNone/>
-            </a:pPr>
-            <a:r>
-              <a:t/>
-            </a:r>
-            <a:endParaRPr b="1"/>
-          </a:p>
-          <a:p>
-            <a:pPr indent="0" lvl="0" marL="0" rtl="0" algn="l">
-              <a:spcBef>
-                <a:spcPts val="1200"/>
-              </a:spcBef>
-              <a:spcAft>
-                <a:spcPts val="0"/>
-              </a:spcAft>
-              <a:buNone/>
-            </a:pPr>
-            <a:r>
-              <a:rPr b="1" lang="en"/>
-              <a:t>Each co-authored-by needs to be on its own line to be recognized</a:t>
-            </a:r>
-            <a:endParaRPr b="1"/>
-          </a:p>
-          <a:p>
-            <a:pPr indent="0" lvl="0" marL="0" rtl="0" algn="l">
-              <a:spcBef>
-                <a:spcPts val="1200"/>
-              </a:spcBef>
-              <a:spcAft>
-                <a:spcPts val="0"/>
-              </a:spcAft>
-              <a:buNone/>
-            </a:pPr>
-            <a:r>
-              <a:rPr lang="en"/>
-              <a:t>Declaring collaboration in the feature board is not enough</a:t>
-            </a:r>
-            <a:endParaRPr/>
-          </a:p>
-          <a:p>
-            <a:pPr indent="0" lvl="0" marL="0" rtl="0" algn="l">
-              <a:spcBef>
-                <a:spcPts val="1200"/>
-              </a:spcBef>
-              <a:spcAft>
-                <a:spcPts val="1200"/>
-              </a:spcAft>
-              <a:buNone/>
-            </a:pPr>
-            <a:r>
-              <a:rPr lang="en"/>
-              <a:t>Please find </a:t>
-            </a:r>
-            <a:r>
-              <a:rPr lang="en" u="sng">
+              </a:spcAft>
+              <a:buNone/>
+            </a:pPr>
+            <a:r>
+              <a:rPr lang="en"/>
+              <a:t>Commit a screenshot of your imp-squared backlog</a:t>
+            </a:r>
+            <a:endParaRPr/>
+          </a:p>
+        </p:txBody>
+      </p:sp>
+      <p:sp>
+        <p:nvSpPr>
+          <p:cNvPr id="306" name="Google Shape;306;p48"/>
+          <p:cNvSpPr txBox="1"/>
+          <p:nvPr>
+            <p:ph idx="12" type="sldNum"/>
+          </p:nvPr>
+        </p:nvSpPr>
+        <p:spPr>
+          <a:xfrm>
+            <a:off x="7315202" y="4229100"/>
+            <a:ext cx="1828800" cy="914400"/>
+          </a:xfrm>
+          <a:prstGeom prst="rect">
+            <a:avLst/>
+          </a:prstGeom>
+        </p:spPr>
+        <p:txBody>
+          <a:bodyPr anchorCtr="0" anchor="b" bIns="91425" lIns="91425" spcFirstLastPara="1" rIns="91425" wrap="square" tIns="91425">
+            <a:noAutofit/>
+          </a:bodyPr>
+          <a:lstStyle/>
+          <a:p>
+            <a:pPr indent="0" lvl="0" marL="0" rtl="0" algn="r">
+              <a:spcBef>
+                <a:spcPts val="0"/>
+              </a:spcBef>
+              <a:spcAft>
+                <a:spcPts val="0"/>
+              </a:spcAft>
+              <a:buNone/>
+            </a:pPr>
+            <a:fld id="{00000000-1234-1234-1234-123412341234}" type="slidenum">
+              <a:rPr lang="en"/>
+              <a:t>‹#›</a:t>
+            </a:fld>
+            <a:endParaRPr/>
+          </a:p>
+          <a:p>
+            <a:pPr indent="0" lvl="0" marL="0" rtl="0" algn="r">
+              <a:spcBef>
+                <a:spcPts val="0"/>
+              </a:spcBef>
+              <a:spcAft>
+                <a:spcPts val="0"/>
+              </a:spcAft>
+              <a:buNone/>
+            </a:pPr>
+            <a:r>
+              <a:rPr b="0" lang="en" sz="1000" u="sng">
                 <a:solidFill>
                   <a:schemeClr val="hlink"/>
                 </a:solidFill>
                 <a:hlinkClick r:id="rId3"/>
               </a:rPr>
-              <a:t>more detailed information on GitHub</a:t>
-            </a:r>
-            <a:endParaRPr/>
-          </a:p>
-        </p:txBody>
-      </p:sp>
-      <p:sp>
-        <p:nvSpPr>
-          <p:cNvPr id="310" name="Google Shape;310;p48"/>
-          <p:cNvSpPr txBox="1"/>
-          <p:nvPr>
-            <p:ph idx="12" type="sldNum"/>
-          </p:nvPr>
-        </p:nvSpPr>
-        <p:spPr>
-          <a:xfrm>
-            <a:off x="7315202" y="4229100"/>
-            <a:ext cx="1828800" cy="914400"/>
-          </a:xfrm>
-          <a:prstGeom prst="rect">
-            <a:avLst/>
-          </a:prstGeom>
-        </p:spPr>
-        <p:txBody>
-          <a:bodyPr anchorCtr="0" anchor="b" bIns="91425" lIns="91425" spcFirstLastPara="1" rIns="91425" wrap="square" tIns="91425">
-            <a:noAutofit/>
-          </a:bodyPr>
-          <a:lstStyle/>
-          <a:p>
-            <a:pPr indent="0" lvl="0" marL="0" rtl="0" algn="r">
-              <a:spcBef>
-                <a:spcPts val="0"/>
-              </a:spcBef>
-              <a:spcAft>
-                <a:spcPts val="0"/>
-              </a:spcAft>
-              <a:buNone/>
-            </a:pPr>
-            <a:fld id="{00000000-1234-1234-1234-123412341234}" type="slidenum">
-              <a:rPr lang="en"/>
-              <a:t>‹#›</a:t>
-            </a:fld>
-            <a:endParaRPr/>
-          </a:p>
-          <a:p>
-            <a:pPr indent="0" lvl="0" marL="0" rtl="0" algn="r">
-              <a:spcBef>
-                <a:spcPts val="0"/>
-              </a:spcBef>
-              <a:spcAft>
-                <a:spcPts val="0"/>
-              </a:spcAft>
-              <a:buNone/>
-            </a:pPr>
-            <a:r>
-              <a:rPr b="0" lang="en" sz="1000" u="sng">
-                <a:solidFill>
-                  <a:schemeClr val="hlink"/>
-                </a:solidFill>
-                <a:hlinkClick r:id="rId4"/>
-              </a:rPr>
               <a:t>uni1.de/amos</a:t>
             </a:r>
             <a:r>
@@ -21559,207 +21253,6 @@
               <a:t> </a:t>
             </a:r>
             <a:endParaRPr b="0" sz="1000"/>
-          </a:p>
-        </p:txBody>
-      </p:sp>
-      <p:sp>
-        <p:nvSpPr>
-          <p:cNvPr id="311" name="Google Shape;311;p48"/>
-          <p:cNvSpPr txBox="1"/>
-          <p:nvPr/>
-        </p:nvSpPr>
-        <p:spPr>
-          <a:xfrm>
-            <a:off x="274325" y="2148840"/>
-            <a:ext cx="8595300" cy="1245000"/>
-          </a:xfrm>
-          <a:prstGeom prst="rect">
-            <a:avLst/>
-          </a:prstGeom>
-          <a:solidFill>
-            <a:schemeClr val="accent1"/>
-          </a:solidFill>
-          <a:ln>
-            <a:noFill/>
-          </a:ln>
-        </p:spPr>
-        <p:txBody>
-          <a:bodyPr anchorCtr="0" anchor="t" bIns="91425" lIns="91425" spcFirstLastPara="1" rIns="91425" wrap="square" tIns="91425">
-            <a:noAutofit/>
-          </a:bodyPr>
-          <a:lstStyle/>
-          <a:p>
-            <a:pPr indent="0" lvl="0" marL="0" rtl="0" algn="l">
-              <a:lnSpc>
-                <a:spcPct val="115000"/>
-              </a:lnSpc>
-              <a:spcBef>
-                <a:spcPts val="0"/>
-              </a:spcBef>
-              <a:spcAft>
-                <a:spcPts val="0"/>
-              </a:spcAft>
-              <a:buNone/>
-            </a:pPr>
-            <a:r>
-              <a:rPr lang="en" sz="1500">
-                <a:latin typeface="Courier New"/>
-                <a:ea typeface="Courier New"/>
-                <a:cs typeface="Courier New"/>
-                <a:sym typeface="Courier New"/>
-              </a:rPr>
-              <a:t>dirk@host$ git commit -a -m "Fixed problem</a:t>
-            </a:r>
-            <a:endParaRPr sz="1500">
-              <a:latin typeface="Courier New"/>
-              <a:ea typeface="Courier New"/>
-              <a:cs typeface="Courier New"/>
-              <a:sym typeface="Courier New"/>
-            </a:endParaRPr>
-          </a:p>
-          <a:p>
-            <a:pPr indent="0" lvl="0" marL="0" rtl="0" algn="l">
-              <a:lnSpc>
-                <a:spcPct val="115000"/>
-              </a:lnSpc>
-              <a:spcBef>
-                <a:spcPts val="0"/>
-              </a:spcBef>
-              <a:spcAft>
-                <a:spcPts val="0"/>
-              </a:spcAft>
-              <a:buNone/>
-            </a:pPr>
-            <a:r>
-              <a:rPr lang="en" sz="1500">
-                <a:latin typeface="Courier New"/>
-                <a:ea typeface="Courier New"/>
-                <a:cs typeface="Courier New"/>
-                <a:sym typeface="Courier New"/>
-              </a:rPr>
-              <a:t>&gt; </a:t>
-            </a:r>
-            <a:endParaRPr sz="1500">
-              <a:latin typeface="Courier New"/>
-              <a:ea typeface="Courier New"/>
-              <a:cs typeface="Courier New"/>
-              <a:sym typeface="Courier New"/>
-            </a:endParaRPr>
-          </a:p>
-          <a:p>
-            <a:pPr indent="0" lvl="0" marL="0" rtl="0" algn="l">
-              <a:lnSpc>
-                <a:spcPct val="115000"/>
-              </a:lnSpc>
-              <a:spcBef>
-                <a:spcPts val="0"/>
-              </a:spcBef>
-              <a:spcAft>
-                <a:spcPts val="0"/>
-              </a:spcAft>
-              <a:buNone/>
-            </a:pPr>
-            <a:r>
-              <a:rPr lang="en" sz="1500">
-                <a:latin typeface="Courier New"/>
-                <a:ea typeface="Courier New"/>
-                <a:cs typeface="Courier New"/>
-                <a:sym typeface="Courier New"/>
-              </a:rPr>
-              <a:t>&gt;</a:t>
-            </a:r>
-            <a:endParaRPr sz="1500">
-              <a:latin typeface="Courier New"/>
-              <a:ea typeface="Courier New"/>
-              <a:cs typeface="Courier New"/>
-              <a:sym typeface="Courier New"/>
-            </a:endParaRPr>
-          </a:p>
-          <a:p>
-            <a:pPr indent="0" lvl="0" marL="0" rtl="0" algn="l">
-              <a:lnSpc>
-                <a:spcPct val="115000"/>
-              </a:lnSpc>
-              <a:spcBef>
-                <a:spcPts val="0"/>
-              </a:spcBef>
-              <a:spcAft>
-                <a:spcPts val="0"/>
-              </a:spcAft>
-              <a:buNone/>
-            </a:pPr>
-            <a:r>
-              <a:rPr lang="en" sz="1500">
-                <a:latin typeface="Courier New"/>
-                <a:ea typeface="Courier New"/>
-                <a:cs typeface="Courier New"/>
-                <a:sym typeface="Courier New"/>
-              </a:rPr>
-              <a:t>Co-authored-by: Stefan Buchner &lt;</a:t>
-            </a:r>
-            <a:r>
-              <a:rPr lang="en" sz="1500" u="sng">
-                <a:solidFill>
-                  <a:schemeClr val="hlink"/>
-                </a:solidFill>
-                <a:latin typeface="Courier New"/>
-                <a:ea typeface="Courier New"/>
-                <a:cs typeface="Courier New"/>
-                <a:sym typeface="Courier New"/>
-                <a:hlinkClick r:id="rId5"/>
-              </a:rPr>
-              <a:t>stefan.buchner@fau.de</a:t>
-            </a:r>
-            <a:r>
-              <a:rPr lang="en" sz="1500">
-                <a:latin typeface="Courier New"/>
-                <a:ea typeface="Courier New"/>
-                <a:cs typeface="Courier New"/>
-                <a:sym typeface="Courier New"/>
-              </a:rPr>
-              <a:t>&gt;</a:t>
-            </a:r>
-            <a:r>
-              <a:rPr lang="en" sz="1500">
-                <a:solidFill>
-                  <a:schemeClr val="dk1"/>
-                </a:solidFill>
-                <a:latin typeface="Courier New"/>
-                <a:ea typeface="Courier New"/>
-                <a:cs typeface="Courier New"/>
-                <a:sym typeface="Courier New"/>
-              </a:rPr>
-              <a:t>"</a:t>
-            </a:r>
-            <a:endParaRPr sz="1500">
-              <a:latin typeface="Courier New"/>
-              <a:ea typeface="Courier New"/>
-              <a:cs typeface="Courier New"/>
-              <a:sym typeface="Courier New"/>
-            </a:endParaRPr>
-          </a:p>
-          <a:p>
-            <a:pPr indent="0" lvl="0" marL="0" rtl="0" algn="l">
-              <a:lnSpc>
-                <a:spcPct val="115000"/>
-              </a:lnSpc>
-              <a:spcBef>
-                <a:spcPts val="0"/>
-              </a:spcBef>
-              <a:spcAft>
-                <a:spcPts val="0"/>
-              </a:spcAft>
-              <a:buNone/>
-            </a:pPr>
-            <a:r>
-              <a:t/>
-            </a:r>
-            <a:endParaRPr sz="1500">
-              <a:latin typeface="Courier New"/>
-              <a:ea typeface="Courier New"/>
-              <a:cs typeface="Courier New"/>
-              <a:sym typeface="Courier New"/>
-            </a:endParaRPr>
           </a:p>
         </p:txBody>
       </p:sp>
@@ -21772,6 +21265,71 @@
 </file>
 
 <file path=ppt/slides/slide42.xml><?xml version="1.0" encoding="utf-8"?>
+<p:sld xmlns:a="http://schemas.openxmlformats.org/drawingml/2006/main" xmlns:r="http://schemas.openxmlformats.org/officeDocument/2006/relationships" xmlns:mc="http://schemas.openxmlformats.org/markup-compatibility/2006" xmlns:mv="urn:schemas-microsoft-com:mac:vml" xmlns:p="http://schemas.openxmlformats.org/presentationml/2006/main" xmlns:c="http://schemas.openxmlformats.org/drawingml/2006/chart" xmlns:dgm="http://schemas.openxmlformats.org/drawingml/2006/diagram" xmlns:o="urn:schemas-microsoft-com:office:office" xmlns:v="urn:schemas-microsoft-com:vml" xmlns:pvml="urn:schemas-microsoft-com:office:powerpoint" xmlns:com="http://schemas.openxmlformats.org/drawingml/2006/compatibility" xmlns:p14="http://schemas.microsoft.com/office/powerpoint/2010/main" xmlns:p15="http://schemas.microsoft.com/office/powerpoint/2012/main" xmlns:ahyp="http://schemas.microsoft.com/office/drawing/2018/hyperlinkcolor">
+  <p:cSld>
+    <p:spTree>
+      <p:nvGrpSpPr>
+        <p:cNvPr id="310" name="Shape 310"/>
+        <p:cNvGrpSpPr/>
+        <p:nvPr/>
+      </p:nvGrpSpPr>
+      <p:grpSpPr>
+        <a:xfrm>
+          <a:off x="0" y="0"/>
+          <a:ext cx="0" cy="0"/>
+          <a:chOff x="0" y="0"/>
+          <a:chExt cx="0" cy="0"/>
+        </a:xfrm>
+      </p:grpSpPr>
+      <p:sp>
+        <p:nvSpPr>
+          <p:cNvPr id="311" name="Google Shape;311;p49"/>
+          <p:cNvSpPr txBox="1"/>
+          <p:nvPr>
+            <p:ph type="title"/>
+          </p:nvPr>
+        </p:nvSpPr>
+        <p:spPr>
+          <a:xfrm>
+            <a:off x="0" y="-7"/>
+            <a:ext cx="9144000" cy="2386500"/>
+          </a:xfrm>
+          <a:prstGeom prst="rect">
+            <a:avLst/>
+          </a:prstGeom>
+        </p:spPr>
+        <p:txBody>
+          <a:bodyPr anchorCtr="0" anchor="b" bIns="274300" lIns="91425" spcFirstLastPara="1" rIns="91425" wrap="square" tIns="91425">
+            <a:noAutofit/>
+          </a:bodyPr>
+          <a:lstStyle/>
+          <a:p>
+            <a:pPr indent="0" lvl="0" marL="0" rtl="0" algn="ctr">
+              <a:spcBef>
+                <a:spcPts val="0"/>
+              </a:spcBef>
+              <a:spcAft>
+                <a:spcPts val="0"/>
+              </a:spcAft>
+              <a:buNone/>
+            </a:pPr>
+            <a:r>
+              <a:rPr lang="en"/>
+              <a:t>7. Code Repository</a:t>
+            </a:r>
+            <a:endParaRPr/>
+          </a:p>
+        </p:txBody>
+      </p:sp>
+    </p:spTree>
+  </p:cSld>
+  <p:clrMapOvr>
+    <a:masterClrMapping/>
+  </p:clrMapOvr>
+</p:sld>
+</file>
+
+<file path=ppt/slides/slide43.xml><?xml version="1.0" encoding="utf-8"?>
 <p:sld xmlns:a="http://schemas.openxmlformats.org/drawingml/2006/main" xmlns:r="http://schemas.openxmlformats.org/officeDocument/2006/relationships" xmlns:mc="http://schemas.openxmlformats.org/markup-compatibility/2006" xmlns:mv="urn:schemas-microsoft-com:mac:vml" xmlns:p="http://schemas.openxmlformats.org/presentationml/2006/main" xmlns:c="http://schemas.openxmlformats.org/drawingml/2006/chart" xmlns:dgm="http://schemas.openxmlformats.org/drawingml/2006/diagram" xmlns:o="urn:schemas-microsoft-com:office:office" xmlns:v="urn:schemas-microsoft-com:vml" xmlns:pvml="urn:schemas-microsoft-com:office:powerpoint" xmlns:com="http://schemas.openxmlformats.org/drawingml/2006/compatibility" xmlns:p14="http://schemas.microsoft.com/office/powerpoint/2010/main" xmlns:p15="http://schemas.microsoft.com/office/powerpoint/2012/main" xmlns:ahyp="http://schemas.microsoft.com/office/drawing/2018/hyperlinkcolor">
   <p:cSld>
     <p:spTree>
@@ -21790,7 +21348,7 @@
       </p:grpSpPr>
       <p:sp>
         <p:nvSpPr>
-          <p:cNvPr id="316" name="Google Shape;316;p49"/>
+          <p:cNvPr id="316" name="Google Shape;316;p50"/>
           <p:cNvSpPr txBox="1"/>
           <p:nvPr>
             <p:ph type="title"/>
@@ -21822,7 +21380,7 @@
             </a:pPr>
             <a:r>
               <a:rPr lang="en"/>
-              <a:t>Making Your Work Count</a:t>
+              <a:t>Git User Setup</a:t>
             </a:r>
             <a:endParaRPr/>
           </a:p>
@@ -21830,7 +21388,7 @@
       </p:sp>
       <p:sp>
         <p:nvSpPr>
-          <p:cNvPr id="317" name="Google Shape;317;p49"/>
+          <p:cNvPr id="317" name="Google Shape;317;p50"/>
           <p:cNvSpPr txBox="1"/>
           <p:nvPr>
             <p:ph idx="1" type="body"/>
@@ -21862,9 +21420,13 @@
             </a:pPr>
             <a:r>
               <a:rPr lang="en"/>
-              <a:t>We use git, not GitHub [1], to look at your work</a:t>
-            </a:r>
-            <a:endParaRPr/>
+              <a:t>Please use only one account and </a:t>
+            </a:r>
+            <a:r>
+              <a:rPr b="1" lang="en"/>
+              <a:t>one email address and stick to it</a:t>
+            </a:r>
+            <a:endParaRPr b="1"/>
           </a:p>
           <a:p>
             <a:pPr indent="0" lvl="0" marL="0" rtl="0" algn="l">
@@ -21878,41 +21440,23 @@
             </a:pPr>
             <a:r>
               <a:rPr lang="en"/>
-              <a:t>If you want your work to count,</a:t>
-            </a:r>
-            <a:endParaRPr/>
-          </a:p>
-          <a:p>
-            <a:pPr indent="-342900" lvl="0" marL="457200" rtl="0" algn="l">
+              <a:t>Please configure your name and email address for your local repository</a:t>
+            </a:r>
+            <a:endParaRPr/>
+          </a:p>
+          <a:p>
+            <a:pPr indent="0" lvl="0" marL="0" rtl="0" algn="l">
               <a:spcBef>
                 <a:spcPts val="1200"/>
               </a:spcBef>
               <a:spcAft>
-                <a:spcPts val="0"/>
-              </a:spcAft>
-              <a:buSzPts val="1800"/>
-              <a:buChar char="●"/>
-            </a:pPr>
-            <a:r>
-              <a:rPr lang="en"/>
-              <a:t>Do not squash your commits</a:t>
-            </a:r>
-            <a:endParaRPr/>
-          </a:p>
-          <a:p>
-            <a:pPr indent="-342900" lvl="0" marL="457200" rtl="0" algn="l">
-              <a:spcBef>
-                <a:spcPts val="0"/>
-              </a:spcBef>
-              <a:spcAft>
-                <a:spcPts val="0"/>
-              </a:spcAft>
-              <a:buSzPts val="1800"/>
-              <a:buChar char="●"/>
-            </a:pPr>
-            <a:r>
-              <a:rPr lang="en"/>
-              <a:t>Do not delete branches with relevant work</a:t>
+                <a:spcPts val="1200"/>
+              </a:spcAft>
+              <a:buNone/>
+            </a:pPr>
+            <a:r>
+              <a:rPr lang="en"/>
+              <a:t>Please make sure this is the same information as on github.com</a:t>
             </a:r>
             <a:endParaRPr/>
           </a:p>
@@ -21920,7 +21464,7 @@
       </p:sp>
       <p:sp>
         <p:nvSpPr>
-          <p:cNvPr id="318" name="Google Shape;318;p49"/>
+          <p:cNvPr id="318" name="Google Shape;318;p50"/>
           <p:cNvSpPr txBox="1"/>
           <p:nvPr>
             <p:ph idx="12" type="sldNum"/>
@@ -21985,43 +21529,132 @@
       </p:sp>
       <p:sp>
         <p:nvSpPr>
-          <p:cNvPr id="319" name="Google Shape;319;p49"/>
+          <p:cNvPr id="319" name="Google Shape;319;p50"/>
           <p:cNvSpPr txBox="1"/>
           <p:nvPr/>
         </p:nvSpPr>
         <p:spPr>
           <a:xfrm>
-            <a:off x="0" y="4206240"/>
-            <a:ext cx="7315200" cy="914400"/>
+            <a:off x="274320" y="2286000"/>
+            <a:ext cx="8595300" cy="1371600"/>
           </a:xfrm>
           <a:prstGeom prst="rect">
             <a:avLst/>
           </a:prstGeom>
-          <a:noFill/>
+          <a:solidFill>
+            <a:schemeClr val="accent1"/>
+          </a:solidFill>
           <a:ln>
             <a:noFill/>
           </a:ln>
         </p:spPr>
         <p:txBody>
-          <a:bodyPr anchorCtr="0" anchor="b" bIns="91425" lIns="91425" spcFirstLastPara="1" rIns="91425" wrap="square" tIns="91425">
+          <a:bodyPr anchorCtr="0" anchor="t" bIns="91425" lIns="91425" spcFirstLastPara="1" rIns="91425" wrap="square" tIns="91425">
             <a:noAutofit/>
           </a:bodyPr>
           <a:lstStyle/>
           <a:p>
             <a:pPr indent="0" lvl="0" marL="0" rtl="0" algn="l">
-              <a:spcBef>
-                <a:spcPts val="0"/>
-              </a:spcBef>
-              <a:spcAft>
-                <a:spcPts val="0"/>
-              </a:spcAft>
-              <a:buNone/>
-            </a:pPr>
-            <a:r>
-              <a:rPr lang="en"/>
-              <a:t>[1] The GitHub interface / GitHub insights does not display your data correctly</a:t>
-            </a:r>
-            <a:endParaRPr/>
+              <a:lnSpc>
+                <a:spcPct val="115000"/>
+              </a:lnSpc>
+              <a:spcBef>
+                <a:spcPts val="0"/>
+              </a:spcBef>
+              <a:spcAft>
+                <a:spcPts val="0"/>
+              </a:spcAft>
+              <a:buNone/>
+            </a:pPr>
+            <a:r>
+              <a:rPr lang="en" sz="1500">
+                <a:latin typeface="Courier New"/>
+                <a:ea typeface="Courier New"/>
+                <a:cs typeface="Courier New"/>
+                <a:sym typeface="Courier New"/>
+              </a:rPr>
+              <a:t>dirk@host$ git config </a:t>
+            </a:r>
+            <a:r>
+              <a:rPr lang="en" sz="1500">
+                <a:latin typeface="Courier New"/>
+                <a:ea typeface="Courier New"/>
+                <a:cs typeface="Courier New"/>
+                <a:sym typeface="Courier New"/>
+              </a:rPr>
+              <a:t>--</a:t>
+            </a:r>
+            <a:r>
+              <a:rPr lang="en" sz="1500">
+                <a:latin typeface="Courier New"/>
+                <a:ea typeface="Courier New"/>
+                <a:cs typeface="Courier New"/>
+                <a:sym typeface="Courier New"/>
+              </a:rPr>
+              <a:t>local</a:t>
+            </a:r>
+            <a:r>
+              <a:rPr lang="en" sz="1500">
+                <a:latin typeface="Courier New"/>
+                <a:ea typeface="Courier New"/>
+                <a:cs typeface="Courier New"/>
+                <a:sym typeface="Courier New"/>
+              </a:rPr>
+              <a:t> user.name "Dirk Riehle"</a:t>
+            </a:r>
+            <a:endParaRPr sz="1500">
+              <a:latin typeface="Courier New"/>
+              <a:ea typeface="Courier New"/>
+              <a:cs typeface="Courier New"/>
+              <a:sym typeface="Courier New"/>
+            </a:endParaRPr>
+          </a:p>
+          <a:p>
+            <a:pPr indent="0" lvl="0" marL="0" rtl="0" algn="l">
+              <a:lnSpc>
+                <a:spcPct val="115000"/>
+              </a:lnSpc>
+              <a:spcBef>
+                <a:spcPts val="0"/>
+              </a:spcBef>
+              <a:spcAft>
+                <a:spcPts val="0"/>
+              </a:spcAft>
+              <a:buNone/>
+            </a:pPr>
+            <a:r>
+              <a:rPr lang="en" sz="1500">
+                <a:latin typeface="Courier New"/>
+                <a:ea typeface="Courier New"/>
+                <a:cs typeface="Courier New"/>
+                <a:sym typeface="Courier New"/>
+              </a:rPr>
+              <a:t>dirk@host$ git config </a:t>
+            </a:r>
+            <a:r>
+              <a:rPr lang="en" sz="1500">
+                <a:latin typeface="Courier New"/>
+                <a:ea typeface="Courier New"/>
+                <a:cs typeface="Courier New"/>
+                <a:sym typeface="Courier New"/>
+              </a:rPr>
+              <a:t>--</a:t>
+            </a:r>
+            <a:r>
+              <a:rPr lang="en" sz="1500">
+                <a:latin typeface="Courier New"/>
+                <a:ea typeface="Courier New"/>
+                <a:cs typeface="Courier New"/>
+                <a:sym typeface="Courier New"/>
+              </a:rPr>
+              <a:t>local user.email "dirk@riehle.org"</a:t>
+            </a:r>
+            <a:endParaRPr sz="1500">
+              <a:latin typeface="Courier New"/>
+              <a:ea typeface="Courier New"/>
+              <a:cs typeface="Courier New"/>
+              <a:sym typeface="Courier New"/>
+            </a:endParaRPr>
           </a:p>
         </p:txBody>
       </p:sp>
@@ -22033,7 +21666,7 @@
 </p:sld>
 </file>
 
-<file path=ppt/slides/slide43.xml><?xml version="1.0" encoding="utf-8"?>
+<file path=ppt/slides/slide44.xml><?xml version="1.0" encoding="utf-8"?>
 <p:sld xmlns:a="http://schemas.openxmlformats.org/drawingml/2006/main" xmlns:r="http://schemas.openxmlformats.org/officeDocument/2006/relationships" xmlns:mc="http://schemas.openxmlformats.org/markup-compatibility/2006" xmlns:mv="urn:schemas-microsoft-com:mac:vml" xmlns:p="http://schemas.openxmlformats.org/presentationml/2006/main" xmlns:c="http://schemas.openxmlformats.org/drawingml/2006/chart" xmlns:dgm="http://schemas.openxmlformats.org/drawingml/2006/diagram" xmlns:o="urn:schemas-microsoft-com:office:office" xmlns:v="urn:schemas-microsoft-com:vml" xmlns:pvml="urn:schemas-microsoft-com:office:powerpoint" xmlns:com="http://schemas.openxmlformats.org/drawingml/2006/compatibility" xmlns:p14="http://schemas.microsoft.com/office/powerpoint/2010/main" xmlns:p15="http://schemas.microsoft.com/office/powerpoint/2012/main" xmlns:ahyp="http://schemas.microsoft.com/office/drawing/2018/hyperlinkcolor">
   <p:cSld>
     <p:spTree>
@@ -22052,7 +21685,7 @@
       </p:grpSpPr>
       <p:sp>
         <p:nvSpPr>
-          <p:cNvPr id="324" name="Google Shape;324;p50"/>
+          <p:cNvPr id="324" name="Google Shape;324;p51"/>
           <p:cNvSpPr txBox="1"/>
           <p:nvPr>
             <p:ph type="title"/>
@@ -22084,7 +21717,7 @@
             </a:pPr>
             <a:r>
               <a:rPr lang="en"/>
-              <a:t>The AMOS Project Licenses</a:t>
+              <a:t>Git Commit Sign-off</a:t>
             </a:r>
             <a:endParaRPr/>
           </a:p>
@@ -22092,7 +21725,7 @@
       </p:sp>
       <p:sp>
         <p:nvSpPr>
-          <p:cNvPr id="325" name="Google Shape;325;p50"/>
+          <p:cNvPr id="325" name="Google Shape;325;p51"/>
           <p:cNvSpPr txBox="1"/>
           <p:nvPr>
             <p:ph idx="1" type="body"/>
@@ -22124,165 +21757,163 @@
             </a:pPr>
             <a:r>
               <a:rPr lang="en"/>
-              <a:t>For source code, we use the MIT license</a:t>
-            </a:r>
-            <a:endParaRPr/>
-          </a:p>
-          <a:p>
-            <a:pPr indent="-342900" lvl="0" marL="457200" rtl="0" algn="l">
+              <a:t>Please sign-off on your commits as your work using –signoff</a:t>
+            </a:r>
+            <a:endParaRPr/>
+          </a:p>
+          <a:p>
+            <a:pPr indent="0" lvl="0" marL="0" rtl="0" algn="l">
               <a:spcBef>
                 <a:spcPts val="1200"/>
               </a:spcBef>
               <a:spcAft>
                 <a:spcPts val="0"/>
               </a:spcAft>
-              <a:buSzPts val="1800"/>
-              <a:buChar char="●"/>
-            </a:pPr>
-            <a:r>
-              <a:rPr lang="en"/>
-              <a:t>See </a:t>
-            </a:r>
-            <a:r>
-              <a:rPr lang="en" u="sng">
+              <a:buNone/>
+            </a:pPr>
+            <a:r>
+              <a:rPr lang="en"/>
+              <a:t>This will add your name and email address to the commit message</a:t>
+            </a:r>
+            <a:endParaRPr/>
+          </a:p>
+          <a:p>
+            <a:pPr indent="0" lvl="0" marL="0" rtl="0" algn="l">
+              <a:spcBef>
+                <a:spcPts val="1200"/>
+              </a:spcBef>
+              <a:spcAft>
+                <a:spcPts val="1200"/>
+              </a:spcAft>
+              <a:buNone/>
+            </a:pPr>
+            <a:r>
+              <a:rPr lang="en"/>
+              <a:t>This signifies that you agree with the project license </a:t>
+            </a:r>
+            <a:endParaRPr/>
+          </a:p>
+        </p:txBody>
+      </p:sp>
+      <p:sp>
+        <p:nvSpPr>
+          <p:cNvPr id="326" name="Google Shape;326;p51"/>
+          <p:cNvSpPr txBox="1"/>
+          <p:nvPr>
+            <p:ph idx="12" type="sldNum"/>
+          </p:nvPr>
+        </p:nvSpPr>
+        <p:spPr>
+          <a:xfrm>
+            <a:off x="7315202" y="4229100"/>
+            <a:ext cx="1828800" cy="914400"/>
+          </a:xfrm>
+          <a:prstGeom prst="rect">
+            <a:avLst/>
+          </a:prstGeom>
+        </p:spPr>
+        <p:txBody>
+          <a:bodyPr anchorCtr="0" anchor="b" bIns="91425" lIns="91425" spcFirstLastPara="1" rIns="91425" wrap="square" tIns="91425">
+            <a:noAutofit/>
+          </a:bodyPr>
+          <a:lstStyle/>
+          <a:p>
+            <a:pPr indent="0" lvl="0" marL="0" rtl="0" algn="r">
+              <a:spcBef>
+                <a:spcPts val="0"/>
+              </a:spcBef>
+              <a:spcAft>
+                <a:spcPts val="0"/>
+              </a:spcAft>
+              <a:buNone/>
+            </a:pPr>
+            <a:fld id="{00000000-1234-1234-1234-123412341234}" type="slidenum">
+              <a:rPr lang="en"/>
+              <a:t>‹#›</a:t>
+            </a:fld>
+            <a:endParaRPr/>
+          </a:p>
+          <a:p>
+            <a:pPr indent="0" lvl="0" marL="0" rtl="0" algn="r">
+              <a:spcBef>
+                <a:spcPts val="0"/>
+              </a:spcBef>
+              <a:spcAft>
+                <a:spcPts val="0"/>
+              </a:spcAft>
+              <a:buNone/>
+            </a:pPr>
+            <a:r>
+              <a:rPr b="0" lang="en" sz="1000" u="sng">
                 <a:solidFill>
                   <a:schemeClr val="hlink"/>
                 </a:solidFill>
                 <a:hlinkClick r:id="rId3"/>
               </a:rPr>
-              <a:t>https://opensource.org/licenses/MIT</a:t>
-            </a:r>
-            <a:r>
-              <a:rPr lang="en"/>
+              <a:t>uni1.de/amos</a:t>
+            </a:r>
+            <a:r>
+              <a:rPr b="0" lang="en" sz="1000"/>
               <a:t> </a:t>
             </a:r>
-            <a:endParaRPr/>
-          </a:p>
-          <a:p>
-            <a:pPr indent="0" lvl="0" marL="0" rtl="0" algn="l">
-              <a:spcBef>
-                <a:spcPts val="1200"/>
-              </a:spcBef>
-              <a:spcAft>
-                <a:spcPts val="0"/>
-              </a:spcAft>
-              <a:buNone/>
-            </a:pPr>
-            <a:r>
-              <a:rPr lang="en"/>
-              <a:t>For other data, we use the CC BY 4.0 license</a:t>
-            </a:r>
-            <a:endParaRPr/>
-          </a:p>
-          <a:p>
-            <a:pPr indent="-342900" lvl="0" marL="457200" rtl="0" algn="l">
-              <a:spcBef>
-                <a:spcPts val="1200"/>
-              </a:spcBef>
-              <a:spcAft>
-                <a:spcPts val="0"/>
-              </a:spcAft>
-              <a:buSzPts val="1800"/>
-              <a:buChar char="●"/>
-            </a:pPr>
-            <a:r>
-              <a:rPr lang="en"/>
-              <a:t>See </a:t>
-            </a:r>
-            <a:r>
-              <a:rPr lang="en" u="sng">
-                <a:solidFill>
-                  <a:schemeClr val="hlink"/>
-                </a:solidFill>
-                <a:hlinkClick r:id="rId4"/>
-              </a:rPr>
-              <a:t>https://creativecommons.org/licenses/by/4.0/</a:t>
-            </a:r>
-            <a:r>
-              <a:rPr lang="en"/>
-              <a:t> </a:t>
-            </a:r>
-            <a:endParaRPr/>
-          </a:p>
-          <a:p>
-            <a:pPr indent="0" lvl="0" marL="0" rtl="0" algn="l">
-              <a:spcBef>
-                <a:spcPts val="1200"/>
-              </a:spcBef>
-              <a:spcAft>
-                <a:spcPts val="1200"/>
-              </a:spcAft>
-              <a:buNone/>
-            </a:pPr>
-            <a:r>
-              <a:t/>
-            </a:r>
-            <a:endParaRPr/>
+            <a:endParaRPr b="0" sz="1000"/>
           </a:p>
         </p:txBody>
       </p:sp>
       <p:sp>
         <p:nvSpPr>
-          <p:cNvPr id="326" name="Google Shape;326;p50"/>
+          <p:cNvPr id="327" name="Google Shape;327;p51"/>
           <p:cNvSpPr txBox="1"/>
-          <p:nvPr>
-            <p:ph idx="12" type="sldNum"/>
-          </p:nvPr>
-        </p:nvSpPr>
-        <p:spPr>
-          <a:xfrm>
-            <a:off x="7315202" y="4229100"/>
-            <a:ext cx="1828800" cy="914400"/>
+          <p:nvPr/>
+        </p:nvSpPr>
+        <p:spPr>
+          <a:xfrm>
+            <a:off x="274320" y="2286000"/>
+            <a:ext cx="8595300" cy="1371600"/>
           </a:xfrm>
           <a:prstGeom prst="rect">
             <a:avLst/>
           </a:prstGeom>
+          <a:solidFill>
+            <a:schemeClr val="accent1"/>
+          </a:solidFill>
+          <a:ln>
+            <a:noFill/>
+          </a:ln>
         </p:spPr>
         <p:txBody>
-          <a:bodyPr anchorCtr="0" anchor="b" bIns="91425" lIns="91425" spcFirstLastPara="1" rIns="91425" wrap="square" tIns="91425">
+          <a:bodyPr anchorCtr="0" anchor="t" bIns="91425" lIns="91425" spcFirstLastPara="1" rIns="91425" wrap="square" tIns="91425">
             <a:noAutofit/>
           </a:bodyPr>
           <a:lstStyle/>
           <a:p>
-            <a:pPr indent="0" lvl="0" marL="0" rtl="0" algn="r">
-              <a:spcBef>
-                <a:spcPts val="0"/>
-              </a:spcBef>
-              <a:spcAft>
-                <a:spcPts val="0"/>
-              </a:spcAft>
-              <a:buNone/>
-            </a:pPr>
-            <a:fld id="{00000000-1234-1234-1234-123412341234}" type="slidenum">
-              <a:rPr lang="en"/>
-              <a:t>‹#›</a:t>
-            </a:fld>
-            <a:endParaRPr/>
-          </a:p>
-          <a:p>
-            <a:pPr indent="0" lvl="0" marL="0" rtl="0" algn="r">
-              <a:spcBef>
-                <a:spcPts val="0"/>
-              </a:spcBef>
-              <a:spcAft>
-                <a:spcPts val="0"/>
-              </a:spcAft>
-              <a:buNone/>
-            </a:pPr>
-            <a:r>
-              <a:rPr b="0" lang="en" sz="1000" u="sng">
-                <a:solidFill>
-                  <a:schemeClr val="hlink"/>
-                </a:solidFill>
-                <a:hlinkClick r:id="rId5"/>
+            <a:pPr indent="0" lvl="0" marL="0" rtl="0" algn="l">
+              <a:lnSpc>
+                <a:spcPct val="115000"/>
+              </a:lnSpc>
+              <a:spcBef>
+                <a:spcPts val="0"/>
+              </a:spcBef>
+              <a:spcAft>
+                <a:spcPts val="0"/>
+              </a:spcAft>
+              <a:buNone/>
+            </a:pPr>
+            <a:r>
+              <a:rPr lang="en" sz="1500">
+                <a:latin typeface="Courier New"/>
+                <a:ea typeface="Courier New"/>
+                <a:cs typeface="Courier New"/>
+                <a:sym typeface="Courier New"/>
               </a:rPr>
-              <a:t>uni1.de/amos</a:t>
-            </a:r>
-            <a:r>
-              <a:rPr b="0" lang="en" sz="1000"/>
-              <a:t> </a:t>
-            </a:r>
-            <a:endParaRPr b="0" sz="1000"/>
+              <a:t>dirk@host$ git commit -m "Fixed issue #123" --signoff</a:t>
+            </a:r>
+            <a:endParaRPr sz="1500">
+              <a:latin typeface="Courier New"/>
+              <a:ea typeface="Courier New"/>
+              <a:cs typeface="Courier New"/>
+              <a:sym typeface="Courier New"/>
+            </a:endParaRPr>
           </a:p>
         </p:txBody>
       </p:sp>
@@ -22294,12 +21925,12 @@
 </p:sld>
 </file>
 
-<file path=ppt/slides/slide44.xml><?xml version="1.0" encoding="utf-8"?>
+<file path=ppt/slides/slide45.xml><?xml version="1.0" encoding="utf-8"?>
 <p:sld xmlns:a="http://schemas.openxmlformats.org/drawingml/2006/main" xmlns:r="http://schemas.openxmlformats.org/officeDocument/2006/relationships" xmlns:mc="http://schemas.openxmlformats.org/markup-compatibility/2006" xmlns:mv="urn:schemas-microsoft-com:mac:vml" xmlns:p="http://schemas.openxmlformats.org/presentationml/2006/main" xmlns:c="http://schemas.openxmlformats.org/drawingml/2006/chart" xmlns:dgm="http://schemas.openxmlformats.org/drawingml/2006/diagram" xmlns:o="urn:schemas-microsoft-com:office:office" xmlns:v="urn:schemas-microsoft-com:vml" xmlns:pvml="urn:schemas-microsoft-com:office:powerpoint" xmlns:com="http://schemas.openxmlformats.org/drawingml/2006/compatibility" xmlns:p14="http://schemas.microsoft.com/office/powerpoint/2010/main" xmlns:p15="http://schemas.microsoft.com/office/powerpoint/2012/main" xmlns:ahyp="http://schemas.microsoft.com/office/drawing/2018/hyperlinkcolor">
   <p:cSld>
     <p:spTree>
       <p:nvGrpSpPr>
-        <p:cNvPr id="330" name="Shape 330"/>
+        <p:cNvPr id="331" name="Shape 331"/>
         <p:cNvGrpSpPr/>
         <p:nvPr/>
       </p:nvGrpSpPr>
@@ -22313,7 +21944,7 @@
       </p:grpSpPr>
       <p:sp>
         <p:nvSpPr>
-          <p:cNvPr id="331" name="Google Shape;331;p51"/>
+          <p:cNvPr id="332" name="Google Shape;332;p52"/>
           <p:cNvSpPr txBox="1"/>
           <p:nvPr>
             <p:ph type="title"/>
@@ -22345,7 +21976,7 @@
             </a:pPr>
             <a:r>
               <a:rPr lang="en"/>
-              <a:t>License and Copyright Declaration in Files</a:t>
+              <a:t>Pair Programming / Co-Authoring</a:t>
             </a:r>
             <a:endParaRPr/>
           </a:p>
@@ -22353,7 +21984,7 @@
       </p:sp>
       <p:sp>
         <p:nvSpPr>
-          <p:cNvPr id="332" name="Google Shape;332;p51"/>
+          <p:cNvPr id="333" name="Google Shape;333;p52"/>
           <p:cNvSpPr txBox="1"/>
           <p:nvPr>
             <p:ph idx="1" type="body"/>
@@ -22385,24 +22016,51 @@
             </a:pPr>
             <a:r>
               <a:rPr lang="en"/>
-              <a:t>Please use the REUSE SOFTWARE [1] format to declare license and copyright</a:t>
-            </a:r>
-            <a:br>
-              <a:rPr lang="en"/>
-            </a:br>
-            <a:br>
-              <a:rPr lang="en" sz="1700"/>
-            </a:br>
-            <a:br>
-              <a:rPr lang="en" sz="1700"/>
-            </a:br>
-            <a:br>
-              <a:rPr lang="en" sz="1700"/>
-            </a:br>
-            <a:br>
-              <a:rPr lang="en" sz="1700"/>
-            </a:br>
-            <a:endParaRPr sz="1700"/>
+              <a:t>If you are pair programming, please make sure you document this in your commits</a:t>
+            </a:r>
+            <a:endParaRPr/>
+          </a:p>
+          <a:p>
+            <a:pPr indent="-342900" lvl="0" marL="457200" rtl="0" algn="l">
+              <a:spcBef>
+                <a:spcPts val="1200"/>
+              </a:spcBef>
+              <a:spcAft>
+                <a:spcPts val="0"/>
+              </a:spcAft>
+              <a:buSzPts val="1800"/>
+              <a:buChar char="●"/>
+            </a:pPr>
+            <a:r>
+              <a:rPr lang="en"/>
+              <a:t>Add “Co-authored-by:” to commit message using </a:t>
+            </a:r>
+            <a:r>
+              <a:rPr b="1" lang="en"/>
+              <a:t>the correct email address</a:t>
+            </a:r>
+            <a:endParaRPr b="1"/>
+          </a:p>
+          <a:p>
+            <a:pPr indent="-342900" lvl="0" marL="457200" rtl="0" algn="l">
+              <a:spcBef>
+                <a:spcPts val="0"/>
+              </a:spcBef>
+              <a:spcAft>
+                <a:spcPts val="0"/>
+              </a:spcAft>
+              <a:buSzPts val="1800"/>
+              <a:buChar char="●"/>
+            </a:pPr>
+            <a:r>
+              <a:rPr lang="en"/>
+              <a:t>D</a:t>
+            </a:r>
+            <a:r>
+              <a:rPr lang="en"/>
+              <a:t>ouble-check the syntax (otherwise co-authorship will not be recognized)</a:t>
+            </a:r>
+            <a:endParaRPr/>
           </a:p>
           <a:p>
             <a:pPr indent="0" lvl="0" marL="0" rtl="0" algn="l">
@@ -22410,13 +22068,99 @@
                 <a:spcPts val="1200"/>
               </a:spcBef>
               <a:spcAft>
+                <a:spcPts val="0"/>
+              </a:spcAft>
+              <a:buNone/>
+            </a:pPr>
+            <a:r>
+              <a:t/>
+            </a:r>
+            <a:endParaRPr/>
+          </a:p>
+          <a:p>
+            <a:pPr indent="0" lvl="0" marL="0" rtl="0" algn="l">
+              <a:spcBef>
                 <a:spcPts val="1200"/>
-              </a:spcAft>
-              <a:buNone/>
-            </a:pPr>
-            <a:r>
-              <a:rPr lang="en"/>
-              <a:t>Alternatively, just track license and contributors in MIT license file</a:t>
+              </a:spcBef>
+              <a:spcAft>
+                <a:spcPts val="0"/>
+              </a:spcAft>
+              <a:buNone/>
+            </a:pPr>
+            <a:r>
+              <a:t/>
+            </a:r>
+            <a:endParaRPr/>
+          </a:p>
+          <a:p>
+            <a:pPr indent="0" lvl="0" marL="0" rtl="0" algn="l">
+              <a:spcBef>
+                <a:spcPts val="1200"/>
+              </a:spcBef>
+              <a:spcAft>
+                <a:spcPts val="0"/>
+              </a:spcAft>
+              <a:buNone/>
+            </a:pPr>
+            <a:r>
+              <a:t/>
+            </a:r>
+            <a:endParaRPr b="1"/>
+          </a:p>
+          <a:p>
+            <a:pPr indent="0" lvl="0" marL="0" rtl="0" algn="l">
+              <a:spcBef>
+                <a:spcPts val="1200"/>
+              </a:spcBef>
+              <a:spcAft>
+                <a:spcPts val="0"/>
+              </a:spcAft>
+              <a:buNone/>
+            </a:pPr>
+            <a:r>
+              <a:rPr b="1" lang="en"/>
+              <a:t>Each co-authored-by needs to be on its own line to be recognized</a:t>
+            </a:r>
+            <a:endParaRPr b="1"/>
+          </a:p>
+          <a:p>
+            <a:pPr indent="0" lvl="0" marL="0" rtl="0" algn="l">
+              <a:spcBef>
+                <a:spcPts val="1200"/>
+              </a:spcBef>
+              <a:spcAft>
+                <a:spcPts val="0"/>
+              </a:spcAft>
+              <a:buNone/>
+            </a:pPr>
+            <a:r>
+              <a:rPr lang="en"/>
+              <a:t>Declaring collaboration in the feature board is not enough</a:t>
+            </a:r>
+            <a:endParaRPr/>
+          </a:p>
+          <a:p>
+            <a:pPr indent="0" lvl="0" marL="0" rtl="0" algn="l">
+              <a:spcBef>
+                <a:spcPts val="1200"/>
+              </a:spcBef>
+              <a:spcAft>
+                <a:spcPts val="1200"/>
+              </a:spcAft>
+              <a:buNone/>
+            </a:pPr>
+            <a:r>
+              <a:rPr lang="en"/>
+              <a:t>Please find </a:t>
+            </a:r>
+            <a:r>
+              <a:rPr lang="en" u="sng">
+                <a:solidFill>
+                  <a:schemeClr val="hlink"/>
+                </a:solidFill>
+                <a:hlinkClick r:id="rId3"/>
+              </a:rPr>
+              <a:t>more detailed information on GitHub</a:t>
             </a:r>
             <a:endParaRPr/>
           </a:p>
@@ -22424,7 +22168,7 @@
       </p:sp>
       <p:sp>
         <p:nvSpPr>
-          <p:cNvPr id="333" name="Google Shape;333;p51"/>
+          <p:cNvPr id="334" name="Google Shape;334;p52"/>
           <p:cNvSpPr txBox="1"/>
           <p:nvPr>
             <p:ph idx="12" type="sldNum"/>
@@ -22475,7 +22219,7 @@
                 <a:solidFill>
                   <a:schemeClr val="hlink"/>
                 </a:solidFill>
-                <a:hlinkClick r:id="rId3"/>
+                <a:hlinkClick r:id="rId4"/>
               </a:rPr>
               <a:t>uni1.de/amos</a:t>
             </a:r>
@@ -22489,69 +22233,14 @@
       </p:sp>
       <p:sp>
         <p:nvSpPr>
-          <p:cNvPr id="334" name="Google Shape;334;p51"/>
+          <p:cNvPr id="335" name="Google Shape;335;p52"/>
           <p:cNvSpPr txBox="1"/>
           <p:nvPr/>
         </p:nvSpPr>
         <p:spPr>
           <a:xfrm>
-            <a:off x="0" y="4416552"/>
-            <a:ext cx="7315200" cy="731400"/>
-          </a:xfrm>
-          <a:prstGeom prst="rect">
-            <a:avLst/>
-          </a:prstGeom>
-          <a:noFill/>
-          <a:ln>
-            <a:noFill/>
-          </a:ln>
-        </p:spPr>
-        <p:txBody>
-          <a:bodyPr anchorCtr="0" anchor="b" bIns="91425" lIns="91425" spcFirstLastPara="1" rIns="91425" wrap="square" tIns="91425">
-            <a:noAutofit/>
-          </a:bodyPr>
-          <a:lstStyle/>
-          <a:p>
-            <a:pPr indent="0" lvl="0" marL="0" rtl="0" algn="l">
-              <a:spcBef>
-                <a:spcPts val="0"/>
-              </a:spcBef>
-              <a:spcAft>
-                <a:spcPts val="0"/>
-              </a:spcAft>
-              <a:buNone/>
-            </a:pPr>
-            <a:r>
-              <a:rPr lang="en"/>
-              <a:t>[1] See </a:t>
-            </a:r>
-            <a:r>
-              <a:rPr lang="en" u="sng">
-                <a:solidFill>
-                  <a:schemeClr val="hlink"/>
-                </a:solidFill>
-                <a:hlinkClick r:id="rId4"/>
-              </a:rPr>
-              <a:t>https://reuse.software/</a:t>
-            </a:r>
-            <a:r>
-              <a:rPr lang="en"/>
-              <a:t> </a:t>
-            </a:r>
-            <a:endParaRPr/>
-          </a:p>
-        </p:txBody>
-      </p:sp>
-      <p:sp>
-        <p:nvSpPr>
-          <p:cNvPr id="335" name="Google Shape;335;p51"/>
-          <p:cNvSpPr txBox="1"/>
-          <p:nvPr/>
-        </p:nvSpPr>
-        <p:spPr>
-          <a:xfrm>
-            <a:off x="274320" y="1371600"/>
-            <a:ext cx="8595300" cy="1371600"/>
+            <a:off x="274325" y="2148840"/>
+            <a:ext cx="8595300" cy="1245000"/>
           </a:xfrm>
           <a:prstGeom prst="rect">
             <a:avLst/>
@@ -22588,7 +22277,7 @@
                 <a:cs typeface="Courier New"/>
                 <a:sym typeface="Courier New"/>
               </a:rPr>
-              <a:t>// SPDX-License-Identifier: MIT</a:t>
+              <a:t>dirk@host$ git commit -a -m "Fixed problem</a:t>
             </a:r>
             <a:endParaRPr sz="1500">
               <a:latin typeface="Courier New"/>
@@ -22617,7 +22306,7 @@
                 <a:cs typeface="Courier New"/>
                 <a:sym typeface="Courier New"/>
               </a:rPr>
-              <a:t>// SPDX-FileCopyrightText: 2010-2021 Dirk Riehle &lt;dirk@riehle.org&gt;</a:t>
+              <a:t>&gt; </a:t>
             </a:r>
             <a:endParaRPr sz="1500">
               <a:latin typeface="Courier New"/>
@@ -22646,7 +22335,93 @@
                 <a:cs typeface="Courier New"/>
                 <a:sym typeface="Courier New"/>
               </a:rPr>
-              <a:t>// SPDX-FileCopyrightText: 2019 Georg Schwarz &lt;georg.schwarz@fau.de&gt;</a:t>
+              <a:t>&gt;</a:t>
+            </a:r>
+            <a:endParaRPr sz="1500">
+              <a:latin typeface="Courier New"/>
+              <a:ea typeface="Courier New"/>
+              <a:cs typeface="Courier New"/>
+              <a:sym typeface="Courier New"/>
+            </a:endParaRPr>
+          </a:p>
+          <a:p>
+            <a:pPr indent="0" lvl="0" marL="0" rtl="0" algn="l">
+              <a:lnSpc>
+                <a:spcPct val="115000"/>
+              </a:lnSpc>
+              <a:spcBef>
+                <a:spcPts val="0"/>
+              </a:spcBef>
+              <a:spcAft>
+                <a:spcPts val="0"/>
+              </a:spcAft>
+              <a:buNone/>
+            </a:pPr>
+            <a:r>
+              <a:rPr lang="en" sz="1500">
+                <a:latin typeface="Courier New"/>
+                <a:ea typeface="Courier New"/>
+                <a:cs typeface="Courier New"/>
+                <a:sym typeface="Courier New"/>
+              </a:rPr>
+              <a:t>Co-authored-by: Stefan Buchner &lt;</a:t>
+            </a:r>
+            <a:r>
+              <a:rPr lang="en" sz="1500" u="sng">
+                <a:solidFill>
+                  <a:schemeClr val="hlink"/>
+                </a:solidFill>
+                <a:latin typeface="Courier New"/>
+                <a:ea typeface="Courier New"/>
+                <a:cs typeface="Courier New"/>
+                <a:sym typeface="Courier New"/>
+                <a:hlinkClick r:id="rId5"/>
+              </a:rPr>
+              <a:t>stefan.buchner@fau.de</a:t>
+            </a:r>
+            <a:r>
+              <a:rPr lang="en" sz="1500">
+                <a:latin typeface="Courier New"/>
+                <a:ea typeface="Courier New"/>
+                <a:cs typeface="Courier New"/>
+                <a:sym typeface="Courier New"/>
+              </a:rPr>
+              <a:t>&gt;</a:t>
+            </a:r>
+            <a:r>
+              <a:rPr lang="en" sz="1500">
+                <a:solidFill>
+                  <a:schemeClr val="dk1"/>
+                </a:solidFill>
+                <a:latin typeface="Courier New"/>
+                <a:ea typeface="Courier New"/>
+                <a:cs typeface="Courier New"/>
+                <a:sym typeface="Courier New"/>
+              </a:rPr>
+              <a:t>"</a:t>
+            </a:r>
+            <a:endParaRPr sz="1500">
+              <a:latin typeface="Courier New"/>
+              <a:ea typeface="Courier New"/>
+              <a:cs typeface="Courier New"/>
+              <a:sym typeface="Courier New"/>
+            </a:endParaRPr>
+          </a:p>
+          <a:p>
+            <a:pPr indent="0" lvl="0" marL="0" rtl="0" algn="l">
+              <a:lnSpc>
+                <a:spcPct val="115000"/>
+              </a:lnSpc>
+              <a:spcBef>
+                <a:spcPts val="0"/>
+              </a:spcBef>
+              <a:spcAft>
+                <a:spcPts val="0"/>
+              </a:spcAft>
+              <a:buNone/>
+            </a:pPr>
+            <a:r>
+              <a:t/>
             </a:r>
             <a:endParaRPr sz="1500">
               <a:latin typeface="Courier New"/>
@@ -22665,7 +22440,7 @@
 </p:sld>
 </file>
 
-<file path=ppt/slides/slide45.xml><?xml version="1.0" encoding="utf-8"?>
+<file path=ppt/slides/slide46.xml><?xml version="1.0" encoding="utf-8"?>
 <p:sld xmlns:a="http://schemas.openxmlformats.org/drawingml/2006/main" xmlns:r="http://schemas.openxmlformats.org/officeDocument/2006/relationships" xmlns:mc="http://schemas.openxmlformats.org/markup-compatibility/2006" xmlns:mv="urn:schemas-microsoft-com:mac:vml" xmlns:p="http://schemas.openxmlformats.org/presentationml/2006/main" xmlns:c="http://schemas.openxmlformats.org/drawingml/2006/chart" xmlns:dgm="http://schemas.openxmlformats.org/drawingml/2006/diagram" xmlns:o="urn:schemas-microsoft-com:office:office" xmlns:v="urn:schemas-microsoft-com:vml" xmlns:pvml="urn:schemas-microsoft-com:office:powerpoint" xmlns:com="http://schemas.openxmlformats.org/drawingml/2006/compatibility" xmlns:p14="http://schemas.microsoft.com/office/powerpoint/2010/main" xmlns:p15="http://schemas.microsoft.com/office/powerpoint/2012/main" xmlns:ahyp="http://schemas.microsoft.com/office/drawing/2018/hyperlinkcolor">
   <p:cSld>
     <p:spTree>
@@ -22684,7 +22459,7 @@
       </p:grpSpPr>
       <p:sp>
         <p:nvSpPr>
-          <p:cNvPr id="340" name="Google Shape;340;p52"/>
+          <p:cNvPr id="340" name="Google Shape;340;p53"/>
           <p:cNvSpPr txBox="1"/>
           <p:nvPr>
             <p:ph type="title"/>
@@ -22716,7 +22491,7 @@
             </a:pPr>
             <a:r>
               <a:rPr lang="en"/>
-              <a:t>Open Source Governance</a:t>
+              <a:t>Making Your Work Count</a:t>
             </a:r>
             <a:endParaRPr/>
           </a:p>
@@ -22724,7 +22499,7 @@
       </p:sp>
       <p:sp>
         <p:nvSpPr>
-          <p:cNvPr id="341" name="Google Shape;341;p52"/>
+          <p:cNvPr id="341" name="Google Shape;341;p53"/>
           <p:cNvSpPr txBox="1"/>
           <p:nvPr>
             <p:ph idx="1" type="body"/>
@@ -22756,7 +22531,7 @@
             </a:pPr>
             <a:r>
               <a:rPr lang="en"/>
-              <a:t>Do not add copyleft-licensed libraries to your project</a:t>
+              <a:t>We use git, not GitHub [1], to look at your work</a:t>
             </a:r>
             <a:endParaRPr/>
           </a:p>
@@ -22772,7 +22547,7 @@
             </a:pPr>
             <a:r>
               <a:rPr lang="en"/>
-              <a:t>Follow these rules of thumb on license choice</a:t>
+              <a:t>If you want your work to count,</a:t>
             </a:r>
             <a:endParaRPr/>
           </a:p>
@@ -22788,18 +22563,10 @@
               <a:buChar char="●"/>
             </a:pPr>
             <a:r>
-              <a:rPr lang="en">
-                <a:highlight>
-                  <a:srgbClr val="D9EAD3"/>
-                </a:highlight>
-              </a:rPr>
-              <a:t>OK: Permissive licenses (MIT, BSD, Apache)</a:t>
-            </a:r>
-            <a:endParaRPr>
-              <a:highlight>
-                <a:srgbClr val="D9EAD3"/>
-              </a:highlight>
-            </a:endParaRPr>
+              <a:rPr lang="en"/>
+              <a:t>Do not squash your commits</a:t>
+            </a:r>
+            <a:endParaRPr/>
           </a:p>
           <a:p>
             <a:pPr indent="-342900" lvl="0" marL="457200" rtl="0" algn="l">
@@ -22813,82 +22580,8 @@
               <a:buChar char="●"/>
             </a:pPr>
             <a:r>
-              <a:rPr lang="en">
-                <a:highlight>
-                  <a:srgbClr val="FFF2CC"/>
-                </a:highlight>
-              </a:rPr>
-              <a:t>May be OK: Weakly protective (a.k.a. “weak copyleft”)</a:t>
-            </a:r>
-            <a:endParaRPr>
-              <a:highlight>
-                <a:srgbClr val="FFF2CC"/>
-              </a:highlight>
-            </a:endParaRPr>
-          </a:p>
-          <a:p>
-            <a:pPr indent="-342900" lvl="0" marL="457200" rtl="0" algn="l">
-              <a:spcBef>
-                <a:spcPts val="0"/>
-              </a:spcBef>
-              <a:spcAft>
-                <a:spcPts val="0"/>
-              </a:spcAft>
-              <a:buSzPts val="1800"/>
-              <a:buChar char="●"/>
-            </a:pPr>
-            <a:r>
-              <a:rPr lang="en">
-                <a:highlight>
-                  <a:srgbClr val="F4CCCC"/>
-                </a:highlight>
-              </a:rPr>
-              <a:t>Usually not OK: Strongly protective (a.k.a. “reciprocal” or “copyleft”)</a:t>
-            </a:r>
-            <a:endParaRPr>
-              <a:highlight>
-                <a:srgbClr val="F4CCCC"/>
-              </a:highlight>
-            </a:endParaRPr>
-          </a:p>
-          <a:p>
-            <a:pPr indent="-342900" lvl="0" marL="457200" rtl="0" algn="l">
-              <a:spcBef>
-                <a:spcPts val="0"/>
-              </a:spcBef>
-              <a:spcAft>
-                <a:spcPts val="0"/>
-              </a:spcAft>
-              <a:buSzPts val="1800"/>
-              <a:buChar char="●"/>
-            </a:pPr>
-            <a:r>
-              <a:rPr lang="en">
-                <a:highlight>
-                  <a:srgbClr val="CCCCCC"/>
-                </a:highlight>
-              </a:rPr>
-              <a:t>Never OK: Non-software licenses, no license</a:t>
-            </a:r>
-            <a:endParaRPr>
-              <a:highlight>
-                <a:srgbClr val="CCCCCC"/>
-              </a:highlight>
-            </a:endParaRPr>
-          </a:p>
-          <a:p>
-            <a:pPr indent="0" lvl="0" marL="0" rtl="0" algn="l">
-              <a:spcBef>
-                <a:spcPts val="1200"/>
-              </a:spcBef>
-              <a:spcAft>
-                <a:spcPts val="1200"/>
-              </a:spcAft>
-              <a:buNone/>
-            </a:pPr>
-            <a:r>
-              <a:rPr lang="en"/>
-              <a:t>Professionals (i.e. companies) use code scanners to check</a:t>
+              <a:rPr lang="en"/>
+              <a:t>Do not delete branches with relevant work</a:t>
             </a:r>
             <a:endParaRPr/>
           </a:p>
@@ -22896,7 +22589,7 @@
       </p:sp>
       <p:sp>
         <p:nvSpPr>
-          <p:cNvPr id="342" name="Google Shape;342;p52"/>
+          <p:cNvPr id="342" name="Google Shape;342;p53"/>
           <p:cNvSpPr txBox="1"/>
           <p:nvPr>
             <p:ph idx="12" type="sldNum"/>
@@ -22959,66 +22652,43 @@
           </a:p>
         </p:txBody>
       </p:sp>
-    </p:spTree>
-  </p:cSld>
-  <p:clrMapOvr>
-    <a:masterClrMapping/>
-  </p:clrMapOvr>
-</p:sld>
-</file>
-
-<file path=ppt/slides/slide46.xml><?xml version="1.0" encoding="utf-8"?>
-<p:sld xmlns:a="http://schemas.openxmlformats.org/drawingml/2006/main" xmlns:r="http://schemas.openxmlformats.org/officeDocument/2006/relationships" xmlns:mc="http://schemas.openxmlformats.org/markup-compatibility/2006" xmlns:mv="urn:schemas-microsoft-com:mac:vml" xmlns:p="http://schemas.openxmlformats.org/presentationml/2006/main" xmlns:c="http://schemas.openxmlformats.org/drawingml/2006/chart" xmlns:dgm="http://schemas.openxmlformats.org/drawingml/2006/diagram" xmlns:o="urn:schemas-microsoft-com:office:office" xmlns:v="urn:schemas-microsoft-com:vml" xmlns:pvml="urn:schemas-microsoft-com:office:powerpoint" xmlns:com="http://schemas.openxmlformats.org/drawingml/2006/compatibility" xmlns:p14="http://schemas.microsoft.com/office/powerpoint/2010/main" xmlns:p15="http://schemas.microsoft.com/office/powerpoint/2012/main" xmlns:ahyp="http://schemas.microsoft.com/office/drawing/2018/hyperlinkcolor">
-  <p:cSld>
-    <p:spTree>
-      <p:nvGrpSpPr>
-        <p:cNvPr id="346" name="Shape 346"/>
-        <p:cNvGrpSpPr/>
-        <p:nvPr/>
-      </p:nvGrpSpPr>
-      <p:grpSpPr>
-        <a:xfrm>
-          <a:off x="0" y="0"/>
-          <a:ext cx="0" cy="0"/>
-          <a:chOff x="0" y="0"/>
-          <a:chExt cx="0" cy="0"/>
-        </a:xfrm>
-      </p:grpSpPr>
-      <p:sp>
-        <p:nvSpPr>
-          <p:cNvPr id="347" name="Google Shape;347;p53"/>
+      <p:sp>
+        <p:nvSpPr>
+          <p:cNvPr id="343" name="Google Shape;343;p53"/>
           <p:cNvSpPr txBox="1"/>
-          <p:nvPr>
-            <p:ph type="title"/>
-          </p:nvPr>
-        </p:nvSpPr>
-        <p:spPr>
-          <a:xfrm>
-            <a:off x="0" y="-7"/>
-            <a:ext cx="9144000" cy="2386500"/>
+          <p:nvPr/>
+        </p:nvSpPr>
+        <p:spPr>
+          <a:xfrm>
+            <a:off x="0" y="4206240"/>
+            <a:ext cx="7315200" cy="914400"/>
           </a:xfrm>
           <a:prstGeom prst="rect">
             <a:avLst/>
           </a:prstGeom>
+          <a:noFill/>
+          <a:ln>
+            <a:noFill/>
+          </a:ln>
         </p:spPr>
         <p:txBody>
-          <a:bodyPr anchorCtr="0" anchor="b" bIns="274300" lIns="91425" spcFirstLastPara="1" rIns="91425" wrap="square" tIns="91425">
+          <a:bodyPr anchorCtr="0" anchor="b" bIns="91425" lIns="91425" spcFirstLastPara="1" rIns="91425" wrap="square" tIns="91425">
             <a:noAutofit/>
           </a:bodyPr>
           <a:lstStyle/>
           <a:p>
-            <a:pPr indent="0" lvl="0" marL="0" rtl="0" algn="ctr">
-              <a:spcBef>
-                <a:spcPts val="0"/>
-              </a:spcBef>
-              <a:spcAft>
-                <a:spcPts val="0"/>
-              </a:spcAft>
-              <a:buNone/>
-            </a:pPr>
-            <a:r>
-              <a:rPr lang="en"/>
-              <a:t>7. Imp-Squared Backlog</a:t>
+            <a:pPr indent="0" lvl="0" marL="0" rtl="0" algn="l">
+              <a:spcBef>
+                <a:spcPts val="0"/>
+              </a:spcBef>
+              <a:spcAft>
+                <a:spcPts val="0"/>
+              </a:spcAft>
+              <a:buNone/>
+            </a:pPr>
+            <a:r>
+              <a:rPr lang="en"/>
+              <a:t>[1] The GitHub interface / GitHub insights does not display your data correctly</a:t>
             </a:r>
             <a:endParaRPr/>
           </a:p>
@@ -23037,7 +22707,7 @@
   <p:cSld>
     <p:spTree>
       <p:nvGrpSpPr>
-        <p:cNvPr id="351" name="Shape 351"/>
+        <p:cNvPr id="347" name="Shape 347"/>
         <p:cNvGrpSpPr/>
         <p:nvPr/>
       </p:nvGrpSpPr>
@@ -23051,7 +22721,7 @@
       </p:grpSpPr>
       <p:sp>
         <p:nvSpPr>
-          <p:cNvPr id="352" name="Google Shape;352;p54"/>
+          <p:cNvPr id="348" name="Google Shape;348;p54"/>
           <p:cNvSpPr txBox="1"/>
           <p:nvPr>
             <p:ph type="title"/>
@@ -23083,15 +22753,7 @@
             </a:pPr>
             <a:r>
               <a:rPr lang="en"/>
-              <a:t>Impediments and Improvements (</a:t>
-            </a:r>
-            <a:r>
-              <a:rPr lang="en"/>
-              <a:t>Imp-Squared</a:t>
-            </a:r>
-            <a:r>
-              <a:rPr lang="en"/>
-              <a:t>) Backlog</a:t>
+              <a:t>Choosing a Collaboration Model</a:t>
             </a:r>
             <a:endParaRPr/>
           </a:p>
@@ -23099,145 +22761,7 @@
       </p:sp>
       <p:sp>
         <p:nvSpPr>
-          <p:cNvPr id="353" name="Google Shape;353;p54"/>
-          <p:cNvSpPr txBox="1"/>
-          <p:nvPr>
-            <p:ph idx="1" type="body"/>
-          </p:nvPr>
-        </p:nvSpPr>
-        <p:spPr>
-          <a:xfrm>
-            <a:off x="274320" y="914400"/>
-            <a:ext cx="8595300" cy="4114800"/>
-          </a:xfrm>
-          <a:prstGeom prst="rect">
-            <a:avLst/>
-          </a:prstGeom>
-        </p:spPr>
-        <p:txBody>
-          <a:bodyPr anchorCtr="0" anchor="t" bIns="0" lIns="0" spcFirstLastPara="1" rIns="0" wrap="square" tIns="0">
-            <a:noAutofit/>
-          </a:bodyPr>
-          <a:lstStyle/>
-          <a:p>
-            <a:pPr indent="0" lvl="0" marL="0" rtl="0" algn="l">
-              <a:spcBef>
-                <a:spcPts val="0"/>
-              </a:spcBef>
-              <a:spcAft>
-                <a:spcPts val="0"/>
-              </a:spcAft>
-              <a:buNone/>
-            </a:pPr>
-            <a:r>
-              <a:rPr lang="en"/>
-              <a:t>The imp-squared backlog is a slotting system used to</a:t>
-            </a:r>
-            <a:endParaRPr/>
-          </a:p>
-          <a:p>
-            <a:pPr indent="-342900" lvl="0" marL="457200" rtl="0" algn="l">
-              <a:spcBef>
-                <a:spcPts val="1200"/>
-              </a:spcBef>
-              <a:spcAft>
-                <a:spcPts val="0"/>
-              </a:spcAft>
-              <a:buSzPts val="1800"/>
-              <a:buChar char="●"/>
-            </a:pPr>
-            <a:r>
-              <a:rPr lang="en"/>
-              <a:t>Manage the processing state of project impediments and improvements</a:t>
-            </a:r>
-            <a:endParaRPr/>
-          </a:p>
-          <a:p>
-            <a:pPr indent="0" lvl="0" marL="0" rtl="0" algn="l">
-              <a:spcBef>
-                <a:spcPts val="1200"/>
-              </a:spcBef>
-              <a:spcAft>
-                <a:spcPts val="0"/>
-              </a:spcAft>
-              <a:buNone/>
-            </a:pPr>
-            <a:r>
-              <a:rPr lang="en"/>
-              <a:t>Impediments are non-technical problems that are</a:t>
-            </a:r>
-            <a:endParaRPr/>
-          </a:p>
-          <a:p>
-            <a:pPr indent="-342900" lvl="0" marL="457200" rtl="0" algn="l">
-              <a:spcBef>
-                <a:spcPts val="1200"/>
-              </a:spcBef>
-              <a:spcAft>
-                <a:spcPts val="0"/>
-              </a:spcAft>
-              <a:buSzPts val="1800"/>
-              <a:buChar char="●"/>
-            </a:pPr>
-            <a:r>
-              <a:rPr lang="en"/>
-              <a:t>Holding the team and project back</a:t>
-            </a:r>
-            <a:endParaRPr/>
-          </a:p>
-          <a:p>
-            <a:pPr indent="0" lvl="0" marL="0" rtl="0" algn="l">
-              <a:spcBef>
-                <a:spcPts val="1200"/>
-              </a:spcBef>
-              <a:spcAft>
-                <a:spcPts val="0"/>
-              </a:spcAft>
-              <a:buNone/>
-            </a:pPr>
-            <a:r>
-              <a:rPr lang="en"/>
-              <a:t>Improvements are non-technical desires to</a:t>
-            </a:r>
-            <a:endParaRPr/>
-          </a:p>
-          <a:p>
-            <a:pPr indent="-342900" lvl="0" marL="457200" rtl="0" algn="l">
-              <a:spcBef>
-                <a:spcPts val="1200"/>
-              </a:spcBef>
-              <a:spcAft>
-                <a:spcPts val="0"/>
-              </a:spcAft>
-              <a:buSzPts val="1800"/>
-              <a:buChar char="●"/>
-            </a:pPr>
-            <a:r>
-              <a:rPr lang="en"/>
-              <a:t>Improve team performance</a:t>
-            </a:r>
-            <a:endParaRPr/>
-          </a:p>
-          <a:p>
-            <a:pPr indent="0" lvl="0" marL="0" rtl="0" algn="l">
-              <a:spcBef>
-                <a:spcPts val="1200"/>
-              </a:spcBef>
-              <a:spcAft>
-                <a:spcPts val="1200"/>
-              </a:spcAft>
-              <a:buNone/>
-            </a:pPr>
-            <a:r>
-              <a:t/>
-            </a:r>
-            <a:endParaRPr/>
-          </a:p>
-        </p:txBody>
-      </p:sp>
-      <p:sp>
-        <p:nvSpPr>
-          <p:cNvPr id="354" name="Google Shape;354;p54"/>
+          <p:cNvPr id="349" name="Google Shape;349;p54"/>
           <p:cNvSpPr txBox="1"/>
           <p:nvPr>
             <p:ph idx="12" type="sldNum"/>
@@ -23300,6 +22824,34 @@
           </a:p>
         </p:txBody>
       </p:sp>
+      <p:pic>
+        <p:nvPicPr>
+          <p:cNvPr id="350" name="Google Shape;350;p54"/>
+          <p:cNvPicPr preferRelativeResize="0"/>
+          <p:nvPr/>
+        </p:nvPicPr>
+        <p:blipFill>
+          <a:blip r:embed="rId4">
+            <a:alphaModFix/>
+          </a:blip>
+          <a:stretch>
+            <a:fillRect/>
+          </a:stretch>
+        </p:blipFill>
+        <p:spPr>
+          <a:xfrm>
+            <a:off x="274320" y="914400"/>
+            <a:ext cx="8595360" cy="3495446"/>
+          </a:xfrm>
+          <a:prstGeom prst="rect">
+            <a:avLst/>
+          </a:prstGeom>
+          <a:noFill/>
+          <a:ln>
+            <a:noFill/>
+          </a:ln>
+        </p:spPr>
+      </p:pic>
     </p:spTree>
   </p:cSld>
   <p:clrMapOvr>
@@ -23313,7 +22865,7 @@
   <p:cSld>
     <p:spTree>
       <p:nvGrpSpPr>
-        <p:cNvPr id="358" name="Shape 358"/>
+        <p:cNvPr id="354" name="Shape 354"/>
         <p:cNvGrpSpPr/>
         <p:nvPr/>
       </p:nvGrpSpPr>
@@ -23325,34 +22877,242 @@
           <a:chExt cx="0" cy="0"/>
         </a:xfrm>
       </p:grpSpPr>
-      <p:pic>
-        <p:nvPicPr>
-          <p:cNvPr id="359" name="Google Shape;359;p55"/>
-          <p:cNvPicPr preferRelativeResize="0"/>
-          <p:nvPr/>
-        </p:nvPicPr>
-        <p:blipFill>
-          <a:blip r:embed="rId3">
-            <a:alphaModFix/>
-          </a:blip>
-          <a:stretch>
-            <a:fillRect/>
-          </a:stretch>
-        </p:blipFill>
+      <p:sp>
+        <p:nvSpPr>
+          <p:cNvPr id="355" name="Google Shape;355;p55"/>
+          <p:cNvSpPr txBox="1"/>
+          <p:nvPr>
+            <p:ph type="title"/>
+          </p:nvPr>
+        </p:nvSpPr>
         <p:spPr>
           <a:xfrm>
             <a:off x="0" y="0"/>
-            <a:ext cx="9144000" cy="5120639"/>
+            <a:ext cx="9144000" cy="685800"/>
           </a:xfrm>
           <a:prstGeom prst="rect">
             <a:avLst/>
           </a:prstGeom>
-          <a:noFill/>
-          <a:ln>
-            <a:noFill/>
-          </a:ln>
-        </p:spPr>
-      </p:pic>
+        </p:spPr>
+        <p:txBody>
+          <a:bodyPr anchorCtr="0" anchor="ctr" bIns="91425" lIns="274300" spcFirstLastPara="1" rIns="91425" wrap="square" tIns="91425">
+            <a:noAutofit/>
+          </a:bodyPr>
+          <a:lstStyle/>
+          <a:p>
+            <a:pPr indent="0" lvl="0" marL="0" rtl="0" algn="l">
+              <a:spcBef>
+                <a:spcPts val="0"/>
+              </a:spcBef>
+              <a:spcAft>
+                <a:spcPts val="0"/>
+              </a:spcAft>
+              <a:buNone/>
+            </a:pPr>
+            <a:r>
+              <a:rPr lang="en"/>
+              <a:t>The AMOS Project Licenses</a:t>
+            </a:r>
+            <a:endParaRPr/>
+          </a:p>
+        </p:txBody>
+      </p:sp>
+      <p:sp>
+        <p:nvSpPr>
+          <p:cNvPr id="356" name="Google Shape;356;p55"/>
+          <p:cNvSpPr txBox="1"/>
+          <p:nvPr>
+            <p:ph idx="1" type="body"/>
+          </p:nvPr>
+        </p:nvSpPr>
+        <p:spPr>
+          <a:xfrm>
+            <a:off x="274320" y="914400"/>
+            <a:ext cx="8595300" cy="4114800"/>
+          </a:xfrm>
+          <a:prstGeom prst="rect">
+            <a:avLst/>
+          </a:prstGeom>
+        </p:spPr>
+        <p:txBody>
+          <a:bodyPr anchorCtr="0" anchor="t" bIns="0" lIns="0" spcFirstLastPara="1" rIns="0" wrap="square" tIns="0">
+            <a:noAutofit/>
+          </a:bodyPr>
+          <a:lstStyle/>
+          <a:p>
+            <a:pPr indent="0" lvl="0" marL="0" rtl="0" algn="l">
+              <a:spcBef>
+                <a:spcPts val="0"/>
+              </a:spcBef>
+              <a:spcAft>
+                <a:spcPts val="0"/>
+              </a:spcAft>
+              <a:buNone/>
+            </a:pPr>
+            <a:r>
+              <a:rPr lang="en"/>
+              <a:t>For source code, we use the MIT license</a:t>
+            </a:r>
+            <a:endParaRPr/>
+          </a:p>
+          <a:p>
+            <a:pPr indent="-342900" lvl="0" marL="457200" rtl="0" algn="l">
+              <a:spcBef>
+                <a:spcPts val="1200"/>
+              </a:spcBef>
+              <a:spcAft>
+                <a:spcPts val="0"/>
+              </a:spcAft>
+              <a:buSzPts val="1800"/>
+              <a:buChar char="●"/>
+            </a:pPr>
+            <a:r>
+              <a:rPr lang="en"/>
+              <a:t>See </a:t>
+            </a:r>
+            <a:r>
+              <a:rPr lang="en" u="sng">
+                <a:solidFill>
+                  <a:schemeClr val="hlink"/>
+                </a:solidFill>
+                <a:hlinkClick r:id="rId3"/>
+              </a:rPr>
+              <a:t>https://opensource.org/licenses/MIT</a:t>
+            </a:r>
+            <a:r>
+              <a:rPr lang="en"/>
+              <a:t> </a:t>
+            </a:r>
+            <a:endParaRPr/>
+          </a:p>
+          <a:p>
+            <a:pPr indent="0" lvl="0" marL="0" rtl="0" algn="l">
+              <a:spcBef>
+                <a:spcPts val="1200"/>
+              </a:spcBef>
+              <a:spcAft>
+                <a:spcPts val="0"/>
+              </a:spcAft>
+              <a:buNone/>
+            </a:pPr>
+            <a:r>
+              <a:rPr lang="en"/>
+              <a:t>For other data, we use the CC BY 4.0 license</a:t>
+            </a:r>
+            <a:endParaRPr/>
+          </a:p>
+          <a:p>
+            <a:pPr indent="-342900" lvl="0" marL="457200" rtl="0" algn="l">
+              <a:spcBef>
+                <a:spcPts val="1200"/>
+              </a:spcBef>
+              <a:spcAft>
+                <a:spcPts val="0"/>
+              </a:spcAft>
+              <a:buSzPts val="1800"/>
+              <a:buChar char="●"/>
+            </a:pPr>
+            <a:r>
+              <a:rPr lang="en"/>
+              <a:t>See </a:t>
+            </a:r>
+            <a:r>
+              <a:rPr lang="en" u="sng">
+                <a:solidFill>
+                  <a:schemeClr val="hlink"/>
+                </a:solidFill>
+                <a:hlinkClick r:id="rId4"/>
+              </a:rPr>
+              <a:t>https://creativecommons.org/licenses/by/4.0/</a:t>
+            </a:r>
+            <a:r>
+              <a:rPr lang="en"/>
+              <a:t> </a:t>
+            </a:r>
+            <a:endParaRPr/>
+          </a:p>
+          <a:p>
+            <a:pPr indent="0" lvl="0" marL="0" rtl="0" algn="l">
+              <a:spcBef>
+                <a:spcPts val="1200"/>
+              </a:spcBef>
+              <a:spcAft>
+                <a:spcPts val="1200"/>
+              </a:spcAft>
+              <a:buNone/>
+            </a:pPr>
+            <a:r>
+              <a:t/>
+            </a:r>
+            <a:endParaRPr/>
+          </a:p>
+        </p:txBody>
+      </p:sp>
+      <p:sp>
+        <p:nvSpPr>
+          <p:cNvPr id="357" name="Google Shape;357;p55"/>
+          <p:cNvSpPr txBox="1"/>
+          <p:nvPr>
+            <p:ph idx="12" type="sldNum"/>
+          </p:nvPr>
+        </p:nvSpPr>
+        <p:spPr>
+          <a:xfrm>
+            <a:off x="7315202" y="4229100"/>
+            <a:ext cx="1828800" cy="914400"/>
+          </a:xfrm>
+          <a:prstGeom prst="rect">
+            <a:avLst/>
+          </a:prstGeom>
+        </p:spPr>
+        <p:txBody>
+          <a:bodyPr anchorCtr="0" anchor="b" bIns="91425" lIns="91425" spcFirstLastPara="1" rIns="91425" wrap="square" tIns="91425">
+            <a:noAutofit/>
+          </a:bodyPr>
+          <a:lstStyle/>
+          <a:p>
+            <a:pPr indent="0" lvl="0" marL="0" rtl="0" algn="r">
+              <a:spcBef>
+                <a:spcPts val="0"/>
+              </a:spcBef>
+              <a:spcAft>
+                <a:spcPts val="0"/>
+              </a:spcAft>
+              <a:buNone/>
+            </a:pPr>
+            <a:fld id="{00000000-1234-1234-1234-123412341234}" type="slidenum">
+              <a:rPr lang="en"/>
+              <a:t>‹#›</a:t>
+            </a:fld>
+            <a:endParaRPr/>
+          </a:p>
+          <a:p>
+            <a:pPr indent="0" lvl="0" marL="0" rtl="0" algn="r">
+              <a:spcBef>
+                <a:spcPts val="0"/>
+              </a:spcBef>
+              <a:spcAft>
+                <a:spcPts val="0"/>
+              </a:spcAft>
+              <a:buNone/>
+            </a:pPr>
+            <a:r>
+              <a:rPr b="0" lang="en" sz="1000" u="sng">
+                <a:solidFill>
+                  <a:schemeClr val="hlink"/>
+                </a:solidFill>
+                <a:hlinkClick r:id="rId5"/>
+              </a:rPr>
+              <a:t>uni1.de/amos</a:t>
+            </a:r>
+            <a:r>
+              <a:rPr b="0" lang="en" sz="1000"/>
+              <a:t> </a:t>
+            </a:r>
+            <a:endParaRPr b="0" sz="1000"/>
+          </a:p>
+        </p:txBody>
+      </p:sp>
     </p:spTree>
   </p:cSld>
   <p:clrMapOvr>
@@ -23366,7 +23126,7 @@
   <p:cSld>
     <p:spTree>
       <p:nvGrpSpPr>
-        <p:cNvPr id="363" name="Shape 363"/>
+        <p:cNvPr id="361" name="Shape 361"/>
         <p:cNvGrpSpPr/>
         <p:nvPr/>
       </p:nvGrpSpPr>
@@ -23380,7 +23140,7 @@
       </p:grpSpPr>
       <p:sp>
         <p:nvSpPr>
-          <p:cNvPr id="364" name="Google Shape;364;p56"/>
+          <p:cNvPr id="362" name="Google Shape;362;p56"/>
           <p:cNvSpPr txBox="1"/>
           <p:nvPr>
             <p:ph type="title"/>
@@ -23412,7 +23172,7 @@
             </a:pPr>
             <a:r>
               <a:rPr lang="en"/>
-              <a:t>Regular Deliverable: Imp-Squared Backlog</a:t>
+              <a:t>License and Copyright Declaration in Files</a:t>
             </a:r>
             <a:endParaRPr/>
           </a:p>
@@ -23420,7 +23180,7 @@
       </p:sp>
       <p:sp>
         <p:nvSpPr>
-          <p:cNvPr id="365" name="Google Shape;365;p56"/>
+          <p:cNvPr id="363" name="Google Shape;363;p56"/>
           <p:cNvSpPr txBox="1"/>
           <p:nvPr>
             <p:ph idx="1" type="body"/>
@@ -23452,9 +23212,24 @@
             </a:pPr>
             <a:r>
               <a:rPr lang="en"/>
-              <a:t>Please initialize your imp-squared backlog and keep it up-to-date</a:t>
-            </a:r>
-            <a:endParaRPr/>
+              <a:t>Please use the REUSE SOFTWARE [1] format to declare license and copyright</a:t>
+            </a:r>
+            <a:br>
+              <a:rPr lang="en"/>
+            </a:br>
+            <a:br>
+              <a:rPr lang="en" sz="1700"/>
+            </a:br>
+            <a:br>
+              <a:rPr lang="en" sz="1700"/>
+            </a:br>
+            <a:br>
+              <a:rPr lang="en" sz="1700"/>
+            </a:br>
+            <a:br>
+              <a:rPr lang="en" sz="1700"/>
+            </a:br>
+            <a:endParaRPr sz="1700"/>
           </a:p>
           <a:p>
             <a:pPr indent="0" lvl="0" marL="0" rtl="0" algn="l">
@@ -23468,7 +23243,7 @@
             </a:pPr>
             <a:r>
               <a:rPr lang="en"/>
-              <a:t>Commit a screenshot of your imp-squared backlog</a:t>
+              <a:t>Alternatively, just track license and contributors in MIT license file</a:t>
             </a:r>
             <a:endParaRPr/>
           </a:p>
@@ -23476,7 +23251,7 @@
       </p:sp>
       <p:sp>
         <p:nvSpPr>
-          <p:cNvPr id="366" name="Google Shape;366;p56"/>
+          <p:cNvPr id="364" name="Google Shape;364;p56"/>
           <p:cNvSpPr txBox="1"/>
           <p:nvPr>
             <p:ph idx="12" type="sldNum"/>
@@ -23536,6 +23311,176 @@
               <a:t> </a:t>
             </a:r>
             <a:endParaRPr b="0" sz="1000"/>
+          </a:p>
+        </p:txBody>
+      </p:sp>
+      <p:sp>
+        <p:nvSpPr>
+          <p:cNvPr id="365" name="Google Shape;365;p56"/>
+          <p:cNvSpPr txBox="1"/>
+          <p:nvPr/>
+        </p:nvSpPr>
+        <p:spPr>
+          <a:xfrm>
+            <a:off x="0" y="4416552"/>
+            <a:ext cx="7315200" cy="731400"/>
+          </a:xfrm>
+          <a:prstGeom prst="rect">
+            <a:avLst/>
+          </a:prstGeom>
+          <a:noFill/>
+          <a:ln>
+            <a:noFill/>
+          </a:ln>
+        </p:spPr>
+        <p:txBody>
+          <a:bodyPr anchorCtr="0" anchor="b" bIns="91425" lIns="91425" spcFirstLastPara="1" rIns="91425" wrap="square" tIns="91425">
+            <a:noAutofit/>
+          </a:bodyPr>
+          <a:lstStyle/>
+          <a:p>
+            <a:pPr indent="0" lvl="0" marL="0" rtl="0" algn="l">
+              <a:spcBef>
+                <a:spcPts val="0"/>
+              </a:spcBef>
+              <a:spcAft>
+                <a:spcPts val="0"/>
+              </a:spcAft>
+              <a:buNone/>
+            </a:pPr>
+            <a:r>
+              <a:rPr lang="en"/>
+              <a:t>[1] See </a:t>
+            </a:r>
+            <a:r>
+              <a:rPr lang="en" u="sng">
+                <a:solidFill>
+                  <a:schemeClr val="hlink"/>
+                </a:solidFill>
+                <a:hlinkClick r:id="rId4"/>
+              </a:rPr>
+              <a:t>https://reuse.software/</a:t>
+            </a:r>
+            <a:r>
+              <a:rPr lang="en"/>
+              <a:t> </a:t>
+            </a:r>
+            <a:endParaRPr/>
+          </a:p>
+        </p:txBody>
+      </p:sp>
+      <p:sp>
+        <p:nvSpPr>
+          <p:cNvPr id="366" name="Google Shape;366;p56"/>
+          <p:cNvSpPr txBox="1"/>
+          <p:nvPr/>
+        </p:nvSpPr>
+        <p:spPr>
+          <a:xfrm>
+            <a:off x="274320" y="1371600"/>
+            <a:ext cx="8595300" cy="1371600"/>
+          </a:xfrm>
+          <a:prstGeom prst="rect">
+            <a:avLst/>
+          </a:prstGeom>
+          <a:solidFill>
+            <a:schemeClr val="accent1"/>
+          </a:solidFill>
+          <a:ln>
+            <a:noFill/>
+          </a:ln>
+        </p:spPr>
+        <p:txBody>
+          <a:bodyPr anchorCtr="0" anchor="t" bIns="91425" lIns="91425" spcFirstLastPara="1" rIns="91425" wrap="square" tIns="91425">
+            <a:noAutofit/>
+          </a:bodyPr>
+          <a:lstStyle/>
+          <a:p>
+            <a:pPr indent="0" lvl="0" marL="0" rtl="0" algn="l">
+              <a:lnSpc>
+                <a:spcPct val="115000"/>
+              </a:lnSpc>
+              <a:spcBef>
+                <a:spcPts val="0"/>
+              </a:spcBef>
+              <a:spcAft>
+                <a:spcPts val="0"/>
+              </a:spcAft>
+              <a:buNone/>
+            </a:pPr>
+            <a:r>
+              <a:rPr lang="en" sz="1500">
+                <a:latin typeface="Courier New"/>
+                <a:ea typeface="Courier New"/>
+                <a:cs typeface="Courier New"/>
+                <a:sym typeface="Courier New"/>
+              </a:rPr>
+              <a:t>// SPDX-License-Identifier: MIT</a:t>
+            </a:r>
+            <a:endParaRPr sz="1500">
+              <a:latin typeface="Courier New"/>
+              <a:ea typeface="Courier New"/>
+              <a:cs typeface="Courier New"/>
+              <a:sym typeface="Courier New"/>
+            </a:endParaRPr>
+          </a:p>
+          <a:p>
+            <a:pPr indent="0" lvl="0" marL="0" rtl="0" algn="l">
+              <a:lnSpc>
+                <a:spcPct val="115000"/>
+              </a:lnSpc>
+              <a:spcBef>
+                <a:spcPts val="0"/>
+              </a:spcBef>
+              <a:spcAft>
+                <a:spcPts val="0"/>
+              </a:spcAft>
+              <a:buNone/>
+            </a:pPr>
+            <a:r>
+              <a:rPr lang="en" sz="1500">
+                <a:latin typeface="Courier New"/>
+                <a:ea typeface="Courier New"/>
+                <a:cs typeface="Courier New"/>
+                <a:sym typeface="Courier New"/>
+              </a:rPr>
+              <a:t>// SPDX-FileCopyrightText: 2010-2021 Dirk Riehle &lt;dirk@riehle.org&gt;</a:t>
+            </a:r>
+            <a:endParaRPr sz="1500">
+              <a:latin typeface="Courier New"/>
+              <a:ea typeface="Courier New"/>
+              <a:cs typeface="Courier New"/>
+              <a:sym typeface="Courier New"/>
+            </a:endParaRPr>
+          </a:p>
+          <a:p>
+            <a:pPr indent="0" lvl="0" marL="0" rtl="0" algn="l">
+              <a:lnSpc>
+                <a:spcPct val="115000"/>
+              </a:lnSpc>
+              <a:spcBef>
+                <a:spcPts val="0"/>
+              </a:spcBef>
+              <a:spcAft>
+                <a:spcPts val="0"/>
+              </a:spcAft>
+              <a:buNone/>
+            </a:pPr>
+            <a:r>
+              <a:rPr lang="en" sz="1500">
+                <a:latin typeface="Courier New"/>
+                <a:ea typeface="Courier New"/>
+                <a:cs typeface="Courier New"/>
+                <a:sym typeface="Courier New"/>
+              </a:rPr>
+              <a:t>// SPDX-FileCopyrightText: 2019 Georg Schwarz &lt;georg.schwarz@fau.de&gt;</a:t>
+            </a:r>
+            <a:endParaRPr sz="1500">
+              <a:latin typeface="Courier New"/>
+              <a:ea typeface="Courier New"/>
+              <a:cs typeface="Courier New"/>
+              <a:sym typeface="Courier New"/>
+            </a:endParaRPr>
           </a:p>
         </p:txBody>
       </p:sp>
@@ -23778,37 +23723,270 @@
         </p:nvSpPr>
         <p:spPr>
           <a:xfrm>
-            <a:off x="0" y="-7"/>
-            <a:ext cx="9144000" cy="2386500"/>
+            <a:off x="0" y="0"/>
+            <a:ext cx="9144000" cy="685800"/>
           </a:xfrm>
           <a:prstGeom prst="rect">
             <a:avLst/>
           </a:prstGeom>
         </p:spPr>
         <p:txBody>
-          <a:bodyPr anchorCtr="0" anchor="b" bIns="274300" lIns="91425" spcFirstLastPara="1" rIns="91425" wrap="square" tIns="91425">
+          <a:bodyPr anchorCtr="0" anchor="ctr" bIns="91425" lIns="274300" spcFirstLastPara="1" rIns="91425" wrap="square" tIns="91425">
             <a:noAutofit/>
           </a:bodyPr>
           <a:lstStyle/>
           <a:p>
-            <a:pPr indent="0" lvl="0" marL="0" rtl="0" algn="ctr">
-              <a:spcBef>
-                <a:spcPts val="0"/>
-              </a:spcBef>
-              <a:spcAft>
-                <a:spcPts val="0"/>
-              </a:spcAft>
-              <a:buNone/>
-            </a:pPr>
-            <a:r>
-              <a:rPr lang="en"/>
-              <a:t>8</a:t>
-            </a:r>
-            <a:r>
-              <a:rPr lang="en"/>
-              <a:t>. Stand-up Emails</a:t>
-            </a:r>
-            <a:endParaRPr/>
+            <a:pPr indent="0" lvl="0" marL="0" rtl="0" algn="l">
+              <a:spcBef>
+                <a:spcPts val="0"/>
+              </a:spcBef>
+              <a:spcAft>
+                <a:spcPts val="0"/>
+              </a:spcAft>
+              <a:buNone/>
+            </a:pPr>
+            <a:r>
+              <a:rPr lang="en"/>
+              <a:t>Open Source Governance</a:t>
+            </a:r>
+            <a:endParaRPr/>
+          </a:p>
+        </p:txBody>
+      </p:sp>
+      <p:sp>
+        <p:nvSpPr>
+          <p:cNvPr id="372" name="Google Shape;372;p57"/>
+          <p:cNvSpPr txBox="1"/>
+          <p:nvPr>
+            <p:ph idx="1" type="body"/>
+          </p:nvPr>
+        </p:nvSpPr>
+        <p:spPr>
+          <a:xfrm>
+            <a:off x="274320" y="914400"/>
+            <a:ext cx="8595300" cy="4114800"/>
+          </a:xfrm>
+          <a:prstGeom prst="rect">
+            <a:avLst/>
+          </a:prstGeom>
+        </p:spPr>
+        <p:txBody>
+          <a:bodyPr anchorCtr="0" anchor="t" bIns="0" lIns="0" spcFirstLastPara="1" rIns="0" wrap="square" tIns="0">
+            <a:noAutofit/>
+          </a:bodyPr>
+          <a:lstStyle/>
+          <a:p>
+            <a:pPr indent="0" lvl="0" marL="0" rtl="0" algn="l">
+              <a:spcBef>
+                <a:spcPts val="0"/>
+              </a:spcBef>
+              <a:spcAft>
+                <a:spcPts val="0"/>
+              </a:spcAft>
+              <a:buNone/>
+            </a:pPr>
+            <a:r>
+              <a:rPr lang="en"/>
+              <a:t>Do not add copyleft-licensed libraries to your project</a:t>
+            </a:r>
+            <a:endParaRPr/>
+          </a:p>
+          <a:p>
+            <a:pPr indent="0" lvl="0" marL="0" rtl="0" algn="l">
+              <a:spcBef>
+                <a:spcPts val="1200"/>
+              </a:spcBef>
+              <a:spcAft>
+                <a:spcPts val="0"/>
+              </a:spcAft>
+              <a:buNone/>
+            </a:pPr>
+            <a:r>
+              <a:rPr lang="en"/>
+              <a:t>Follow these rules of thumb on license choice</a:t>
+            </a:r>
+            <a:endParaRPr/>
+          </a:p>
+          <a:p>
+            <a:pPr indent="-342900" lvl="0" marL="457200" rtl="0" algn="l">
+              <a:spcBef>
+                <a:spcPts val="1200"/>
+              </a:spcBef>
+              <a:spcAft>
+                <a:spcPts val="0"/>
+              </a:spcAft>
+              <a:buSzPts val="1800"/>
+              <a:buChar char="●"/>
+            </a:pPr>
+            <a:r>
+              <a:rPr lang="en">
+                <a:highlight>
+                  <a:srgbClr val="D9EAD3"/>
+                </a:highlight>
+              </a:rPr>
+              <a:t>OK: Permissive licenses (MIT, BSD, Apache)</a:t>
+            </a:r>
+            <a:endParaRPr>
+              <a:highlight>
+                <a:srgbClr val="D9EAD3"/>
+              </a:highlight>
+            </a:endParaRPr>
+          </a:p>
+          <a:p>
+            <a:pPr indent="-342900" lvl="0" marL="457200" rtl="0" algn="l">
+              <a:spcBef>
+                <a:spcPts val="0"/>
+              </a:spcBef>
+              <a:spcAft>
+                <a:spcPts val="0"/>
+              </a:spcAft>
+              <a:buSzPts val="1800"/>
+              <a:buChar char="●"/>
+            </a:pPr>
+            <a:r>
+              <a:rPr lang="en">
+                <a:highlight>
+                  <a:srgbClr val="FFF2CC"/>
+                </a:highlight>
+              </a:rPr>
+              <a:t>May be OK: Weakly protective (a.k.a. “weak copyleft”)</a:t>
+            </a:r>
+            <a:endParaRPr>
+              <a:highlight>
+                <a:srgbClr val="FFF2CC"/>
+              </a:highlight>
+            </a:endParaRPr>
+          </a:p>
+          <a:p>
+            <a:pPr indent="-342900" lvl="0" marL="457200" rtl="0" algn="l">
+              <a:spcBef>
+                <a:spcPts val="0"/>
+              </a:spcBef>
+              <a:spcAft>
+                <a:spcPts val="0"/>
+              </a:spcAft>
+              <a:buSzPts val="1800"/>
+              <a:buChar char="●"/>
+            </a:pPr>
+            <a:r>
+              <a:rPr lang="en">
+                <a:highlight>
+                  <a:srgbClr val="F4CCCC"/>
+                </a:highlight>
+              </a:rPr>
+              <a:t>Usually not OK: Strongly protective (a.k.a. “reciprocal” or “copyleft”)</a:t>
+            </a:r>
+            <a:endParaRPr>
+              <a:highlight>
+                <a:srgbClr val="F4CCCC"/>
+              </a:highlight>
+            </a:endParaRPr>
+          </a:p>
+          <a:p>
+            <a:pPr indent="-342900" lvl="0" marL="457200" rtl="0" algn="l">
+              <a:spcBef>
+                <a:spcPts val="0"/>
+              </a:spcBef>
+              <a:spcAft>
+                <a:spcPts val="0"/>
+              </a:spcAft>
+              <a:buSzPts val="1800"/>
+              <a:buChar char="●"/>
+            </a:pPr>
+            <a:r>
+              <a:rPr lang="en">
+                <a:highlight>
+                  <a:srgbClr val="CCCCCC"/>
+                </a:highlight>
+              </a:rPr>
+              <a:t>Never OK: Non-software licenses, no license</a:t>
+            </a:r>
+            <a:endParaRPr>
+              <a:highlight>
+                <a:srgbClr val="CCCCCC"/>
+              </a:highlight>
+            </a:endParaRPr>
+          </a:p>
+          <a:p>
+            <a:pPr indent="0" lvl="0" marL="0" rtl="0" algn="l">
+              <a:spcBef>
+                <a:spcPts val="1200"/>
+              </a:spcBef>
+              <a:spcAft>
+                <a:spcPts val="1200"/>
+              </a:spcAft>
+              <a:buNone/>
+            </a:pPr>
+            <a:r>
+              <a:rPr lang="en"/>
+              <a:t>Professionals (i.e. companies) use code scanners to check</a:t>
+            </a:r>
+            <a:endParaRPr/>
+          </a:p>
+        </p:txBody>
+      </p:sp>
+      <p:sp>
+        <p:nvSpPr>
+          <p:cNvPr id="373" name="Google Shape;373;p57"/>
+          <p:cNvSpPr txBox="1"/>
+          <p:nvPr>
+            <p:ph idx="12" type="sldNum"/>
+          </p:nvPr>
+        </p:nvSpPr>
+        <p:spPr>
+          <a:xfrm>
+            <a:off x="7315202" y="4229100"/>
+            <a:ext cx="1828800" cy="914400"/>
+          </a:xfrm>
+          <a:prstGeom prst="rect">
+            <a:avLst/>
+          </a:prstGeom>
+        </p:spPr>
+        <p:txBody>
+          <a:bodyPr anchorCtr="0" anchor="b" bIns="91425" lIns="91425" spcFirstLastPara="1" rIns="91425" wrap="square" tIns="91425">
+            <a:noAutofit/>
+          </a:bodyPr>
+          <a:lstStyle/>
+          <a:p>
+            <a:pPr indent="0" lvl="0" marL="0" rtl="0" algn="r">
+              <a:spcBef>
+                <a:spcPts val="0"/>
+              </a:spcBef>
+              <a:spcAft>
+                <a:spcPts val="0"/>
+              </a:spcAft>
+              <a:buNone/>
+            </a:pPr>
+            <a:fld id="{00000000-1234-1234-1234-123412341234}" type="slidenum">
+              <a:rPr lang="en"/>
+              <a:t>‹#›</a:t>
+            </a:fld>
+            <a:endParaRPr/>
+          </a:p>
+          <a:p>
+            <a:pPr indent="0" lvl="0" marL="0" rtl="0" algn="r">
+              <a:spcBef>
+                <a:spcPts val="0"/>
+              </a:spcBef>
+              <a:spcAft>
+                <a:spcPts val="0"/>
+              </a:spcAft>
+              <a:buNone/>
+            </a:pPr>
+            <a:r>
+              <a:rPr b="0" lang="en" sz="1000" u="sng">
+                <a:solidFill>
+                  <a:schemeClr val="hlink"/>
+                </a:solidFill>
+                <a:hlinkClick r:id="rId3"/>
+              </a:rPr>
+              <a:t>uni1.de/amos</a:t>
+            </a:r>
+            <a:r>
+              <a:rPr b="0" lang="en" sz="1000"/>
+              <a:t> </a:t>
+            </a:r>
+            <a:endParaRPr b="0" sz="1000"/>
           </a:p>
         </p:txBody>
       </p:sp>
@@ -23825,7 +24003,7 @@
   <p:cSld>
     <p:spTree>
       <p:nvGrpSpPr>
-        <p:cNvPr id="375" name="Shape 375"/>
+        <p:cNvPr id="377" name="Shape 377"/>
         <p:cNvGrpSpPr/>
         <p:nvPr/>
       </p:nvGrpSpPr>
@@ -23839,7 +24017,7 @@
       </p:grpSpPr>
       <p:sp>
         <p:nvSpPr>
-          <p:cNvPr id="376" name="Google Shape;376;p58"/>
+          <p:cNvPr id="378" name="Google Shape;378;p58"/>
           <p:cNvSpPr txBox="1"/>
           <p:nvPr>
             <p:ph type="title"/>
@@ -23847,278 +24025,37 @@
         </p:nvSpPr>
         <p:spPr>
           <a:xfrm>
-            <a:off x="0" y="0"/>
-            <a:ext cx="9144000" cy="685800"/>
+            <a:off x="0" y="-7"/>
+            <a:ext cx="9144000" cy="2386500"/>
           </a:xfrm>
           <a:prstGeom prst="rect">
             <a:avLst/>
           </a:prstGeom>
         </p:spPr>
         <p:txBody>
-          <a:bodyPr anchorCtr="0" anchor="ctr" bIns="91425" lIns="274300" spcFirstLastPara="1" rIns="91425" wrap="square" tIns="91425">
+          <a:bodyPr anchorCtr="0" anchor="b" bIns="274300" lIns="91425" spcFirstLastPara="1" rIns="91425" wrap="square" tIns="91425">
             <a:noAutofit/>
           </a:bodyPr>
           <a:lstStyle/>
           <a:p>
-            <a:pPr indent="0" lvl="0" marL="0" rtl="0" algn="l">
-              <a:spcBef>
-                <a:spcPts val="0"/>
-              </a:spcBef>
-              <a:spcAft>
-                <a:spcPts val="0"/>
-              </a:spcAft>
-              <a:buNone/>
-            </a:pPr>
-            <a:r>
-              <a:rPr lang="en"/>
-              <a:t>Stand-up Emails</a:t>
-            </a:r>
-            <a:endParaRPr/>
-          </a:p>
-        </p:txBody>
-      </p:sp>
-      <p:sp>
-        <p:nvSpPr>
-          <p:cNvPr id="377" name="Google Shape;377;p58"/>
-          <p:cNvSpPr txBox="1"/>
-          <p:nvPr>
-            <p:ph idx="1" type="body"/>
-          </p:nvPr>
-        </p:nvSpPr>
-        <p:spPr>
-          <a:xfrm>
-            <a:off x="274320" y="914400"/>
-            <a:ext cx="8595300" cy="4114800"/>
-          </a:xfrm>
-          <a:prstGeom prst="rect">
-            <a:avLst/>
-          </a:prstGeom>
-        </p:spPr>
-        <p:txBody>
-          <a:bodyPr anchorCtr="0" anchor="t" bIns="0" lIns="0" spcFirstLastPara="1" rIns="0" wrap="square" tIns="0">
-            <a:noAutofit/>
-          </a:bodyPr>
-          <a:lstStyle/>
-          <a:p>
-            <a:pPr indent="0" lvl="0" marL="0" rtl="0" algn="l">
-              <a:spcBef>
-                <a:spcPts val="0"/>
-              </a:spcBef>
-              <a:spcAft>
-                <a:spcPts val="0"/>
-              </a:spcAft>
-              <a:buNone/>
-            </a:pPr>
-            <a:r>
-              <a:rPr lang="en"/>
-              <a:t>Stand-up emails are a communication mechanism that serves to</a:t>
-            </a:r>
-            <a:endParaRPr/>
-          </a:p>
-          <a:p>
-            <a:pPr indent="-342900" lvl="0" marL="457200" rtl="0" algn="l">
-              <a:spcBef>
-                <a:spcPts val="1200"/>
-              </a:spcBef>
-              <a:spcAft>
-                <a:spcPts val="0"/>
-              </a:spcAft>
-              <a:buSzPts val="1800"/>
-              <a:buChar char="●"/>
-            </a:pPr>
-            <a:r>
-              <a:rPr lang="en"/>
-              <a:t>Ensure regular updates about each other’s work state / progress</a:t>
-            </a:r>
-            <a:endParaRPr/>
-          </a:p>
-          <a:p>
-            <a:pPr indent="0" lvl="0" marL="0" rtl="0" algn="l">
-              <a:spcBef>
-                <a:spcPts val="1200"/>
-              </a:spcBef>
-              <a:spcAft>
-                <a:spcPts val="0"/>
-              </a:spcAft>
-              <a:buNone/>
-            </a:pPr>
-            <a:r>
-              <a:rPr lang="en"/>
-              <a:t>When writing a stand-up email, please consider these three topics</a:t>
-            </a:r>
-            <a:endParaRPr/>
-          </a:p>
-          <a:p>
-            <a:pPr indent="-342900" lvl="0" marL="457200" rtl="0" algn="l">
-              <a:spcBef>
-                <a:spcPts val="1200"/>
-              </a:spcBef>
-              <a:spcAft>
-                <a:spcPts val="0"/>
-              </a:spcAft>
-              <a:buSzPts val="1800"/>
-              <a:buAutoNum type="arabicPeriod"/>
-            </a:pPr>
-            <a:r>
-              <a:rPr lang="en"/>
-              <a:t>What did </a:t>
-            </a:r>
-            <a:r>
-              <a:rPr lang="en"/>
-              <a:t>you</a:t>
-            </a:r>
-            <a:r>
-              <a:rPr lang="en"/>
-              <a:t> get done since you last sent a stand-up email?</a:t>
-            </a:r>
-            <a:endParaRPr/>
-          </a:p>
-          <a:p>
-            <a:pPr indent="-342900" lvl="0" marL="457200" rtl="0" algn="l">
-              <a:spcBef>
-                <a:spcPts val="0"/>
-              </a:spcBef>
-              <a:spcAft>
-                <a:spcPts val="0"/>
-              </a:spcAft>
-              <a:buSzPts val="1800"/>
-              <a:buAutoNum type="arabicPeriod"/>
-            </a:pPr>
-            <a:r>
-              <a:rPr lang="en"/>
-              <a:t>What are your next steps / plans of work to do?</a:t>
-            </a:r>
-            <a:endParaRPr/>
-          </a:p>
-          <a:p>
-            <a:pPr indent="-342900" lvl="0" marL="457200" rtl="0" algn="l">
-              <a:spcBef>
-                <a:spcPts val="0"/>
-              </a:spcBef>
-              <a:spcAft>
-                <a:spcPts val="0"/>
-              </a:spcAft>
-              <a:buSzPts val="1800"/>
-              <a:buAutoNum type="arabicPeriod"/>
-            </a:pPr>
-            <a:r>
-              <a:rPr lang="en"/>
-              <a:t>What challenges are you facing?</a:t>
-            </a:r>
-            <a:endParaRPr/>
-          </a:p>
-          <a:p>
-            <a:pPr indent="0" lvl="0" marL="0" rtl="0" algn="l">
-              <a:spcBef>
-                <a:spcPts val="1200"/>
-              </a:spcBef>
-              <a:spcAft>
-                <a:spcPts val="0"/>
-              </a:spcAft>
-              <a:buNone/>
-            </a:pPr>
-            <a:r>
-              <a:rPr lang="en"/>
-              <a:t>Separate from the stand-up emails, feel free to</a:t>
-            </a:r>
-            <a:endParaRPr/>
-          </a:p>
-          <a:p>
-            <a:pPr indent="-342900" lvl="0" marL="457200" rtl="0" algn="l">
-              <a:spcBef>
-                <a:spcPts val="1200"/>
-              </a:spcBef>
-              <a:spcAft>
-                <a:spcPts val="0"/>
-              </a:spcAft>
-              <a:buSzPts val="1800"/>
-              <a:buChar char="●"/>
-            </a:pPr>
-            <a:r>
-              <a:rPr lang="en"/>
-              <a:t>Have your own communication channels</a:t>
-            </a:r>
-            <a:endParaRPr/>
-          </a:p>
-          <a:p>
-            <a:pPr indent="0" lvl="0" marL="0" rtl="0" algn="l">
-              <a:spcBef>
-                <a:spcPts val="1200"/>
-              </a:spcBef>
-              <a:spcAft>
-                <a:spcPts val="1200"/>
-              </a:spcAft>
-              <a:buNone/>
-            </a:pPr>
-            <a:r>
-              <a:t/>
-            </a:r>
-            <a:endParaRPr/>
-          </a:p>
-        </p:txBody>
-      </p:sp>
-      <p:sp>
-        <p:nvSpPr>
-          <p:cNvPr id="378" name="Google Shape;378;p58"/>
-          <p:cNvSpPr txBox="1"/>
-          <p:nvPr>
-            <p:ph idx="12" type="sldNum"/>
-          </p:nvPr>
-        </p:nvSpPr>
-        <p:spPr>
-          <a:xfrm>
-            <a:off x="7315202" y="4229100"/>
-            <a:ext cx="1828800" cy="914400"/>
-          </a:xfrm>
-          <a:prstGeom prst="rect">
-            <a:avLst/>
-          </a:prstGeom>
-        </p:spPr>
-        <p:txBody>
-          <a:bodyPr anchorCtr="0" anchor="b" bIns="91425" lIns="91425" spcFirstLastPara="1" rIns="91425" wrap="square" tIns="91425">
-            <a:noAutofit/>
-          </a:bodyPr>
-          <a:lstStyle/>
-          <a:p>
-            <a:pPr indent="0" lvl="0" marL="0" rtl="0" algn="r">
-              <a:spcBef>
-                <a:spcPts val="0"/>
-              </a:spcBef>
-              <a:spcAft>
-                <a:spcPts val="0"/>
-              </a:spcAft>
-              <a:buNone/>
-            </a:pPr>
-            <a:fld id="{00000000-1234-1234-1234-123412341234}" type="slidenum">
-              <a:rPr lang="en"/>
-              <a:t>‹#›</a:t>
-            </a:fld>
-            <a:endParaRPr/>
-          </a:p>
-          <a:p>
-            <a:pPr indent="0" lvl="0" marL="0" rtl="0" algn="r">
-              <a:spcBef>
-                <a:spcPts val="0"/>
-              </a:spcBef>
-              <a:spcAft>
-                <a:spcPts val="0"/>
-              </a:spcAft>
-              <a:buNone/>
-            </a:pPr>
-            <a:r>
-              <a:rPr b="0" lang="en" sz="1000" u="sng">
-                <a:solidFill>
-                  <a:schemeClr val="hlink"/>
-                </a:solidFill>
-                <a:hlinkClick r:id="rId3"/>
-              </a:rPr>
-              <a:t>uni1.de/amos</a:t>
-            </a:r>
-            <a:r>
-              <a:rPr b="0" lang="en" sz="1000"/>
-              <a:t> </a:t>
-            </a:r>
-            <a:endParaRPr b="0" sz="1000"/>
+            <a:pPr indent="0" lvl="0" marL="0" rtl="0" algn="ctr">
+              <a:spcBef>
+                <a:spcPts val="0"/>
+              </a:spcBef>
+              <a:spcAft>
+                <a:spcPts val="0"/>
+              </a:spcAft>
+              <a:buNone/>
+            </a:pPr>
+            <a:r>
+              <a:rPr lang="en"/>
+              <a:t>8</a:t>
+            </a:r>
+            <a:r>
+              <a:rPr lang="en"/>
+              <a:t>. Stand-up Emails</a:t>
+            </a:r>
+            <a:endParaRPr/>
           </a:p>
         </p:txBody>
       </p:sp>
@@ -24181,6 +24118,316 @@
             </a:pPr>
             <a:r>
               <a:rPr lang="en"/>
+              <a:t>Stand-up Emails</a:t>
+            </a:r>
+            <a:endParaRPr/>
+          </a:p>
+        </p:txBody>
+      </p:sp>
+      <p:sp>
+        <p:nvSpPr>
+          <p:cNvPr id="384" name="Google Shape;384;p59"/>
+          <p:cNvSpPr txBox="1"/>
+          <p:nvPr>
+            <p:ph idx="1" type="body"/>
+          </p:nvPr>
+        </p:nvSpPr>
+        <p:spPr>
+          <a:xfrm>
+            <a:off x="274320" y="914400"/>
+            <a:ext cx="8595300" cy="4114800"/>
+          </a:xfrm>
+          <a:prstGeom prst="rect">
+            <a:avLst/>
+          </a:prstGeom>
+        </p:spPr>
+        <p:txBody>
+          <a:bodyPr anchorCtr="0" anchor="t" bIns="0" lIns="0" spcFirstLastPara="1" rIns="0" wrap="square" tIns="0">
+            <a:noAutofit/>
+          </a:bodyPr>
+          <a:lstStyle/>
+          <a:p>
+            <a:pPr indent="0" lvl="0" marL="0" rtl="0" algn="l">
+              <a:spcBef>
+                <a:spcPts val="0"/>
+              </a:spcBef>
+              <a:spcAft>
+                <a:spcPts val="0"/>
+              </a:spcAft>
+              <a:buNone/>
+            </a:pPr>
+            <a:r>
+              <a:rPr lang="en"/>
+              <a:t>Stand-up emails are a communication mechanism that serves to</a:t>
+            </a:r>
+            <a:endParaRPr/>
+          </a:p>
+          <a:p>
+            <a:pPr indent="-342900" lvl="0" marL="457200" rtl="0" algn="l">
+              <a:spcBef>
+                <a:spcPts val="1200"/>
+              </a:spcBef>
+              <a:spcAft>
+                <a:spcPts val="0"/>
+              </a:spcAft>
+              <a:buSzPts val="1800"/>
+              <a:buChar char="●"/>
+            </a:pPr>
+            <a:r>
+              <a:rPr lang="en"/>
+              <a:t>Ensure regular updates about each other’s work state / progress</a:t>
+            </a:r>
+            <a:endParaRPr/>
+          </a:p>
+          <a:p>
+            <a:pPr indent="0" lvl="0" marL="0" rtl="0" algn="l">
+              <a:spcBef>
+                <a:spcPts val="1200"/>
+              </a:spcBef>
+              <a:spcAft>
+                <a:spcPts val="0"/>
+              </a:spcAft>
+              <a:buNone/>
+            </a:pPr>
+            <a:r>
+              <a:rPr lang="en"/>
+              <a:t>When writing a stand-up email, please consider these three topics</a:t>
+            </a:r>
+            <a:endParaRPr/>
+          </a:p>
+          <a:p>
+            <a:pPr indent="-342900" lvl="0" marL="457200" rtl="0" algn="l">
+              <a:spcBef>
+                <a:spcPts val="1200"/>
+              </a:spcBef>
+              <a:spcAft>
+                <a:spcPts val="0"/>
+              </a:spcAft>
+              <a:buSzPts val="1800"/>
+              <a:buAutoNum type="arabicPeriod"/>
+            </a:pPr>
+            <a:r>
+              <a:rPr lang="en"/>
+              <a:t>What did </a:t>
+            </a:r>
+            <a:r>
+              <a:rPr lang="en"/>
+              <a:t>you</a:t>
+            </a:r>
+            <a:r>
+              <a:rPr lang="en"/>
+              <a:t> get done since you last sent a stand-up email?</a:t>
+            </a:r>
+            <a:endParaRPr/>
+          </a:p>
+          <a:p>
+            <a:pPr indent="-342900" lvl="0" marL="457200" rtl="0" algn="l">
+              <a:spcBef>
+                <a:spcPts val="0"/>
+              </a:spcBef>
+              <a:spcAft>
+                <a:spcPts val="0"/>
+              </a:spcAft>
+              <a:buSzPts val="1800"/>
+              <a:buAutoNum type="arabicPeriod"/>
+            </a:pPr>
+            <a:r>
+              <a:rPr lang="en"/>
+              <a:t>What are your next steps / plans of work to do?</a:t>
+            </a:r>
+            <a:endParaRPr/>
+          </a:p>
+          <a:p>
+            <a:pPr indent="-342900" lvl="0" marL="457200" rtl="0" algn="l">
+              <a:spcBef>
+                <a:spcPts val="0"/>
+              </a:spcBef>
+              <a:spcAft>
+                <a:spcPts val="0"/>
+              </a:spcAft>
+              <a:buSzPts val="1800"/>
+              <a:buAutoNum type="arabicPeriod"/>
+            </a:pPr>
+            <a:r>
+              <a:rPr lang="en"/>
+              <a:t>What challenges are you facing?</a:t>
+            </a:r>
+            <a:endParaRPr/>
+          </a:p>
+          <a:p>
+            <a:pPr indent="0" lvl="0" marL="0" rtl="0" algn="l">
+              <a:spcBef>
+                <a:spcPts val="1200"/>
+              </a:spcBef>
+              <a:spcAft>
+                <a:spcPts val="0"/>
+              </a:spcAft>
+              <a:buNone/>
+            </a:pPr>
+            <a:r>
+              <a:rPr lang="en"/>
+              <a:t>Separate from the stand-up emails, feel free to</a:t>
+            </a:r>
+            <a:endParaRPr/>
+          </a:p>
+          <a:p>
+            <a:pPr indent="-342900" lvl="0" marL="457200" rtl="0" algn="l">
+              <a:spcBef>
+                <a:spcPts val="1200"/>
+              </a:spcBef>
+              <a:spcAft>
+                <a:spcPts val="0"/>
+              </a:spcAft>
+              <a:buSzPts val="1800"/>
+              <a:buChar char="●"/>
+            </a:pPr>
+            <a:r>
+              <a:rPr lang="en"/>
+              <a:t>Have your own communication channels</a:t>
+            </a:r>
+            <a:endParaRPr/>
+          </a:p>
+          <a:p>
+            <a:pPr indent="0" lvl="0" marL="0" rtl="0" algn="l">
+              <a:spcBef>
+                <a:spcPts val="1200"/>
+              </a:spcBef>
+              <a:spcAft>
+                <a:spcPts val="1200"/>
+              </a:spcAft>
+              <a:buNone/>
+            </a:pPr>
+            <a:r>
+              <a:t/>
+            </a:r>
+            <a:endParaRPr/>
+          </a:p>
+        </p:txBody>
+      </p:sp>
+      <p:sp>
+        <p:nvSpPr>
+          <p:cNvPr id="385" name="Google Shape;385;p59"/>
+          <p:cNvSpPr txBox="1"/>
+          <p:nvPr>
+            <p:ph idx="12" type="sldNum"/>
+          </p:nvPr>
+        </p:nvSpPr>
+        <p:spPr>
+          <a:xfrm>
+            <a:off x="7315202" y="4229100"/>
+            <a:ext cx="1828800" cy="914400"/>
+          </a:xfrm>
+          <a:prstGeom prst="rect">
+            <a:avLst/>
+          </a:prstGeom>
+        </p:spPr>
+        <p:txBody>
+          <a:bodyPr anchorCtr="0" anchor="b" bIns="91425" lIns="91425" spcFirstLastPara="1" rIns="91425" wrap="square" tIns="91425">
+            <a:noAutofit/>
+          </a:bodyPr>
+          <a:lstStyle/>
+          <a:p>
+            <a:pPr indent="0" lvl="0" marL="0" rtl="0" algn="r">
+              <a:spcBef>
+                <a:spcPts val="0"/>
+              </a:spcBef>
+              <a:spcAft>
+                <a:spcPts val="0"/>
+              </a:spcAft>
+              <a:buNone/>
+            </a:pPr>
+            <a:fld id="{00000000-1234-1234-1234-123412341234}" type="slidenum">
+              <a:rPr lang="en"/>
+              <a:t>‹#›</a:t>
+            </a:fld>
+            <a:endParaRPr/>
+          </a:p>
+          <a:p>
+            <a:pPr indent="0" lvl="0" marL="0" rtl="0" algn="r">
+              <a:spcBef>
+                <a:spcPts val="0"/>
+              </a:spcBef>
+              <a:spcAft>
+                <a:spcPts val="0"/>
+              </a:spcAft>
+              <a:buNone/>
+            </a:pPr>
+            <a:r>
+              <a:rPr b="0" lang="en" sz="1000" u="sng">
+                <a:solidFill>
+                  <a:schemeClr val="hlink"/>
+                </a:solidFill>
+                <a:hlinkClick r:id="rId3"/>
+              </a:rPr>
+              <a:t>uni1.de/amos</a:t>
+            </a:r>
+            <a:r>
+              <a:rPr b="0" lang="en" sz="1000"/>
+              <a:t> </a:t>
+            </a:r>
+            <a:endParaRPr b="0" sz="1000"/>
+          </a:p>
+        </p:txBody>
+      </p:sp>
+    </p:spTree>
+  </p:cSld>
+  <p:clrMapOvr>
+    <a:masterClrMapping/>
+  </p:clrMapOvr>
+</p:sld>
+</file>
+
+<file path=ppt/slides/slide53.xml><?xml version="1.0" encoding="utf-8"?>
+<p:sld xmlns:a="http://schemas.openxmlformats.org/drawingml/2006/main" xmlns:r="http://schemas.openxmlformats.org/officeDocument/2006/relationships" xmlns:mc="http://schemas.openxmlformats.org/markup-compatibility/2006" xmlns:mv="urn:schemas-microsoft-com:mac:vml" xmlns:p="http://schemas.openxmlformats.org/presentationml/2006/main" xmlns:c="http://schemas.openxmlformats.org/drawingml/2006/chart" xmlns:dgm="http://schemas.openxmlformats.org/drawingml/2006/diagram" xmlns:o="urn:schemas-microsoft-com:office:office" xmlns:v="urn:schemas-microsoft-com:vml" xmlns:pvml="urn:schemas-microsoft-com:office:powerpoint" xmlns:com="http://schemas.openxmlformats.org/drawingml/2006/compatibility" xmlns:p14="http://schemas.microsoft.com/office/powerpoint/2010/main" xmlns:p15="http://schemas.microsoft.com/office/powerpoint/2012/main" xmlns:ahyp="http://schemas.microsoft.com/office/drawing/2018/hyperlinkcolor">
+  <p:cSld>
+    <p:spTree>
+      <p:nvGrpSpPr>
+        <p:cNvPr id="389" name="Shape 389"/>
+        <p:cNvGrpSpPr/>
+        <p:nvPr/>
+      </p:nvGrpSpPr>
+      <p:grpSpPr>
+        <a:xfrm>
+          <a:off x="0" y="0"/>
+          <a:ext cx="0" cy="0"/>
+          <a:chOff x="0" y="0"/>
+          <a:chExt cx="0" cy="0"/>
+        </a:xfrm>
+      </p:grpSpPr>
+      <p:sp>
+        <p:nvSpPr>
+          <p:cNvPr id="390" name="Google Shape;390;p60"/>
+          <p:cNvSpPr txBox="1"/>
+          <p:nvPr>
+            <p:ph type="title"/>
+          </p:nvPr>
+        </p:nvSpPr>
+        <p:spPr>
+          <a:xfrm>
+            <a:off x="0" y="0"/>
+            <a:ext cx="9144000" cy="685800"/>
+          </a:xfrm>
+          <a:prstGeom prst="rect">
+            <a:avLst/>
+          </a:prstGeom>
+        </p:spPr>
+        <p:txBody>
+          <a:bodyPr anchorCtr="0" anchor="ctr" bIns="91425" lIns="274300" spcFirstLastPara="1" rIns="91425" wrap="square" tIns="91425">
+            <a:noAutofit/>
+          </a:bodyPr>
+          <a:lstStyle/>
+          <a:p>
+            <a:pPr indent="0" lvl="0" marL="0" rtl="0" algn="l">
+              <a:spcBef>
+                <a:spcPts val="0"/>
+              </a:spcBef>
+              <a:spcAft>
+                <a:spcPts val="0"/>
+              </a:spcAft>
+              <a:buNone/>
+            </a:pPr>
+            <a:r>
+              <a:rPr lang="en"/>
               <a:t>Regular Deliverable: </a:t>
             </a:r>
             <a:r>
@@ -24193,7 +24440,7 @@
       </p:sp>
       <p:sp>
         <p:nvSpPr>
-          <p:cNvPr id="384" name="Google Shape;384;p59"/>
+          <p:cNvPr id="391" name="Google Shape;391;p60"/>
           <p:cNvSpPr txBox="1"/>
           <p:nvPr>
             <p:ph idx="1" type="body"/>
@@ -24263,7 +24510,7 @@
       </p:sp>
       <p:sp>
         <p:nvSpPr>
-          <p:cNvPr id="385" name="Google Shape;385;p59"/>
+          <p:cNvPr id="392" name="Google Shape;392;p60"/>
           <p:cNvSpPr txBox="1"/>
           <p:nvPr>
             <p:ph idx="12" type="sldNum"/>
@@ -24328,7 +24575,7 @@
       </p:sp>
       <p:pic>
         <p:nvPicPr>
-          <p:cNvPr id="386" name="Google Shape;386;p59"/>
+          <p:cNvPr id="393" name="Google Shape;393;p60"/>
           <p:cNvPicPr preferRelativeResize="0"/>
           <p:nvPr/>
         </p:nvPicPr>
@@ -24368,12 +24615,12 @@
 </p:sld>
 </file>
 
-<file path=ppt/slides/slide53.xml><?xml version="1.0" encoding="utf-8"?>
+<file path=ppt/slides/slide54.xml><?xml version="1.0" encoding="utf-8"?>
 <p:sld xmlns:a="http://schemas.openxmlformats.org/drawingml/2006/main" xmlns:r="http://schemas.openxmlformats.org/officeDocument/2006/relationships" xmlns:mc="http://schemas.openxmlformats.org/markup-compatibility/2006" xmlns:mv="urn:schemas-microsoft-com:mac:vml" xmlns:p="http://schemas.openxmlformats.org/presentationml/2006/main" xmlns:c="http://schemas.openxmlformats.org/drawingml/2006/chart" xmlns:dgm="http://schemas.openxmlformats.org/drawingml/2006/diagram" xmlns:o="urn:schemas-microsoft-com:office:office" xmlns:v="urn:schemas-microsoft-com:vml" xmlns:pvml="urn:schemas-microsoft-com:office:powerpoint" xmlns:com="http://schemas.openxmlformats.org/drawingml/2006/compatibility" xmlns:p14="http://schemas.microsoft.com/office/powerpoint/2010/main" xmlns:p15="http://schemas.microsoft.com/office/powerpoint/2012/main" xmlns:ahyp="http://schemas.microsoft.com/office/drawing/2018/hyperlinkcolor">
   <p:cSld>
     <p:spTree>
       <p:nvGrpSpPr>
-        <p:cNvPr id="390" name="Shape 390"/>
+        <p:cNvPr id="397" name="Shape 397"/>
         <p:cNvGrpSpPr/>
         <p:nvPr/>
       </p:nvGrpSpPr>
@@ -24387,7 +24634,7 @@
       </p:grpSpPr>
       <p:sp>
         <p:nvSpPr>
-          <p:cNvPr id="391" name="Google Shape;391;p60"/>
+          <p:cNvPr id="398" name="Google Shape;398;p61"/>
           <p:cNvSpPr txBox="1"/>
           <p:nvPr>
             <p:ph type="title"/>
@@ -24433,12 +24680,12 @@
 </p:sld>
 </file>
 
-<file path=ppt/slides/slide54.xml><?xml version="1.0" encoding="utf-8"?>
+<file path=ppt/slides/slide55.xml><?xml version="1.0" encoding="utf-8"?>
 <p:sld xmlns:a="http://schemas.openxmlformats.org/drawingml/2006/main" xmlns:r="http://schemas.openxmlformats.org/officeDocument/2006/relationships" xmlns:mc="http://schemas.openxmlformats.org/markup-compatibility/2006" xmlns:mv="urn:schemas-microsoft-com:mac:vml" xmlns:p="http://schemas.openxmlformats.org/presentationml/2006/main" xmlns:c="http://schemas.openxmlformats.org/drawingml/2006/chart" xmlns:dgm="http://schemas.openxmlformats.org/drawingml/2006/diagram" xmlns:o="urn:schemas-microsoft-com:office:office" xmlns:v="urn:schemas-microsoft-com:vml" xmlns:pvml="urn:schemas-microsoft-com:office:powerpoint" xmlns:com="http://schemas.openxmlformats.org/drawingml/2006/compatibility" xmlns:p14="http://schemas.microsoft.com/office/powerpoint/2010/main" xmlns:p15="http://schemas.microsoft.com/office/powerpoint/2012/main" xmlns:ahyp="http://schemas.microsoft.com/office/drawing/2018/hyperlinkcolor">
   <p:cSld>
     <p:spTree>
       <p:nvGrpSpPr>
-        <p:cNvPr id="395" name="Shape 395"/>
+        <p:cNvPr id="402" name="Shape 402"/>
         <p:cNvGrpSpPr/>
         <p:nvPr/>
       </p:nvGrpSpPr>
@@ -24452,7 +24699,7 @@
       </p:grpSpPr>
       <p:sp>
         <p:nvSpPr>
-          <p:cNvPr id="396" name="Google Shape;396;p61"/>
+          <p:cNvPr id="403" name="Google Shape;403;p62"/>
           <p:cNvSpPr txBox="1"/>
           <p:nvPr>
             <p:ph type="title"/>
@@ -24492,7 +24739,7 @@
       </p:sp>
       <p:sp>
         <p:nvSpPr>
-          <p:cNvPr id="397" name="Google Shape;397;p61"/>
+          <p:cNvPr id="404" name="Google Shape;404;p62"/>
           <p:cNvSpPr txBox="1"/>
           <p:nvPr>
             <p:ph idx="1" type="body"/>
@@ -24532,7 +24779,7 @@
       </p:sp>
       <p:sp>
         <p:nvSpPr>
-          <p:cNvPr id="398" name="Google Shape;398;p61"/>
+          <p:cNvPr id="405" name="Google Shape;405;p62"/>
           <p:cNvSpPr txBox="1"/>
           <p:nvPr>
             <p:ph idx="12" type="sldNum"/>
@@ -24597,7 +24844,7 @@
       </p:sp>
       <p:pic>
         <p:nvPicPr>
-          <p:cNvPr id="399" name="Google Shape;399;p61"/>
+          <p:cNvPr id="406" name="Google Shape;406;p62"/>
           <p:cNvPicPr preferRelativeResize="0"/>
           <p:nvPr/>
         </p:nvPicPr>
@@ -24631,7 +24878,7 @@
       </p:pic>
       <p:sp>
         <p:nvSpPr>
-          <p:cNvPr id="400" name="Google Shape;400;p61"/>
+          <p:cNvPr id="407" name="Google Shape;407;p62"/>
           <p:cNvSpPr txBox="1"/>
           <p:nvPr/>
         </p:nvSpPr>
@@ -24672,238 +24919,6 @@
               <a:t>Originally: Emotions Seismograph</a:t>
             </a:r>
             <a:endParaRPr/>
-          </a:p>
-        </p:txBody>
-      </p:sp>
-    </p:spTree>
-  </p:cSld>
-  <p:clrMapOvr>
-    <a:masterClrMapping/>
-  </p:clrMapOvr>
-</p:sld>
-</file>
-
-<file path=ppt/slides/slide55.xml><?xml version="1.0" encoding="utf-8"?>
-<p:sld xmlns:a="http://schemas.openxmlformats.org/drawingml/2006/main" xmlns:r="http://schemas.openxmlformats.org/officeDocument/2006/relationships" xmlns:mc="http://schemas.openxmlformats.org/markup-compatibility/2006" xmlns:mv="urn:schemas-microsoft-com:mac:vml" xmlns:p="http://schemas.openxmlformats.org/presentationml/2006/main" xmlns:c="http://schemas.openxmlformats.org/drawingml/2006/chart" xmlns:dgm="http://schemas.openxmlformats.org/drawingml/2006/diagram" xmlns:o="urn:schemas-microsoft-com:office:office" xmlns:v="urn:schemas-microsoft-com:vml" xmlns:pvml="urn:schemas-microsoft-com:office:powerpoint" xmlns:com="http://schemas.openxmlformats.org/drawingml/2006/compatibility" xmlns:p14="http://schemas.microsoft.com/office/powerpoint/2010/main" xmlns:p15="http://schemas.microsoft.com/office/powerpoint/2012/main" xmlns:ahyp="http://schemas.microsoft.com/office/drawing/2018/hyperlinkcolor">
-  <p:cSld>
-    <p:spTree>
-      <p:nvGrpSpPr>
-        <p:cNvPr id="404" name="Shape 404"/>
-        <p:cNvGrpSpPr/>
-        <p:nvPr/>
-      </p:nvGrpSpPr>
-      <p:grpSpPr>
-        <a:xfrm>
-          <a:off x="0" y="0"/>
-          <a:ext cx="0" cy="0"/>
-          <a:chOff x="0" y="0"/>
-          <a:chExt cx="0" cy="0"/>
-        </a:xfrm>
-      </p:grpSpPr>
-      <p:sp>
-        <p:nvSpPr>
-          <p:cNvPr id="405" name="Google Shape;405;p62"/>
-          <p:cNvSpPr txBox="1"/>
-          <p:nvPr>
-            <p:ph type="title"/>
-          </p:nvPr>
-        </p:nvSpPr>
-        <p:spPr>
-          <a:xfrm>
-            <a:off x="0" y="0"/>
-            <a:ext cx="9144000" cy="685800"/>
-          </a:xfrm>
-          <a:prstGeom prst="rect">
-            <a:avLst/>
-          </a:prstGeom>
-        </p:spPr>
-        <p:txBody>
-          <a:bodyPr anchorCtr="0" anchor="ctr" bIns="91425" lIns="274300" spcFirstLastPara="1" rIns="91425" wrap="square" tIns="91425">
-            <a:noAutofit/>
-          </a:bodyPr>
-          <a:lstStyle/>
-          <a:p>
-            <a:pPr indent="0" lvl="0" marL="0" rtl="0" algn="l">
-              <a:spcBef>
-                <a:spcPts val="0"/>
-              </a:spcBef>
-              <a:spcAft>
-                <a:spcPts val="0"/>
-              </a:spcAft>
-              <a:buNone/>
-            </a:pPr>
-            <a:r>
-              <a:rPr lang="en"/>
-              <a:t>Regular Deliverable: Happiness Index</a:t>
-            </a:r>
-            <a:endParaRPr/>
-          </a:p>
-        </p:txBody>
-      </p:sp>
-      <p:sp>
-        <p:nvSpPr>
-          <p:cNvPr id="406" name="Google Shape;406;p62"/>
-          <p:cNvSpPr txBox="1"/>
-          <p:nvPr>
-            <p:ph idx="1" type="body"/>
-          </p:nvPr>
-        </p:nvSpPr>
-        <p:spPr>
-          <a:xfrm>
-            <a:off x="274320" y="914400"/>
-            <a:ext cx="8595300" cy="4114800"/>
-          </a:xfrm>
-          <a:prstGeom prst="rect">
-            <a:avLst/>
-          </a:prstGeom>
-        </p:spPr>
-        <p:txBody>
-          <a:bodyPr anchorCtr="0" anchor="t" bIns="0" lIns="0" spcFirstLastPara="1" rIns="0" wrap="square" tIns="0">
-            <a:noAutofit/>
-          </a:bodyPr>
-          <a:lstStyle/>
-          <a:p>
-            <a:pPr indent="0" lvl="0" marL="0" rtl="0" algn="l">
-              <a:spcBef>
-                <a:spcPts val="0"/>
-              </a:spcBef>
-              <a:spcAft>
-                <a:spcPts val="0"/>
-              </a:spcAft>
-              <a:buClr>
-                <a:schemeClr val="dk1"/>
-              </a:buClr>
-              <a:buSzPts val="1100"/>
-              <a:buFont typeface="Arial"/>
-              <a:buNone/>
-            </a:pPr>
-            <a:r>
-              <a:rPr lang="en"/>
-              <a:t>Please indicate your happiness using the tool </a:t>
-            </a:r>
-            <a:r>
-              <a:rPr lang="en" u="sng">
-                <a:solidFill>
-                  <a:schemeClr val="hlink"/>
-                </a:solidFill>
-                <a:hlinkClick r:id="rId3"/>
-              </a:rPr>
-              <a:t>https://happy-amos.appspot.com/</a:t>
-            </a:r>
-            <a:endParaRPr/>
-          </a:p>
-          <a:p>
-            <a:pPr indent="-342900" lvl="0" marL="457200" rtl="0" algn="l">
-              <a:spcBef>
-                <a:spcPts val="1200"/>
-              </a:spcBef>
-              <a:spcAft>
-                <a:spcPts val="0"/>
-              </a:spcAft>
-              <a:buSzPts val="1800"/>
-              <a:buChar char="●"/>
-            </a:pPr>
-            <a:r>
-              <a:rPr lang="en"/>
-              <a:t>Every team meeting, including the first and last one, until end of day</a:t>
-            </a:r>
-            <a:endParaRPr/>
-          </a:p>
-          <a:p>
-            <a:pPr indent="0" lvl="0" marL="0" rtl="0" algn="l">
-              <a:spcBef>
-                <a:spcPts val="1200"/>
-              </a:spcBef>
-              <a:spcAft>
-                <a:spcPts val="0"/>
-              </a:spcAft>
-              <a:buNone/>
-            </a:pPr>
-            <a:r>
-              <a:rPr lang="en"/>
-              <a:t>Your contributions (your happiness) remains anonymous</a:t>
-            </a:r>
-            <a:endParaRPr/>
-          </a:p>
-          <a:p>
-            <a:pPr indent="0" lvl="0" marL="0" rtl="0" algn="l">
-              <a:spcBef>
-                <a:spcPts val="1200"/>
-              </a:spcBef>
-              <a:spcAft>
-                <a:spcPts val="1200"/>
-              </a:spcAft>
-              <a:buNone/>
-            </a:pPr>
-            <a:r>
-              <a:t/>
-            </a:r>
-            <a:endParaRPr/>
-          </a:p>
-        </p:txBody>
-      </p:sp>
-      <p:sp>
-        <p:nvSpPr>
-          <p:cNvPr id="407" name="Google Shape;407;p62"/>
-          <p:cNvSpPr txBox="1"/>
-          <p:nvPr>
-            <p:ph idx="12" type="sldNum"/>
-          </p:nvPr>
-        </p:nvSpPr>
-        <p:spPr>
-          <a:xfrm>
-            <a:off x="7315202" y="4229100"/>
-            <a:ext cx="1828800" cy="914400"/>
-          </a:xfrm>
-          <a:prstGeom prst="rect">
-            <a:avLst/>
-          </a:prstGeom>
-        </p:spPr>
-        <p:txBody>
-          <a:bodyPr anchorCtr="0" anchor="b" bIns="91425" lIns="91425" spcFirstLastPara="1" rIns="91425" wrap="square" tIns="91425">
-            <a:noAutofit/>
-          </a:bodyPr>
-          <a:lstStyle/>
-          <a:p>
-            <a:pPr indent="0" lvl="0" marL="0" rtl="0" algn="r">
-              <a:spcBef>
-                <a:spcPts val="0"/>
-              </a:spcBef>
-              <a:spcAft>
-                <a:spcPts val="0"/>
-              </a:spcAft>
-              <a:buNone/>
-            </a:pPr>
-            <a:fld id="{00000000-1234-1234-1234-123412341234}" type="slidenum">
-              <a:rPr lang="en"/>
-              <a:t>‹#›</a:t>
-            </a:fld>
-            <a:endParaRPr/>
-          </a:p>
-          <a:p>
-            <a:pPr indent="0" lvl="0" marL="0" rtl="0" algn="r">
-              <a:spcBef>
-                <a:spcPts val="0"/>
-              </a:spcBef>
-              <a:spcAft>
-                <a:spcPts val="0"/>
-              </a:spcAft>
-              <a:buNone/>
-            </a:pPr>
-            <a:r>
-              <a:rPr b="0" lang="en" sz="1000" u="sng">
-                <a:solidFill>
-                  <a:schemeClr val="hlink"/>
-                </a:solidFill>
-                <a:hlinkClick r:id="rId4"/>
-              </a:rPr>
-              <a:t>uni1.de/amos</a:t>
-            </a:r>
-            <a:r>
-              <a:rPr b="0" lang="en" sz="1000"/>
-              <a:t> </a:t>
-            </a:r>
-            <a:endParaRPr b="0" sz="1000"/>
           </a:p>
         </p:txBody>
       </p:sp>
@@ -24937,6 +24952,46 @@
           <p:cNvPr id="412" name="Google Shape;412;p63"/>
           <p:cNvSpPr txBox="1"/>
           <p:nvPr>
+            <p:ph type="title"/>
+          </p:nvPr>
+        </p:nvSpPr>
+        <p:spPr>
+          <a:xfrm>
+            <a:off x="0" y="0"/>
+            <a:ext cx="9144000" cy="685800"/>
+          </a:xfrm>
+          <a:prstGeom prst="rect">
+            <a:avLst/>
+          </a:prstGeom>
+        </p:spPr>
+        <p:txBody>
+          <a:bodyPr anchorCtr="0" anchor="ctr" bIns="91425" lIns="274300" spcFirstLastPara="1" rIns="91425" wrap="square" tIns="91425">
+            <a:noAutofit/>
+          </a:bodyPr>
+          <a:lstStyle/>
+          <a:p>
+            <a:pPr indent="0" lvl="0" marL="0" rtl="0" algn="l">
+              <a:spcBef>
+                <a:spcPts val="0"/>
+              </a:spcBef>
+              <a:spcAft>
+                <a:spcPts val="0"/>
+              </a:spcAft>
+              <a:buNone/>
+            </a:pPr>
+            <a:r>
+              <a:rPr lang="en"/>
+              <a:t>Regular Deliverable: Happiness Index</a:t>
+            </a:r>
+            <a:endParaRPr/>
+          </a:p>
+        </p:txBody>
+      </p:sp>
+      <p:sp>
+        <p:nvSpPr>
+          <p:cNvPr id="413" name="Google Shape;413;p63"/>
+          <p:cNvSpPr txBox="1"/>
+          <p:nvPr>
             <p:ph idx="1" type="body"/>
           </p:nvPr>
         </p:nvSpPr>
@@ -24955,246 +25010,80 @@
           </a:bodyPr>
           <a:lstStyle/>
           <a:p>
+            <a:pPr indent="0" lvl="0" marL="0" rtl="0" algn="l">
+              <a:spcBef>
+                <a:spcPts val="0"/>
+              </a:spcBef>
+              <a:spcAft>
+                <a:spcPts val="0"/>
+              </a:spcAft>
+              <a:buClr>
+                <a:schemeClr val="dk1"/>
+              </a:buClr>
+              <a:buSzPts val="1100"/>
+              <a:buFont typeface="Arial"/>
+              <a:buNone/>
+            </a:pPr>
+            <a:r>
+              <a:rPr lang="en"/>
+              <a:t>Please indicate your happiness using the tool </a:t>
+            </a:r>
+            <a:r>
+              <a:rPr lang="en" u="sng">
+                <a:solidFill>
+                  <a:schemeClr val="hlink"/>
+                </a:solidFill>
+                <a:hlinkClick r:id="rId3"/>
+              </a:rPr>
+              <a:t>https://happy-amos.appspot.com/</a:t>
+            </a:r>
+            <a:endParaRPr/>
+          </a:p>
+          <a:p>
             <a:pPr indent="-342900" lvl="0" marL="457200" rtl="0" algn="l">
               <a:spcBef>
-                <a:spcPts val="0"/>
+                <a:spcPts val="1200"/>
               </a:spcBef>
               <a:spcAft>
                 <a:spcPts val="0"/>
               </a:spcAft>
               <a:buSzPts val="1800"/>
-              <a:buAutoNum type="arabicPeriod"/>
-            </a:pPr>
-            <a:r>
-              <a:rPr lang="en"/>
-              <a:t>Team formation</a:t>
-            </a:r>
-            <a:endParaRPr/>
-          </a:p>
-          <a:p>
-            <a:pPr indent="-317500" lvl="1" marL="914400" rtl="0" algn="l">
-              <a:spcBef>
-                <a:spcPts val="0"/>
-              </a:spcBef>
-              <a:spcAft>
-                <a:spcPts val="0"/>
-              </a:spcAft>
-              <a:buSzPts val="1400"/>
-              <a:buAutoNum type="alphaLcPeriod"/>
-            </a:pPr>
-            <a:r>
-              <a:rPr lang="en"/>
-              <a:t>Student roles</a:t>
-            </a:r>
-            <a:endParaRPr/>
-          </a:p>
-          <a:p>
-            <a:pPr indent="-317500" lvl="1" marL="914400" rtl="0" algn="l">
-              <a:spcBef>
-                <a:spcPts val="0"/>
-              </a:spcBef>
-              <a:spcAft>
-                <a:spcPts val="0"/>
-              </a:spcAft>
-              <a:buSzPts val="1400"/>
-              <a:buAutoNum type="alphaLcPeriod"/>
-            </a:pPr>
-            <a:r>
-              <a:rPr lang="en"/>
-              <a:t>Team contract</a:t>
-            </a:r>
-            <a:endParaRPr/>
-          </a:p>
-          <a:p>
-            <a:pPr indent="-317500" lvl="1" marL="914400" rtl="0" algn="l">
-              <a:spcBef>
-                <a:spcPts val="0"/>
-              </a:spcBef>
-              <a:spcAft>
-                <a:spcPts val="0"/>
-              </a:spcAft>
-              <a:buSzPts val="1400"/>
-              <a:buAutoNum type="alphaLcPeriod"/>
-            </a:pPr>
-            <a:r>
-              <a:rPr lang="en"/>
-              <a:t>Team logo and T-shirt</a:t>
-            </a:r>
-            <a:endParaRPr/>
-          </a:p>
-          <a:p>
-            <a:pPr indent="-342900" lvl="0" marL="457200" rtl="0" algn="l">
-              <a:spcBef>
-                <a:spcPts val="1000"/>
-              </a:spcBef>
-              <a:spcAft>
-                <a:spcPts val="0"/>
-              </a:spcAft>
-              <a:buSzPts val="1800"/>
-              <a:buAutoNum type="arabicPeriod"/>
-            </a:pPr>
-            <a:r>
-              <a:rPr lang="en"/>
-              <a:t>Project tools</a:t>
-            </a:r>
-            <a:endParaRPr/>
-          </a:p>
-          <a:p>
-            <a:pPr indent="-317500" lvl="1" marL="914400" rtl="0" algn="l">
-              <a:spcBef>
-                <a:spcPts val="0"/>
-              </a:spcBef>
-              <a:spcAft>
-                <a:spcPts val="0"/>
-              </a:spcAft>
-              <a:buSzPts val="1400"/>
-              <a:buAutoNum type="alphaLcPeriod"/>
-            </a:pPr>
-            <a:r>
-              <a:rPr lang="en"/>
-              <a:t>Planning document</a:t>
-            </a:r>
-            <a:endParaRPr/>
-          </a:p>
-          <a:p>
-            <a:pPr indent="-317500" lvl="1" marL="914400" rtl="0" algn="l">
-              <a:spcBef>
-                <a:spcPts val="0"/>
-              </a:spcBef>
-              <a:spcAft>
-                <a:spcPts val="0"/>
-              </a:spcAft>
-              <a:buSzPts val="1400"/>
-              <a:buAutoNum type="alphaLcPeriod"/>
-            </a:pPr>
-            <a:r>
-              <a:rPr lang="en"/>
-              <a:t>Feature board</a:t>
-            </a:r>
-            <a:endParaRPr/>
-          </a:p>
-          <a:p>
-            <a:pPr indent="-317500" lvl="1" marL="914400" rtl="0" algn="l">
-              <a:spcBef>
-                <a:spcPts val="0"/>
-              </a:spcBef>
-              <a:spcAft>
-                <a:spcPts val="0"/>
-              </a:spcAft>
-              <a:buSzPts val="1400"/>
-              <a:buAutoNum type="alphaLcPeriod"/>
-            </a:pPr>
-            <a:r>
-              <a:rPr lang="en"/>
-              <a:t>Code repository</a:t>
-            </a:r>
-            <a:endParaRPr/>
-          </a:p>
-          <a:p>
-            <a:pPr indent="-317500" lvl="1" marL="914400" rtl="0" algn="l">
-              <a:spcBef>
-                <a:spcPts val="0"/>
-              </a:spcBef>
-              <a:spcAft>
-                <a:spcPts val="0"/>
-              </a:spcAft>
-              <a:buSzPts val="1400"/>
-              <a:buAutoNum type="alphaLcPeriod"/>
-            </a:pPr>
-            <a:r>
-              <a:rPr lang="en"/>
-              <a:t>Imp-squared backlog</a:t>
-            </a:r>
-            <a:endParaRPr/>
-          </a:p>
-          <a:p>
-            <a:pPr indent="-342900" lvl="0" marL="457200" rtl="0" algn="l">
-              <a:spcBef>
-                <a:spcPts val="1000"/>
-              </a:spcBef>
-              <a:spcAft>
-                <a:spcPts val="0"/>
-              </a:spcAft>
-              <a:buSzPts val="1800"/>
-              <a:buAutoNum type="arabicPeriod"/>
-            </a:pPr>
-            <a:r>
-              <a:rPr lang="en"/>
-              <a:t>Team coordination</a:t>
-            </a:r>
-            <a:endParaRPr/>
-          </a:p>
-          <a:p>
-            <a:pPr indent="-317500" lvl="1" marL="914400" rtl="0" algn="l">
-              <a:spcBef>
-                <a:spcPts val="0"/>
-              </a:spcBef>
-              <a:spcAft>
-                <a:spcPts val="0"/>
-              </a:spcAft>
-              <a:buSzPts val="1400"/>
-              <a:buAutoNum type="alphaLcPeriod"/>
-            </a:pPr>
-            <a:r>
-              <a:rPr lang="en"/>
-              <a:t>Stand-up emails</a:t>
-            </a:r>
-            <a:endParaRPr/>
-          </a:p>
-          <a:p>
-            <a:pPr indent="-317500" lvl="1" marL="914400" rtl="0" algn="l">
-              <a:spcBef>
-                <a:spcPts val="0"/>
-              </a:spcBef>
-              <a:spcAft>
-                <a:spcPts val="0"/>
-              </a:spcAft>
-              <a:buSzPts val="1400"/>
-              <a:buAutoNum type="alphaLcPeriod"/>
-            </a:pPr>
-            <a:r>
-              <a:rPr lang="en"/>
-              <a:t>Happiness index</a:t>
-            </a:r>
-            <a:endParaRPr/>
-          </a:p>
-        </p:txBody>
-      </p:sp>
-      <p:sp>
-        <p:nvSpPr>
-          <p:cNvPr id="413" name="Google Shape;413;p63"/>
-          <p:cNvSpPr txBox="1"/>
-          <p:nvPr>
-            <p:ph type="title"/>
-          </p:nvPr>
-        </p:nvSpPr>
-        <p:spPr>
-          <a:xfrm>
-            <a:off x="0" y="0"/>
-            <a:ext cx="9144000" cy="685800"/>
-          </a:xfrm>
-          <a:prstGeom prst="rect">
-            <a:avLst/>
-          </a:prstGeom>
-        </p:spPr>
-        <p:txBody>
-          <a:bodyPr anchorCtr="0" anchor="ctr" bIns="91425" lIns="274300" spcFirstLastPara="1" rIns="91425" wrap="square" tIns="91425">
-            <a:noAutofit/>
-          </a:bodyPr>
-          <a:lstStyle/>
+              <a:buChar char="●"/>
+            </a:pPr>
+            <a:r>
+              <a:rPr lang="en"/>
+              <a:t>Every team meeting, including the first and last one, until end of day</a:t>
+            </a:r>
+            <a:endParaRPr/>
+          </a:p>
           <a:p>
             <a:pPr indent="0" lvl="0" marL="0" rtl="0" algn="l">
               <a:spcBef>
-                <a:spcPts val="0"/>
-              </a:spcBef>
-              <a:spcAft>
-                <a:spcPts val="0"/>
-              </a:spcAft>
-              <a:buNone/>
-            </a:pPr>
-            <a:r>
-              <a:rPr lang="en"/>
-              <a:t>Summary</a:t>
+                <a:spcPts val="1200"/>
+              </a:spcBef>
+              <a:spcAft>
+                <a:spcPts val="0"/>
+              </a:spcAft>
+              <a:buNone/>
+            </a:pPr>
+            <a:r>
+              <a:rPr lang="en"/>
+              <a:t>Your contributions (your happiness) remains anonymous</a:t>
+            </a:r>
+            <a:endParaRPr/>
+          </a:p>
+          <a:p>
+            <a:pPr indent="0" lvl="0" marL="0" rtl="0" algn="l">
+              <a:spcBef>
+                <a:spcPts val="1200"/>
+              </a:spcBef>
+              <a:spcAft>
+                <a:spcPts val="1200"/>
+              </a:spcAft>
+              <a:buNone/>
+            </a:pPr>
+            <a:r>
+              <a:t/>
             </a:r>
             <a:endParaRPr/>
           </a:p>
@@ -25253,7 +25142,7 @@
                 <a:solidFill>
                   <a:schemeClr val="hlink"/>
                 </a:solidFill>
-                <a:hlinkClick r:id="rId3"/>
+                <a:hlinkClick r:id="rId4"/>
               </a:rPr>
               <a:t>uni1.de/amos</a:t>
             </a:r>
@@ -25295,36 +25184,261 @@
           <p:cNvPr id="419" name="Google Shape;419;p64"/>
           <p:cNvSpPr txBox="1"/>
           <p:nvPr>
-            <p:ph type="ctrTitle"/>
-          </p:nvPr>
-        </p:nvSpPr>
-        <p:spPr>
-          <a:xfrm>
-            <a:off x="0" y="0"/>
-            <a:ext cx="9144000" cy="2388900"/>
+            <p:ph idx="1" type="body"/>
+          </p:nvPr>
+        </p:nvSpPr>
+        <p:spPr>
+          <a:xfrm>
+            <a:off x="274320" y="914400"/>
+            <a:ext cx="8595300" cy="4114800"/>
           </a:xfrm>
           <a:prstGeom prst="rect">
             <a:avLst/>
           </a:prstGeom>
         </p:spPr>
         <p:txBody>
-          <a:bodyPr anchorCtr="0" anchor="b" bIns="274300" lIns="91425" spcFirstLastPara="1" rIns="91425" wrap="square" tIns="91425">
+          <a:bodyPr anchorCtr="0" anchor="t" bIns="0" lIns="0" spcFirstLastPara="1" rIns="0" wrap="square" tIns="0">
+            <a:normAutofit lnSpcReduction="20000"/>
+          </a:bodyPr>
+          <a:lstStyle/>
+          <a:p>
+            <a:pPr indent="0" lvl="0" marL="0" rtl="0" algn="l">
+              <a:spcBef>
+                <a:spcPts val="0"/>
+              </a:spcBef>
+              <a:spcAft>
+                <a:spcPts val="0"/>
+              </a:spcAft>
+              <a:buNone/>
+            </a:pPr>
+            <a:r>
+              <a:rPr b="1" lang="en"/>
+              <a:t>Team formation</a:t>
+            </a:r>
+            <a:endParaRPr b="1"/>
+          </a:p>
+          <a:p>
+            <a:pPr indent="-342900" lvl="0" marL="457200" rtl="0" algn="l">
+              <a:spcBef>
+                <a:spcPts val="1200"/>
+              </a:spcBef>
+              <a:spcAft>
+                <a:spcPts val="0"/>
+              </a:spcAft>
+              <a:buSzPts val="1800"/>
+              <a:buAutoNum type="arabicPeriod"/>
+            </a:pPr>
+            <a:r>
+              <a:rPr lang="en"/>
+              <a:t>Student roles</a:t>
+            </a:r>
+            <a:endParaRPr/>
+          </a:p>
+          <a:p>
+            <a:pPr indent="-342900" lvl="0" marL="457200" rtl="0" algn="l">
+              <a:spcBef>
+                <a:spcPts val="0"/>
+              </a:spcBef>
+              <a:spcAft>
+                <a:spcPts val="0"/>
+              </a:spcAft>
+              <a:buSzPts val="1800"/>
+              <a:buAutoNum type="arabicPeriod"/>
+            </a:pPr>
+            <a:r>
+              <a:rPr lang="en"/>
+              <a:t>Team contract</a:t>
+            </a:r>
+            <a:endParaRPr/>
+          </a:p>
+          <a:p>
+            <a:pPr indent="-342900" lvl="0" marL="457200" rtl="0" algn="l">
+              <a:spcBef>
+                <a:spcPts val="0"/>
+              </a:spcBef>
+              <a:spcAft>
+                <a:spcPts val="0"/>
+              </a:spcAft>
+              <a:buSzPts val="1800"/>
+              <a:buAutoNum type="arabicPeriod"/>
+            </a:pPr>
+            <a:r>
+              <a:rPr lang="en"/>
+              <a:t>Team logo and T-shirt</a:t>
+            </a:r>
+            <a:endParaRPr/>
+          </a:p>
+          <a:p>
+            <a:pPr indent="0" lvl="0" marL="0" rtl="0" algn="l">
+              <a:spcBef>
+                <a:spcPts val="1200"/>
+              </a:spcBef>
+              <a:spcAft>
+                <a:spcPts val="0"/>
+              </a:spcAft>
+              <a:buNone/>
+            </a:pPr>
+            <a:r>
+              <a:rPr b="1" lang="en"/>
+              <a:t>Project tools</a:t>
+            </a:r>
+            <a:endParaRPr b="1"/>
+          </a:p>
+          <a:p>
+            <a:pPr indent="-342900" lvl="0" marL="457200" rtl="0" algn="l">
+              <a:spcBef>
+                <a:spcPts val="1200"/>
+              </a:spcBef>
+              <a:spcAft>
+                <a:spcPts val="0"/>
+              </a:spcAft>
+              <a:buSzPts val="1800"/>
+              <a:buAutoNum type="arabicPeriod"/>
+            </a:pPr>
+            <a:r>
+              <a:rPr lang="en"/>
+              <a:t>Planning document</a:t>
+            </a:r>
+            <a:endParaRPr/>
+          </a:p>
+          <a:p>
+            <a:pPr indent="-342900" lvl="0" marL="457200" rtl="0" algn="l">
+              <a:spcBef>
+                <a:spcPts val="0"/>
+              </a:spcBef>
+              <a:spcAft>
+                <a:spcPts val="0"/>
+              </a:spcAft>
+              <a:buSzPts val="1800"/>
+              <a:buAutoNum type="arabicPeriod"/>
+            </a:pPr>
+            <a:r>
+              <a:rPr lang="en"/>
+              <a:t>Feature board</a:t>
+            </a:r>
+            <a:endParaRPr/>
+          </a:p>
+          <a:p>
+            <a:pPr indent="-342900" lvl="0" marL="457200" rtl="0" algn="l">
+              <a:spcBef>
+                <a:spcPts val="0"/>
+              </a:spcBef>
+              <a:spcAft>
+                <a:spcPts val="0"/>
+              </a:spcAft>
+              <a:buSzPts val="1800"/>
+              <a:buAutoNum type="arabicPeriod"/>
+            </a:pPr>
+            <a:r>
+              <a:rPr lang="en"/>
+              <a:t>Imp-squared backlog</a:t>
+            </a:r>
+            <a:endParaRPr/>
+          </a:p>
+          <a:p>
+            <a:pPr indent="0" lvl="0" marL="0" rtl="0" algn="l">
+              <a:spcBef>
+                <a:spcPts val="1200"/>
+              </a:spcBef>
+              <a:spcAft>
+                <a:spcPts val="0"/>
+              </a:spcAft>
+              <a:buNone/>
+            </a:pPr>
+            <a:r>
+              <a:rPr b="1" lang="en"/>
+              <a:t>Team coordination</a:t>
+            </a:r>
+            <a:endParaRPr b="1"/>
+          </a:p>
+          <a:p>
+            <a:pPr indent="-342900" lvl="0" marL="457200" rtl="0" algn="l">
+              <a:spcBef>
+                <a:spcPts val="1200"/>
+              </a:spcBef>
+              <a:spcAft>
+                <a:spcPts val="0"/>
+              </a:spcAft>
+              <a:buSzPts val="1800"/>
+              <a:buAutoNum type="arabicPeriod"/>
+            </a:pPr>
+            <a:r>
+              <a:rPr lang="en"/>
+              <a:t>Code repository</a:t>
+            </a:r>
+            <a:endParaRPr/>
+          </a:p>
+          <a:p>
+            <a:pPr indent="-342900" lvl="0" marL="457200" rtl="0" algn="l">
+              <a:spcBef>
+                <a:spcPts val="0"/>
+              </a:spcBef>
+              <a:spcAft>
+                <a:spcPts val="0"/>
+              </a:spcAft>
+              <a:buSzPts val="1800"/>
+              <a:buAutoNum type="arabicPeriod"/>
+            </a:pPr>
+            <a:r>
+              <a:rPr lang="en"/>
+              <a:t>Stand-up emails</a:t>
+            </a:r>
+            <a:endParaRPr/>
+          </a:p>
+          <a:p>
+            <a:pPr indent="-342900" lvl="0" marL="457200" rtl="0" algn="l">
+              <a:spcBef>
+                <a:spcPts val="0"/>
+              </a:spcBef>
+              <a:spcAft>
+                <a:spcPts val="0"/>
+              </a:spcAft>
+              <a:buSzPts val="1800"/>
+              <a:buAutoNum type="arabicPeriod"/>
+            </a:pPr>
+            <a:r>
+              <a:rPr lang="en"/>
+              <a:t>Happiness index</a:t>
+            </a:r>
+            <a:endParaRPr/>
+          </a:p>
+        </p:txBody>
+      </p:sp>
+      <p:sp>
+        <p:nvSpPr>
+          <p:cNvPr id="420" name="Google Shape;420;p64"/>
+          <p:cNvSpPr txBox="1"/>
+          <p:nvPr>
+            <p:ph type="title"/>
+          </p:nvPr>
+        </p:nvSpPr>
+        <p:spPr>
+          <a:xfrm>
+            <a:off x="0" y="0"/>
+            <a:ext cx="9144000" cy="685800"/>
+          </a:xfrm>
+          <a:prstGeom prst="rect">
+            <a:avLst/>
+          </a:prstGeom>
+        </p:spPr>
+        <p:txBody>
+          <a:bodyPr anchorCtr="0" anchor="ctr" bIns="91425" lIns="274300" spcFirstLastPara="1" rIns="91425" wrap="square" tIns="91425">
             <a:noAutofit/>
           </a:bodyPr>
           <a:lstStyle/>
           <a:p>
-            <a:pPr indent="0" lvl="0" marL="0" rtl="0" algn="ctr">
-              <a:spcBef>
-                <a:spcPts val="0"/>
-              </a:spcBef>
-              <a:spcAft>
-                <a:spcPts val="0"/>
-              </a:spcAft>
-              <a:buNone/>
-            </a:pPr>
-            <a:r>
-              <a:rPr lang="en"/>
-              <a:t>Thank you! Any questions?</a:t>
+            <a:pPr indent="0" lvl="0" marL="0" rtl="0" algn="l">
+              <a:spcBef>
+                <a:spcPts val="0"/>
+              </a:spcBef>
+              <a:spcAft>
+                <a:spcPts val="0"/>
+              </a:spcAft>
+              <a:buNone/>
+            </a:pPr>
+            <a:r>
+              <a:rPr lang="en"/>
+              <a:t>Summary</a:t>
             </a:r>
             <a:endParaRPr/>
           </a:p>
@@ -25332,120 +25446,66 @@
       </p:sp>
       <p:sp>
         <p:nvSpPr>
-          <p:cNvPr id="420" name="Google Shape;420;p64"/>
+          <p:cNvPr id="421" name="Google Shape;421;p64"/>
           <p:cNvSpPr txBox="1"/>
           <p:nvPr>
-            <p:ph idx="1" type="subTitle"/>
-          </p:nvPr>
-        </p:nvSpPr>
-        <p:spPr>
-          <a:xfrm>
-            <a:off x="0" y="2569475"/>
-            <a:ext cx="9144000" cy="2574000"/>
+            <p:ph idx="12" type="sldNum"/>
+          </p:nvPr>
+        </p:nvSpPr>
+        <p:spPr>
+          <a:xfrm>
+            <a:off x="7315202" y="4229100"/>
+            <a:ext cx="1828800" cy="914400"/>
           </a:xfrm>
           <a:prstGeom prst="rect">
             <a:avLst/>
           </a:prstGeom>
         </p:spPr>
         <p:txBody>
-          <a:bodyPr anchorCtr="0" anchor="t" bIns="91425" lIns="91425" spcFirstLastPara="1" rIns="91425" wrap="square" tIns="274300">
+          <a:bodyPr anchorCtr="0" anchor="b" bIns="91425" lIns="91425" spcFirstLastPara="1" rIns="91425" wrap="square" tIns="91425">
             <a:noAutofit/>
           </a:bodyPr>
           <a:lstStyle/>
           <a:p>
-            <a:pPr indent="0" lvl="0" marL="0" rtl="0" algn="ctr">
-              <a:lnSpc>
-                <a:spcPct val="150000"/>
-              </a:lnSpc>
-              <a:spcBef>
-                <a:spcPts val="0"/>
-              </a:spcBef>
-              <a:spcAft>
-                <a:spcPts val="0"/>
-              </a:spcAft>
-              <a:buNone/>
-            </a:pPr>
-            <a:r>
-              <a:rPr lang="en" u="sng">
+            <a:pPr indent="0" lvl="0" marL="0" rtl="0" algn="r">
+              <a:spcBef>
+                <a:spcPts val="0"/>
+              </a:spcBef>
+              <a:spcAft>
+                <a:spcPts val="0"/>
+              </a:spcAft>
+              <a:buNone/>
+            </a:pPr>
+            <a:fld id="{00000000-1234-1234-1234-123412341234}" type="slidenum">
+              <a:rPr lang="en"/>
+              <a:t>‹#›</a:t>
+            </a:fld>
+            <a:endParaRPr/>
+          </a:p>
+          <a:p>
+            <a:pPr indent="0" lvl="0" marL="0" rtl="0" algn="r">
+              <a:spcBef>
+                <a:spcPts val="0"/>
+              </a:spcBef>
+              <a:spcAft>
+                <a:spcPts val="0"/>
+              </a:spcAft>
+              <a:buNone/>
+            </a:pPr>
+            <a:r>
+              <a:rPr b="0" lang="en" sz="1000" u="sng">
                 <a:solidFill>
                   <a:schemeClr val="hlink"/>
                 </a:solidFill>
                 <a:hlinkClick r:id="rId3"/>
               </a:rPr>
-              <a:t>dirk.riehle@fau.de</a:t>
-            </a:r>
-            <a:r>
-              <a:rPr lang="en"/>
+              <a:t>uni1.de/amos</a:t>
+            </a:r>
+            <a:r>
+              <a:rPr b="0" lang="en" sz="1000"/>
               <a:t> </a:t>
             </a:r>
-            <a:r>
-              <a:rPr lang="en" sz="2400"/>
-              <a:t>–</a:t>
-            </a:r>
-            <a:r>
-              <a:rPr lang="en"/>
-              <a:t> </a:t>
-            </a:r>
-            <a:r>
-              <a:rPr lang="en" u="sng">
-                <a:solidFill>
-                  <a:schemeClr val="hlink"/>
-                </a:solidFill>
-                <a:hlinkClick r:id="rId4"/>
-              </a:rPr>
-              <a:t>https://oss.cs.fau.de</a:t>
-            </a:r>
-            <a:endParaRPr/>
-          </a:p>
-          <a:p>
-            <a:pPr indent="0" lvl="0" marL="0" rtl="0" algn="ctr">
-              <a:lnSpc>
-                <a:spcPct val="150000"/>
-              </a:lnSpc>
-              <a:spcBef>
-                <a:spcPts val="0"/>
-              </a:spcBef>
-              <a:spcAft>
-                <a:spcPts val="0"/>
-              </a:spcAft>
-              <a:buNone/>
-            </a:pPr>
-            <a:r>
-              <a:rPr lang="en" sz="2400" u="sng">
-                <a:solidFill>
-                  <a:schemeClr val="hlink"/>
-                </a:solidFill>
-                <a:hlinkClick r:id="rId5"/>
-              </a:rPr>
-              <a:t>dirk@riehle.org</a:t>
-            </a:r>
-            <a:r>
-              <a:rPr lang="en" sz="2400"/>
-              <a:t> – </a:t>
-            </a:r>
-            <a:r>
-              <a:rPr lang="en" sz="2400" u="sng">
-                <a:solidFill>
-                  <a:schemeClr val="hlink"/>
-                </a:solidFill>
-                <a:hlinkClick r:id="rId6"/>
-              </a:rPr>
-              <a:t>https://dirkriehle.com</a:t>
-            </a:r>
-            <a:r>
-              <a:rPr lang="en" sz="2400"/>
-              <a:t> – </a:t>
-            </a:r>
-            <a:r>
-              <a:rPr lang="en" sz="2400" u="sng">
-                <a:solidFill>
-                  <a:schemeClr val="hlink"/>
-                </a:solidFill>
-                <a:hlinkClick r:id="rId7"/>
-              </a:rPr>
-              <a:t>@dirkriehle</a:t>
-            </a:r>
-            <a:endParaRPr sz="2400"/>
+            <a:endParaRPr b="0" sz="1000"/>
           </a:p>
         </p:txBody>
       </p:sp>
@@ -25462,7 +25522,7 @@
   <p:cSld>
     <p:spTree>
       <p:nvGrpSpPr>
-        <p:cNvPr id="424" name="Shape 424"/>
+        <p:cNvPr id="425" name="Shape 425"/>
         <p:cNvGrpSpPr/>
         <p:nvPr/>
       </p:nvGrpSpPr>
@@ -25476,7 +25536,191 @@
       </p:grpSpPr>
       <p:sp>
         <p:nvSpPr>
-          <p:cNvPr id="425" name="Google Shape;425;p65"/>
+          <p:cNvPr id="426" name="Google Shape;426;p65"/>
+          <p:cNvSpPr txBox="1"/>
+          <p:nvPr>
+            <p:ph type="ctrTitle"/>
+          </p:nvPr>
+        </p:nvSpPr>
+        <p:spPr>
+          <a:xfrm>
+            <a:off x="0" y="0"/>
+            <a:ext cx="9144000" cy="2388900"/>
+          </a:xfrm>
+          <a:prstGeom prst="rect">
+            <a:avLst/>
+          </a:prstGeom>
+        </p:spPr>
+        <p:txBody>
+          <a:bodyPr anchorCtr="0" anchor="b" bIns="274300" lIns="91425" spcFirstLastPara="1" rIns="91425" wrap="square" tIns="91425">
+            <a:noAutofit/>
+          </a:bodyPr>
+          <a:lstStyle/>
+          <a:p>
+            <a:pPr indent="0" lvl="0" marL="0" rtl="0" algn="ctr">
+              <a:spcBef>
+                <a:spcPts val="0"/>
+              </a:spcBef>
+              <a:spcAft>
+                <a:spcPts val="0"/>
+              </a:spcAft>
+              <a:buNone/>
+            </a:pPr>
+            <a:r>
+              <a:rPr lang="en"/>
+              <a:t>Thank you! Any questions?</a:t>
+            </a:r>
+            <a:endParaRPr/>
+          </a:p>
+        </p:txBody>
+      </p:sp>
+      <p:sp>
+        <p:nvSpPr>
+          <p:cNvPr id="427" name="Google Shape;427;p65"/>
+          <p:cNvSpPr txBox="1"/>
+          <p:nvPr>
+            <p:ph idx="1" type="subTitle"/>
+          </p:nvPr>
+        </p:nvSpPr>
+        <p:spPr>
+          <a:xfrm>
+            <a:off x="0" y="2569475"/>
+            <a:ext cx="9144000" cy="2574000"/>
+          </a:xfrm>
+          <a:prstGeom prst="rect">
+            <a:avLst/>
+          </a:prstGeom>
+        </p:spPr>
+        <p:txBody>
+          <a:bodyPr anchorCtr="0" anchor="t" bIns="91425" lIns="91425" spcFirstLastPara="1" rIns="91425" wrap="square" tIns="274300">
+            <a:noAutofit/>
+          </a:bodyPr>
+          <a:lstStyle/>
+          <a:p>
+            <a:pPr indent="0" lvl="0" marL="0" rtl="0" algn="ctr">
+              <a:lnSpc>
+                <a:spcPct val="150000"/>
+              </a:lnSpc>
+              <a:spcBef>
+                <a:spcPts val="0"/>
+              </a:spcBef>
+              <a:spcAft>
+                <a:spcPts val="0"/>
+              </a:spcAft>
+              <a:buNone/>
+            </a:pPr>
+            <a:r>
+              <a:rPr lang="en" u="sng">
+                <a:solidFill>
+                  <a:schemeClr val="hlink"/>
+                </a:solidFill>
+                <a:hlinkClick r:id="rId3"/>
+              </a:rPr>
+              <a:t>dirk.riehle@fau.de</a:t>
+            </a:r>
+            <a:r>
+              <a:rPr lang="en"/>
+              <a:t> </a:t>
+            </a:r>
+            <a:r>
+              <a:rPr lang="en" sz="2400"/>
+              <a:t>–</a:t>
+            </a:r>
+            <a:r>
+              <a:rPr lang="en"/>
+              <a:t> </a:t>
+            </a:r>
+            <a:r>
+              <a:rPr lang="en" u="sng">
+                <a:solidFill>
+                  <a:schemeClr val="hlink"/>
+                </a:solidFill>
+                <a:hlinkClick r:id="rId4"/>
+              </a:rPr>
+              <a:t>https://oss.cs.fau.de</a:t>
+            </a:r>
+            <a:endParaRPr/>
+          </a:p>
+          <a:p>
+            <a:pPr indent="0" lvl="0" marL="0" rtl="0" algn="ctr">
+              <a:lnSpc>
+                <a:spcPct val="150000"/>
+              </a:lnSpc>
+              <a:spcBef>
+                <a:spcPts val="0"/>
+              </a:spcBef>
+              <a:spcAft>
+                <a:spcPts val="0"/>
+              </a:spcAft>
+              <a:buNone/>
+            </a:pPr>
+            <a:r>
+              <a:rPr lang="en" sz="2400" u="sng">
+                <a:solidFill>
+                  <a:schemeClr val="hlink"/>
+                </a:solidFill>
+                <a:hlinkClick r:id="rId5"/>
+              </a:rPr>
+              <a:t>dirk@riehle.org</a:t>
+            </a:r>
+            <a:r>
+              <a:rPr lang="en" sz="2400"/>
+              <a:t> – </a:t>
+            </a:r>
+            <a:r>
+              <a:rPr lang="en" sz="2400" u="sng">
+                <a:solidFill>
+                  <a:schemeClr val="hlink"/>
+                </a:solidFill>
+                <a:hlinkClick r:id="rId6"/>
+              </a:rPr>
+              <a:t>https://dirkriehle.com</a:t>
+            </a:r>
+            <a:r>
+              <a:rPr lang="en" sz="2400"/>
+              <a:t> – </a:t>
+            </a:r>
+            <a:r>
+              <a:rPr lang="en" sz="2400" u="sng">
+                <a:solidFill>
+                  <a:schemeClr val="hlink"/>
+                </a:solidFill>
+                <a:hlinkClick r:id="rId7"/>
+              </a:rPr>
+              <a:t>@dirkriehle</a:t>
+            </a:r>
+            <a:endParaRPr sz="2400"/>
+          </a:p>
+        </p:txBody>
+      </p:sp>
+    </p:spTree>
+  </p:cSld>
+  <p:clrMapOvr>
+    <a:masterClrMapping/>
+  </p:clrMapOvr>
+</p:sld>
+</file>
+
+<file path=ppt/slides/slide59.xml><?xml version="1.0" encoding="utf-8"?>
+<p:sld xmlns:a="http://schemas.openxmlformats.org/drawingml/2006/main" xmlns:r="http://schemas.openxmlformats.org/officeDocument/2006/relationships" xmlns:mc="http://schemas.openxmlformats.org/markup-compatibility/2006" xmlns:mv="urn:schemas-microsoft-com:mac:vml" xmlns:p="http://schemas.openxmlformats.org/presentationml/2006/main" xmlns:c="http://schemas.openxmlformats.org/drawingml/2006/chart" xmlns:dgm="http://schemas.openxmlformats.org/drawingml/2006/diagram" xmlns:o="urn:schemas-microsoft-com:office:office" xmlns:v="urn:schemas-microsoft-com:vml" xmlns:pvml="urn:schemas-microsoft-com:office:powerpoint" xmlns:com="http://schemas.openxmlformats.org/drawingml/2006/compatibility" xmlns:p14="http://schemas.microsoft.com/office/powerpoint/2010/main" xmlns:p15="http://schemas.microsoft.com/office/powerpoint/2012/main" xmlns:ahyp="http://schemas.microsoft.com/office/drawing/2018/hyperlinkcolor">
+  <p:cSld>
+    <p:spTree>
+      <p:nvGrpSpPr>
+        <p:cNvPr id="431" name="Shape 431"/>
+        <p:cNvGrpSpPr/>
+        <p:nvPr/>
+      </p:nvGrpSpPr>
+      <p:grpSpPr>
+        <a:xfrm>
+          <a:off x="0" y="0"/>
+          <a:ext cx="0" cy="0"/>
+          <a:chOff x="0" y="0"/>
+          <a:chExt cx="0" cy="0"/>
+        </a:xfrm>
+      </p:grpSpPr>
+      <p:sp>
+        <p:nvSpPr>
+          <p:cNvPr id="432" name="Google Shape;432;p66"/>
           <p:cNvSpPr txBox="1"/>
           <p:nvPr>
             <p:ph type="title"/>
@@ -25516,7 +25760,7 @@
       </p:sp>
       <p:sp>
         <p:nvSpPr>
-          <p:cNvPr id="426" name="Google Shape;426;p65"/>
+          <p:cNvPr id="433" name="Google Shape;433;p66"/>
           <p:cNvSpPr txBox="1"/>
           <p:nvPr>
             <p:ph idx="12" type="sldNum"/>
@@ -25581,7 +25825,7 @@
       </p:sp>
       <p:sp>
         <p:nvSpPr>
-          <p:cNvPr id="427" name="Google Shape;427;p65"/>
+          <p:cNvPr id="434" name="Google Shape;434;p66"/>
           <p:cNvSpPr txBox="1"/>
           <p:nvPr>
             <p:ph idx="1" type="body"/>
@@ -26600,6 +26844,285 @@
 </file>
 
 <file path=ppt/theme/theme1.xml><?xml version="1.0" encoding="utf-8"?>
+<a:theme xmlns:a="http://schemas.openxmlformats.org/drawingml/2006/main" xmlns:r="http://schemas.openxmlformats.org/officeDocument/2006/relationships">
+  <a:themeElements>
+    <a:clrScheme name="Default">
+      <a:dk1>
+        <a:srgbClr val="000000"/>
+      </a:dk1>
+      <a:lt1>
+        <a:srgbClr val="FFFFFF"/>
+      </a:lt1>
+      <a:dk2>
+        <a:srgbClr val="158158"/>
+      </a:dk2>
+      <a:lt2>
+        <a:srgbClr val="F3F3F3"/>
+      </a:lt2>
+      <a:accent1>
+        <a:srgbClr val="058DC7"/>
+      </a:accent1>
+      <a:accent2>
+        <a:srgbClr val="50B432"/>
+      </a:accent2>
+      <a:accent3>
+        <a:srgbClr val="ED561B"/>
+      </a:accent3>
+      <a:accent4>
+        <a:srgbClr val="EDEF00"/>
+      </a:accent4>
+      <a:accent5>
+        <a:srgbClr val="24CBE5"/>
+      </a:accent5>
+      <a:accent6>
+        <a:srgbClr val="64E572"/>
+      </a:accent6>
+      <a:hlink>
+        <a:srgbClr val="2200CC"/>
+      </a:hlink>
+      <a:folHlink>
+        <a:srgbClr val="551A8B"/>
+      </a:folHlink>
+    </a:clrScheme>
+    <a:fontScheme name="Office">
+      <a:majorFont>
+        <a:latin typeface="Arial"/>
+        <a:ea typeface=""/>
+        <a:cs typeface=""/>
+        <a:font script="Jpan" typeface="ＭＳ Ｐゴシック"/>
+        <a:font script="Hang" typeface="맑은 고딕"/>
+        <a:font script="Hans" typeface="宋体"/>
+        <a:font script="Hant" typeface="新細明體"/>
+        <a:font script="Arab" typeface="Times New Roman"/>
+        <a:font script="Hebr" typeface="Times New Roman"/>
+        <a:font script="Thai" typeface="Angsana New"/>
+        <a:font script="Ethi" typeface="Nyala"/>
+        <a:font script="Beng" typeface="Vrinda"/>
+        <a:font script="Gujr" typeface="Shruti"/>
+        <a:font script="Khmr" typeface="MoolBoran"/>
+        <a:font script="Knda" typeface="Tunga"/>
+        <a:font script="Guru" typeface="Raavi"/>
+        <a:font script="Cans" typeface="Euphemia"/>
+        <a:font script="Cher" typeface="Plantagenet Cherokee"/>
+        <a:font script="Yiii" typeface="Microsoft Yi Baiti"/>
+        <a:font script="Tibt" typeface="Microsoft Himalaya"/>
+        <a:font script="Thaa" typeface="MV Boli"/>
+        <a:font script="Deva" typeface="Mangal"/>
+        <a:font script="Telu" typeface="Gautami"/>
+        <a:font script="Taml" typeface="Latha"/>
+        <a:font script="Syrc" typeface="Estrangelo Edessa"/>
+        <a:font script="Orya" typeface="Kalinga"/>
+        <a:font script="Mlym" typeface="Kartika"/>
+        <a:font script="Laoo" typeface="DokChampa"/>
+        <a:font script="Sinh" typeface="Iskoola Pota"/>
+        <a:font script="Mong" typeface="Mongolian Baiti"/>
+        <a:font script="Viet" typeface="Times New Roman"/>
+        <a:font script="Uigh" typeface="Microsoft Uighur"/>
+        <a:font script="Geor" typeface="Sylfaen"/>
+      </a:majorFont>
+      <a:minorFont>
+        <a:latin typeface="Arial"/>
+        <a:ea typeface=""/>
+        <a:cs typeface=""/>
+        <a:font script="Jpan" typeface="ＭＳ Ｐゴシック"/>
+        <a:font script="Hang" typeface="맑은 고딕"/>
+        <a:font script="Hans" typeface="宋体"/>
+        <a:font script="Hant" typeface="新細明體"/>
+        <a:font script="Arab" typeface="Arial"/>
+        <a:font script="Hebr" typeface="Arial"/>
+        <a:font script="Thai" typeface="Cordia New"/>
+        <a:font script="Ethi" typeface="Nyala"/>
+        <a:font script="Beng" typeface="Vrinda"/>
+        <a:font script="Gujr" typeface="Shruti"/>
+        <a:font script="Khmr" typeface="DaunPenh"/>
+        <a:font script="Knda" typeface="Tunga"/>
+        <a:font script="Guru" typeface="Raavi"/>
+        <a:font script="Cans" typeface="Euphemia"/>
+        <a:font script="Cher" typeface="Plantagenet Cherokee"/>
+        <a:font script="Yiii" typeface="Microsoft Yi Baiti"/>
+        <a:font script="Tibt" typeface="Microsoft Himalaya"/>
+        <a:font script="Thaa" typeface="MV Boli"/>
+        <a:font script="Deva" typeface="Mangal"/>
+        <a:font script="Telu" typeface="Gautami"/>
+        <a:font script="Taml" typeface="Latha"/>
+        <a:font script="Syrc" typeface="Estrangelo Edessa"/>
+        <a:font script="Orya" typeface="Kalinga"/>
+        <a:font script="Mlym" typeface="Kartika"/>
+        <a:font script="Laoo" typeface="DokChampa"/>
+        <a:font script="Sinh" typeface="Iskoola Pota"/>
+        <a:font script="Mong" typeface="Mongolian Baiti"/>
+        <a:font script="Viet" typeface="Arial"/>
+        <a:font script="Uigh" typeface="Microsoft Uighur"/>
+        <a:font script="Geor" typeface="Sylfaen"/>
+      </a:minorFont>
+    </a:fontScheme>
+    <a:fmtScheme name="Office">
+      <a:fillStyleLst>
+        <a:solidFill>
+          <a:schemeClr val="phClr"/>
+        </a:solidFill>
+        <a:gradFill rotWithShape="1">
+          <a:gsLst>
+            <a:gs pos="0">
+              <a:schemeClr val="phClr">
+                <a:tint val="50000"/>
+                <a:satMod val="300000"/>
+              </a:schemeClr>
+            </a:gs>
+            <a:gs pos="35000">
+              <a:schemeClr val="phClr">
+                <a:tint val="37000"/>
+                <a:satMod val="300000"/>
+              </a:schemeClr>
+            </a:gs>
+            <a:gs pos="100000">
+              <a:schemeClr val="phClr">
+                <a:tint val="15000"/>
+                <a:satMod val="350000"/>
+              </a:schemeClr>
+            </a:gs>
+          </a:gsLst>
+          <a:lin ang="16200000" scaled="1"/>
+        </a:gradFill>
+        <a:gradFill rotWithShape="1">
+          <a:gsLst>
+            <a:gs pos="0">
+              <a:schemeClr val="phClr">
+                <a:tint val="100000"/>
+                <a:shade val="100000"/>
+                <a:satMod val="130000"/>
+              </a:schemeClr>
+            </a:gs>
+            <a:gs pos="100000">
+              <a:schemeClr val="phClr">
+                <a:tint val="50000"/>
+                <a:shade val="100000"/>
+                <a:satMod val="350000"/>
+              </a:schemeClr>
+            </a:gs>
+          </a:gsLst>
+          <a:lin ang="16200000" scaled="0"/>
+        </a:gradFill>
+      </a:fillStyleLst>
+      <a:lnStyleLst>
+        <a:ln w="9525" cap="flat" cmpd="sng" algn="ctr">
+          <a:solidFill>
+            <a:schemeClr val="phClr">
+              <a:shade val="95000"/>
+              <a:satMod val="105000"/>
+            </a:schemeClr>
+          </a:solidFill>
+          <a:prstDash val="solid"/>
+        </a:ln>
+        <a:ln w="25400" cap="flat" cmpd="sng" algn="ctr">
+          <a:solidFill>
+            <a:schemeClr val="phClr"/>
+          </a:solidFill>
+          <a:prstDash val="solid"/>
+        </a:ln>
+        <a:ln w="38100" cap="flat" cmpd="sng" algn="ctr">
+          <a:solidFill>
+            <a:schemeClr val="phClr"/>
+          </a:solidFill>
+          <a:prstDash val="solid"/>
+        </a:ln>
+      </a:lnStyleLst>
+      <a:effectStyleLst>
+        <a:effectStyle>
+          <a:effectLst>
+            <a:outerShdw blurRad="40000" dist="20000" dir="5400000" rotWithShape="0">
+              <a:srgbClr val="000000">
+                <a:alpha val="38000"/>
+              </a:srgbClr>
+            </a:outerShdw>
+          </a:effectLst>
+        </a:effectStyle>
+        <a:effectStyle>
+          <a:effectLst>
+            <a:outerShdw blurRad="40000" dist="23000" dir="5400000" rotWithShape="0">
+              <a:srgbClr val="000000">
+                <a:alpha val="35000"/>
+              </a:srgbClr>
+            </a:outerShdw>
+          </a:effectLst>
+        </a:effectStyle>
+        <a:effectStyle>
+          <a:effectLst>
+            <a:outerShdw blurRad="40000" dist="23000" dir="5400000" rotWithShape="0">
+              <a:srgbClr val="000000">
+                <a:alpha val="35000"/>
+              </a:srgbClr>
+            </a:outerShdw>
+          </a:effectLst>
+          <a:scene3d>
+            <a:camera prst="orthographicFront">
+              <a:rot lat="0" lon="0" rev="0"/>
+            </a:camera>
+            <a:lightRig rig="threePt" dir="t">
+              <a:rot lat="0" lon="0" rev="1200000"/>
+            </a:lightRig>
+          </a:scene3d>
+          <a:sp3d>
+            <a:bevelT w="63500" h="25400"/>
+          </a:sp3d>
+        </a:effectStyle>
+      </a:effectStyleLst>
+      <a:bgFillStyleLst>
+        <a:solidFill>
+          <a:schemeClr val="phClr"/>
+        </a:solidFill>
+        <a:gradFill rotWithShape="1">
+          <a:gsLst>
+            <a:gs pos="0">
+              <a:schemeClr val="phClr">
+                <a:tint val="40000"/>
+                <a:satMod val="350000"/>
+              </a:schemeClr>
+            </a:gs>
+            <a:gs pos="40000">
+              <a:schemeClr val="phClr">
+                <a:tint val="45000"/>
+                <a:shade val="99000"/>
+                <a:satMod val="350000"/>
+              </a:schemeClr>
+            </a:gs>
+            <a:gs pos="100000">
+              <a:schemeClr val="phClr">
+                <a:shade val="20000"/>
+                <a:satMod val="255000"/>
+              </a:schemeClr>
+            </a:gs>
+          </a:gsLst>
+          <a:path path="circle">
+            <a:fillToRect l="50000" t="-80000" r="50000" b="180000"/>
+          </a:path>
+        </a:gradFill>
+        <a:gradFill rotWithShape="1">
+          <a:gsLst>
+            <a:gs pos="0">
+              <a:schemeClr val="phClr">
+                <a:tint val="80000"/>
+                <a:satMod val="300000"/>
+              </a:schemeClr>
+            </a:gs>
+            <a:gs pos="100000">
+              <a:schemeClr val="phClr">
+                <a:shade val="30000"/>
+                <a:satMod val="200000"/>
+              </a:schemeClr>
+            </a:gs>
+          </a:gsLst>
+          <a:path path="circle">
+            <a:fillToRect l="50000" t="50000" r="50000" b="50000"/>
+          </a:path>
+        </a:gradFill>
+      </a:bgFillStyleLst>
+    </a:fmtScheme>
+  </a:themeElements>
+</a:theme>
+</file>
+
+<file path=ppt/theme/theme2.xml><?xml version="1.0" encoding="utf-8"?>
 <a:theme xmlns:a="http://schemas.openxmlformats.org/drawingml/2006/main" xmlns:r="http://schemas.openxmlformats.org/officeDocument/2006/relationships" name="AMOS Slides Template">
   <a:themeElements>
     <a:clrScheme name="Simple Light">
@@ -26876,283 +27399,4 @@
     </a:fmtScheme>
   </a:themeElements>
 </a:theme>
-</file>
-
-<file path=ppt/theme/theme2.xml><?xml version="1.0" encoding="utf-8"?>
-<a:theme xmlns:a="http://schemas.openxmlformats.org/drawingml/2006/main" xmlns:r="http://schemas.openxmlformats.org/officeDocument/2006/relationships">
-  <a:themeElements>
-    <a:clrScheme name="Default">
-      <a:dk1>
-        <a:srgbClr val="000000"/>
-      </a:dk1>
-      <a:lt1>
-        <a:srgbClr val="FFFFFF"/>
-      </a:lt1>
-      <a:dk2>
-        <a:srgbClr val="158158"/>
-      </a:dk2>
-      <a:lt2>
-        <a:srgbClr val="F3F3F3"/>
-      </a:lt2>
-      <a:accent1>
-        <a:srgbClr val="058DC7"/>
-      </a:accent1>
-      <a:accent2>
-        <a:srgbClr val="50B432"/>
-      </a:accent2>
-      <a:accent3>
-        <a:srgbClr val="ED561B"/>
-      </a:accent3>
-      <a:accent4>
-        <a:srgbClr val="EDEF00"/>
-      </a:accent4>
-      <a:accent5>
-        <a:srgbClr val="24CBE5"/>
-      </a:accent5>
-      <a:accent6>
-        <a:srgbClr val="64E572"/>
-      </a:accent6>
-      <a:hlink>
-        <a:srgbClr val="2200CC"/>
-      </a:hlink>
-      <a:folHlink>
-        <a:srgbClr val="551A8B"/>
-      </a:folHlink>
-    </a:clrScheme>
-    <a:fontScheme name="Office">
-      <a:majorFont>
-        <a:latin typeface="Arial"/>
-        <a:ea typeface=""/>
-        <a:cs typeface=""/>
-        <a:font script="Jpan" typeface="ＭＳ Ｐゴシック"/>
-        <a:font script="Hang" typeface="맑은 고딕"/>
-        <a:font script="Hans" typeface="宋体"/>
-        <a:font script="Hant" typeface="新細明體"/>
-        <a:font script="Arab" typeface="Times New Roman"/>
-        <a:font script="Hebr" typeface="Times New Roman"/>
-        <a:font script="Thai" typeface="Angsana New"/>
-        <a:font script="Ethi" typeface="Nyala"/>
-        <a:font script="Beng" typeface="Vrinda"/>
-        <a:font script="Gujr" typeface="Shruti"/>
-        <a:font script="Khmr" typeface="MoolBoran"/>
-        <a:font script="Knda" typeface="Tunga"/>
-        <a:font script="Guru" typeface="Raavi"/>
-        <a:font script="Cans" typeface="Euphemia"/>
-        <a:font script="Cher" typeface="Plantagenet Cherokee"/>
-        <a:font script="Yiii" typeface="Microsoft Yi Baiti"/>
-        <a:font script="Tibt" typeface="Microsoft Himalaya"/>
-        <a:font script="Thaa" typeface="MV Boli"/>
-        <a:font script="Deva" typeface="Mangal"/>
-        <a:font script="Telu" typeface="Gautami"/>
-        <a:font script="Taml" typeface="Latha"/>
-        <a:font script="Syrc" typeface="Estrangelo Edessa"/>
-        <a:font script="Orya" typeface="Kalinga"/>
-        <a:font script="Mlym" typeface="Kartika"/>
-        <a:font script="Laoo" typeface="DokChampa"/>
-        <a:font script="Sinh" typeface="Iskoola Pota"/>
-        <a:font script="Mong" typeface="Mongolian Baiti"/>
-        <a:font script="Viet" typeface="Times New Roman"/>
-        <a:font script="Uigh" typeface="Microsoft Uighur"/>
-        <a:font script="Geor" typeface="Sylfaen"/>
-      </a:majorFont>
-      <a:minorFont>
-        <a:latin typeface="Arial"/>
-        <a:ea typeface=""/>
-        <a:cs typeface=""/>
-        <a:font script="Jpan" typeface="ＭＳ Ｐゴシック"/>
-        <a:font script="Hang" typeface="맑은 고딕"/>
-        <a:font script="Hans" typeface="宋体"/>
-        <a:font script="Hant" typeface="新細明體"/>
-        <a:font script="Arab" typeface="Arial"/>
-        <a:font script="Hebr" typeface="Arial"/>
-        <a:font script="Thai" typeface="Cordia New"/>
-        <a:font script="Ethi" typeface="Nyala"/>
-        <a:font script="Beng" typeface="Vrinda"/>
-        <a:font script="Gujr" typeface="Shruti"/>
-        <a:font script="Khmr" typeface="DaunPenh"/>
-        <a:font script="Knda" typeface="Tunga"/>
-        <a:font script="Guru" typeface="Raavi"/>
-        <a:font script="Cans" typeface="Euphemia"/>
-        <a:font script="Cher" typeface="Plantagenet Cherokee"/>
-        <a:font script="Yiii" typeface="Microsoft Yi Baiti"/>
-        <a:font script="Tibt" typeface="Microsoft Himalaya"/>
-        <a:font script="Thaa" typeface="MV Boli"/>
-        <a:font script="Deva" typeface="Mangal"/>
-        <a:font script="Telu" typeface="Gautami"/>
-        <a:font script="Taml" typeface="Latha"/>
-        <a:font script="Syrc" typeface="Estrangelo Edessa"/>
-        <a:font script="Orya" typeface="Kalinga"/>
-        <a:font script="Mlym" typeface="Kartika"/>
-        <a:font script="Laoo" typeface="DokChampa"/>
-        <a:font script="Sinh" typeface="Iskoola Pota"/>
-        <a:font script="Mong" typeface="Mongolian Baiti"/>
-        <a:font script="Viet" typeface="Arial"/>
-        <a:font script="Uigh" typeface="Microsoft Uighur"/>
-        <a:font script="Geor" typeface="Sylfaen"/>
-      </a:minorFont>
-    </a:fontScheme>
-    <a:fmtScheme name="Office">
-      <a:fillStyleLst>
-        <a:solidFill>
-          <a:schemeClr val="phClr"/>
-        </a:solidFill>
-        <a:gradFill rotWithShape="1">
-          <a:gsLst>
-            <a:gs pos="0">
-              <a:schemeClr val="phClr">
-                <a:tint val="50000"/>
-                <a:satMod val="300000"/>
-              </a:schemeClr>
-            </a:gs>
-            <a:gs pos="35000">
-              <a:schemeClr val="phClr">
-                <a:tint val="37000"/>
-                <a:satMod val="300000"/>
-              </a:schemeClr>
-            </a:gs>
-            <a:gs pos="100000">
-              <a:schemeClr val="phClr">
-                <a:tint val="15000"/>
-                <a:satMod val="350000"/>
-              </a:schemeClr>
-            </a:gs>
-          </a:gsLst>
-          <a:lin ang="16200000" scaled="1"/>
-        </a:gradFill>
-        <a:gradFill rotWithShape="1">
-          <a:gsLst>
-            <a:gs pos="0">
-              <a:schemeClr val="phClr">
-                <a:tint val="100000"/>
-                <a:shade val="100000"/>
-                <a:satMod val="130000"/>
-              </a:schemeClr>
-            </a:gs>
-            <a:gs pos="100000">
-              <a:schemeClr val="phClr">
-                <a:tint val="50000"/>
-                <a:shade val="100000"/>
-                <a:satMod val="350000"/>
-              </a:schemeClr>
-            </a:gs>
-          </a:gsLst>
-          <a:lin ang="16200000" scaled="0"/>
-        </a:gradFill>
-      </a:fillStyleLst>
-      <a:lnStyleLst>
-        <a:ln w="9525" cap="flat" cmpd="sng" algn="ctr">
-          <a:solidFill>
-            <a:schemeClr val="phClr">
-              <a:shade val="95000"/>
-              <a:satMod val="105000"/>
-            </a:schemeClr>
-          </a:solidFill>
-          <a:prstDash val="solid"/>
-        </a:ln>
-        <a:ln w="25400" cap="flat" cmpd="sng" algn="ctr">
-          <a:solidFill>
-            <a:schemeClr val="phClr"/>
-          </a:solidFill>
-          <a:prstDash val="solid"/>
-        </a:ln>
-        <a:ln w="38100" cap="flat" cmpd="sng" algn="ctr">
-          <a:solidFill>
-            <a:schemeClr val="phClr"/>
-          </a:solidFill>
-          <a:prstDash val="solid"/>
-        </a:ln>
-      </a:lnStyleLst>
-      <a:effectStyleLst>
-        <a:effectStyle>
-          <a:effectLst>
-            <a:outerShdw blurRad="40000" dist="20000" dir="5400000" rotWithShape="0">
-              <a:srgbClr val="000000">
-                <a:alpha val="38000"/>
-              </a:srgbClr>
-            </a:outerShdw>
-          </a:effectLst>
-        </a:effectStyle>
-        <a:effectStyle>
-          <a:effectLst>
-            <a:outerShdw blurRad="40000" dist="23000" dir="5400000" rotWithShape="0">
-              <a:srgbClr val="000000">
-                <a:alpha val="35000"/>
-              </a:srgbClr>
-            </a:outerShdw>
-          </a:effectLst>
-        </a:effectStyle>
-        <a:effectStyle>
-          <a:effectLst>
-            <a:outerShdw blurRad="40000" dist="23000" dir="5400000" rotWithShape="0">
-              <a:srgbClr val="000000">
-                <a:alpha val="35000"/>
-              </a:srgbClr>
-            </a:outerShdw>
-          </a:effectLst>
-          <a:scene3d>
-            <a:camera prst="orthographicFront">
-              <a:rot lat="0" lon="0" rev="0"/>
-            </a:camera>
-            <a:lightRig rig="threePt" dir="t">
-              <a:rot lat="0" lon="0" rev="1200000"/>
-            </a:lightRig>
-          </a:scene3d>
-          <a:sp3d>
-            <a:bevelT w="63500" h="25400"/>
-          </a:sp3d>
-        </a:effectStyle>
-      </a:effectStyleLst>
-      <a:bgFillStyleLst>
-        <a:solidFill>
-          <a:schemeClr val="phClr"/>
-        </a:solidFill>
-        <a:gradFill rotWithShape="1">
-          <a:gsLst>
-            <a:gs pos="0">
-              <a:schemeClr val="phClr">
-                <a:tint val="40000"/>
-                <a:satMod val="350000"/>
-              </a:schemeClr>
-            </a:gs>
-            <a:gs pos="40000">
-              <a:schemeClr val="phClr">
-                <a:tint val="45000"/>
-                <a:shade val="99000"/>
-                <a:satMod val="350000"/>
-              </a:schemeClr>
-            </a:gs>
-            <a:gs pos="100000">
-              <a:schemeClr val="phClr">
-                <a:shade val="20000"/>
-                <a:satMod val="255000"/>
-              </a:schemeClr>
-            </a:gs>
-          </a:gsLst>
-          <a:path path="circle">
-            <a:fillToRect l="50000" t="-80000" r="50000" b="180000"/>
-          </a:path>
-        </a:gradFill>
-        <a:gradFill rotWithShape="1">
-          <a:gsLst>
-            <a:gs pos="0">
-              <a:schemeClr val="phClr">
-                <a:tint val="80000"/>
-                <a:satMod val="300000"/>
-              </a:schemeClr>
-            </a:gs>
-            <a:gs pos="100000">
-              <a:schemeClr val="phClr">
-                <a:shade val="30000"/>
-                <a:satMod val="200000"/>
-              </a:schemeClr>
-            </a:gs>
-          </a:gsLst>
-          <a:path path="circle">
-            <a:fillToRect l="50000" t="50000" r="50000" b="50000"/>
-          </a:path>
-        </a:gradFill>
-      </a:bgFillStyleLst>
-    </a:fmtScheme>
-  </a:themeElements>
-</a:theme>
 </file>